--- a/DATN_PhamThiThuy.pptx
+++ b/DATN_PhamThiThuy.pptx
@@ -236,7 +236,7 @@
           <a:p>
             <a:fld id="{25DD1B1C-C497-421F-B06C-F532CF0F9785}" type="datetimeFigureOut">
               <a:rPr lang="en-US" smtClean="0"/>
-              <a:t>2020-11-17</a:t>
+              <a:t>2020-11-19</a:t>
             </a:fld>
             <a:endParaRPr lang="en-US"/>
           </a:p>
@@ -414,7 +414,7 @@
           <a:p>
             <a:fld id="{7CD4A5DF-C9ED-4331-9C0A-D1B49AAB54A9}" type="datetimeFigureOut">
               <a:rPr lang="en-US" smtClean="0"/>
-              <a:t>2020-11-17</a:t>
+              <a:t>2020-11-18</a:t>
             </a:fld>
             <a:endParaRPr lang="en-US"/>
           </a:p>
@@ -2005,7 +2005,7 @@
           <a:p>
             <a:fld id="{913B9D1B-8B7F-4F2A-BB55-C21DE162B8AE}" type="datetime1">
               <a:rPr lang="vi-VN" smtClean="0"/>
-              <a:t>17/11/2020</a:t>
+              <a:t>18/11/2020</a:t>
             </a:fld>
             <a:endParaRPr lang="en-US"/>
           </a:p>
@@ -2204,7 +2204,7 @@
           <a:p>
             <a:fld id="{54C2DB50-FFA4-4032-9F03-8BC477969725}" type="datetime1">
               <a:rPr lang="vi-VN" smtClean="0"/>
-              <a:t>17/11/2020</a:t>
+              <a:t>18/11/2020</a:t>
             </a:fld>
             <a:endParaRPr lang="en-US"/>
           </a:p>
@@ -2413,7 +2413,7 @@
           <a:p>
             <a:fld id="{ABE0B1BD-9F28-4969-BFBF-2AC2D08FF176}" type="datetime1">
               <a:rPr lang="vi-VN" smtClean="0"/>
-              <a:t>17/11/2020</a:t>
+              <a:t>18/11/2020</a:t>
             </a:fld>
             <a:endParaRPr lang="en-US"/>
           </a:p>
@@ -2612,7 +2612,7 @@
           <a:p>
             <a:fld id="{4AE99753-14BD-4C19-89AD-69A137A5857A}" type="datetime1">
               <a:rPr lang="vi-VN" smtClean="0"/>
-              <a:t>17/11/2020</a:t>
+              <a:t>18/11/2020</a:t>
             </a:fld>
             <a:endParaRPr lang="en-US"/>
           </a:p>
@@ -2888,7 +2888,7 @@
           <a:p>
             <a:fld id="{D65F6F36-BB06-4F13-9611-851319F3392B}" type="datetime1">
               <a:rPr lang="vi-VN" smtClean="0"/>
-              <a:t>17/11/2020</a:t>
+              <a:t>18/11/2020</a:t>
             </a:fld>
             <a:endParaRPr lang="en-US"/>
           </a:p>
@@ -3154,7 +3154,7 @@
           <a:p>
             <a:fld id="{17D20409-82E2-4CE7-923C-CF5475366411}" type="datetime1">
               <a:rPr lang="vi-VN" smtClean="0"/>
-              <a:t>17/11/2020</a:t>
+              <a:t>18/11/2020</a:t>
             </a:fld>
             <a:endParaRPr lang="en-US"/>
           </a:p>
@@ -3567,7 +3567,7 @@
           <a:p>
             <a:fld id="{D6B602A3-B6BD-4B11-9EF7-A6995DD1D891}" type="datetime1">
               <a:rPr lang="vi-VN" smtClean="0"/>
-              <a:t>17/11/2020</a:t>
+              <a:t>18/11/2020</a:t>
             </a:fld>
             <a:endParaRPr lang="en-US"/>
           </a:p>
@@ -3709,7 +3709,7 @@
           <a:p>
             <a:fld id="{BD5774EA-1465-4714-ABCA-238E21FB1E99}" type="datetime1">
               <a:rPr lang="vi-VN" smtClean="0"/>
-              <a:t>17/11/2020</a:t>
+              <a:t>18/11/2020</a:t>
             </a:fld>
             <a:endParaRPr lang="en-US"/>
           </a:p>
@@ -3823,7 +3823,7 @@
           <a:p>
             <a:fld id="{1393677C-A199-48B1-9AE1-138834C1B67E}" type="datetime1">
               <a:rPr lang="vi-VN" smtClean="0"/>
-              <a:t>17/11/2020</a:t>
+              <a:t>18/11/2020</a:t>
             </a:fld>
             <a:endParaRPr lang="en-US"/>
           </a:p>
@@ -4135,7 +4135,7 @@
           <a:p>
             <a:fld id="{B6459F17-2D45-4809-A88D-60C6D948D5D9}" type="datetime1">
               <a:rPr lang="vi-VN" smtClean="0"/>
-              <a:t>17/11/2020</a:t>
+              <a:t>18/11/2020</a:t>
             </a:fld>
             <a:endParaRPr lang="en-US"/>
           </a:p>
@@ -4424,7 +4424,7 @@
           <a:p>
             <a:fld id="{B806E17E-5A62-4990-8004-1AAC05D07EF7}" type="datetime1">
               <a:rPr lang="vi-VN" smtClean="0"/>
-              <a:t>17/11/2020</a:t>
+              <a:t>18/11/2020</a:t>
             </a:fld>
             <a:endParaRPr lang="en-US"/>
           </a:p>
@@ -4666,7 +4666,7 @@
           <a:p>
             <a:fld id="{32F45394-1329-4267-AC9F-AB803F30FFC4}" type="datetime1">
               <a:rPr lang="vi-VN" smtClean="0"/>
-              <a:t>17/11/2020</a:t>
+              <a:t>18/11/2020</a:t>
             </a:fld>
             <a:endParaRPr lang="en-US"/>
           </a:p>
@@ -8561,7 +8561,7 @@
         </p:blipFill>
         <p:spPr>
           <a:xfrm rot="9894917">
-            <a:off x="6003490" y="4636890"/>
+            <a:off x="5889511" y="4603551"/>
             <a:ext cx="4648200" cy="2832497"/>
           </a:xfrm>
           <a:prstGeom prst="rect">
@@ -11524,12 +11524,42 @@
           </a:p>
         </p:txBody>
       </p:sp>
+      <p:sp>
+        <p:nvSpPr>
+          <p:cNvPr id="2" name="Slide Number Placeholder 1">
+            <a:extLst>
+              <a:ext uri="{FF2B5EF4-FFF2-40B4-BE49-F238E27FC236}">
+                <a16:creationId xmlns:a16="http://schemas.microsoft.com/office/drawing/2014/main" id="{3C801871-3AAF-4D92-8AAD-71FA7EC92E68}"/>
+              </a:ext>
+            </a:extLst>
+          </p:cNvPr>
+          <p:cNvSpPr>
+            <a:spLocks noGrp="1"/>
+          </p:cNvSpPr>
+          <p:nvPr>
+            <p:ph type="sldNum" sz="quarter" idx="12"/>
+          </p:nvPr>
+        </p:nvSpPr>
+        <p:spPr/>
+        <p:txBody>
+          <a:bodyPr/>
+          <a:lstStyle/>
+          <a:p>
+            <a:fld id="{B6F15528-21DE-4FAA-801E-634DDDAF4B2B}" type="slidenum">
+              <a:rPr lang="en-US" smtClean="0"/>
+              <a:pPr/>
+              <a:t>6</a:t>
+            </a:fld>
+            <a:endParaRPr lang="en-US"/>
+          </a:p>
+        </p:txBody>
+      </p:sp>
       <p:pic>
         <p:nvPicPr>
-          <p:cNvPr id="21" name="Picture 20">
-            <a:extLst>
-              <a:ext uri="{FF2B5EF4-FFF2-40B4-BE49-F238E27FC236}">
-                <a16:creationId xmlns:a16="http://schemas.microsoft.com/office/drawing/2014/main" id="{3B91FAD9-14CE-4463-B3C2-3BA4BDBEBA27}"/>
+          <p:cNvPr id="4" name="Picture 3">
+            <a:extLst>
+              <a:ext uri="{FF2B5EF4-FFF2-40B4-BE49-F238E27FC236}">
+                <a16:creationId xmlns:a16="http://schemas.microsoft.com/office/drawing/2014/main" id="{CF220B9D-AE4C-4F33-87D5-C65569C4B6AE}"/>
               </a:ext>
             </a:extLst>
           </p:cNvPr>
@@ -11552,44 +11582,14 @@
         </p:blipFill>
         <p:spPr>
           <a:xfrm>
-            <a:off x="877423" y="1298754"/>
-            <a:ext cx="7684602" cy="5466080"/>
+            <a:off x="914400" y="1363822"/>
+            <a:ext cx="7239000" cy="5411999"/>
           </a:xfrm>
           <a:prstGeom prst="rect">
             <a:avLst/>
           </a:prstGeom>
         </p:spPr>
       </p:pic>
-      <p:sp>
-        <p:nvSpPr>
-          <p:cNvPr id="2" name="Slide Number Placeholder 1">
-            <a:extLst>
-              <a:ext uri="{FF2B5EF4-FFF2-40B4-BE49-F238E27FC236}">
-                <a16:creationId xmlns:a16="http://schemas.microsoft.com/office/drawing/2014/main" id="{3C801871-3AAF-4D92-8AAD-71FA7EC92E68}"/>
-              </a:ext>
-            </a:extLst>
-          </p:cNvPr>
-          <p:cNvSpPr>
-            <a:spLocks noGrp="1"/>
-          </p:cNvSpPr>
-          <p:nvPr>
-            <p:ph type="sldNum" sz="quarter" idx="12"/>
-          </p:nvPr>
-        </p:nvSpPr>
-        <p:spPr/>
-        <p:txBody>
-          <a:bodyPr/>
-          <a:lstStyle/>
-          <a:p>
-            <a:fld id="{B6F15528-21DE-4FAA-801E-634DDDAF4B2B}" type="slidenum">
-              <a:rPr lang="en-US" smtClean="0"/>
-              <a:pPr/>
-              <a:t>6</a:t>
-            </a:fld>
-            <a:endParaRPr lang="en-US"/>
-          </a:p>
-        </p:txBody>
-      </p:sp>
     </p:spTree>
     <p:extLst>
       <p:ext uri="{BB962C8B-B14F-4D97-AF65-F5344CB8AC3E}">
@@ -11620,12 +11620,246 @@
           <a:chExt cx="0" cy="0"/>
         </a:xfrm>
       </p:grpSpPr>
-      <p:sp>
-        <p:nvSpPr>
-          <p:cNvPr id="15" name="Title 1">
-            <a:extLst>
-              <a:ext uri="{FF2B5EF4-FFF2-40B4-BE49-F238E27FC236}">
-                <a16:creationId xmlns:a16="http://schemas.microsoft.com/office/drawing/2014/main" id="{2D8E8912-DCC0-462D-925C-639221561CB2}"/>
+      <p:pic>
+        <p:nvPicPr>
+          <p:cNvPr id="16" name="Picture 15">
+            <a:extLst>
+              <a:ext uri="{FF2B5EF4-FFF2-40B4-BE49-F238E27FC236}">
+                <a16:creationId xmlns:a16="http://schemas.microsoft.com/office/drawing/2014/main" id="{3523A2E1-38F6-46C3-99B0-38289CA65FC3}"/>
+              </a:ext>
+            </a:extLst>
+          </p:cNvPr>
+          <p:cNvPicPr>
+            <a:picLocks noChangeAspect="1"/>
+          </p:cNvPicPr>
+          <p:nvPr/>
+        </p:nvPicPr>
+        <p:blipFill>
+          <a:blip r:embed="rId3">
+            <a:extLst>
+              <a:ext uri="{28A0092B-C50C-407E-A947-70E740481C1C}">
+                <a14:useLocalDpi xmlns:a14="http://schemas.microsoft.com/office/drawing/2010/main" val="0"/>
+              </a:ext>
+            </a:extLst>
+          </a:blip>
+          <a:stretch>
+            <a:fillRect/>
+          </a:stretch>
+        </p:blipFill>
+        <p:spPr>
+          <a:xfrm rot="889571">
+            <a:off x="4982896" y="-1178113"/>
+            <a:ext cx="4876800" cy="2971800"/>
+          </a:xfrm>
+          <a:prstGeom prst="rect">
+            <a:avLst/>
+          </a:prstGeom>
+        </p:spPr>
+      </p:pic>
+      <p:sp>
+        <p:nvSpPr>
+          <p:cNvPr id="17" name="TextBox 16">
+            <a:extLst>
+              <a:ext uri="{FF2B5EF4-FFF2-40B4-BE49-F238E27FC236}">
+                <a16:creationId xmlns:a16="http://schemas.microsoft.com/office/drawing/2014/main" id="{D8F1E7DF-43FD-4D73-A997-B3BC22AC61DA}"/>
+              </a:ext>
+            </a:extLst>
+          </p:cNvPr>
+          <p:cNvSpPr txBox="1"/>
+          <p:nvPr/>
+        </p:nvSpPr>
+        <p:spPr>
+          <a:xfrm>
+            <a:off x="681671" y="1066800"/>
+            <a:ext cx="4804729" cy="461665"/>
+          </a:xfrm>
+          <a:prstGeom prst="rect">
+            <a:avLst/>
+          </a:prstGeom>
+          <a:noFill/>
+        </p:spPr>
+        <p:txBody>
+          <a:bodyPr wrap="square" rtlCol="0">
+            <a:spAutoFit/>
+          </a:bodyPr>
+          <a:lstStyle/>
+          <a:p>
+            <a:pPr marL="342900" indent="-342900">
+              <a:buFont typeface="Wingdings" panose="05000000000000000000" pitchFamily="2" charset="2"/>
+              <a:buChar char="v"/>
+            </a:pPr>
+            <a:r>
+              <a:rPr lang="en-US" sz="2400" dirty="0" err="1">
+                <a:latin typeface="Times New Roman" panose="02020603050405020304" pitchFamily="18" charset="0"/>
+                <a:ea typeface="Roboto" panose="02000000000000000000" pitchFamily="2" charset="0"/>
+                <a:cs typeface="Times New Roman" panose="02020603050405020304" pitchFamily="18" charset="0"/>
+              </a:rPr>
+              <a:t>Mô</a:t>
+            </a:r>
+            <a:r>
+              <a:rPr lang="en-US" sz="2400" dirty="0">
+                <a:latin typeface="Times New Roman" panose="02020603050405020304" pitchFamily="18" charset="0"/>
+                <a:ea typeface="Roboto" panose="02000000000000000000" pitchFamily="2" charset="0"/>
+                <a:cs typeface="Times New Roman" panose="02020603050405020304" pitchFamily="18" charset="0"/>
+              </a:rPr>
+              <a:t> </a:t>
+            </a:r>
+            <a:r>
+              <a:rPr lang="en-US" sz="2400" dirty="0" err="1">
+                <a:latin typeface="Times New Roman" panose="02020603050405020304" pitchFamily="18" charset="0"/>
+                <a:ea typeface="Roboto" panose="02000000000000000000" pitchFamily="2" charset="0"/>
+                <a:cs typeface="Times New Roman" panose="02020603050405020304" pitchFamily="18" charset="0"/>
+              </a:rPr>
+              <a:t>hình</a:t>
+            </a:r>
+            <a:r>
+              <a:rPr lang="en-US" sz="2400" dirty="0">
+                <a:latin typeface="Times New Roman" panose="02020603050405020304" pitchFamily="18" charset="0"/>
+                <a:ea typeface="Roboto" panose="02000000000000000000" pitchFamily="2" charset="0"/>
+                <a:cs typeface="Times New Roman" panose="02020603050405020304" pitchFamily="18" charset="0"/>
+              </a:rPr>
+              <a:t> </a:t>
+            </a:r>
+            <a:r>
+              <a:rPr lang="en-US" sz="2400" dirty="0" err="1">
+                <a:latin typeface="Times New Roman" panose="02020603050405020304" pitchFamily="18" charset="0"/>
+                <a:ea typeface="Roboto" panose="02000000000000000000" pitchFamily="2" charset="0"/>
+                <a:cs typeface="Times New Roman" panose="02020603050405020304" pitchFamily="18" charset="0"/>
+              </a:rPr>
+              <a:t>thực</a:t>
+            </a:r>
+            <a:r>
+              <a:rPr lang="en-US" sz="2400" dirty="0">
+                <a:latin typeface="Times New Roman" panose="02020603050405020304" pitchFamily="18" charset="0"/>
+                <a:ea typeface="Roboto" panose="02000000000000000000" pitchFamily="2" charset="0"/>
+                <a:cs typeface="Times New Roman" panose="02020603050405020304" pitchFamily="18" charset="0"/>
+              </a:rPr>
+              <a:t> </a:t>
+            </a:r>
+            <a:r>
+              <a:rPr lang="en-US" sz="2400" dirty="0" err="1">
+                <a:latin typeface="Times New Roman" panose="02020603050405020304" pitchFamily="18" charset="0"/>
+                <a:ea typeface="Roboto" panose="02000000000000000000" pitchFamily="2" charset="0"/>
+                <a:cs typeface="Times New Roman" panose="02020603050405020304" pitchFamily="18" charset="0"/>
+              </a:rPr>
+              <a:t>thể</a:t>
+            </a:r>
+            <a:r>
+              <a:rPr lang="en-US" sz="2400" dirty="0">
+                <a:latin typeface="Times New Roman" panose="02020603050405020304" pitchFamily="18" charset="0"/>
+                <a:ea typeface="Roboto" panose="02000000000000000000" pitchFamily="2" charset="0"/>
+                <a:cs typeface="Times New Roman" panose="02020603050405020304" pitchFamily="18" charset="0"/>
+              </a:rPr>
+              <a:t> </a:t>
+            </a:r>
+            <a:r>
+              <a:rPr lang="en-US" sz="2400" dirty="0" err="1">
+                <a:latin typeface="Times New Roman" panose="02020603050405020304" pitchFamily="18" charset="0"/>
+                <a:ea typeface="Roboto" panose="02000000000000000000" pitchFamily="2" charset="0"/>
+                <a:cs typeface="Times New Roman" panose="02020603050405020304" pitchFamily="18" charset="0"/>
+              </a:rPr>
+              <a:t>liên</a:t>
+            </a:r>
+            <a:r>
+              <a:rPr lang="en-US" sz="2400" dirty="0">
+                <a:latin typeface="Times New Roman" panose="02020603050405020304" pitchFamily="18" charset="0"/>
+                <a:ea typeface="Roboto" panose="02000000000000000000" pitchFamily="2" charset="0"/>
+                <a:cs typeface="Times New Roman" panose="02020603050405020304" pitchFamily="18" charset="0"/>
+              </a:rPr>
+              <a:t> </a:t>
+            </a:r>
+            <a:r>
+              <a:rPr lang="en-US" sz="2400" dirty="0" err="1">
+                <a:latin typeface="Times New Roman" panose="02020603050405020304" pitchFamily="18" charset="0"/>
+                <a:ea typeface="Roboto" panose="02000000000000000000" pitchFamily="2" charset="0"/>
+                <a:cs typeface="Times New Roman" panose="02020603050405020304" pitchFamily="18" charset="0"/>
+              </a:rPr>
+              <a:t>kết</a:t>
+            </a:r>
+            <a:r>
+              <a:rPr lang="en-US" sz="2400" dirty="0">
+                <a:latin typeface="Times New Roman" panose="02020603050405020304" pitchFamily="18" charset="0"/>
+                <a:ea typeface="Roboto" panose="02000000000000000000" pitchFamily="2" charset="0"/>
+                <a:cs typeface="Times New Roman" panose="02020603050405020304" pitchFamily="18" charset="0"/>
+              </a:rPr>
+              <a:t> ERD</a:t>
+            </a:r>
+            <a:endParaRPr lang="en-US" sz="2400" dirty="0"/>
+          </a:p>
+        </p:txBody>
+      </p:sp>
+      <p:sp>
+        <p:nvSpPr>
+          <p:cNvPr id="2" name="Slide Number Placeholder 1">
+            <a:extLst>
+              <a:ext uri="{FF2B5EF4-FFF2-40B4-BE49-F238E27FC236}">
+                <a16:creationId xmlns:a16="http://schemas.microsoft.com/office/drawing/2014/main" id="{459987A5-E716-4620-BB07-A0CDDA828230}"/>
+              </a:ext>
+            </a:extLst>
+          </p:cNvPr>
+          <p:cNvSpPr>
+            <a:spLocks noGrp="1"/>
+          </p:cNvSpPr>
+          <p:nvPr>
+            <p:ph type="sldNum" sz="quarter" idx="12"/>
+          </p:nvPr>
+        </p:nvSpPr>
+        <p:spPr/>
+        <p:txBody>
+          <a:bodyPr/>
+          <a:lstStyle/>
+          <a:p>
+            <a:fld id="{B6F15528-21DE-4FAA-801E-634DDDAF4B2B}" type="slidenum">
+              <a:rPr lang="en-US" smtClean="0"/>
+              <a:pPr/>
+              <a:t>7</a:t>
+            </a:fld>
+            <a:endParaRPr lang="en-US"/>
+          </a:p>
+        </p:txBody>
+      </p:sp>
+      <p:pic>
+        <p:nvPicPr>
+          <p:cNvPr id="4" name="Picture 3">
+            <a:extLst>
+              <a:ext uri="{FF2B5EF4-FFF2-40B4-BE49-F238E27FC236}">
+                <a16:creationId xmlns:a16="http://schemas.microsoft.com/office/drawing/2014/main" id="{CE7EB83C-9563-41C4-BED6-129C2EA1B6A3}"/>
+              </a:ext>
+            </a:extLst>
+          </p:cNvPr>
+          <p:cNvPicPr>
+            <a:picLocks noChangeAspect="1"/>
+          </p:cNvPicPr>
+          <p:nvPr/>
+        </p:nvPicPr>
+        <p:blipFill>
+          <a:blip r:embed="rId4" cstate="print">
+            <a:extLst>
+              <a:ext uri="{28A0092B-C50C-407E-A947-70E740481C1C}">
+                <a14:useLocalDpi xmlns:a14="http://schemas.microsoft.com/office/drawing/2010/main" val="0"/>
+              </a:ext>
+            </a:extLst>
+          </a:blip>
+          <a:stretch>
+            <a:fillRect/>
+          </a:stretch>
+        </p:blipFill>
+        <p:spPr>
+          <a:xfrm>
+            <a:off x="1143000" y="1433837"/>
+            <a:ext cx="6988571" cy="5299095"/>
+          </a:xfrm>
+          <a:prstGeom prst="rect">
+            <a:avLst/>
+          </a:prstGeom>
+        </p:spPr>
+      </p:pic>
+      <p:sp>
+        <p:nvSpPr>
+          <p:cNvPr id="9" name="Title 1">
+            <a:extLst>
+              <a:ext uri="{FF2B5EF4-FFF2-40B4-BE49-F238E27FC236}">
+                <a16:creationId xmlns:a16="http://schemas.microsoft.com/office/drawing/2014/main" id="{69C7D1DC-8CE4-4070-9783-CB4CB0AC3DE0}"/>
               </a:ext>
             </a:extLst>
           </p:cNvPr>
@@ -11681,240 +11915,6 @@
           </a:p>
         </p:txBody>
       </p:sp>
-      <p:pic>
-        <p:nvPicPr>
-          <p:cNvPr id="16" name="Picture 15">
-            <a:extLst>
-              <a:ext uri="{FF2B5EF4-FFF2-40B4-BE49-F238E27FC236}">
-                <a16:creationId xmlns:a16="http://schemas.microsoft.com/office/drawing/2014/main" id="{3523A2E1-38F6-46C3-99B0-38289CA65FC3}"/>
-              </a:ext>
-            </a:extLst>
-          </p:cNvPr>
-          <p:cNvPicPr>
-            <a:picLocks noChangeAspect="1"/>
-          </p:cNvPicPr>
-          <p:nvPr/>
-        </p:nvPicPr>
-        <p:blipFill>
-          <a:blip r:embed="rId3">
-            <a:extLst>
-              <a:ext uri="{28A0092B-C50C-407E-A947-70E740481C1C}">
-                <a14:useLocalDpi xmlns:a14="http://schemas.microsoft.com/office/drawing/2010/main" val="0"/>
-              </a:ext>
-            </a:extLst>
-          </a:blip>
-          <a:stretch>
-            <a:fillRect/>
-          </a:stretch>
-        </p:blipFill>
-        <p:spPr>
-          <a:xfrm>
-            <a:off x="7848600" y="-729467"/>
-            <a:ext cx="4876800" cy="2971800"/>
-          </a:xfrm>
-          <a:prstGeom prst="rect">
-            <a:avLst/>
-          </a:prstGeom>
-        </p:spPr>
-      </p:pic>
-      <p:sp>
-        <p:nvSpPr>
-          <p:cNvPr id="17" name="TextBox 16">
-            <a:extLst>
-              <a:ext uri="{FF2B5EF4-FFF2-40B4-BE49-F238E27FC236}">
-                <a16:creationId xmlns:a16="http://schemas.microsoft.com/office/drawing/2014/main" id="{D8F1E7DF-43FD-4D73-A997-B3BC22AC61DA}"/>
-              </a:ext>
-            </a:extLst>
-          </p:cNvPr>
-          <p:cNvSpPr txBox="1"/>
-          <p:nvPr/>
-        </p:nvSpPr>
-        <p:spPr>
-          <a:xfrm>
-            <a:off x="681671" y="1066800"/>
-            <a:ext cx="4804729" cy="461665"/>
-          </a:xfrm>
-          <a:prstGeom prst="rect">
-            <a:avLst/>
-          </a:prstGeom>
-          <a:noFill/>
-        </p:spPr>
-        <p:txBody>
-          <a:bodyPr wrap="square" rtlCol="0">
-            <a:spAutoFit/>
-          </a:bodyPr>
-          <a:lstStyle/>
-          <a:p>
-            <a:pPr marL="342900" indent="-342900">
-              <a:buFont typeface="Wingdings" panose="05000000000000000000" pitchFamily="2" charset="2"/>
-              <a:buChar char="v"/>
-            </a:pPr>
-            <a:r>
-              <a:rPr lang="en-US" sz="2400" dirty="0" err="1">
-                <a:latin typeface="Times New Roman" panose="02020603050405020304" pitchFamily="18" charset="0"/>
-                <a:ea typeface="Roboto" panose="02000000000000000000" pitchFamily="2" charset="0"/>
-                <a:cs typeface="Times New Roman" panose="02020603050405020304" pitchFamily="18" charset="0"/>
-              </a:rPr>
-              <a:t>Mô</a:t>
-            </a:r>
-            <a:r>
-              <a:rPr lang="en-US" sz="2400" dirty="0">
-                <a:latin typeface="Times New Roman" panose="02020603050405020304" pitchFamily="18" charset="0"/>
-                <a:ea typeface="Roboto" panose="02000000000000000000" pitchFamily="2" charset="0"/>
-                <a:cs typeface="Times New Roman" panose="02020603050405020304" pitchFamily="18" charset="0"/>
-              </a:rPr>
-              <a:t> </a:t>
-            </a:r>
-            <a:r>
-              <a:rPr lang="en-US" sz="2400" dirty="0" err="1">
-                <a:latin typeface="Times New Roman" panose="02020603050405020304" pitchFamily="18" charset="0"/>
-                <a:ea typeface="Roboto" panose="02000000000000000000" pitchFamily="2" charset="0"/>
-                <a:cs typeface="Times New Roman" panose="02020603050405020304" pitchFamily="18" charset="0"/>
-              </a:rPr>
-              <a:t>hình</a:t>
-            </a:r>
-            <a:r>
-              <a:rPr lang="en-US" sz="2400" dirty="0">
-                <a:latin typeface="Times New Roman" panose="02020603050405020304" pitchFamily="18" charset="0"/>
-                <a:ea typeface="Roboto" panose="02000000000000000000" pitchFamily="2" charset="0"/>
-                <a:cs typeface="Times New Roman" panose="02020603050405020304" pitchFamily="18" charset="0"/>
-              </a:rPr>
-              <a:t> </a:t>
-            </a:r>
-            <a:r>
-              <a:rPr lang="en-US" sz="2400" dirty="0" err="1">
-                <a:latin typeface="Times New Roman" panose="02020603050405020304" pitchFamily="18" charset="0"/>
-                <a:ea typeface="Roboto" panose="02000000000000000000" pitchFamily="2" charset="0"/>
-                <a:cs typeface="Times New Roman" panose="02020603050405020304" pitchFamily="18" charset="0"/>
-              </a:rPr>
-              <a:t>thực</a:t>
-            </a:r>
-            <a:r>
-              <a:rPr lang="en-US" sz="2400" dirty="0">
-                <a:latin typeface="Times New Roman" panose="02020603050405020304" pitchFamily="18" charset="0"/>
-                <a:ea typeface="Roboto" panose="02000000000000000000" pitchFamily="2" charset="0"/>
-                <a:cs typeface="Times New Roman" panose="02020603050405020304" pitchFamily="18" charset="0"/>
-              </a:rPr>
-              <a:t> </a:t>
-            </a:r>
-            <a:r>
-              <a:rPr lang="en-US" sz="2400" dirty="0" err="1">
-                <a:latin typeface="Times New Roman" panose="02020603050405020304" pitchFamily="18" charset="0"/>
-                <a:ea typeface="Roboto" panose="02000000000000000000" pitchFamily="2" charset="0"/>
-                <a:cs typeface="Times New Roman" panose="02020603050405020304" pitchFamily="18" charset="0"/>
-              </a:rPr>
-              <a:t>thể</a:t>
-            </a:r>
-            <a:r>
-              <a:rPr lang="en-US" sz="2400" dirty="0">
-                <a:latin typeface="Times New Roman" panose="02020603050405020304" pitchFamily="18" charset="0"/>
-                <a:ea typeface="Roboto" panose="02000000000000000000" pitchFamily="2" charset="0"/>
-                <a:cs typeface="Times New Roman" panose="02020603050405020304" pitchFamily="18" charset="0"/>
-              </a:rPr>
-              <a:t> </a:t>
-            </a:r>
-            <a:r>
-              <a:rPr lang="en-US" sz="2400" dirty="0" err="1">
-                <a:latin typeface="Times New Roman" panose="02020603050405020304" pitchFamily="18" charset="0"/>
-                <a:ea typeface="Roboto" panose="02000000000000000000" pitchFamily="2" charset="0"/>
-                <a:cs typeface="Times New Roman" panose="02020603050405020304" pitchFamily="18" charset="0"/>
-              </a:rPr>
-              <a:t>liên</a:t>
-            </a:r>
-            <a:r>
-              <a:rPr lang="en-US" sz="2400" dirty="0">
-                <a:latin typeface="Times New Roman" panose="02020603050405020304" pitchFamily="18" charset="0"/>
-                <a:ea typeface="Roboto" panose="02000000000000000000" pitchFamily="2" charset="0"/>
-                <a:cs typeface="Times New Roman" panose="02020603050405020304" pitchFamily="18" charset="0"/>
-              </a:rPr>
-              <a:t> </a:t>
-            </a:r>
-            <a:r>
-              <a:rPr lang="en-US" sz="2400" dirty="0" err="1">
-                <a:latin typeface="Times New Roman" panose="02020603050405020304" pitchFamily="18" charset="0"/>
-                <a:ea typeface="Roboto" panose="02000000000000000000" pitchFamily="2" charset="0"/>
-                <a:cs typeface="Times New Roman" panose="02020603050405020304" pitchFamily="18" charset="0"/>
-              </a:rPr>
-              <a:t>kết</a:t>
-            </a:r>
-            <a:r>
-              <a:rPr lang="en-US" sz="2400" dirty="0">
-                <a:latin typeface="Times New Roman" panose="02020603050405020304" pitchFamily="18" charset="0"/>
-                <a:ea typeface="Roboto" panose="02000000000000000000" pitchFamily="2" charset="0"/>
-                <a:cs typeface="Times New Roman" panose="02020603050405020304" pitchFamily="18" charset="0"/>
-              </a:rPr>
-              <a:t> ERD</a:t>
-            </a:r>
-            <a:endParaRPr lang="en-US" sz="2400" dirty="0"/>
-          </a:p>
-        </p:txBody>
-      </p:sp>
-      <p:sp>
-        <p:nvSpPr>
-          <p:cNvPr id="2" name="Slide Number Placeholder 1">
-            <a:extLst>
-              <a:ext uri="{FF2B5EF4-FFF2-40B4-BE49-F238E27FC236}">
-                <a16:creationId xmlns:a16="http://schemas.microsoft.com/office/drawing/2014/main" id="{459987A5-E716-4620-BB07-A0CDDA828230}"/>
-              </a:ext>
-            </a:extLst>
-          </p:cNvPr>
-          <p:cNvSpPr>
-            <a:spLocks noGrp="1"/>
-          </p:cNvSpPr>
-          <p:nvPr>
-            <p:ph type="sldNum" sz="quarter" idx="12"/>
-          </p:nvPr>
-        </p:nvSpPr>
-        <p:spPr/>
-        <p:txBody>
-          <a:bodyPr/>
-          <a:lstStyle/>
-          <a:p>
-            <a:fld id="{B6F15528-21DE-4FAA-801E-634DDDAF4B2B}" type="slidenum">
-              <a:rPr lang="en-US" smtClean="0"/>
-              <a:pPr/>
-              <a:t>7</a:t>
-            </a:fld>
-            <a:endParaRPr lang="en-US"/>
-          </a:p>
-        </p:txBody>
-      </p:sp>
-      <p:pic>
-        <p:nvPicPr>
-          <p:cNvPr id="6" name="Picture 5">
-            <a:extLst>
-              <a:ext uri="{FF2B5EF4-FFF2-40B4-BE49-F238E27FC236}">
-                <a16:creationId xmlns:a16="http://schemas.microsoft.com/office/drawing/2014/main" id="{10FF6EA2-8534-47B3-B8B9-291E68070C3B}"/>
-              </a:ext>
-            </a:extLst>
-          </p:cNvPr>
-          <p:cNvPicPr>
-            <a:picLocks noChangeAspect="1"/>
-          </p:cNvPicPr>
-          <p:nvPr/>
-        </p:nvPicPr>
-        <p:blipFill>
-          <a:blip r:embed="rId4" cstate="print">
-            <a:extLst>
-              <a:ext uri="{28A0092B-C50C-407E-A947-70E740481C1C}">
-                <a14:useLocalDpi xmlns:a14="http://schemas.microsoft.com/office/drawing/2010/main" val="0"/>
-              </a:ext>
-            </a:extLst>
-          </a:blip>
-          <a:stretch>
-            <a:fillRect/>
-          </a:stretch>
-        </p:blipFill>
-        <p:spPr>
-          <a:xfrm>
-            <a:off x="628650" y="1368046"/>
-            <a:ext cx="8207502" cy="5413754"/>
-          </a:xfrm>
-          <a:prstGeom prst="rect">
-            <a:avLst/>
-          </a:prstGeom>
-        </p:spPr>
-      </p:pic>
     </p:spTree>
     <p:extLst>
       <p:ext uri="{BB962C8B-B14F-4D97-AF65-F5344CB8AC3E}">
@@ -12033,8 +12033,8 @@
           </a:stretch>
         </p:blipFill>
         <p:spPr>
-          <a:xfrm>
-            <a:off x="0" y="5796280"/>
+          <a:xfrm rot="8145941">
+            <a:off x="6548091" y="-2606450"/>
             <a:ext cx="4876800" cy="2971800"/>
           </a:xfrm>
           <a:prstGeom prst="rect">
@@ -12056,7 +12056,7 @@
         </p:nvSpPr>
         <p:spPr>
           <a:xfrm>
-            <a:off x="681671" y="1066800"/>
+            <a:off x="685800" y="1065533"/>
             <a:ext cx="4804729" cy="461665"/>
           </a:xfrm>
           <a:prstGeom prst="rect">
@@ -12204,6 +12204,42 @@
           </a:p>
         </p:txBody>
       </p:sp>
+      <p:pic>
+        <p:nvPicPr>
+          <p:cNvPr id="4" name="Picture 3">
+            <a:extLst>
+              <a:ext uri="{FF2B5EF4-FFF2-40B4-BE49-F238E27FC236}">
+                <a16:creationId xmlns:a16="http://schemas.microsoft.com/office/drawing/2014/main" id="{CCA58337-F22B-41C5-9628-B7C2C0FAE141}"/>
+              </a:ext>
+            </a:extLst>
+          </p:cNvPr>
+          <p:cNvPicPr>
+            <a:picLocks noChangeAspect="1"/>
+          </p:cNvPicPr>
+          <p:nvPr/>
+        </p:nvPicPr>
+        <p:blipFill>
+          <a:blip r:embed="rId4" cstate="print">
+            <a:extLst>
+              <a:ext uri="{28A0092B-C50C-407E-A947-70E740481C1C}">
+                <a14:useLocalDpi xmlns:a14="http://schemas.microsoft.com/office/drawing/2010/main" val="0"/>
+              </a:ext>
+            </a:extLst>
+          </a:blip>
+          <a:stretch>
+            <a:fillRect/>
+          </a:stretch>
+        </p:blipFill>
+        <p:spPr>
+          <a:xfrm>
+            <a:off x="1600200" y="1006929"/>
+            <a:ext cx="6553200" cy="5851071"/>
+          </a:xfrm>
+          <a:prstGeom prst="rect">
+            <a:avLst/>
+          </a:prstGeom>
+        </p:spPr>
+      </p:pic>
     </p:spTree>
     <p:extLst>
       <p:ext uri="{BB962C8B-B14F-4D97-AF65-F5344CB8AC3E}">
@@ -12236,10 +12272,112 @@
       </p:grpSpPr>
       <p:sp>
         <p:nvSpPr>
-          <p:cNvPr id="15" name="Title 1">
-            <a:extLst>
-              <a:ext uri="{FF2B5EF4-FFF2-40B4-BE49-F238E27FC236}">
-                <a16:creationId xmlns:a16="http://schemas.microsoft.com/office/drawing/2014/main" id="{2D8E8912-DCC0-462D-925C-639221561CB2}"/>
+          <p:cNvPr id="2" name="Slide Number Placeholder 1">
+            <a:extLst>
+              <a:ext uri="{FF2B5EF4-FFF2-40B4-BE49-F238E27FC236}">
+                <a16:creationId xmlns:a16="http://schemas.microsoft.com/office/drawing/2014/main" id="{52272A4F-CAA2-44AB-AEDA-1A80918881C3}"/>
+              </a:ext>
+            </a:extLst>
+          </p:cNvPr>
+          <p:cNvSpPr>
+            <a:spLocks noGrp="1"/>
+          </p:cNvSpPr>
+          <p:nvPr>
+            <p:ph type="sldNum" sz="quarter" idx="12"/>
+          </p:nvPr>
+        </p:nvSpPr>
+        <p:spPr/>
+        <p:txBody>
+          <a:bodyPr/>
+          <a:lstStyle/>
+          <a:p>
+            <a:fld id="{B6F15528-21DE-4FAA-801E-634DDDAF4B2B}" type="slidenum">
+              <a:rPr lang="en-US" smtClean="0"/>
+              <a:pPr/>
+              <a:t>9</a:t>
+            </a:fld>
+            <a:endParaRPr lang="en-US"/>
+          </a:p>
+        </p:txBody>
+      </p:sp>
+      <p:pic>
+        <p:nvPicPr>
+          <p:cNvPr id="6" name="Picture 5">
+            <a:extLst>
+              <a:ext uri="{FF2B5EF4-FFF2-40B4-BE49-F238E27FC236}">
+                <a16:creationId xmlns:a16="http://schemas.microsoft.com/office/drawing/2014/main" id="{35D00951-A520-4294-B907-A05F8A1621E2}"/>
+              </a:ext>
+            </a:extLst>
+          </p:cNvPr>
+          <p:cNvPicPr>
+            <a:picLocks noChangeAspect="1"/>
+          </p:cNvPicPr>
+          <p:nvPr/>
+        </p:nvPicPr>
+        <p:blipFill>
+          <a:blip r:embed="rId3" cstate="print">
+            <a:extLst>
+              <a:ext uri="{28A0092B-C50C-407E-A947-70E740481C1C}">
+                <a14:useLocalDpi xmlns:a14="http://schemas.microsoft.com/office/drawing/2010/main" val="0"/>
+              </a:ext>
+            </a:extLst>
+          </a:blip>
+          <a:stretch>
+            <a:fillRect/>
+          </a:stretch>
+        </p:blipFill>
+        <p:spPr>
+          <a:xfrm>
+            <a:off x="30480" y="1442303"/>
+            <a:ext cx="9144000" cy="5279173"/>
+          </a:xfrm>
+          <a:prstGeom prst="rect">
+            <a:avLst/>
+          </a:prstGeom>
+        </p:spPr>
+      </p:pic>
+      <p:pic>
+        <p:nvPicPr>
+          <p:cNvPr id="13" name="Picture 12">
+            <a:extLst>
+              <a:ext uri="{FF2B5EF4-FFF2-40B4-BE49-F238E27FC236}">
+                <a16:creationId xmlns:a16="http://schemas.microsoft.com/office/drawing/2014/main" id="{58BF8DAC-11A2-4EE1-9618-2E7A9F8BCB81}"/>
+              </a:ext>
+            </a:extLst>
+          </p:cNvPr>
+          <p:cNvPicPr>
+            <a:picLocks noChangeAspect="1"/>
+          </p:cNvPicPr>
+          <p:nvPr/>
+        </p:nvPicPr>
+        <p:blipFill>
+          <a:blip r:embed="rId4">
+            <a:extLst>
+              <a:ext uri="{28A0092B-C50C-407E-A947-70E740481C1C}">
+                <a14:useLocalDpi xmlns:a14="http://schemas.microsoft.com/office/drawing/2010/main" val="0"/>
+              </a:ext>
+            </a:extLst>
+          </a:blip>
+          <a:stretch>
+            <a:fillRect/>
+          </a:stretch>
+        </p:blipFill>
+        <p:spPr>
+          <a:xfrm rot="21158931">
+            <a:off x="-58521" y="-1605220"/>
+            <a:ext cx="4876800" cy="2971800"/>
+          </a:xfrm>
+          <a:prstGeom prst="rect">
+            <a:avLst/>
+          </a:prstGeom>
+        </p:spPr>
+      </p:pic>
+      <p:sp>
+        <p:nvSpPr>
+          <p:cNvPr id="7" name="Title 1">
+            <a:extLst>
+              <a:ext uri="{FF2B5EF4-FFF2-40B4-BE49-F238E27FC236}">
+                <a16:creationId xmlns:a16="http://schemas.microsoft.com/office/drawing/2014/main" id="{6DD8A123-F2C3-47CD-AE5B-261C99803F9A}"/>
               </a:ext>
             </a:extLst>
           </p:cNvPr>
@@ -12297,10 +12435,10 @@
       </p:sp>
       <p:sp>
         <p:nvSpPr>
-          <p:cNvPr id="17" name="TextBox 16">
-            <a:extLst>
-              <a:ext uri="{FF2B5EF4-FFF2-40B4-BE49-F238E27FC236}">
-                <a16:creationId xmlns:a16="http://schemas.microsoft.com/office/drawing/2014/main" id="{D8F1E7DF-43FD-4D73-A997-B3BC22AC61DA}"/>
+          <p:cNvPr id="8" name="TextBox 7">
+            <a:extLst>
+              <a:ext uri="{FF2B5EF4-FFF2-40B4-BE49-F238E27FC236}">
+                <a16:creationId xmlns:a16="http://schemas.microsoft.com/office/drawing/2014/main" id="{204F6F86-DB74-4BFB-A177-C82230FAFF5F}"/>
               </a:ext>
             </a:extLst>
           </p:cNvPr>
@@ -12427,108 +12565,6 @@
           </a:p>
         </p:txBody>
       </p:sp>
-      <p:sp>
-        <p:nvSpPr>
-          <p:cNvPr id="2" name="Slide Number Placeholder 1">
-            <a:extLst>
-              <a:ext uri="{FF2B5EF4-FFF2-40B4-BE49-F238E27FC236}">
-                <a16:creationId xmlns:a16="http://schemas.microsoft.com/office/drawing/2014/main" id="{52272A4F-CAA2-44AB-AEDA-1A80918881C3}"/>
-              </a:ext>
-            </a:extLst>
-          </p:cNvPr>
-          <p:cNvSpPr>
-            <a:spLocks noGrp="1"/>
-          </p:cNvSpPr>
-          <p:nvPr>
-            <p:ph type="sldNum" sz="quarter" idx="12"/>
-          </p:nvPr>
-        </p:nvSpPr>
-        <p:spPr/>
-        <p:txBody>
-          <a:bodyPr/>
-          <a:lstStyle/>
-          <a:p>
-            <a:fld id="{B6F15528-21DE-4FAA-801E-634DDDAF4B2B}" type="slidenum">
-              <a:rPr lang="en-US" smtClean="0"/>
-              <a:pPr/>
-              <a:t>9</a:t>
-            </a:fld>
-            <a:endParaRPr lang="en-US"/>
-          </a:p>
-        </p:txBody>
-      </p:sp>
-      <p:pic>
-        <p:nvPicPr>
-          <p:cNvPr id="6" name="Picture 5">
-            <a:extLst>
-              <a:ext uri="{FF2B5EF4-FFF2-40B4-BE49-F238E27FC236}">
-                <a16:creationId xmlns:a16="http://schemas.microsoft.com/office/drawing/2014/main" id="{35D00951-A520-4294-B907-A05F8A1621E2}"/>
-              </a:ext>
-            </a:extLst>
-          </p:cNvPr>
-          <p:cNvPicPr>
-            <a:picLocks noChangeAspect="1"/>
-          </p:cNvPicPr>
-          <p:nvPr/>
-        </p:nvPicPr>
-        <p:blipFill>
-          <a:blip r:embed="rId3" cstate="print">
-            <a:extLst>
-              <a:ext uri="{28A0092B-C50C-407E-A947-70E740481C1C}">
-                <a14:useLocalDpi xmlns:a14="http://schemas.microsoft.com/office/drawing/2010/main" val="0"/>
-              </a:ext>
-            </a:extLst>
-          </a:blip>
-          <a:stretch>
-            <a:fillRect/>
-          </a:stretch>
-        </p:blipFill>
-        <p:spPr>
-          <a:xfrm>
-            <a:off x="30480" y="1442303"/>
-            <a:ext cx="9144000" cy="5279173"/>
-          </a:xfrm>
-          <a:prstGeom prst="rect">
-            <a:avLst/>
-          </a:prstGeom>
-        </p:spPr>
-      </p:pic>
-      <p:pic>
-        <p:nvPicPr>
-          <p:cNvPr id="13" name="Picture 12">
-            <a:extLst>
-              <a:ext uri="{FF2B5EF4-FFF2-40B4-BE49-F238E27FC236}">
-                <a16:creationId xmlns:a16="http://schemas.microsoft.com/office/drawing/2014/main" id="{58BF8DAC-11A2-4EE1-9618-2E7A9F8BCB81}"/>
-              </a:ext>
-            </a:extLst>
-          </p:cNvPr>
-          <p:cNvPicPr>
-            <a:picLocks noChangeAspect="1"/>
-          </p:cNvPicPr>
-          <p:nvPr/>
-        </p:nvPicPr>
-        <p:blipFill>
-          <a:blip r:embed="rId4">
-            <a:extLst>
-              <a:ext uri="{28A0092B-C50C-407E-A947-70E740481C1C}">
-                <a14:useLocalDpi xmlns:a14="http://schemas.microsoft.com/office/drawing/2010/main" val="0"/>
-              </a:ext>
-            </a:extLst>
-          </a:blip>
-          <a:stretch>
-            <a:fillRect/>
-          </a:stretch>
-        </p:blipFill>
-        <p:spPr>
-          <a:xfrm rot="21158931">
-            <a:off x="7942479" y="-919419"/>
-            <a:ext cx="4876800" cy="2971800"/>
-          </a:xfrm>
-          <a:prstGeom prst="rect">
-            <a:avLst/>
-          </a:prstGeom>
-        </p:spPr>
-      </p:pic>
     </p:spTree>
     <p:extLst>
       <p:ext uri="{BB962C8B-B14F-4D97-AF65-F5344CB8AC3E}">

--- a/DATN_PhamThiThuy.pptx
+++ b/DATN_PhamThiThuy.pptx
@@ -5,10 +5,10 @@
     <p:sldMasterId id="2147483972" r:id="rId1"/>
   </p:sldMasterIdLst>
   <p:notesMasterIdLst>
-    <p:notesMasterId r:id="rId16"/>
+    <p:notesMasterId r:id="rId17"/>
   </p:notesMasterIdLst>
   <p:handoutMasterIdLst>
-    <p:handoutMasterId r:id="rId17"/>
+    <p:handoutMasterId r:id="rId18"/>
   </p:handoutMasterIdLst>
   <p:sldIdLst>
     <p:sldId id="256" r:id="rId2"/>
@@ -24,7 +24,8 @@
     <p:sldId id="267" r:id="rId12"/>
     <p:sldId id="290" r:id="rId13"/>
     <p:sldId id="289" r:id="rId14"/>
-    <p:sldId id="274" r:id="rId15"/>
+    <p:sldId id="295" r:id="rId15"/>
+    <p:sldId id="274" r:id="rId16"/>
   </p:sldIdLst>
   <p:sldSz cx="9144000" cy="6858000" type="screen4x3"/>
   <p:notesSz cx="9601200" cy="7315200"/>
@@ -236,7 +237,7 @@
           <a:p>
             <a:fld id="{25DD1B1C-C497-421F-B06C-F532CF0F9785}" type="datetimeFigureOut">
               <a:rPr lang="en-US" smtClean="0"/>
-              <a:t>2020-11-19</a:t>
+              <a:t>2020-12-02</a:t>
             </a:fld>
             <a:endParaRPr lang="en-US"/>
           </a:p>
@@ -414,7 +415,7 @@
           <a:p>
             <a:fld id="{7CD4A5DF-C9ED-4331-9C0A-D1B49AAB54A9}" type="datetimeFigureOut">
               <a:rPr lang="en-US" smtClean="0"/>
-              <a:t>2020-11-18</a:t>
+              <a:t>2020-12-02</a:t>
             </a:fld>
             <a:endParaRPr lang="en-US"/>
           </a:p>
@@ -1167,7 +1168,7 @@
           <a:p>
             <a:fld id="{BF0BF855-582C-4A2A-9C45-DF51A1CC05D3}" type="slidenum">
               <a:rPr lang="en-US" smtClean="0"/>
-              <a:t>14</a:t>
+              <a:t>15</a:t>
             </a:fld>
             <a:endParaRPr lang="en-US"/>
           </a:p>
@@ -2005,7 +2006,7 @@
           <a:p>
             <a:fld id="{913B9D1B-8B7F-4F2A-BB55-C21DE162B8AE}" type="datetime1">
               <a:rPr lang="vi-VN" smtClean="0"/>
-              <a:t>18/11/2020</a:t>
+              <a:t>02/12/2020</a:t>
             </a:fld>
             <a:endParaRPr lang="en-US"/>
           </a:p>
@@ -2204,7 +2205,7 @@
           <a:p>
             <a:fld id="{54C2DB50-FFA4-4032-9F03-8BC477969725}" type="datetime1">
               <a:rPr lang="vi-VN" smtClean="0"/>
-              <a:t>18/11/2020</a:t>
+              <a:t>02/12/2020</a:t>
             </a:fld>
             <a:endParaRPr lang="en-US"/>
           </a:p>
@@ -2413,7 +2414,7 @@
           <a:p>
             <a:fld id="{ABE0B1BD-9F28-4969-BFBF-2AC2D08FF176}" type="datetime1">
               <a:rPr lang="vi-VN" smtClean="0"/>
-              <a:t>18/11/2020</a:t>
+              <a:t>02/12/2020</a:t>
             </a:fld>
             <a:endParaRPr lang="en-US"/>
           </a:p>
@@ -2612,7 +2613,7 @@
           <a:p>
             <a:fld id="{4AE99753-14BD-4C19-89AD-69A137A5857A}" type="datetime1">
               <a:rPr lang="vi-VN" smtClean="0"/>
-              <a:t>18/11/2020</a:t>
+              <a:t>02/12/2020</a:t>
             </a:fld>
             <a:endParaRPr lang="en-US"/>
           </a:p>
@@ -2888,7 +2889,7 @@
           <a:p>
             <a:fld id="{D65F6F36-BB06-4F13-9611-851319F3392B}" type="datetime1">
               <a:rPr lang="vi-VN" smtClean="0"/>
-              <a:t>18/11/2020</a:t>
+              <a:t>02/12/2020</a:t>
             </a:fld>
             <a:endParaRPr lang="en-US"/>
           </a:p>
@@ -3154,7 +3155,7 @@
           <a:p>
             <a:fld id="{17D20409-82E2-4CE7-923C-CF5475366411}" type="datetime1">
               <a:rPr lang="vi-VN" smtClean="0"/>
-              <a:t>18/11/2020</a:t>
+              <a:t>02/12/2020</a:t>
             </a:fld>
             <a:endParaRPr lang="en-US"/>
           </a:p>
@@ -3567,7 +3568,7 @@
           <a:p>
             <a:fld id="{D6B602A3-B6BD-4B11-9EF7-A6995DD1D891}" type="datetime1">
               <a:rPr lang="vi-VN" smtClean="0"/>
-              <a:t>18/11/2020</a:t>
+              <a:t>02/12/2020</a:t>
             </a:fld>
             <a:endParaRPr lang="en-US"/>
           </a:p>
@@ -3709,7 +3710,7 @@
           <a:p>
             <a:fld id="{BD5774EA-1465-4714-ABCA-238E21FB1E99}" type="datetime1">
               <a:rPr lang="vi-VN" smtClean="0"/>
-              <a:t>18/11/2020</a:t>
+              <a:t>02/12/2020</a:t>
             </a:fld>
             <a:endParaRPr lang="en-US"/>
           </a:p>
@@ -3823,7 +3824,7 @@
           <a:p>
             <a:fld id="{1393677C-A199-48B1-9AE1-138834C1B67E}" type="datetime1">
               <a:rPr lang="vi-VN" smtClean="0"/>
-              <a:t>18/11/2020</a:t>
+              <a:t>02/12/2020</a:t>
             </a:fld>
             <a:endParaRPr lang="en-US"/>
           </a:p>
@@ -4135,7 +4136,7 @@
           <a:p>
             <a:fld id="{B6459F17-2D45-4809-A88D-60C6D948D5D9}" type="datetime1">
               <a:rPr lang="vi-VN" smtClean="0"/>
-              <a:t>18/11/2020</a:t>
+              <a:t>02/12/2020</a:t>
             </a:fld>
             <a:endParaRPr lang="en-US"/>
           </a:p>
@@ -4424,7 +4425,7 @@
           <a:p>
             <a:fld id="{B806E17E-5A62-4990-8004-1AAC05D07EF7}" type="datetime1">
               <a:rPr lang="vi-VN" smtClean="0"/>
-              <a:t>18/11/2020</a:t>
+              <a:t>02/12/2020</a:t>
             </a:fld>
             <a:endParaRPr lang="en-US"/>
           </a:p>
@@ -4666,7 +4667,7 @@
           <a:p>
             <a:fld id="{32F45394-1329-4267-AC9F-AB803F30FFC4}" type="datetime1">
               <a:rPr lang="vi-VN" smtClean="0"/>
-              <a:t>18/11/2020</a:t>
+              <a:t>02/12/2020</a:t>
             </a:fld>
             <a:endParaRPr lang="en-US"/>
           </a:p>
@@ -5791,42 +5792,6 @@
           <a:chExt cx="0" cy="0"/>
         </a:xfrm>
       </p:grpSpPr>
-      <p:pic>
-        <p:nvPicPr>
-          <p:cNvPr id="16" name="Picture 15">
-            <a:extLst>
-              <a:ext uri="{FF2B5EF4-FFF2-40B4-BE49-F238E27FC236}">
-                <a16:creationId xmlns:a16="http://schemas.microsoft.com/office/drawing/2014/main" id="{3523A2E1-38F6-46C3-99B0-38289CA65FC3}"/>
-              </a:ext>
-            </a:extLst>
-          </p:cNvPr>
-          <p:cNvPicPr>
-            <a:picLocks noChangeAspect="1"/>
-          </p:cNvPicPr>
-          <p:nvPr/>
-        </p:nvPicPr>
-        <p:blipFill>
-          <a:blip r:embed="rId3">
-            <a:extLst>
-              <a:ext uri="{28A0092B-C50C-407E-A947-70E740481C1C}">
-                <a14:useLocalDpi xmlns:a14="http://schemas.microsoft.com/office/drawing/2010/main" val="0"/>
-              </a:ext>
-            </a:extLst>
-          </a:blip>
-          <a:stretch>
-            <a:fillRect/>
-          </a:stretch>
-        </p:blipFill>
-        <p:spPr>
-          <a:xfrm rot="10289512">
-            <a:off x="7127204" y="-1349375"/>
-            <a:ext cx="4876800" cy="2971800"/>
-          </a:xfrm>
-          <a:prstGeom prst="rect">
-            <a:avLst/>
-          </a:prstGeom>
-        </p:spPr>
-      </p:pic>
       <p:sp>
         <p:nvSpPr>
           <p:cNvPr id="17" name="TextBox 16">
@@ -6125,78 +6090,6 @@
               </a14:hiddenFill>
             </a:ext>
           </a:extLst>
-        </p:spPr>
-      </p:pic>
-      <p:pic>
-        <p:nvPicPr>
-          <p:cNvPr id="22" name="Picture 21">
-            <a:extLst>
-              <a:ext uri="{FF2B5EF4-FFF2-40B4-BE49-F238E27FC236}">
-                <a16:creationId xmlns:a16="http://schemas.microsoft.com/office/drawing/2014/main" id="{03E65A63-D096-4053-B035-3EAA468830BA}"/>
-              </a:ext>
-            </a:extLst>
-          </p:cNvPr>
-          <p:cNvPicPr>
-            <a:picLocks noChangeAspect="1"/>
-          </p:cNvPicPr>
-          <p:nvPr/>
-        </p:nvPicPr>
-        <p:blipFill>
-          <a:blip r:embed="rId4">
-            <a:extLst>
-              <a:ext uri="{28A0092B-C50C-407E-A947-70E740481C1C}">
-                <a14:useLocalDpi xmlns:a14="http://schemas.microsoft.com/office/drawing/2010/main" val="0"/>
-              </a:ext>
-            </a:extLst>
-          </a:blip>
-          <a:stretch>
-            <a:fillRect/>
-          </a:stretch>
-        </p:blipFill>
-        <p:spPr>
-          <a:xfrm>
-            <a:off x="5410200" y="-901700"/>
-            <a:ext cx="4876800" cy="2971800"/>
-          </a:xfrm>
-          <a:prstGeom prst="rect">
-            <a:avLst/>
-          </a:prstGeom>
-        </p:spPr>
-      </p:pic>
-      <p:pic>
-        <p:nvPicPr>
-          <p:cNvPr id="26" name="Picture 25">
-            <a:extLst>
-              <a:ext uri="{FF2B5EF4-FFF2-40B4-BE49-F238E27FC236}">
-                <a16:creationId xmlns:a16="http://schemas.microsoft.com/office/drawing/2014/main" id="{A3BCA4E5-FBC6-44D7-A341-8424417628DB}"/>
-              </a:ext>
-            </a:extLst>
-          </p:cNvPr>
-          <p:cNvPicPr>
-            <a:picLocks noChangeAspect="1"/>
-          </p:cNvPicPr>
-          <p:nvPr/>
-        </p:nvPicPr>
-        <p:blipFill>
-          <a:blip r:embed="rId4">
-            <a:extLst>
-              <a:ext uri="{28A0092B-C50C-407E-A947-70E740481C1C}">
-                <a14:useLocalDpi xmlns:a14="http://schemas.microsoft.com/office/drawing/2010/main" val="0"/>
-              </a:ext>
-            </a:extLst>
-          </a:blip>
-          <a:stretch>
-            <a:fillRect/>
-          </a:stretch>
-        </p:blipFill>
-        <p:spPr>
-          <a:xfrm rot="21276039">
-            <a:off x="-3655821" y="5944532"/>
-            <a:ext cx="4876800" cy="2971800"/>
-          </a:xfrm>
-          <a:prstGeom prst="rect">
-            <a:avLst/>
-          </a:prstGeom>
         </p:spPr>
       </p:pic>
       <p:sp>
@@ -6671,20 +6564,6 @@
                 <a:latin typeface="Roboto" panose="02000000000000000000" pitchFamily="2" charset="0"/>
                 <a:ea typeface="Roboto" panose="02000000000000000000" pitchFamily="2" charset="0"/>
               </a:rPr>
-              <a:t>mềm</a:t>
-            </a:r>
-            <a:r>
-              <a:rPr lang="en-US" sz="2250" dirty="0">
-                <a:latin typeface="Roboto" panose="02000000000000000000" pitchFamily="2" charset="0"/>
-                <a:ea typeface="Roboto" panose="02000000000000000000" pitchFamily="2" charset="0"/>
-              </a:rPr>
-              <a:t> </a:t>
-            </a:r>
-            <a:r>
-              <a:rPr lang="en-US" sz="2250" dirty="0" err="1">
-                <a:latin typeface="Roboto" panose="02000000000000000000" pitchFamily="2" charset="0"/>
-                <a:ea typeface="Roboto" panose="02000000000000000000" pitchFamily="2" charset="0"/>
-              </a:rPr>
               <a:t>cần</a:t>
             </a:r>
             <a:r>
@@ -6758,21 +6637,28 @@
                 <a:latin typeface="Roboto" panose="02000000000000000000" pitchFamily="2" charset="0"/>
                 <a:ea typeface="Roboto" panose="02000000000000000000" pitchFamily="2" charset="0"/>
               </a:rPr>
-              <a:t>Hoàn</a:t>
+              <a:t>Đạt</a:t>
             </a:r>
             <a:r>
               <a:rPr lang="en-US" sz="2250" dirty="0">
                 <a:latin typeface="Roboto" panose="02000000000000000000" pitchFamily="2" charset="0"/>
                 <a:ea typeface="Roboto" panose="02000000000000000000" pitchFamily="2" charset="0"/>
               </a:rPr>
-              <a:t> </a:t>
+              <a:t> đ</a:t>
+            </a:r>
+            <a:r>
+              <a:rPr lang="vi-VN" sz="2250" dirty="0">
+                <a:latin typeface="Roboto" panose="02000000000000000000" pitchFamily="2" charset="0"/>
+                <a:ea typeface="Roboto" panose="02000000000000000000" pitchFamily="2" charset="0"/>
+              </a:rPr>
+              <a:t>ư</a:t>
             </a:r>
             <a:r>
               <a:rPr lang="en-US" sz="2250" dirty="0" err="1">
                 <a:latin typeface="Roboto" panose="02000000000000000000" pitchFamily="2" charset="0"/>
                 <a:ea typeface="Roboto" panose="02000000000000000000" pitchFamily="2" charset="0"/>
               </a:rPr>
-              <a:t>thành</a:t>
+              <a:t>ợc</a:t>
             </a:r>
             <a:r>
               <a:rPr lang="en-US" sz="2250" dirty="0">
@@ -6786,7 +6672,7 @@
                 <a:latin typeface="Roboto" panose="02000000000000000000" pitchFamily="2" charset="0"/>
                 <a:ea typeface="Roboto" panose="02000000000000000000" pitchFamily="2" charset="0"/>
               </a:rPr>
-              <a:t>được</a:t>
+              <a:t>các</a:t>
             </a:r>
             <a:r>
               <a:rPr lang="en-US" sz="2250" dirty="0">
@@ -6800,7 +6686,7 @@
                 <a:latin typeface="Roboto" panose="02000000000000000000" pitchFamily="2" charset="0"/>
                 <a:ea typeface="Roboto" panose="02000000000000000000" pitchFamily="2" charset="0"/>
               </a:rPr>
-              <a:t>ứng</a:t>
+              <a:t>mục</a:t>
             </a:r>
             <a:r>
               <a:rPr lang="en-US" sz="2250" dirty="0">
@@ -6814,7 +6700,7 @@
                 <a:latin typeface="Roboto" panose="02000000000000000000" pitchFamily="2" charset="0"/>
                 <a:ea typeface="Roboto" panose="02000000000000000000" pitchFamily="2" charset="0"/>
               </a:rPr>
-              <a:t>dụng</a:t>
+              <a:t>tiêu</a:t>
             </a:r>
             <a:r>
               <a:rPr lang="en-US" sz="2250" dirty="0">
@@ -6828,63 +6714,28 @@
                 <a:latin typeface="Roboto" panose="02000000000000000000" pitchFamily="2" charset="0"/>
                 <a:ea typeface="Roboto" panose="02000000000000000000" pitchFamily="2" charset="0"/>
               </a:rPr>
-              <a:t>tốt</a:t>
+              <a:t>đặt</a:t>
+            </a:r>
+            <a:r>
+              <a:rPr lang="en-US" sz="2250">
+                <a:latin typeface="Roboto" panose="02000000000000000000" pitchFamily="2" charset="0"/>
+                <a:ea typeface="Roboto" panose="02000000000000000000" pitchFamily="2" charset="0"/>
+              </a:rPr>
+              <a:t> ra </a:t>
             </a:r>
             <a:r>
               <a:rPr lang="en-US" sz="2250" dirty="0">
                 <a:latin typeface="Roboto" panose="02000000000000000000" pitchFamily="2" charset="0"/>
                 <a:ea typeface="Roboto" panose="02000000000000000000" pitchFamily="2" charset="0"/>
               </a:rPr>
-              <a:t> </a:t>
+              <a:t>ban </a:t>
             </a:r>
             <a:r>
               <a:rPr lang="en-US" sz="2250" dirty="0" err="1">
                 <a:latin typeface="Roboto" panose="02000000000000000000" pitchFamily="2" charset="0"/>
                 <a:ea typeface="Roboto" panose="02000000000000000000" pitchFamily="2" charset="0"/>
               </a:rPr>
-              <a:t>nhất</a:t>
-            </a:r>
-            <a:r>
-              <a:rPr lang="en-US" sz="2250" dirty="0">
-                <a:latin typeface="Roboto" panose="02000000000000000000" pitchFamily="2" charset="0"/>
-                <a:ea typeface="Roboto" panose="02000000000000000000" pitchFamily="2" charset="0"/>
-              </a:rPr>
-              <a:t> </a:t>
-            </a:r>
-            <a:r>
-              <a:rPr lang="en-US" sz="2250" dirty="0" err="1">
-                <a:latin typeface="Roboto" panose="02000000000000000000" pitchFamily="2" charset="0"/>
-                <a:ea typeface="Roboto" panose="02000000000000000000" pitchFamily="2" charset="0"/>
-              </a:rPr>
-              <a:t>trong</a:t>
-            </a:r>
-            <a:r>
-              <a:rPr lang="en-US" sz="2250" dirty="0">
-                <a:latin typeface="Roboto" panose="02000000000000000000" pitchFamily="2" charset="0"/>
-                <a:ea typeface="Roboto" panose="02000000000000000000" pitchFamily="2" charset="0"/>
-              </a:rPr>
-              <a:t> </a:t>
-            </a:r>
-            <a:r>
-              <a:rPr lang="en-US" sz="2250" dirty="0" err="1">
-                <a:latin typeface="Roboto" panose="02000000000000000000" pitchFamily="2" charset="0"/>
-                <a:ea typeface="Roboto" panose="02000000000000000000" pitchFamily="2" charset="0"/>
-              </a:rPr>
-              <a:t>khả</a:t>
-            </a:r>
-            <a:r>
-              <a:rPr lang="en-US" sz="2250" dirty="0">
-                <a:latin typeface="Roboto" panose="02000000000000000000" pitchFamily="2" charset="0"/>
-                <a:ea typeface="Roboto" panose="02000000000000000000" pitchFamily="2" charset="0"/>
-              </a:rPr>
-              <a:t> </a:t>
-            </a:r>
-            <a:r>
-              <a:rPr lang="en-US" sz="2250" dirty="0" err="1">
-                <a:latin typeface="Roboto" panose="02000000000000000000" pitchFamily="2" charset="0"/>
-                <a:ea typeface="Roboto" panose="02000000000000000000" pitchFamily="2" charset="0"/>
-              </a:rPr>
-              <a:t>năng</a:t>
+              <a:t>đầu</a:t>
             </a:r>
             <a:endParaRPr lang="en-US" sz="2250" dirty="0">
               <a:latin typeface="Roboto" panose="02000000000000000000" pitchFamily="2" charset="0"/>
@@ -6893,42 +6744,6 @@
           </a:p>
         </p:txBody>
       </p:sp>
-      <p:pic>
-        <p:nvPicPr>
-          <p:cNvPr id="14" name="Picture 13">
-            <a:extLst>
-              <a:ext uri="{FF2B5EF4-FFF2-40B4-BE49-F238E27FC236}">
-                <a16:creationId xmlns:a16="http://schemas.microsoft.com/office/drawing/2014/main" id="{91C224CA-5EDA-4D41-9B90-C5C6BE09DC6A}"/>
-              </a:ext>
-            </a:extLst>
-          </p:cNvPr>
-          <p:cNvPicPr>
-            <a:picLocks noChangeAspect="1"/>
-          </p:cNvPicPr>
-          <p:nvPr/>
-        </p:nvPicPr>
-        <p:blipFill>
-          <a:blip r:embed="rId4">
-            <a:extLst>
-              <a:ext uri="{28A0092B-C50C-407E-A947-70E740481C1C}">
-                <a14:useLocalDpi xmlns:a14="http://schemas.microsoft.com/office/drawing/2010/main" val="0"/>
-              </a:ext>
-            </a:extLst>
-          </a:blip>
-          <a:stretch>
-            <a:fillRect/>
-          </a:stretch>
-        </p:blipFill>
-        <p:spPr>
-          <a:xfrm>
-            <a:off x="5048250" y="-1911244"/>
-            <a:ext cx="4876800" cy="2971800"/>
-          </a:xfrm>
-          <a:prstGeom prst="rect">
-            <a:avLst/>
-          </a:prstGeom>
-        </p:spPr>
-      </p:pic>
       <p:sp>
         <p:nvSpPr>
           <p:cNvPr id="16" name="TextBox 15">
@@ -7130,7 +6945,7 @@
         </p:blipFill>
         <p:spPr>
           <a:xfrm>
-            <a:off x="289365" y="2266661"/>
+            <a:off x="6954357" y="2472890"/>
             <a:ext cx="2185715" cy="1523810"/>
           </a:xfrm>
           <a:prstGeom prst="rect">
@@ -7140,53 +6955,6 @@
       </p:pic>
       <p:pic>
         <p:nvPicPr>
-          <p:cNvPr id="3076" name="Picture 4" descr="Cash in on recycling your waste! | MY ZERO WASTE">
-            <a:extLst>
-              <a:ext uri="{FF2B5EF4-FFF2-40B4-BE49-F238E27FC236}">
-                <a16:creationId xmlns:a16="http://schemas.microsoft.com/office/drawing/2014/main" id="{A06B804B-2492-4E89-A40C-3C6D619A4BB3}"/>
-              </a:ext>
-            </a:extLst>
-          </p:cNvPr>
-          <p:cNvPicPr>
-            <a:picLocks noChangeAspect="1" noChangeArrowheads="1"/>
-          </p:cNvPicPr>
-          <p:nvPr/>
-        </p:nvPicPr>
-        <p:blipFill>
-          <a:blip r:embed="rId4">
-            <a:extLst>
-              <a:ext uri="{28A0092B-C50C-407E-A947-70E740481C1C}">
-                <a14:useLocalDpi xmlns:a14="http://schemas.microsoft.com/office/drawing/2010/main" val="0"/>
-              </a:ext>
-            </a:extLst>
-          </a:blip>
-          <a:srcRect/>
-          <a:stretch>
-            <a:fillRect/>
-          </a:stretch>
-        </p:blipFill>
-        <p:spPr bwMode="auto">
-          <a:xfrm>
-            <a:off x="3511769" y="2228466"/>
-            <a:ext cx="1479813" cy="1479813"/>
-          </a:xfrm>
-          <a:prstGeom prst="rect">
-            <a:avLst/>
-          </a:prstGeom>
-          <a:noFill/>
-          <a:extLst>
-            <a:ext uri="{909E8E84-426E-40DD-AFC4-6F175D3DCCD1}">
-              <a14:hiddenFill xmlns:a14="http://schemas.microsoft.com/office/drawing/2010/main">
-                <a:solidFill>
-                  <a:srgbClr val="FFFFFF"/>
-                </a:solidFill>
-              </a14:hiddenFill>
-            </a:ext>
-          </a:extLst>
-        </p:spPr>
-      </p:pic>
-      <p:pic>
-        <p:nvPicPr>
           <p:cNvPr id="6" name="Picture 5" descr="A picture containing monitor, clock, screen, computer&#10;&#10;Description automatically generated">
             <a:extLst>
               <a:ext uri="{FF2B5EF4-FFF2-40B4-BE49-F238E27FC236}">
@@ -7200,7 +6968,7 @@
           <p:nvPr/>
         </p:nvPicPr>
         <p:blipFill>
-          <a:blip r:embed="rId5" cstate="print">
+          <a:blip r:embed="rId4" cstate="print">
             <a:extLst>
               <a:ext uri="{28A0092B-C50C-407E-A947-70E740481C1C}">
                 <a14:useLocalDpi xmlns:a14="http://schemas.microsoft.com/office/drawing/2010/main" val="0"/>
@@ -7213,7 +6981,7 @@
         </p:blipFill>
         <p:spPr>
           <a:xfrm>
-            <a:off x="5805849" y="2350815"/>
+            <a:off x="3484336" y="2584674"/>
             <a:ext cx="2636738" cy="1235115"/>
           </a:xfrm>
           <a:prstGeom prst="rect">
@@ -7235,7 +7003,7 @@
         </p:nvSpPr>
         <p:spPr>
           <a:xfrm>
-            <a:off x="2289728" y="2717002"/>
+            <a:off x="5990453" y="2973551"/>
             <a:ext cx="963904" cy="623129"/>
           </a:xfrm>
           <a:prstGeom prst="notchedRightArrow">
@@ -7284,7 +7052,7 @@
         </p:nvSpPr>
         <p:spPr>
           <a:xfrm flipH="1">
-            <a:off x="125184" y="3767178"/>
+            <a:off x="6790176" y="3973407"/>
             <a:ext cx="2323736" cy="646331"/>
           </a:xfrm>
           <a:prstGeom prst="rect">
@@ -7308,7 +7076,7 @@
                 <a:ea typeface="Roboto" panose="02000000000000000000" pitchFamily="2" charset="0"/>
                 <a:cs typeface="Times New Roman" panose="02020603050405020304" pitchFamily="18" charset="0"/>
               </a:rPr>
-              <a:t>Đẩy</a:t>
+              <a:t>Chạy</a:t>
             </a:r>
             <a:r>
               <a:rPr lang="en-US" dirty="0">
@@ -7330,7 +7098,7 @@
                 <a:ea typeface="Roboto" panose="02000000000000000000" pitchFamily="2" charset="0"/>
                 <a:cs typeface="Times New Roman" panose="02020603050405020304" pitchFamily="18" charset="0"/>
               </a:rPr>
-              <a:t>quảng</a:t>
+              <a:t>thử</a:t>
             </a:r>
             <a:r>
               <a:rPr lang="en-US" dirty="0">
@@ -7352,7 +7120,7 @@
                 <a:ea typeface="Roboto" panose="02000000000000000000" pitchFamily="2" charset="0"/>
                 <a:cs typeface="Times New Roman" panose="02020603050405020304" pitchFamily="18" charset="0"/>
               </a:rPr>
-              <a:t>cáo</a:t>
+              <a:t>nghiệm</a:t>
             </a:r>
             <a:r>
               <a:rPr lang="en-US" dirty="0">
@@ -7374,7 +7142,7 @@
                 <a:ea typeface="Roboto" panose="02000000000000000000" pitchFamily="2" charset="0"/>
                 <a:cs typeface="Times New Roman" panose="02020603050405020304" pitchFamily="18" charset="0"/>
               </a:rPr>
-              <a:t>để</a:t>
+              <a:t>trên</a:t>
             </a:r>
             <a:r>
               <a:rPr lang="en-US" dirty="0">
@@ -7396,7 +7164,7 @@
                 <a:ea typeface="Roboto" panose="02000000000000000000" pitchFamily="2" charset="0"/>
                 <a:cs typeface="Times New Roman" panose="02020603050405020304" pitchFamily="18" charset="0"/>
               </a:rPr>
-              <a:t>thu</a:t>
+              <a:t>thực</a:t>
             </a:r>
             <a:r>
               <a:rPr lang="en-US" dirty="0">
@@ -7418,51 +7186,7 @@
                 <a:ea typeface="Roboto" panose="02000000000000000000" pitchFamily="2" charset="0"/>
                 <a:cs typeface="Times New Roman" panose="02020603050405020304" pitchFamily="18" charset="0"/>
               </a:rPr>
-              <a:t>hút</a:t>
-            </a:r>
-            <a:r>
-              <a:rPr lang="en-US" dirty="0">
-                <a:solidFill>
-                  <a:srgbClr val="0A304A"/>
-                </a:solidFill>
-                <a:latin typeface="Times New Roman" panose="02020603050405020304" pitchFamily="18" charset="0"/>
-                <a:ea typeface="Roboto" panose="02000000000000000000" pitchFamily="2" charset="0"/>
-                <a:cs typeface="Times New Roman" panose="02020603050405020304" pitchFamily="18" charset="0"/>
-              </a:rPr>
-              <a:t> </a:t>
-            </a:r>
-            <a:r>
-              <a:rPr lang="en-US" dirty="0" err="1">
-                <a:solidFill>
-                  <a:srgbClr val="0A304A"/>
-                </a:solidFill>
-                <a:latin typeface="Times New Roman" panose="02020603050405020304" pitchFamily="18" charset="0"/>
-                <a:ea typeface="Roboto" panose="02000000000000000000" pitchFamily="2" charset="0"/>
-                <a:cs typeface="Times New Roman" panose="02020603050405020304" pitchFamily="18" charset="0"/>
-              </a:rPr>
-              <a:t>người</a:t>
-            </a:r>
-            <a:r>
-              <a:rPr lang="en-US" dirty="0">
-                <a:solidFill>
-                  <a:srgbClr val="0A304A"/>
-                </a:solidFill>
-                <a:latin typeface="Times New Roman" panose="02020603050405020304" pitchFamily="18" charset="0"/>
-                <a:ea typeface="Roboto" panose="02000000000000000000" pitchFamily="2" charset="0"/>
-                <a:cs typeface="Times New Roman" panose="02020603050405020304" pitchFamily="18" charset="0"/>
-              </a:rPr>
-              <a:t> </a:t>
-            </a:r>
-            <a:r>
-              <a:rPr lang="en-US" dirty="0" err="1">
-                <a:solidFill>
-                  <a:srgbClr val="0A304A"/>
-                </a:solidFill>
-                <a:latin typeface="Times New Roman" panose="02020603050405020304" pitchFamily="18" charset="0"/>
-                <a:ea typeface="Roboto" panose="02000000000000000000" pitchFamily="2" charset="0"/>
-                <a:cs typeface="Times New Roman" panose="02020603050405020304" pitchFamily="18" charset="0"/>
-              </a:rPr>
-              <a:t>dùng</a:t>
+              <a:t>tế</a:t>
             </a:r>
             <a:endParaRPr lang="en-US" dirty="0">
               <a:solidFill>
@@ -7489,7 +7213,7 @@
         </p:nvSpPr>
         <p:spPr>
           <a:xfrm>
-            <a:off x="5056978" y="2717002"/>
+            <a:off x="2735465" y="2950861"/>
             <a:ext cx="963904" cy="623129"/>
           </a:xfrm>
           <a:prstGeom prst="notchedRightArrow">
@@ -7538,8 +7262,8 @@
         </p:nvSpPr>
         <p:spPr>
           <a:xfrm flipH="1">
-            <a:off x="3089808" y="3762841"/>
-            <a:ext cx="2323736" cy="923330"/>
+            <a:off x="768295" y="3996700"/>
+            <a:ext cx="2323736" cy="646331"/>
           </a:xfrm>
           <a:prstGeom prst="rect">
             <a:avLst/>
@@ -7562,7 +7286,7 @@
                 <a:ea typeface="Roboto" panose="02000000000000000000" pitchFamily="2" charset="0"/>
                 <a:cs typeface="Times New Roman" panose="02020603050405020304" pitchFamily="18" charset="0"/>
               </a:rPr>
-              <a:t>Sử</a:t>
+              <a:t>Hoàn</a:t>
             </a:r>
             <a:r>
               <a:rPr lang="en-US" dirty="0">
@@ -7584,7 +7308,7 @@
                 <a:ea typeface="Roboto" panose="02000000000000000000" pitchFamily="2" charset="0"/>
                 <a:cs typeface="Times New Roman" panose="02020603050405020304" pitchFamily="18" charset="0"/>
               </a:rPr>
-              <a:t>dụng</a:t>
+              <a:t>thiện</a:t>
             </a:r>
             <a:r>
               <a:rPr lang="en-US" dirty="0">
@@ -7606,7 +7330,7 @@
                 <a:ea typeface="Roboto" panose="02000000000000000000" pitchFamily="2" charset="0"/>
                 <a:cs typeface="Times New Roman" panose="02020603050405020304" pitchFamily="18" charset="0"/>
               </a:rPr>
-              <a:t>dòng</a:t>
+              <a:t>các</a:t>
             </a:r>
             <a:r>
               <a:rPr lang="en-US" dirty="0">
@@ -7628,7 +7352,7 @@
                 <a:ea typeface="Roboto" panose="02000000000000000000" pitchFamily="2" charset="0"/>
                 <a:cs typeface="Times New Roman" panose="02020603050405020304" pitchFamily="18" charset="0"/>
               </a:rPr>
-              <a:t>tiền</a:t>
+              <a:t>chức</a:t>
             </a:r>
             <a:r>
               <a:rPr lang="en-US" dirty="0">
@@ -7650,7 +7374,7 @@
                 <a:ea typeface="Roboto" panose="02000000000000000000" pitchFamily="2" charset="0"/>
                 <a:cs typeface="Times New Roman" panose="02020603050405020304" pitchFamily="18" charset="0"/>
               </a:rPr>
-              <a:t>hợp</a:t>
+              <a:t>năng</a:t>
             </a:r>
             <a:r>
               <a:rPr lang="en-US" dirty="0">
@@ -7672,7 +7396,7 @@
                 <a:ea typeface="Roboto" panose="02000000000000000000" pitchFamily="2" charset="0"/>
                 <a:cs typeface="Times New Roman" panose="02020603050405020304" pitchFamily="18" charset="0"/>
               </a:rPr>
-              <a:t>lý</a:t>
+              <a:t>và</a:t>
             </a:r>
             <a:r>
               <a:rPr lang="en-US" dirty="0">
@@ -7694,7 +7418,7 @@
                 <a:ea typeface="Roboto" panose="02000000000000000000" pitchFamily="2" charset="0"/>
                 <a:cs typeface="Times New Roman" panose="02020603050405020304" pitchFamily="18" charset="0"/>
               </a:rPr>
-              <a:t>để</a:t>
+              <a:t>hạn</a:t>
             </a:r>
             <a:r>
               <a:rPr lang="en-US" dirty="0">
@@ -7716,7 +7440,7 @@
                 <a:ea typeface="Roboto" panose="02000000000000000000" pitchFamily="2" charset="0"/>
                 <a:cs typeface="Times New Roman" panose="02020603050405020304" pitchFamily="18" charset="0"/>
               </a:rPr>
-              <a:t>nâng</a:t>
+              <a:t>chế</a:t>
             </a:r>
             <a:r>
               <a:rPr lang="en-US" dirty="0">
@@ -7738,51 +7462,7 @@
                 <a:ea typeface="Roboto" panose="02000000000000000000" pitchFamily="2" charset="0"/>
                 <a:cs typeface="Times New Roman" panose="02020603050405020304" pitchFamily="18" charset="0"/>
               </a:rPr>
-              <a:t>cấp</a:t>
-            </a:r>
-            <a:r>
-              <a:rPr lang="en-US" dirty="0">
-                <a:solidFill>
-                  <a:srgbClr val="0A304A"/>
-                </a:solidFill>
-                <a:latin typeface="Times New Roman" panose="02020603050405020304" pitchFamily="18" charset="0"/>
-                <a:ea typeface="Roboto" panose="02000000000000000000" pitchFamily="2" charset="0"/>
-                <a:cs typeface="Times New Roman" panose="02020603050405020304" pitchFamily="18" charset="0"/>
-              </a:rPr>
-              <a:t> </a:t>
-            </a:r>
-            <a:r>
-              <a:rPr lang="en-US" dirty="0" err="1">
-                <a:solidFill>
-                  <a:srgbClr val="0A304A"/>
-                </a:solidFill>
-                <a:latin typeface="Times New Roman" panose="02020603050405020304" pitchFamily="18" charset="0"/>
-                <a:ea typeface="Roboto" panose="02000000000000000000" pitchFamily="2" charset="0"/>
-                <a:cs typeface="Times New Roman" panose="02020603050405020304" pitchFamily="18" charset="0"/>
-              </a:rPr>
-              <a:t>hệ</a:t>
-            </a:r>
-            <a:r>
-              <a:rPr lang="en-US" dirty="0">
-                <a:solidFill>
-                  <a:srgbClr val="0A304A"/>
-                </a:solidFill>
-                <a:latin typeface="Times New Roman" panose="02020603050405020304" pitchFamily="18" charset="0"/>
-                <a:ea typeface="Roboto" panose="02000000000000000000" pitchFamily="2" charset="0"/>
-                <a:cs typeface="Times New Roman" panose="02020603050405020304" pitchFamily="18" charset="0"/>
-              </a:rPr>
-              <a:t> </a:t>
-            </a:r>
-            <a:r>
-              <a:rPr lang="en-US" dirty="0" err="1">
-                <a:solidFill>
-                  <a:srgbClr val="0A304A"/>
-                </a:solidFill>
-                <a:latin typeface="Times New Roman" panose="02020603050405020304" pitchFamily="18" charset="0"/>
-                <a:ea typeface="Roboto" panose="02000000000000000000" pitchFamily="2" charset="0"/>
-                <a:cs typeface="Times New Roman" panose="02020603050405020304" pitchFamily="18" charset="0"/>
-              </a:rPr>
-              <a:t>thống</a:t>
+              <a:t>lỗi</a:t>
             </a:r>
             <a:endParaRPr lang="en-US" dirty="0">
               <a:solidFill>
@@ -7809,8 +7489,8 @@
         </p:nvSpPr>
         <p:spPr>
           <a:xfrm flipH="1">
-            <a:off x="5962350" y="3762841"/>
-            <a:ext cx="2323736" cy="646331"/>
+            <a:off x="3640837" y="3996700"/>
+            <a:ext cx="2323736" cy="369332"/>
           </a:xfrm>
           <a:prstGeom prst="rect">
             <a:avLst/>
@@ -7833,117 +7513,7 @@
                 <a:ea typeface="Roboto" panose="02000000000000000000" pitchFamily="2" charset="0"/>
                 <a:cs typeface="Times New Roman" panose="02020603050405020304" pitchFamily="18" charset="0"/>
               </a:rPr>
-              <a:t>Phát</a:t>
-            </a:r>
-            <a:r>
-              <a:rPr lang="en-US" dirty="0">
-                <a:solidFill>
-                  <a:srgbClr val="0A304A"/>
-                </a:solidFill>
-                <a:latin typeface="Times New Roman" panose="02020603050405020304" pitchFamily="18" charset="0"/>
-                <a:ea typeface="Roboto" panose="02000000000000000000" pitchFamily="2" charset="0"/>
-                <a:cs typeface="Times New Roman" panose="02020603050405020304" pitchFamily="18" charset="0"/>
-              </a:rPr>
-              <a:t> </a:t>
-            </a:r>
-            <a:r>
-              <a:rPr lang="en-US" dirty="0" err="1">
-                <a:solidFill>
-                  <a:srgbClr val="0A304A"/>
-                </a:solidFill>
-                <a:latin typeface="Times New Roman" panose="02020603050405020304" pitchFamily="18" charset="0"/>
-                <a:ea typeface="Roboto" panose="02000000000000000000" pitchFamily="2" charset="0"/>
-                <a:cs typeface="Times New Roman" panose="02020603050405020304" pitchFamily="18" charset="0"/>
-              </a:rPr>
-              <a:t>triển</a:t>
-            </a:r>
-            <a:r>
-              <a:rPr lang="en-US" dirty="0">
-                <a:solidFill>
-                  <a:srgbClr val="0A304A"/>
-                </a:solidFill>
-                <a:latin typeface="Times New Roman" panose="02020603050405020304" pitchFamily="18" charset="0"/>
-                <a:ea typeface="Roboto" panose="02000000000000000000" pitchFamily="2" charset="0"/>
-                <a:cs typeface="Times New Roman" panose="02020603050405020304" pitchFamily="18" charset="0"/>
-              </a:rPr>
-              <a:t>, </a:t>
-            </a:r>
-            <a:r>
-              <a:rPr lang="en-US" dirty="0" err="1">
-                <a:solidFill>
-                  <a:srgbClr val="0A304A"/>
-                </a:solidFill>
-                <a:latin typeface="Times New Roman" panose="02020603050405020304" pitchFamily="18" charset="0"/>
-                <a:ea typeface="Roboto" panose="02000000000000000000" pitchFamily="2" charset="0"/>
-                <a:cs typeface="Times New Roman" panose="02020603050405020304" pitchFamily="18" charset="0"/>
-              </a:rPr>
-              <a:t>cải</a:t>
-            </a:r>
-            <a:r>
-              <a:rPr lang="en-US" dirty="0">
-                <a:solidFill>
-                  <a:srgbClr val="0A304A"/>
-                </a:solidFill>
-                <a:latin typeface="Times New Roman" panose="02020603050405020304" pitchFamily="18" charset="0"/>
-                <a:ea typeface="Roboto" panose="02000000000000000000" pitchFamily="2" charset="0"/>
-                <a:cs typeface="Times New Roman" panose="02020603050405020304" pitchFamily="18" charset="0"/>
-              </a:rPr>
-              <a:t> </a:t>
-            </a:r>
-            <a:r>
-              <a:rPr lang="en-US" dirty="0" err="1">
-                <a:solidFill>
-                  <a:srgbClr val="0A304A"/>
-                </a:solidFill>
-                <a:latin typeface="Times New Roman" panose="02020603050405020304" pitchFamily="18" charset="0"/>
-                <a:ea typeface="Roboto" panose="02000000000000000000" pitchFamily="2" charset="0"/>
-                <a:cs typeface="Times New Roman" panose="02020603050405020304" pitchFamily="18" charset="0"/>
-              </a:rPr>
-              <a:t>thiện</a:t>
-            </a:r>
-            <a:r>
-              <a:rPr lang="en-US" dirty="0">
-                <a:solidFill>
-                  <a:srgbClr val="0A304A"/>
-                </a:solidFill>
-                <a:latin typeface="Times New Roman" panose="02020603050405020304" pitchFamily="18" charset="0"/>
-                <a:ea typeface="Roboto" panose="02000000000000000000" pitchFamily="2" charset="0"/>
-                <a:cs typeface="Times New Roman" panose="02020603050405020304" pitchFamily="18" charset="0"/>
-              </a:rPr>
-              <a:t> </a:t>
-            </a:r>
-            <a:r>
-              <a:rPr lang="en-US" dirty="0" err="1">
-                <a:solidFill>
-                  <a:srgbClr val="0A304A"/>
-                </a:solidFill>
-                <a:latin typeface="Times New Roman" panose="02020603050405020304" pitchFamily="18" charset="0"/>
-                <a:ea typeface="Roboto" panose="02000000000000000000" pitchFamily="2" charset="0"/>
-                <a:cs typeface="Times New Roman" panose="02020603050405020304" pitchFamily="18" charset="0"/>
-              </a:rPr>
-              <a:t>và</a:t>
-            </a:r>
-            <a:r>
-              <a:rPr lang="en-US" dirty="0">
-                <a:solidFill>
-                  <a:srgbClr val="0A304A"/>
-                </a:solidFill>
-                <a:latin typeface="Times New Roman" panose="02020603050405020304" pitchFamily="18" charset="0"/>
-                <a:ea typeface="Roboto" panose="02000000000000000000" pitchFamily="2" charset="0"/>
-                <a:cs typeface="Times New Roman" panose="02020603050405020304" pitchFamily="18" charset="0"/>
-              </a:rPr>
-              <a:t> </a:t>
-            </a:r>
-            <a:r>
-              <a:rPr lang="en-US" dirty="0" err="1">
-                <a:solidFill>
-                  <a:srgbClr val="0A304A"/>
-                </a:solidFill>
-                <a:latin typeface="Times New Roman" panose="02020603050405020304" pitchFamily="18" charset="0"/>
-                <a:ea typeface="Roboto" panose="02000000000000000000" pitchFamily="2" charset="0"/>
-                <a:cs typeface="Times New Roman" panose="02020603050405020304" pitchFamily="18" charset="0"/>
-              </a:rPr>
-              <a:t>mở</a:t>
+              <a:t>Mở</a:t>
             </a:r>
             <a:r>
               <a:rPr lang="en-US" dirty="0">
@@ -8134,78 +7704,6 @@
           </a:p>
         </p:txBody>
       </p:sp>
-      <p:pic>
-        <p:nvPicPr>
-          <p:cNvPr id="21" name="Picture 20">
-            <a:extLst>
-              <a:ext uri="{FF2B5EF4-FFF2-40B4-BE49-F238E27FC236}">
-                <a16:creationId xmlns:a16="http://schemas.microsoft.com/office/drawing/2014/main" id="{C5D0A6C1-D49E-47FA-A4E6-4539BEFF78D9}"/>
-              </a:ext>
-            </a:extLst>
-          </p:cNvPr>
-          <p:cNvPicPr>
-            <a:picLocks noChangeAspect="1"/>
-          </p:cNvPicPr>
-          <p:nvPr/>
-        </p:nvPicPr>
-        <p:blipFill>
-          <a:blip r:embed="rId6">
-            <a:extLst>
-              <a:ext uri="{28A0092B-C50C-407E-A947-70E740481C1C}">
-                <a14:useLocalDpi xmlns:a14="http://schemas.microsoft.com/office/drawing/2010/main" val="0"/>
-              </a:ext>
-            </a:extLst>
-          </a:blip>
-          <a:stretch>
-            <a:fillRect/>
-          </a:stretch>
-        </p:blipFill>
-        <p:spPr>
-          <a:xfrm rot="10487269">
-            <a:off x="3523950" y="6091223"/>
-            <a:ext cx="4876800" cy="2971800"/>
-          </a:xfrm>
-          <a:prstGeom prst="rect">
-            <a:avLst/>
-          </a:prstGeom>
-        </p:spPr>
-      </p:pic>
-      <p:pic>
-        <p:nvPicPr>
-          <p:cNvPr id="22" name="Picture 21">
-            <a:extLst>
-              <a:ext uri="{FF2B5EF4-FFF2-40B4-BE49-F238E27FC236}">
-                <a16:creationId xmlns:a16="http://schemas.microsoft.com/office/drawing/2014/main" id="{EF0AFEE1-5FC2-428C-ACBE-C1175D995856}"/>
-              </a:ext>
-            </a:extLst>
-          </p:cNvPr>
-          <p:cNvPicPr>
-            <a:picLocks noChangeAspect="1"/>
-          </p:cNvPicPr>
-          <p:nvPr/>
-        </p:nvPicPr>
-        <p:blipFill>
-          <a:blip r:embed="rId6">
-            <a:extLst>
-              <a:ext uri="{28A0092B-C50C-407E-A947-70E740481C1C}">
-                <a14:useLocalDpi xmlns:a14="http://schemas.microsoft.com/office/drawing/2010/main" val="0"/>
-              </a:ext>
-            </a:extLst>
-          </a:blip>
-          <a:stretch>
-            <a:fillRect/>
-          </a:stretch>
-        </p:blipFill>
-        <p:spPr>
-          <a:xfrm rot="156437">
-            <a:off x="-620731" y="-1931316"/>
-            <a:ext cx="4876800" cy="2971800"/>
-          </a:xfrm>
-          <a:prstGeom prst="rect">
-            <a:avLst/>
-          </a:prstGeom>
-        </p:spPr>
-      </p:pic>
       <p:sp>
         <p:nvSpPr>
           <p:cNvPr id="26" name="TextBox 25">
@@ -8316,7 +7814,7 @@
           <p:nvPr/>
         </p:nvPicPr>
         <p:blipFill>
-          <a:blip r:embed="rId7" cstate="print">
+          <a:blip r:embed="rId5" cstate="print">
             <a:extLst>
               <a:ext uri="{28A0092B-C50C-407E-A947-70E740481C1C}">
                 <a14:useLocalDpi xmlns:a14="http://schemas.microsoft.com/office/drawing/2010/main" val="0"/>
@@ -8330,7 +7828,7 @@
         </p:blipFill>
         <p:spPr bwMode="auto">
           <a:xfrm>
-            <a:off x="7124218" y="1385515"/>
+            <a:off x="914400" y="2434189"/>
             <a:ext cx="1536083" cy="1536083"/>
           </a:xfrm>
           <a:prstGeom prst="rect">
@@ -8380,6 +7878,156 @@
       </p:grpSpPr>
       <p:sp>
         <p:nvSpPr>
+          <p:cNvPr id="2" name="Slide Number Placeholder 1">
+            <a:extLst>
+              <a:ext uri="{FF2B5EF4-FFF2-40B4-BE49-F238E27FC236}">
+                <a16:creationId xmlns:a16="http://schemas.microsoft.com/office/drawing/2014/main" id="{8AD0D93D-2030-436E-A721-E56846B8A58D}"/>
+              </a:ext>
+            </a:extLst>
+          </p:cNvPr>
+          <p:cNvSpPr>
+            <a:spLocks noGrp="1"/>
+          </p:cNvSpPr>
+          <p:nvPr>
+            <p:ph type="sldNum" sz="quarter" idx="12"/>
+          </p:nvPr>
+        </p:nvSpPr>
+        <p:spPr/>
+        <p:txBody>
+          <a:bodyPr/>
+          <a:lstStyle/>
+          <a:p>
+            <a:fld id="{B6F15528-21DE-4FAA-801E-634DDDAF4B2B}" type="slidenum">
+              <a:rPr lang="en-US" smtClean="0"/>
+              <a:pPr/>
+              <a:t>14</a:t>
+            </a:fld>
+            <a:endParaRPr lang="en-US"/>
+          </a:p>
+        </p:txBody>
+      </p:sp>
+      <p:sp>
+        <p:nvSpPr>
+          <p:cNvPr id="3" name="TextBox 2">
+            <a:extLst>
+              <a:ext uri="{FF2B5EF4-FFF2-40B4-BE49-F238E27FC236}">
+                <a16:creationId xmlns:a16="http://schemas.microsoft.com/office/drawing/2014/main" id="{78D118AD-7A41-46AA-9E24-A4DD4E96D2A3}"/>
+              </a:ext>
+            </a:extLst>
+          </p:cNvPr>
+          <p:cNvSpPr txBox="1"/>
+          <p:nvPr/>
+        </p:nvSpPr>
+        <p:spPr>
+          <a:xfrm>
+            <a:off x="442736" y="702462"/>
+            <a:ext cx="7896578" cy="584775"/>
+          </a:xfrm>
+          <a:prstGeom prst="rect">
+            <a:avLst/>
+          </a:prstGeom>
+          <a:noFill/>
+        </p:spPr>
+        <p:txBody>
+          <a:bodyPr wrap="square" rtlCol="0">
+            <a:spAutoFit/>
+          </a:bodyPr>
+          <a:lstStyle/>
+          <a:p>
+            <a:pPr algn="ctr"/>
+            <a:r>
+              <a:rPr lang="en-US" sz="3200" b="1" dirty="0">
+                <a:solidFill>
+                  <a:srgbClr val="0A304A"/>
+                </a:solidFill>
+                <a:latin typeface="Times New Roman" panose="02020603050405020304" pitchFamily="18" charset="0"/>
+                <a:ea typeface="Roboto" panose="02000000000000000000" pitchFamily="2" charset="0"/>
+                <a:cs typeface="Times New Roman" panose="02020603050405020304" pitchFamily="18" charset="0"/>
+              </a:rPr>
+              <a:t>CÂU HỎI</a:t>
+            </a:r>
+          </a:p>
+        </p:txBody>
+      </p:sp>
+      <p:pic>
+        <p:nvPicPr>
+          <p:cNvPr id="1026" name="Picture 2" descr="Ask Us A Question? | PureU Inc">
+            <a:extLst>
+              <a:ext uri="{FF2B5EF4-FFF2-40B4-BE49-F238E27FC236}">
+                <a16:creationId xmlns:a16="http://schemas.microsoft.com/office/drawing/2014/main" id="{82104109-4B20-454E-9FE1-F92BC486A98F}"/>
+              </a:ext>
+            </a:extLst>
+          </p:cNvPr>
+          <p:cNvPicPr>
+            <a:picLocks noChangeAspect="1" noChangeArrowheads="1"/>
+          </p:cNvPicPr>
+          <p:nvPr/>
+        </p:nvPicPr>
+        <p:blipFill>
+          <a:blip r:embed="rId2">
+            <a:extLst>
+              <a:ext uri="{28A0092B-C50C-407E-A947-70E740481C1C}">
+                <a14:useLocalDpi xmlns:a14="http://schemas.microsoft.com/office/drawing/2010/main" val="0"/>
+              </a:ext>
+            </a:extLst>
+          </a:blip>
+          <a:srcRect/>
+          <a:stretch>
+            <a:fillRect/>
+          </a:stretch>
+        </p:blipFill>
+        <p:spPr bwMode="auto">
+          <a:xfrm>
+            <a:off x="1600200" y="1752600"/>
+            <a:ext cx="5581650" cy="3695052"/>
+          </a:xfrm>
+          <a:prstGeom prst="rect">
+            <a:avLst/>
+          </a:prstGeom>
+          <a:noFill/>
+          <a:extLst>
+            <a:ext uri="{909E8E84-426E-40DD-AFC4-6F175D3DCCD1}">
+              <a14:hiddenFill xmlns:a14="http://schemas.microsoft.com/office/drawing/2010/main">
+                <a:solidFill>
+                  <a:srgbClr val="FFFFFF"/>
+                </a:solidFill>
+              </a14:hiddenFill>
+            </a:ext>
+          </a:extLst>
+        </p:spPr>
+      </p:pic>
+    </p:spTree>
+    <p:extLst>
+      <p:ext uri="{BB962C8B-B14F-4D97-AF65-F5344CB8AC3E}">
+        <p14:creationId xmlns:p14="http://schemas.microsoft.com/office/powerpoint/2010/main" val="505192679"/>
+      </p:ext>
+    </p:extLst>
+  </p:cSld>
+  <p:clrMapOvr>
+    <a:masterClrMapping/>
+  </p:clrMapOvr>
+</p:sld>
+</file>
+
+<file path=ppt/slides/slide15.xml><?xml version="1.0" encoding="utf-8"?>
+<p:sld xmlns:a="http://schemas.openxmlformats.org/drawingml/2006/main" xmlns:r="http://schemas.openxmlformats.org/officeDocument/2006/relationships" xmlns:p="http://schemas.openxmlformats.org/presentationml/2006/main">
+  <p:cSld>
+    <p:spTree>
+      <p:nvGrpSpPr>
+        <p:cNvPr id="1" name=""/>
+        <p:cNvGrpSpPr/>
+        <p:nvPr/>
+      </p:nvGrpSpPr>
+      <p:grpSpPr>
+        <a:xfrm>
+          <a:off x="0" y="0"/>
+          <a:ext cx="0" cy="0"/>
+          <a:chOff x="0" y="0"/>
+          <a:chExt cx="0" cy="0"/>
+        </a:xfrm>
+      </p:grpSpPr>
+      <p:sp>
+        <p:nvSpPr>
           <p:cNvPr id="16" name="TextBox 15">
             <a:extLst>
               <a:ext uri="{FF2B5EF4-FFF2-40B4-BE49-F238E27FC236}">
@@ -8497,78 +8145,6 @@
           </a:p>
         </p:txBody>
       </p:sp>
-      <p:pic>
-        <p:nvPicPr>
-          <p:cNvPr id="27" name="Picture 26">
-            <a:extLst>
-              <a:ext uri="{FF2B5EF4-FFF2-40B4-BE49-F238E27FC236}">
-                <a16:creationId xmlns:a16="http://schemas.microsoft.com/office/drawing/2014/main" id="{9E7D4CC8-9F1E-4F4C-93B2-179D5EBBBD52}"/>
-              </a:ext>
-            </a:extLst>
-          </p:cNvPr>
-          <p:cNvPicPr>
-            <a:picLocks noChangeAspect="1"/>
-          </p:cNvPicPr>
-          <p:nvPr/>
-        </p:nvPicPr>
-        <p:blipFill>
-          <a:blip r:embed="rId3">
-            <a:extLst>
-              <a:ext uri="{28A0092B-C50C-407E-A947-70E740481C1C}">
-                <a14:useLocalDpi xmlns:a14="http://schemas.microsoft.com/office/drawing/2010/main" val="0"/>
-              </a:ext>
-            </a:extLst>
-          </a:blip>
-          <a:stretch>
-            <a:fillRect/>
-          </a:stretch>
-        </p:blipFill>
-        <p:spPr>
-          <a:xfrm rot="21049227">
-            <a:off x="-108632" y="-1704777"/>
-            <a:ext cx="4648200" cy="2832497"/>
-          </a:xfrm>
-          <a:prstGeom prst="rect">
-            <a:avLst/>
-          </a:prstGeom>
-        </p:spPr>
-      </p:pic>
-      <p:pic>
-        <p:nvPicPr>
-          <p:cNvPr id="29" name="Picture 28">
-            <a:extLst>
-              <a:ext uri="{FF2B5EF4-FFF2-40B4-BE49-F238E27FC236}">
-                <a16:creationId xmlns:a16="http://schemas.microsoft.com/office/drawing/2014/main" id="{178132A3-D745-426D-9ABF-AA0B3635BBF7}"/>
-              </a:ext>
-            </a:extLst>
-          </p:cNvPr>
-          <p:cNvPicPr>
-            <a:picLocks noChangeAspect="1"/>
-          </p:cNvPicPr>
-          <p:nvPr/>
-        </p:nvPicPr>
-        <p:blipFill>
-          <a:blip r:embed="rId3">
-            <a:extLst>
-              <a:ext uri="{28A0092B-C50C-407E-A947-70E740481C1C}">
-                <a14:useLocalDpi xmlns:a14="http://schemas.microsoft.com/office/drawing/2010/main" val="0"/>
-              </a:ext>
-            </a:extLst>
-          </a:blip>
-          <a:stretch>
-            <a:fillRect/>
-          </a:stretch>
-        </p:blipFill>
-        <p:spPr>
-          <a:xfrm rot="9894917">
-            <a:off x="5889511" y="4603551"/>
-            <a:ext cx="4648200" cy="2832497"/>
-          </a:xfrm>
-          <a:prstGeom prst="rect">
-            <a:avLst/>
-          </a:prstGeom>
-        </p:spPr>
-      </p:pic>
     </p:spTree>
     <p:extLst>
       <p:ext uri="{BB962C8B-B14F-4D97-AF65-F5344CB8AC3E}">
@@ -9008,42 +8584,6 @@
           </a:p>
         </p:txBody>
       </p:sp>
-      <p:pic>
-        <p:nvPicPr>
-          <p:cNvPr id="11" name="Picture 10">
-            <a:extLst>
-              <a:ext uri="{FF2B5EF4-FFF2-40B4-BE49-F238E27FC236}">
-                <a16:creationId xmlns:a16="http://schemas.microsoft.com/office/drawing/2014/main" id="{F9695984-F5E7-4341-BE7D-3F85239D8A0B}"/>
-              </a:ext>
-            </a:extLst>
-          </p:cNvPr>
-          <p:cNvPicPr>
-            <a:picLocks noChangeAspect="1"/>
-          </p:cNvPicPr>
-          <p:nvPr/>
-        </p:nvPicPr>
-        <p:blipFill>
-          <a:blip r:embed="rId3">
-            <a:extLst>
-              <a:ext uri="{28A0092B-C50C-407E-A947-70E740481C1C}">
-                <a14:useLocalDpi xmlns:a14="http://schemas.microsoft.com/office/drawing/2010/main" val="0"/>
-              </a:ext>
-            </a:extLst>
-          </a:blip>
-          <a:stretch>
-            <a:fillRect/>
-          </a:stretch>
-        </p:blipFill>
-        <p:spPr>
-          <a:xfrm rot="3656919">
-            <a:off x="-1598295" y="-2214143"/>
-            <a:ext cx="4876800" cy="2971800"/>
-          </a:xfrm>
-          <a:prstGeom prst="rect">
-            <a:avLst/>
-          </a:prstGeom>
-        </p:spPr>
-      </p:pic>
       <p:sp>
         <p:nvSpPr>
           <p:cNvPr id="14" name="Title 1">
@@ -9107,42 +8647,6 @@
           </a:p>
         </p:txBody>
       </p:sp>
-      <p:pic>
-        <p:nvPicPr>
-          <p:cNvPr id="15" name="Picture 14">
-            <a:extLst>
-              <a:ext uri="{FF2B5EF4-FFF2-40B4-BE49-F238E27FC236}">
-                <a16:creationId xmlns:a16="http://schemas.microsoft.com/office/drawing/2014/main" id="{E0FB1372-57CA-4BC2-BC5C-5F7976C2A312}"/>
-              </a:ext>
-            </a:extLst>
-          </p:cNvPr>
-          <p:cNvPicPr>
-            <a:picLocks noChangeAspect="1"/>
-          </p:cNvPicPr>
-          <p:nvPr/>
-        </p:nvPicPr>
-        <p:blipFill>
-          <a:blip r:embed="rId3">
-            <a:extLst>
-              <a:ext uri="{28A0092B-C50C-407E-A947-70E740481C1C}">
-                <a14:useLocalDpi xmlns:a14="http://schemas.microsoft.com/office/drawing/2010/main" val="0"/>
-              </a:ext>
-            </a:extLst>
-          </a:blip>
-          <a:stretch>
-            <a:fillRect/>
-          </a:stretch>
-        </p:blipFill>
-        <p:spPr>
-          <a:xfrm rot="15661866">
-            <a:off x="6896124" y="6412136"/>
-            <a:ext cx="4876800" cy="2971800"/>
-          </a:xfrm>
-          <a:prstGeom prst="rect">
-            <a:avLst/>
-          </a:prstGeom>
-        </p:spPr>
-      </p:pic>
       <p:sp>
         <p:nvSpPr>
           <p:cNvPr id="2" name="Slide Number Placeholder 1">
@@ -9244,114 +8748,6 @@
           </a:p>
         </p:txBody>
       </p:sp>
-      <p:pic>
-        <p:nvPicPr>
-          <p:cNvPr id="12" name="Picture 11">
-            <a:extLst>
-              <a:ext uri="{FF2B5EF4-FFF2-40B4-BE49-F238E27FC236}">
-                <a16:creationId xmlns:a16="http://schemas.microsoft.com/office/drawing/2014/main" id="{671E7D5A-E210-48D1-A964-84DFCCE2DB91}"/>
-              </a:ext>
-            </a:extLst>
-          </p:cNvPr>
-          <p:cNvPicPr>
-            <a:picLocks noChangeAspect="1"/>
-          </p:cNvPicPr>
-          <p:nvPr/>
-        </p:nvPicPr>
-        <p:blipFill>
-          <a:blip r:embed="rId3">
-            <a:extLst>
-              <a:ext uri="{28A0092B-C50C-407E-A947-70E740481C1C}">
-                <a14:useLocalDpi xmlns:a14="http://schemas.microsoft.com/office/drawing/2010/main" val="0"/>
-              </a:ext>
-            </a:extLst>
-          </a:blip>
-          <a:stretch>
-            <a:fillRect/>
-          </a:stretch>
-        </p:blipFill>
-        <p:spPr>
-          <a:xfrm rot="20133549">
-            <a:off x="7254289" y="3727424"/>
-            <a:ext cx="4876800" cy="2971800"/>
-          </a:xfrm>
-          <a:prstGeom prst="rect">
-            <a:avLst/>
-          </a:prstGeom>
-        </p:spPr>
-      </p:pic>
-      <p:pic>
-        <p:nvPicPr>
-          <p:cNvPr id="13" name="Picture 12">
-            <a:extLst>
-              <a:ext uri="{FF2B5EF4-FFF2-40B4-BE49-F238E27FC236}">
-                <a16:creationId xmlns:a16="http://schemas.microsoft.com/office/drawing/2014/main" id="{19EA4F6C-A068-4390-8135-837B6001042B}"/>
-              </a:ext>
-            </a:extLst>
-          </p:cNvPr>
-          <p:cNvPicPr>
-            <a:picLocks noChangeAspect="1"/>
-          </p:cNvPicPr>
-          <p:nvPr/>
-        </p:nvPicPr>
-        <p:blipFill>
-          <a:blip r:embed="rId3">
-            <a:extLst>
-              <a:ext uri="{28A0092B-C50C-407E-A947-70E740481C1C}">
-                <a14:useLocalDpi xmlns:a14="http://schemas.microsoft.com/office/drawing/2010/main" val="0"/>
-              </a:ext>
-            </a:extLst>
-          </a:blip>
-          <a:stretch>
-            <a:fillRect/>
-          </a:stretch>
-        </p:blipFill>
-        <p:spPr>
-          <a:xfrm rot="20133549">
-            <a:off x="8178215" y="440438"/>
-            <a:ext cx="4876800" cy="2971800"/>
-          </a:xfrm>
-          <a:prstGeom prst="rect">
-            <a:avLst/>
-          </a:prstGeom>
-        </p:spPr>
-      </p:pic>
-      <p:pic>
-        <p:nvPicPr>
-          <p:cNvPr id="14" name="Picture 13">
-            <a:extLst>
-              <a:ext uri="{FF2B5EF4-FFF2-40B4-BE49-F238E27FC236}">
-                <a16:creationId xmlns:a16="http://schemas.microsoft.com/office/drawing/2014/main" id="{6559452E-4C22-4271-B0E4-871E0A2CFD81}"/>
-              </a:ext>
-            </a:extLst>
-          </p:cNvPr>
-          <p:cNvPicPr>
-            <a:picLocks noChangeAspect="1"/>
-          </p:cNvPicPr>
-          <p:nvPr/>
-        </p:nvPicPr>
-        <p:blipFill>
-          <a:blip r:embed="rId3">
-            <a:extLst>
-              <a:ext uri="{28A0092B-C50C-407E-A947-70E740481C1C}">
-                <a14:useLocalDpi xmlns:a14="http://schemas.microsoft.com/office/drawing/2010/main" val="0"/>
-              </a:ext>
-            </a:extLst>
-          </a:blip>
-          <a:stretch>
-            <a:fillRect/>
-          </a:stretch>
-        </p:blipFill>
-        <p:spPr>
-          <a:xfrm rot="20133549">
-            <a:off x="7259369" y="-1349376"/>
-            <a:ext cx="4876800" cy="2971800"/>
-          </a:xfrm>
-          <a:prstGeom prst="rect">
-            <a:avLst/>
-          </a:prstGeom>
-        </p:spPr>
-      </p:pic>
       <p:sp>
         <p:nvSpPr>
           <p:cNvPr id="3" name="Slide Number Placeholder 2">
@@ -10909,42 +10305,6 @@
           </a:p>
         </p:txBody>
       </p:sp>
-      <p:pic>
-        <p:nvPicPr>
-          <p:cNvPr id="11" name="Picture 10">
-            <a:extLst>
-              <a:ext uri="{FF2B5EF4-FFF2-40B4-BE49-F238E27FC236}">
-                <a16:creationId xmlns:a16="http://schemas.microsoft.com/office/drawing/2014/main" id="{CE531F9E-624D-431C-9810-15162CB9292D}"/>
-              </a:ext>
-            </a:extLst>
-          </p:cNvPr>
-          <p:cNvPicPr>
-            <a:picLocks noChangeAspect="1"/>
-          </p:cNvPicPr>
-          <p:nvPr/>
-        </p:nvPicPr>
-        <p:blipFill>
-          <a:blip r:embed="rId3">
-            <a:extLst>
-              <a:ext uri="{28A0092B-C50C-407E-A947-70E740481C1C}">
-                <a14:useLocalDpi xmlns:a14="http://schemas.microsoft.com/office/drawing/2010/main" val="0"/>
-              </a:ext>
-            </a:extLst>
-          </a:blip>
-          <a:stretch>
-            <a:fillRect/>
-          </a:stretch>
-        </p:blipFill>
-        <p:spPr>
-          <a:xfrm rot="9557546">
-            <a:off x="5645286" y="4195220"/>
-            <a:ext cx="4876800" cy="2971800"/>
-          </a:xfrm>
-          <a:prstGeom prst="rect">
-            <a:avLst/>
-          </a:prstGeom>
-        </p:spPr>
-      </p:pic>
       <p:sp>
         <p:nvSpPr>
           <p:cNvPr id="3" name="Slide Number Placeholder 2">
@@ -11121,42 +10481,6 @@
           </a:p>
         </p:txBody>
       </p:sp>
-      <p:pic>
-        <p:nvPicPr>
-          <p:cNvPr id="23" name="Picture 22">
-            <a:extLst>
-              <a:ext uri="{FF2B5EF4-FFF2-40B4-BE49-F238E27FC236}">
-                <a16:creationId xmlns:a16="http://schemas.microsoft.com/office/drawing/2014/main" id="{E8AC2C52-E73D-4B65-9FF0-F2C5FFEAC3EA}"/>
-              </a:ext>
-            </a:extLst>
-          </p:cNvPr>
-          <p:cNvPicPr>
-            <a:picLocks noChangeAspect="1"/>
-          </p:cNvPicPr>
-          <p:nvPr/>
-        </p:nvPicPr>
-        <p:blipFill>
-          <a:blip r:embed="rId3">
-            <a:extLst>
-              <a:ext uri="{28A0092B-C50C-407E-A947-70E740481C1C}">
-                <a14:useLocalDpi xmlns:a14="http://schemas.microsoft.com/office/drawing/2010/main" val="0"/>
-              </a:ext>
-            </a:extLst>
-          </a:blip>
-          <a:stretch>
-            <a:fillRect/>
-          </a:stretch>
-        </p:blipFill>
-        <p:spPr>
-          <a:xfrm rot="1054057">
-            <a:off x="5444297" y="-1485900"/>
-            <a:ext cx="4876800" cy="2971800"/>
-          </a:xfrm>
-          <a:prstGeom prst="rect">
-            <a:avLst/>
-          </a:prstGeom>
-        </p:spPr>
-      </p:pic>
       <p:sp>
         <p:nvSpPr>
           <p:cNvPr id="26" name="Title 1">
@@ -11263,7 +10587,7 @@
           <p:nvPr/>
         </p:nvPicPr>
         <p:blipFill>
-          <a:blip r:embed="rId4" cstate="print">
+          <a:blip r:embed="rId3" cstate="print">
             <a:extLst>
               <a:ext uri="{28A0092B-C50C-407E-A947-70E740481C1C}">
                 <a14:useLocalDpi xmlns:a14="http://schemas.microsoft.com/office/drawing/2010/main" val="0"/>
@@ -11314,42 +10638,6 @@
           <a:chExt cx="0" cy="0"/>
         </a:xfrm>
       </p:grpSpPr>
-      <p:pic>
-        <p:nvPicPr>
-          <p:cNvPr id="13" name="Picture 12">
-            <a:extLst>
-              <a:ext uri="{FF2B5EF4-FFF2-40B4-BE49-F238E27FC236}">
-                <a16:creationId xmlns:a16="http://schemas.microsoft.com/office/drawing/2014/main" id="{478DA544-E7D9-4EB4-B891-06E669F07CA8}"/>
-              </a:ext>
-            </a:extLst>
-          </p:cNvPr>
-          <p:cNvPicPr>
-            <a:picLocks noChangeAspect="1"/>
-          </p:cNvPicPr>
-          <p:nvPr/>
-        </p:nvPicPr>
-        <p:blipFill>
-          <a:blip r:embed="rId3">
-            <a:extLst>
-              <a:ext uri="{28A0092B-C50C-407E-A947-70E740481C1C}">
-                <a14:useLocalDpi xmlns:a14="http://schemas.microsoft.com/office/drawing/2010/main" val="0"/>
-              </a:ext>
-            </a:extLst>
-          </a:blip>
-          <a:stretch>
-            <a:fillRect/>
-          </a:stretch>
-        </p:blipFill>
-        <p:spPr>
-          <a:xfrm rot="21409541">
-            <a:off x="-683461" y="-2021542"/>
-            <a:ext cx="4876800" cy="2971800"/>
-          </a:xfrm>
-          <a:prstGeom prst="rect">
-            <a:avLst/>
-          </a:prstGeom>
-        </p:spPr>
-      </p:pic>
       <p:sp>
         <p:nvSpPr>
           <p:cNvPr id="16" name="Title 1">
@@ -11569,7 +10857,7 @@
           <p:nvPr/>
         </p:nvPicPr>
         <p:blipFill>
-          <a:blip r:embed="rId4" cstate="print">
+          <a:blip r:embed="rId3" cstate="print">
             <a:extLst>
               <a:ext uri="{28A0092B-C50C-407E-A947-70E740481C1C}">
                 <a14:useLocalDpi xmlns:a14="http://schemas.microsoft.com/office/drawing/2010/main" val="0"/>
@@ -11620,42 +10908,6 @@
           <a:chExt cx="0" cy="0"/>
         </a:xfrm>
       </p:grpSpPr>
-      <p:pic>
-        <p:nvPicPr>
-          <p:cNvPr id="16" name="Picture 15">
-            <a:extLst>
-              <a:ext uri="{FF2B5EF4-FFF2-40B4-BE49-F238E27FC236}">
-                <a16:creationId xmlns:a16="http://schemas.microsoft.com/office/drawing/2014/main" id="{3523A2E1-38F6-46C3-99B0-38289CA65FC3}"/>
-              </a:ext>
-            </a:extLst>
-          </p:cNvPr>
-          <p:cNvPicPr>
-            <a:picLocks noChangeAspect="1"/>
-          </p:cNvPicPr>
-          <p:nvPr/>
-        </p:nvPicPr>
-        <p:blipFill>
-          <a:blip r:embed="rId3">
-            <a:extLst>
-              <a:ext uri="{28A0092B-C50C-407E-A947-70E740481C1C}">
-                <a14:useLocalDpi xmlns:a14="http://schemas.microsoft.com/office/drawing/2010/main" val="0"/>
-              </a:ext>
-            </a:extLst>
-          </a:blip>
-          <a:stretch>
-            <a:fillRect/>
-          </a:stretch>
-        </p:blipFill>
-        <p:spPr>
-          <a:xfrm rot="889571">
-            <a:off x="4982896" y="-1178113"/>
-            <a:ext cx="4876800" cy="2971800"/>
-          </a:xfrm>
-          <a:prstGeom prst="rect">
-            <a:avLst/>
-          </a:prstGeom>
-        </p:spPr>
-      </p:pic>
       <p:sp>
         <p:nvSpPr>
           <p:cNvPr id="17" name="TextBox 16">
@@ -11833,7 +11085,7 @@
           <p:nvPr/>
         </p:nvPicPr>
         <p:blipFill>
-          <a:blip r:embed="rId4" cstate="print">
+          <a:blip r:embed="rId3" cstate="print">
             <a:extLst>
               <a:ext uri="{28A0092B-C50C-407E-A947-70E740481C1C}">
                 <a14:useLocalDpi xmlns:a14="http://schemas.microsoft.com/office/drawing/2010/main" val="0"/>
@@ -12006,42 +11258,6 @@
           </a:p>
         </p:txBody>
       </p:sp>
-      <p:pic>
-        <p:nvPicPr>
-          <p:cNvPr id="16" name="Picture 15">
-            <a:extLst>
-              <a:ext uri="{FF2B5EF4-FFF2-40B4-BE49-F238E27FC236}">
-                <a16:creationId xmlns:a16="http://schemas.microsoft.com/office/drawing/2014/main" id="{3523A2E1-38F6-46C3-99B0-38289CA65FC3}"/>
-              </a:ext>
-            </a:extLst>
-          </p:cNvPr>
-          <p:cNvPicPr>
-            <a:picLocks noChangeAspect="1"/>
-          </p:cNvPicPr>
-          <p:nvPr/>
-        </p:nvPicPr>
-        <p:blipFill>
-          <a:blip r:embed="rId3">
-            <a:extLst>
-              <a:ext uri="{28A0092B-C50C-407E-A947-70E740481C1C}">
-                <a14:useLocalDpi xmlns:a14="http://schemas.microsoft.com/office/drawing/2010/main" val="0"/>
-              </a:ext>
-            </a:extLst>
-          </a:blip>
-          <a:stretch>
-            <a:fillRect/>
-          </a:stretch>
-        </p:blipFill>
-        <p:spPr>
-          <a:xfrm rot="8145941">
-            <a:off x="6548091" y="-2606450"/>
-            <a:ext cx="4876800" cy="2971800"/>
-          </a:xfrm>
-          <a:prstGeom prst="rect">
-            <a:avLst/>
-          </a:prstGeom>
-        </p:spPr>
-      </p:pic>
       <p:sp>
         <p:nvSpPr>
           <p:cNvPr id="17" name="TextBox 16">
@@ -12219,7 +11435,7 @@
           <p:nvPr/>
         </p:nvPicPr>
         <p:blipFill>
-          <a:blip r:embed="rId4" cstate="print">
+          <a:blip r:embed="rId3" cstate="print">
             <a:extLst>
               <a:ext uri="{28A0092B-C50C-407E-A947-70E740481C1C}">
                 <a14:useLocalDpi xmlns:a14="http://schemas.microsoft.com/office/drawing/2010/main" val="0"/>
@@ -12330,42 +11546,6 @@
           <a:xfrm>
             <a:off x="30480" y="1442303"/>
             <a:ext cx="9144000" cy="5279173"/>
-          </a:xfrm>
-          <a:prstGeom prst="rect">
-            <a:avLst/>
-          </a:prstGeom>
-        </p:spPr>
-      </p:pic>
-      <p:pic>
-        <p:nvPicPr>
-          <p:cNvPr id="13" name="Picture 12">
-            <a:extLst>
-              <a:ext uri="{FF2B5EF4-FFF2-40B4-BE49-F238E27FC236}">
-                <a16:creationId xmlns:a16="http://schemas.microsoft.com/office/drawing/2014/main" id="{58BF8DAC-11A2-4EE1-9618-2E7A9F8BCB81}"/>
-              </a:ext>
-            </a:extLst>
-          </p:cNvPr>
-          <p:cNvPicPr>
-            <a:picLocks noChangeAspect="1"/>
-          </p:cNvPicPr>
-          <p:nvPr/>
-        </p:nvPicPr>
-        <p:blipFill>
-          <a:blip r:embed="rId4">
-            <a:extLst>
-              <a:ext uri="{28A0092B-C50C-407E-A947-70E740481C1C}">
-                <a14:useLocalDpi xmlns:a14="http://schemas.microsoft.com/office/drawing/2010/main" val="0"/>
-              </a:ext>
-            </a:extLst>
-          </a:blip>
-          <a:stretch>
-            <a:fillRect/>
-          </a:stretch>
-        </p:blipFill>
-        <p:spPr>
-          <a:xfrm rot="21158931">
-            <a:off x="-58521" y="-1605220"/>
-            <a:ext cx="4876800" cy="2971800"/>
           </a:xfrm>
           <a:prstGeom prst="rect">
             <a:avLst/>

--- a/DATN_PhamThiThuy.pptx
+++ b/DATN_PhamThiThuy.pptx
@@ -5,10 +5,10 @@
     <p:sldMasterId id="2147483972" r:id="rId1"/>
   </p:sldMasterIdLst>
   <p:notesMasterIdLst>
-    <p:notesMasterId r:id="rId17"/>
+    <p:notesMasterId r:id="rId19"/>
   </p:notesMasterIdLst>
   <p:handoutMasterIdLst>
-    <p:handoutMasterId r:id="rId18"/>
+    <p:handoutMasterId r:id="rId20"/>
   </p:handoutMasterIdLst>
   <p:sldIdLst>
     <p:sldId id="256" r:id="rId2"/>
@@ -18,14 +18,16 @@
     <p:sldId id="260" r:id="rId6"/>
     <p:sldId id="261" r:id="rId7"/>
     <p:sldId id="292" r:id="rId8"/>
-    <p:sldId id="294" r:id="rId9"/>
-    <p:sldId id="291" r:id="rId10"/>
-    <p:sldId id="293" r:id="rId11"/>
-    <p:sldId id="267" r:id="rId12"/>
-    <p:sldId id="290" r:id="rId13"/>
-    <p:sldId id="289" r:id="rId14"/>
-    <p:sldId id="295" r:id="rId15"/>
-    <p:sldId id="274" r:id="rId16"/>
+    <p:sldId id="297" r:id="rId9"/>
+    <p:sldId id="294" r:id="rId10"/>
+    <p:sldId id="291" r:id="rId11"/>
+    <p:sldId id="293" r:id="rId12"/>
+    <p:sldId id="296" r:id="rId13"/>
+    <p:sldId id="267" r:id="rId14"/>
+    <p:sldId id="290" r:id="rId15"/>
+    <p:sldId id="289" r:id="rId16"/>
+    <p:sldId id="295" r:id="rId17"/>
+    <p:sldId id="274" r:id="rId18"/>
   </p:sldIdLst>
   <p:sldSz cx="9144000" cy="6858000" type="screen4x3"/>
   <p:notesSz cx="9601200" cy="7315200"/>
@@ -237,7 +239,7 @@
           <a:p>
             <a:fld id="{25DD1B1C-C497-421F-B06C-F532CF0F9785}" type="datetimeFigureOut">
               <a:rPr lang="en-US" smtClean="0"/>
-              <a:t>2020-12-02</a:t>
+              <a:t>2020-12-11</a:t>
             </a:fld>
             <a:endParaRPr lang="en-US"/>
           </a:p>
@@ -415,7 +417,7 @@
           <a:p>
             <a:fld id="{7CD4A5DF-C9ED-4331-9C0A-D1B49AAB54A9}" type="datetimeFigureOut">
               <a:rPr lang="en-US" smtClean="0"/>
-              <a:t>2020-12-02</a:t>
+              <a:t>2020-12-11</a:t>
             </a:fld>
             <a:endParaRPr lang="en-US"/>
           </a:p>
@@ -841,7 +843,7 @@
     </p:spTree>
     <p:extLst>
       <p:ext uri="{BB962C8B-B14F-4D97-AF65-F5344CB8AC3E}">
-        <p14:creationId xmlns:p14="http://schemas.microsoft.com/office/powerpoint/2010/main" val="1788074566"/>
+        <p14:creationId xmlns:p14="http://schemas.microsoft.com/office/powerpoint/2010/main" val="3792767545"/>
       </p:ext>
     </p:extLst>
   </p:cSld>
@@ -895,7 +897,7 @@
           <a:bodyPr/>
           <a:lstStyle/>
           <a:p>
-            <a:endParaRPr lang="en-US"/>
+            <a:endParaRPr lang="en-US" dirty="0"/>
           </a:p>
         </p:txBody>
       </p:sp>
@@ -925,7 +927,7 @@
     </p:spTree>
     <p:extLst>
       <p:ext uri="{BB962C8B-B14F-4D97-AF65-F5344CB8AC3E}">
-        <p14:creationId xmlns:p14="http://schemas.microsoft.com/office/powerpoint/2010/main" val="3222996555"/>
+        <p14:creationId xmlns:p14="http://schemas.microsoft.com/office/powerpoint/2010/main" val="1788074566"/>
       </p:ext>
     </p:extLst>
   </p:cSld>
@@ -979,7 +981,7 @@
           <a:bodyPr/>
           <a:lstStyle/>
           <a:p>
-            <a:endParaRPr lang="en-US"/>
+            <a:endParaRPr lang="en-US" dirty="0"/>
           </a:p>
         </p:txBody>
       </p:sp>
@@ -1009,7 +1011,7 @@
     </p:spTree>
     <p:extLst>
       <p:ext uri="{BB962C8B-B14F-4D97-AF65-F5344CB8AC3E}">
-        <p14:creationId xmlns:p14="http://schemas.microsoft.com/office/powerpoint/2010/main" val="3293843599"/>
+        <p14:creationId xmlns:p14="http://schemas.microsoft.com/office/powerpoint/2010/main" val="1467514623"/>
       </p:ext>
     </p:extLst>
   </p:cSld>
@@ -1093,7 +1095,7 @@
     </p:spTree>
     <p:extLst>
       <p:ext uri="{BB962C8B-B14F-4D97-AF65-F5344CB8AC3E}">
-        <p14:creationId xmlns:p14="http://schemas.microsoft.com/office/powerpoint/2010/main" val="2030814771"/>
+        <p14:creationId xmlns:p14="http://schemas.microsoft.com/office/powerpoint/2010/main" val="3222996555"/>
       </p:ext>
     </p:extLst>
   </p:cSld>
@@ -1168,7 +1170,175 @@
           <a:p>
             <a:fld id="{BF0BF855-582C-4A2A-9C45-DF51A1CC05D3}" type="slidenum">
               <a:rPr lang="en-US" smtClean="0"/>
+              <a:t>14</a:t>
+            </a:fld>
+            <a:endParaRPr lang="en-US"/>
+          </a:p>
+        </p:txBody>
+      </p:sp>
+    </p:spTree>
+    <p:extLst>
+      <p:ext uri="{BB962C8B-B14F-4D97-AF65-F5344CB8AC3E}">
+        <p14:creationId xmlns:p14="http://schemas.microsoft.com/office/powerpoint/2010/main" val="3293843599"/>
+      </p:ext>
+    </p:extLst>
+  </p:cSld>
+  <p:clrMapOvr>
+    <a:masterClrMapping/>
+  </p:clrMapOvr>
+</p:notes>
+</file>
+
+<file path=ppt/notesSlides/notesSlide15.xml><?xml version="1.0" encoding="utf-8"?>
+<p:notes xmlns:a="http://schemas.openxmlformats.org/drawingml/2006/main" xmlns:r="http://schemas.openxmlformats.org/officeDocument/2006/relationships" xmlns:p="http://schemas.openxmlformats.org/presentationml/2006/main">
+  <p:cSld>
+    <p:spTree>
+      <p:nvGrpSpPr>
+        <p:cNvPr id="1" name=""/>
+        <p:cNvGrpSpPr/>
+        <p:nvPr/>
+      </p:nvGrpSpPr>
+      <p:grpSpPr>
+        <a:xfrm>
+          <a:off x="0" y="0"/>
+          <a:ext cx="0" cy="0"/>
+          <a:chOff x="0" y="0"/>
+          <a:chExt cx="0" cy="0"/>
+        </a:xfrm>
+      </p:grpSpPr>
+      <p:sp>
+        <p:nvSpPr>
+          <p:cNvPr id="2" name="Slide Image Placeholder 1"/>
+          <p:cNvSpPr>
+            <a:spLocks noGrp="1" noRot="1" noChangeAspect="1"/>
+          </p:cNvSpPr>
+          <p:nvPr>
+            <p:ph type="sldImg"/>
+          </p:nvPr>
+        </p:nvSpPr>
+        <p:spPr/>
+      </p:sp>
+      <p:sp>
+        <p:nvSpPr>
+          <p:cNvPr id="3" name="Notes Placeholder 2"/>
+          <p:cNvSpPr>
+            <a:spLocks noGrp="1"/>
+          </p:cNvSpPr>
+          <p:nvPr>
+            <p:ph type="body" idx="1"/>
+          </p:nvPr>
+        </p:nvSpPr>
+        <p:spPr/>
+        <p:txBody>
+          <a:bodyPr/>
+          <a:lstStyle/>
+          <a:p>
+            <a:endParaRPr lang="en-US"/>
+          </a:p>
+        </p:txBody>
+      </p:sp>
+      <p:sp>
+        <p:nvSpPr>
+          <p:cNvPr id="4" name="Slide Number Placeholder 3"/>
+          <p:cNvSpPr>
+            <a:spLocks noGrp="1"/>
+          </p:cNvSpPr>
+          <p:nvPr>
+            <p:ph type="sldNum" sz="quarter" idx="5"/>
+          </p:nvPr>
+        </p:nvSpPr>
+        <p:spPr/>
+        <p:txBody>
+          <a:bodyPr/>
+          <a:lstStyle/>
+          <a:p>
+            <a:fld id="{BF0BF855-582C-4A2A-9C45-DF51A1CC05D3}" type="slidenum">
+              <a:rPr lang="en-US" smtClean="0"/>
               <a:t>15</a:t>
+            </a:fld>
+            <a:endParaRPr lang="en-US"/>
+          </a:p>
+        </p:txBody>
+      </p:sp>
+    </p:spTree>
+    <p:extLst>
+      <p:ext uri="{BB962C8B-B14F-4D97-AF65-F5344CB8AC3E}">
+        <p14:creationId xmlns:p14="http://schemas.microsoft.com/office/powerpoint/2010/main" val="2030814771"/>
+      </p:ext>
+    </p:extLst>
+  </p:cSld>
+  <p:clrMapOvr>
+    <a:masterClrMapping/>
+  </p:clrMapOvr>
+</p:notes>
+</file>
+
+<file path=ppt/notesSlides/notesSlide16.xml><?xml version="1.0" encoding="utf-8"?>
+<p:notes xmlns:a="http://schemas.openxmlformats.org/drawingml/2006/main" xmlns:r="http://schemas.openxmlformats.org/officeDocument/2006/relationships" xmlns:p="http://schemas.openxmlformats.org/presentationml/2006/main">
+  <p:cSld>
+    <p:spTree>
+      <p:nvGrpSpPr>
+        <p:cNvPr id="1" name=""/>
+        <p:cNvGrpSpPr/>
+        <p:nvPr/>
+      </p:nvGrpSpPr>
+      <p:grpSpPr>
+        <a:xfrm>
+          <a:off x="0" y="0"/>
+          <a:ext cx="0" cy="0"/>
+          <a:chOff x="0" y="0"/>
+          <a:chExt cx="0" cy="0"/>
+        </a:xfrm>
+      </p:grpSpPr>
+      <p:sp>
+        <p:nvSpPr>
+          <p:cNvPr id="2" name="Slide Image Placeholder 1"/>
+          <p:cNvSpPr>
+            <a:spLocks noGrp="1" noRot="1" noChangeAspect="1"/>
+          </p:cNvSpPr>
+          <p:nvPr>
+            <p:ph type="sldImg"/>
+          </p:nvPr>
+        </p:nvSpPr>
+        <p:spPr/>
+      </p:sp>
+      <p:sp>
+        <p:nvSpPr>
+          <p:cNvPr id="3" name="Notes Placeholder 2"/>
+          <p:cNvSpPr>
+            <a:spLocks noGrp="1"/>
+          </p:cNvSpPr>
+          <p:nvPr>
+            <p:ph type="body" idx="1"/>
+          </p:nvPr>
+        </p:nvSpPr>
+        <p:spPr/>
+        <p:txBody>
+          <a:bodyPr/>
+          <a:lstStyle/>
+          <a:p>
+            <a:endParaRPr lang="en-US"/>
+          </a:p>
+        </p:txBody>
+      </p:sp>
+      <p:sp>
+        <p:nvSpPr>
+          <p:cNvPr id="4" name="Slide Number Placeholder 3"/>
+          <p:cNvSpPr>
+            <a:spLocks noGrp="1"/>
+          </p:cNvSpPr>
+          <p:nvPr>
+            <p:ph type="sldNum" sz="quarter" idx="5"/>
+          </p:nvPr>
+        </p:nvSpPr>
+        <p:spPr/>
+        <p:txBody>
+          <a:bodyPr/>
+          <a:lstStyle/>
+          <a:p>
+            <a:fld id="{BF0BF855-582C-4A2A-9C45-DF51A1CC05D3}" type="slidenum">
+              <a:rPr lang="en-US" smtClean="0"/>
+              <a:t>17</a:t>
             </a:fld>
             <a:endParaRPr lang="en-US"/>
           </a:p>
@@ -1735,7 +1905,7 @@
           <a:bodyPr/>
           <a:lstStyle/>
           <a:p>
-            <a:endParaRPr lang="en-US" dirty="0"/>
+            <a:endParaRPr lang="en-US"/>
           </a:p>
         </p:txBody>
       </p:sp>
@@ -1765,7 +1935,7 @@
     </p:spTree>
     <p:extLst>
       <p:ext uri="{BB962C8B-B14F-4D97-AF65-F5344CB8AC3E}">
-        <p14:creationId xmlns:p14="http://schemas.microsoft.com/office/powerpoint/2010/main" val="685098309"/>
+        <p14:creationId xmlns:p14="http://schemas.microsoft.com/office/powerpoint/2010/main" val="590502251"/>
       </p:ext>
     </p:extLst>
   </p:cSld>
@@ -1849,7 +2019,7 @@
     </p:spTree>
     <p:extLst>
       <p:ext uri="{BB962C8B-B14F-4D97-AF65-F5344CB8AC3E}">
-        <p14:creationId xmlns:p14="http://schemas.microsoft.com/office/powerpoint/2010/main" val="3792767545"/>
+        <p14:creationId xmlns:p14="http://schemas.microsoft.com/office/powerpoint/2010/main" val="685098309"/>
       </p:ext>
     </p:extLst>
   </p:cSld>
@@ -2006,7 +2176,7 @@
           <a:p>
             <a:fld id="{913B9D1B-8B7F-4F2A-BB55-C21DE162B8AE}" type="datetime1">
               <a:rPr lang="vi-VN" smtClean="0"/>
-              <a:t>02/12/2020</a:t>
+              <a:t>11/12/2020</a:t>
             </a:fld>
             <a:endParaRPr lang="en-US"/>
           </a:p>
@@ -2205,7 +2375,7 @@
           <a:p>
             <a:fld id="{54C2DB50-FFA4-4032-9F03-8BC477969725}" type="datetime1">
               <a:rPr lang="vi-VN" smtClean="0"/>
-              <a:t>02/12/2020</a:t>
+              <a:t>11/12/2020</a:t>
             </a:fld>
             <a:endParaRPr lang="en-US"/>
           </a:p>
@@ -2414,7 +2584,7 @@
           <a:p>
             <a:fld id="{ABE0B1BD-9F28-4969-BFBF-2AC2D08FF176}" type="datetime1">
               <a:rPr lang="vi-VN" smtClean="0"/>
-              <a:t>02/12/2020</a:t>
+              <a:t>11/12/2020</a:t>
             </a:fld>
             <a:endParaRPr lang="en-US"/>
           </a:p>
@@ -2613,7 +2783,7 @@
           <a:p>
             <a:fld id="{4AE99753-14BD-4C19-89AD-69A137A5857A}" type="datetime1">
               <a:rPr lang="vi-VN" smtClean="0"/>
-              <a:t>02/12/2020</a:t>
+              <a:t>11/12/2020</a:t>
             </a:fld>
             <a:endParaRPr lang="en-US"/>
           </a:p>
@@ -2889,7 +3059,7 @@
           <a:p>
             <a:fld id="{D65F6F36-BB06-4F13-9611-851319F3392B}" type="datetime1">
               <a:rPr lang="vi-VN" smtClean="0"/>
-              <a:t>02/12/2020</a:t>
+              <a:t>11/12/2020</a:t>
             </a:fld>
             <a:endParaRPr lang="en-US"/>
           </a:p>
@@ -3155,7 +3325,7 @@
           <a:p>
             <a:fld id="{17D20409-82E2-4CE7-923C-CF5475366411}" type="datetime1">
               <a:rPr lang="vi-VN" smtClean="0"/>
-              <a:t>02/12/2020</a:t>
+              <a:t>11/12/2020</a:t>
             </a:fld>
             <a:endParaRPr lang="en-US"/>
           </a:p>
@@ -3568,7 +3738,7 @@
           <a:p>
             <a:fld id="{D6B602A3-B6BD-4B11-9EF7-A6995DD1D891}" type="datetime1">
               <a:rPr lang="vi-VN" smtClean="0"/>
-              <a:t>02/12/2020</a:t>
+              <a:t>11/12/2020</a:t>
             </a:fld>
             <a:endParaRPr lang="en-US"/>
           </a:p>
@@ -3710,7 +3880,7 @@
           <a:p>
             <a:fld id="{BD5774EA-1465-4714-ABCA-238E21FB1E99}" type="datetime1">
               <a:rPr lang="vi-VN" smtClean="0"/>
-              <a:t>02/12/2020</a:t>
+              <a:t>11/12/2020</a:t>
             </a:fld>
             <a:endParaRPr lang="en-US"/>
           </a:p>
@@ -3824,7 +3994,7 @@
           <a:p>
             <a:fld id="{1393677C-A199-48B1-9AE1-138834C1B67E}" type="datetime1">
               <a:rPr lang="vi-VN" smtClean="0"/>
-              <a:t>02/12/2020</a:t>
+              <a:t>11/12/2020</a:t>
             </a:fld>
             <a:endParaRPr lang="en-US"/>
           </a:p>
@@ -4136,7 +4306,7 @@
           <a:p>
             <a:fld id="{B6459F17-2D45-4809-A88D-60C6D948D5D9}" type="datetime1">
               <a:rPr lang="vi-VN" smtClean="0"/>
-              <a:t>02/12/2020</a:t>
+              <a:t>11/12/2020</a:t>
             </a:fld>
             <a:endParaRPr lang="en-US"/>
           </a:p>
@@ -4425,7 +4595,7 @@
           <a:p>
             <a:fld id="{B806E17E-5A62-4990-8004-1AAC05D07EF7}" type="datetime1">
               <a:rPr lang="vi-VN" smtClean="0"/>
-              <a:t>02/12/2020</a:t>
+              <a:t>11/12/2020</a:t>
             </a:fld>
             <a:endParaRPr lang="en-US"/>
           </a:p>
@@ -4667,7 +4837,7 @@
           <a:p>
             <a:fld id="{32F45394-1329-4267-AC9F-AB803F30FFC4}" type="datetime1">
               <a:rPr lang="vi-VN" smtClean="0"/>
-              <a:t>02/12/2020</a:t>
+              <a:t>11/12/2020</a:t>
             </a:fld>
             <a:endParaRPr lang="en-US"/>
           </a:p>
@@ -5295,8 +5465,8 @@
         </p:nvSpPr>
         <p:spPr>
           <a:xfrm>
-            <a:off x="3200400" y="4800600"/>
-            <a:ext cx="4883019" cy="1323439"/>
+            <a:off x="3200400" y="4664960"/>
+            <a:ext cx="4883019" cy="1899494"/>
           </a:xfrm>
           <a:prstGeom prst="rect">
             <a:avLst/>
@@ -5309,7 +5479,11 @@
           </a:bodyPr>
           <a:lstStyle/>
           <a:p>
-            <a:pPr algn="just"/>
+            <a:pPr algn="just">
+              <a:lnSpc>
+                <a:spcPct val="150000"/>
+              </a:lnSpc>
+            </a:pPr>
             <a:r>
               <a:rPr lang="en-US" sz="1600" b="1" dirty="0">
                 <a:latin typeface="Times New Roman" pitchFamily="18" charset="0"/>
@@ -5347,7 +5521,11 @@
             </a:r>
           </a:p>
           <a:p>
-            <a:pPr algn="just"/>
+            <a:pPr algn="just">
+              <a:lnSpc>
+                <a:spcPct val="150000"/>
+              </a:lnSpc>
+            </a:pPr>
             <a:r>
               <a:rPr lang="en-US" sz="1600" b="1" dirty="0">
                 <a:latin typeface="Times New Roman" pitchFamily="18" charset="0"/>
@@ -5385,7 +5563,11 @@
             </a:r>
           </a:p>
           <a:p>
-            <a:pPr algn="just"/>
+            <a:pPr algn="just">
+              <a:lnSpc>
+                <a:spcPct val="150000"/>
+              </a:lnSpc>
+            </a:pPr>
             <a:r>
               <a:rPr lang="en-US" sz="1600" b="1" dirty="0">
                 <a:latin typeface="Times New Roman" pitchFamily="18" charset="0"/>
@@ -5395,7 +5577,11 @@
             </a:r>
           </a:p>
           <a:p>
-            <a:pPr algn="just"/>
+            <a:pPr algn="just">
+              <a:lnSpc>
+                <a:spcPct val="150000"/>
+              </a:lnSpc>
+            </a:pPr>
             <a:r>
               <a:rPr lang="en-US" sz="1600" b="1" dirty="0">
                 <a:latin typeface="Times New Roman" pitchFamily="18" charset="0"/>
@@ -5405,7 +5591,11 @@
             </a:r>
           </a:p>
           <a:p>
-            <a:pPr algn="just"/>
+            <a:pPr algn="just">
+              <a:lnSpc>
+                <a:spcPct val="150000"/>
+              </a:lnSpc>
+            </a:pPr>
             <a:r>
               <a:rPr lang="en-US" sz="1600" b="1" dirty="0">
                 <a:latin typeface="Times New Roman" pitchFamily="18" charset="0"/>
@@ -5794,142 +5984,76 @@
       </p:grpSpPr>
       <p:sp>
         <p:nvSpPr>
-          <p:cNvPr id="17" name="TextBox 16">
+          <p:cNvPr id="2" name="Slide Number Placeholder 1">
             <a:extLst>
               <a:ext uri="{FF2B5EF4-FFF2-40B4-BE49-F238E27FC236}">
-                <a16:creationId xmlns:a16="http://schemas.microsoft.com/office/drawing/2014/main" id="{D8F1E7DF-43FD-4D73-A997-B3BC22AC61DA}"/>
+                <a16:creationId xmlns:a16="http://schemas.microsoft.com/office/drawing/2014/main" id="{52272A4F-CAA2-44AB-AEDA-1A80918881C3}"/>
               </a:ext>
             </a:extLst>
           </p:cNvPr>
-          <p:cNvSpPr txBox="1"/>
+          <p:cNvSpPr>
+            <a:spLocks noGrp="1"/>
+          </p:cNvSpPr>
+          <p:nvPr>
+            <p:ph type="sldNum" sz="quarter" idx="12"/>
+          </p:nvPr>
+        </p:nvSpPr>
+        <p:spPr/>
+        <p:txBody>
+          <a:bodyPr/>
+          <a:lstStyle/>
+          <a:p>
+            <a:fld id="{B6F15528-21DE-4FAA-801E-634DDDAF4B2B}" type="slidenum">
+              <a:rPr lang="en-US" smtClean="0"/>
+              <a:pPr/>
+              <a:t>10</a:t>
+            </a:fld>
+            <a:endParaRPr lang="en-US"/>
+          </a:p>
+        </p:txBody>
+      </p:sp>
+      <p:pic>
+        <p:nvPicPr>
+          <p:cNvPr id="6" name="Picture 5">
+            <a:extLst>
+              <a:ext uri="{FF2B5EF4-FFF2-40B4-BE49-F238E27FC236}">
+                <a16:creationId xmlns:a16="http://schemas.microsoft.com/office/drawing/2014/main" id="{35D00951-A520-4294-B907-A05F8A1621E2}"/>
+              </a:ext>
+            </a:extLst>
+          </p:cNvPr>
+          <p:cNvPicPr>
+            <a:picLocks noChangeAspect="1"/>
+          </p:cNvPicPr>
           <p:nvPr/>
-        </p:nvSpPr>
+        </p:nvPicPr>
+        <p:blipFill>
+          <a:blip r:embed="rId3" cstate="print">
+            <a:extLst>
+              <a:ext uri="{28A0092B-C50C-407E-A947-70E740481C1C}">
+                <a14:useLocalDpi xmlns:a14="http://schemas.microsoft.com/office/drawing/2010/main" val="0"/>
+              </a:ext>
+            </a:extLst>
+          </a:blip>
+          <a:stretch>
+            <a:fillRect/>
+          </a:stretch>
+        </p:blipFill>
         <p:spPr>
           <a:xfrm>
-            <a:off x="681671" y="1066800"/>
-            <a:ext cx="4804729" cy="461665"/>
+            <a:off x="30480" y="1442303"/>
+            <a:ext cx="9144000" cy="5279173"/>
           </a:xfrm>
           <a:prstGeom prst="rect">
             <a:avLst/>
           </a:prstGeom>
-          <a:noFill/>
         </p:spPr>
-        <p:txBody>
-          <a:bodyPr wrap="square" rtlCol="0">
-            <a:spAutoFit/>
-          </a:bodyPr>
-          <a:lstStyle/>
-          <a:p>
-            <a:pPr marL="342900" indent="-342900">
-              <a:buFont typeface="Wingdings" panose="05000000000000000000" pitchFamily="2" charset="2"/>
-              <a:buChar char="v"/>
-            </a:pPr>
-            <a:r>
-              <a:rPr lang="en-US" sz="2400" dirty="0" err="1">
-                <a:latin typeface="Times New Roman" panose="02020603050405020304" pitchFamily="18" charset="0"/>
-                <a:ea typeface="Roboto" panose="02000000000000000000" pitchFamily="2" charset="0"/>
-                <a:cs typeface="Times New Roman" panose="02020603050405020304" pitchFamily="18" charset="0"/>
-              </a:rPr>
-              <a:t>Mô</a:t>
-            </a:r>
-            <a:r>
-              <a:rPr lang="en-US" sz="2400" dirty="0">
-                <a:latin typeface="Times New Roman" panose="02020603050405020304" pitchFamily="18" charset="0"/>
-                <a:ea typeface="Roboto" panose="02000000000000000000" pitchFamily="2" charset="0"/>
-                <a:cs typeface="Times New Roman" panose="02020603050405020304" pitchFamily="18" charset="0"/>
-              </a:rPr>
-              <a:t> </a:t>
-            </a:r>
-            <a:r>
-              <a:rPr lang="en-US" sz="2400" dirty="0" err="1">
-                <a:latin typeface="Times New Roman" panose="02020603050405020304" pitchFamily="18" charset="0"/>
-                <a:ea typeface="Roboto" panose="02000000000000000000" pitchFamily="2" charset="0"/>
-                <a:cs typeface="Times New Roman" panose="02020603050405020304" pitchFamily="18" charset="0"/>
-              </a:rPr>
-              <a:t>hình</a:t>
-            </a:r>
-            <a:r>
-              <a:rPr lang="en-US" sz="2400" dirty="0">
-                <a:latin typeface="Times New Roman" panose="02020603050405020304" pitchFamily="18" charset="0"/>
-                <a:ea typeface="Roboto" panose="02000000000000000000" pitchFamily="2" charset="0"/>
-                <a:cs typeface="Times New Roman" panose="02020603050405020304" pitchFamily="18" charset="0"/>
-              </a:rPr>
-              <a:t> </a:t>
-            </a:r>
-            <a:r>
-              <a:rPr lang="en-US" sz="2400" dirty="0" err="1">
-                <a:latin typeface="Times New Roman" panose="02020603050405020304" pitchFamily="18" charset="0"/>
-                <a:ea typeface="Roboto" panose="02000000000000000000" pitchFamily="2" charset="0"/>
-                <a:cs typeface="Times New Roman" panose="02020603050405020304" pitchFamily="18" charset="0"/>
-              </a:rPr>
-              <a:t>thực</a:t>
-            </a:r>
-            <a:r>
-              <a:rPr lang="en-US" sz="2400" dirty="0">
-                <a:latin typeface="Times New Roman" panose="02020603050405020304" pitchFamily="18" charset="0"/>
-                <a:ea typeface="Roboto" panose="02000000000000000000" pitchFamily="2" charset="0"/>
-                <a:cs typeface="Times New Roman" panose="02020603050405020304" pitchFamily="18" charset="0"/>
-              </a:rPr>
-              <a:t> </a:t>
-            </a:r>
-            <a:r>
-              <a:rPr lang="en-US" sz="2400" dirty="0" err="1">
-                <a:latin typeface="Times New Roman" panose="02020603050405020304" pitchFamily="18" charset="0"/>
-                <a:ea typeface="Roboto" panose="02000000000000000000" pitchFamily="2" charset="0"/>
-                <a:cs typeface="Times New Roman" panose="02020603050405020304" pitchFamily="18" charset="0"/>
-              </a:rPr>
-              <a:t>thể</a:t>
-            </a:r>
-            <a:r>
-              <a:rPr lang="en-US" sz="2400" dirty="0">
-                <a:latin typeface="Times New Roman" panose="02020603050405020304" pitchFamily="18" charset="0"/>
-                <a:ea typeface="Roboto" panose="02000000000000000000" pitchFamily="2" charset="0"/>
-                <a:cs typeface="Times New Roman" panose="02020603050405020304" pitchFamily="18" charset="0"/>
-              </a:rPr>
-              <a:t> </a:t>
-            </a:r>
-            <a:r>
-              <a:rPr lang="en-US" sz="2400" dirty="0" err="1">
-                <a:latin typeface="Times New Roman" panose="02020603050405020304" pitchFamily="18" charset="0"/>
-                <a:ea typeface="Roboto" panose="02000000000000000000" pitchFamily="2" charset="0"/>
-                <a:cs typeface="Times New Roman" panose="02020603050405020304" pitchFamily="18" charset="0"/>
-              </a:rPr>
-              <a:t>liên</a:t>
-            </a:r>
-            <a:r>
-              <a:rPr lang="en-US" sz="2400" dirty="0">
-                <a:latin typeface="Times New Roman" panose="02020603050405020304" pitchFamily="18" charset="0"/>
-                <a:ea typeface="Roboto" panose="02000000000000000000" pitchFamily="2" charset="0"/>
-                <a:cs typeface="Times New Roman" panose="02020603050405020304" pitchFamily="18" charset="0"/>
-              </a:rPr>
-              <a:t> </a:t>
-            </a:r>
-            <a:r>
-              <a:rPr lang="en-US" sz="2400" dirty="0" err="1">
-                <a:latin typeface="Times New Roman" panose="02020603050405020304" pitchFamily="18" charset="0"/>
-                <a:ea typeface="Roboto" panose="02000000000000000000" pitchFamily="2" charset="0"/>
-                <a:cs typeface="Times New Roman" panose="02020603050405020304" pitchFamily="18" charset="0"/>
-              </a:rPr>
-              <a:t>kết</a:t>
-            </a:r>
-            <a:r>
-              <a:rPr lang="en-US" sz="2400" dirty="0">
-                <a:latin typeface="Times New Roman" panose="02020603050405020304" pitchFamily="18" charset="0"/>
-                <a:ea typeface="Roboto" panose="02000000000000000000" pitchFamily="2" charset="0"/>
-                <a:cs typeface="Times New Roman" panose="02020603050405020304" pitchFamily="18" charset="0"/>
-              </a:rPr>
-              <a:t> ERD</a:t>
-            </a:r>
-            <a:endParaRPr lang="en-US" sz="2400" dirty="0"/>
-          </a:p>
-        </p:txBody>
-      </p:sp>
-      <p:sp>
-        <p:nvSpPr>
-          <p:cNvPr id="6" name="Title 1">
+      </p:pic>
+      <p:sp>
+        <p:nvSpPr>
+          <p:cNvPr id="7" name="Title 1">
             <a:extLst>
               <a:ext uri="{FF2B5EF4-FFF2-40B4-BE49-F238E27FC236}">
-                <a16:creationId xmlns:a16="http://schemas.microsoft.com/office/drawing/2014/main" id="{B50C6C48-DE4A-4E38-866A-0A97847E1D5F}"/>
+                <a16:creationId xmlns:a16="http://schemas.microsoft.com/office/drawing/2014/main" id="{6DD8A123-F2C3-47CD-AE5B-261C99803F9A}"/>
               </a:ext>
             </a:extLst>
           </p:cNvPr>
@@ -5980,45 +6104,99 @@
                 <a:latin typeface="Times New Roman" panose="02020603050405020304" pitchFamily="18" charset="0"/>
                 <a:cs typeface="Times New Roman" panose="02020603050405020304" pitchFamily="18" charset="0"/>
               </a:rPr>
-              <a:t>III. PHÂN TÍCH HỆ THỐNG</a:t>
-            </a:r>
-          </a:p>
-        </p:txBody>
-      </p:sp>
-      <p:sp>
-        <p:nvSpPr>
-          <p:cNvPr id="2" name="Slide Number Placeholder 1">
+              <a:t>III. PHÂN TÍCH &amp; THIẾT KẾ HỆ THỐNG</a:t>
+            </a:r>
+          </a:p>
+        </p:txBody>
+      </p:sp>
+      <p:sp>
+        <p:nvSpPr>
+          <p:cNvPr id="8" name="TextBox 7">
             <a:extLst>
               <a:ext uri="{FF2B5EF4-FFF2-40B4-BE49-F238E27FC236}">
-                <a16:creationId xmlns:a16="http://schemas.microsoft.com/office/drawing/2014/main" id="{3854A36B-7B8C-4B71-A337-64D0CD477FC1}"/>
+                <a16:creationId xmlns:a16="http://schemas.microsoft.com/office/drawing/2014/main" id="{204F6F86-DB74-4BFB-A177-C82230FAFF5F}"/>
               </a:ext>
             </a:extLst>
           </p:cNvPr>
-          <p:cNvSpPr>
-            <a:spLocks noGrp="1"/>
-          </p:cNvSpPr>
-          <p:nvPr>
-            <p:ph type="sldNum" sz="quarter" idx="12"/>
-          </p:nvPr>
-        </p:nvSpPr>
-        <p:spPr/>
-        <p:txBody>
-          <a:bodyPr/>
+          <p:cNvSpPr txBox="1"/>
+          <p:nvPr/>
+        </p:nvSpPr>
+        <p:spPr>
+          <a:xfrm>
+            <a:off x="681671" y="1066800"/>
+            <a:ext cx="4804729" cy="461665"/>
+          </a:xfrm>
+          <a:prstGeom prst="rect">
+            <a:avLst/>
+          </a:prstGeom>
+          <a:noFill/>
+        </p:spPr>
+        <p:txBody>
+          <a:bodyPr wrap="square" rtlCol="0">
+            <a:spAutoFit/>
+          </a:bodyPr>
           <a:lstStyle/>
           <a:p>
-            <a:fld id="{B6F15528-21DE-4FAA-801E-634DDDAF4B2B}" type="slidenum">
-              <a:rPr lang="en-US" smtClean="0"/>
-              <a:pPr/>
-              <a:t>10</a:t>
-            </a:fld>
-            <a:endParaRPr lang="en-US"/>
+            <a:pPr marL="342900" indent="-342900">
+              <a:buFont typeface="Wingdings" panose="05000000000000000000" pitchFamily="2" charset="2"/>
+              <a:buChar char="v"/>
+            </a:pPr>
+            <a:r>
+              <a:rPr lang="en-US" sz="2400" dirty="0">
+                <a:latin typeface="Times New Roman" panose="02020603050405020304" pitchFamily="18" charset="0"/>
+                <a:ea typeface="Roboto" panose="02000000000000000000" pitchFamily="2" charset="0"/>
+                <a:cs typeface="Times New Roman" panose="02020603050405020304" pitchFamily="18" charset="0"/>
+              </a:rPr>
+              <a:t>L</a:t>
+            </a:r>
+            <a:r>
+              <a:rPr lang="vi-VN" sz="2400" dirty="0">
+                <a:latin typeface="Times New Roman" panose="02020603050405020304" pitchFamily="18" charset="0"/>
+                <a:ea typeface="Roboto" panose="02000000000000000000" pitchFamily="2" charset="0"/>
+                <a:cs typeface="Times New Roman" panose="02020603050405020304" pitchFamily="18" charset="0"/>
+              </a:rPr>
+              <a:t>ư</a:t>
+            </a:r>
+            <a:r>
+              <a:rPr lang="en-US" sz="2400" dirty="0" err="1">
+                <a:latin typeface="Times New Roman" panose="02020603050405020304" pitchFamily="18" charset="0"/>
+                <a:ea typeface="Roboto" panose="02000000000000000000" pitchFamily="2" charset="0"/>
+                <a:cs typeface="Times New Roman" panose="02020603050405020304" pitchFamily="18" charset="0"/>
+              </a:rPr>
+              <a:t>ợc</a:t>
+            </a:r>
+            <a:r>
+              <a:rPr lang="en-US" sz="2400" dirty="0">
+                <a:latin typeface="Times New Roman" panose="02020603050405020304" pitchFamily="18" charset="0"/>
+                <a:ea typeface="Roboto" panose="02000000000000000000" pitchFamily="2" charset="0"/>
+                <a:cs typeface="Times New Roman" panose="02020603050405020304" pitchFamily="18" charset="0"/>
+              </a:rPr>
+              <a:t> </a:t>
+            </a:r>
+            <a:r>
+              <a:rPr lang="en-US" sz="2400" dirty="0" err="1">
+                <a:latin typeface="Times New Roman" panose="02020603050405020304" pitchFamily="18" charset="0"/>
+                <a:ea typeface="Roboto" panose="02000000000000000000" pitchFamily="2" charset="0"/>
+                <a:cs typeface="Times New Roman" panose="02020603050405020304" pitchFamily="18" charset="0"/>
+              </a:rPr>
+              <a:t>đồ</a:t>
+            </a:r>
+            <a:r>
+              <a:rPr lang="en-US" sz="2400" dirty="0">
+                <a:latin typeface="Times New Roman" panose="02020603050405020304" pitchFamily="18" charset="0"/>
+                <a:ea typeface="Roboto" panose="02000000000000000000" pitchFamily="2" charset="0"/>
+                <a:cs typeface="Times New Roman" panose="02020603050405020304" pitchFamily="18" charset="0"/>
+              </a:rPr>
+              <a:t> ERD</a:t>
+            </a:r>
+            <a:endParaRPr lang="en-US" sz="2400" dirty="0"/>
           </a:p>
         </p:txBody>
       </p:sp>
     </p:spTree>
     <p:extLst>
       <p:ext uri="{BB962C8B-B14F-4D97-AF65-F5344CB8AC3E}">
-        <p14:creationId xmlns:p14="http://schemas.microsoft.com/office/powerpoint/2010/main" val="2408608250"/>
+        <p14:creationId xmlns:p14="http://schemas.microsoft.com/office/powerpoint/2010/main" val="2526063341"/>
       </p:ext>
     </p:extLst>
   </p:cSld>
@@ -6045,59 +6223,96 @@
           <a:chExt cx="0" cy="0"/>
         </a:xfrm>
       </p:grpSpPr>
-      <p:pic>
-        <p:nvPicPr>
-          <p:cNvPr id="2052" name="Picture 4" descr="Product demo icon | Pre-Designed Illustrator Graphics ~ Creative Market">
+      <p:sp>
+        <p:nvSpPr>
+          <p:cNvPr id="17" name="TextBox 16">
             <a:extLst>
               <a:ext uri="{FF2B5EF4-FFF2-40B4-BE49-F238E27FC236}">
-                <a16:creationId xmlns:a16="http://schemas.microsoft.com/office/drawing/2014/main" id="{6B297444-F4B3-47F9-859D-E3AC19055C89}"/>
+                <a16:creationId xmlns:a16="http://schemas.microsoft.com/office/drawing/2014/main" id="{D8F1E7DF-43FD-4D73-A997-B3BC22AC61DA}"/>
               </a:ext>
             </a:extLst>
           </p:cNvPr>
-          <p:cNvPicPr>
-            <a:picLocks noChangeAspect="1" noChangeArrowheads="1"/>
-          </p:cNvPicPr>
+          <p:cNvSpPr txBox="1"/>
           <p:nvPr/>
-        </p:nvPicPr>
-        <p:blipFill>
-          <a:blip r:embed="rId3">
-            <a:extLst>
-              <a:ext uri="{28A0092B-C50C-407E-A947-70E740481C1C}">
-                <a14:useLocalDpi xmlns:a14="http://schemas.microsoft.com/office/drawing/2010/main" val="0"/>
-              </a:ext>
-            </a:extLst>
-          </a:blip>
-          <a:srcRect/>
-          <a:stretch>
-            <a:fillRect/>
-          </a:stretch>
-        </p:blipFill>
-        <p:spPr bwMode="auto">
+        </p:nvSpPr>
+        <p:spPr>
           <a:xfrm>
-            <a:off x="1181100" y="1752600"/>
-            <a:ext cx="6781800" cy="4521200"/>
+            <a:off x="681671" y="1066800"/>
+            <a:ext cx="4804729" cy="461665"/>
           </a:xfrm>
           <a:prstGeom prst="rect">
             <a:avLst/>
           </a:prstGeom>
           <a:noFill/>
-          <a:extLst>
-            <a:ext uri="{909E8E84-426E-40DD-AFC4-6F175D3DCCD1}">
-              <a14:hiddenFill xmlns:a14="http://schemas.microsoft.com/office/drawing/2010/main">
-                <a:solidFill>
-                  <a:srgbClr val="FFFFFF"/>
-                </a:solidFill>
-              </a14:hiddenFill>
-            </a:ext>
-          </a:extLst>
         </p:spPr>
-      </p:pic>
-      <p:sp>
-        <p:nvSpPr>
-          <p:cNvPr id="7" name="Title 1">
+        <p:txBody>
+          <a:bodyPr wrap="square" rtlCol="0">
+            <a:spAutoFit/>
+          </a:bodyPr>
+          <a:lstStyle/>
+          <a:p>
+            <a:pPr marL="342900" indent="-342900">
+              <a:buFont typeface="Wingdings" panose="05000000000000000000" pitchFamily="2" charset="2"/>
+              <a:buChar char="v"/>
+            </a:pPr>
+            <a:r>
+              <a:rPr lang="en-US" sz="2400" dirty="0">
+                <a:latin typeface="Times New Roman" panose="02020603050405020304" pitchFamily="18" charset="0"/>
+                <a:ea typeface="Roboto" panose="02000000000000000000" pitchFamily="2" charset="0"/>
+                <a:cs typeface="Times New Roman" panose="02020603050405020304" pitchFamily="18" charset="0"/>
+              </a:rPr>
+              <a:t>L</a:t>
+            </a:r>
+            <a:r>
+              <a:rPr lang="vi-VN" sz="2400" dirty="0">
+                <a:latin typeface="Times New Roman" panose="02020603050405020304" pitchFamily="18" charset="0"/>
+                <a:ea typeface="Roboto" panose="02000000000000000000" pitchFamily="2" charset="0"/>
+                <a:cs typeface="Times New Roman" panose="02020603050405020304" pitchFamily="18" charset="0"/>
+              </a:rPr>
+              <a:t>ư</a:t>
+            </a:r>
+            <a:r>
+              <a:rPr lang="en-US" sz="2400" dirty="0" err="1">
+                <a:latin typeface="Times New Roman" panose="02020603050405020304" pitchFamily="18" charset="0"/>
+                <a:ea typeface="Roboto" panose="02000000000000000000" pitchFamily="2" charset="0"/>
+                <a:cs typeface="Times New Roman" panose="02020603050405020304" pitchFamily="18" charset="0"/>
+              </a:rPr>
+              <a:t>ợc</a:t>
+            </a:r>
+            <a:r>
+              <a:rPr lang="en-US" sz="2400" dirty="0">
+                <a:latin typeface="Times New Roman" panose="02020603050405020304" pitchFamily="18" charset="0"/>
+                <a:ea typeface="Roboto" panose="02000000000000000000" pitchFamily="2" charset="0"/>
+                <a:cs typeface="Times New Roman" panose="02020603050405020304" pitchFamily="18" charset="0"/>
+              </a:rPr>
+              <a:t> </a:t>
+            </a:r>
+            <a:r>
+              <a:rPr lang="en-US" sz="2400" dirty="0" err="1">
+                <a:latin typeface="Times New Roman" panose="02020603050405020304" pitchFamily="18" charset="0"/>
+                <a:ea typeface="Roboto" panose="02000000000000000000" pitchFamily="2" charset="0"/>
+                <a:cs typeface="Times New Roman" panose="02020603050405020304" pitchFamily="18" charset="0"/>
+              </a:rPr>
+              <a:t>đồ</a:t>
+            </a:r>
+            <a:r>
+              <a:rPr lang="en-US" sz="2400" dirty="0">
+                <a:latin typeface="Times New Roman" panose="02020603050405020304" pitchFamily="18" charset="0"/>
+                <a:ea typeface="Roboto" panose="02000000000000000000" pitchFamily="2" charset="0"/>
+                <a:cs typeface="Times New Roman" panose="02020603050405020304" pitchFamily="18" charset="0"/>
+              </a:rPr>
+              <a:t> diagram</a:t>
+            </a:r>
+            <a:endParaRPr lang="en-US" sz="2400" dirty="0"/>
+          </a:p>
+        </p:txBody>
+      </p:sp>
+      <p:sp>
+        <p:nvSpPr>
+          <p:cNvPr id="6" name="Title 1">
             <a:extLst>
               <a:ext uri="{FF2B5EF4-FFF2-40B4-BE49-F238E27FC236}">
-                <a16:creationId xmlns:a16="http://schemas.microsoft.com/office/drawing/2014/main" id="{CB3235A3-3155-43F6-A0B6-9EC6F66536FA}"/>
+                <a16:creationId xmlns:a16="http://schemas.microsoft.com/office/drawing/2014/main" id="{B50C6C48-DE4A-4E38-866A-0A97847E1D5F}"/>
               </a:ext>
             </a:extLst>
           </p:cNvPr>
@@ -6108,8 +6323,8 @@
         </p:nvSpPr>
         <p:spPr>
           <a:xfrm>
-            <a:off x="0" y="604520"/>
-            <a:ext cx="8915400" cy="552615"/>
+            <a:off x="301752" y="457200"/>
+            <a:ext cx="8534400" cy="683555"/>
           </a:xfrm>
           <a:prstGeom prst="rect">
             <a:avLst/>
@@ -6139,11 +6354,7 @@
             </a:lvl1pPr>
           </a:lstStyle>
           <a:p>
-            <a:pPr algn="ctr">
-              <a:spcBef>
-                <a:spcPts val="0"/>
-              </a:spcBef>
-            </a:pPr>
+            <a:pPr algn="ctr"/>
             <a:r>
               <a:rPr lang="en-US" sz="3200" b="1" dirty="0">
                 <a:solidFill>
@@ -6152,7 +6363,7 @@
                 <a:latin typeface="Times New Roman" panose="02020603050405020304" pitchFamily="18" charset="0"/>
                 <a:cs typeface="Times New Roman" panose="02020603050405020304" pitchFamily="18" charset="0"/>
               </a:rPr>
-              <a:t>IV. DEMO</a:t>
+              <a:t>III. PHÂN TÍCH HỆ THỐNG</a:t>
             </a:r>
           </a:p>
         </p:txBody>
@@ -6162,7 +6373,7 @@
           <p:cNvPr id="2" name="Slide Number Placeholder 1">
             <a:extLst>
               <a:ext uri="{FF2B5EF4-FFF2-40B4-BE49-F238E27FC236}">
-                <a16:creationId xmlns:a16="http://schemas.microsoft.com/office/drawing/2014/main" id="{056A7CEE-23C8-405B-8D7B-F5D3CF5561EB}"/>
+                <a16:creationId xmlns:a16="http://schemas.microsoft.com/office/drawing/2014/main" id="{3854A36B-7B8C-4B71-A337-64D0CD477FC1}"/>
               </a:ext>
             </a:extLst>
           </p:cNvPr>
@@ -6184,6 +6395,2307 @@
               <a:t>11</a:t>
             </a:fld>
             <a:endParaRPr lang="en-US"/>
+          </a:p>
+        </p:txBody>
+      </p:sp>
+      <p:pic>
+        <p:nvPicPr>
+          <p:cNvPr id="4" name="Picture 3">
+            <a:extLst>
+              <a:ext uri="{FF2B5EF4-FFF2-40B4-BE49-F238E27FC236}">
+                <a16:creationId xmlns:a16="http://schemas.microsoft.com/office/drawing/2014/main" id="{A853DD1E-C850-46B4-8FFA-EFA45F2CC7C7}"/>
+              </a:ext>
+            </a:extLst>
+          </p:cNvPr>
+          <p:cNvPicPr>
+            <a:picLocks noChangeAspect="1"/>
+          </p:cNvPicPr>
+          <p:nvPr/>
+        </p:nvPicPr>
+        <p:blipFill>
+          <a:blip r:embed="rId3"/>
+          <a:stretch>
+            <a:fillRect/>
+          </a:stretch>
+        </p:blipFill>
+        <p:spPr>
+          <a:xfrm>
+            <a:off x="73152" y="1490216"/>
+            <a:ext cx="8994648" cy="5215384"/>
+          </a:xfrm>
+          <a:prstGeom prst="rect">
+            <a:avLst/>
+          </a:prstGeom>
+        </p:spPr>
+      </p:pic>
+    </p:spTree>
+    <p:extLst>
+      <p:ext uri="{BB962C8B-B14F-4D97-AF65-F5344CB8AC3E}">
+        <p14:creationId xmlns:p14="http://schemas.microsoft.com/office/powerpoint/2010/main" val="2408608250"/>
+      </p:ext>
+    </p:extLst>
+  </p:cSld>
+  <p:clrMapOvr>
+    <a:masterClrMapping/>
+  </p:clrMapOvr>
+</p:sld>
+</file>
+
+<file path=ppt/slides/slide12.xml><?xml version="1.0" encoding="utf-8"?>
+<p:sld xmlns:a="http://schemas.openxmlformats.org/drawingml/2006/main" xmlns:r="http://schemas.openxmlformats.org/officeDocument/2006/relationships" xmlns:p="http://schemas.openxmlformats.org/presentationml/2006/main">
+  <p:cSld>
+    <p:spTree>
+      <p:nvGrpSpPr>
+        <p:cNvPr id="1" name=""/>
+        <p:cNvGrpSpPr/>
+        <p:nvPr/>
+      </p:nvGrpSpPr>
+      <p:grpSpPr>
+        <a:xfrm>
+          <a:off x="0" y="0"/>
+          <a:ext cx="0" cy="0"/>
+          <a:chOff x="0" y="0"/>
+          <a:chExt cx="0" cy="0"/>
+        </a:xfrm>
+      </p:grpSpPr>
+      <p:sp>
+        <p:nvSpPr>
+          <p:cNvPr id="17" name="TextBox 16">
+            <a:extLst>
+              <a:ext uri="{FF2B5EF4-FFF2-40B4-BE49-F238E27FC236}">
+                <a16:creationId xmlns:a16="http://schemas.microsoft.com/office/drawing/2014/main" id="{D8F1E7DF-43FD-4D73-A997-B3BC22AC61DA}"/>
+              </a:ext>
+            </a:extLst>
+          </p:cNvPr>
+          <p:cNvSpPr txBox="1"/>
+          <p:nvPr/>
+        </p:nvSpPr>
+        <p:spPr>
+          <a:xfrm>
+            <a:off x="681671" y="1066800"/>
+            <a:ext cx="4804729" cy="461665"/>
+          </a:xfrm>
+          <a:prstGeom prst="rect">
+            <a:avLst/>
+          </a:prstGeom>
+          <a:noFill/>
+        </p:spPr>
+        <p:txBody>
+          <a:bodyPr wrap="square" rtlCol="0">
+            <a:spAutoFit/>
+          </a:bodyPr>
+          <a:lstStyle/>
+          <a:p>
+            <a:pPr marL="342900" indent="-342900">
+              <a:buFont typeface="Wingdings" panose="05000000000000000000" pitchFamily="2" charset="2"/>
+              <a:buChar char="v"/>
+            </a:pPr>
+            <a:r>
+              <a:rPr lang="en-US" sz="2400" dirty="0">
+                <a:latin typeface="Times New Roman" panose="02020603050405020304" pitchFamily="18" charset="0"/>
+                <a:ea typeface="Roboto" panose="02000000000000000000" pitchFamily="2" charset="0"/>
+                <a:cs typeface="Times New Roman" panose="02020603050405020304" pitchFamily="18" charset="0"/>
+              </a:rPr>
+              <a:t>L</a:t>
+            </a:r>
+            <a:r>
+              <a:rPr lang="vi-VN" sz="2400" dirty="0">
+                <a:latin typeface="Times New Roman" panose="02020603050405020304" pitchFamily="18" charset="0"/>
+                <a:ea typeface="Roboto" panose="02000000000000000000" pitchFamily="2" charset="0"/>
+                <a:cs typeface="Times New Roman" panose="02020603050405020304" pitchFamily="18" charset="0"/>
+              </a:rPr>
+              <a:t>ư</a:t>
+            </a:r>
+            <a:r>
+              <a:rPr lang="en-US" sz="2400" dirty="0" err="1">
+                <a:latin typeface="Times New Roman" panose="02020603050405020304" pitchFamily="18" charset="0"/>
+                <a:ea typeface="Roboto" panose="02000000000000000000" pitchFamily="2" charset="0"/>
+                <a:cs typeface="Times New Roman" panose="02020603050405020304" pitchFamily="18" charset="0"/>
+              </a:rPr>
+              <a:t>ợc</a:t>
+            </a:r>
+            <a:r>
+              <a:rPr lang="en-US" sz="2400" dirty="0">
+                <a:latin typeface="Times New Roman" panose="02020603050405020304" pitchFamily="18" charset="0"/>
+                <a:ea typeface="Roboto" panose="02000000000000000000" pitchFamily="2" charset="0"/>
+                <a:cs typeface="Times New Roman" panose="02020603050405020304" pitchFamily="18" charset="0"/>
+              </a:rPr>
+              <a:t> </a:t>
+            </a:r>
+            <a:r>
+              <a:rPr lang="en-US" sz="2400" dirty="0" err="1">
+                <a:latin typeface="Times New Roman" panose="02020603050405020304" pitchFamily="18" charset="0"/>
+                <a:ea typeface="Roboto" panose="02000000000000000000" pitchFamily="2" charset="0"/>
+                <a:cs typeface="Times New Roman" panose="02020603050405020304" pitchFamily="18" charset="0"/>
+              </a:rPr>
+              <a:t>đồ</a:t>
+            </a:r>
+            <a:r>
+              <a:rPr lang="en-US" sz="2400" dirty="0">
+                <a:latin typeface="Times New Roman" panose="02020603050405020304" pitchFamily="18" charset="0"/>
+                <a:ea typeface="Roboto" panose="02000000000000000000" pitchFamily="2" charset="0"/>
+                <a:cs typeface="Times New Roman" panose="02020603050405020304" pitchFamily="18" charset="0"/>
+              </a:rPr>
+              <a:t> diagram</a:t>
+            </a:r>
+            <a:endParaRPr lang="en-US" sz="2400" dirty="0"/>
+          </a:p>
+        </p:txBody>
+      </p:sp>
+      <p:sp>
+        <p:nvSpPr>
+          <p:cNvPr id="6" name="Title 1">
+            <a:extLst>
+              <a:ext uri="{FF2B5EF4-FFF2-40B4-BE49-F238E27FC236}">
+                <a16:creationId xmlns:a16="http://schemas.microsoft.com/office/drawing/2014/main" id="{B50C6C48-DE4A-4E38-866A-0A97847E1D5F}"/>
+              </a:ext>
+            </a:extLst>
+          </p:cNvPr>
+          <p:cNvSpPr txBox="1">
+            <a:spLocks/>
+          </p:cNvSpPr>
+          <p:nvPr/>
+        </p:nvSpPr>
+        <p:spPr>
+          <a:xfrm>
+            <a:off x="301752" y="457200"/>
+            <a:ext cx="8534400" cy="683555"/>
+          </a:xfrm>
+          <a:prstGeom prst="rect">
+            <a:avLst/>
+          </a:prstGeom>
+        </p:spPr>
+        <p:txBody>
+          <a:bodyPr vert="horz" lIns="91440" tIns="45720" rIns="91440" bIns="45720" rtlCol="0" anchor="ctr">
+            <a:normAutofit/>
+          </a:bodyPr>
+          <a:lstStyle>
+            <a:lvl1pPr algn="l" defTabSz="685800" rtl="0" eaLnBrk="1" latinLnBrk="0" hangingPunct="1">
+              <a:lnSpc>
+                <a:spcPct val="90000"/>
+              </a:lnSpc>
+              <a:spcBef>
+                <a:spcPct val="0"/>
+              </a:spcBef>
+              <a:buNone/>
+              <a:defRPr sz="3300" kern="1200">
+                <a:solidFill>
+                  <a:schemeClr val="tx1"/>
+                </a:solidFill>
+                <a:latin typeface="+mj-lt"/>
+                <a:ea typeface="+mj-ea"/>
+                <a:cs typeface="+mj-cs"/>
+              </a:defRPr>
+            </a:lvl1pPr>
+          </a:lstStyle>
+          <a:p>
+            <a:pPr algn="ctr"/>
+            <a:r>
+              <a:rPr lang="en-US" sz="3200" b="1" dirty="0">
+                <a:solidFill>
+                  <a:schemeClr val="accent1"/>
+                </a:solidFill>
+                <a:latin typeface="Times New Roman" panose="02020603050405020304" pitchFamily="18" charset="0"/>
+                <a:cs typeface="Times New Roman" panose="02020603050405020304" pitchFamily="18" charset="0"/>
+              </a:rPr>
+              <a:t>III. PHÂN TÍCH HỆ THỐNG</a:t>
+            </a:r>
+          </a:p>
+        </p:txBody>
+      </p:sp>
+      <p:sp>
+        <p:nvSpPr>
+          <p:cNvPr id="2" name="Slide Number Placeholder 1">
+            <a:extLst>
+              <a:ext uri="{FF2B5EF4-FFF2-40B4-BE49-F238E27FC236}">
+                <a16:creationId xmlns:a16="http://schemas.microsoft.com/office/drawing/2014/main" id="{3854A36B-7B8C-4B71-A337-64D0CD477FC1}"/>
+              </a:ext>
+            </a:extLst>
+          </p:cNvPr>
+          <p:cNvSpPr>
+            <a:spLocks noGrp="1"/>
+          </p:cNvSpPr>
+          <p:nvPr>
+            <p:ph type="sldNum" sz="quarter" idx="12"/>
+          </p:nvPr>
+        </p:nvSpPr>
+        <p:spPr/>
+        <p:txBody>
+          <a:bodyPr/>
+          <a:lstStyle/>
+          <a:p>
+            <a:fld id="{B6F15528-21DE-4FAA-801E-634DDDAF4B2B}" type="slidenum">
+              <a:rPr lang="en-US" smtClean="0"/>
+              <a:pPr/>
+              <a:t>12</a:t>
+            </a:fld>
+            <a:endParaRPr lang="en-US"/>
+          </a:p>
+        </p:txBody>
+      </p:sp>
+      <p:pic>
+        <p:nvPicPr>
+          <p:cNvPr id="3" name="Picture 2">
+            <a:extLst>
+              <a:ext uri="{FF2B5EF4-FFF2-40B4-BE49-F238E27FC236}">
+                <a16:creationId xmlns:a16="http://schemas.microsoft.com/office/drawing/2014/main" id="{11AE8A6C-E9DF-41AC-A508-FC1E7EDC17E4}"/>
+              </a:ext>
+            </a:extLst>
+          </p:cNvPr>
+          <p:cNvPicPr>
+            <a:picLocks noChangeAspect="1"/>
+          </p:cNvPicPr>
+          <p:nvPr/>
+        </p:nvPicPr>
+        <p:blipFill>
+          <a:blip r:embed="rId3"/>
+          <a:stretch>
+            <a:fillRect/>
+          </a:stretch>
+        </p:blipFill>
+        <p:spPr>
+          <a:xfrm>
+            <a:off x="301752" y="1508387"/>
+            <a:ext cx="8305800" cy="5349613"/>
+          </a:xfrm>
+          <a:prstGeom prst="rect">
+            <a:avLst/>
+          </a:prstGeom>
+        </p:spPr>
+      </p:pic>
+    </p:spTree>
+    <p:extLst>
+      <p:ext uri="{BB962C8B-B14F-4D97-AF65-F5344CB8AC3E}">
+        <p14:creationId xmlns:p14="http://schemas.microsoft.com/office/powerpoint/2010/main" val="2392821023"/>
+      </p:ext>
+    </p:extLst>
+  </p:cSld>
+  <p:clrMapOvr>
+    <a:masterClrMapping/>
+  </p:clrMapOvr>
+</p:sld>
+</file>
+
+<file path=ppt/slides/slide13.xml><?xml version="1.0" encoding="utf-8"?>
+<p:sld xmlns:a="http://schemas.openxmlformats.org/drawingml/2006/main" xmlns:r="http://schemas.openxmlformats.org/officeDocument/2006/relationships" xmlns:p="http://schemas.openxmlformats.org/presentationml/2006/main">
+  <p:cSld>
+    <p:spTree>
+      <p:nvGrpSpPr>
+        <p:cNvPr id="1" name=""/>
+        <p:cNvGrpSpPr/>
+        <p:nvPr/>
+      </p:nvGrpSpPr>
+      <p:grpSpPr>
+        <a:xfrm>
+          <a:off x="0" y="0"/>
+          <a:ext cx="0" cy="0"/>
+          <a:chOff x="0" y="0"/>
+          <a:chExt cx="0" cy="0"/>
+        </a:xfrm>
+      </p:grpSpPr>
+      <p:sp>
+        <p:nvSpPr>
+          <p:cNvPr id="7" name="Title 1">
+            <a:extLst>
+              <a:ext uri="{FF2B5EF4-FFF2-40B4-BE49-F238E27FC236}">
+                <a16:creationId xmlns:a16="http://schemas.microsoft.com/office/drawing/2014/main" id="{CB3235A3-3155-43F6-A0B6-9EC6F66536FA}"/>
+              </a:ext>
+            </a:extLst>
+          </p:cNvPr>
+          <p:cNvSpPr txBox="1">
+            <a:spLocks/>
+          </p:cNvSpPr>
+          <p:nvPr/>
+        </p:nvSpPr>
+        <p:spPr>
+          <a:xfrm>
+            <a:off x="0" y="381000"/>
+            <a:ext cx="8915400" cy="552615"/>
+          </a:xfrm>
+          <a:prstGeom prst="rect">
+            <a:avLst/>
+          </a:prstGeom>
+        </p:spPr>
+        <p:txBody>
+          <a:bodyPr vert="horz" lIns="91440" tIns="45720" rIns="91440" bIns="45720" rtlCol="0" anchor="ctr">
+            <a:normAutofit/>
+          </a:bodyPr>
+          <a:lstStyle>
+            <a:lvl1pPr algn="l" defTabSz="685800" rtl="0" eaLnBrk="1" latinLnBrk="0" hangingPunct="1">
+              <a:lnSpc>
+                <a:spcPct val="90000"/>
+              </a:lnSpc>
+              <a:spcBef>
+                <a:spcPct val="0"/>
+              </a:spcBef>
+              <a:buNone/>
+              <a:defRPr sz="3300" kern="1200">
+                <a:solidFill>
+                  <a:schemeClr val="tx1"/>
+                </a:solidFill>
+                <a:latin typeface="+mj-lt"/>
+                <a:ea typeface="+mj-ea"/>
+                <a:cs typeface="+mj-cs"/>
+              </a:defRPr>
+            </a:lvl1pPr>
+          </a:lstStyle>
+          <a:p>
+            <a:pPr algn="ctr">
+              <a:spcBef>
+                <a:spcPts val="0"/>
+              </a:spcBef>
+            </a:pPr>
+            <a:r>
+              <a:rPr lang="en-US" sz="3200" b="1" dirty="0">
+                <a:solidFill>
+                  <a:schemeClr val="accent1"/>
+                </a:solidFill>
+                <a:latin typeface="Times New Roman" panose="02020603050405020304" pitchFamily="18" charset="0"/>
+                <a:cs typeface="Times New Roman" panose="02020603050405020304" pitchFamily="18" charset="0"/>
+              </a:rPr>
+              <a:t>IV. DEMO</a:t>
+            </a:r>
+          </a:p>
+        </p:txBody>
+      </p:sp>
+      <p:sp>
+        <p:nvSpPr>
+          <p:cNvPr id="2" name="Slide Number Placeholder 1">
+            <a:extLst>
+              <a:ext uri="{FF2B5EF4-FFF2-40B4-BE49-F238E27FC236}">
+                <a16:creationId xmlns:a16="http://schemas.microsoft.com/office/drawing/2014/main" id="{056A7CEE-23C8-405B-8D7B-F5D3CF5561EB}"/>
+              </a:ext>
+            </a:extLst>
+          </p:cNvPr>
+          <p:cNvSpPr>
+            <a:spLocks noGrp="1"/>
+          </p:cNvSpPr>
+          <p:nvPr>
+            <p:ph type="sldNum" sz="quarter" idx="12"/>
+          </p:nvPr>
+        </p:nvSpPr>
+        <p:spPr/>
+        <p:txBody>
+          <a:bodyPr/>
+          <a:lstStyle/>
+          <a:p>
+            <a:fld id="{B6F15528-21DE-4FAA-801E-634DDDAF4B2B}" type="slidenum">
+              <a:rPr lang="en-US" smtClean="0"/>
+              <a:pPr/>
+              <a:t>13</a:t>
+            </a:fld>
+            <a:endParaRPr lang="en-US"/>
+          </a:p>
+        </p:txBody>
+      </p:sp>
+      <p:sp>
+        <p:nvSpPr>
+          <p:cNvPr id="3" name="Rectangle 2">
+            <a:extLst>
+              <a:ext uri="{FF2B5EF4-FFF2-40B4-BE49-F238E27FC236}">
+                <a16:creationId xmlns:a16="http://schemas.microsoft.com/office/drawing/2014/main" id="{2889A1C1-D5DF-4FA0-804F-924EAA913173}"/>
+              </a:ext>
+            </a:extLst>
+          </p:cNvPr>
+          <p:cNvSpPr/>
+          <p:nvPr/>
+        </p:nvSpPr>
+        <p:spPr>
+          <a:xfrm>
+            <a:off x="762000" y="1019096"/>
+            <a:ext cx="8001000" cy="5457904"/>
+          </a:xfrm>
+          <a:prstGeom prst="rect">
+            <a:avLst/>
+          </a:prstGeom>
+        </p:spPr>
+        <p:txBody>
+          <a:bodyPr wrap="square">
+            <a:spAutoFit/>
+          </a:bodyPr>
+          <a:lstStyle/>
+          <a:p>
+            <a:pPr marL="228600" marR="0" indent="131445">
+              <a:lnSpc>
+                <a:spcPct val="130000"/>
+              </a:lnSpc>
+              <a:spcBef>
+                <a:spcPts val="0"/>
+              </a:spcBef>
+              <a:spcAft>
+                <a:spcPts val="0"/>
+              </a:spcAft>
+            </a:pPr>
+            <a:r>
+              <a:rPr lang="en-US" b="1" dirty="0" err="1">
+                <a:solidFill>
+                  <a:srgbClr val="000000"/>
+                </a:solidFill>
+                <a:latin typeface="Times New Roman" panose="02020603050405020304" pitchFamily="18" charset="0"/>
+                <a:ea typeface="MS Mincho" panose="02020609040205080304" pitchFamily="49" charset="-128"/>
+              </a:rPr>
+              <a:t>Khách</a:t>
+            </a:r>
+            <a:r>
+              <a:rPr lang="en-US" b="1" dirty="0">
+                <a:solidFill>
+                  <a:srgbClr val="000000"/>
+                </a:solidFill>
+                <a:latin typeface="Times New Roman" panose="02020603050405020304" pitchFamily="18" charset="0"/>
+                <a:ea typeface="MS Mincho" panose="02020609040205080304" pitchFamily="49" charset="-128"/>
+              </a:rPr>
+              <a:t> </a:t>
+            </a:r>
+            <a:r>
+              <a:rPr lang="en-US" b="1" dirty="0" err="1">
+                <a:solidFill>
+                  <a:srgbClr val="000000"/>
+                </a:solidFill>
+                <a:latin typeface="Times New Roman" panose="02020603050405020304" pitchFamily="18" charset="0"/>
+                <a:ea typeface="MS Mincho" panose="02020609040205080304" pitchFamily="49" charset="-128"/>
+              </a:rPr>
+              <a:t>hàng</a:t>
+            </a:r>
+            <a:r>
+              <a:rPr lang="en-US" b="1" dirty="0">
+                <a:solidFill>
+                  <a:srgbClr val="000000"/>
+                </a:solidFill>
+                <a:latin typeface="Times New Roman" panose="02020603050405020304" pitchFamily="18" charset="0"/>
+                <a:ea typeface="MS Mincho" panose="02020609040205080304" pitchFamily="49" charset="-128"/>
+              </a:rPr>
+              <a:t>:</a:t>
+            </a:r>
+            <a:br>
+              <a:rPr lang="en-US" dirty="0">
+                <a:solidFill>
+                  <a:srgbClr val="000000"/>
+                </a:solidFill>
+                <a:latin typeface="Times New Roman" panose="02020603050405020304" pitchFamily="18" charset="0"/>
+                <a:ea typeface="MS Mincho" panose="02020609040205080304" pitchFamily="49" charset="-128"/>
+              </a:rPr>
+            </a:br>
+            <a:r>
+              <a:rPr lang="en-US" dirty="0">
+                <a:solidFill>
+                  <a:srgbClr val="000000"/>
+                </a:solidFill>
+                <a:latin typeface="Times New Roman" panose="02020603050405020304" pitchFamily="18" charset="0"/>
+                <a:ea typeface="MS Mincho" panose="02020609040205080304" pitchFamily="49" charset="-128"/>
+              </a:rPr>
+              <a:t>  - </a:t>
+            </a:r>
+            <a:r>
+              <a:rPr lang="en-US" dirty="0" err="1">
+                <a:solidFill>
+                  <a:srgbClr val="000000"/>
+                </a:solidFill>
+                <a:latin typeface="Times New Roman" panose="02020603050405020304" pitchFamily="18" charset="0"/>
+                <a:ea typeface="MS Mincho" panose="02020609040205080304" pitchFamily="49" charset="-128"/>
+              </a:rPr>
+              <a:t>Đăng</a:t>
+            </a:r>
+            <a:r>
+              <a:rPr lang="en-US" dirty="0">
+                <a:solidFill>
+                  <a:srgbClr val="000000"/>
+                </a:solidFill>
+                <a:latin typeface="Times New Roman" panose="02020603050405020304" pitchFamily="18" charset="0"/>
+                <a:ea typeface="MS Mincho" panose="02020609040205080304" pitchFamily="49" charset="-128"/>
+              </a:rPr>
+              <a:t> </a:t>
+            </a:r>
+            <a:r>
+              <a:rPr lang="en-US" dirty="0" err="1">
+                <a:solidFill>
+                  <a:srgbClr val="000000"/>
+                </a:solidFill>
+                <a:latin typeface="Times New Roman" panose="02020603050405020304" pitchFamily="18" charset="0"/>
+                <a:ea typeface="MS Mincho" panose="02020609040205080304" pitchFamily="49" charset="-128"/>
+              </a:rPr>
+              <a:t>nhập</a:t>
+            </a:r>
+            <a:r>
+              <a:rPr lang="en-US" dirty="0">
+                <a:solidFill>
+                  <a:srgbClr val="000000"/>
+                </a:solidFill>
+                <a:latin typeface="Times New Roman" panose="02020603050405020304" pitchFamily="18" charset="0"/>
+                <a:ea typeface="MS Mincho" panose="02020609040205080304" pitchFamily="49" charset="-128"/>
+              </a:rPr>
+              <a:t>, </a:t>
+            </a:r>
+            <a:r>
+              <a:rPr lang="en-US" dirty="0" err="1">
+                <a:solidFill>
+                  <a:srgbClr val="000000"/>
+                </a:solidFill>
+                <a:latin typeface="Times New Roman" panose="02020603050405020304" pitchFamily="18" charset="0"/>
+                <a:ea typeface="MS Mincho" panose="02020609040205080304" pitchFamily="49" charset="-128"/>
+              </a:rPr>
+              <a:t>đăng</a:t>
+            </a:r>
+            <a:r>
+              <a:rPr lang="en-US" dirty="0">
+                <a:solidFill>
+                  <a:srgbClr val="000000"/>
+                </a:solidFill>
+                <a:latin typeface="Times New Roman" panose="02020603050405020304" pitchFamily="18" charset="0"/>
+                <a:ea typeface="MS Mincho" panose="02020609040205080304" pitchFamily="49" charset="-128"/>
+              </a:rPr>
+              <a:t> </a:t>
+            </a:r>
+            <a:r>
+              <a:rPr lang="en-US" dirty="0" err="1">
+                <a:solidFill>
+                  <a:srgbClr val="000000"/>
+                </a:solidFill>
+                <a:latin typeface="Times New Roman" panose="02020603050405020304" pitchFamily="18" charset="0"/>
+                <a:ea typeface="MS Mincho" panose="02020609040205080304" pitchFamily="49" charset="-128"/>
+              </a:rPr>
+              <a:t>ký</a:t>
+            </a:r>
+            <a:r>
+              <a:rPr lang="en-US" dirty="0">
+                <a:solidFill>
+                  <a:srgbClr val="000000"/>
+                </a:solidFill>
+                <a:latin typeface="Times New Roman" panose="02020603050405020304" pitchFamily="18" charset="0"/>
+                <a:ea typeface="MS Mincho" panose="02020609040205080304" pitchFamily="49" charset="-128"/>
+              </a:rPr>
+              <a:t>, </a:t>
+            </a:r>
+            <a:r>
+              <a:rPr lang="en-US" dirty="0" err="1">
+                <a:solidFill>
+                  <a:srgbClr val="000000"/>
+                </a:solidFill>
+                <a:latin typeface="Times New Roman" panose="02020603050405020304" pitchFamily="18" charset="0"/>
+                <a:ea typeface="MS Mincho" panose="02020609040205080304" pitchFamily="49" charset="-128"/>
+              </a:rPr>
+              <a:t>cập</a:t>
+            </a:r>
+            <a:r>
+              <a:rPr lang="en-US" dirty="0">
+                <a:solidFill>
+                  <a:srgbClr val="000000"/>
+                </a:solidFill>
+                <a:latin typeface="Times New Roman" panose="02020603050405020304" pitchFamily="18" charset="0"/>
+                <a:ea typeface="MS Mincho" panose="02020609040205080304" pitchFamily="49" charset="-128"/>
+              </a:rPr>
+              <a:t> </a:t>
+            </a:r>
+            <a:r>
+              <a:rPr lang="en-US" dirty="0" err="1">
+                <a:solidFill>
+                  <a:srgbClr val="000000"/>
+                </a:solidFill>
+                <a:latin typeface="Times New Roman" panose="02020603050405020304" pitchFamily="18" charset="0"/>
+                <a:ea typeface="MS Mincho" panose="02020609040205080304" pitchFamily="49" charset="-128"/>
+              </a:rPr>
+              <a:t>nhập</a:t>
+            </a:r>
+            <a:r>
+              <a:rPr lang="en-US" dirty="0">
+                <a:solidFill>
+                  <a:srgbClr val="000000"/>
+                </a:solidFill>
+                <a:latin typeface="Times New Roman" panose="02020603050405020304" pitchFamily="18" charset="0"/>
+                <a:ea typeface="MS Mincho" panose="02020609040205080304" pitchFamily="49" charset="-128"/>
+              </a:rPr>
+              <a:t> </a:t>
+            </a:r>
+            <a:r>
+              <a:rPr lang="en-US" dirty="0" err="1">
+                <a:solidFill>
+                  <a:srgbClr val="000000"/>
+                </a:solidFill>
+                <a:latin typeface="Times New Roman" panose="02020603050405020304" pitchFamily="18" charset="0"/>
+                <a:ea typeface="MS Mincho" panose="02020609040205080304" pitchFamily="49" charset="-128"/>
+              </a:rPr>
+              <a:t>thông</a:t>
+            </a:r>
+            <a:r>
+              <a:rPr lang="en-US" dirty="0">
+                <a:solidFill>
+                  <a:srgbClr val="000000"/>
+                </a:solidFill>
+                <a:latin typeface="Times New Roman" panose="02020603050405020304" pitchFamily="18" charset="0"/>
+                <a:ea typeface="MS Mincho" panose="02020609040205080304" pitchFamily="49" charset="-128"/>
+              </a:rPr>
+              <a:t> tin </a:t>
+            </a:r>
+            <a:r>
+              <a:rPr lang="en-US" dirty="0" err="1">
+                <a:solidFill>
+                  <a:srgbClr val="000000"/>
+                </a:solidFill>
+                <a:latin typeface="Times New Roman" panose="02020603050405020304" pitchFamily="18" charset="0"/>
+                <a:ea typeface="MS Mincho" panose="02020609040205080304" pitchFamily="49" charset="-128"/>
+              </a:rPr>
+              <a:t>tài</a:t>
+            </a:r>
+            <a:r>
+              <a:rPr lang="en-US" dirty="0">
+                <a:solidFill>
+                  <a:srgbClr val="000000"/>
+                </a:solidFill>
+                <a:latin typeface="Times New Roman" panose="02020603050405020304" pitchFamily="18" charset="0"/>
+                <a:ea typeface="MS Mincho" panose="02020609040205080304" pitchFamily="49" charset="-128"/>
+              </a:rPr>
+              <a:t> </a:t>
+            </a:r>
+            <a:r>
+              <a:rPr lang="en-US" dirty="0" err="1">
+                <a:solidFill>
+                  <a:srgbClr val="000000"/>
+                </a:solidFill>
+                <a:latin typeface="Times New Roman" panose="02020603050405020304" pitchFamily="18" charset="0"/>
+                <a:ea typeface="MS Mincho" panose="02020609040205080304" pitchFamily="49" charset="-128"/>
+              </a:rPr>
+              <a:t>khoản</a:t>
+            </a:r>
+            <a:endParaRPr lang="en-US" dirty="0">
+              <a:latin typeface="Times New Roman" panose="02020603050405020304" pitchFamily="18" charset="0"/>
+              <a:ea typeface="MS Mincho" panose="02020609040205080304" pitchFamily="49" charset="-128"/>
+            </a:endParaRPr>
+          </a:p>
+          <a:p>
+            <a:pPr marL="228600" marR="0" indent="131445">
+              <a:lnSpc>
+                <a:spcPct val="130000"/>
+              </a:lnSpc>
+              <a:spcBef>
+                <a:spcPts val="0"/>
+              </a:spcBef>
+              <a:spcAft>
+                <a:spcPts val="0"/>
+              </a:spcAft>
+            </a:pPr>
+            <a:r>
+              <a:rPr lang="en-US" dirty="0">
+                <a:solidFill>
+                  <a:srgbClr val="000000"/>
+                </a:solidFill>
+                <a:latin typeface="Times New Roman" panose="02020603050405020304" pitchFamily="18" charset="0"/>
+                <a:ea typeface="MS Mincho" panose="02020609040205080304" pitchFamily="49" charset="-128"/>
+              </a:rPr>
+              <a:t>- </a:t>
+            </a:r>
+            <a:r>
+              <a:rPr lang="en-US" dirty="0" err="1">
+                <a:solidFill>
+                  <a:srgbClr val="000000"/>
+                </a:solidFill>
+                <a:latin typeface="Times New Roman" panose="02020603050405020304" pitchFamily="18" charset="0"/>
+                <a:ea typeface="MS Mincho" panose="02020609040205080304" pitchFamily="49" charset="-128"/>
+              </a:rPr>
+              <a:t>Xem</a:t>
+            </a:r>
+            <a:r>
+              <a:rPr lang="en-US" dirty="0">
+                <a:solidFill>
+                  <a:srgbClr val="000000"/>
+                </a:solidFill>
+                <a:latin typeface="Times New Roman" panose="02020603050405020304" pitchFamily="18" charset="0"/>
+                <a:ea typeface="MS Mincho" panose="02020609040205080304" pitchFamily="49" charset="-128"/>
+              </a:rPr>
+              <a:t> </a:t>
+            </a:r>
+            <a:r>
+              <a:rPr lang="en-US" dirty="0" err="1">
+                <a:solidFill>
+                  <a:srgbClr val="000000"/>
+                </a:solidFill>
+                <a:latin typeface="Times New Roman" panose="02020603050405020304" pitchFamily="18" charset="0"/>
+                <a:ea typeface="MS Mincho" panose="02020609040205080304" pitchFamily="49" charset="-128"/>
+              </a:rPr>
+              <a:t>thông</a:t>
+            </a:r>
+            <a:r>
+              <a:rPr lang="en-US" dirty="0">
+                <a:solidFill>
+                  <a:srgbClr val="000000"/>
+                </a:solidFill>
+                <a:latin typeface="Times New Roman" panose="02020603050405020304" pitchFamily="18" charset="0"/>
+                <a:ea typeface="MS Mincho" panose="02020609040205080304" pitchFamily="49" charset="-128"/>
+              </a:rPr>
+              <a:t> tin chi </a:t>
+            </a:r>
+            <a:r>
+              <a:rPr lang="en-US" dirty="0" err="1">
+                <a:solidFill>
+                  <a:srgbClr val="000000"/>
+                </a:solidFill>
+                <a:latin typeface="Times New Roman" panose="02020603050405020304" pitchFamily="18" charset="0"/>
+                <a:ea typeface="MS Mincho" panose="02020609040205080304" pitchFamily="49" charset="-128"/>
+              </a:rPr>
+              <a:t>tiết</a:t>
+            </a:r>
+            <a:r>
+              <a:rPr lang="en-US" dirty="0">
+                <a:solidFill>
+                  <a:srgbClr val="000000"/>
+                </a:solidFill>
+                <a:latin typeface="Times New Roman" panose="02020603050405020304" pitchFamily="18" charset="0"/>
+                <a:ea typeface="MS Mincho" panose="02020609040205080304" pitchFamily="49" charset="-128"/>
+              </a:rPr>
+              <a:t> </a:t>
+            </a:r>
+            <a:r>
+              <a:rPr lang="en-US" dirty="0" err="1">
+                <a:solidFill>
+                  <a:srgbClr val="000000"/>
+                </a:solidFill>
+                <a:latin typeface="Times New Roman" panose="02020603050405020304" pitchFamily="18" charset="0"/>
+                <a:ea typeface="MS Mincho" panose="02020609040205080304" pitchFamily="49" charset="-128"/>
+              </a:rPr>
+              <a:t>sản</a:t>
+            </a:r>
+            <a:r>
+              <a:rPr lang="en-US" dirty="0">
+                <a:solidFill>
+                  <a:srgbClr val="000000"/>
+                </a:solidFill>
+                <a:latin typeface="Times New Roman" panose="02020603050405020304" pitchFamily="18" charset="0"/>
+                <a:ea typeface="MS Mincho" panose="02020609040205080304" pitchFamily="49" charset="-128"/>
+              </a:rPr>
+              <a:t> </a:t>
+            </a:r>
+            <a:r>
+              <a:rPr lang="en-US" dirty="0" err="1">
+                <a:solidFill>
+                  <a:srgbClr val="000000"/>
+                </a:solidFill>
+                <a:latin typeface="Times New Roman" panose="02020603050405020304" pitchFamily="18" charset="0"/>
+                <a:ea typeface="MS Mincho" panose="02020609040205080304" pitchFamily="49" charset="-128"/>
+              </a:rPr>
+              <a:t>phẩm</a:t>
+            </a:r>
+            <a:endParaRPr lang="en-US" dirty="0">
+              <a:latin typeface="Times New Roman" panose="02020603050405020304" pitchFamily="18" charset="0"/>
+              <a:ea typeface="MS Mincho" panose="02020609040205080304" pitchFamily="49" charset="-128"/>
+            </a:endParaRPr>
+          </a:p>
+          <a:p>
+            <a:pPr marL="228600" marR="0" indent="131445">
+              <a:lnSpc>
+                <a:spcPct val="130000"/>
+              </a:lnSpc>
+              <a:spcBef>
+                <a:spcPts val="0"/>
+              </a:spcBef>
+              <a:spcAft>
+                <a:spcPts val="0"/>
+              </a:spcAft>
+            </a:pPr>
+            <a:r>
+              <a:rPr lang="en-US" dirty="0">
+                <a:solidFill>
+                  <a:srgbClr val="000000"/>
+                </a:solidFill>
+                <a:latin typeface="Times New Roman" panose="02020603050405020304" pitchFamily="18" charset="0"/>
+                <a:ea typeface="MS Mincho" panose="02020609040205080304" pitchFamily="49" charset="-128"/>
+              </a:rPr>
+              <a:t>- </a:t>
+            </a:r>
+            <a:r>
+              <a:rPr lang="en-US" dirty="0" err="1">
+                <a:solidFill>
+                  <a:srgbClr val="000000"/>
+                </a:solidFill>
+                <a:latin typeface="Times New Roman" panose="02020603050405020304" pitchFamily="18" charset="0"/>
+                <a:ea typeface="MS Mincho" panose="02020609040205080304" pitchFamily="49" charset="-128"/>
+              </a:rPr>
+              <a:t>Tìm</a:t>
+            </a:r>
+            <a:r>
+              <a:rPr lang="en-US" dirty="0">
+                <a:solidFill>
+                  <a:srgbClr val="000000"/>
+                </a:solidFill>
+                <a:latin typeface="Times New Roman" panose="02020603050405020304" pitchFamily="18" charset="0"/>
+                <a:ea typeface="MS Mincho" panose="02020609040205080304" pitchFamily="49" charset="-128"/>
+              </a:rPr>
+              <a:t> </a:t>
+            </a:r>
+            <a:r>
+              <a:rPr lang="en-US" dirty="0" err="1">
+                <a:solidFill>
+                  <a:srgbClr val="000000"/>
+                </a:solidFill>
+                <a:latin typeface="Times New Roman" panose="02020603050405020304" pitchFamily="18" charset="0"/>
+                <a:ea typeface="MS Mincho" panose="02020609040205080304" pitchFamily="49" charset="-128"/>
+              </a:rPr>
+              <a:t>kiếm</a:t>
+            </a:r>
+            <a:r>
+              <a:rPr lang="en-US" dirty="0">
+                <a:solidFill>
+                  <a:srgbClr val="000000"/>
+                </a:solidFill>
+                <a:latin typeface="Times New Roman" panose="02020603050405020304" pitchFamily="18" charset="0"/>
+                <a:ea typeface="MS Mincho" panose="02020609040205080304" pitchFamily="49" charset="-128"/>
+              </a:rPr>
+              <a:t>, filter </a:t>
+            </a:r>
+            <a:r>
+              <a:rPr lang="en-US" dirty="0" err="1">
+                <a:solidFill>
+                  <a:srgbClr val="000000"/>
+                </a:solidFill>
+                <a:latin typeface="Times New Roman" panose="02020603050405020304" pitchFamily="18" charset="0"/>
+                <a:ea typeface="MS Mincho" panose="02020609040205080304" pitchFamily="49" charset="-128"/>
+              </a:rPr>
+              <a:t>sản</a:t>
+            </a:r>
+            <a:r>
+              <a:rPr lang="en-US" dirty="0">
+                <a:solidFill>
+                  <a:srgbClr val="000000"/>
+                </a:solidFill>
+                <a:latin typeface="Times New Roman" panose="02020603050405020304" pitchFamily="18" charset="0"/>
+                <a:ea typeface="MS Mincho" panose="02020609040205080304" pitchFamily="49" charset="-128"/>
+              </a:rPr>
+              <a:t> </a:t>
+            </a:r>
+            <a:r>
+              <a:rPr lang="en-US" dirty="0" err="1">
+                <a:solidFill>
+                  <a:srgbClr val="000000"/>
+                </a:solidFill>
+                <a:latin typeface="Times New Roman" panose="02020603050405020304" pitchFamily="18" charset="0"/>
+                <a:ea typeface="MS Mincho" panose="02020609040205080304" pitchFamily="49" charset="-128"/>
+              </a:rPr>
+              <a:t>phẩm</a:t>
+            </a:r>
+            <a:endParaRPr lang="en-US" dirty="0">
+              <a:latin typeface="Times New Roman" panose="02020603050405020304" pitchFamily="18" charset="0"/>
+              <a:ea typeface="MS Mincho" panose="02020609040205080304" pitchFamily="49" charset="-128"/>
+            </a:endParaRPr>
+          </a:p>
+          <a:p>
+            <a:pPr marL="228600" marR="0" indent="131445">
+              <a:lnSpc>
+                <a:spcPct val="130000"/>
+              </a:lnSpc>
+              <a:spcBef>
+                <a:spcPts val="0"/>
+              </a:spcBef>
+              <a:spcAft>
+                <a:spcPts val="0"/>
+              </a:spcAft>
+            </a:pPr>
+            <a:r>
+              <a:rPr lang="en-US" dirty="0">
+                <a:solidFill>
+                  <a:srgbClr val="000000"/>
+                </a:solidFill>
+                <a:latin typeface="Times New Roman" panose="02020603050405020304" pitchFamily="18" charset="0"/>
+                <a:ea typeface="MS Mincho" panose="02020609040205080304" pitchFamily="49" charset="-128"/>
+              </a:rPr>
+              <a:t>- </a:t>
+            </a:r>
+            <a:r>
+              <a:rPr lang="en-US" dirty="0" err="1">
+                <a:solidFill>
+                  <a:srgbClr val="000000"/>
+                </a:solidFill>
+                <a:latin typeface="Times New Roman" panose="02020603050405020304" pitchFamily="18" charset="0"/>
+                <a:ea typeface="MS Mincho" panose="02020609040205080304" pitchFamily="49" charset="-128"/>
+              </a:rPr>
+              <a:t>Thêm</a:t>
+            </a:r>
+            <a:r>
+              <a:rPr lang="en-US" dirty="0">
+                <a:solidFill>
+                  <a:srgbClr val="000000"/>
+                </a:solidFill>
+                <a:latin typeface="Times New Roman" panose="02020603050405020304" pitchFamily="18" charset="0"/>
+                <a:ea typeface="MS Mincho" panose="02020609040205080304" pitchFamily="49" charset="-128"/>
+              </a:rPr>
+              <a:t> </a:t>
+            </a:r>
+            <a:r>
+              <a:rPr lang="en-US" dirty="0" err="1">
+                <a:solidFill>
+                  <a:srgbClr val="000000"/>
+                </a:solidFill>
+                <a:latin typeface="Times New Roman" panose="02020603050405020304" pitchFamily="18" charset="0"/>
+                <a:ea typeface="MS Mincho" panose="02020609040205080304" pitchFamily="49" charset="-128"/>
+              </a:rPr>
+              <a:t>sửa</a:t>
+            </a:r>
+            <a:r>
+              <a:rPr lang="en-US" dirty="0">
+                <a:solidFill>
+                  <a:srgbClr val="000000"/>
+                </a:solidFill>
+                <a:latin typeface="Times New Roman" panose="02020603050405020304" pitchFamily="18" charset="0"/>
+                <a:ea typeface="MS Mincho" panose="02020609040205080304" pitchFamily="49" charset="-128"/>
+              </a:rPr>
+              <a:t> </a:t>
+            </a:r>
+            <a:r>
+              <a:rPr lang="en-US" dirty="0" err="1">
+                <a:solidFill>
+                  <a:srgbClr val="000000"/>
+                </a:solidFill>
+                <a:latin typeface="Times New Roman" panose="02020603050405020304" pitchFamily="18" charset="0"/>
+                <a:ea typeface="MS Mincho" panose="02020609040205080304" pitchFamily="49" charset="-128"/>
+              </a:rPr>
+              <a:t>xóa</a:t>
+            </a:r>
+            <a:r>
+              <a:rPr lang="en-US" dirty="0">
+                <a:solidFill>
+                  <a:srgbClr val="000000"/>
+                </a:solidFill>
+                <a:latin typeface="Times New Roman" panose="02020603050405020304" pitchFamily="18" charset="0"/>
+                <a:ea typeface="MS Mincho" panose="02020609040205080304" pitchFamily="49" charset="-128"/>
+              </a:rPr>
+              <a:t> </a:t>
+            </a:r>
+            <a:r>
+              <a:rPr lang="en-US" dirty="0" err="1">
+                <a:solidFill>
+                  <a:srgbClr val="000000"/>
+                </a:solidFill>
+                <a:latin typeface="Times New Roman" panose="02020603050405020304" pitchFamily="18" charset="0"/>
+                <a:ea typeface="MS Mincho" panose="02020609040205080304" pitchFamily="49" charset="-128"/>
+              </a:rPr>
+              <a:t>sản</a:t>
+            </a:r>
+            <a:r>
+              <a:rPr lang="en-US" dirty="0">
+                <a:solidFill>
+                  <a:srgbClr val="000000"/>
+                </a:solidFill>
+                <a:latin typeface="Times New Roman" panose="02020603050405020304" pitchFamily="18" charset="0"/>
+                <a:ea typeface="MS Mincho" panose="02020609040205080304" pitchFamily="49" charset="-128"/>
+              </a:rPr>
+              <a:t> </a:t>
+            </a:r>
+            <a:r>
+              <a:rPr lang="en-US" dirty="0" err="1">
+                <a:solidFill>
+                  <a:srgbClr val="000000"/>
+                </a:solidFill>
+                <a:latin typeface="Times New Roman" panose="02020603050405020304" pitchFamily="18" charset="0"/>
+                <a:ea typeface="MS Mincho" panose="02020609040205080304" pitchFamily="49" charset="-128"/>
+              </a:rPr>
+              <a:t>phẩm</a:t>
+            </a:r>
+            <a:r>
+              <a:rPr lang="en-US" dirty="0">
+                <a:solidFill>
+                  <a:srgbClr val="000000"/>
+                </a:solidFill>
+                <a:latin typeface="Times New Roman" panose="02020603050405020304" pitchFamily="18" charset="0"/>
+                <a:ea typeface="MS Mincho" panose="02020609040205080304" pitchFamily="49" charset="-128"/>
+              </a:rPr>
+              <a:t> </a:t>
+            </a:r>
+            <a:r>
+              <a:rPr lang="en-US" dirty="0" err="1">
+                <a:solidFill>
+                  <a:srgbClr val="000000"/>
+                </a:solidFill>
+                <a:latin typeface="Times New Roman" panose="02020603050405020304" pitchFamily="18" charset="0"/>
+                <a:ea typeface="MS Mincho" panose="02020609040205080304" pitchFamily="49" charset="-128"/>
+              </a:rPr>
+              <a:t>trong</a:t>
+            </a:r>
+            <a:r>
+              <a:rPr lang="en-US" dirty="0">
+                <a:solidFill>
+                  <a:srgbClr val="000000"/>
+                </a:solidFill>
+                <a:latin typeface="Times New Roman" panose="02020603050405020304" pitchFamily="18" charset="0"/>
+                <a:ea typeface="MS Mincho" panose="02020609040205080304" pitchFamily="49" charset="-128"/>
+              </a:rPr>
+              <a:t> </a:t>
+            </a:r>
+            <a:r>
+              <a:rPr lang="en-US" dirty="0" err="1">
+                <a:solidFill>
+                  <a:srgbClr val="000000"/>
+                </a:solidFill>
+                <a:latin typeface="Times New Roman" panose="02020603050405020304" pitchFamily="18" charset="0"/>
+                <a:ea typeface="MS Mincho" panose="02020609040205080304" pitchFamily="49" charset="-128"/>
+              </a:rPr>
+              <a:t>giỏ</a:t>
+            </a:r>
+            <a:r>
+              <a:rPr lang="en-US" dirty="0">
+                <a:solidFill>
+                  <a:srgbClr val="000000"/>
+                </a:solidFill>
+                <a:latin typeface="Times New Roman" panose="02020603050405020304" pitchFamily="18" charset="0"/>
+                <a:ea typeface="MS Mincho" panose="02020609040205080304" pitchFamily="49" charset="-128"/>
+              </a:rPr>
+              <a:t> </a:t>
+            </a:r>
+            <a:r>
+              <a:rPr lang="en-US" dirty="0" err="1">
+                <a:solidFill>
+                  <a:srgbClr val="000000"/>
+                </a:solidFill>
+                <a:latin typeface="Times New Roman" panose="02020603050405020304" pitchFamily="18" charset="0"/>
+                <a:ea typeface="MS Mincho" panose="02020609040205080304" pitchFamily="49" charset="-128"/>
+              </a:rPr>
+              <a:t>hàng</a:t>
+            </a:r>
+            <a:endParaRPr lang="en-US" dirty="0">
+              <a:latin typeface="Times New Roman" panose="02020603050405020304" pitchFamily="18" charset="0"/>
+              <a:ea typeface="MS Mincho" panose="02020609040205080304" pitchFamily="49" charset="-128"/>
+            </a:endParaRPr>
+          </a:p>
+          <a:p>
+            <a:pPr marL="228600" marR="0" indent="131445">
+              <a:lnSpc>
+                <a:spcPct val="130000"/>
+              </a:lnSpc>
+              <a:spcBef>
+                <a:spcPts val="0"/>
+              </a:spcBef>
+              <a:spcAft>
+                <a:spcPts val="0"/>
+              </a:spcAft>
+            </a:pPr>
+            <a:r>
+              <a:rPr lang="en-US" dirty="0">
+                <a:solidFill>
+                  <a:srgbClr val="000000"/>
+                </a:solidFill>
+                <a:latin typeface="Times New Roman" panose="02020603050405020304" pitchFamily="18" charset="0"/>
+                <a:ea typeface="MS Mincho" panose="02020609040205080304" pitchFamily="49" charset="-128"/>
+              </a:rPr>
+              <a:t>- </a:t>
+            </a:r>
+            <a:r>
+              <a:rPr lang="en-US" dirty="0" err="1">
+                <a:solidFill>
+                  <a:srgbClr val="000000"/>
+                </a:solidFill>
+                <a:latin typeface="Times New Roman" panose="02020603050405020304" pitchFamily="18" charset="0"/>
+                <a:ea typeface="MS Mincho" panose="02020609040205080304" pitchFamily="49" charset="-128"/>
+              </a:rPr>
+              <a:t>Đặt</a:t>
+            </a:r>
+            <a:r>
+              <a:rPr lang="en-US" dirty="0">
+                <a:solidFill>
+                  <a:srgbClr val="000000"/>
+                </a:solidFill>
+                <a:latin typeface="Times New Roman" panose="02020603050405020304" pitchFamily="18" charset="0"/>
+                <a:ea typeface="MS Mincho" panose="02020609040205080304" pitchFamily="49" charset="-128"/>
+              </a:rPr>
+              <a:t> </a:t>
+            </a:r>
+            <a:r>
+              <a:rPr lang="en-US" dirty="0" err="1">
+                <a:solidFill>
+                  <a:srgbClr val="000000"/>
+                </a:solidFill>
+                <a:latin typeface="Times New Roman" panose="02020603050405020304" pitchFamily="18" charset="0"/>
+                <a:ea typeface="MS Mincho" panose="02020609040205080304" pitchFamily="49" charset="-128"/>
+              </a:rPr>
+              <a:t>hàng</a:t>
+            </a:r>
+            <a:endParaRPr lang="en-US" dirty="0">
+              <a:latin typeface="Times New Roman" panose="02020603050405020304" pitchFamily="18" charset="0"/>
+              <a:ea typeface="MS Mincho" panose="02020609040205080304" pitchFamily="49" charset="-128"/>
+            </a:endParaRPr>
+          </a:p>
+          <a:p>
+            <a:pPr marL="228600" marR="0" indent="131445">
+              <a:lnSpc>
+                <a:spcPct val="130000"/>
+              </a:lnSpc>
+              <a:spcBef>
+                <a:spcPts val="0"/>
+              </a:spcBef>
+              <a:spcAft>
+                <a:spcPts val="0"/>
+              </a:spcAft>
+            </a:pPr>
+            <a:r>
+              <a:rPr lang="en-US" dirty="0">
+                <a:solidFill>
+                  <a:srgbClr val="000000"/>
+                </a:solidFill>
+                <a:latin typeface="Times New Roman" panose="02020603050405020304" pitchFamily="18" charset="0"/>
+                <a:ea typeface="MS Mincho" panose="02020609040205080304" pitchFamily="49" charset="-128"/>
+              </a:rPr>
+              <a:t>-  </a:t>
+            </a:r>
+            <a:r>
+              <a:rPr lang="en-US" dirty="0" err="1">
+                <a:solidFill>
+                  <a:srgbClr val="000000"/>
+                </a:solidFill>
+                <a:latin typeface="Times New Roman" panose="02020603050405020304" pitchFamily="18" charset="0"/>
+                <a:ea typeface="MS Mincho" panose="02020609040205080304" pitchFamily="49" charset="-128"/>
+              </a:rPr>
+              <a:t>Xem</a:t>
+            </a:r>
+            <a:r>
+              <a:rPr lang="en-US" dirty="0">
+                <a:solidFill>
+                  <a:srgbClr val="000000"/>
+                </a:solidFill>
+                <a:latin typeface="Times New Roman" panose="02020603050405020304" pitchFamily="18" charset="0"/>
+                <a:ea typeface="MS Mincho" panose="02020609040205080304" pitchFamily="49" charset="-128"/>
+              </a:rPr>
+              <a:t> </a:t>
+            </a:r>
+            <a:r>
+              <a:rPr lang="en-US" dirty="0" err="1">
+                <a:solidFill>
+                  <a:srgbClr val="000000"/>
+                </a:solidFill>
+                <a:latin typeface="Times New Roman" panose="02020603050405020304" pitchFamily="18" charset="0"/>
+                <a:ea typeface="MS Mincho" panose="02020609040205080304" pitchFamily="49" charset="-128"/>
+              </a:rPr>
+              <a:t>lịch</a:t>
+            </a:r>
+            <a:r>
+              <a:rPr lang="en-US" dirty="0">
+                <a:solidFill>
+                  <a:srgbClr val="000000"/>
+                </a:solidFill>
+                <a:latin typeface="Times New Roman" panose="02020603050405020304" pitchFamily="18" charset="0"/>
+                <a:ea typeface="MS Mincho" panose="02020609040205080304" pitchFamily="49" charset="-128"/>
+              </a:rPr>
+              <a:t> </a:t>
+            </a:r>
+            <a:r>
+              <a:rPr lang="en-US" dirty="0" err="1">
+                <a:solidFill>
+                  <a:srgbClr val="000000"/>
+                </a:solidFill>
+                <a:latin typeface="Times New Roman" panose="02020603050405020304" pitchFamily="18" charset="0"/>
+                <a:ea typeface="MS Mincho" panose="02020609040205080304" pitchFamily="49" charset="-128"/>
+              </a:rPr>
+              <a:t>sử</a:t>
+            </a:r>
+            <a:r>
+              <a:rPr lang="en-US" dirty="0">
+                <a:solidFill>
+                  <a:srgbClr val="000000"/>
+                </a:solidFill>
+                <a:latin typeface="Times New Roman" panose="02020603050405020304" pitchFamily="18" charset="0"/>
+                <a:ea typeface="MS Mincho" panose="02020609040205080304" pitchFamily="49" charset="-128"/>
+              </a:rPr>
+              <a:t> </a:t>
+            </a:r>
+            <a:r>
+              <a:rPr lang="en-US" dirty="0" err="1">
+                <a:solidFill>
+                  <a:srgbClr val="000000"/>
+                </a:solidFill>
+                <a:latin typeface="Times New Roman" panose="02020603050405020304" pitchFamily="18" charset="0"/>
+                <a:ea typeface="MS Mincho" panose="02020609040205080304" pitchFamily="49" charset="-128"/>
+              </a:rPr>
+              <a:t>đơn</a:t>
+            </a:r>
+            <a:r>
+              <a:rPr lang="en-US" dirty="0">
+                <a:solidFill>
+                  <a:srgbClr val="000000"/>
+                </a:solidFill>
+                <a:latin typeface="Times New Roman" panose="02020603050405020304" pitchFamily="18" charset="0"/>
+                <a:ea typeface="MS Mincho" panose="02020609040205080304" pitchFamily="49" charset="-128"/>
+              </a:rPr>
+              <a:t> </a:t>
+            </a:r>
+            <a:r>
+              <a:rPr lang="en-US" dirty="0" err="1">
+                <a:solidFill>
+                  <a:srgbClr val="000000"/>
+                </a:solidFill>
+                <a:latin typeface="Times New Roman" panose="02020603050405020304" pitchFamily="18" charset="0"/>
+                <a:ea typeface="MS Mincho" panose="02020609040205080304" pitchFamily="49" charset="-128"/>
+              </a:rPr>
+              <a:t>hàng</a:t>
+            </a:r>
+            <a:r>
+              <a:rPr lang="en-US" dirty="0">
+                <a:solidFill>
+                  <a:srgbClr val="000000"/>
+                </a:solidFill>
+                <a:latin typeface="Times New Roman" panose="02020603050405020304" pitchFamily="18" charset="0"/>
+                <a:ea typeface="MS Mincho" panose="02020609040205080304" pitchFamily="49" charset="-128"/>
+              </a:rPr>
+              <a:t>, chi </a:t>
+            </a:r>
+            <a:r>
+              <a:rPr lang="en-US" dirty="0" err="1">
+                <a:solidFill>
+                  <a:srgbClr val="000000"/>
+                </a:solidFill>
+                <a:latin typeface="Times New Roman" panose="02020603050405020304" pitchFamily="18" charset="0"/>
+                <a:ea typeface="MS Mincho" panose="02020609040205080304" pitchFamily="49" charset="-128"/>
+              </a:rPr>
+              <a:t>tiết</a:t>
+            </a:r>
+            <a:r>
+              <a:rPr lang="en-US" dirty="0">
+                <a:solidFill>
+                  <a:srgbClr val="000000"/>
+                </a:solidFill>
+                <a:latin typeface="Times New Roman" panose="02020603050405020304" pitchFamily="18" charset="0"/>
+                <a:ea typeface="MS Mincho" panose="02020609040205080304" pitchFamily="49" charset="-128"/>
+              </a:rPr>
+              <a:t> </a:t>
+            </a:r>
+            <a:r>
+              <a:rPr lang="en-US" dirty="0" err="1">
+                <a:solidFill>
+                  <a:srgbClr val="000000"/>
+                </a:solidFill>
+                <a:latin typeface="Times New Roman" panose="02020603050405020304" pitchFamily="18" charset="0"/>
+                <a:ea typeface="MS Mincho" panose="02020609040205080304" pitchFamily="49" charset="-128"/>
+              </a:rPr>
+              <a:t>thông</a:t>
+            </a:r>
+            <a:r>
+              <a:rPr lang="en-US" dirty="0">
+                <a:solidFill>
+                  <a:srgbClr val="000000"/>
+                </a:solidFill>
+                <a:latin typeface="Times New Roman" panose="02020603050405020304" pitchFamily="18" charset="0"/>
+                <a:ea typeface="MS Mincho" panose="02020609040205080304" pitchFamily="49" charset="-128"/>
+              </a:rPr>
+              <a:t> tin </a:t>
+            </a:r>
+            <a:r>
+              <a:rPr lang="en-US" dirty="0" err="1">
+                <a:solidFill>
+                  <a:srgbClr val="000000"/>
+                </a:solidFill>
+                <a:latin typeface="Times New Roman" panose="02020603050405020304" pitchFamily="18" charset="0"/>
+                <a:ea typeface="MS Mincho" panose="02020609040205080304" pitchFamily="49" charset="-128"/>
+              </a:rPr>
+              <a:t>đơn</a:t>
+            </a:r>
+            <a:r>
+              <a:rPr lang="en-US" dirty="0">
+                <a:solidFill>
+                  <a:srgbClr val="000000"/>
+                </a:solidFill>
+                <a:latin typeface="Times New Roman" panose="02020603050405020304" pitchFamily="18" charset="0"/>
+                <a:ea typeface="MS Mincho" panose="02020609040205080304" pitchFamily="49" charset="-128"/>
+              </a:rPr>
+              <a:t> </a:t>
+            </a:r>
+            <a:r>
+              <a:rPr lang="en-US" dirty="0" err="1">
+                <a:solidFill>
+                  <a:srgbClr val="000000"/>
+                </a:solidFill>
+                <a:latin typeface="Times New Roman" panose="02020603050405020304" pitchFamily="18" charset="0"/>
+                <a:ea typeface="MS Mincho" panose="02020609040205080304" pitchFamily="49" charset="-128"/>
+              </a:rPr>
+              <a:t>hàng</a:t>
+            </a:r>
+            <a:r>
+              <a:rPr lang="en-US" dirty="0">
+                <a:solidFill>
+                  <a:srgbClr val="000000"/>
+                </a:solidFill>
+                <a:latin typeface="Times New Roman" panose="02020603050405020304" pitchFamily="18" charset="0"/>
+                <a:ea typeface="MS Mincho" panose="02020609040205080304" pitchFamily="49" charset="-128"/>
+              </a:rPr>
+              <a:t>, </a:t>
+            </a:r>
+            <a:r>
+              <a:rPr lang="en-US" dirty="0" err="1">
+                <a:solidFill>
+                  <a:srgbClr val="000000"/>
+                </a:solidFill>
+                <a:latin typeface="Times New Roman" panose="02020603050405020304" pitchFamily="18" charset="0"/>
+                <a:ea typeface="MS Mincho" panose="02020609040205080304" pitchFamily="49" charset="-128"/>
+              </a:rPr>
+              <a:t>trạng</a:t>
+            </a:r>
+            <a:r>
+              <a:rPr lang="en-US" dirty="0">
+                <a:solidFill>
+                  <a:srgbClr val="000000"/>
+                </a:solidFill>
+                <a:latin typeface="Times New Roman" panose="02020603050405020304" pitchFamily="18" charset="0"/>
+                <a:ea typeface="MS Mincho" panose="02020609040205080304" pitchFamily="49" charset="-128"/>
+              </a:rPr>
+              <a:t> </a:t>
+            </a:r>
+            <a:r>
+              <a:rPr lang="en-US" dirty="0" err="1">
+                <a:solidFill>
+                  <a:srgbClr val="000000"/>
+                </a:solidFill>
+                <a:latin typeface="Times New Roman" panose="02020603050405020304" pitchFamily="18" charset="0"/>
+                <a:ea typeface="MS Mincho" panose="02020609040205080304" pitchFamily="49" charset="-128"/>
+              </a:rPr>
+              <a:t>thái</a:t>
+            </a:r>
+            <a:endParaRPr lang="en-US" dirty="0">
+              <a:latin typeface="Times New Roman" panose="02020603050405020304" pitchFamily="18" charset="0"/>
+              <a:ea typeface="MS Mincho" panose="02020609040205080304" pitchFamily="49" charset="-128"/>
+            </a:endParaRPr>
+          </a:p>
+          <a:p>
+            <a:pPr marL="228600" marR="0" indent="131445">
+              <a:lnSpc>
+                <a:spcPct val="130000"/>
+              </a:lnSpc>
+              <a:spcBef>
+                <a:spcPts val="0"/>
+              </a:spcBef>
+              <a:spcAft>
+                <a:spcPts val="0"/>
+              </a:spcAft>
+            </a:pPr>
+            <a:r>
+              <a:rPr lang="en-US" b="1" dirty="0">
+                <a:solidFill>
+                  <a:srgbClr val="000000"/>
+                </a:solidFill>
+                <a:latin typeface="Times New Roman" panose="02020603050405020304" pitchFamily="18" charset="0"/>
+                <a:ea typeface="MS Mincho" panose="02020609040205080304" pitchFamily="49" charset="-128"/>
+              </a:rPr>
+              <a:t>Admin: </a:t>
+            </a:r>
+          </a:p>
+          <a:p>
+            <a:pPr marL="228600" marR="0" indent="131445">
+              <a:lnSpc>
+                <a:spcPct val="130000"/>
+              </a:lnSpc>
+              <a:spcBef>
+                <a:spcPts val="0"/>
+              </a:spcBef>
+              <a:spcAft>
+                <a:spcPts val="0"/>
+              </a:spcAft>
+            </a:pPr>
+            <a:r>
+              <a:rPr lang="en-US" dirty="0">
+                <a:solidFill>
+                  <a:srgbClr val="000000"/>
+                </a:solidFill>
+                <a:latin typeface="Times New Roman" panose="02020603050405020304" pitchFamily="18" charset="0"/>
+                <a:ea typeface="MS Mincho" panose="02020609040205080304" pitchFamily="49" charset="-128"/>
+              </a:rPr>
+              <a:t>-   </a:t>
+            </a:r>
+            <a:r>
+              <a:rPr lang="en-US" dirty="0" err="1">
+                <a:solidFill>
+                  <a:srgbClr val="000000"/>
+                </a:solidFill>
+                <a:latin typeface="Times New Roman" panose="02020603050405020304" pitchFamily="18" charset="0"/>
+                <a:ea typeface="MS Mincho" panose="02020609040205080304" pitchFamily="49" charset="-128"/>
+              </a:rPr>
+              <a:t>Đăng</a:t>
+            </a:r>
+            <a:r>
+              <a:rPr lang="en-US" dirty="0">
+                <a:solidFill>
+                  <a:srgbClr val="000000"/>
+                </a:solidFill>
+                <a:latin typeface="Times New Roman" panose="02020603050405020304" pitchFamily="18" charset="0"/>
+                <a:ea typeface="MS Mincho" panose="02020609040205080304" pitchFamily="49" charset="-128"/>
+              </a:rPr>
+              <a:t> </a:t>
+            </a:r>
+            <a:r>
+              <a:rPr lang="en-US" dirty="0" err="1">
+                <a:solidFill>
+                  <a:srgbClr val="000000"/>
+                </a:solidFill>
+                <a:latin typeface="Times New Roman" panose="02020603050405020304" pitchFamily="18" charset="0"/>
+                <a:ea typeface="MS Mincho" panose="02020609040205080304" pitchFamily="49" charset="-128"/>
+              </a:rPr>
+              <a:t>nhập</a:t>
+            </a:r>
+            <a:r>
+              <a:rPr lang="en-US" dirty="0">
+                <a:solidFill>
+                  <a:srgbClr val="000000"/>
+                </a:solidFill>
+                <a:latin typeface="Times New Roman" panose="02020603050405020304" pitchFamily="18" charset="0"/>
+                <a:ea typeface="MS Mincho" panose="02020609040205080304" pitchFamily="49" charset="-128"/>
+              </a:rPr>
+              <a:t>, </a:t>
+            </a:r>
+            <a:r>
+              <a:rPr lang="en-US" dirty="0" err="1">
+                <a:solidFill>
+                  <a:srgbClr val="000000"/>
+                </a:solidFill>
+                <a:latin typeface="Times New Roman" panose="02020603050405020304" pitchFamily="18" charset="0"/>
+                <a:ea typeface="MS Mincho" panose="02020609040205080304" pitchFamily="49" charset="-128"/>
+              </a:rPr>
+              <a:t>tạo</a:t>
+            </a:r>
+            <a:r>
+              <a:rPr lang="en-US" dirty="0">
+                <a:solidFill>
+                  <a:srgbClr val="000000"/>
+                </a:solidFill>
+                <a:latin typeface="Times New Roman" panose="02020603050405020304" pitchFamily="18" charset="0"/>
+                <a:ea typeface="MS Mincho" panose="02020609040205080304" pitchFamily="49" charset="-128"/>
+              </a:rPr>
+              <a:t> </a:t>
+            </a:r>
+            <a:r>
+              <a:rPr lang="en-US" dirty="0" err="1">
+                <a:solidFill>
+                  <a:srgbClr val="000000"/>
+                </a:solidFill>
+                <a:latin typeface="Times New Roman" panose="02020603050405020304" pitchFamily="18" charset="0"/>
+                <a:ea typeface="MS Mincho" panose="02020609040205080304" pitchFamily="49" charset="-128"/>
+              </a:rPr>
+              <a:t>tài</a:t>
+            </a:r>
+            <a:r>
+              <a:rPr lang="en-US" dirty="0">
+                <a:solidFill>
+                  <a:srgbClr val="000000"/>
+                </a:solidFill>
+                <a:latin typeface="Times New Roman" panose="02020603050405020304" pitchFamily="18" charset="0"/>
+                <a:ea typeface="MS Mincho" panose="02020609040205080304" pitchFamily="49" charset="-128"/>
+              </a:rPr>
+              <a:t> </a:t>
+            </a:r>
+            <a:r>
+              <a:rPr lang="en-US" dirty="0" err="1">
+                <a:solidFill>
+                  <a:srgbClr val="000000"/>
+                </a:solidFill>
+                <a:latin typeface="Times New Roman" panose="02020603050405020304" pitchFamily="18" charset="0"/>
+                <a:ea typeface="MS Mincho" panose="02020609040205080304" pitchFamily="49" charset="-128"/>
+              </a:rPr>
+              <a:t>khoản</a:t>
+            </a:r>
+            <a:r>
+              <a:rPr lang="en-US" dirty="0">
+                <a:solidFill>
+                  <a:srgbClr val="000000"/>
+                </a:solidFill>
+                <a:latin typeface="Times New Roman" panose="02020603050405020304" pitchFamily="18" charset="0"/>
+                <a:ea typeface="MS Mincho" panose="02020609040205080304" pitchFamily="49" charset="-128"/>
+              </a:rPr>
+              <a:t> </a:t>
+            </a:r>
+            <a:r>
+              <a:rPr lang="en-US" dirty="0" err="1">
+                <a:solidFill>
+                  <a:srgbClr val="000000"/>
+                </a:solidFill>
+                <a:latin typeface="Times New Roman" panose="02020603050405020304" pitchFamily="18" charset="0"/>
+                <a:ea typeface="MS Mincho" panose="02020609040205080304" pitchFamily="49" charset="-128"/>
+              </a:rPr>
+              <a:t>cho</a:t>
+            </a:r>
+            <a:r>
+              <a:rPr lang="en-US" dirty="0">
+                <a:solidFill>
+                  <a:srgbClr val="000000"/>
+                </a:solidFill>
+                <a:latin typeface="Times New Roman" panose="02020603050405020304" pitchFamily="18" charset="0"/>
+                <a:ea typeface="MS Mincho" panose="02020609040205080304" pitchFamily="49" charset="-128"/>
+              </a:rPr>
+              <a:t> </a:t>
+            </a:r>
+            <a:r>
+              <a:rPr lang="en-US" dirty="0" err="1">
+                <a:solidFill>
+                  <a:srgbClr val="000000"/>
+                </a:solidFill>
+                <a:latin typeface="Times New Roman" panose="02020603050405020304" pitchFamily="18" charset="0"/>
+                <a:ea typeface="MS Mincho" panose="02020609040205080304" pitchFamily="49" charset="-128"/>
+              </a:rPr>
+              <a:t>nhân</a:t>
+            </a:r>
+            <a:r>
+              <a:rPr lang="en-US" dirty="0">
+                <a:solidFill>
+                  <a:srgbClr val="000000"/>
+                </a:solidFill>
+                <a:latin typeface="Times New Roman" panose="02020603050405020304" pitchFamily="18" charset="0"/>
+                <a:ea typeface="MS Mincho" panose="02020609040205080304" pitchFamily="49" charset="-128"/>
+              </a:rPr>
+              <a:t> </a:t>
+            </a:r>
+            <a:r>
+              <a:rPr lang="en-US" dirty="0" err="1">
+                <a:solidFill>
+                  <a:srgbClr val="000000"/>
+                </a:solidFill>
+                <a:latin typeface="Times New Roman" panose="02020603050405020304" pitchFamily="18" charset="0"/>
+                <a:ea typeface="MS Mincho" panose="02020609040205080304" pitchFamily="49" charset="-128"/>
+              </a:rPr>
+              <a:t>viên</a:t>
+            </a:r>
+            <a:endParaRPr lang="en-US" dirty="0">
+              <a:latin typeface="Times New Roman" panose="02020603050405020304" pitchFamily="18" charset="0"/>
+              <a:ea typeface="MS Mincho" panose="02020609040205080304" pitchFamily="49" charset="-128"/>
+            </a:endParaRPr>
+          </a:p>
+          <a:p>
+            <a:pPr marL="228600" marR="0" indent="131445">
+              <a:lnSpc>
+                <a:spcPct val="130000"/>
+              </a:lnSpc>
+              <a:spcBef>
+                <a:spcPts val="0"/>
+              </a:spcBef>
+              <a:spcAft>
+                <a:spcPts val="0"/>
+              </a:spcAft>
+            </a:pPr>
+            <a:r>
+              <a:rPr lang="en-US" dirty="0">
+                <a:solidFill>
+                  <a:srgbClr val="000000"/>
+                </a:solidFill>
+                <a:latin typeface="Times New Roman" panose="02020603050405020304" pitchFamily="18" charset="0"/>
+                <a:ea typeface="MS Mincho" panose="02020609040205080304" pitchFamily="49" charset="-128"/>
+              </a:rPr>
+              <a:t>-  </a:t>
+            </a:r>
+            <a:r>
+              <a:rPr lang="en-US" dirty="0" err="1">
+                <a:solidFill>
+                  <a:srgbClr val="000000"/>
+                </a:solidFill>
+                <a:latin typeface="Times New Roman" panose="02020603050405020304" pitchFamily="18" charset="0"/>
+                <a:ea typeface="MS Mincho" panose="02020609040205080304" pitchFamily="49" charset="-128"/>
+              </a:rPr>
+              <a:t>Quản</a:t>
+            </a:r>
+            <a:r>
+              <a:rPr lang="en-US" dirty="0">
+                <a:solidFill>
+                  <a:srgbClr val="000000"/>
+                </a:solidFill>
+                <a:latin typeface="Times New Roman" panose="02020603050405020304" pitchFamily="18" charset="0"/>
+                <a:ea typeface="MS Mincho" panose="02020609040205080304" pitchFamily="49" charset="-128"/>
+              </a:rPr>
+              <a:t> </a:t>
+            </a:r>
+            <a:r>
+              <a:rPr lang="en-US" dirty="0" err="1">
+                <a:solidFill>
+                  <a:srgbClr val="000000"/>
+                </a:solidFill>
+                <a:latin typeface="Times New Roman" panose="02020603050405020304" pitchFamily="18" charset="0"/>
+                <a:ea typeface="MS Mincho" panose="02020609040205080304" pitchFamily="49" charset="-128"/>
+              </a:rPr>
+              <a:t>lý</a:t>
+            </a:r>
+            <a:r>
+              <a:rPr lang="en-US" dirty="0">
+                <a:solidFill>
+                  <a:srgbClr val="000000"/>
+                </a:solidFill>
+                <a:latin typeface="Times New Roman" panose="02020603050405020304" pitchFamily="18" charset="0"/>
+                <a:ea typeface="MS Mincho" panose="02020609040205080304" pitchFamily="49" charset="-128"/>
+              </a:rPr>
+              <a:t> </a:t>
+            </a:r>
+            <a:r>
+              <a:rPr lang="en-US" dirty="0" err="1">
+                <a:solidFill>
+                  <a:srgbClr val="000000"/>
+                </a:solidFill>
+                <a:latin typeface="Times New Roman" panose="02020603050405020304" pitchFamily="18" charset="0"/>
+                <a:ea typeface="MS Mincho" panose="02020609040205080304" pitchFamily="49" charset="-128"/>
+              </a:rPr>
+              <a:t>người</a:t>
+            </a:r>
+            <a:r>
+              <a:rPr lang="en-US" dirty="0">
+                <a:solidFill>
+                  <a:srgbClr val="000000"/>
+                </a:solidFill>
+                <a:latin typeface="Times New Roman" panose="02020603050405020304" pitchFamily="18" charset="0"/>
+                <a:ea typeface="MS Mincho" panose="02020609040205080304" pitchFamily="49" charset="-128"/>
+              </a:rPr>
+              <a:t> </a:t>
+            </a:r>
+            <a:r>
+              <a:rPr lang="en-US" dirty="0" err="1">
+                <a:solidFill>
+                  <a:srgbClr val="000000"/>
+                </a:solidFill>
+                <a:latin typeface="Times New Roman" panose="02020603050405020304" pitchFamily="18" charset="0"/>
+                <a:ea typeface="MS Mincho" panose="02020609040205080304" pitchFamily="49" charset="-128"/>
+              </a:rPr>
+              <a:t>dùng</a:t>
+            </a:r>
+            <a:endParaRPr lang="en-US" dirty="0">
+              <a:latin typeface="Times New Roman" panose="02020603050405020304" pitchFamily="18" charset="0"/>
+              <a:ea typeface="MS Mincho" panose="02020609040205080304" pitchFamily="49" charset="-128"/>
+            </a:endParaRPr>
+          </a:p>
+          <a:p>
+            <a:pPr marL="228600" marR="0" indent="131445">
+              <a:lnSpc>
+                <a:spcPct val="130000"/>
+              </a:lnSpc>
+              <a:spcBef>
+                <a:spcPts val="0"/>
+              </a:spcBef>
+              <a:spcAft>
+                <a:spcPts val="0"/>
+              </a:spcAft>
+            </a:pPr>
+            <a:r>
+              <a:rPr lang="en-US" dirty="0">
+                <a:solidFill>
+                  <a:srgbClr val="000000"/>
+                </a:solidFill>
+                <a:latin typeface="Times New Roman" panose="02020603050405020304" pitchFamily="18" charset="0"/>
+                <a:ea typeface="MS Mincho" panose="02020609040205080304" pitchFamily="49" charset="-128"/>
+              </a:rPr>
+              <a:t>-  </a:t>
+            </a:r>
+            <a:r>
+              <a:rPr lang="en-US" dirty="0" err="1">
+                <a:solidFill>
+                  <a:srgbClr val="000000"/>
+                </a:solidFill>
+                <a:latin typeface="Times New Roman" panose="02020603050405020304" pitchFamily="18" charset="0"/>
+                <a:ea typeface="MS Mincho" panose="02020609040205080304" pitchFamily="49" charset="-128"/>
+              </a:rPr>
+              <a:t>Quản</a:t>
+            </a:r>
+            <a:r>
+              <a:rPr lang="en-US" dirty="0">
+                <a:solidFill>
+                  <a:srgbClr val="000000"/>
+                </a:solidFill>
+                <a:latin typeface="Times New Roman" panose="02020603050405020304" pitchFamily="18" charset="0"/>
+                <a:ea typeface="MS Mincho" panose="02020609040205080304" pitchFamily="49" charset="-128"/>
+              </a:rPr>
+              <a:t> </a:t>
+            </a:r>
+            <a:r>
+              <a:rPr lang="en-US" dirty="0" err="1">
+                <a:solidFill>
+                  <a:srgbClr val="000000"/>
+                </a:solidFill>
+                <a:latin typeface="Times New Roman" panose="02020603050405020304" pitchFamily="18" charset="0"/>
+                <a:ea typeface="MS Mincho" panose="02020609040205080304" pitchFamily="49" charset="-128"/>
+              </a:rPr>
+              <a:t>lý</a:t>
+            </a:r>
+            <a:r>
+              <a:rPr lang="en-US" dirty="0">
+                <a:solidFill>
+                  <a:srgbClr val="000000"/>
+                </a:solidFill>
+                <a:latin typeface="Times New Roman" panose="02020603050405020304" pitchFamily="18" charset="0"/>
+                <a:ea typeface="MS Mincho" panose="02020609040205080304" pitchFamily="49" charset="-128"/>
+              </a:rPr>
+              <a:t> </a:t>
+            </a:r>
+            <a:r>
+              <a:rPr lang="en-US" dirty="0" err="1">
+                <a:solidFill>
+                  <a:srgbClr val="000000"/>
+                </a:solidFill>
+                <a:latin typeface="Times New Roman" panose="02020603050405020304" pitchFamily="18" charset="0"/>
+                <a:ea typeface="MS Mincho" panose="02020609040205080304" pitchFamily="49" charset="-128"/>
+              </a:rPr>
+              <a:t>quần</a:t>
+            </a:r>
+            <a:r>
+              <a:rPr lang="en-US" dirty="0">
+                <a:solidFill>
+                  <a:srgbClr val="000000"/>
+                </a:solidFill>
+                <a:latin typeface="Times New Roman" panose="02020603050405020304" pitchFamily="18" charset="0"/>
+                <a:ea typeface="MS Mincho" panose="02020609040205080304" pitchFamily="49" charset="-128"/>
+              </a:rPr>
+              <a:t> </a:t>
+            </a:r>
+            <a:r>
+              <a:rPr lang="en-US" dirty="0" err="1">
+                <a:solidFill>
+                  <a:srgbClr val="000000"/>
+                </a:solidFill>
+                <a:latin typeface="Times New Roman" panose="02020603050405020304" pitchFamily="18" charset="0"/>
+                <a:ea typeface="MS Mincho" panose="02020609040205080304" pitchFamily="49" charset="-128"/>
+              </a:rPr>
+              <a:t>áo</a:t>
+            </a:r>
+            <a:endParaRPr lang="en-US" dirty="0">
+              <a:latin typeface="Times New Roman" panose="02020603050405020304" pitchFamily="18" charset="0"/>
+              <a:ea typeface="MS Mincho" panose="02020609040205080304" pitchFamily="49" charset="-128"/>
+            </a:endParaRPr>
+          </a:p>
+          <a:p>
+            <a:pPr marL="228600" marR="0" indent="131445">
+              <a:lnSpc>
+                <a:spcPct val="130000"/>
+              </a:lnSpc>
+              <a:spcBef>
+                <a:spcPts val="0"/>
+              </a:spcBef>
+              <a:spcAft>
+                <a:spcPts val="0"/>
+              </a:spcAft>
+            </a:pPr>
+            <a:r>
+              <a:rPr lang="en-US" dirty="0">
+                <a:solidFill>
+                  <a:srgbClr val="000000"/>
+                </a:solidFill>
+                <a:latin typeface="Times New Roman" panose="02020603050405020304" pitchFamily="18" charset="0"/>
+                <a:ea typeface="MS Mincho" panose="02020609040205080304" pitchFamily="49" charset="-128"/>
+              </a:rPr>
+              <a:t>-  </a:t>
+            </a:r>
+            <a:r>
+              <a:rPr lang="en-US" dirty="0" err="1">
+                <a:solidFill>
+                  <a:srgbClr val="000000"/>
+                </a:solidFill>
+                <a:latin typeface="Times New Roman" panose="02020603050405020304" pitchFamily="18" charset="0"/>
+                <a:ea typeface="MS Mincho" panose="02020609040205080304" pitchFamily="49" charset="-128"/>
+              </a:rPr>
+              <a:t>Quản</a:t>
+            </a:r>
+            <a:r>
+              <a:rPr lang="en-US" dirty="0">
+                <a:solidFill>
+                  <a:srgbClr val="000000"/>
+                </a:solidFill>
+                <a:latin typeface="Times New Roman" panose="02020603050405020304" pitchFamily="18" charset="0"/>
+                <a:ea typeface="MS Mincho" panose="02020609040205080304" pitchFamily="49" charset="-128"/>
+              </a:rPr>
+              <a:t> </a:t>
+            </a:r>
+            <a:r>
+              <a:rPr lang="en-US" dirty="0" err="1">
+                <a:solidFill>
+                  <a:srgbClr val="000000"/>
+                </a:solidFill>
+                <a:latin typeface="Times New Roman" panose="02020603050405020304" pitchFamily="18" charset="0"/>
+                <a:ea typeface="MS Mincho" panose="02020609040205080304" pitchFamily="49" charset="-128"/>
+              </a:rPr>
+              <a:t>lý</a:t>
+            </a:r>
+            <a:r>
+              <a:rPr lang="en-US" dirty="0">
+                <a:solidFill>
+                  <a:srgbClr val="000000"/>
+                </a:solidFill>
+                <a:latin typeface="Times New Roman" panose="02020603050405020304" pitchFamily="18" charset="0"/>
+                <a:ea typeface="MS Mincho" panose="02020609040205080304" pitchFamily="49" charset="-128"/>
+              </a:rPr>
+              <a:t> </a:t>
+            </a:r>
+            <a:r>
+              <a:rPr lang="en-US" dirty="0" err="1">
+                <a:solidFill>
+                  <a:srgbClr val="000000"/>
+                </a:solidFill>
+                <a:latin typeface="Times New Roman" panose="02020603050405020304" pitchFamily="18" charset="0"/>
+                <a:ea typeface="MS Mincho" panose="02020609040205080304" pitchFamily="49" charset="-128"/>
+              </a:rPr>
+              <a:t>loại</a:t>
+            </a:r>
+            <a:r>
+              <a:rPr lang="en-US" dirty="0">
+                <a:solidFill>
+                  <a:srgbClr val="000000"/>
+                </a:solidFill>
+                <a:latin typeface="Times New Roman" panose="02020603050405020304" pitchFamily="18" charset="0"/>
+                <a:ea typeface="MS Mincho" panose="02020609040205080304" pitchFamily="49" charset="-128"/>
+              </a:rPr>
+              <a:t> </a:t>
+            </a:r>
+            <a:r>
+              <a:rPr lang="en-US" dirty="0" err="1">
+                <a:solidFill>
+                  <a:srgbClr val="000000"/>
+                </a:solidFill>
+                <a:latin typeface="Times New Roman" panose="02020603050405020304" pitchFamily="18" charset="0"/>
+                <a:ea typeface="MS Mincho" panose="02020609040205080304" pitchFamily="49" charset="-128"/>
+              </a:rPr>
+              <a:t>quần</a:t>
+            </a:r>
+            <a:r>
+              <a:rPr lang="en-US" dirty="0">
+                <a:solidFill>
+                  <a:srgbClr val="000000"/>
+                </a:solidFill>
+                <a:latin typeface="Times New Roman" panose="02020603050405020304" pitchFamily="18" charset="0"/>
+                <a:ea typeface="MS Mincho" panose="02020609040205080304" pitchFamily="49" charset="-128"/>
+              </a:rPr>
+              <a:t> </a:t>
+            </a:r>
+            <a:r>
+              <a:rPr lang="en-US" dirty="0" err="1">
+                <a:solidFill>
+                  <a:srgbClr val="000000"/>
+                </a:solidFill>
+                <a:latin typeface="Times New Roman" panose="02020603050405020304" pitchFamily="18" charset="0"/>
+                <a:ea typeface="MS Mincho" panose="02020609040205080304" pitchFamily="49" charset="-128"/>
+              </a:rPr>
+              <a:t>áo</a:t>
+            </a:r>
+            <a:endParaRPr lang="en-US" dirty="0">
+              <a:latin typeface="Times New Roman" panose="02020603050405020304" pitchFamily="18" charset="0"/>
+              <a:ea typeface="MS Mincho" panose="02020609040205080304" pitchFamily="49" charset="-128"/>
+            </a:endParaRPr>
+          </a:p>
+          <a:p>
+            <a:pPr marL="228600" marR="0" indent="131445">
+              <a:lnSpc>
+                <a:spcPct val="130000"/>
+              </a:lnSpc>
+              <a:spcBef>
+                <a:spcPts val="0"/>
+              </a:spcBef>
+              <a:spcAft>
+                <a:spcPts val="0"/>
+              </a:spcAft>
+            </a:pPr>
+            <a:r>
+              <a:rPr lang="en-US" dirty="0">
+                <a:solidFill>
+                  <a:srgbClr val="000000"/>
+                </a:solidFill>
+                <a:latin typeface="Times New Roman" panose="02020603050405020304" pitchFamily="18" charset="0"/>
+                <a:ea typeface="MS Mincho" panose="02020609040205080304" pitchFamily="49" charset="-128"/>
+              </a:rPr>
+              <a:t>-  </a:t>
+            </a:r>
+            <a:r>
+              <a:rPr lang="en-US" dirty="0" err="1">
+                <a:solidFill>
+                  <a:srgbClr val="000000"/>
+                </a:solidFill>
+                <a:latin typeface="Times New Roman" panose="02020603050405020304" pitchFamily="18" charset="0"/>
+                <a:ea typeface="MS Mincho" panose="02020609040205080304" pitchFamily="49" charset="-128"/>
+              </a:rPr>
+              <a:t>Quản</a:t>
+            </a:r>
+            <a:r>
+              <a:rPr lang="en-US" dirty="0">
+                <a:solidFill>
+                  <a:srgbClr val="000000"/>
+                </a:solidFill>
+                <a:latin typeface="Times New Roman" panose="02020603050405020304" pitchFamily="18" charset="0"/>
+                <a:ea typeface="MS Mincho" panose="02020609040205080304" pitchFamily="49" charset="-128"/>
+              </a:rPr>
+              <a:t> </a:t>
+            </a:r>
+            <a:r>
+              <a:rPr lang="en-US" dirty="0" err="1">
+                <a:solidFill>
+                  <a:srgbClr val="000000"/>
+                </a:solidFill>
+                <a:latin typeface="Times New Roman" panose="02020603050405020304" pitchFamily="18" charset="0"/>
+                <a:ea typeface="MS Mincho" panose="02020609040205080304" pitchFamily="49" charset="-128"/>
+              </a:rPr>
+              <a:t>lý</a:t>
+            </a:r>
+            <a:r>
+              <a:rPr lang="en-US" dirty="0">
+                <a:solidFill>
+                  <a:srgbClr val="000000"/>
+                </a:solidFill>
+                <a:latin typeface="Times New Roman" panose="02020603050405020304" pitchFamily="18" charset="0"/>
+                <a:ea typeface="MS Mincho" panose="02020609040205080304" pitchFamily="49" charset="-128"/>
+              </a:rPr>
+              <a:t> </a:t>
+            </a:r>
+            <a:r>
+              <a:rPr lang="en-US" dirty="0" err="1">
+                <a:solidFill>
+                  <a:srgbClr val="000000"/>
+                </a:solidFill>
+                <a:latin typeface="Times New Roman" panose="02020603050405020304" pitchFamily="18" charset="0"/>
+                <a:ea typeface="MS Mincho" panose="02020609040205080304" pitchFamily="49" charset="-128"/>
+              </a:rPr>
+              <a:t>đơn</a:t>
+            </a:r>
+            <a:r>
+              <a:rPr lang="en-US" dirty="0">
+                <a:solidFill>
+                  <a:srgbClr val="000000"/>
+                </a:solidFill>
+                <a:latin typeface="Times New Roman" panose="02020603050405020304" pitchFamily="18" charset="0"/>
+                <a:ea typeface="MS Mincho" panose="02020609040205080304" pitchFamily="49" charset="-128"/>
+              </a:rPr>
+              <a:t> </a:t>
+            </a:r>
+            <a:r>
+              <a:rPr lang="en-US" dirty="0" err="1">
+                <a:solidFill>
+                  <a:srgbClr val="000000"/>
+                </a:solidFill>
+                <a:latin typeface="Times New Roman" panose="02020603050405020304" pitchFamily="18" charset="0"/>
+                <a:ea typeface="MS Mincho" panose="02020609040205080304" pitchFamily="49" charset="-128"/>
+              </a:rPr>
+              <a:t>hàng</a:t>
+            </a:r>
+            <a:r>
+              <a:rPr lang="en-US" dirty="0">
+                <a:solidFill>
+                  <a:srgbClr val="000000"/>
+                </a:solidFill>
+                <a:latin typeface="Times New Roman" panose="02020603050405020304" pitchFamily="18" charset="0"/>
+                <a:ea typeface="MS Mincho" panose="02020609040205080304" pitchFamily="49" charset="-128"/>
+              </a:rPr>
+              <a:t>, </a:t>
+            </a:r>
+            <a:r>
+              <a:rPr lang="en-US" dirty="0" err="1">
+                <a:solidFill>
+                  <a:srgbClr val="000000"/>
+                </a:solidFill>
+                <a:latin typeface="Times New Roman" panose="02020603050405020304" pitchFamily="18" charset="0"/>
+                <a:ea typeface="MS Mincho" panose="02020609040205080304" pitchFamily="49" charset="-128"/>
+              </a:rPr>
+              <a:t>xử</a:t>
+            </a:r>
+            <a:r>
+              <a:rPr lang="en-US" dirty="0">
+                <a:solidFill>
+                  <a:srgbClr val="000000"/>
+                </a:solidFill>
+                <a:latin typeface="Times New Roman" panose="02020603050405020304" pitchFamily="18" charset="0"/>
+                <a:ea typeface="MS Mincho" panose="02020609040205080304" pitchFamily="49" charset="-128"/>
+              </a:rPr>
+              <a:t> </a:t>
+            </a:r>
+            <a:r>
+              <a:rPr lang="en-US" dirty="0" err="1">
+                <a:solidFill>
+                  <a:srgbClr val="000000"/>
+                </a:solidFill>
+                <a:latin typeface="Times New Roman" panose="02020603050405020304" pitchFamily="18" charset="0"/>
+                <a:ea typeface="MS Mincho" panose="02020609040205080304" pitchFamily="49" charset="-128"/>
+              </a:rPr>
+              <a:t>lý</a:t>
+            </a:r>
+            <a:r>
+              <a:rPr lang="en-US" dirty="0">
+                <a:solidFill>
+                  <a:srgbClr val="000000"/>
+                </a:solidFill>
+                <a:latin typeface="Times New Roman" panose="02020603050405020304" pitchFamily="18" charset="0"/>
+                <a:ea typeface="MS Mincho" panose="02020609040205080304" pitchFamily="49" charset="-128"/>
+              </a:rPr>
+              <a:t> </a:t>
+            </a:r>
+            <a:r>
+              <a:rPr lang="en-US" dirty="0" err="1">
+                <a:solidFill>
+                  <a:srgbClr val="000000"/>
+                </a:solidFill>
+                <a:latin typeface="Times New Roman" panose="02020603050405020304" pitchFamily="18" charset="0"/>
+                <a:ea typeface="MS Mincho" panose="02020609040205080304" pitchFamily="49" charset="-128"/>
+              </a:rPr>
+              <a:t>trạng</a:t>
+            </a:r>
+            <a:r>
+              <a:rPr lang="en-US" dirty="0">
+                <a:solidFill>
+                  <a:srgbClr val="000000"/>
+                </a:solidFill>
+                <a:latin typeface="Times New Roman" panose="02020603050405020304" pitchFamily="18" charset="0"/>
+                <a:ea typeface="MS Mincho" panose="02020609040205080304" pitchFamily="49" charset="-128"/>
+              </a:rPr>
+              <a:t> </a:t>
+            </a:r>
+            <a:r>
+              <a:rPr lang="en-US" dirty="0" err="1">
+                <a:solidFill>
+                  <a:srgbClr val="000000"/>
+                </a:solidFill>
+                <a:latin typeface="Times New Roman" panose="02020603050405020304" pitchFamily="18" charset="0"/>
+                <a:ea typeface="MS Mincho" panose="02020609040205080304" pitchFamily="49" charset="-128"/>
+              </a:rPr>
+              <a:t>thái</a:t>
+            </a:r>
+            <a:r>
+              <a:rPr lang="en-US" dirty="0">
+                <a:solidFill>
+                  <a:srgbClr val="000000"/>
+                </a:solidFill>
+                <a:latin typeface="Times New Roman" panose="02020603050405020304" pitchFamily="18" charset="0"/>
+                <a:ea typeface="MS Mincho" panose="02020609040205080304" pitchFamily="49" charset="-128"/>
+              </a:rPr>
+              <a:t> </a:t>
+            </a:r>
+            <a:r>
+              <a:rPr lang="en-US" dirty="0" err="1">
+                <a:solidFill>
+                  <a:srgbClr val="000000"/>
+                </a:solidFill>
+                <a:latin typeface="Times New Roman" panose="02020603050405020304" pitchFamily="18" charset="0"/>
+                <a:ea typeface="MS Mincho" panose="02020609040205080304" pitchFamily="49" charset="-128"/>
+              </a:rPr>
+              <a:t>đơn</a:t>
+            </a:r>
+            <a:r>
+              <a:rPr lang="en-US" dirty="0">
+                <a:solidFill>
+                  <a:srgbClr val="000000"/>
+                </a:solidFill>
+                <a:latin typeface="Times New Roman" panose="02020603050405020304" pitchFamily="18" charset="0"/>
+                <a:ea typeface="MS Mincho" panose="02020609040205080304" pitchFamily="49" charset="-128"/>
+              </a:rPr>
+              <a:t> </a:t>
+            </a:r>
+            <a:r>
+              <a:rPr lang="en-US" dirty="0" err="1">
+                <a:solidFill>
+                  <a:srgbClr val="000000"/>
+                </a:solidFill>
+                <a:latin typeface="Times New Roman" panose="02020603050405020304" pitchFamily="18" charset="0"/>
+                <a:ea typeface="MS Mincho" panose="02020609040205080304" pitchFamily="49" charset="-128"/>
+              </a:rPr>
+              <a:t>hàng</a:t>
+            </a:r>
+            <a:endParaRPr lang="en-US" dirty="0">
+              <a:latin typeface="Times New Roman" panose="02020603050405020304" pitchFamily="18" charset="0"/>
+              <a:ea typeface="MS Mincho" panose="02020609040205080304" pitchFamily="49" charset="-128"/>
+            </a:endParaRPr>
+          </a:p>
+          <a:p>
+            <a:pPr marL="228600" marR="0" indent="131445">
+              <a:lnSpc>
+                <a:spcPct val="130000"/>
+              </a:lnSpc>
+              <a:spcBef>
+                <a:spcPts val="0"/>
+              </a:spcBef>
+              <a:spcAft>
+                <a:spcPts val="0"/>
+              </a:spcAft>
+            </a:pPr>
+            <a:r>
+              <a:rPr lang="en-US" dirty="0">
+                <a:solidFill>
+                  <a:srgbClr val="000000"/>
+                </a:solidFill>
+                <a:latin typeface="Times New Roman" panose="02020603050405020304" pitchFamily="18" charset="0"/>
+                <a:ea typeface="MS Mincho" panose="02020609040205080304" pitchFamily="49" charset="-128"/>
+              </a:rPr>
+              <a:t>- </a:t>
+            </a:r>
+            <a:r>
+              <a:rPr lang="en-US" dirty="0" err="1">
+                <a:solidFill>
+                  <a:srgbClr val="000000"/>
+                </a:solidFill>
+                <a:latin typeface="Times New Roman" panose="02020603050405020304" pitchFamily="18" charset="0"/>
+                <a:ea typeface="MS Mincho" panose="02020609040205080304" pitchFamily="49" charset="-128"/>
+              </a:rPr>
+              <a:t>Thống</a:t>
+            </a:r>
+            <a:r>
+              <a:rPr lang="en-US" dirty="0">
+                <a:solidFill>
+                  <a:srgbClr val="000000"/>
+                </a:solidFill>
+                <a:latin typeface="Times New Roman" panose="02020603050405020304" pitchFamily="18" charset="0"/>
+                <a:ea typeface="MS Mincho" panose="02020609040205080304" pitchFamily="49" charset="-128"/>
+              </a:rPr>
+              <a:t> </a:t>
+            </a:r>
+            <a:r>
+              <a:rPr lang="en-US" dirty="0" err="1">
+                <a:solidFill>
+                  <a:srgbClr val="000000"/>
+                </a:solidFill>
+                <a:latin typeface="Times New Roman" panose="02020603050405020304" pitchFamily="18" charset="0"/>
+                <a:ea typeface="MS Mincho" panose="02020609040205080304" pitchFamily="49" charset="-128"/>
+              </a:rPr>
+              <a:t>kê</a:t>
+            </a:r>
+            <a:r>
+              <a:rPr lang="en-US" dirty="0">
+                <a:solidFill>
+                  <a:srgbClr val="000000"/>
+                </a:solidFill>
+                <a:latin typeface="Times New Roman" panose="02020603050405020304" pitchFamily="18" charset="0"/>
+                <a:ea typeface="MS Mincho" panose="02020609040205080304" pitchFamily="49" charset="-128"/>
+              </a:rPr>
+              <a:t> </a:t>
+            </a:r>
+            <a:r>
+              <a:rPr lang="en-US" dirty="0" err="1">
+                <a:solidFill>
+                  <a:srgbClr val="000000"/>
+                </a:solidFill>
+                <a:latin typeface="Times New Roman" panose="02020603050405020304" pitchFamily="18" charset="0"/>
+                <a:ea typeface="MS Mincho" panose="02020609040205080304" pitchFamily="49" charset="-128"/>
+              </a:rPr>
+              <a:t>các</a:t>
+            </a:r>
+            <a:r>
+              <a:rPr lang="en-US" dirty="0">
+                <a:solidFill>
+                  <a:srgbClr val="000000"/>
+                </a:solidFill>
+                <a:latin typeface="Times New Roman" panose="02020603050405020304" pitchFamily="18" charset="0"/>
+                <a:ea typeface="MS Mincho" panose="02020609040205080304" pitchFamily="49" charset="-128"/>
+              </a:rPr>
+              <a:t> </a:t>
+            </a:r>
+            <a:r>
+              <a:rPr lang="en-US" dirty="0" err="1">
+                <a:solidFill>
+                  <a:srgbClr val="000000"/>
+                </a:solidFill>
+                <a:latin typeface="Times New Roman" panose="02020603050405020304" pitchFamily="18" charset="0"/>
+                <a:ea typeface="MS Mincho" panose="02020609040205080304" pitchFamily="49" charset="-128"/>
+              </a:rPr>
+              <a:t>mặt</a:t>
+            </a:r>
+            <a:r>
+              <a:rPr lang="en-US" dirty="0">
+                <a:solidFill>
+                  <a:srgbClr val="000000"/>
+                </a:solidFill>
+                <a:latin typeface="Times New Roman" panose="02020603050405020304" pitchFamily="18" charset="0"/>
+                <a:ea typeface="MS Mincho" panose="02020609040205080304" pitchFamily="49" charset="-128"/>
+              </a:rPr>
+              <a:t> </a:t>
+            </a:r>
+            <a:r>
+              <a:rPr lang="en-US" dirty="0" err="1">
+                <a:solidFill>
+                  <a:srgbClr val="000000"/>
+                </a:solidFill>
+                <a:latin typeface="Times New Roman" panose="02020603050405020304" pitchFamily="18" charset="0"/>
+                <a:ea typeface="MS Mincho" panose="02020609040205080304" pitchFamily="49" charset="-128"/>
+              </a:rPr>
+              <a:t>hàng</a:t>
+            </a:r>
+            <a:r>
+              <a:rPr lang="en-US" dirty="0">
+                <a:solidFill>
+                  <a:srgbClr val="000000"/>
+                </a:solidFill>
+                <a:latin typeface="Times New Roman" panose="02020603050405020304" pitchFamily="18" charset="0"/>
+                <a:ea typeface="MS Mincho" panose="02020609040205080304" pitchFamily="49" charset="-128"/>
+              </a:rPr>
+              <a:t> </a:t>
+            </a:r>
+            <a:r>
+              <a:rPr lang="en-US" dirty="0" err="1">
+                <a:solidFill>
+                  <a:srgbClr val="000000"/>
+                </a:solidFill>
+                <a:latin typeface="Times New Roman" panose="02020603050405020304" pitchFamily="18" charset="0"/>
+                <a:ea typeface="MS Mincho" panose="02020609040205080304" pitchFamily="49" charset="-128"/>
+              </a:rPr>
+              <a:t>bán</a:t>
+            </a:r>
+            <a:r>
+              <a:rPr lang="en-US" dirty="0">
+                <a:solidFill>
+                  <a:srgbClr val="000000"/>
+                </a:solidFill>
+                <a:latin typeface="Times New Roman" panose="02020603050405020304" pitchFamily="18" charset="0"/>
+                <a:ea typeface="MS Mincho" panose="02020609040205080304" pitchFamily="49" charset="-128"/>
+              </a:rPr>
+              <a:t> </a:t>
+            </a:r>
+            <a:r>
+              <a:rPr lang="en-US" dirty="0" err="1">
+                <a:solidFill>
+                  <a:srgbClr val="000000"/>
+                </a:solidFill>
+                <a:latin typeface="Times New Roman" panose="02020603050405020304" pitchFamily="18" charset="0"/>
+                <a:ea typeface="MS Mincho" panose="02020609040205080304" pitchFamily="49" charset="-128"/>
+              </a:rPr>
+              <a:t>chạy</a:t>
+            </a:r>
+            <a:endParaRPr lang="en-US" dirty="0">
+              <a:latin typeface="Times New Roman" panose="02020603050405020304" pitchFamily="18" charset="0"/>
+              <a:ea typeface="MS Mincho" panose="02020609040205080304" pitchFamily="49" charset="-128"/>
+            </a:endParaRPr>
+          </a:p>
+          <a:p>
+            <a:pPr marL="228600" marR="0" indent="131445">
+              <a:lnSpc>
+                <a:spcPct val="130000"/>
+              </a:lnSpc>
+              <a:spcBef>
+                <a:spcPts val="0"/>
+              </a:spcBef>
+              <a:spcAft>
+                <a:spcPts val="0"/>
+              </a:spcAft>
+            </a:pPr>
+            <a:r>
+              <a:rPr lang="en-US" dirty="0">
+                <a:solidFill>
+                  <a:srgbClr val="000000"/>
+                </a:solidFill>
+                <a:latin typeface="Times New Roman" panose="02020603050405020304" pitchFamily="18" charset="0"/>
+                <a:ea typeface="MS Mincho" panose="02020609040205080304" pitchFamily="49" charset="-128"/>
+              </a:rPr>
+              <a:t>- In </a:t>
+            </a:r>
+            <a:r>
+              <a:rPr lang="en-US" dirty="0" err="1">
+                <a:solidFill>
+                  <a:srgbClr val="000000"/>
+                </a:solidFill>
+                <a:latin typeface="Times New Roman" panose="02020603050405020304" pitchFamily="18" charset="0"/>
+                <a:ea typeface="MS Mincho" panose="02020609040205080304" pitchFamily="49" charset="-128"/>
+              </a:rPr>
+              <a:t>hóa</a:t>
+            </a:r>
+            <a:r>
+              <a:rPr lang="en-US" dirty="0">
+                <a:solidFill>
+                  <a:srgbClr val="000000"/>
+                </a:solidFill>
+                <a:latin typeface="Times New Roman" panose="02020603050405020304" pitchFamily="18" charset="0"/>
+                <a:ea typeface="MS Mincho" panose="02020609040205080304" pitchFamily="49" charset="-128"/>
+              </a:rPr>
+              <a:t> </a:t>
+            </a:r>
+            <a:r>
+              <a:rPr lang="en-US" dirty="0" err="1">
+                <a:solidFill>
+                  <a:srgbClr val="000000"/>
+                </a:solidFill>
+                <a:latin typeface="Times New Roman" panose="02020603050405020304" pitchFamily="18" charset="0"/>
+                <a:ea typeface="MS Mincho" panose="02020609040205080304" pitchFamily="49" charset="-128"/>
+              </a:rPr>
+              <a:t>đơn</a:t>
+            </a:r>
+            <a:r>
+              <a:rPr lang="en-US" dirty="0">
+                <a:solidFill>
+                  <a:srgbClr val="000000"/>
+                </a:solidFill>
+                <a:latin typeface="Times New Roman" panose="02020603050405020304" pitchFamily="18" charset="0"/>
+                <a:ea typeface="MS Mincho" panose="02020609040205080304" pitchFamily="49" charset="-128"/>
+              </a:rPr>
+              <a:t> </a:t>
+            </a:r>
+            <a:endParaRPr lang="en-US" dirty="0">
+              <a:latin typeface="Times New Roman" panose="02020603050405020304" pitchFamily="18" charset="0"/>
+              <a:ea typeface="MS Mincho" panose="02020609040205080304" pitchFamily="49" charset="-128"/>
+            </a:endParaRPr>
           </a:p>
         </p:txBody>
       </p:sp>
@@ -6200,7 +8712,7 @@
 </p:sld>
 </file>
 
-<file path=ppt/slides/slide12.xml><?xml version="1.0" encoding="utf-8"?>
+<file path=ppt/slides/slide14.xml><?xml version="1.0" encoding="utf-8"?>
 <p:sld xmlns:a="http://schemas.openxmlformats.org/drawingml/2006/main" xmlns:r="http://schemas.openxmlformats.org/officeDocument/2006/relationships" xmlns:p="http://schemas.openxmlformats.org/presentationml/2006/main">
   <p:cSld>
     <p:bg>
@@ -6881,7 +9393,7 @@
             <a:fld id="{B6F15528-21DE-4FAA-801E-634DDDAF4B2B}" type="slidenum">
               <a:rPr lang="en-US" smtClean="0"/>
               <a:pPr/>
-              <a:t>12</a:t>
+              <a:t>14</a:t>
             </a:fld>
             <a:endParaRPr lang="en-US"/>
           </a:p>
@@ -6900,7 +9412,7 @@
 </p:sld>
 </file>
 
-<file path=ppt/slides/slide13.xml><?xml version="1.0" encoding="utf-8"?>
+<file path=ppt/slides/slide15.xml><?xml version="1.0" encoding="utf-8"?>
 <p:sld xmlns:a="http://schemas.openxmlformats.org/drawingml/2006/main" xmlns:r="http://schemas.openxmlformats.org/officeDocument/2006/relationships" xmlns:p="http://schemas.openxmlformats.org/presentationml/2006/main">
   <p:cSld>
     <p:spTree>
@@ -7793,7 +10305,7 @@
             <a:fld id="{B6F15528-21DE-4FAA-801E-634DDDAF4B2B}" type="slidenum">
               <a:rPr lang="en-US" smtClean="0"/>
               <a:pPr/>
-              <a:t>13</a:t>
+              <a:t>15</a:t>
             </a:fld>
             <a:endParaRPr lang="en-US"/>
           </a:p>
@@ -7859,7 +10371,7 @@
 </p:sld>
 </file>
 
-<file path=ppt/slides/slide14.xml><?xml version="1.0" encoding="utf-8"?>
+<file path=ppt/slides/slide16.xml><?xml version="1.0" encoding="utf-8"?>
 <p:sld xmlns:a="http://schemas.openxmlformats.org/drawingml/2006/main" xmlns:r="http://schemas.openxmlformats.org/officeDocument/2006/relationships" xmlns:p="http://schemas.openxmlformats.org/presentationml/2006/main">
   <p:cSld>
     <p:spTree>
@@ -7900,7 +10412,7 @@
             <a:fld id="{B6F15528-21DE-4FAA-801E-634DDDAF4B2B}" type="slidenum">
               <a:rPr lang="en-US" smtClean="0"/>
               <a:pPr/>
-              <a:t>14</a:t>
+              <a:t>16</a:t>
             </a:fld>
             <a:endParaRPr lang="en-US"/>
           </a:p>
@@ -8009,7 +10521,7 @@
 </p:sld>
 </file>
 
-<file path=ppt/slides/slide15.xml><?xml version="1.0" encoding="utf-8"?>
+<file path=ppt/slides/slide17.xml><?xml version="1.0" encoding="utf-8"?>
 <p:sld xmlns:a="http://schemas.openxmlformats.org/drawingml/2006/main" xmlns:r="http://schemas.openxmlformats.org/officeDocument/2006/relationships" xmlns:p="http://schemas.openxmlformats.org/presentationml/2006/main">
   <p:cSld>
     <p:spTree>
@@ -8410,7 +10922,7 @@
                 <a:latin typeface="Times New Roman" panose="02020603050405020304" pitchFamily="18" charset="0"/>
                 <a:cs typeface="Times New Roman" panose="02020603050405020304" pitchFamily="18" charset="0"/>
               </a:rPr>
-              <a:t> </a:t>
+              <a:t> &amp; </a:t>
             </a:r>
             <a:r>
               <a:rPr lang="en-US" sz="2400" dirty="0" err="1">
@@ -8440,31 +10952,6 @@
               </a:rPr>
               <a:t> </a:t>
             </a:r>
-            <a:r>
-              <a:rPr lang="en-US" sz="2400" dirty="0" err="1">
-                <a:latin typeface="Times New Roman" panose="02020603050405020304" pitchFamily="18" charset="0"/>
-                <a:cs typeface="Times New Roman" panose="02020603050405020304" pitchFamily="18" charset="0"/>
-              </a:rPr>
-              <a:t>hệ</a:t>
-            </a:r>
-            <a:r>
-              <a:rPr lang="en-US" sz="2400" dirty="0">
-                <a:latin typeface="Times New Roman" panose="02020603050405020304" pitchFamily="18" charset="0"/>
-                <a:cs typeface="Times New Roman" panose="02020603050405020304" pitchFamily="18" charset="0"/>
-              </a:rPr>
-              <a:t> </a:t>
-            </a:r>
-            <a:r>
-              <a:rPr lang="en-US" sz="2400" dirty="0" err="1">
-                <a:latin typeface="Times New Roman" panose="02020603050405020304" pitchFamily="18" charset="0"/>
-                <a:cs typeface="Times New Roman" panose="02020603050405020304" pitchFamily="18" charset="0"/>
-              </a:rPr>
-              <a:t>thống</a:t>
-            </a:r>
-            <a:endParaRPr lang="en-US" sz="2400" dirty="0">
-              <a:latin typeface="Times New Roman" panose="02020603050405020304" pitchFamily="18" charset="0"/>
-              <a:cs typeface="Times New Roman" panose="02020603050405020304" pitchFamily="18" charset="0"/>
-            </a:endParaRPr>
           </a:p>
           <a:p>
             <a:pPr marL="514350" indent="-514350">
@@ -10398,20 +12885,36 @@
               <a:buChar char="v"/>
             </a:pPr>
             <a:r>
+              <a:rPr lang="en-US" sz="2400" dirty="0" err="1">
+                <a:latin typeface="Times New Roman" panose="02020603050405020304" pitchFamily="18" charset="0"/>
+                <a:ea typeface="Roboto" panose="02000000000000000000" pitchFamily="2" charset="0"/>
+                <a:cs typeface="Times New Roman" panose="02020603050405020304" pitchFamily="18" charset="0"/>
+              </a:rPr>
+              <a:t>Chức</a:t>
+            </a:r>
+            <a:r>
               <a:rPr lang="en-US" sz="2400" dirty="0">
                 <a:latin typeface="Times New Roman" panose="02020603050405020304" pitchFamily="18" charset="0"/>
                 <a:ea typeface="Roboto" panose="02000000000000000000" pitchFamily="2" charset="0"/>
                 <a:cs typeface="Times New Roman" panose="02020603050405020304" pitchFamily="18" charset="0"/>
               </a:rPr>
-              <a:t>L</a:t>
-            </a:r>
-            <a:r>
-              <a:rPr lang="vi-VN" sz="2400" dirty="0">
+              <a:t> </a:t>
+            </a:r>
+            <a:r>
+              <a:rPr lang="en-US" sz="2400" dirty="0" err="1">
                 <a:latin typeface="Times New Roman" panose="02020603050405020304" pitchFamily="18" charset="0"/>
                 <a:ea typeface="Roboto" panose="02000000000000000000" pitchFamily="2" charset="0"/>
                 <a:cs typeface="Times New Roman" panose="02020603050405020304" pitchFamily="18" charset="0"/>
               </a:rPr>
-              <a:t>ư</a:t>
+              <a:t>năng</a:t>
+            </a:r>
+            <a:r>
+              <a:rPr lang="en-US" sz="2400" dirty="0">
+                <a:latin typeface="Times New Roman" panose="02020603050405020304" pitchFamily="18" charset="0"/>
+                <a:ea typeface="Roboto" panose="02000000000000000000" pitchFamily="2" charset="0"/>
+                <a:cs typeface="Times New Roman" panose="02020603050405020304" pitchFamily="18" charset="0"/>
+              </a:rPr>
+              <a:t> </a:t>
             </a:r>
             <a:r>
               <a:rPr lang="en-US" sz="2400" dirty="0" err="1">
@@ -10419,7 +12922,7 @@
                 <a:ea typeface="Roboto" panose="02000000000000000000" pitchFamily="2" charset="0"/>
                 <a:cs typeface="Times New Roman" panose="02020603050405020304" pitchFamily="18" charset="0"/>
               </a:rPr>
-              <a:t>ợc</a:t>
+              <a:t>của</a:t>
             </a:r>
             <a:r>
               <a:rPr lang="en-US" sz="2400" dirty="0">
@@ -10435,7 +12938,7 @@
                 <a:ea typeface="Roboto" panose="02000000000000000000" pitchFamily="2" charset="0"/>
                 <a:cs typeface="Times New Roman" panose="02020603050405020304" pitchFamily="18" charset="0"/>
               </a:rPr>
-              <a:t>đồ</a:t>
+              <a:t>khách</a:t>
             </a:r>
             <a:r>
               <a:rPr lang="en-US" sz="2400" dirty="0">
@@ -10451,31 +12954,7 @@
                 <a:ea typeface="Roboto" panose="02000000000000000000" pitchFamily="2" charset="0"/>
                 <a:cs typeface="Times New Roman" panose="02020603050405020304" pitchFamily="18" charset="0"/>
               </a:rPr>
-              <a:t>chức</a:t>
-            </a:r>
-            <a:r>
-              <a:rPr lang="en-US" sz="2400" dirty="0">
-                <a:latin typeface="Times New Roman" panose="02020603050405020304" pitchFamily="18" charset="0"/>
-                <a:ea typeface="Roboto" panose="02000000000000000000" pitchFamily="2" charset="0"/>
-                <a:cs typeface="Times New Roman" panose="02020603050405020304" pitchFamily="18" charset="0"/>
-              </a:rPr>
-              <a:t> </a:t>
-            </a:r>
-            <a:r>
-              <a:rPr lang="en-US" sz="2400" dirty="0" err="1">
-                <a:latin typeface="Times New Roman" panose="02020603050405020304" pitchFamily="18" charset="0"/>
-                <a:ea typeface="Roboto" panose="02000000000000000000" pitchFamily="2" charset="0"/>
-                <a:cs typeface="Times New Roman" panose="02020603050405020304" pitchFamily="18" charset="0"/>
-              </a:rPr>
-              <a:t>năng</a:t>
-            </a:r>
-            <a:r>
-              <a:rPr lang="en-US" sz="2400" dirty="0">
-                <a:latin typeface="Times New Roman" panose="02020603050405020304" pitchFamily="18" charset="0"/>
-                <a:ea typeface="Roboto" panose="02000000000000000000" pitchFamily="2" charset="0"/>
-                <a:cs typeface="Times New Roman" panose="02020603050405020304" pitchFamily="18" charset="0"/>
-              </a:rPr>
-              <a:t> </a:t>
+              <a:t>hàng</a:t>
             </a:r>
             <a:endParaRPr lang="en-US" sz="2400" dirty="0"/>
           </a:p>
@@ -10537,7 +13016,7 @@
                 <a:latin typeface="Times New Roman" panose="02020603050405020304" pitchFamily="18" charset="0"/>
                 <a:cs typeface="Times New Roman" panose="02020603050405020304" pitchFamily="18" charset="0"/>
               </a:rPr>
-              <a:t>III. PHÂN TÍCH HỆ THỐNG</a:t>
+              <a:t>III. PHÂN TÍCH &amp; THIẾT KẾ HỆ THỐNG</a:t>
             </a:r>
           </a:p>
         </p:txBody>
@@ -10574,40 +13053,1205 @@
       </p:sp>
       <p:pic>
         <p:nvPicPr>
-          <p:cNvPr id="4" name="Picture 3">
+          <p:cNvPr id="1026" name="Picture 2" descr="Game Icon 512*512 transprent Png Free Download - Blue, Computer Icon,  Thumb. - CleanPNG / KissPNG">
             <a:extLst>
               <a:ext uri="{FF2B5EF4-FFF2-40B4-BE49-F238E27FC236}">
-                <a16:creationId xmlns:a16="http://schemas.microsoft.com/office/drawing/2014/main" id="{71618242-50E7-462A-84DC-C71B20050A9F}"/>
+                <a16:creationId xmlns:a16="http://schemas.microsoft.com/office/drawing/2014/main" id="{5B8E7CC4-F32A-4B6C-B725-009989450537}"/>
               </a:ext>
             </a:extLst>
           </p:cNvPr>
           <p:cNvPicPr>
-            <a:picLocks noChangeAspect="1"/>
+            <a:picLocks noChangeAspect="1" noChangeArrowheads="1"/>
           </p:cNvPicPr>
           <p:nvPr/>
         </p:nvPicPr>
         <p:blipFill>
-          <a:blip r:embed="rId3" cstate="print">
+          <a:blip r:embed="rId3">
             <a:extLst>
               <a:ext uri="{28A0092B-C50C-407E-A947-70E740481C1C}">
                 <a14:useLocalDpi xmlns:a14="http://schemas.microsoft.com/office/drawing/2010/main" val="0"/>
               </a:ext>
             </a:extLst>
           </a:blip>
+          <a:srcRect/>
           <a:stretch>
             <a:fillRect/>
           </a:stretch>
         </p:blipFill>
-        <p:spPr>
+        <p:spPr bwMode="auto">
           <a:xfrm>
-            <a:off x="497840" y="1371600"/>
-            <a:ext cx="8569960" cy="5474984"/>
+            <a:off x="3048000" y="2946632"/>
+            <a:ext cx="2595562" cy="2595562"/>
           </a:xfrm>
           <a:prstGeom prst="rect">
             <a:avLst/>
           </a:prstGeom>
+          <a:noFill/>
+          <a:extLst>
+            <a:ext uri="{909E8E84-426E-40DD-AFC4-6F175D3DCCD1}">
+              <a14:hiddenFill xmlns:a14="http://schemas.microsoft.com/office/drawing/2010/main">
+                <a:solidFill>
+                  <a:srgbClr val="FFFFFF"/>
+                </a:solidFill>
+              </a14:hiddenFill>
+            </a:ext>
+          </a:extLst>
         </p:spPr>
       </p:pic>
+      <p:sp>
+        <p:nvSpPr>
+          <p:cNvPr id="6" name="Oval 5">
+            <a:extLst>
+              <a:ext uri="{FF2B5EF4-FFF2-40B4-BE49-F238E27FC236}">
+                <a16:creationId xmlns:a16="http://schemas.microsoft.com/office/drawing/2014/main" id="{993A807A-525D-42CF-8F81-5E1C149F0041}"/>
+              </a:ext>
+            </a:extLst>
+          </p:cNvPr>
+          <p:cNvSpPr/>
+          <p:nvPr/>
+        </p:nvSpPr>
+        <p:spPr>
+          <a:xfrm>
+            <a:off x="4295553" y="1447800"/>
+            <a:ext cx="1348009" cy="762000"/>
+          </a:xfrm>
+          <a:prstGeom prst="ellipse">
+            <a:avLst/>
+          </a:prstGeom>
+          <a:noFill/>
+          <a:ln w="9525" cap="flat" cmpd="sng" algn="ctr">
+            <a:solidFill>
+              <a:schemeClr val="accent2"/>
+            </a:solidFill>
+            <a:prstDash val="solid"/>
+            <a:round/>
+            <a:headEnd type="none" w="med" len="med"/>
+            <a:tailEnd type="none" w="med" len="med"/>
+          </a:ln>
+        </p:spPr>
+        <p:style>
+          <a:lnRef idx="0">
+            <a:scrgbClr r="0" g="0" b="0"/>
+          </a:lnRef>
+          <a:fillRef idx="0">
+            <a:scrgbClr r="0" g="0" b="0"/>
+          </a:fillRef>
+          <a:effectRef idx="0">
+            <a:scrgbClr r="0" g="0" b="0"/>
+          </a:effectRef>
+          <a:fontRef idx="minor">
+            <a:schemeClr val="accent2"/>
+          </a:fontRef>
+        </p:style>
+        <p:txBody>
+          <a:bodyPr rtlCol="0" anchor="ctr"/>
+          <a:lstStyle/>
+          <a:p>
+            <a:pPr algn="ctr"/>
+            <a:r>
+              <a:rPr lang="en-US" dirty="0" err="1"/>
+              <a:t>Đăng</a:t>
+            </a:r>
+            <a:r>
+              <a:rPr lang="en-US" dirty="0"/>
+              <a:t> </a:t>
+            </a:r>
+            <a:r>
+              <a:rPr lang="en-US" dirty="0" err="1"/>
+              <a:t>ký</a:t>
+            </a:r>
+            <a:endParaRPr lang="en-US" dirty="0"/>
+          </a:p>
+        </p:txBody>
+      </p:sp>
+      <p:sp>
+        <p:nvSpPr>
+          <p:cNvPr id="11" name="Oval 10">
+            <a:extLst>
+              <a:ext uri="{FF2B5EF4-FFF2-40B4-BE49-F238E27FC236}">
+                <a16:creationId xmlns:a16="http://schemas.microsoft.com/office/drawing/2014/main" id="{48926154-4D4C-4842-B777-B8D1F0D462ED}"/>
+              </a:ext>
+            </a:extLst>
+          </p:cNvPr>
+          <p:cNvSpPr/>
+          <p:nvPr/>
+        </p:nvSpPr>
+        <p:spPr>
+          <a:xfrm>
+            <a:off x="5867400" y="2184632"/>
+            <a:ext cx="1348009" cy="762000"/>
+          </a:xfrm>
+          <a:prstGeom prst="ellipse">
+            <a:avLst/>
+          </a:prstGeom>
+          <a:noFill/>
+          <a:ln w="9525" cap="flat" cmpd="sng" algn="ctr">
+            <a:solidFill>
+              <a:schemeClr val="accent2"/>
+            </a:solidFill>
+            <a:prstDash val="solid"/>
+            <a:round/>
+            <a:headEnd type="none" w="med" len="med"/>
+            <a:tailEnd type="none" w="med" len="med"/>
+          </a:ln>
+        </p:spPr>
+        <p:style>
+          <a:lnRef idx="0">
+            <a:scrgbClr r="0" g="0" b="0"/>
+          </a:lnRef>
+          <a:fillRef idx="0">
+            <a:scrgbClr r="0" g="0" b="0"/>
+          </a:fillRef>
+          <a:effectRef idx="0">
+            <a:scrgbClr r="0" g="0" b="0"/>
+          </a:effectRef>
+          <a:fontRef idx="minor">
+            <a:schemeClr val="accent2"/>
+          </a:fontRef>
+        </p:style>
+        <p:txBody>
+          <a:bodyPr rtlCol="0" anchor="ctr"/>
+          <a:lstStyle/>
+          <a:p>
+            <a:pPr algn="ctr"/>
+            <a:r>
+              <a:rPr lang="en-US" dirty="0" err="1"/>
+              <a:t>Đăng</a:t>
+            </a:r>
+            <a:r>
+              <a:rPr lang="en-US" dirty="0"/>
+              <a:t> </a:t>
+            </a:r>
+            <a:r>
+              <a:rPr lang="en-US" dirty="0" err="1"/>
+              <a:t>nhập</a:t>
+            </a:r>
+            <a:endParaRPr lang="en-US" dirty="0"/>
+          </a:p>
+        </p:txBody>
+      </p:sp>
+      <p:sp>
+        <p:nvSpPr>
+          <p:cNvPr id="12" name="Oval 11">
+            <a:extLst>
+              <a:ext uri="{FF2B5EF4-FFF2-40B4-BE49-F238E27FC236}">
+                <a16:creationId xmlns:a16="http://schemas.microsoft.com/office/drawing/2014/main" id="{8FEFB349-D743-41E6-B77F-27355C81A2B4}"/>
+              </a:ext>
+            </a:extLst>
+          </p:cNvPr>
+          <p:cNvSpPr/>
+          <p:nvPr/>
+        </p:nvSpPr>
+        <p:spPr>
+          <a:xfrm>
+            <a:off x="6731742" y="3216261"/>
+            <a:ext cx="2057401" cy="990600"/>
+          </a:xfrm>
+          <a:prstGeom prst="ellipse">
+            <a:avLst/>
+          </a:prstGeom>
+          <a:noFill/>
+          <a:ln w="9525" cap="flat" cmpd="sng" algn="ctr">
+            <a:solidFill>
+              <a:schemeClr val="accent2"/>
+            </a:solidFill>
+            <a:prstDash val="solid"/>
+            <a:round/>
+            <a:headEnd type="none" w="med" len="med"/>
+            <a:tailEnd type="none" w="med" len="med"/>
+          </a:ln>
+        </p:spPr>
+        <p:style>
+          <a:lnRef idx="0">
+            <a:scrgbClr r="0" g="0" b="0"/>
+          </a:lnRef>
+          <a:fillRef idx="0">
+            <a:scrgbClr r="0" g="0" b="0"/>
+          </a:fillRef>
+          <a:effectRef idx="0">
+            <a:scrgbClr r="0" g="0" b="0"/>
+          </a:effectRef>
+          <a:fontRef idx="minor">
+            <a:schemeClr val="accent2"/>
+          </a:fontRef>
+        </p:style>
+        <p:txBody>
+          <a:bodyPr rtlCol="0" anchor="ctr"/>
+          <a:lstStyle/>
+          <a:p>
+            <a:pPr algn="ctr"/>
+            <a:r>
+              <a:rPr lang="en-US" dirty="0" err="1"/>
+              <a:t>Xem</a:t>
+            </a:r>
+            <a:r>
+              <a:rPr lang="en-US" dirty="0"/>
+              <a:t> </a:t>
+            </a:r>
+            <a:r>
+              <a:rPr lang="en-US" dirty="0" err="1"/>
+              <a:t>thông</a:t>
+            </a:r>
+            <a:r>
+              <a:rPr lang="en-US" dirty="0"/>
+              <a:t> tin </a:t>
+            </a:r>
+            <a:r>
+              <a:rPr lang="en-US" dirty="0" err="1"/>
+              <a:t>sản</a:t>
+            </a:r>
+            <a:r>
+              <a:rPr lang="en-US" dirty="0"/>
+              <a:t> </a:t>
+            </a:r>
+            <a:r>
+              <a:rPr lang="en-US" dirty="0" err="1"/>
+              <a:t>phẩm</a:t>
+            </a:r>
+            <a:endParaRPr lang="en-US" dirty="0"/>
+          </a:p>
+        </p:txBody>
+      </p:sp>
+      <p:sp>
+        <p:nvSpPr>
+          <p:cNvPr id="14" name="Oval 13">
+            <a:extLst>
+              <a:ext uri="{FF2B5EF4-FFF2-40B4-BE49-F238E27FC236}">
+                <a16:creationId xmlns:a16="http://schemas.microsoft.com/office/drawing/2014/main" id="{3438505F-2B14-46BE-85AB-447FA045C540}"/>
+              </a:ext>
+            </a:extLst>
+          </p:cNvPr>
+          <p:cNvSpPr/>
+          <p:nvPr/>
+        </p:nvSpPr>
+        <p:spPr>
+          <a:xfrm>
+            <a:off x="6705600" y="4664850"/>
+            <a:ext cx="1348009" cy="762000"/>
+          </a:xfrm>
+          <a:prstGeom prst="ellipse">
+            <a:avLst/>
+          </a:prstGeom>
+          <a:noFill/>
+          <a:ln w="9525" cap="flat" cmpd="sng" algn="ctr">
+            <a:solidFill>
+              <a:schemeClr val="accent2"/>
+            </a:solidFill>
+            <a:prstDash val="solid"/>
+            <a:round/>
+            <a:headEnd type="none" w="med" len="med"/>
+            <a:tailEnd type="none" w="med" len="med"/>
+          </a:ln>
+        </p:spPr>
+        <p:style>
+          <a:lnRef idx="0">
+            <a:scrgbClr r="0" g="0" b="0"/>
+          </a:lnRef>
+          <a:fillRef idx="0">
+            <a:scrgbClr r="0" g="0" b="0"/>
+          </a:fillRef>
+          <a:effectRef idx="0">
+            <a:scrgbClr r="0" g="0" b="0"/>
+          </a:effectRef>
+          <a:fontRef idx="minor">
+            <a:schemeClr val="accent2"/>
+          </a:fontRef>
+        </p:style>
+        <p:txBody>
+          <a:bodyPr rtlCol="0" anchor="ctr"/>
+          <a:lstStyle/>
+          <a:p>
+            <a:pPr algn="ctr"/>
+            <a:r>
+              <a:rPr lang="en-US" dirty="0" err="1"/>
+              <a:t>Đặt</a:t>
+            </a:r>
+            <a:r>
+              <a:rPr lang="en-US" dirty="0"/>
+              <a:t> </a:t>
+            </a:r>
+            <a:r>
+              <a:rPr lang="en-US" dirty="0" err="1"/>
+              <a:t>hàng</a:t>
+            </a:r>
+            <a:endParaRPr lang="en-US" dirty="0"/>
+          </a:p>
+        </p:txBody>
+      </p:sp>
+      <p:sp>
+        <p:nvSpPr>
+          <p:cNvPr id="15" name="Oval 14">
+            <a:extLst>
+              <a:ext uri="{FF2B5EF4-FFF2-40B4-BE49-F238E27FC236}">
+                <a16:creationId xmlns:a16="http://schemas.microsoft.com/office/drawing/2014/main" id="{617747D3-8F87-4AA8-A1EA-876D7E6850F9}"/>
+              </a:ext>
+            </a:extLst>
+          </p:cNvPr>
+          <p:cNvSpPr/>
+          <p:nvPr/>
+        </p:nvSpPr>
+        <p:spPr>
+          <a:xfrm>
+            <a:off x="2189103" y="1782970"/>
+            <a:ext cx="1348009" cy="762000"/>
+          </a:xfrm>
+          <a:prstGeom prst="ellipse">
+            <a:avLst/>
+          </a:prstGeom>
+          <a:noFill/>
+          <a:ln w="9525" cap="flat" cmpd="sng" algn="ctr">
+            <a:solidFill>
+              <a:schemeClr val="accent2"/>
+            </a:solidFill>
+            <a:prstDash val="solid"/>
+            <a:round/>
+            <a:headEnd type="none" w="med" len="med"/>
+            <a:tailEnd type="none" w="med" len="med"/>
+          </a:ln>
+        </p:spPr>
+        <p:style>
+          <a:lnRef idx="0">
+            <a:scrgbClr r="0" g="0" b="0"/>
+          </a:lnRef>
+          <a:fillRef idx="0">
+            <a:scrgbClr r="0" g="0" b="0"/>
+          </a:fillRef>
+          <a:effectRef idx="0">
+            <a:scrgbClr r="0" g="0" b="0"/>
+          </a:effectRef>
+          <a:fontRef idx="minor">
+            <a:schemeClr val="accent2"/>
+          </a:fontRef>
+        </p:style>
+        <p:txBody>
+          <a:bodyPr rtlCol="0" anchor="ctr"/>
+          <a:lstStyle/>
+          <a:p>
+            <a:pPr algn="ctr"/>
+            <a:r>
+              <a:rPr lang="en-US" dirty="0" err="1"/>
+              <a:t>Xem</a:t>
+            </a:r>
+            <a:r>
+              <a:rPr lang="en-US" dirty="0"/>
+              <a:t> </a:t>
+            </a:r>
+            <a:r>
+              <a:rPr lang="en-US" dirty="0" err="1"/>
+              <a:t>giỏ</a:t>
+            </a:r>
+            <a:r>
+              <a:rPr lang="en-US" dirty="0"/>
+              <a:t> </a:t>
+            </a:r>
+            <a:r>
+              <a:rPr lang="en-US" dirty="0" err="1"/>
+              <a:t>hàng</a:t>
+            </a:r>
+            <a:endParaRPr lang="en-US" dirty="0"/>
+          </a:p>
+        </p:txBody>
+      </p:sp>
+      <p:sp>
+        <p:nvSpPr>
+          <p:cNvPr id="16" name="Oval 15">
+            <a:extLst>
+              <a:ext uri="{FF2B5EF4-FFF2-40B4-BE49-F238E27FC236}">
+                <a16:creationId xmlns:a16="http://schemas.microsoft.com/office/drawing/2014/main" id="{9F4374E9-4386-48FC-B527-99AAE60C2EE9}"/>
+              </a:ext>
+            </a:extLst>
+          </p:cNvPr>
+          <p:cNvSpPr/>
+          <p:nvPr/>
+        </p:nvSpPr>
+        <p:spPr>
+          <a:xfrm>
+            <a:off x="722474" y="5521902"/>
+            <a:ext cx="1348009" cy="762000"/>
+          </a:xfrm>
+          <a:prstGeom prst="ellipse">
+            <a:avLst/>
+          </a:prstGeom>
+          <a:noFill/>
+          <a:ln w="9525" cap="flat" cmpd="sng" algn="ctr">
+            <a:solidFill>
+              <a:schemeClr val="accent2"/>
+            </a:solidFill>
+            <a:prstDash val="solid"/>
+            <a:round/>
+            <a:headEnd type="none" w="med" len="med"/>
+            <a:tailEnd type="none" w="med" len="med"/>
+          </a:ln>
+        </p:spPr>
+        <p:style>
+          <a:lnRef idx="0">
+            <a:scrgbClr r="0" g="0" b="0"/>
+          </a:lnRef>
+          <a:fillRef idx="0">
+            <a:scrgbClr r="0" g="0" b="0"/>
+          </a:fillRef>
+          <a:effectRef idx="0">
+            <a:scrgbClr r="0" g="0" b="0"/>
+          </a:effectRef>
+          <a:fontRef idx="minor">
+            <a:schemeClr val="accent2"/>
+          </a:fontRef>
+        </p:style>
+        <p:txBody>
+          <a:bodyPr rtlCol="0" anchor="ctr"/>
+          <a:lstStyle/>
+          <a:p>
+            <a:pPr algn="ctr"/>
+            <a:r>
+              <a:rPr lang="en-US" dirty="0" err="1"/>
+              <a:t>Bình</a:t>
+            </a:r>
+            <a:r>
+              <a:rPr lang="en-US" dirty="0"/>
+              <a:t> </a:t>
+            </a:r>
+            <a:r>
+              <a:rPr lang="en-US" dirty="0" err="1"/>
+              <a:t>luận</a:t>
+            </a:r>
+            <a:endParaRPr lang="en-US" dirty="0"/>
+          </a:p>
+        </p:txBody>
+      </p:sp>
+      <p:sp>
+        <p:nvSpPr>
+          <p:cNvPr id="17" name="Oval 16">
+            <a:extLst>
+              <a:ext uri="{FF2B5EF4-FFF2-40B4-BE49-F238E27FC236}">
+                <a16:creationId xmlns:a16="http://schemas.microsoft.com/office/drawing/2014/main" id="{AFDABD74-A397-470A-AD91-40C2541EB65A}"/>
+              </a:ext>
+            </a:extLst>
+          </p:cNvPr>
+          <p:cNvSpPr/>
+          <p:nvPr/>
+        </p:nvSpPr>
+        <p:spPr>
+          <a:xfrm>
+            <a:off x="317046" y="4032984"/>
+            <a:ext cx="1940966" cy="870026"/>
+          </a:xfrm>
+          <a:prstGeom prst="ellipse">
+            <a:avLst/>
+          </a:prstGeom>
+          <a:noFill/>
+          <a:ln w="9525" cap="flat" cmpd="sng" algn="ctr">
+            <a:solidFill>
+              <a:schemeClr val="accent2"/>
+            </a:solidFill>
+            <a:prstDash val="solid"/>
+            <a:round/>
+            <a:headEnd type="none" w="med" len="med"/>
+            <a:tailEnd type="none" w="med" len="med"/>
+          </a:ln>
+        </p:spPr>
+        <p:style>
+          <a:lnRef idx="0">
+            <a:scrgbClr r="0" g="0" b="0"/>
+          </a:lnRef>
+          <a:fillRef idx="0">
+            <a:scrgbClr r="0" g="0" b="0"/>
+          </a:fillRef>
+          <a:effectRef idx="0">
+            <a:scrgbClr r="0" g="0" b="0"/>
+          </a:effectRef>
+          <a:fontRef idx="minor">
+            <a:schemeClr val="accent2"/>
+          </a:fontRef>
+        </p:style>
+        <p:txBody>
+          <a:bodyPr rtlCol="0" anchor="ctr"/>
+          <a:lstStyle/>
+          <a:p>
+            <a:pPr algn="ctr"/>
+            <a:r>
+              <a:rPr lang="en-US" dirty="0" err="1"/>
+              <a:t>Xem</a:t>
+            </a:r>
+            <a:r>
+              <a:rPr lang="en-US" dirty="0"/>
+              <a:t> </a:t>
+            </a:r>
+            <a:r>
+              <a:rPr lang="en-US" dirty="0" err="1"/>
+              <a:t>sản</a:t>
+            </a:r>
+            <a:r>
+              <a:rPr lang="en-US" dirty="0"/>
+              <a:t> </a:t>
+            </a:r>
+            <a:r>
+              <a:rPr lang="en-US" dirty="0" err="1"/>
+              <a:t>phẩm</a:t>
+            </a:r>
+            <a:r>
+              <a:rPr lang="en-US" dirty="0"/>
+              <a:t> </a:t>
+            </a:r>
+            <a:r>
+              <a:rPr lang="en-US" dirty="0" err="1"/>
+              <a:t>yêu</a:t>
+            </a:r>
+            <a:r>
+              <a:rPr lang="en-US" dirty="0"/>
+              <a:t> </a:t>
+            </a:r>
+            <a:r>
+              <a:rPr lang="en-US" dirty="0" err="1"/>
+              <a:t>thích</a:t>
+            </a:r>
+            <a:endParaRPr lang="en-US" dirty="0"/>
+          </a:p>
+        </p:txBody>
+      </p:sp>
+      <p:sp>
+        <p:nvSpPr>
+          <p:cNvPr id="18" name="Oval 17">
+            <a:extLst>
+              <a:ext uri="{FF2B5EF4-FFF2-40B4-BE49-F238E27FC236}">
+                <a16:creationId xmlns:a16="http://schemas.microsoft.com/office/drawing/2014/main" id="{CBEC55D1-C841-4AEF-BC88-6B6D421A5BA1}"/>
+              </a:ext>
+            </a:extLst>
+          </p:cNvPr>
+          <p:cNvSpPr/>
+          <p:nvPr/>
+        </p:nvSpPr>
+        <p:spPr>
+          <a:xfrm>
+            <a:off x="939855" y="2836875"/>
+            <a:ext cx="1348009" cy="762000"/>
+          </a:xfrm>
+          <a:prstGeom prst="ellipse">
+            <a:avLst/>
+          </a:prstGeom>
+          <a:noFill/>
+          <a:ln w="9525" cap="flat" cmpd="sng" algn="ctr">
+            <a:solidFill>
+              <a:schemeClr val="accent2"/>
+            </a:solidFill>
+            <a:prstDash val="solid"/>
+            <a:round/>
+            <a:headEnd type="none" w="med" len="med"/>
+            <a:tailEnd type="none" w="med" len="med"/>
+          </a:ln>
+        </p:spPr>
+        <p:style>
+          <a:lnRef idx="0">
+            <a:scrgbClr r="0" g="0" b="0"/>
+          </a:lnRef>
+          <a:fillRef idx="0">
+            <a:scrgbClr r="0" g="0" b="0"/>
+          </a:fillRef>
+          <a:effectRef idx="0">
+            <a:scrgbClr r="0" g="0" b="0"/>
+          </a:effectRef>
+          <a:fontRef idx="minor">
+            <a:schemeClr val="accent2"/>
+          </a:fontRef>
+        </p:style>
+        <p:txBody>
+          <a:bodyPr rtlCol="0" anchor="ctr"/>
+          <a:lstStyle/>
+          <a:p>
+            <a:pPr algn="ctr"/>
+            <a:r>
+              <a:rPr lang="en-US" dirty="0"/>
+              <a:t>Thanh </a:t>
+            </a:r>
+            <a:r>
+              <a:rPr lang="en-US" dirty="0" err="1"/>
+              <a:t>toán</a:t>
+            </a:r>
+            <a:endParaRPr lang="en-US" dirty="0"/>
+          </a:p>
+        </p:txBody>
+      </p:sp>
+      <p:sp>
+        <p:nvSpPr>
+          <p:cNvPr id="19" name="Oval 18">
+            <a:extLst>
+              <a:ext uri="{FF2B5EF4-FFF2-40B4-BE49-F238E27FC236}">
+                <a16:creationId xmlns:a16="http://schemas.microsoft.com/office/drawing/2014/main" id="{F52257AC-7B60-40B1-BF96-AD60AA792271}"/>
+              </a:ext>
+            </a:extLst>
+          </p:cNvPr>
+          <p:cNvSpPr/>
+          <p:nvPr/>
+        </p:nvSpPr>
+        <p:spPr>
+          <a:xfrm>
+            <a:off x="2686051" y="5840385"/>
+            <a:ext cx="2057400" cy="762000"/>
+          </a:xfrm>
+          <a:prstGeom prst="ellipse">
+            <a:avLst/>
+          </a:prstGeom>
+          <a:noFill/>
+          <a:ln w="9525" cap="flat" cmpd="sng" algn="ctr">
+            <a:solidFill>
+              <a:schemeClr val="accent2"/>
+            </a:solidFill>
+            <a:prstDash val="solid"/>
+            <a:round/>
+            <a:headEnd type="none" w="med" len="med"/>
+            <a:tailEnd type="none" w="med" len="med"/>
+          </a:ln>
+        </p:spPr>
+        <p:style>
+          <a:lnRef idx="0">
+            <a:scrgbClr r="0" g="0" b="0"/>
+          </a:lnRef>
+          <a:fillRef idx="0">
+            <a:scrgbClr r="0" g="0" b="0"/>
+          </a:fillRef>
+          <a:effectRef idx="0">
+            <a:scrgbClr r="0" g="0" b="0"/>
+          </a:effectRef>
+          <a:fontRef idx="minor">
+            <a:schemeClr val="accent2"/>
+          </a:fontRef>
+        </p:style>
+        <p:txBody>
+          <a:bodyPr rtlCol="0" anchor="ctr"/>
+          <a:lstStyle/>
+          <a:p>
+            <a:pPr algn="ctr"/>
+            <a:r>
+              <a:rPr lang="en-US" dirty="0" err="1"/>
+              <a:t>Viết</a:t>
+            </a:r>
+            <a:r>
+              <a:rPr lang="en-US" dirty="0"/>
+              <a:t> </a:t>
+            </a:r>
+            <a:r>
+              <a:rPr lang="en-US" dirty="0" err="1"/>
+              <a:t>đánh</a:t>
+            </a:r>
+            <a:r>
+              <a:rPr lang="en-US" dirty="0"/>
+              <a:t> </a:t>
+            </a:r>
+            <a:r>
+              <a:rPr lang="en-US" dirty="0" err="1"/>
+              <a:t>giá</a:t>
+            </a:r>
+            <a:r>
+              <a:rPr lang="en-US" dirty="0"/>
+              <a:t> </a:t>
+            </a:r>
+            <a:r>
+              <a:rPr lang="en-US" dirty="0" err="1"/>
+              <a:t>sp</a:t>
+            </a:r>
+            <a:endParaRPr lang="en-US" dirty="0"/>
+          </a:p>
+        </p:txBody>
+      </p:sp>
+      <p:sp>
+        <p:nvSpPr>
+          <p:cNvPr id="20" name="Oval 19">
+            <a:extLst>
+              <a:ext uri="{FF2B5EF4-FFF2-40B4-BE49-F238E27FC236}">
+                <a16:creationId xmlns:a16="http://schemas.microsoft.com/office/drawing/2014/main" id="{C7158DBF-E8E3-4B80-9D30-1BC19B1F857F}"/>
+              </a:ext>
+            </a:extLst>
+          </p:cNvPr>
+          <p:cNvSpPr/>
+          <p:nvPr/>
+        </p:nvSpPr>
+        <p:spPr>
+          <a:xfrm>
+            <a:off x="5433962" y="5859716"/>
+            <a:ext cx="2595561" cy="762000"/>
+          </a:xfrm>
+          <a:prstGeom prst="ellipse">
+            <a:avLst/>
+          </a:prstGeom>
+          <a:noFill/>
+          <a:ln w="9525" cap="flat" cmpd="sng" algn="ctr">
+            <a:solidFill>
+              <a:schemeClr val="accent2"/>
+            </a:solidFill>
+            <a:prstDash val="solid"/>
+            <a:round/>
+            <a:headEnd type="none" w="med" len="med"/>
+            <a:tailEnd type="none" w="med" len="med"/>
+          </a:ln>
+        </p:spPr>
+        <p:style>
+          <a:lnRef idx="0">
+            <a:scrgbClr r="0" g="0" b="0"/>
+          </a:lnRef>
+          <a:fillRef idx="0">
+            <a:scrgbClr r="0" g="0" b="0"/>
+          </a:fillRef>
+          <a:effectRef idx="0">
+            <a:scrgbClr r="0" g="0" b="0"/>
+          </a:effectRef>
+          <a:fontRef idx="minor">
+            <a:schemeClr val="accent2"/>
+          </a:fontRef>
+        </p:style>
+        <p:txBody>
+          <a:bodyPr rtlCol="0" anchor="ctr"/>
+          <a:lstStyle/>
+          <a:p>
+            <a:pPr algn="ctr"/>
+            <a:r>
+              <a:rPr lang="en-US" dirty="0" err="1"/>
+              <a:t>Tìm</a:t>
+            </a:r>
+            <a:r>
+              <a:rPr lang="en-US" dirty="0"/>
+              <a:t> </a:t>
+            </a:r>
+            <a:r>
+              <a:rPr lang="en-US" dirty="0" err="1"/>
+              <a:t>kiếm</a:t>
+            </a:r>
+            <a:r>
+              <a:rPr lang="en-US" dirty="0"/>
+              <a:t>, filter </a:t>
+            </a:r>
+            <a:r>
+              <a:rPr lang="en-US" dirty="0" err="1"/>
+              <a:t>sản</a:t>
+            </a:r>
+            <a:r>
+              <a:rPr lang="en-US" dirty="0"/>
+              <a:t> </a:t>
+            </a:r>
+            <a:r>
+              <a:rPr lang="en-US" dirty="0" err="1"/>
+              <a:t>phẩm</a:t>
+            </a:r>
+            <a:endParaRPr lang="en-US" dirty="0"/>
+          </a:p>
+        </p:txBody>
+      </p:sp>
+      <p:cxnSp>
+        <p:nvCxnSpPr>
+          <p:cNvPr id="9" name="Straight Arrow Connector 8">
+            <a:extLst>
+              <a:ext uri="{FF2B5EF4-FFF2-40B4-BE49-F238E27FC236}">
+                <a16:creationId xmlns:a16="http://schemas.microsoft.com/office/drawing/2014/main" id="{F27B2BDB-C98E-40DB-9A63-DB2AA497478E}"/>
+              </a:ext>
+            </a:extLst>
+          </p:cNvPr>
+          <p:cNvCxnSpPr>
+            <a:cxnSpLocks/>
+            <a:stCxn id="1026" idx="0"/>
+            <a:endCxn id="15" idx="6"/>
+          </p:cNvCxnSpPr>
+          <p:nvPr/>
+        </p:nvCxnSpPr>
+        <p:spPr>
+          <a:xfrm flipH="1" flipV="1">
+            <a:off x="3537112" y="2163970"/>
+            <a:ext cx="808669" cy="782662"/>
+          </a:xfrm>
+          <a:prstGeom prst="straightConnector1">
+            <a:avLst/>
+          </a:prstGeom>
+          <a:ln>
+            <a:tailEnd type="triangle"/>
+          </a:ln>
+        </p:spPr>
+        <p:style>
+          <a:lnRef idx="1">
+            <a:schemeClr val="accent1"/>
+          </a:lnRef>
+          <a:fillRef idx="0">
+            <a:schemeClr val="accent1"/>
+          </a:fillRef>
+          <a:effectRef idx="0">
+            <a:schemeClr val="accent1"/>
+          </a:effectRef>
+          <a:fontRef idx="minor">
+            <a:schemeClr val="tx1"/>
+          </a:fontRef>
+        </p:style>
+      </p:cxnSp>
+      <p:cxnSp>
+        <p:nvCxnSpPr>
+          <p:cNvPr id="23" name="Straight Arrow Connector 22">
+            <a:extLst>
+              <a:ext uri="{FF2B5EF4-FFF2-40B4-BE49-F238E27FC236}">
+                <a16:creationId xmlns:a16="http://schemas.microsoft.com/office/drawing/2014/main" id="{8CE50BC6-15EC-4181-BF32-5B133D20B87D}"/>
+              </a:ext>
+            </a:extLst>
+          </p:cNvPr>
+          <p:cNvCxnSpPr>
+            <a:cxnSpLocks/>
+            <a:endCxn id="6" idx="4"/>
+          </p:cNvCxnSpPr>
+          <p:nvPr/>
+        </p:nvCxnSpPr>
+        <p:spPr>
+          <a:xfrm flipV="1">
+            <a:off x="4822190" y="2209800"/>
+            <a:ext cx="147368" cy="842782"/>
+          </a:xfrm>
+          <a:prstGeom prst="straightConnector1">
+            <a:avLst/>
+          </a:prstGeom>
+          <a:ln>
+            <a:tailEnd type="triangle"/>
+          </a:ln>
+        </p:spPr>
+        <p:style>
+          <a:lnRef idx="1">
+            <a:schemeClr val="accent1"/>
+          </a:lnRef>
+          <a:fillRef idx="0">
+            <a:schemeClr val="accent1"/>
+          </a:fillRef>
+          <a:effectRef idx="0">
+            <a:schemeClr val="accent1"/>
+          </a:effectRef>
+          <a:fontRef idx="minor">
+            <a:schemeClr val="tx1"/>
+          </a:fontRef>
+        </p:style>
+      </p:cxnSp>
+      <p:cxnSp>
+        <p:nvCxnSpPr>
+          <p:cNvPr id="27" name="Straight Arrow Connector 26">
+            <a:extLst>
+              <a:ext uri="{FF2B5EF4-FFF2-40B4-BE49-F238E27FC236}">
+                <a16:creationId xmlns:a16="http://schemas.microsoft.com/office/drawing/2014/main" id="{20FD3233-A3B1-4F02-BDA4-D3A2D944F6A4}"/>
+              </a:ext>
+            </a:extLst>
+          </p:cNvPr>
+          <p:cNvCxnSpPr>
+            <a:cxnSpLocks/>
+            <a:endCxn id="18" idx="6"/>
+          </p:cNvCxnSpPr>
+          <p:nvPr/>
+        </p:nvCxnSpPr>
+        <p:spPr>
+          <a:xfrm flipH="1" flipV="1">
+            <a:off x="2287864" y="3217875"/>
+            <a:ext cx="912536" cy="326587"/>
+          </a:xfrm>
+          <a:prstGeom prst="straightConnector1">
+            <a:avLst/>
+          </a:prstGeom>
+          <a:ln>
+            <a:tailEnd type="triangle"/>
+          </a:ln>
+        </p:spPr>
+        <p:style>
+          <a:lnRef idx="1">
+            <a:schemeClr val="accent1"/>
+          </a:lnRef>
+          <a:fillRef idx="0">
+            <a:schemeClr val="accent1"/>
+          </a:fillRef>
+          <a:effectRef idx="0">
+            <a:schemeClr val="accent1"/>
+          </a:effectRef>
+          <a:fontRef idx="minor">
+            <a:schemeClr val="tx1"/>
+          </a:fontRef>
+        </p:style>
+      </p:cxnSp>
+      <p:cxnSp>
+        <p:nvCxnSpPr>
+          <p:cNvPr id="30" name="Straight Arrow Connector 29">
+            <a:extLst>
+              <a:ext uri="{FF2B5EF4-FFF2-40B4-BE49-F238E27FC236}">
+                <a16:creationId xmlns:a16="http://schemas.microsoft.com/office/drawing/2014/main" id="{D0D3FAA3-3CB6-427A-A2E0-F3E1C5AED80C}"/>
+              </a:ext>
+            </a:extLst>
+          </p:cNvPr>
+          <p:cNvCxnSpPr>
+            <a:cxnSpLocks/>
+            <a:stCxn id="1026" idx="1"/>
+            <a:endCxn id="17" idx="6"/>
+          </p:cNvCxnSpPr>
+          <p:nvPr/>
+        </p:nvCxnSpPr>
+        <p:spPr>
+          <a:xfrm flipH="1">
+            <a:off x="2258012" y="4244413"/>
+            <a:ext cx="789988" cy="223584"/>
+          </a:xfrm>
+          <a:prstGeom prst="straightConnector1">
+            <a:avLst/>
+          </a:prstGeom>
+          <a:ln>
+            <a:tailEnd type="triangle"/>
+          </a:ln>
+        </p:spPr>
+        <p:style>
+          <a:lnRef idx="1">
+            <a:schemeClr val="accent1"/>
+          </a:lnRef>
+          <a:fillRef idx="0">
+            <a:schemeClr val="accent1"/>
+          </a:fillRef>
+          <a:effectRef idx="0">
+            <a:schemeClr val="accent1"/>
+          </a:effectRef>
+          <a:fontRef idx="minor">
+            <a:schemeClr val="tx1"/>
+          </a:fontRef>
+        </p:style>
+      </p:cxnSp>
+      <p:cxnSp>
+        <p:nvCxnSpPr>
+          <p:cNvPr id="35" name="Straight Arrow Connector 34">
+            <a:extLst>
+              <a:ext uri="{FF2B5EF4-FFF2-40B4-BE49-F238E27FC236}">
+                <a16:creationId xmlns:a16="http://schemas.microsoft.com/office/drawing/2014/main" id="{B5B309E5-0675-4633-B1E1-ED7701139F22}"/>
+              </a:ext>
+            </a:extLst>
+          </p:cNvPr>
+          <p:cNvCxnSpPr>
+            <a:cxnSpLocks/>
+          </p:cNvCxnSpPr>
+          <p:nvPr/>
+        </p:nvCxnSpPr>
+        <p:spPr>
+          <a:xfrm flipH="1">
+            <a:off x="2069895" y="5008724"/>
+            <a:ext cx="1282905" cy="692272"/>
+          </a:xfrm>
+          <a:prstGeom prst="straightConnector1">
+            <a:avLst/>
+          </a:prstGeom>
+          <a:ln>
+            <a:tailEnd type="triangle"/>
+          </a:ln>
+        </p:spPr>
+        <p:style>
+          <a:lnRef idx="1">
+            <a:schemeClr val="accent1"/>
+          </a:lnRef>
+          <a:fillRef idx="0">
+            <a:schemeClr val="accent1"/>
+          </a:fillRef>
+          <a:effectRef idx="0">
+            <a:schemeClr val="accent1"/>
+          </a:effectRef>
+          <a:fontRef idx="minor">
+            <a:schemeClr val="tx1"/>
+          </a:fontRef>
+        </p:style>
+      </p:cxnSp>
+      <p:cxnSp>
+        <p:nvCxnSpPr>
+          <p:cNvPr id="37" name="Straight Arrow Connector 36">
+            <a:extLst>
+              <a:ext uri="{FF2B5EF4-FFF2-40B4-BE49-F238E27FC236}">
+                <a16:creationId xmlns:a16="http://schemas.microsoft.com/office/drawing/2014/main" id="{20210B1A-3230-4796-9427-A820EFADAA1A}"/>
+              </a:ext>
+            </a:extLst>
+          </p:cNvPr>
+          <p:cNvCxnSpPr>
+            <a:cxnSpLocks/>
+            <a:endCxn id="19" idx="0"/>
+          </p:cNvCxnSpPr>
+          <p:nvPr/>
+        </p:nvCxnSpPr>
+        <p:spPr>
+          <a:xfrm flipH="1">
+            <a:off x="3714751" y="5471390"/>
+            <a:ext cx="226695" cy="368995"/>
+          </a:xfrm>
+          <a:prstGeom prst="straightConnector1">
+            <a:avLst/>
+          </a:prstGeom>
+          <a:ln>
+            <a:tailEnd type="triangle"/>
+          </a:ln>
+        </p:spPr>
+        <p:style>
+          <a:lnRef idx="1">
+            <a:schemeClr val="accent1"/>
+          </a:lnRef>
+          <a:fillRef idx="0">
+            <a:schemeClr val="accent1"/>
+          </a:fillRef>
+          <a:effectRef idx="0">
+            <a:schemeClr val="accent1"/>
+          </a:effectRef>
+          <a:fontRef idx="minor">
+            <a:schemeClr val="tx1"/>
+          </a:fontRef>
+        </p:style>
+      </p:cxnSp>
+      <p:cxnSp>
+        <p:nvCxnSpPr>
+          <p:cNvPr id="42" name="Straight Arrow Connector 41">
+            <a:extLst>
+              <a:ext uri="{FF2B5EF4-FFF2-40B4-BE49-F238E27FC236}">
+                <a16:creationId xmlns:a16="http://schemas.microsoft.com/office/drawing/2014/main" id="{F27865F0-4FED-45A5-9CB2-54BAA8E0FE9C}"/>
+              </a:ext>
+            </a:extLst>
+          </p:cNvPr>
+          <p:cNvCxnSpPr>
+            <a:cxnSpLocks/>
+          </p:cNvCxnSpPr>
+          <p:nvPr/>
+        </p:nvCxnSpPr>
+        <p:spPr>
+          <a:xfrm>
+            <a:off x="4948136" y="5426850"/>
+            <a:ext cx="919264" cy="476052"/>
+          </a:xfrm>
+          <a:prstGeom prst="straightConnector1">
+            <a:avLst/>
+          </a:prstGeom>
+          <a:ln>
+            <a:tailEnd type="triangle"/>
+          </a:ln>
+        </p:spPr>
+        <p:style>
+          <a:lnRef idx="1">
+            <a:schemeClr val="accent1"/>
+          </a:lnRef>
+          <a:fillRef idx="0">
+            <a:schemeClr val="accent1"/>
+          </a:fillRef>
+          <a:effectRef idx="0">
+            <a:schemeClr val="accent1"/>
+          </a:effectRef>
+          <a:fontRef idx="minor">
+            <a:schemeClr val="tx1"/>
+          </a:fontRef>
+        </p:style>
+      </p:cxnSp>
+      <p:cxnSp>
+        <p:nvCxnSpPr>
+          <p:cNvPr id="45" name="Straight Arrow Connector 44">
+            <a:extLst>
+              <a:ext uri="{FF2B5EF4-FFF2-40B4-BE49-F238E27FC236}">
+                <a16:creationId xmlns:a16="http://schemas.microsoft.com/office/drawing/2014/main" id="{AA7DB2E1-2BFB-4CBD-BD29-E9C2F32DB928}"/>
+              </a:ext>
+            </a:extLst>
+          </p:cNvPr>
+          <p:cNvCxnSpPr>
+            <a:cxnSpLocks/>
+          </p:cNvCxnSpPr>
+          <p:nvPr/>
+        </p:nvCxnSpPr>
+        <p:spPr>
+          <a:xfrm>
+            <a:off x="5650682" y="4584068"/>
+            <a:ext cx="1113220" cy="318942"/>
+          </a:xfrm>
+          <a:prstGeom prst="straightConnector1">
+            <a:avLst/>
+          </a:prstGeom>
+          <a:ln>
+            <a:tailEnd type="triangle"/>
+          </a:ln>
+        </p:spPr>
+        <p:style>
+          <a:lnRef idx="1">
+            <a:schemeClr val="accent1"/>
+          </a:lnRef>
+          <a:fillRef idx="0">
+            <a:schemeClr val="accent1"/>
+          </a:fillRef>
+          <a:effectRef idx="0">
+            <a:schemeClr val="accent1"/>
+          </a:effectRef>
+          <a:fontRef idx="minor">
+            <a:schemeClr val="tx1"/>
+          </a:fontRef>
+        </p:style>
+      </p:cxnSp>
+      <p:cxnSp>
+        <p:nvCxnSpPr>
+          <p:cNvPr id="48" name="Straight Arrow Connector 47">
+            <a:extLst>
+              <a:ext uri="{FF2B5EF4-FFF2-40B4-BE49-F238E27FC236}">
+                <a16:creationId xmlns:a16="http://schemas.microsoft.com/office/drawing/2014/main" id="{454A8B47-C82B-4B5D-AB8B-232F57DBFD1D}"/>
+              </a:ext>
+            </a:extLst>
+          </p:cNvPr>
+          <p:cNvCxnSpPr>
+            <a:cxnSpLocks/>
+            <a:endCxn id="12" idx="2"/>
+          </p:cNvCxnSpPr>
+          <p:nvPr/>
+        </p:nvCxnSpPr>
+        <p:spPr>
+          <a:xfrm flipV="1">
+            <a:off x="5650682" y="3711561"/>
+            <a:ext cx="1081060" cy="248286"/>
+          </a:xfrm>
+          <a:prstGeom prst="straightConnector1">
+            <a:avLst/>
+          </a:prstGeom>
+          <a:ln>
+            <a:tailEnd type="triangle"/>
+          </a:ln>
+        </p:spPr>
+        <p:style>
+          <a:lnRef idx="1">
+            <a:schemeClr val="accent1"/>
+          </a:lnRef>
+          <a:fillRef idx="0">
+            <a:schemeClr val="accent1"/>
+          </a:fillRef>
+          <a:effectRef idx="0">
+            <a:schemeClr val="accent1"/>
+          </a:effectRef>
+          <a:fontRef idx="minor">
+            <a:schemeClr val="tx1"/>
+          </a:fontRef>
+        </p:style>
+      </p:cxnSp>
+      <p:cxnSp>
+        <p:nvCxnSpPr>
+          <p:cNvPr id="51" name="Straight Arrow Connector 50">
+            <a:extLst>
+              <a:ext uri="{FF2B5EF4-FFF2-40B4-BE49-F238E27FC236}">
+                <a16:creationId xmlns:a16="http://schemas.microsoft.com/office/drawing/2014/main" id="{F79C4B32-CDB9-4F8B-A26A-30E7EE2AFAA9}"/>
+              </a:ext>
+            </a:extLst>
+          </p:cNvPr>
+          <p:cNvCxnSpPr>
+            <a:cxnSpLocks/>
+          </p:cNvCxnSpPr>
+          <p:nvPr/>
+        </p:nvCxnSpPr>
+        <p:spPr>
+          <a:xfrm flipV="1">
+            <a:off x="5324159" y="2884755"/>
+            <a:ext cx="619443" cy="494743"/>
+          </a:xfrm>
+          <a:prstGeom prst="straightConnector1">
+            <a:avLst/>
+          </a:prstGeom>
+          <a:ln>
+            <a:tailEnd type="triangle"/>
+          </a:ln>
+        </p:spPr>
+        <p:style>
+          <a:lnRef idx="1">
+            <a:schemeClr val="accent1"/>
+          </a:lnRef>
+          <a:fillRef idx="0">
+            <a:schemeClr val="accent1"/>
+          </a:fillRef>
+          <a:effectRef idx="0">
+            <a:schemeClr val="accent1"/>
+          </a:effectRef>
+          <a:fontRef idx="minor">
+            <a:schemeClr val="tx1"/>
+          </a:fontRef>
+        </p:style>
+      </p:cxnSp>
     </p:spTree>
     <p:extLst>
       <p:ext uri="{BB962C8B-B14F-4D97-AF65-F5344CB8AC3E}">
@@ -10675,7 +14319,7 @@
                 <a:latin typeface="Times New Roman" panose="02020603050405020304" pitchFamily="18" charset="0"/>
                 <a:cs typeface="Times New Roman" panose="02020603050405020304" pitchFamily="18" charset="0"/>
               </a:rPr>
-              <a:t>III. PHÂN TÍCH HỆ THỐNG</a:t>
+              <a:t>III. PHÂN TÍCH &amp; THIẾT KẾ HỆ THỐNG</a:t>
             </a:r>
           </a:p>
         </p:txBody>
@@ -10713,12 +14357,28 @@
               <a:buChar char="v"/>
             </a:pPr>
             <a:r>
+              <a:rPr lang="en-US" sz="2400" dirty="0">
+                <a:latin typeface="Times New Roman" panose="02020603050405020304" pitchFamily="18" charset="0"/>
+                <a:ea typeface="Roboto" panose="02000000000000000000" pitchFamily="2" charset="0"/>
+                <a:cs typeface="Times New Roman" panose="02020603050405020304" pitchFamily="18" charset="0"/>
+              </a:rPr>
+              <a:t>L</a:t>
+            </a:r>
+            <a:r>
+              <a:rPr lang="vi-VN" sz="2400" dirty="0">
+                <a:latin typeface="Times New Roman" panose="02020603050405020304" pitchFamily="18" charset="0"/>
+                <a:ea typeface="Roboto" panose="02000000000000000000" pitchFamily="2" charset="0"/>
+                <a:cs typeface="Times New Roman" panose="02020603050405020304" pitchFamily="18" charset="0"/>
+              </a:rPr>
+              <a:t>ư</a:t>
+            </a:r>
+            <a:r>
               <a:rPr lang="en-US" sz="2400" dirty="0" err="1">
                 <a:latin typeface="Times New Roman" panose="02020603050405020304" pitchFamily="18" charset="0"/>
                 <a:ea typeface="Roboto" panose="02000000000000000000" pitchFamily="2" charset="0"/>
                 <a:cs typeface="Times New Roman" panose="02020603050405020304" pitchFamily="18" charset="0"/>
               </a:rPr>
-              <a:t>Mô</a:t>
+              <a:t>ợc</a:t>
             </a:r>
             <a:r>
               <a:rPr lang="en-US" sz="2400" dirty="0">
@@ -10734,7 +14394,7 @@
                 <a:ea typeface="Roboto" panose="02000000000000000000" pitchFamily="2" charset="0"/>
                 <a:cs typeface="Times New Roman" panose="02020603050405020304" pitchFamily="18" charset="0"/>
               </a:rPr>
-              <a:t>hình</a:t>
+              <a:t>đồ</a:t>
             </a:r>
             <a:r>
               <a:rPr lang="en-US" sz="2400" dirty="0">
@@ -10742,7 +14402,7 @@
                 <a:ea typeface="Roboto" panose="02000000000000000000" pitchFamily="2" charset="0"/>
                 <a:cs typeface="Times New Roman" panose="02020603050405020304" pitchFamily="18" charset="0"/>
               </a:rPr>
-              <a:t> </a:t>
+              <a:t> Use case </a:t>
             </a:r>
             <a:r>
               <a:rPr lang="en-US" sz="2400" dirty="0" err="1">
@@ -10750,7 +14410,7 @@
                 <a:ea typeface="Roboto" panose="02000000000000000000" pitchFamily="2" charset="0"/>
                 <a:cs typeface="Times New Roman" panose="02020603050405020304" pitchFamily="18" charset="0"/>
               </a:rPr>
-              <a:t>thực</a:t>
+              <a:t>khách</a:t>
             </a:r>
             <a:r>
               <a:rPr lang="en-US" sz="2400" dirty="0">
@@ -10766,47 +14426,7 @@
                 <a:ea typeface="Roboto" panose="02000000000000000000" pitchFamily="2" charset="0"/>
                 <a:cs typeface="Times New Roman" panose="02020603050405020304" pitchFamily="18" charset="0"/>
               </a:rPr>
-              <a:t>thể</a:t>
-            </a:r>
-            <a:r>
-              <a:rPr lang="en-US" sz="2400" dirty="0">
-                <a:latin typeface="Times New Roman" panose="02020603050405020304" pitchFamily="18" charset="0"/>
-                <a:ea typeface="Roboto" panose="02000000000000000000" pitchFamily="2" charset="0"/>
-                <a:cs typeface="Times New Roman" panose="02020603050405020304" pitchFamily="18" charset="0"/>
-              </a:rPr>
-              <a:t> </a:t>
-            </a:r>
-            <a:r>
-              <a:rPr lang="en-US" sz="2400" dirty="0" err="1">
-                <a:latin typeface="Times New Roman" panose="02020603050405020304" pitchFamily="18" charset="0"/>
-                <a:ea typeface="Roboto" panose="02000000000000000000" pitchFamily="2" charset="0"/>
-                <a:cs typeface="Times New Roman" panose="02020603050405020304" pitchFamily="18" charset="0"/>
-              </a:rPr>
-              <a:t>liên</a:t>
-            </a:r>
-            <a:r>
-              <a:rPr lang="en-US" sz="2400" dirty="0">
-                <a:latin typeface="Times New Roman" panose="02020603050405020304" pitchFamily="18" charset="0"/>
-                <a:ea typeface="Roboto" panose="02000000000000000000" pitchFamily="2" charset="0"/>
-                <a:cs typeface="Times New Roman" panose="02020603050405020304" pitchFamily="18" charset="0"/>
-              </a:rPr>
-              <a:t> </a:t>
-            </a:r>
-            <a:r>
-              <a:rPr lang="en-US" sz="2400" dirty="0" err="1">
-                <a:latin typeface="Times New Roman" panose="02020603050405020304" pitchFamily="18" charset="0"/>
-                <a:ea typeface="Roboto" panose="02000000000000000000" pitchFamily="2" charset="0"/>
-                <a:cs typeface="Times New Roman" panose="02020603050405020304" pitchFamily="18" charset="0"/>
-              </a:rPr>
-              <a:t>kết</a:t>
-            </a:r>
-            <a:r>
-              <a:rPr lang="en-US" sz="2400" dirty="0">
-                <a:latin typeface="Times New Roman" panose="02020603050405020304" pitchFamily="18" charset="0"/>
-                <a:ea typeface="Roboto" panose="02000000000000000000" pitchFamily="2" charset="0"/>
-                <a:cs typeface="Times New Roman" panose="02020603050405020304" pitchFamily="18" charset="0"/>
-              </a:rPr>
-              <a:t> ERD</a:t>
+              <a:t>hàng</a:t>
             </a:r>
             <a:endParaRPr lang="en-US" sz="2400" dirty="0"/>
           </a:p>
@@ -10941,12 +14561,28 @@
               <a:buChar char="v"/>
             </a:pPr>
             <a:r>
+              <a:rPr lang="en-US" sz="2400" dirty="0">
+                <a:latin typeface="Times New Roman" panose="02020603050405020304" pitchFamily="18" charset="0"/>
+                <a:ea typeface="Roboto" panose="02000000000000000000" pitchFamily="2" charset="0"/>
+                <a:cs typeface="Times New Roman" panose="02020603050405020304" pitchFamily="18" charset="0"/>
+              </a:rPr>
+              <a:t>L</a:t>
+            </a:r>
+            <a:r>
+              <a:rPr lang="vi-VN" sz="2400" dirty="0">
+                <a:latin typeface="Times New Roman" panose="02020603050405020304" pitchFamily="18" charset="0"/>
+                <a:ea typeface="Roboto" panose="02000000000000000000" pitchFamily="2" charset="0"/>
+                <a:cs typeface="Times New Roman" panose="02020603050405020304" pitchFamily="18" charset="0"/>
+              </a:rPr>
+              <a:t>ư</a:t>
+            </a:r>
+            <a:r>
               <a:rPr lang="en-US" sz="2400" dirty="0" err="1">
                 <a:latin typeface="Times New Roman" panose="02020603050405020304" pitchFamily="18" charset="0"/>
                 <a:ea typeface="Roboto" panose="02000000000000000000" pitchFamily="2" charset="0"/>
                 <a:cs typeface="Times New Roman" panose="02020603050405020304" pitchFamily="18" charset="0"/>
               </a:rPr>
-              <a:t>Mô</a:t>
+              <a:t>ợc</a:t>
             </a:r>
             <a:r>
               <a:rPr lang="en-US" sz="2400" dirty="0">
@@ -10962,7 +14598,7 @@
                 <a:ea typeface="Roboto" panose="02000000000000000000" pitchFamily="2" charset="0"/>
                 <a:cs typeface="Times New Roman" panose="02020603050405020304" pitchFamily="18" charset="0"/>
               </a:rPr>
-              <a:t>hình</a:t>
+              <a:t>đồ</a:t>
             </a:r>
             <a:r>
               <a:rPr lang="en-US" sz="2400" dirty="0">
@@ -10970,71 +14606,7 @@
                 <a:ea typeface="Roboto" panose="02000000000000000000" pitchFamily="2" charset="0"/>
                 <a:cs typeface="Times New Roman" panose="02020603050405020304" pitchFamily="18" charset="0"/>
               </a:rPr>
-              <a:t> </a:t>
-            </a:r>
-            <a:r>
-              <a:rPr lang="en-US" sz="2400" dirty="0" err="1">
-                <a:latin typeface="Times New Roman" panose="02020603050405020304" pitchFamily="18" charset="0"/>
-                <a:ea typeface="Roboto" panose="02000000000000000000" pitchFamily="2" charset="0"/>
-                <a:cs typeface="Times New Roman" panose="02020603050405020304" pitchFamily="18" charset="0"/>
-              </a:rPr>
-              <a:t>thực</a:t>
-            </a:r>
-            <a:r>
-              <a:rPr lang="en-US" sz="2400" dirty="0">
-                <a:latin typeface="Times New Roman" panose="02020603050405020304" pitchFamily="18" charset="0"/>
-                <a:ea typeface="Roboto" panose="02000000000000000000" pitchFamily="2" charset="0"/>
-                <a:cs typeface="Times New Roman" panose="02020603050405020304" pitchFamily="18" charset="0"/>
-              </a:rPr>
-              <a:t> </a:t>
-            </a:r>
-            <a:r>
-              <a:rPr lang="en-US" sz="2400" dirty="0" err="1">
-                <a:latin typeface="Times New Roman" panose="02020603050405020304" pitchFamily="18" charset="0"/>
-                <a:ea typeface="Roboto" panose="02000000000000000000" pitchFamily="2" charset="0"/>
-                <a:cs typeface="Times New Roman" panose="02020603050405020304" pitchFamily="18" charset="0"/>
-              </a:rPr>
-              <a:t>thể</a:t>
-            </a:r>
-            <a:r>
-              <a:rPr lang="en-US" sz="2400" dirty="0">
-                <a:latin typeface="Times New Roman" panose="02020603050405020304" pitchFamily="18" charset="0"/>
-                <a:ea typeface="Roboto" panose="02000000000000000000" pitchFamily="2" charset="0"/>
-                <a:cs typeface="Times New Roman" panose="02020603050405020304" pitchFamily="18" charset="0"/>
-              </a:rPr>
-              <a:t> </a:t>
-            </a:r>
-            <a:r>
-              <a:rPr lang="en-US" sz="2400" dirty="0" err="1">
-                <a:latin typeface="Times New Roman" panose="02020603050405020304" pitchFamily="18" charset="0"/>
-                <a:ea typeface="Roboto" panose="02000000000000000000" pitchFamily="2" charset="0"/>
-                <a:cs typeface="Times New Roman" panose="02020603050405020304" pitchFamily="18" charset="0"/>
-              </a:rPr>
-              <a:t>liên</a:t>
-            </a:r>
-            <a:r>
-              <a:rPr lang="en-US" sz="2400" dirty="0">
-                <a:latin typeface="Times New Roman" panose="02020603050405020304" pitchFamily="18" charset="0"/>
-                <a:ea typeface="Roboto" panose="02000000000000000000" pitchFamily="2" charset="0"/>
-                <a:cs typeface="Times New Roman" panose="02020603050405020304" pitchFamily="18" charset="0"/>
-              </a:rPr>
-              <a:t> </a:t>
-            </a:r>
-            <a:r>
-              <a:rPr lang="en-US" sz="2400" dirty="0" err="1">
-                <a:latin typeface="Times New Roman" panose="02020603050405020304" pitchFamily="18" charset="0"/>
-                <a:ea typeface="Roboto" panose="02000000000000000000" pitchFamily="2" charset="0"/>
-                <a:cs typeface="Times New Roman" panose="02020603050405020304" pitchFamily="18" charset="0"/>
-              </a:rPr>
-              <a:t>kết</a:t>
-            </a:r>
-            <a:r>
-              <a:rPr lang="en-US" sz="2400" dirty="0">
-                <a:latin typeface="Times New Roman" panose="02020603050405020304" pitchFamily="18" charset="0"/>
-                <a:ea typeface="Roboto" panose="02000000000000000000" pitchFamily="2" charset="0"/>
-                <a:cs typeface="Times New Roman" panose="02020603050405020304" pitchFamily="18" charset="0"/>
-              </a:rPr>
-              <a:t> ERD</a:t>
+              <a:t> Use case admin</a:t>
             </a:r>
             <a:endParaRPr lang="en-US" sz="2400" dirty="0"/>
           </a:p>
@@ -11162,7 +14734,7 @@
                 <a:latin typeface="Times New Roman" panose="02020603050405020304" pitchFamily="18" charset="0"/>
                 <a:cs typeface="Times New Roman" panose="02020603050405020304" pitchFamily="18" charset="0"/>
               </a:rPr>
-              <a:t>III. PHÂN TÍCH HỆ THỐNG</a:t>
+              <a:t>III. PHÂN TÍCH &amp; THIẾT KẾ HỆ THỐNG</a:t>
             </a:r>
           </a:p>
         </p:txBody>
@@ -11199,10 +14771,94 @@
       </p:grpSpPr>
       <p:sp>
         <p:nvSpPr>
-          <p:cNvPr id="15" name="Title 1">
+          <p:cNvPr id="13" name="TextBox 12">
             <a:extLst>
               <a:ext uri="{FF2B5EF4-FFF2-40B4-BE49-F238E27FC236}">
-                <a16:creationId xmlns:a16="http://schemas.microsoft.com/office/drawing/2014/main" id="{2D8E8912-DCC0-462D-925C-639221561CB2}"/>
+                <a16:creationId xmlns:a16="http://schemas.microsoft.com/office/drawing/2014/main" id="{19DC4F66-C4A3-41EA-8A8D-E15145026D08}"/>
+              </a:ext>
+            </a:extLst>
+          </p:cNvPr>
+          <p:cNvSpPr txBox="1"/>
+          <p:nvPr/>
+        </p:nvSpPr>
+        <p:spPr>
+          <a:xfrm>
+            <a:off x="519430" y="1040548"/>
+            <a:ext cx="4804729" cy="461665"/>
+          </a:xfrm>
+          <a:prstGeom prst="rect">
+            <a:avLst/>
+          </a:prstGeom>
+          <a:noFill/>
+        </p:spPr>
+        <p:txBody>
+          <a:bodyPr wrap="square" rtlCol="0">
+            <a:spAutoFit/>
+          </a:bodyPr>
+          <a:lstStyle/>
+          <a:p>
+            <a:pPr marL="342900" indent="-342900">
+              <a:buFont typeface="Wingdings" panose="05000000000000000000" pitchFamily="2" charset="2"/>
+              <a:buChar char="v"/>
+            </a:pPr>
+            <a:r>
+              <a:rPr lang="en-US" sz="2400" dirty="0" err="1">
+                <a:latin typeface="Times New Roman" panose="02020603050405020304" pitchFamily="18" charset="0"/>
+                <a:ea typeface="Roboto" panose="02000000000000000000" pitchFamily="2" charset="0"/>
+                <a:cs typeface="Times New Roman" panose="02020603050405020304" pitchFamily="18" charset="0"/>
+              </a:rPr>
+              <a:t>Chức</a:t>
+            </a:r>
+            <a:r>
+              <a:rPr lang="en-US" sz="2400" dirty="0">
+                <a:latin typeface="Times New Roman" panose="02020603050405020304" pitchFamily="18" charset="0"/>
+                <a:ea typeface="Roboto" panose="02000000000000000000" pitchFamily="2" charset="0"/>
+                <a:cs typeface="Times New Roman" panose="02020603050405020304" pitchFamily="18" charset="0"/>
+              </a:rPr>
+              <a:t> </a:t>
+            </a:r>
+            <a:r>
+              <a:rPr lang="en-US" sz="2400" dirty="0" err="1">
+                <a:latin typeface="Times New Roman" panose="02020603050405020304" pitchFamily="18" charset="0"/>
+                <a:ea typeface="Roboto" panose="02000000000000000000" pitchFamily="2" charset="0"/>
+                <a:cs typeface="Times New Roman" panose="02020603050405020304" pitchFamily="18" charset="0"/>
+              </a:rPr>
+              <a:t>năng</a:t>
+            </a:r>
+            <a:r>
+              <a:rPr lang="en-US" sz="2400" dirty="0">
+                <a:latin typeface="Times New Roman" panose="02020603050405020304" pitchFamily="18" charset="0"/>
+                <a:ea typeface="Roboto" panose="02000000000000000000" pitchFamily="2" charset="0"/>
+                <a:cs typeface="Times New Roman" panose="02020603050405020304" pitchFamily="18" charset="0"/>
+              </a:rPr>
+              <a:t> </a:t>
+            </a:r>
+            <a:r>
+              <a:rPr lang="en-US" sz="2400" dirty="0" err="1">
+                <a:latin typeface="Times New Roman" panose="02020603050405020304" pitchFamily="18" charset="0"/>
+                <a:ea typeface="Roboto" panose="02000000000000000000" pitchFamily="2" charset="0"/>
+                <a:cs typeface="Times New Roman" panose="02020603050405020304" pitchFamily="18" charset="0"/>
+              </a:rPr>
+              <a:t>của</a:t>
+            </a:r>
+            <a:r>
+              <a:rPr lang="en-US" sz="2400" dirty="0">
+                <a:latin typeface="Times New Roman" panose="02020603050405020304" pitchFamily="18" charset="0"/>
+                <a:ea typeface="Roboto" panose="02000000000000000000" pitchFamily="2" charset="0"/>
+                <a:cs typeface="Times New Roman" panose="02020603050405020304" pitchFamily="18" charset="0"/>
+              </a:rPr>
+              <a:t> admin</a:t>
+            </a:r>
+            <a:endParaRPr lang="en-US" sz="2400" dirty="0"/>
+          </a:p>
+        </p:txBody>
+      </p:sp>
+      <p:sp>
+        <p:nvSpPr>
+          <p:cNvPr id="26" name="Title 1">
+            <a:extLst>
+              <a:ext uri="{FF2B5EF4-FFF2-40B4-BE49-F238E27FC236}">
+                <a16:creationId xmlns:a16="http://schemas.microsoft.com/office/drawing/2014/main" id="{B9A36588-B7A6-45F2-AF03-244BAA5D3272}"/>
               </a:ext>
             </a:extLst>
           </p:cNvPr>
@@ -11213,8 +14869,8 @@
         </p:nvSpPr>
         <p:spPr>
           <a:xfrm>
-            <a:off x="301752" y="457200"/>
-            <a:ext cx="8534400" cy="683555"/>
+            <a:off x="554990" y="505858"/>
+            <a:ext cx="8534400" cy="560914"/>
           </a:xfrm>
           <a:prstGeom prst="rect">
             <a:avLst/>
@@ -11253,149 +14909,17 @@
                 <a:latin typeface="Times New Roman" panose="02020603050405020304" pitchFamily="18" charset="0"/>
                 <a:cs typeface="Times New Roman" panose="02020603050405020304" pitchFamily="18" charset="0"/>
               </a:rPr>
-              <a:t>III. PHÂN TÍCH HỆ THỐNG</a:t>
-            </a:r>
-          </a:p>
-        </p:txBody>
-      </p:sp>
-      <p:sp>
-        <p:nvSpPr>
-          <p:cNvPr id="17" name="TextBox 16">
+              <a:t>III. PHÂN TÍCH &amp; THIẾT KẾ HỆ THỐNG</a:t>
+            </a:r>
+          </a:p>
+        </p:txBody>
+      </p:sp>
+      <p:sp>
+        <p:nvSpPr>
+          <p:cNvPr id="2" name="Slide Number Placeholder 1">
             <a:extLst>
               <a:ext uri="{FF2B5EF4-FFF2-40B4-BE49-F238E27FC236}">
-                <a16:creationId xmlns:a16="http://schemas.microsoft.com/office/drawing/2014/main" id="{D8F1E7DF-43FD-4D73-A997-B3BC22AC61DA}"/>
-              </a:ext>
-            </a:extLst>
-          </p:cNvPr>
-          <p:cNvSpPr txBox="1"/>
-          <p:nvPr/>
-        </p:nvSpPr>
-        <p:spPr>
-          <a:xfrm>
-            <a:off x="685800" y="1065533"/>
-            <a:ext cx="4804729" cy="461665"/>
-          </a:xfrm>
-          <a:prstGeom prst="rect">
-            <a:avLst/>
-          </a:prstGeom>
-          <a:noFill/>
-        </p:spPr>
-        <p:txBody>
-          <a:bodyPr wrap="square" rtlCol="0">
-            <a:spAutoFit/>
-          </a:bodyPr>
-          <a:lstStyle/>
-          <a:p>
-            <a:pPr marL="342900" indent="-342900">
-              <a:buFont typeface="Wingdings" panose="05000000000000000000" pitchFamily="2" charset="2"/>
-              <a:buChar char="v"/>
-            </a:pPr>
-            <a:r>
-              <a:rPr lang="en-US" sz="2400" dirty="0" err="1">
-                <a:latin typeface="Times New Roman" panose="02020603050405020304" pitchFamily="18" charset="0"/>
-                <a:ea typeface="Roboto" panose="02000000000000000000" pitchFamily="2" charset="0"/>
-                <a:cs typeface="Times New Roman" panose="02020603050405020304" pitchFamily="18" charset="0"/>
-              </a:rPr>
-              <a:t>Mô</a:t>
-            </a:r>
-            <a:r>
-              <a:rPr lang="en-US" sz="2400" dirty="0">
-                <a:latin typeface="Times New Roman" panose="02020603050405020304" pitchFamily="18" charset="0"/>
-                <a:ea typeface="Roboto" panose="02000000000000000000" pitchFamily="2" charset="0"/>
-                <a:cs typeface="Times New Roman" panose="02020603050405020304" pitchFamily="18" charset="0"/>
-              </a:rPr>
-              <a:t> </a:t>
-            </a:r>
-            <a:r>
-              <a:rPr lang="en-US" sz="2400" dirty="0" err="1">
-                <a:latin typeface="Times New Roman" panose="02020603050405020304" pitchFamily="18" charset="0"/>
-                <a:ea typeface="Roboto" panose="02000000000000000000" pitchFamily="2" charset="0"/>
-                <a:cs typeface="Times New Roman" panose="02020603050405020304" pitchFamily="18" charset="0"/>
-              </a:rPr>
-              <a:t>hình</a:t>
-            </a:r>
-            <a:r>
-              <a:rPr lang="en-US" sz="2400" dirty="0">
-                <a:latin typeface="Times New Roman" panose="02020603050405020304" pitchFamily="18" charset="0"/>
-                <a:ea typeface="Roboto" panose="02000000000000000000" pitchFamily="2" charset="0"/>
-                <a:cs typeface="Times New Roman" panose="02020603050405020304" pitchFamily="18" charset="0"/>
-              </a:rPr>
-              <a:t> </a:t>
-            </a:r>
-            <a:r>
-              <a:rPr lang="en-US" sz="2400" dirty="0" err="1">
-                <a:latin typeface="Times New Roman" panose="02020603050405020304" pitchFamily="18" charset="0"/>
-                <a:ea typeface="Roboto" panose="02000000000000000000" pitchFamily="2" charset="0"/>
-                <a:cs typeface="Times New Roman" panose="02020603050405020304" pitchFamily="18" charset="0"/>
-              </a:rPr>
-              <a:t>thực</a:t>
-            </a:r>
-            <a:r>
-              <a:rPr lang="en-US" sz="2400" dirty="0">
-                <a:latin typeface="Times New Roman" panose="02020603050405020304" pitchFamily="18" charset="0"/>
-                <a:ea typeface="Roboto" panose="02000000000000000000" pitchFamily="2" charset="0"/>
-                <a:cs typeface="Times New Roman" panose="02020603050405020304" pitchFamily="18" charset="0"/>
-              </a:rPr>
-              <a:t> </a:t>
-            </a:r>
-            <a:r>
-              <a:rPr lang="en-US" sz="2400" dirty="0" err="1">
-                <a:latin typeface="Times New Roman" panose="02020603050405020304" pitchFamily="18" charset="0"/>
-                <a:ea typeface="Roboto" panose="02000000000000000000" pitchFamily="2" charset="0"/>
-                <a:cs typeface="Times New Roman" panose="02020603050405020304" pitchFamily="18" charset="0"/>
-              </a:rPr>
-              <a:t>thể</a:t>
-            </a:r>
-            <a:r>
-              <a:rPr lang="en-US" sz="2400" dirty="0">
-                <a:latin typeface="Times New Roman" panose="02020603050405020304" pitchFamily="18" charset="0"/>
-                <a:ea typeface="Roboto" panose="02000000000000000000" pitchFamily="2" charset="0"/>
-                <a:cs typeface="Times New Roman" panose="02020603050405020304" pitchFamily="18" charset="0"/>
-              </a:rPr>
-              <a:t> </a:t>
-            </a:r>
-            <a:r>
-              <a:rPr lang="en-US" sz="2400" dirty="0" err="1">
-                <a:latin typeface="Times New Roman" panose="02020603050405020304" pitchFamily="18" charset="0"/>
-                <a:ea typeface="Roboto" panose="02000000000000000000" pitchFamily="2" charset="0"/>
-                <a:cs typeface="Times New Roman" panose="02020603050405020304" pitchFamily="18" charset="0"/>
-              </a:rPr>
-              <a:t>liên</a:t>
-            </a:r>
-            <a:r>
-              <a:rPr lang="en-US" sz="2400" dirty="0">
-                <a:latin typeface="Times New Roman" panose="02020603050405020304" pitchFamily="18" charset="0"/>
-                <a:ea typeface="Roboto" panose="02000000000000000000" pitchFamily="2" charset="0"/>
-                <a:cs typeface="Times New Roman" panose="02020603050405020304" pitchFamily="18" charset="0"/>
-              </a:rPr>
-              <a:t> </a:t>
-            </a:r>
-            <a:r>
-              <a:rPr lang="en-US" sz="2400" dirty="0" err="1">
-                <a:latin typeface="Times New Roman" panose="02020603050405020304" pitchFamily="18" charset="0"/>
-                <a:ea typeface="Roboto" panose="02000000000000000000" pitchFamily="2" charset="0"/>
-                <a:cs typeface="Times New Roman" panose="02020603050405020304" pitchFamily="18" charset="0"/>
-              </a:rPr>
-              <a:t>kết</a:t>
-            </a:r>
-            <a:r>
-              <a:rPr lang="en-US" sz="2400" dirty="0">
-                <a:latin typeface="Times New Roman" panose="02020603050405020304" pitchFamily="18" charset="0"/>
-                <a:ea typeface="Roboto" panose="02000000000000000000" pitchFamily="2" charset="0"/>
-                <a:cs typeface="Times New Roman" panose="02020603050405020304" pitchFamily="18" charset="0"/>
-              </a:rPr>
-              <a:t> ERD</a:t>
-            </a:r>
-            <a:endParaRPr lang="en-US" sz="2400" dirty="0"/>
-          </a:p>
-        </p:txBody>
-      </p:sp>
-      <p:sp>
-        <p:nvSpPr>
-          <p:cNvPr id="2" name="Slide Number Placeholder 1">
-            <a:extLst>
-              <a:ext uri="{FF2B5EF4-FFF2-40B4-BE49-F238E27FC236}">
-                <a16:creationId xmlns:a16="http://schemas.microsoft.com/office/drawing/2014/main" id="{459987A5-E716-4620-BB07-A0CDDA828230}"/>
+                <a16:creationId xmlns:a16="http://schemas.microsoft.com/office/drawing/2014/main" id="{66F8802A-71EC-4300-AB3B-ECEBC1BAA84F}"/>
               </a:ext>
             </a:extLst>
           </p:cNvPr>
@@ -11422,44 +14946,658 @@
       </p:sp>
       <p:pic>
         <p:nvPicPr>
-          <p:cNvPr id="4" name="Picture 3">
+          <p:cNvPr id="2050" name="Picture 2" descr="Đăng nhập | Chiếu trúc Bình Dương">
             <a:extLst>
               <a:ext uri="{FF2B5EF4-FFF2-40B4-BE49-F238E27FC236}">
-                <a16:creationId xmlns:a16="http://schemas.microsoft.com/office/drawing/2014/main" id="{CCA58337-F22B-41C5-9628-B7C2C0FAE141}"/>
+                <a16:creationId xmlns:a16="http://schemas.microsoft.com/office/drawing/2014/main" id="{E98846A6-71D1-40FA-97EA-6E90D2F76BB6}"/>
               </a:ext>
             </a:extLst>
           </p:cNvPr>
           <p:cNvPicPr>
-            <a:picLocks noChangeAspect="1"/>
+            <a:picLocks noChangeAspect="1" noChangeArrowheads="1"/>
           </p:cNvPicPr>
           <p:nvPr/>
         </p:nvPicPr>
         <p:blipFill>
-          <a:blip r:embed="rId3" cstate="print">
+          <a:blip r:embed="rId3">
             <a:extLst>
               <a:ext uri="{28A0092B-C50C-407E-A947-70E740481C1C}">
                 <a14:useLocalDpi xmlns:a14="http://schemas.microsoft.com/office/drawing/2010/main" val="0"/>
               </a:ext>
             </a:extLst>
           </a:blip>
+          <a:srcRect/>
           <a:stretch>
             <a:fillRect/>
           </a:stretch>
         </p:blipFill>
-        <p:spPr>
+        <p:spPr bwMode="auto">
           <a:xfrm>
-            <a:off x="1600200" y="1006929"/>
-            <a:ext cx="6553200" cy="5851071"/>
+            <a:off x="3276600" y="3048000"/>
+            <a:ext cx="2133600" cy="2143125"/>
           </a:xfrm>
           <a:prstGeom prst="rect">
             <a:avLst/>
           </a:prstGeom>
+          <a:noFill/>
+          <a:extLst>
+            <a:ext uri="{909E8E84-426E-40DD-AFC4-6F175D3DCCD1}">
+              <a14:hiddenFill xmlns:a14="http://schemas.microsoft.com/office/drawing/2010/main">
+                <a:solidFill>
+                  <a:srgbClr val="FFFFFF"/>
+                </a:solidFill>
+              </a14:hiddenFill>
+            </a:ext>
+          </a:extLst>
         </p:spPr>
       </p:pic>
+      <p:sp>
+        <p:nvSpPr>
+          <p:cNvPr id="5" name="Rectangle: Rounded Corners 4">
+            <a:extLst>
+              <a:ext uri="{FF2B5EF4-FFF2-40B4-BE49-F238E27FC236}">
+                <a16:creationId xmlns:a16="http://schemas.microsoft.com/office/drawing/2014/main" id="{6C96D335-04A6-48B4-AB07-10A7DF85C49B}"/>
+              </a:ext>
+            </a:extLst>
+          </p:cNvPr>
+          <p:cNvSpPr/>
+          <p:nvPr/>
+        </p:nvSpPr>
+        <p:spPr>
+          <a:xfrm>
+            <a:off x="6088673" y="2158289"/>
+            <a:ext cx="2616992" cy="914400"/>
+          </a:xfrm>
+          <a:prstGeom prst="roundRect">
+            <a:avLst/>
+          </a:prstGeom>
+          <a:solidFill>
+            <a:schemeClr val="accent2">
+              <a:alpha val="50000"/>
+            </a:schemeClr>
+          </a:solidFill>
+          <a:ln>
+            <a:noFill/>
+          </a:ln>
+        </p:spPr>
+        <p:style>
+          <a:lnRef idx="0">
+            <a:scrgbClr r="0" g="0" b="0"/>
+          </a:lnRef>
+          <a:fillRef idx="0">
+            <a:scrgbClr r="0" g="0" b="0"/>
+          </a:fillRef>
+          <a:effectRef idx="0">
+            <a:scrgbClr r="0" g="0" b="0"/>
+          </a:effectRef>
+          <a:fontRef idx="minor">
+            <a:schemeClr val="lt1"/>
+          </a:fontRef>
+        </p:style>
+        <p:txBody>
+          <a:bodyPr rtlCol="0" anchor="ctr"/>
+          <a:lstStyle/>
+          <a:p>
+            <a:pPr algn="ctr"/>
+            <a:r>
+              <a:rPr lang="en-US" dirty="0" err="1"/>
+              <a:t>Quản</a:t>
+            </a:r>
+            <a:r>
+              <a:rPr lang="en-US" dirty="0"/>
+              <a:t> </a:t>
+            </a:r>
+            <a:r>
+              <a:rPr lang="en-US" dirty="0" err="1"/>
+              <a:t>lý</a:t>
+            </a:r>
+            <a:r>
+              <a:rPr lang="en-US" dirty="0"/>
+              <a:t> </a:t>
+            </a:r>
+            <a:r>
+              <a:rPr lang="en-US" dirty="0" err="1"/>
+              <a:t>nhà</a:t>
+            </a:r>
+            <a:r>
+              <a:rPr lang="en-US" dirty="0"/>
+              <a:t> </a:t>
+            </a:r>
+            <a:r>
+              <a:rPr lang="en-US" dirty="0" err="1"/>
+              <a:t>cung</a:t>
+            </a:r>
+            <a:r>
+              <a:rPr lang="en-US" dirty="0"/>
+              <a:t> </a:t>
+            </a:r>
+            <a:r>
+              <a:rPr lang="en-US" dirty="0" err="1"/>
+              <a:t>cấp</a:t>
+            </a:r>
+            <a:r>
+              <a:rPr lang="en-US" dirty="0"/>
+              <a:t> </a:t>
+            </a:r>
+            <a:r>
+              <a:rPr lang="en-US" dirty="0" err="1"/>
+              <a:t>sp</a:t>
+            </a:r>
+            <a:endParaRPr lang="en-US" dirty="0"/>
+          </a:p>
+        </p:txBody>
+      </p:sp>
+      <p:sp>
+        <p:nvSpPr>
+          <p:cNvPr id="31" name="Rectangle: Rounded Corners 30">
+            <a:extLst>
+              <a:ext uri="{FF2B5EF4-FFF2-40B4-BE49-F238E27FC236}">
+                <a16:creationId xmlns:a16="http://schemas.microsoft.com/office/drawing/2014/main" id="{559B0FFD-0DED-4D45-8327-1FD8C8E1D798}"/>
+              </a:ext>
+            </a:extLst>
+          </p:cNvPr>
+          <p:cNvSpPr/>
+          <p:nvPr/>
+        </p:nvSpPr>
+        <p:spPr>
+          <a:xfrm>
+            <a:off x="484504" y="2608999"/>
+            <a:ext cx="2276159" cy="914400"/>
+          </a:xfrm>
+          <a:prstGeom prst="roundRect">
+            <a:avLst/>
+          </a:prstGeom>
+          <a:solidFill>
+            <a:schemeClr val="accent2">
+              <a:alpha val="50000"/>
+            </a:schemeClr>
+          </a:solidFill>
+          <a:ln>
+            <a:noFill/>
+          </a:ln>
+        </p:spPr>
+        <p:style>
+          <a:lnRef idx="0">
+            <a:scrgbClr r="0" g="0" b="0"/>
+          </a:lnRef>
+          <a:fillRef idx="0">
+            <a:scrgbClr r="0" g="0" b="0"/>
+          </a:fillRef>
+          <a:effectRef idx="0">
+            <a:scrgbClr r="0" g="0" b="0"/>
+          </a:effectRef>
+          <a:fontRef idx="minor">
+            <a:schemeClr val="lt1"/>
+          </a:fontRef>
+        </p:style>
+        <p:txBody>
+          <a:bodyPr rtlCol="0" anchor="ctr"/>
+          <a:lstStyle/>
+          <a:p>
+            <a:pPr algn="ctr"/>
+            <a:r>
+              <a:rPr lang="en-US" dirty="0" err="1"/>
+              <a:t>Quản</a:t>
+            </a:r>
+            <a:r>
+              <a:rPr lang="en-US" dirty="0"/>
+              <a:t> </a:t>
+            </a:r>
+            <a:r>
+              <a:rPr lang="en-US" dirty="0" err="1"/>
+              <a:t>lý</a:t>
+            </a:r>
+            <a:r>
+              <a:rPr lang="en-US" dirty="0"/>
+              <a:t> </a:t>
+            </a:r>
+            <a:r>
+              <a:rPr lang="en-US" dirty="0" err="1"/>
+              <a:t>sản</a:t>
+            </a:r>
+            <a:r>
+              <a:rPr lang="en-US" dirty="0"/>
+              <a:t> </a:t>
+            </a:r>
+            <a:r>
+              <a:rPr lang="en-US" dirty="0" err="1"/>
+              <a:t>phẩm</a:t>
+            </a:r>
+            <a:r>
+              <a:rPr lang="en-US" dirty="0"/>
+              <a:t>, </a:t>
+            </a:r>
+            <a:r>
+              <a:rPr lang="en-US" dirty="0" err="1"/>
+              <a:t>màu</a:t>
+            </a:r>
+            <a:r>
+              <a:rPr lang="en-US" dirty="0"/>
+              <a:t> </a:t>
+            </a:r>
+            <a:r>
+              <a:rPr lang="en-US" dirty="0" err="1"/>
+              <a:t>sắc</a:t>
+            </a:r>
+            <a:r>
+              <a:rPr lang="en-US" dirty="0"/>
+              <a:t>, size</a:t>
+            </a:r>
+          </a:p>
+        </p:txBody>
+      </p:sp>
+      <p:sp>
+        <p:nvSpPr>
+          <p:cNvPr id="32" name="Rectangle: Rounded Corners 31">
+            <a:extLst>
+              <a:ext uri="{FF2B5EF4-FFF2-40B4-BE49-F238E27FC236}">
+                <a16:creationId xmlns:a16="http://schemas.microsoft.com/office/drawing/2014/main" id="{2C3BC474-6EF7-4477-B6EB-6B285251D063}"/>
+              </a:ext>
+            </a:extLst>
+          </p:cNvPr>
+          <p:cNvSpPr/>
+          <p:nvPr/>
+        </p:nvSpPr>
+        <p:spPr>
+          <a:xfrm>
+            <a:off x="304800" y="4276725"/>
+            <a:ext cx="2276159" cy="914400"/>
+          </a:xfrm>
+          <a:prstGeom prst="roundRect">
+            <a:avLst/>
+          </a:prstGeom>
+          <a:solidFill>
+            <a:schemeClr val="accent2">
+              <a:alpha val="50000"/>
+            </a:schemeClr>
+          </a:solidFill>
+          <a:ln>
+            <a:noFill/>
+          </a:ln>
+        </p:spPr>
+        <p:style>
+          <a:lnRef idx="0">
+            <a:scrgbClr r="0" g="0" b="0"/>
+          </a:lnRef>
+          <a:fillRef idx="0">
+            <a:scrgbClr r="0" g="0" b="0"/>
+          </a:fillRef>
+          <a:effectRef idx="0">
+            <a:scrgbClr r="0" g="0" b="0"/>
+          </a:effectRef>
+          <a:fontRef idx="minor">
+            <a:schemeClr val="lt1"/>
+          </a:fontRef>
+        </p:style>
+        <p:txBody>
+          <a:bodyPr rtlCol="0" anchor="ctr"/>
+          <a:lstStyle/>
+          <a:p>
+            <a:pPr algn="ctr"/>
+            <a:r>
+              <a:rPr lang="en-US" dirty="0" err="1"/>
+              <a:t>Quản</a:t>
+            </a:r>
+            <a:r>
+              <a:rPr lang="en-US" dirty="0"/>
+              <a:t> </a:t>
+            </a:r>
+            <a:r>
+              <a:rPr lang="en-US" dirty="0" err="1"/>
+              <a:t>lý</a:t>
+            </a:r>
+            <a:r>
+              <a:rPr lang="en-US" dirty="0"/>
+              <a:t> </a:t>
+            </a:r>
+            <a:r>
+              <a:rPr lang="en-US" dirty="0" err="1"/>
+              <a:t>khuyến</a:t>
+            </a:r>
+            <a:r>
+              <a:rPr lang="en-US" dirty="0"/>
+              <a:t> </a:t>
+            </a:r>
+            <a:r>
+              <a:rPr lang="en-US" dirty="0" err="1"/>
+              <a:t>mãi</a:t>
+            </a:r>
+            <a:endParaRPr lang="en-US" dirty="0"/>
+          </a:p>
+        </p:txBody>
+      </p:sp>
+      <p:sp>
+        <p:nvSpPr>
+          <p:cNvPr id="33" name="Rectangle: Rounded Corners 32">
+            <a:extLst>
+              <a:ext uri="{FF2B5EF4-FFF2-40B4-BE49-F238E27FC236}">
+                <a16:creationId xmlns:a16="http://schemas.microsoft.com/office/drawing/2014/main" id="{8F40AE62-4A27-47AA-A74E-B695DC16E747}"/>
+              </a:ext>
+            </a:extLst>
+          </p:cNvPr>
+          <p:cNvSpPr/>
+          <p:nvPr/>
+        </p:nvSpPr>
+        <p:spPr>
+          <a:xfrm>
+            <a:off x="2295840" y="5624513"/>
+            <a:ext cx="2276159" cy="914400"/>
+          </a:xfrm>
+          <a:prstGeom prst="roundRect">
+            <a:avLst/>
+          </a:prstGeom>
+          <a:solidFill>
+            <a:schemeClr val="accent2">
+              <a:alpha val="50000"/>
+            </a:schemeClr>
+          </a:solidFill>
+          <a:ln>
+            <a:noFill/>
+          </a:ln>
+        </p:spPr>
+        <p:style>
+          <a:lnRef idx="0">
+            <a:scrgbClr r="0" g="0" b="0"/>
+          </a:lnRef>
+          <a:fillRef idx="0">
+            <a:scrgbClr r="0" g="0" b="0"/>
+          </a:fillRef>
+          <a:effectRef idx="0">
+            <a:scrgbClr r="0" g="0" b="0"/>
+          </a:effectRef>
+          <a:fontRef idx="minor">
+            <a:schemeClr val="lt1"/>
+          </a:fontRef>
+        </p:style>
+        <p:txBody>
+          <a:bodyPr rtlCol="0" anchor="ctr"/>
+          <a:lstStyle/>
+          <a:p>
+            <a:pPr algn="ctr"/>
+            <a:r>
+              <a:rPr lang="en-US" dirty="0" err="1"/>
+              <a:t>Quản</a:t>
+            </a:r>
+            <a:r>
+              <a:rPr lang="en-US" dirty="0"/>
+              <a:t> </a:t>
+            </a:r>
+            <a:r>
+              <a:rPr lang="en-US" dirty="0" err="1"/>
+              <a:t>lý</a:t>
+            </a:r>
+            <a:r>
+              <a:rPr lang="en-US" dirty="0"/>
+              <a:t> </a:t>
+            </a:r>
+            <a:r>
+              <a:rPr lang="en-US" dirty="0" err="1"/>
+              <a:t>nhập</a:t>
+            </a:r>
+            <a:r>
+              <a:rPr lang="en-US" dirty="0"/>
+              <a:t> </a:t>
+            </a:r>
+            <a:r>
+              <a:rPr lang="en-US" dirty="0" err="1"/>
+              <a:t>hàng</a:t>
+            </a:r>
+            <a:endParaRPr lang="en-US" dirty="0"/>
+          </a:p>
+        </p:txBody>
+      </p:sp>
+      <p:sp>
+        <p:nvSpPr>
+          <p:cNvPr id="34" name="Rectangle: Rounded Corners 33">
+            <a:extLst>
+              <a:ext uri="{FF2B5EF4-FFF2-40B4-BE49-F238E27FC236}">
+                <a16:creationId xmlns:a16="http://schemas.microsoft.com/office/drawing/2014/main" id="{B1B59F89-73CF-4346-AD53-962D9375810E}"/>
+              </a:ext>
+            </a:extLst>
+          </p:cNvPr>
+          <p:cNvSpPr/>
+          <p:nvPr/>
+        </p:nvSpPr>
+        <p:spPr>
+          <a:xfrm>
+            <a:off x="2859257" y="1655077"/>
+            <a:ext cx="2509679" cy="914400"/>
+          </a:xfrm>
+          <a:prstGeom prst="roundRect">
+            <a:avLst/>
+          </a:prstGeom>
+          <a:solidFill>
+            <a:schemeClr val="accent2">
+              <a:alpha val="50000"/>
+            </a:schemeClr>
+          </a:solidFill>
+          <a:ln>
+            <a:noFill/>
+          </a:ln>
+        </p:spPr>
+        <p:style>
+          <a:lnRef idx="0">
+            <a:scrgbClr r="0" g="0" b="0"/>
+          </a:lnRef>
+          <a:fillRef idx="0">
+            <a:scrgbClr r="0" g="0" b="0"/>
+          </a:fillRef>
+          <a:effectRef idx="0">
+            <a:scrgbClr r="0" g="0" b="0"/>
+          </a:effectRef>
+          <a:fontRef idx="minor">
+            <a:schemeClr val="lt1"/>
+          </a:fontRef>
+        </p:style>
+        <p:txBody>
+          <a:bodyPr rtlCol="0" anchor="ctr"/>
+          <a:lstStyle/>
+          <a:p>
+            <a:pPr algn="ctr"/>
+            <a:r>
+              <a:rPr lang="en-US" dirty="0" err="1"/>
+              <a:t>Quản</a:t>
+            </a:r>
+            <a:r>
+              <a:rPr lang="en-US" dirty="0"/>
+              <a:t> </a:t>
+            </a:r>
+            <a:r>
+              <a:rPr lang="en-US" dirty="0" err="1"/>
+              <a:t>lý</a:t>
+            </a:r>
+            <a:r>
+              <a:rPr lang="en-US" dirty="0"/>
+              <a:t> </a:t>
+            </a:r>
+            <a:r>
+              <a:rPr lang="en-US" dirty="0" err="1"/>
+              <a:t>loại</a:t>
+            </a:r>
+            <a:r>
+              <a:rPr lang="en-US" dirty="0"/>
+              <a:t> </a:t>
+            </a:r>
+            <a:r>
+              <a:rPr lang="en-US" dirty="0" err="1"/>
+              <a:t>sản</a:t>
+            </a:r>
+            <a:r>
+              <a:rPr lang="en-US" dirty="0"/>
+              <a:t> </a:t>
+            </a:r>
+            <a:r>
+              <a:rPr lang="en-US" dirty="0" err="1"/>
+              <a:t>phẩm</a:t>
+            </a:r>
+            <a:endParaRPr lang="en-US" dirty="0"/>
+          </a:p>
+        </p:txBody>
+      </p:sp>
+      <p:sp>
+        <p:nvSpPr>
+          <p:cNvPr id="36" name="Rectangle: Rounded Corners 35">
+            <a:extLst>
+              <a:ext uri="{FF2B5EF4-FFF2-40B4-BE49-F238E27FC236}">
+                <a16:creationId xmlns:a16="http://schemas.microsoft.com/office/drawing/2014/main" id="{BD20FE7D-6BD6-4B16-8326-DF4B20ED2E43}"/>
+              </a:ext>
+            </a:extLst>
+          </p:cNvPr>
+          <p:cNvSpPr/>
+          <p:nvPr/>
+        </p:nvSpPr>
+        <p:spPr>
+          <a:xfrm>
+            <a:off x="6457950" y="3662362"/>
+            <a:ext cx="2214721" cy="914400"/>
+          </a:xfrm>
+          <a:prstGeom prst="roundRect">
+            <a:avLst/>
+          </a:prstGeom>
+          <a:solidFill>
+            <a:schemeClr val="accent2">
+              <a:alpha val="50000"/>
+            </a:schemeClr>
+          </a:solidFill>
+          <a:ln>
+            <a:noFill/>
+          </a:ln>
+        </p:spPr>
+        <p:style>
+          <a:lnRef idx="0">
+            <a:scrgbClr r="0" g="0" b="0"/>
+          </a:lnRef>
+          <a:fillRef idx="0">
+            <a:scrgbClr r="0" g="0" b="0"/>
+          </a:fillRef>
+          <a:effectRef idx="0">
+            <a:scrgbClr r="0" g="0" b="0"/>
+          </a:effectRef>
+          <a:fontRef idx="minor">
+            <a:schemeClr val="lt1"/>
+          </a:fontRef>
+        </p:style>
+        <p:txBody>
+          <a:bodyPr rtlCol="0" anchor="ctr"/>
+          <a:lstStyle/>
+          <a:p>
+            <a:pPr algn="ctr"/>
+            <a:r>
+              <a:rPr lang="en-US" dirty="0" err="1"/>
+              <a:t>Quản</a:t>
+            </a:r>
+            <a:r>
+              <a:rPr lang="en-US" dirty="0"/>
+              <a:t> </a:t>
+            </a:r>
+            <a:r>
+              <a:rPr lang="en-US" dirty="0" err="1"/>
+              <a:t>lý</a:t>
+            </a:r>
+            <a:r>
+              <a:rPr lang="en-US" dirty="0"/>
+              <a:t> </a:t>
+            </a:r>
+            <a:r>
+              <a:rPr lang="en-US" dirty="0" err="1"/>
+              <a:t>nhân</a:t>
+            </a:r>
+            <a:r>
+              <a:rPr lang="en-US" dirty="0"/>
+              <a:t> </a:t>
+            </a:r>
+            <a:r>
+              <a:rPr lang="en-US" dirty="0" err="1"/>
+              <a:t>viên</a:t>
+            </a:r>
+            <a:endParaRPr lang="en-US" dirty="0"/>
+          </a:p>
+        </p:txBody>
+      </p:sp>
+      <p:sp>
+        <p:nvSpPr>
+          <p:cNvPr id="38" name="Rectangle: Rounded Corners 37">
+            <a:extLst>
+              <a:ext uri="{FF2B5EF4-FFF2-40B4-BE49-F238E27FC236}">
+                <a16:creationId xmlns:a16="http://schemas.microsoft.com/office/drawing/2014/main" id="{D66EB0AA-17ED-4990-82BE-D9EE4B08D337}"/>
+              </a:ext>
+            </a:extLst>
+          </p:cNvPr>
+          <p:cNvSpPr/>
+          <p:nvPr/>
+        </p:nvSpPr>
+        <p:spPr>
+          <a:xfrm>
+            <a:off x="5486400" y="5437742"/>
+            <a:ext cx="2214721" cy="914400"/>
+          </a:xfrm>
+          <a:prstGeom prst="roundRect">
+            <a:avLst/>
+          </a:prstGeom>
+          <a:solidFill>
+            <a:schemeClr val="accent2">
+              <a:alpha val="50000"/>
+            </a:schemeClr>
+          </a:solidFill>
+          <a:ln>
+            <a:noFill/>
+          </a:ln>
+        </p:spPr>
+        <p:style>
+          <a:lnRef idx="0">
+            <a:scrgbClr r="0" g="0" b="0"/>
+          </a:lnRef>
+          <a:fillRef idx="0">
+            <a:scrgbClr r="0" g="0" b="0"/>
+          </a:fillRef>
+          <a:effectRef idx="0">
+            <a:scrgbClr r="0" g="0" b="0"/>
+          </a:effectRef>
+          <a:fontRef idx="minor">
+            <a:schemeClr val="lt1"/>
+          </a:fontRef>
+        </p:style>
+        <p:txBody>
+          <a:bodyPr rtlCol="0" anchor="ctr"/>
+          <a:lstStyle/>
+          <a:p>
+            <a:pPr algn="ctr"/>
+            <a:r>
+              <a:rPr lang="en-US" dirty="0" err="1"/>
+              <a:t>Quản</a:t>
+            </a:r>
+            <a:r>
+              <a:rPr lang="en-US" dirty="0"/>
+              <a:t> </a:t>
+            </a:r>
+            <a:r>
+              <a:rPr lang="en-US" dirty="0" err="1"/>
+              <a:t>lý</a:t>
+            </a:r>
+            <a:r>
+              <a:rPr lang="en-US" dirty="0"/>
+              <a:t> đ</a:t>
+            </a:r>
+            <a:r>
+              <a:rPr lang="vi-VN" dirty="0"/>
+              <a:t>ơ</a:t>
+            </a:r>
+            <a:r>
+              <a:rPr lang="en-US" dirty="0"/>
+              <a:t>n </a:t>
+            </a:r>
+            <a:r>
+              <a:rPr lang="en-US" dirty="0" err="1"/>
+              <a:t>hàng</a:t>
+            </a:r>
+            <a:endParaRPr lang="en-US" dirty="0"/>
+          </a:p>
+        </p:txBody>
+      </p:sp>
     </p:spTree>
     <p:extLst>
       <p:ext uri="{BB962C8B-B14F-4D97-AF65-F5344CB8AC3E}">
-        <p14:creationId xmlns:p14="http://schemas.microsoft.com/office/powerpoint/2010/main" val="1675974088"/>
+        <p14:creationId xmlns:p14="http://schemas.microsoft.com/office/powerpoint/2010/main" val="3741222515"/>
       </p:ext>
     </p:extLst>
   </p:cSld>
@@ -11488,76 +15626,10 @@
       </p:grpSpPr>
       <p:sp>
         <p:nvSpPr>
-          <p:cNvPr id="2" name="Slide Number Placeholder 1">
+          <p:cNvPr id="15" name="Title 1">
             <a:extLst>
               <a:ext uri="{FF2B5EF4-FFF2-40B4-BE49-F238E27FC236}">
-                <a16:creationId xmlns:a16="http://schemas.microsoft.com/office/drawing/2014/main" id="{52272A4F-CAA2-44AB-AEDA-1A80918881C3}"/>
-              </a:ext>
-            </a:extLst>
-          </p:cNvPr>
-          <p:cNvSpPr>
-            <a:spLocks noGrp="1"/>
-          </p:cNvSpPr>
-          <p:nvPr>
-            <p:ph type="sldNum" sz="quarter" idx="12"/>
-          </p:nvPr>
-        </p:nvSpPr>
-        <p:spPr/>
-        <p:txBody>
-          <a:bodyPr/>
-          <a:lstStyle/>
-          <a:p>
-            <a:fld id="{B6F15528-21DE-4FAA-801E-634DDDAF4B2B}" type="slidenum">
-              <a:rPr lang="en-US" smtClean="0"/>
-              <a:pPr/>
-              <a:t>9</a:t>
-            </a:fld>
-            <a:endParaRPr lang="en-US"/>
-          </a:p>
-        </p:txBody>
-      </p:sp>
-      <p:pic>
-        <p:nvPicPr>
-          <p:cNvPr id="6" name="Picture 5">
-            <a:extLst>
-              <a:ext uri="{FF2B5EF4-FFF2-40B4-BE49-F238E27FC236}">
-                <a16:creationId xmlns:a16="http://schemas.microsoft.com/office/drawing/2014/main" id="{35D00951-A520-4294-B907-A05F8A1621E2}"/>
-              </a:ext>
-            </a:extLst>
-          </p:cNvPr>
-          <p:cNvPicPr>
-            <a:picLocks noChangeAspect="1"/>
-          </p:cNvPicPr>
-          <p:nvPr/>
-        </p:nvPicPr>
-        <p:blipFill>
-          <a:blip r:embed="rId3" cstate="print">
-            <a:extLst>
-              <a:ext uri="{28A0092B-C50C-407E-A947-70E740481C1C}">
-                <a14:useLocalDpi xmlns:a14="http://schemas.microsoft.com/office/drawing/2010/main" val="0"/>
-              </a:ext>
-            </a:extLst>
-          </a:blip>
-          <a:stretch>
-            <a:fillRect/>
-          </a:stretch>
-        </p:blipFill>
-        <p:spPr>
-          <a:xfrm>
-            <a:off x="30480" y="1442303"/>
-            <a:ext cx="9144000" cy="5279173"/>
-          </a:xfrm>
-          <a:prstGeom prst="rect">
-            <a:avLst/>
-          </a:prstGeom>
-        </p:spPr>
-      </p:pic>
-      <p:sp>
-        <p:nvSpPr>
-          <p:cNvPr id="7" name="Title 1">
-            <a:extLst>
-              <a:ext uri="{FF2B5EF4-FFF2-40B4-BE49-F238E27FC236}">
-                <a16:creationId xmlns:a16="http://schemas.microsoft.com/office/drawing/2014/main" id="{6DD8A123-F2C3-47CD-AE5B-261C99803F9A}"/>
+                <a16:creationId xmlns:a16="http://schemas.microsoft.com/office/drawing/2014/main" id="{2D8E8912-DCC0-462D-925C-639221561CB2}"/>
               </a:ext>
             </a:extLst>
           </p:cNvPr>
@@ -11608,17 +15680,17 @@
                 <a:latin typeface="Times New Roman" panose="02020603050405020304" pitchFamily="18" charset="0"/>
                 <a:cs typeface="Times New Roman" panose="02020603050405020304" pitchFamily="18" charset="0"/>
               </a:rPr>
-              <a:t>III. PHÂN TÍCH HỆ THỐNG</a:t>
-            </a:r>
-          </a:p>
-        </p:txBody>
-      </p:sp>
-      <p:sp>
-        <p:nvSpPr>
-          <p:cNvPr id="8" name="TextBox 7">
+              <a:t>III. PHÂN TÍCH &amp; THIẾT KẾ HỆ THỐNG</a:t>
+            </a:r>
+          </a:p>
+        </p:txBody>
+      </p:sp>
+      <p:sp>
+        <p:nvSpPr>
+          <p:cNvPr id="17" name="TextBox 16">
             <a:extLst>
               <a:ext uri="{FF2B5EF4-FFF2-40B4-BE49-F238E27FC236}">
-                <a16:creationId xmlns:a16="http://schemas.microsoft.com/office/drawing/2014/main" id="{204F6F86-DB74-4BFB-A177-C82230FAFF5F}"/>
+                <a16:creationId xmlns:a16="http://schemas.microsoft.com/office/drawing/2014/main" id="{D8F1E7DF-43FD-4D73-A997-B3BC22AC61DA}"/>
               </a:ext>
             </a:extLst>
           </p:cNvPr>
@@ -11627,7 +15699,7 @@
         </p:nvSpPr>
         <p:spPr>
           <a:xfrm>
-            <a:off x="681671" y="1066800"/>
+            <a:off x="685800" y="1065533"/>
             <a:ext cx="4804729" cy="461665"/>
           </a:xfrm>
           <a:prstGeom prst="rect">
@@ -11745,10 +15817,76 @@
           </a:p>
         </p:txBody>
       </p:sp>
+      <p:sp>
+        <p:nvSpPr>
+          <p:cNvPr id="2" name="Slide Number Placeholder 1">
+            <a:extLst>
+              <a:ext uri="{FF2B5EF4-FFF2-40B4-BE49-F238E27FC236}">
+                <a16:creationId xmlns:a16="http://schemas.microsoft.com/office/drawing/2014/main" id="{459987A5-E716-4620-BB07-A0CDDA828230}"/>
+              </a:ext>
+            </a:extLst>
+          </p:cNvPr>
+          <p:cNvSpPr>
+            <a:spLocks noGrp="1"/>
+          </p:cNvSpPr>
+          <p:nvPr>
+            <p:ph type="sldNum" sz="quarter" idx="12"/>
+          </p:nvPr>
+        </p:nvSpPr>
+        <p:spPr/>
+        <p:txBody>
+          <a:bodyPr/>
+          <a:lstStyle/>
+          <a:p>
+            <a:fld id="{B6F15528-21DE-4FAA-801E-634DDDAF4B2B}" type="slidenum">
+              <a:rPr lang="en-US" smtClean="0"/>
+              <a:pPr/>
+              <a:t>9</a:t>
+            </a:fld>
+            <a:endParaRPr lang="en-US"/>
+          </a:p>
+        </p:txBody>
+      </p:sp>
+      <p:pic>
+        <p:nvPicPr>
+          <p:cNvPr id="4" name="Picture 3">
+            <a:extLst>
+              <a:ext uri="{FF2B5EF4-FFF2-40B4-BE49-F238E27FC236}">
+                <a16:creationId xmlns:a16="http://schemas.microsoft.com/office/drawing/2014/main" id="{CCA58337-F22B-41C5-9628-B7C2C0FAE141}"/>
+              </a:ext>
+            </a:extLst>
+          </p:cNvPr>
+          <p:cNvPicPr>
+            <a:picLocks noChangeAspect="1"/>
+          </p:cNvPicPr>
+          <p:nvPr/>
+        </p:nvPicPr>
+        <p:blipFill>
+          <a:blip r:embed="rId3" cstate="print">
+            <a:extLst>
+              <a:ext uri="{28A0092B-C50C-407E-A947-70E740481C1C}">
+                <a14:useLocalDpi xmlns:a14="http://schemas.microsoft.com/office/drawing/2010/main" val="0"/>
+              </a:ext>
+            </a:extLst>
+          </a:blip>
+          <a:stretch>
+            <a:fillRect/>
+          </a:stretch>
+        </p:blipFill>
+        <p:spPr>
+          <a:xfrm>
+            <a:off x="1600200" y="1006929"/>
+            <a:ext cx="6553200" cy="5851071"/>
+          </a:xfrm>
+          <a:prstGeom prst="rect">
+            <a:avLst/>
+          </a:prstGeom>
+        </p:spPr>
+      </p:pic>
     </p:spTree>
     <p:extLst>
       <p:ext uri="{BB962C8B-B14F-4D97-AF65-F5344CB8AC3E}">
-        <p14:creationId xmlns:p14="http://schemas.microsoft.com/office/powerpoint/2010/main" val="2526063341"/>
+        <p14:creationId xmlns:p14="http://schemas.microsoft.com/office/powerpoint/2010/main" val="1675974088"/>
       </p:ext>
     </p:extLst>
   </p:cSld>

--- a/DATN_PhamThiThuy.pptx
+++ b/DATN_PhamThiThuy.pptx
@@ -17,8 +17,8 @@
     <p:sldId id="259" r:id="rId5"/>
     <p:sldId id="260" r:id="rId6"/>
     <p:sldId id="261" r:id="rId7"/>
-    <p:sldId id="292" r:id="rId8"/>
-    <p:sldId id="297" r:id="rId9"/>
+    <p:sldId id="297" r:id="rId8"/>
+    <p:sldId id="292" r:id="rId9"/>
     <p:sldId id="294" r:id="rId10"/>
     <p:sldId id="291" r:id="rId11"/>
     <p:sldId id="293" r:id="rId12"/>
@@ -239,7 +239,7 @@
           <a:p>
             <a:fld id="{25DD1B1C-C497-421F-B06C-F532CF0F9785}" type="datetimeFigureOut">
               <a:rPr lang="en-US" smtClean="0"/>
-              <a:t>2020-12-11</a:t>
+              <a:t>2020-12-16</a:t>
             </a:fld>
             <a:endParaRPr lang="en-US"/>
           </a:p>
@@ -417,7 +417,7 @@
           <a:p>
             <a:fld id="{7CD4A5DF-C9ED-4331-9C0A-D1B49AAB54A9}" type="datetimeFigureOut">
               <a:rPr lang="en-US" smtClean="0"/>
-              <a:t>2020-12-11</a:t>
+              <a:t>2020-12-16</a:t>
             </a:fld>
             <a:endParaRPr lang="en-US"/>
           </a:p>
@@ -1821,7 +1821,7 @@
           <a:bodyPr/>
           <a:lstStyle/>
           <a:p>
-            <a:endParaRPr lang="en-US" dirty="0"/>
+            <a:endParaRPr lang="en-US"/>
           </a:p>
         </p:txBody>
       </p:sp>
@@ -1851,7 +1851,7 @@
     </p:spTree>
     <p:extLst>
       <p:ext uri="{BB962C8B-B14F-4D97-AF65-F5344CB8AC3E}">
-        <p14:creationId xmlns:p14="http://schemas.microsoft.com/office/powerpoint/2010/main" val="870631648"/>
+        <p14:creationId xmlns:p14="http://schemas.microsoft.com/office/powerpoint/2010/main" val="590502251"/>
       </p:ext>
     </p:extLst>
   </p:cSld>
@@ -1905,7 +1905,7 @@
           <a:bodyPr/>
           <a:lstStyle/>
           <a:p>
-            <a:endParaRPr lang="en-US"/>
+            <a:endParaRPr lang="en-US" dirty="0"/>
           </a:p>
         </p:txBody>
       </p:sp>
@@ -1935,7 +1935,7 @@
     </p:spTree>
     <p:extLst>
       <p:ext uri="{BB962C8B-B14F-4D97-AF65-F5344CB8AC3E}">
-        <p14:creationId xmlns:p14="http://schemas.microsoft.com/office/powerpoint/2010/main" val="590502251"/>
+        <p14:creationId xmlns:p14="http://schemas.microsoft.com/office/powerpoint/2010/main" val="870631648"/>
       </p:ext>
     </p:extLst>
   </p:cSld>
@@ -2176,7 +2176,7 @@
           <a:p>
             <a:fld id="{913B9D1B-8B7F-4F2A-BB55-C21DE162B8AE}" type="datetime1">
               <a:rPr lang="vi-VN" smtClean="0"/>
-              <a:t>11/12/2020</a:t>
+              <a:t>16/12/2020</a:t>
             </a:fld>
             <a:endParaRPr lang="en-US"/>
           </a:p>
@@ -2375,7 +2375,7 @@
           <a:p>
             <a:fld id="{54C2DB50-FFA4-4032-9F03-8BC477969725}" type="datetime1">
               <a:rPr lang="vi-VN" smtClean="0"/>
-              <a:t>11/12/2020</a:t>
+              <a:t>16/12/2020</a:t>
             </a:fld>
             <a:endParaRPr lang="en-US"/>
           </a:p>
@@ -2584,7 +2584,7 @@
           <a:p>
             <a:fld id="{ABE0B1BD-9F28-4969-BFBF-2AC2D08FF176}" type="datetime1">
               <a:rPr lang="vi-VN" smtClean="0"/>
-              <a:t>11/12/2020</a:t>
+              <a:t>16/12/2020</a:t>
             </a:fld>
             <a:endParaRPr lang="en-US"/>
           </a:p>
@@ -2783,7 +2783,7 @@
           <a:p>
             <a:fld id="{4AE99753-14BD-4C19-89AD-69A137A5857A}" type="datetime1">
               <a:rPr lang="vi-VN" smtClean="0"/>
-              <a:t>11/12/2020</a:t>
+              <a:t>16/12/2020</a:t>
             </a:fld>
             <a:endParaRPr lang="en-US"/>
           </a:p>
@@ -3059,7 +3059,7 @@
           <a:p>
             <a:fld id="{D65F6F36-BB06-4F13-9611-851319F3392B}" type="datetime1">
               <a:rPr lang="vi-VN" smtClean="0"/>
-              <a:t>11/12/2020</a:t>
+              <a:t>16/12/2020</a:t>
             </a:fld>
             <a:endParaRPr lang="en-US"/>
           </a:p>
@@ -3325,7 +3325,7 @@
           <a:p>
             <a:fld id="{17D20409-82E2-4CE7-923C-CF5475366411}" type="datetime1">
               <a:rPr lang="vi-VN" smtClean="0"/>
-              <a:t>11/12/2020</a:t>
+              <a:t>16/12/2020</a:t>
             </a:fld>
             <a:endParaRPr lang="en-US"/>
           </a:p>
@@ -3738,7 +3738,7 @@
           <a:p>
             <a:fld id="{D6B602A3-B6BD-4B11-9EF7-A6995DD1D891}" type="datetime1">
               <a:rPr lang="vi-VN" smtClean="0"/>
-              <a:t>11/12/2020</a:t>
+              <a:t>16/12/2020</a:t>
             </a:fld>
             <a:endParaRPr lang="en-US"/>
           </a:p>
@@ -3880,7 +3880,7 @@
           <a:p>
             <a:fld id="{BD5774EA-1465-4714-ABCA-238E21FB1E99}" type="datetime1">
               <a:rPr lang="vi-VN" smtClean="0"/>
-              <a:t>11/12/2020</a:t>
+              <a:t>16/12/2020</a:t>
             </a:fld>
             <a:endParaRPr lang="en-US"/>
           </a:p>
@@ -3994,7 +3994,7 @@
           <a:p>
             <a:fld id="{1393677C-A199-48B1-9AE1-138834C1B67E}" type="datetime1">
               <a:rPr lang="vi-VN" smtClean="0"/>
-              <a:t>11/12/2020</a:t>
+              <a:t>16/12/2020</a:t>
             </a:fld>
             <a:endParaRPr lang="en-US"/>
           </a:p>
@@ -4306,7 +4306,7 @@
           <a:p>
             <a:fld id="{B6459F17-2D45-4809-A88D-60C6D948D5D9}" type="datetime1">
               <a:rPr lang="vi-VN" smtClean="0"/>
-              <a:t>11/12/2020</a:t>
+              <a:t>16/12/2020</a:t>
             </a:fld>
             <a:endParaRPr lang="en-US"/>
           </a:p>
@@ -4595,7 +4595,7 @@
           <a:p>
             <a:fld id="{B806E17E-5A62-4990-8004-1AAC05D07EF7}" type="datetime1">
               <a:rPr lang="vi-VN" smtClean="0"/>
-              <a:t>11/12/2020</a:t>
+              <a:t>16/12/2020</a:t>
             </a:fld>
             <a:endParaRPr lang="en-US"/>
           </a:p>
@@ -4837,7 +4837,7 @@
           <a:p>
             <a:fld id="{32F45394-1329-4267-AC9F-AB803F30FFC4}" type="datetime1">
               <a:rPr lang="vi-VN" smtClean="0"/>
-              <a:t>11/12/2020</a:t>
+              <a:t>16/12/2020</a:t>
             </a:fld>
             <a:endParaRPr lang="en-US"/>
           </a:p>
@@ -14530,10 +14530,10 @@
       </p:grpSpPr>
       <p:sp>
         <p:nvSpPr>
-          <p:cNvPr id="17" name="TextBox 16">
+          <p:cNvPr id="13" name="TextBox 12">
             <a:extLst>
               <a:ext uri="{FF2B5EF4-FFF2-40B4-BE49-F238E27FC236}">
-                <a16:creationId xmlns:a16="http://schemas.microsoft.com/office/drawing/2014/main" id="{D8F1E7DF-43FD-4D73-A997-B3BC22AC61DA}"/>
+                <a16:creationId xmlns:a16="http://schemas.microsoft.com/office/drawing/2014/main" id="{19DC4F66-C4A3-41EA-8A8D-E15145026D08}"/>
               </a:ext>
             </a:extLst>
           </p:cNvPr>
@@ -14542,7 +14542,7 @@
         </p:nvSpPr>
         <p:spPr>
           <a:xfrm>
-            <a:off x="681671" y="1066800"/>
+            <a:off x="519430" y="1040548"/>
             <a:ext cx="4804729" cy="461665"/>
           </a:xfrm>
           <a:prstGeom prst="rect">
@@ -14561,20 +14561,36 @@
               <a:buChar char="v"/>
             </a:pPr>
             <a:r>
+              <a:rPr lang="en-US" sz="2400" dirty="0" err="1">
+                <a:latin typeface="Times New Roman" panose="02020603050405020304" pitchFamily="18" charset="0"/>
+                <a:ea typeface="Roboto" panose="02000000000000000000" pitchFamily="2" charset="0"/>
+                <a:cs typeface="Times New Roman" panose="02020603050405020304" pitchFamily="18" charset="0"/>
+              </a:rPr>
+              <a:t>Chức</a:t>
+            </a:r>
+            <a:r>
               <a:rPr lang="en-US" sz="2400" dirty="0">
                 <a:latin typeface="Times New Roman" panose="02020603050405020304" pitchFamily="18" charset="0"/>
                 <a:ea typeface="Roboto" panose="02000000000000000000" pitchFamily="2" charset="0"/>
                 <a:cs typeface="Times New Roman" panose="02020603050405020304" pitchFamily="18" charset="0"/>
               </a:rPr>
-              <a:t>L</a:t>
-            </a:r>
-            <a:r>
-              <a:rPr lang="vi-VN" sz="2400" dirty="0">
+              <a:t> </a:t>
+            </a:r>
+            <a:r>
+              <a:rPr lang="en-US" sz="2400" dirty="0" err="1">
                 <a:latin typeface="Times New Roman" panose="02020603050405020304" pitchFamily="18" charset="0"/>
                 <a:ea typeface="Roboto" panose="02000000000000000000" pitchFamily="2" charset="0"/>
                 <a:cs typeface="Times New Roman" panose="02020603050405020304" pitchFamily="18" charset="0"/>
               </a:rPr>
-              <a:t>ư</a:t>
+              <a:t>năng</a:t>
+            </a:r>
+            <a:r>
+              <a:rPr lang="en-US" sz="2400" dirty="0">
+                <a:latin typeface="Times New Roman" panose="02020603050405020304" pitchFamily="18" charset="0"/>
+                <a:ea typeface="Roboto" panose="02000000000000000000" pitchFamily="2" charset="0"/>
+                <a:cs typeface="Times New Roman" panose="02020603050405020304" pitchFamily="18" charset="0"/>
+              </a:rPr>
+              <a:t> </a:t>
             </a:r>
             <a:r>
               <a:rPr lang="en-US" sz="2400" dirty="0" err="1">
@@ -14582,7 +14598,7 @@
                 <a:ea typeface="Roboto" panose="02000000000000000000" pitchFamily="2" charset="0"/>
                 <a:cs typeface="Times New Roman" panose="02020603050405020304" pitchFamily="18" charset="0"/>
               </a:rPr>
-              <a:t>ợc</a:t>
+              <a:t>của</a:t>
             </a:r>
             <a:r>
               <a:rPr lang="en-US" sz="2400" dirty="0">
@@ -14590,23 +14606,7 @@
                 <a:ea typeface="Roboto" panose="02000000000000000000" pitchFamily="2" charset="0"/>
                 <a:cs typeface="Times New Roman" panose="02020603050405020304" pitchFamily="18" charset="0"/>
               </a:rPr>
-              <a:t> </a:t>
-            </a:r>
-            <a:r>
-              <a:rPr lang="en-US" sz="2400" dirty="0" err="1">
-                <a:latin typeface="Times New Roman" panose="02020603050405020304" pitchFamily="18" charset="0"/>
-                <a:ea typeface="Roboto" panose="02000000000000000000" pitchFamily="2" charset="0"/>
-                <a:cs typeface="Times New Roman" panose="02020603050405020304" pitchFamily="18" charset="0"/>
-              </a:rPr>
-              <a:t>đồ</a:t>
-            </a:r>
-            <a:r>
-              <a:rPr lang="en-US" sz="2400" dirty="0">
-                <a:latin typeface="Times New Roman" panose="02020603050405020304" pitchFamily="18" charset="0"/>
-                <a:ea typeface="Roboto" panose="02000000000000000000" pitchFamily="2" charset="0"/>
-                <a:cs typeface="Times New Roman" panose="02020603050405020304" pitchFamily="18" charset="0"/>
-              </a:rPr>
-              <a:t> Use case admin</a:t>
+              <a:t> admin</a:t>
             </a:r>
             <a:endParaRPr lang="en-US" sz="2400" dirty="0"/>
           </a:p>
@@ -14614,76 +14614,10 @@
       </p:sp>
       <p:sp>
         <p:nvSpPr>
-          <p:cNvPr id="2" name="Slide Number Placeholder 1">
+          <p:cNvPr id="26" name="Title 1">
             <a:extLst>
               <a:ext uri="{FF2B5EF4-FFF2-40B4-BE49-F238E27FC236}">
-                <a16:creationId xmlns:a16="http://schemas.microsoft.com/office/drawing/2014/main" id="{459987A5-E716-4620-BB07-A0CDDA828230}"/>
-              </a:ext>
-            </a:extLst>
-          </p:cNvPr>
-          <p:cNvSpPr>
-            <a:spLocks noGrp="1"/>
-          </p:cNvSpPr>
-          <p:nvPr>
-            <p:ph type="sldNum" sz="quarter" idx="12"/>
-          </p:nvPr>
-        </p:nvSpPr>
-        <p:spPr/>
-        <p:txBody>
-          <a:bodyPr/>
-          <a:lstStyle/>
-          <a:p>
-            <a:fld id="{B6F15528-21DE-4FAA-801E-634DDDAF4B2B}" type="slidenum">
-              <a:rPr lang="en-US" smtClean="0"/>
-              <a:pPr/>
-              <a:t>7</a:t>
-            </a:fld>
-            <a:endParaRPr lang="en-US"/>
-          </a:p>
-        </p:txBody>
-      </p:sp>
-      <p:pic>
-        <p:nvPicPr>
-          <p:cNvPr id="4" name="Picture 3">
-            <a:extLst>
-              <a:ext uri="{FF2B5EF4-FFF2-40B4-BE49-F238E27FC236}">
-                <a16:creationId xmlns:a16="http://schemas.microsoft.com/office/drawing/2014/main" id="{CE7EB83C-9563-41C4-BED6-129C2EA1B6A3}"/>
-              </a:ext>
-            </a:extLst>
-          </p:cNvPr>
-          <p:cNvPicPr>
-            <a:picLocks noChangeAspect="1"/>
-          </p:cNvPicPr>
-          <p:nvPr/>
-        </p:nvPicPr>
-        <p:blipFill>
-          <a:blip r:embed="rId3" cstate="print">
-            <a:extLst>
-              <a:ext uri="{28A0092B-C50C-407E-A947-70E740481C1C}">
-                <a14:useLocalDpi xmlns:a14="http://schemas.microsoft.com/office/drawing/2010/main" val="0"/>
-              </a:ext>
-            </a:extLst>
-          </a:blip>
-          <a:stretch>
-            <a:fillRect/>
-          </a:stretch>
-        </p:blipFill>
-        <p:spPr>
-          <a:xfrm>
-            <a:off x="1143000" y="1433837"/>
-            <a:ext cx="6988571" cy="5299095"/>
-          </a:xfrm>
-          <a:prstGeom prst="rect">
-            <a:avLst/>
-          </a:prstGeom>
-        </p:spPr>
-      </p:pic>
-      <p:sp>
-        <p:nvSpPr>
-          <p:cNvPr id="9" name="Title 1">
-            <a:extLst>
-              <a:ext uri="{FF2B5EF4-FFF2-40B4-BE49-F238E27FC236}">
-                <a16:creationId xmlns:a16="http://schemas.microsoft.com/office/drawing/2014/main" id="{69C7D1DC-8CE4-4070-9783-CB4CB0AC3DE0}"/>
+                <a16:creationId xmlns:a16="http://schemas.microsoft.com/office/drawing/2014/main" id="{B9A36588-B7A6-45F2-AF03-244BAA5D3272}"/>
               </a:ext>
             </a:extLst>
           </p:cNvPr>
@@ -14694,8 +14628,8 @@
         </p:nvSpPr>
         <p:spPr>
           <a:xfrm>
-            <a:off x="301752" y="457200"/>
-            <a:ext cx="8534400" cy="683555"/>
+            <a:off x="554990" y="505858"/>
+            <a:ext cx="8534400" cy="560914"/>
           </a:xfrm>
           <a:prstGeom prst="rect">
             <a:avLst/>
@@ -14739,181 +14673,6 @@
           </a:p>
         </p:txBody>
       </p:sp>
-    </p:spTree>
-    <p:extLst>
-      <p:ext uri="{BB962C8B-B14F-4D97-AF65-F5344CB8AC3E}">
-        <p14:creationId xmlns:p14="http://schemas.microsoft.com/office/powerpoint/2010/main" val="1707396965"/>
-      </p:ext>
-    </p:extLst>
-  </p:cSld>
-  <p:clrMapOvr>
-    <a:masterClrMapping/>
-  </p:clrMapOvr>
-</p:sld>
-</file>
-
-<file path=ppt/slides/slide8.xml><?xml version="1.0" encoding="utf-8"?>
-<p:sld xmlns:a="http://schemas.openxmlformats.org/drawingml/2006/main" xmlns:r="http://schemas.openxmlformats.org/officeDocument/2006/relationships" xmlns:p="http://schemas.openxmlformats.org/presentationml/2006/main">
-  <p:cSld>
-    <p:spTree>
-      <p:nvGrpSpPr>
-        <p:cNvPr id="1" name=""/>
-        <p:cNvGrpSpPr/>
-        <p:nvPr/>
-      </p:nvGrpSpPr>
-      <p:grpSpPr>
-        <a:xfrm>
-          <a:off x="0" y="0"/>
-          <a:ext cx="0" cy="0"/>
-          <a:chOff x="0" y="0"/>
-          <a:chExt cx="0" cy="0"/>
-        </a:xfrm>
-      </p:grpSpPr>
-      <p:sp>
-        <p:nvSpPr>
-          <p:cNvPr id="13" name="TextBox 12">
-            <a:extLst>
-              <a:ext uri="{FF2B5EF4-FFF2-40B4-BE49-F238E27FC236}">
-                <a16:creationId xmlns:a16="http://schemas.microsoft.com/office/drawing/2014/main" id="{19DC4F66-C4A3-41EA-8A8D-E15145026D08}"/>
-              </a:ext>
-            </a:extLst>
-          </p:cNvPr>
-          <p:cNvSpPr txBox="1"/>
-          <p:nvPr/>
-        </p:nvSpPr>
-        <p:spPr>
-          <a:xfrm>
-            <a:off x="519430" y="1040548"/>
-            <a:ext cx="4804729" cy="461665"/>
-          </a:xfrm>
-          <a:prstGeom prst="rect">
-            <a:avLst/>
-          </a:prstGeom>
-          <a:noFill/>
-        </p:spPr>
-        <p:txBody>
-          <a:bodyPr wrap="square" rtlCol="0">
-            <a:spAutoFit/>
-          </a:bodyPr>
-          <a:lstStyle/>
-          <a:p>
-            <a:pPr marL="342900" indent="-342900">
-              <a:buFont typeface="Wingdings" panose="05000000000000000000" pitchFamily="2" charset="2"/>
-              <a:buChar char="v"/>
-            </a:pPr>
-            <a:r>
-              <a:rPr lang="en-US" sz="2400" dirty="0" err="1">
-                <a:latin typeface="Times New Roman" panose="02020603050405020304" pitchFamily="18" charset="0"/>
-                <a:ea typeface="Roboto" panose="02000000000000000000" pitchFamily="2" charset="0"/>
-                <a:cs typeface="Times New Roman" panose="02020603050405020304" pitchFamily="18" charset="0"/>
-              </a:rPr>
-              <a:t>Chức</a:t>
-            </a:r>
-            <a:r>
-              <a:rPr lang="en-US" sz="2400" dirty="0">
-                <a:latin typeface="Times New Roman" panose="02020603050405020304" pitchFamily="18" charset="0"/>
-                <a:ea typeface="Roboto" panose="02000000000000000000" pitchFamily="2" charset="0"/>
-                <a:cs typeface="Times New Roman" panose="02020603050405020304" pitchFamily="18" charset="0"/>
-              </a:rPr>
-              <a:t> </a:t>
-            </a:r>
-            <a:r>
-              <a:rPr lang="en-US" sz="2400" dirty="0" err="1">
-                <a:latin typeface="Times New Roman" panose="02020603050405020304" pitchFamily="18" charset="0"/>
-                <a:ea typeface="Roboto" panose="02000000000000000000" pitchFamily="2" charset="0"/>
-                <a:cs typeface="Times New Roman" panose="02020603050405020304" pitchFamily="18" charset="0"/>
-              </a:rPr>
-              <a:t>năng</a:t>
-            </a:r>
-            <a:r>
-              <a:rPr lang="en-US" sz="2400" dirty="0">
-                <a:latin typeface="Times New Roman" panose="02020603050405020304" pitchFamily="18" charset="0"/>
-                <a:ea typeface="Roboto" panose="02000000000000000000" pitchFamily="2" charset="0"/>
-                <a:cs typeface="Times New Roman" panose="02020603050405020304" pitchFamily="18" charset="0"/>
-              </a:rPr>
-              <a:t> </a:t>
-            </a:r>
-            <a:r>
-              <a:rPr lang="en-US" sz="2400" dirty="0" err="1">
-                <a:latin typeface="Times New Roman" panose="02020603050405020304" pitchFamily="18" charset="0"/>
-                <a:ea typeface="Roboto" panose="02000000000000000000" pitchFamily="2" charset="0"/>
-                <a:cs typeface="Times New Roman" panose="02020603050405020304" pitchFamily="18" charset="0"/>
-              </a:rPr>
-              <a:t>của</a:t>
-            </a:r>
-            <a:r>
-              <a:rPr lang="en-US" sz="2400" dirty="0">
-                <a:latin typeface="Times New Roman" panose="02020603050405020304" pitchFamily="18" charset="0"/>
-                <a:ea typeface="Roboto" panose="02000000000000000000" pitchFamily="2" charset="0"/>
-                <a:cs typeface="Times New Roman" panose="02020603050405020304" pitchFamily="18" charset="0"/>
-              </a:rPr>
-              <a:t> admin</a:t>
-            </a:r>
-            <a:endParaRPr lang="en-US" sz="2400" dirty="0"/>
-          </a:p>
-        </p:txBody>
-      </p:sp>
-      <p:sp>
-        <p:nvSpPr>
-          <p:cNvPr id="26" name="Title 1">
-            <a:extLst>
-              <a:ext uri="{FF2B5EF4-FFF2-40B4-BE49-F238E27FC236}">
-                <a16:creationId xmlns:a16="http://schemas.microsoft.com/office/drawing/2014/main" id="{B9A36588-B7A6-45F2-AF03-244BAA5D3272}"/>
-              </a:ext>
-            </a:extLst>
-          </p:cNvPr>
-          <p:cNvSpPr txBox="1">
-            <a:spLocks/>
-          </p:cNvSpPr>
-          <p:nvPr/>
-        </p:nvSpPr>
-        <p:spPr>
-          <a:xfrm>
-            <a:off x="554990" y="505858"/>
-            <a:ext cx="8534400" cy="560914"/>
-          </a:xfrm>
-          <a:prstGeom prst="rect">
-            <a:avLst/>
-          </a:prstGeom>
-        </p:spPr>
-        <p:txBody>
-          <a:bodyPr vert="horz" lIns="91440" tIns="45720" rIns="91440" bIns="45720" rtlCol="0" anchor="ctr">
-            <a:normAutofit/>
-          </a:bodyPr>
-          <a:lstStyle>
-            <a:lvl1pPr algn="l" defTabSz="685800" rtl="0" eaLnBrk="1" latinLnBrk="0" hangingPunct="1">
-              <a:lnSpc>
-                <a:spcPct val="90000"/>
-              </a:lnSpc>
-              <a:spcBef>
-                <a:spcPct val="0"/>
-              </a:spcBef>
-              <a:buNone/>
-              <a:defRPr sz="3300" kern="1200">
-                <a:solidFill>
-                  <a:schemeClr val="tx1"/>
-                </a:solidFill>
-                <a:latin typeface="+mj-lt"/>
-                <a:ea typeface="+mj-ea"/>
-                <a:cs typeface="+mj-cs"/>
-              </a:defRPr>
-            </a:lvl1pPr>
-          </a:lstStyle>
-          <a:p>
-            <a:pPr algn="ctr"/>
-            <a:r>
-              <a:rPr lang="en-US" sz="3200" b="1" dirty="0">
-                <a:solidFill>
-                  <a:schemeClr val="accent1"/>
-                </a:solidFill>
-                <a:latin typeface="Times New Roman" panose="02020603050405020304" pitchFamily="18" charset="0"/>
-                <a:cs typeface="Times New Roman" panose="02020603050405020304" pitchFamily="18" charset="0"/>
-              </a:rPr>
-              <a:t>III. PHÂN TÍCH &amp; THIẾT KẾ HỆ THỐNG</a:t>
-            </a:r>
-          </a:p>
-        </p:txBody>
-      </p:sp>
       <p:sp>
         <p:nvSpPr>
           <p:cNvPr id="2" name="Slide Number Placeholder 1">
@@ -14938,7 +14697,7 @@
             <a:fld id="{B6F15528-21DE-4FAA-801E-634DDDAF4B2B}" type="slidenum">
               <a:rPr lang="en-US" smtClean="0"/>
               <a:pPr/>
-              <a:t>8</a:t>
+              <a:t>7</a:t>
             </a:fld>
             <a:endParaRPr lang="en-US"/>
           </a:p>
@@ -15607,6 +15366,271 @@
 </p:sld>
 </file>
 
+<file path=ppt/slides/slide8.xml><?xml version="1.0" encoding="utf-8"?>
+<p:sld xmlns:a="http://schemas.openxmlformats.org/drawingml/2006/main" xmlns:r="http://schemas.openxmlformats.org/officeDocument/2006/relationships" xmlns:p="http://schemas.openxmlformats.org/presentationml/2006/main">
+  <p:cSld>
+    <p:spTree>
+      <p:nvGrpSpPr>
+        <p:cNvPr id="1" name=""/>
+        <p:cNvGrpSpPr/>
+        <p:nvPr/>
+      </p:nvGrpSpPr>
+      <p:grpSpPr>
+        <a:xfrm>
+          <a:off x="0" y="0"/>
+          <a:ext cx="0" cy="0"/>
+          <a:chOff x="0" y="0"/>
+          <a:chExt cx="0" cy="0"/>
+        </a:xfrm>
+      </p:grpSpPr>
+      <p:sp>
+        <p:nvSpPr>
+          <p:cNvPr id="17" name="TextBox 16">
+            <a:extLst>
+              <a:ext uri="{FF2B5EF4-FFF2-40B4-BE49-F238E27FC236}">
+                <a16:creationId xmlns:a16="http://schemas.microsoft.com/office/drawing/2014/main" id="{D8F1E7DF-43FD-4D73-A997-B3BC22AC61DA}"/>
+              </a:ext>
+            </a:extLst>
+          </p:cNvPr>
+          <p:cNvSpPr txBox="1"/>
+          <p:nvPr/>
+        </p:nvSpPr>
+        <p:spPr>
+          <a:xfrm>
+            <a:off x="681671" y="1066800"/>
+            <a:ext cx="4804729" cy="461665"/>
+          </a:xfrm>
+          <a:prstGeom prst="rect">
+            <a:avLst/>
+          </a:prstGeom>
+          <a:noFill/>
+        </p:spPr>
+        <p:txBody>
+          <a:bodyPr wrap="square" rtlCol="0">
+            <a:spAutoFit/>
+          </a:bodyPr>
+          <a:lstStyle/>
+          <a:p>
+            <a:pPr marL="342900" indent="-342900">
+              <a:buFont typeface="Wingdings" panose="05000000000000000000" pitchFamily="2" charset="2"/>
+              <a:buChar char="v"/>
+            </a:pPr>
+            <a:r>
+              <a:rPr lang="en-US" sz="2400" dirty="0">
+                <a:latin typeface="Times New Roman" panose="02020603050405020304" pitchFamily="18" charset="0"/>
+                <a:ea typeface="Roboto" panose="02000000000000000000" pitchFamily="2" charset="0"/>
+                <a:cs typeface="Times New Roman" panose="02020603050405020304" pitchFamily="18" charset="0"/>
+              </a:rPr>
+              <a:t>L</a:t>
+            </a:r>
+            <a:r>
+              <a:rPr lang="vi-VN" sz="2400" dirty="0">
+                <a:latin typeface="Times New Roman" panose="02020603050405020304" pitchFamily="18" charset="0"/>
+                <a:ea typeface="Roboto" panose="02000000000000000000" pitchFamily="2" charset="0"/>
+                <a:cs typeface="Times New Roman" panose="02020603050405020304" pitchFamily="18" charset="0"/>
+              </a:rPr>
+              <a:t>ư</a:t>
+            </a:r>
+            <a:r>
+              <a:rPr lang="en-US" sz="2400" dirty="0" err="1">
+                <a:latin typeface="Times New Roman" panose="02020603050405020304" pitchFamily="18" charset="0"/>
+                <a:ea typeface="Roboto" panose="02000000000000000000" pitchFamily="2" charset="0"/>
+                <a:cs typeface="Times New Roman" panose="02020603050405020304" pitchFamily="18" charset="0"/>
+              </a:rPr>
+              <a:t>ợc</a:t>
+            </a:r>
+            <a:r>
+              <a:rPr lang="en-US" sz="2400" dirty="0">
+                <a:latin typeface="Times New Roman" panose="02020603050405020304" pitchFamily="18" charset="0"/>
+                <a:ea typeface="Roboto" panose="02000000000000000000" pitchFamily="2" charset="0"/>
+                <a:cs typeface="Times New Roman" panose="02020603050405020304" pitchFamily="18" charset="0"/>
+              </a:rPr>
+              <a:t> </a:t>
+            </a:r>
+            <a:r>
+              <a:rPr lang="en-US" sz="2400" dirty="0" err="1">
+                <a:latin typeface="Times New Roman" panose="02020603050405020304" pitchFamily="18" charset="0"/>
+                <a:ea typeface="Roboto" panose="02000000000000000000" pitchFamily="2" charset="0"/>
+                <a:cs typeface="Times New Roman" panose="02020603050405020304" pitchFamily="18" charset="0"/>
+              </a:rPr>
+              <a:t>đồ</a:t>
+            </a:r>
+            <a:r>
+              <a:rPr lang="en-US" sz="2400" dirty="0">
+                <a:latin typeface="Times New Roman" panose="02020603050405020304" pitchFamily="18" charset="0"/>
+                <a:ea typeface="Roboto" panose="02000000000000000000" pitchFamily="2" charset="0"/>
+                <a:cs typeface="Times New Roman" panose="02020603050405020304" pitchFamily="18" charset="0"/>
+              </a:rPr>
+              <a:t> Use case </a:t>
+            </a:r>
+            <a:r>
+              <a:rPr lang="en-US" sz="2400" dirty="0" err="1">
+                <a:latin typeface="Times New Roman" panose="02020603050405020304" pitchFamily="18" charset="0"/>
+                <a:ea typeface="Roboto" panose="02000000000000000000" pitchFamily="2" charset="0"/>
+                <a:cs typeface="Times New Roman" panose="02020603050405020304" pitchFamily="18" charset="0"/>
+              </a:rPr>
+              <a:t>nhân</a:t>
+            </a:r>
+            <a:r>
+              <a:rPr lang="en-US" sz="2400" dirty="0">
+                <a:latin typeface="Times New Roman" panose="02020603050405020304" pitchFamily="18" charset="0"/>
+                <a:ea typeface="Roboto" panose="02000000000000000000" pitchFamily="2" charset="0"/>
+                <a:cs typeface="Times New Roman" panose="02020603050405020304" pitchFamily="18" charset="0"/>
+              </a:rPr>
+              <a:t> </a:t>
+            </a:r>
+            <a:r>
+              <a:rPr lang="en-US" sz="2400" dirty="0" err="1">
+                <a:latin typeface="Times New Roman" panose="02020603050405020304" pitchFamily="18" charset="0"/>
+                <a:ea typeface="Roboto" panose="02000000000000000000" pitchFamily="2" charset="0"/>
+                <a:cs typeface="Times New Roman" panose="02020603050405020304" pitchFamily="18" charset="0"/>
+              </a:rPr>
+              <a:t>viên</a:t>
+            </a:r>
+            <a:endParaRPr lang="en-US" sz="2400" dirty="0"/>
+          </a:p>
+        </p:txBody>
+      </p:sp>
+      <p:sp>
+        <p:nvSpPr>
+          <p:cNvPr id="2" name="Slide Number Placeholder 1">
+            <a:extLst>
+              <a:ext uri="{FF2B5EF4-FFF2-40B4-BE49-F238E27FC236}">
+                <a16:creationId xmlns:a16="http://schemas.microsoft.com/office/drawing/2014/main" id="{459987A5-E716-4620-BB07-A0CDDA828230}"/>
+              </a:ext>
+            </a:extLst>
+          </p:cNvPr>
+          <p:cNvSpPr>
+            <a:spLocks noGrp="1"/>
+          </p:cNvSpPr>
+          <p:nvPr>
+            <p:ph type="sldNum" sz="quarter" idx="12"/>
+          </p:nvPr>
+        </p:nvSpPr>
+        <p:spPr/>
+        <p:txBody>
+          <a:bodyPr/>
+          <a:lstStyle/>
+          <a:p>
+            <a:fld id="{B6F15528-21DE-4FAA-801E-634DDDAF4B2B}" type="slidenum">
+              <a:rPr lang="en-US" smtClean="0"/>
+              <a:pPr/>
+              <a:t>8</a:t>
+            </a:fld>
+            <a:endParaRPr lang="en-US"/>
+          </a:p>
+        </p:txBody>
+      </p:sp>
+      <p:pic>
+        <p:nvPicPr>
+          <p:cNvPr id="4" name="Picture 3">
+            <a:extLst>
+              <a:ext uri="{FF2B5EF4-FFF2-40B4-BE49-F238E27FC236}">
+                <a16:creationId xmlns:a16="http://schemas.microsoft.com/office/drawing/2014/main" id="{CE7EB83C-9563-41C4-BED6-129C2EA1B6A3}"/>
+              </a:ext>
+            </a:extLst>
+          </p:cNvPr>
+          <p:cNvPicPr>
+            <a:picLocks noChangeAspect="1"/>
+          </p:cNvPicPr>
+          <p:nvPr/>
+        </p:nvPicPr>
+        <p:blipFill>
+          <a:blip r:embed="rId3" cstate="print">
+            <a:extLst>
+              <a:ext uri="{28A0092B-C50C-407E-A947-70E740481C1C}">
+                <a14:useLocalDpi xmlns:a14="http://schemas.microsoft.com/office/drawing/2010/main" val="0"/>
+              </a:ext>
+            </a:extLst>
+          </a:blip>
+          <a:stretch>
+            <a:fillRect/>
+          </a:stretch>
+        </p:blipFill>
+        <p:spPr>
+          <a:xfrm>
+            <a:off x="1143000" y="1433837"/>
+            <a:ext cx="6988571" cy="5299095"/>
+          </a:xfrm>
+          <a:prstGeom prst="rect">
+            <a:avLst/>
+          </a:prstGeom>
+        </p:spPr>
+      </p:pic>
+      <p:sp>
+        <p:nvSpPr>
+          <p:cNvPr id="9" name="Title 1">
+            <a:extLst>
+              <a:ext uri="{FF2B5EF4-FFF2-40B4-BE49-F238E27FC236}">
+                <a16:creationId xmlns:a16="http://schemas.microsoft.com/office/drawing/2014/main" id="{69C7D1DC-8CE4-4070-9783-CB4CB0AC3DE0}"/>
+              </a:ext>
+            </a:extLst>
+          </p:cNvPr>
+          <p:cNvSpPr txBox="1">
+            <a:spLocks/>
+          </p:cNvSpPr>
+          <p:nvPr/>
+        </p:nvSpPr>
+        <p:spPr>
+          <a:xfrm>
+            <a:off x="301752" y="457200"/>
+            <a:ext cx="8534400" cy="683555"/>
+          </a:xfrm>
+          <a:prstGeom prst="rect">
+            <a:avLst/>
+          </a:prstGeom>
+        </p:spPr>
+        <p:txBody>
+          <a:bodyPr vert="horz" lIns="91440" tIns="45720" rIns="91440" bIns="45720" rtlCol="0" anchor="ctr">
+            <a:normAutofit/>
+          </a:bodyPr>
+          <a:lstStyle>
+            <a:lvl1pPr algn="l" defTabSz="685800" rtl="0" eaLnBrk="1" latinLnBrk="0" hangingPunct="1">
+              <a:lnSpc>
+                <a:spcPct val="90000"/>
+              </a:lnSpc>
+              <a:spcBef>
+                <a:spcPct val="0"/>
+              </a:spcBef>
+              <a:buNone/>
+              <a:defRPr sz="3300" kern="1200">
+                <a:solidFill>
+                  <a:schemeClr val="tx1"/>
+                </a:solidFill>
+                <a:latin typeface="+mj-lt"/>
+                <a:ea typeface="+mj-ea"/>
+                <a:cs typeface="+mj-cs"/>
+              </a:defRPr>
+            </a:lvl1pPr>
+          </a:lstStyle>
+          <a:p>
+            <a:pPr algn="ctr"/>
+            <a:r>
+              <a:rPr lang="en-US" sz="3200" b="1" dirty="0">
+                <a:solidFill>
+                  <a:schemeClr val="accent1"/>
+                </a:solidFill>
+                <a:latin typeface="Times New Roman" panose="02020603050405020304" pitchFamily="18" charset="0"/>
+                <a:cs typeface="Times New Roman" panose="02020603050405020304" pitchFamily="18" charset="0"/>
+              </a:rPr>
+              <a:t>III. PHÂN TÍCH &amp; THIẾT KẾ HỆ THỐNG</a:t>
+            </a:r>
+          </a:p>
+        </p:txBody>
+      </p:sp>
+    </p:spTree>
+    <p:extLst>
+      <p:ext uri="{BB962C8B-B14F-4D97-AF65-F5344CB8AC3E}">
+        <p14:creationId xmlns:p14="http://schemas.microsoft.com/office/powerpoint/2010/main" val="1707396965"/>
+      </p:ext>
+    </p:extLst>
+  </p:cSld>
+  <p:clrMapOvr>
+    <a:masterClrMapping/>
+  </p:clrMapOvr>
+</p:sld>
+</file>
+
 <file path=ppt/slides/slide9.xml><?xml version="1.0" encoding="utf-8"?>
 <p:sld xmlns:a="http://schemas.openxmlformats.org/drawingml/2006/main" xmlns:r="http://schemas.openxmlformats.org/officeDocument/2006/relationships" xmlns:p="http://schemas.openxmlformats.org/presentationml/2006/main">
   <p:cSld>
@@ -15687,138 +15711,6 @@
       </p:sp>
       <p:sp>
         <p:nvSpPr>
-          <p:cNvPr id="17" name="TextBox 16">
-            <a:extLst>
-              <a:ext uri="{FF2B5EF4-FFF2-40B4-BE49-F238E27FC236}">
-                <a16:creationId xmlns:a16="http://schemas.microsoft.com/office/drawing/2014/main" id="{D8F1E7DF-43FD-4D73-A997-B3BC22AC61DA}"/>
-              </a:ext>
-            </a:extLst>
-          </p:cNvPr>
-          <p:cNvSpPr txBox="1"/>
-          <p:nvPr/>
-        </p:nvSpPr>
-        <p:spPr>
-          <a:xfrm>
-            <a:off x="685800" y="1065533"/>
-            <a:ext cx="4804729" cy="461665"/>
-          </a:xfrm>
-          <a:prstGeom prst="rect">
-            <a:avLst/>
-          </a:prstGeom>
-          <a:noFill/>
-        </p:spPr>
-        <p:txBody>
-          <a:bodyPr wrap="square" rtlCol="0">
-            <a:spAutoFit/>
-          </a:bodyPr>
-          <a:lstStyle/>
-          <a:p>
-            <a:pPr marL="342900" indent="-342900">
-              <a:buFont typeface="Wingdings" panose="05000000000000000000" pitchFamily="2" charset="2"/>
-              <a:buChar char="v"/>
-            </a:pPr>
-            <a:r>
-              <a:rPr lang="en-US" sz="2400" dirty="0" err="1">
-                <a:latin typeface="Times New Roman" panose="02020603050405020304" pitchFamily="18" charset="0"/>
-                <a:ea typeface="Roboto" panose="02000000000000000000" pitchFamily="2" charset="0"/>
-                <a:cs typeface="Times New Roman" panose="02020603050405020304" pitchFamily="18" charset="0"/>
-              </a:rPr>
-              <a:t>Mô</a:t>
-            </a:r>
-            <a:r>
-              <a:rPr lang="en-US" sz="2400" dirty="0">
-                <a:latin typeface="Times New Roman" panose="02020603050405020304" pitchFamily="18" charset="0"/>
-                <a:ea typeface="Roboto" panose="02000000000000000000" pitchFamily="2" charset="0"/>
-                <a:cs typeface="Times New Roman" panose="02020603050405020304" pitchFamily="18" charset="0"/>
-              </a:rPr>
-              <a:t> </a:t>
-            </a:r>
-            <a:r>
-              <a:rPr lang="en-US" sz="2400" dirty="0" err="1">
-                <a:latin typeface="Times New Roman" panose="02020603050405020304" pitchFamily="18" charset="0"/>
-                <a:ea typeface="Roboto" panose="02000000000000000000" pitchFamily="2" charset="0"/>
-                <a:cs typeface="Times New Roman" panose="02020603050405020304" pitchFamily="18" charset="0"/>
-              </a:rPr>
-              <a:t>hình</a:t>
-            </a:r>
-            <a:r>
-              <a:rPr lang="en-US" sz="2400" dirty="0">
-                <a:latin typeface="Times New Roman" panose="02020603050405020304" pitchFamily="18" charset="0"/>
-                <a:ea typeface="Roboto" panose="02000000000000000000" pitchFamily="2" charset="0"/>
-                <a:cs typeface="Times New Roman" panose="02020603050405020304" pitchFamily="18" charset="0"/>
-              </a:rPr>
-              <a:t> </a:t>
-            </a:r>
-            <a:r>
-              <a:rPr lang="en-US" sz="2400" dirty="0" err="1">
-                <a:latin typeface="Times New Roman" panose="02020603050405020304" pitchFamily="18" charset="0"/>
-                <a:ea typeface="Roboto" panose="02000000000000000000" pitchFamily="2" charset="0"/>
-                <a:cs typeface="Times New Roman" panose="02020603050405020304" pitchFamily="18" charset="0"/>
-              </a:rPr>
-              <a:t>thực</a:t>
-            </a:r>
-            <a:r>
-              <a:rPr lang="en-US" sz="2400" dirty="0">
-                <a:latin typeface="Times New Roman" panose="02020603050405020304" pitchFamily="18" charset="0"/>
-                <a:ea typeface="Roboto" panose="02000000000000000000" pitchFamily="2" charset="0"/>
-                <a:cs typeface="Times New Roman" panose="02020603050405020304" pitchFamily="18" charset="0"/>
-              </a:rPr>
-              <a:t> </a:t>
-            </a:r>
-            <a:r>
-              <a:rPr lang="en-US" sz="2400" dirty="0" err="1">
-                <a:latin typeface="Times New Roman" panose="02020603050405020304" pitchFamily="18" charset="0"/>
-                <a:ea typeface="Roboto" panose="02000000000000000000" pitchFamily="2" charset="0"/>
-                <a:cs typeface="Times New Roman" panose="02020603050405020304" pitchFamily="18" charset="0"/>
-              </a:rPr>
-              <a:t>thể</a:t>
-            </a:r>
-            <a:r>
-              <a:rPr lang="en-US" sz="2400" dirty="0">
-                <a:latin typeface="Times New Roman" panose="02020603050405020304" pitchFamily="18" charset="0"/>
-                <a:ea typeface="Roboto" panose="02000000000000000000" pitchFamily="2" charset="0"/>
-                <a:cs typeface="Times New Roman" panose="02020603050405020304" pitchFamily="18" charset="0"/>
-              </a:rPr>
-              <a:t> </a:t>
-            </a:r>
-            <a:r>
-              <a:rPr lang="en-US" sz="2400" dirty="0" err="1">
-                <a:latin typeface="Times New Roman" panose="02020603050405020304" pitchFamily="18" charset="0"/>
-                <a:ea typeface="Roboto" panose="02000000000000000000" pitchFamily="2" charset="0"/>
-                <a:cs typeface="Times New Roman" panose="02020603050405020304" pitchFamily="18" charset="0"/>
-              </a:rPr>
-              <a:t>liên</a:t>
-            </a:r>
-            <a:r>
-              <a:rPr lang="en-US" sz="2400" dirty="0">
-                <a:latin typeface="Times New Roman" panose="02020603050405020304" pitchFamily="18" charset="0"/>
-                <a:ea typeface="Roboto" panose="02000000000000000000" pitchFamily="2" charset="0"/>
-                <a:cs typeface="Times New Roman" panose="02020603050405020304" pitchFamily="18" charset="0"/>
-              </a:rPr>
-              <a:t> </a:t>
-            </a:r>
-            <a:r>
-              <a:rPr lang="en-US" sz="2400" dirty="0" err="1">
-                <a:latin typeface="Times New Roman" panose="02020603050405020304" pitchFamily="18" charset="0"/>
-                <a:ea typeface="Roboto" panose="02000000000000000000" pitchFamily="2" charset="0"/>
-                <a:cs typeface="Times New Roman" panose="02020603050405020304" pitchFamily="18" charset="0"/>
-              </a:rPr>
-              <a:t>kết</a:t>
-            </a:r>
-            <a:r>
-              <a:rPr lang="en-US" sz="2400" dirty="0">
-                <a:latin typeface="Times New Roman" panose="02020603050405020304" pitchFamily="18" charset="0"/>
-                <a:ea typeface="Roboto" panose="02000000000000000000" pitchFamily="2" charset="0"/>
-                <a:cs typeface="Times New Roman" panose="02020603050405020304" pitchFamily="18" charset="0"/>
-              </a:rPr>
-              <a:t> ERD</a:t>
-            </a:r>
-            <a:endParaRPr lang="en-US" sz="2400" dirty="0"/>
-          </a:p>
-        </p:txBody>
-      </p:sp>
-      <p:sp>
-        <p:nvSpPr>
           <p:cNvPr id="2" name="Slide Number Placeholder 1">
             <a:extLst>
               <a:ext uri="{FF2B5EF4-FFF2-40B4-BE49-F238E27FC236}">
@@ -15883,6 +15775,113 @@
           </a:prstGeom>
         </p:spPr>
       </p:pic>
+      <p:sp>
+        <p:nvSpPr>
+          <p:cNvPr id="5" name="Rectangle 4">
+            <a:extLst>
+              <a:ext uri="{FF2B5EF4-FFF2-40B4-BE49-F238E27FC236}">
+                <a16:creationId xmlns:a16="http://schemas.microsoft.com/office/drawing/2014/main" id="{68C6C3C3-8F06-42B3-BD8C-5277E44487E0}"/>
+              </a:ext>
+            </a:extLst>
+          </p:cNvPr>
+          <p:cNvSpPr/>
+          <p:nvPr/>
+        </p:nvSpPr>
+        <p:spPr>
+          <a:xfrm>
+            <a:off x="685800" y="1140755"/>
+            <a:ext cx="3143809" cy="369332"/>
+          </a:xfrm>
+          <a:prstGeom prst="rect">
+            <a:avLst/>
+          </a:prstGeom>
+        </p:spPr>
+        <p:txBody>
+          <a:bodyPr wrap="none">
+            <a:spAutoFit/>
+          </a:bodyPr>
+          <a:lstStyle/>
+          <a:p>
+            <a:pPr marL="342900" indent="-342900">
+              <a:buFont typeface="Wingdings" panose="05000000000000000000" pitchFamily="2" charset="2"/>
+              <a:buChar char="v"/>
+            </a:pPr>
+            <a:r>
+              <a:rPr lang="en-US" dirty="0">
+                <a:latin typeface="Times New Roman" panose="02020603050405020304" pitchFamily="18" charset="0"/>
+                <a:ea typeface="Roboto" panose="02000000000000000000" pitchFamily="2" charset="0"/>
+                <a:cs typeface="Times New Roman" panose="02020603050405020304" pitchFamily="18" charset="0"/>
+              </a:rPr>
+              <a:t>L</a:t>
+            </a:r>
+            <a:r>
+              <a:rPr lang="vi-VN" dirty="0">
+                <a:latin typeface="Times New Roman" panose="02020603050405020304" pitchFamily="18" charset="0"/>
+                <a:ea typeface="Roboto" panose="02000000000000000000" pitchFamily="2" charset="0"/>
+                <a:cs typeface="Times New Roman" panose="02020603050405020304" pitchFamily="18" charset="0"/>
+              </a:rPr>
+              <a:t>ư</a:t>
+            </a:r>
+            <a:r>
+              <a:rPr lang="en-US" dirty="0" err="1">
+                <a:latin typeface="Times New Roman" panose="02020603050405020304" pitchFamily="18" charset="0"/>
+                <a:ea typeface="Roboto" panose="02000000000000000000" pitchFamily="2" charset="0"/>
+                <a:cs typeface="Times New Roman" panose="02020603050405020304" pitchFamily="18" charset="0"/>
+              </a:rPr>
+              <a:t>ợc</a:t>
+            </a:r>
+            <a:r>
+              <a:rPr lang="en-US" dirty="0">
+                <a:latin typeface="Times New Roman" panose="02020603050405020304" pitchFamily="18" charset="0"/>
+                <a:ea typeface="Roboto" panose="02000000000000000000" pitchFamily="2" charset="0"/>
+                <a:cs typeface="Times New Roman" panose="02020603050405020304" pitchFamily="18" charset="0"/>
+              </a:rPr>
+              <a:t> </a:t>
+            </a:r>
+            <a:r>
+              <a:rPr lang="en-US" dirty="0" err="1">
+                <a:latin typeface="Times New Roman" panose="02020603050405020304" pitchFamily="18" charset="0"/>
+                <a:ea typeface="Roboto" panose="02000000000000000000" pitchFamily="2" charset="0"/>
+                <a:cs typeface="Times New Roman" panose="02020603050405020304" pitchFamily="18" charset="0"/>
+              </a:rPr>
+              <a:t>đồ</a:t>
+            </a:r>
+            <a:r>
+              <a:rPr lang="en-US" dirty="0">
+                <a:latin typeface="Times New Roman" panose="02020603050405020304" pitchFamily="18" charset="0"/>
+                <a:ea typeface="Roboto" panose="02000000000000000000" pitchFamily="2" charset="0"/>
+                <a:cs typeface="Times New Roman" panose="02020603050405020304" pitchFamily="18" charset="0"/>
+              </a:rPr>
+              <a:t> Use case </a:t>
+            </a:r>
+            <a:r>
+              <a:rPr lang="en-US" dirty="0" err="1">
+                <a:latin typeface="Times New Roman" panose="02020603050405020304" pitchFamily="18" charset="0"/>
+                <a:ea typeface="Roboto" panose="02000000000000000000" pitchFamily="2" charset="0"/>
+                <a:cs typeface="Times New Roman" panose="02020603050405020304" pitchFamily="18" charset="0"/>
+              </a:rPr>
+              <a:t>nhân</a:t>
+            </a:r>
+            <a:r>
+              <a:rPr lang="en-US" dirty="0">
+                <a:latin typeface="Times New Roman" panose="02020603050405020304" pitchFamily="18" charset="0"/>
+                <a:ea typeface="Roboto" panose="02000000000000000000" pitchFamily="2" charset="0"/>
+                <a:cs typeface="Times New Roman" panose="02020603050405020304" pitchFamily="18" charset="0"/>
+              </a:rPr>
+              <a:t> </a:t>
+            </a:r>
+            <a:r>
+              <a:rPr lang="en-US" dirty="0" err="1">
+                <a:latin typeface="Times New Roman" panose="02020603050405020304" pitchFamily="18" charset="0"/>
+                <a:ea typeface="Roboto" panose="02000000000000000000" pitchFamily="2" charset="0"/>
+                <a:cs typeface="Times New Roman" panose="02020603050405020304" pitchFamily="18" charset="0"/>
+              </a:rPr>
+              <a:t>viên</a:t>
+            </a:r>
+            <a:endParaRPr lang="en-US" dirty="0"/>
+          </a:p>
+        </p:txBody>
+      </p:sp>
     </p:spTree>
     <p:extLst>
       <p:ext uri="{BB962C8B-B14F-4D97-AF65-F5344CB8AC3E}">

--- a/DATN_PhamThiThuy.pptx
+++ b/DATN_PhamThiThuy.pptx
@@ -239,7 +239,7 @@
           <a:p>
             <a:fld id="{25DD1B1C-C497-421F-B06C-F532CF0F9785}" type="datetimeFigureOut">
               <a:rPr lang="en-US" smtClean="0"/>
-              <a:t>2020-12-16</a:t>
+              <a:t>2020-12-21</a:t>
             </a:fld>
             <a:endParaRPr lang="en-US"/>
           </a:p>
@@ -417,7 +417,7 @@
           <a:p>
             <a:fld id="{7CD4A5DF-C9ED-4331-9C0A-D1B49AAB54A9}" type="datetimeFigureOut">
               <a:rPr lang="en-US" smtClean="0"/>
-              <a:t>2020-12-16</a:t>
+              <a:t>2020-12-21</a:t>
             </a:fld>
             <a:endParaRPr lang="en-US"/>
           </a:p>
@@ -2176,7 +2176,7 @@
           <a:p>
             <a:fld id="{913B9D1B-8B7F-4F2A-BB55-C21DE162B8AE}" type="datetime1">
               <a:rPr lang="vi-VN" smtClean="0"/>
-              <a:t>16/12/2020</a:t>
+              <a:t>21/12/2020</a:t>
             </a:fld>
             <a:endParaRPr lang="en-US"/>
           </a:p>
@@ -2375,7 +2375,7 @@
           <a:p>
             <a:fld id="{54C2DB50-FFA4-4032-9F03-8BC477969725}" type="datetime1">
               <a:rPr lang="vi-VN" smtClean="0"/>
-              <a:t>16/12/2020</a:t>
+              <a:t>21/12/2020</a:t>
             </a:fld>
             <a:endParaRPr lang="en-US"/>
           </a:p>
@@ -2584,7 +2584,7 @@
           <a:p>
             <a:fld id="{ABE0B1BD-9F28-4969-BFBF-2AC2D08FF176}" type="datetime1">
               <a:rPr lang="vi-VN" smtClean="0"/>
-              <a:t>16/12/2020</a:t>
+              <a:t>21/12/2020</a:t>
             </a:fld>
             <a:endParaRPr lang="en-US"/>
           </a:p>
@@ -2783,7 +2783,7 @@
           <a:p>
             <a:fld id="{4AE99753-14BD-4C19-89AD-69A137A5857A}" type="datetime1">
               <a:rPr lang="vi-VN" smtClean="0"/>
-              <a:t>16/12/2020</a:t>
+              <a:t>21/12/2020</a:t>
             </a:fld>
             <a:endParaRPr lang="en-US"/>
           </a:p>
@@ -3059,7 +3059,7 @@
           <a:p>
             <a:fld id="{D65F6F36-BB06-4F13-9611-851319F3392B}" type="datetime1">
               <a:rPr lang="vi-VN" smtClean="0"/>
-              <a:t>16/12/2020</a:t>
+              <a:t>21/12/2020</a:t>
             </a:fld>
             <a:endParaRPr lang="en-US"/>
           </a:p>
@@ -3325,7 +3325,7 @@
           <a:p>
             <a:fld id="{17D20409-82E2-4CE7-923C-CF5475366411}" type="datetime1">
               <a:rPr lang="vi-VN" smtClean="0"/>
-              <a:t>16/12/2020</a:t>
+              <a:t>21/12/2020</a:t>
             </a:fld>
             <a:endParaRPr lang="en-US"/>
           </a:p>
@@ -3738,7 +3738,7 @@
           <a:p>
             <a:fld id="{D6B602A3-B6BD-4B11-9EF7-A6995DD1D891}" type="datetime1">
               <a:rPr lang="vi-VN" smtClean="0"/>
-              <a:t>16/12/2020</a:t>
+              <a:t>21/12/2020</a:t>
             </a:fld>
             <a:endParaRPr lang="en-US"/>
           </a:p>
@@ -3880,7 +3880,7 @@
           <a:p>
             <a:fld id="{BD5774EA-1465-4714-ABCA-238E21FB1E99}" type="datetime1">
               <a:rPr lang="vi-VN" smtClean="0"/>
-              <a:t>16/12/2020</a:t>
+              <a:t>21/12/2020</a:t>
             </a:fld>
             <a:endParaRPr lang="en-US"/>
           </a:p>
@@ -3994,7 +3994,7 @@
           <a:p>
             <a:fld id="{1393677C-A199-48B1-9AE1-138834C1B67E}" type="datetime1">
               <a:rPr lang="vi-VN" smtClean="0"/>
-              <a:t>16/12/2020</a:t>
+              <a:t>21/12/2020</a:t>
             </a:fld>
             <a:endParaRPr lang="en-US"/>
           </a:p>
@@ -4306,7 +4306,7 @@
           <a:p>
             <a:fld id="{B6459F17-2D45-4809-A88D-60C6D948D5D9}" type="datetime1">
               <a:rPr lang="vi-VN" smtClean="0"/>
-              <a:t>16/12/2020</a:t>
+              <a:t>21/12/2020</a:t>
             </a:fld>
             <a:endParaRPr lang="en-US"/>
           </a:p>
@@ -4595,7 +4595,7 @@
           <a:p>
             <a:fld id="{B806E17E-5A62-4990-8004-1AAC05D07EF7}" type="datetime1">
               <a:rPr lang="vi-VN" smtClean="0"/>
-              <a:t>16/12/2020</a:t>
+              <a:t>21/12/2020</a:t>
             </a:fld>
             <a:endParaRPr lang="en-US"/>
           </a:p>
@@ -4837,7 +4837,7 @@
           <a:p>
             <a:fld id="{32F45394-1329-4267-AC9F-AB803F30FFC4}" type="datetime1">
               <a:rPr lang="vi-VN" smtClean="0"/>
-              <a:t>16/12/2020</a:t>
+              <a:t>21/12/2020</a:t>
             </a:fld>
             <a:endParaRPr lang="en-US"/>
           </a:p>
@@ -14606,7 +14606,31 @@
                 <a:ea typeface="Roboto" panose="02000000000000000000" pitchFamily="2" charset="0"/>
                 <a:cs typeface="Times New Roman" panose="02020603050405020304" pitchFamily="18" charset="0"/>
               </a:rPr>
-              <a:t> admin</a:t>
+              <a:t> </a:t>
+            </a:r>
+            <a:r>
+              <a:rPr lang="en-US" sz="2400" dirty="0" err="1">
+                <a:latin typeface="Times New Roman" panose="02020603050405020304" pitchFamily="18" charset="0"/>
+                <a:ea typeface="Roboto" panose="02000000000000000000" pitchFamily="2" charset="0"/>
+                <a:cs typeface="Times New Roman" panose="02020603050405020304" pitchFamily="18" charset="0"/>
+              </a:rPr>
+              <a:t>nhân</a:t>
+            </a:r>
+            <a:r>
+              <a:rPr lang="en-US" sz="2400" dirty="0">
+                <a:latin typeface="Times New Roman" panose="02020603050405020304" pitchFamily="18" charset="0"/>
+                <a:ea typeface="Roboto" panose="02000000000000000000" pitchFamily="2" charset="0"/>
+                <a:cs typeface="Times New Roman" panose="02020603050405020304" pitchFamily="18" charset="0"/>
+              </a:rPr>
+              <a:t> </a:t>
+            </a:r>
+            <a:r>
+              <a:rPr lang="en-US" sz="2400" dirty="0" err="1">
+                <a:latin typeface="Times New Roman" panose="02020603050405020304" pitchFamily="18" charset="0"/>
+                <a:ea typeface="Roboto" panose="02000000000000000000" pitchFamily="2" charset="0"/>
+                <a:cs typeface="Times New Roman" panose="02020603050405020304" pitchFamily="18" charset="0"/>
+              </a:rPr>
+              <a:t>viên</a:t>
             </a:r>
             <a:endParaRPr lang="en-US" sz="2400" dirty="0"/>
           </a:p>

--- a/DATN_PhamThiThuy.pptx
+++ b/DATN_PhamThiThuy.pptx
@@ -5,29 +5,30 @@
     <p:sldMasterId id="2147483972" r:id="rId1"/>
   </p:sldMasterIdLst>
   <p:notesMasterIdLst>
-    <p:notesMasterId r:id="rId19"/>
+    <p:notesMasterId r:id="rId20"/>
   </p:notesMasterIdLst>
   <p:handoutMasterIdLst>
-    <p:handoutMasterId r:id="rId20"/>
+    <p:handoutMasterId r:id="rId21"/>
   </p:handoutMasterIdLst>
   <p:sldIdLst>
     <p:sldId id="256" r:id="rId2"/>
     <p:sldId id="257" r:id="rId3"/>
     <p:sldId id="258" r:id="rId4"/>
     <p:sldId id="259" r:id="rId5"/>
-    <p:sldId id="260" r:id="rId6"/>
+    <p:sldId id="298" r:id="rId6"/>
     <p:sldId id="261" r:id="rId7"/>
-    <p:sldId id="297" r:id="rId8"/>
+    <p:sldId id="300" r:id="rId8"/>
     <p:sldId id="292" r:id="rId9"/>
     <p:sldId id="294" r:id="rId10"/>
     <p:sldId id="291" r:id="rId11"/>
     <p:sldId id="293" r:id="rId12"/>
     <p:sldId id="296" r:id="rId13"/>
-    <p:sldId id="267" r:id="rId14"/>
-    <p:sldId id="290" r:id="rId15"/>
-    <p:sldId id="289" r:id="rId16"/>
-    <p:sldId id="295" r:id="rId17"/>
-    <p:sldId id="274" r:id="rId18"/>
+    <p:sldId id="299" r:id="rId14"/>
+    <p:sldId id="267" r:id="rId15"/>
+    <p:sldId id="290" r:id="rId16"/>
+    <p:sldId id="289" r:id="rId17"/>
+    <p:sldId id="295" r:id="rId18"/>
+    <p:sldId id="274" r:id="rId19"/>
   </p:sldIdLst>
   <p:sldSz cx="9144000" cy="6858000" type="screen4x3"/>
   <p:notesSz cx="9601200" cy="7315200"/>
@@ -239,7 +240,7 @@
           <a:p>
             <a:fld id="{25DD1B1C-C497-421F-B06C-F532CF0F9785}" type="datetimeFigureOut">
               <a:rPr lang="en-US" smtClean="0"/>
-              <a:t>2020-12-21</a:t>
+              <a:t>2020-12-26</a:t>
             </a:fld>
             <a:endParaRPr lang="en-US"/>
           </a:p>
@@ -417,7 +418,7 @@
           <a:p>
             <a:fld id="{7CD4A5DF-C9ED-4331-9C0A-D1B49AAB54A9}" type="datetimeFigureOut">
               <a:rPr lang="en-US" smtClean="0"/>
-              <a:t>2020-12-21</a:t>
+              <a:t>2020-12-26</a:t>
             </a:fld>
             <a:endParaRPr lang="en-US"/>
           </a:p>
@@ -1095,7 +1096,7 @@
     </p:spTree>
     <p:extLst>
       <p:ext uri="{BB962C8B-B14F-4D97-AF65-F5344CB8AC3E}">
-        <p14:creationId xmlns:p14="http://schemas.microsoft.com/office/powerpoint/2010/main" val="3222996555"/>
+        <p14:creationId xmlns:p14="http://schemas.microsoft.com/office/powerpoint/2010/main" val="2426114232"/>
       </p:ext>
     </p:extLst>
   </p:cSld>
@@ -1179,7 +1180,7 @@
     </p:spTree>
     <p:extLst>
       <p:ext uri="{BB962C8B-B14F-4D97-AF65-F5344CB8AC3E}">
-        <p14:creationId xmlns:p14="http://schemas.microsoft.com/office/powerpoint/2010/main" val="3293843599"/>
+        <p14:creationId xmlns:p14="http://schemas.microsoft.com/office/powerpoint/2010/main" val="3222996555"/>
       </p:ext>
     </p:extLst>
   </p:cSld>
@@ -1263,7 +1264,7 @@
     </p:spTree>
     <p:extLst>
       <p:ext uri="{BB962C8B-B14F-4D97-AF65-F5344CB8AC3E}">
-        <p14:creationId xmlns:p14="http://schemas.microsoft.com/office/powerpoint/2010/main" val="2030814771"/>
+        <p14:creationId xmlns:p14="http://schemas.microsoft.com/office/powerpoint/2010/main" val="3293843599"/>
       </p:ext>
     </p:extLst>
   </p:cSld>
@@ -1338,7 +1339,91 @@
           <a:p>
             <a:fld id="{BF0BF855-582C-4A2A-9C45-DF51A1CC05D3}" type="slidenum">
               <a:rPr lang="en-US" smtClean="0"/>
-              <a:t>17</a:t>
+              <a:t>16</a:t>
+            </a:fld>
+            <a:endParaRPr lang="en-US"/>
+          </a:p>
+        </p:txBody>
+      </p:sp>
+    </p:spTree>
+    <p:extLst>
+      <p:ext uri="{BB962C8B-B14F-4D97-AF65-F5344CB8AC3E}">
+        <p14:creationId xmlns:p14="http://schemas.microsoft.com/office/powerpoint/2010/main" val="2030814771"/>
+      </p:ext>
+    </p:extLst>
+  </p:cSld>
+  <p:clrMapOvr>
+    <a:masterClrMapping/>
+  </p:clrMapOvr>
+</p:notes>
+</file>
+
+<file path=ppt/notesSlides/notesSlide17.xml><?xml version="1.0" encoding="utf-8"?>
+<p:notes xmlns:a="http://schemas.openxmlformats.org/drawingml/2006/main" xmlns:r="http://schemas.openxmlformats.org/officeDocument/2006/relationships" xmlns:p="http://schemas.openxmlformats.org/presentationml/2006/main">
+  <p:cSld>
+    <p:spTree>
+      <p:nvGrpSpPr>
+        <p:cNvPr id="1" name=""/>
+        <p:cNvGrpSpPr/>
+        <p:nvPr/>
+      </p:nvGrpSpPr>
+      <p:grpSpPr>
+        <a:xfrm>
+          <a:off x="0" y="0"/>
+          <a:ext cx="0" cy="0"/>
+          <a:chOff x="0" y="0"/>
+          <a:chExt cx="0" cy="0"/>
+        </a:xfrm>
+      </p:grpSpPr>
+      <p:sp>
+        <p:nvSpPr>
+          <p:cNvPr id="2" name="Slide Image Placeholder 1"/>
+          <p:cNvSpPr>
+            <a:spLocks noGrp="1" noRot="1" noChangeAspect="1"/>
+          </p:cNvSpPr>
+          <p:nvPr>
+            <p:ph type="sldImg"/>
+          </p:nvPr>
+        </p:nvSpPr>
+        <p:spPr/>
+      </p:sp>
+      <p:sp>
+        <p:nvSpPr>
+          <p:cNvPr id="3" name="Notes Placeholder 2"/>
+          <p:cNvSpPr>
+            <a:spLocks noGrp="1"/>
+          </p:cNvSpPr>
+          <p:nvPr>
+            <p:ph type="body" idx="1"/>
+          </p:nvPr>
+        </p:nvSpPr>
+        <p:spPr/>
+        <p:txBody>
+          <a:bodyPr/>
+          <a:lstStyle/>
+          <a:p>
+            <a:endParaRPr lang="en-US"/>
+          </a:p>
+        </p:txBody>
+      </p:sp>
+      <p:sp>
+        <p:nvSpPr>
+          <p:cNvPr id="4" name="Slide Number Placeholder 3"/>
+          <p:cNvSpPr>
+            <a:spLocks noGrp="1"/>
+          </p:cNvSpPr>
+          <p:nvPr>
+            <p:ph type="sldNum" sz="quarter" idx="5"/>
+          </p:nvPr>
+        </p:nvSpPr>
+        <p:spPr/>
+        <p:txBody>
+          <a:bodyPr/>
+          <a:lstStyle/>
+          <a:p>
+            <a:fld id="{BF0BF855-582C-4A2A-9C45-DF51A1CC05D3}" type="slidenum">
+              <a:rPr lang="en-US" smtClean="0"/>
+              <a:t>18</a:t>
             </a:fld>
             <a:endParaRPr lang="en-US"/>
           </a:p>
@@ -1683,7 +1768,7 @@
     </p:spTree>
     <p:extLst>
       <p:ext uri="{BB962C8B-B14F-4D97-AF65-F5344CB8AC3E}">
-        <p14:creationId xmlns:p14="http://schemas.microsoft.com/office/powerpoint/2010/main" val="826865196"/>
+        <p14:creationId xmlns:p14="http://schemas.microsoft.com/office/powerpoint/2010/main" val="462288028"/>
       </p:ext>
     </p:extLst>
   </p:cSld>
@@ -1851,7 +1936,7 @@
     </p:spTree>
     <p:extLst>
       <p:ext uri="{BB962C8B-B14F-4D97-AF65-F5344CB8AC3E}">
-        <p14:creationId xmlns:p14="http://schemas.microsoft.com/office/powerpoint/2010/main" val="590502251"/>
+        <p14:creationId xmlns:p14="http://schemas.microsoft.com/office/powerpoint/2010/main" val="3489534465"/>
       </p:ext>
     </p:extLst>
   </p:cSld>
@@ -2174,9 +2259,9 @@
           <a:bodyPr/>
           <a:lstStyle/>
           <a:p>
-            <a:fld id="{913B9D1B-8B7F-4F2A-BB55-C21DE162B8AE}" type="datetime1">
+            <a:fld id="{ECBE5AE1-51AB-4DD7-AFDA-C689F3D19118}" type="datetime1">
               <a:rPr lang="vi-VN" smtClean="0"/>
-              <a:t>21/12/2020</a:t>
+              <a:t>26/12/2020</a:t>
             </a:fld>
             <a:endParaRPr lang="en-US"/>
           </a:p>
@@ -2373,9 +2458,9 @@
           <a:bodyPr/>
           <a:lstStyle/>
           <a:p>
-            <a:fld id="{54C2DB50-FFA4-4032-9F03-8BC477969725}" type="datetime1">
+            <a:fld id="{DDF4C520-BDAE-4C21-95CB-066C78B7780E}" type="datetime1">
               <a:rPr lang="vi-VN" smtClean="0"/>
-              <a:t>21/12/2020</a:t>
+              <a:t>26/12/2020</a:t>
             </a:fld>
             <a:endParaRPr lang="en-US"/>
           </a:p>
@@ -2582,9 +2667,9 @@
           <a:bodyPr/>
           <a:lstStyle/>
           <a:p>
-            <a:fld id="{ABE0B1BD-9F28-4969-BFBF-2AC2D08FF176}" type="datetime1">
+            <a:fld id="{D2744E80-43C3-4E0C-8726-08BBD57F899E}" type="datetime1">
               <a:rPr lang="vi-VN" smtClean="0"/>
-              <a:t>21/12/2020</a:t>
+              <a:t>26/12/2020</a:t>
             </a:fld>
             <a:endParaRPr lang="en-US"/>
           </a:p>
@@ -2781,9 +2866,9 @@
           <a:bodyPr/>
           <a:lstStyle/>
           <a:p>
-            <a:fld id="{4AE99753-14BD-4C19-89AD-69A137A5857A}" type="datetime1">
+            <a:fld id="{7E5CDC01-8846-40E9-B799-0E07AAA49BEC}" type="datetime1">
               <a:rPr lang="vi-VN" smtClean="0"/>
-              <a:t>21/12/2020</a:t>
+              <a:t>26/12/2020</a:t>
             </a:fld>
             <a:endParaRPr lang="en-US"/>
           </a:p>
@@ -3057,9 +3142,9 @@
           <a:bodyPr/>
           <a:lstStyle/>
           <a:p>
-            <a:fld id="{D65F6F36-BB06-4F13-9611-851319F3392B}" type="datetime1">
+            <a:fld id="{75C1F9A5-B3F6-46F7-AD75-C989E8325122}" type="datetime1">
               <a:rPr lang="vi-VN" smtClean="0"/>
-              <a:t>21/12/2020</a:t>
+              <a:t>26/12/2020</a:t>
             </a:fld>
             <a:endParaRPr lang="en-US"/>
           </a:p>
@@ -3323,9 +3408,9 @@
           <a:bodyPr/>
           <a:lstStyle/>
           <a:p>
-            <a:fld id="{17D20409-82E2-4CE7-923C-CF5475366411}" type="datetime1">
+            <a:fld id="{CEBF9C03-9CAC-44AC-A0F1-8DDF62A2D84B}" type="datetime1">
               <a:rPr lang="vi-VN" smtClean="0"/>
-              <a:t>21/12/2020</a:t>
+              <a:t>26/12/2020</a:t>
             </a:fld>
             <a:endParaRPr lang="en-US"/>
           </a:p>
@@ -3736,9 +3821,9 @@
           <a:bodyPr/>
           <a:lstStyle/>
           <a:p>
-            <a:fld id="{D6B602A3-B6BD-4B11-9EF7-A6995DD1D891}" type="datetime1">
+            <a:fld id="{F2EED13D-9F61-4D8F-9698-21867E4CD9B9}" type="datetime1">
               <a:rPr lang="vi-VN" smtClean="0"/>
-              <a:t>21/12/2020</a:t>
+              <a:t>26/12/2020</a:t>
             </a:fld>
             <a:endParaRPr lang="en-US"/>
           </a:p>
@@ -3878,9 +3963,9 @@
           <a:bodyPr/>
           <a:lstStyle/>
           <a:p>
-            <a:fld id="{BD5774EA-1465-4714-ABCA-238E21FB1E99}" type="datetime1">
+            <a:fld id="{76F87FE4-D32E-40ED-B448-61BAC8121B2D}" type="datetime1">
               <a:rPr lang="vi-VN" smtClean="0"/>
-              <a:t>21/12/2020</a:t>
+              <a:t>26/12/2020</a:t>
             </a:fld>
             <a:endParaRPr lang="en-US"/>
           </a:p>
@@ -3992,9 +4077,9 @@
           <a:bodyPr/>
           <a:lstStyle/>
           <a:p>
-            <a:fld id="{1393677C-A199-48B1-9AE1-138834C1B67E}" type="datetime1">
+            <a:fld id="{1941CDAF-E051-4F1D-AFB3-2F89E75E5B3C}" type="datetime1">
               <a:rPr lang="vi-VN" smtClean="0"/>
-              <a:t>21/12/2020</a:t>
+              <a:t>26/12/2020</a:t>
             </a:fld>
             <a:endParaRPr lang="en-US"/>
           </a:p>
@@ -4304,9 +4389,9 @@
           <a:bodyPr/>
           <a:lstStyle/>
           <a:p>
-            <a:fld id="{B6459F17-2D45-4809-A88D-60C6D948D5D9}" type="datetime1">
+            <a:fld id="{CEA652AD-E1AD-468A-8594-F91821F476C5}" type="datetime1">
               <a:rPr lang="vi-VN" smtClean="0"/>
-              <a:t>21/12/2020</a:t>
+              <a:t>26/12/2020</a:t>
             </a:fld>
             <a:endParaRPr lang="en-US"/>
           </a:p>
@@ -4593,9 +4678,9 @@
           <a:bodyPr/>
           <a:lstStyle/>
           <a:p>
-            <a:fld id="{B806E17E-5A62-4990-8004-1AAC05D07EF7}" type="datetime1">
+            <a:fld id="{4E019EC7-5A5F-4DCF-AD5F-A48B446D5444}" type="datetime1">
               <a:rPr lang="vi-VN" smtClean="0"/>
-              <a:t>21/12/2020</a:t>
+              <a:t>26/12/2020</a:t>
             </a:fld>
             <a:endParaRPr lang="en-US"/>
           </a:p>
@@ -4835,9 +4920,9 @@
             </a:lvl1pPr>
           </a:lstStyle>
           <a:p>
-            <a:fld id="{32F45394-1329-4267-AC9F-AB803F30FFC4}" type="datetime1">
+            <a:fld id="{9BC43A39-4BF9-4297-886F-D2023905E437}" type="datetime1">
               <a:rPr lang="vi-VN" smtClean="0"/>
-              <a:t>21/12/2020</a:t>
+              <a:t>26/12/2020</a:t>
             </a:fld>
             <a:endParaRPr lang="en-US"/>
           </a:p>
@@ -6695,10 +6780,761 @@
       </p:grpSpPr>
       <p:sp>
         <p:nvSpPr>
-          <p:cNvPr id="7" name="Title 1">
-            <a:extLst>
-              <a:ext uri="{FF2B5EF4-FFF2-40B4-BE49-F238E27FC236}">
-                <a16:creationId xmlns:a16="http://schemas.microsoft.com/office/drawing/2014/main" id="{CB3235A3-3155-43F6-A0B6-9EC6F66536FA}"/>
+          <p:cNvPr id="2" name="Slide Number Placeholder 1">
+            <a:extLst>
+              <a:ext uri="{FF2B5EF4-FFF2-40B4-BE49-F238E27FC236}">
+                <a16:creationId xmlns:a16="http://schemas.microsoft.com/office/drawing/2014/main" id="{056A7CEE-23C8-405B-8D7B-F5D3CF5561EB}"/>
+              </a:ext>
+            </a:extLst>
+          </p:cNvPr>
+          <p:cNvSpPr>
+            <a:spLocks noGrp="1"/>
+          </p:cNvSpPr>
+          <p:nvPr>
+            <p:ph type="sldNum" sz="quarter" idx="12"/>
+          </p:nvPr>
+        </p:nvSpPr>
+        <p:spPr/>
+        <p:txBody>
+          <a:bodyPr/>
+          <a:lstStyle/>
+          <a:p>
+            <a:fld id="{B6F15528-21DE-4FAA-801E-634DDDAF4B2B}" type="slidenum">
+              <a:rPr lang="en-US" smtClean="0"/>
+              <a:pPr/>
+              <a:t>13</a:t>
+            </a:fld>
+            <a:endParaRPr lang="en-US"/>
+          </a:p>
+        </p:txBody>
+      </p:sp>
+      <p:sp>
+        <p:nvSpPr>
+          <p:cNvPr id="4" name="Flowchart: Connector 3">
+            <a:extLst>
+              <a:ext uri="{FF2B5EF4-FFF2-40B4-BE49-F238E27FC236}">
+                <a16:creationId xmlns:a16="http://schemas.microsoft.com/office/drawing/2014/main" id="{AACB29D8-0501-4D55-9E9A-555B17CED14D}"/>
+              </a:ext>
+            </a:extLst>
+          </p:cNvPr>
+          <p:cNvSpPr/>
+          <p:nvPr/>
+        </p:nvSpPr>
+        <p:spPr>
+          <a:xfrm>
+            <a:off x="787821" y="2505103"/>
+            <a:ext cx="990600" cy="990600"/>
+          </a:xfrm>
+          <a:prstGeom prst="flowChartConnector">
+            <a:avLst/>
+          </a:prstGeom>
+        </p:spPr>
+        <p:style>
+          <a:lnRef idx="2">
+            <a:schemeClr val="accent1">
+              <a:shade val="50000"/>
+            </a:schemeClr>
+          </a:lnRef>
+          <a:fillRef idx="1">
+            <a:schemeClr val="accent1"/>
+          </a:fillRef>
+          <a:effectRef idx="0">
+            <a:schemeClr val="accent1"/>
+          </a:effectRef>
+          <a:fontRef idx="minor">
+            <a:schemeClr val="lt1"/>
+          </a:fontRef>
+        </p:style>
+        <p:txBody>
+          <a:bodyPr rtlCol="0" anchor="ctr"/>
+          <a:lstStyle/>
+          <a:p>
+            <a:pPr algn="ctr"/>
+            <a:r>
+              <a:rPr lang="en-US" dirty="0" err="1"/>
+              <a:t>Đăng</a:t>
+            </a:r>
+            <a:r>
+              <a:rPr lang="en-US" dirty="0"/>
+              <a:t> </a:t>
+            </a:r>
+            <a:r>
+              <a:rPr lang="en-US" dirty="0" err="1"/>
+              <a:t>nhập</a:t>
+            </a:r>
+            <a:endParaRPr lang="en-US" dirty="0"/>
+          </a:p>
+        </p:txBody>
+      </p:sp>
+      <p:sp>
+        <p:nvSpPr>
+          <p:cNvPr id="10" name="Flowchart: Connector 9">
+            <a:extLst>
+              <a:ext uri="{FF2B5EF4-FFF2-40B4-BE49-F238E27FC236}">
+                <a16:creationId xmlns:a16="http://schemas.microsoft.com/office/drawing/2014/main" id="{D5D853CE-A3A4-43FF-A736-057D8B6899CB}"/>
+              </a:ext>
+            </a:extLst>
+          </p:cNvPr>
+          <p:cNvSpPr/>
+          <p:nvPr/>
+        </p:nvSpPr>
+        <p:spPr>
+          <a:xfrm>
+            <a:off x="381000" y="5341595"/>
+            <a:ext cx="1211973" cy="1211973"/>
+          </a:xfrm>
+          <a:prstGeom prst="flowChartConnector">
+            <a:avLst/>
+          </a:prstGeom>
+        </p:spPr>
+        <p:style>
+          <a:lnRef idx="2">
+            <a:schemeClr val="accent1">
+              <a:shade val="50000"/>
+            </a:schemeClr>
+          </a:lnRef>
+          <a:fillRef idx="1">
+            <a:schemeClr val="accent1"/>
+          </a:fillRef>
+          <a:effectRef idx="0">
+            <a:schemeClr val="accent1"/>
+          </a:effectRef>
+          <a:fontRef idx="minor">
+            <a:schemeClr val="lt1"/>
+          </a:fontRef>
+        </p:style>
+        <p:txBody>
+          <a:bodyPr rtlCol="0" anchor="ctr"/>
+          <a:lstStyle/>
+          <a:p>
+            <a:pPr algn="ctr"/>
+            <a:r>
+              <a:rPr lang="en-US" dirty="0"/>
+              <a:t>QL Ng</a:t>
+            </a:r>
+            <a:r>
+              <a:rPr lang="vi-VN" dirty="0"/>
+              <a:t>ư</a:t>
+            </a:r>
+            <a:r>
+              <a:rPr lang="en-US" dirty="0" err="1"/>
+              <a:t>ời</a:t>
+            </a:r>
+            <a:r>
+              <a:rPr lang="en-US" dirty="0"/>
+              <a:t> </a:t>
+            </a:r>
+            <a:r>
+              <a:rPr lang="en-US" dirty="0" err="1"/>
+              <a:t>dùng</a:t>
+            </a:r>
+            <a:endParaRPr lang="en-US" dirty="0"/>
+          </a:p>
+        </p:txBody>
+      </p:sp>
+      <p:sp>
+        <p:nvSpPr>
+          <p:cNvPr id="11" name="Flowchart: Connector 10">
+            <a:extLst>
+              <a:ext uri="{FF2B5EF4-FFF2-40B4-BE49-F238E27FC236}">
+                <a16:creationId xmlns:a16="http://schemas.microsoft.com/office/drawing/2014/main" id="{5D42DDC0-F4A4-47C6-BD5A-D96DBC3769EA}"/>
+              </a:ext>
+            </a:extLst>
+          </p:cNvPr>
+          <p:cNvSpPr/>
+          <p:nvPr/>
+        </p:nvSpPr>
+        <p:spPr>
+          <a:xfrm>
+            <a:off x="6207703" y="2366760"/>
+            <a:ext cx="1211973" cy="1211973"/>
+          </a:xfrm>
+          <a:prstGeom prst="flowChartConnector">
+            <a:avLst/>
+          </a:prstGeom>
+        </p:spPr>
+        <p:style>
+          <a:lnRef idx="2">
+            <a:schemeClr val="accent1">
+              <a:shade val="50000"/>
+            </a:schemeClr>
+          </a:lnRef>
+          <a:fillRef idx="1">
+            <a:schemeClr val="accent1"/>
+          </a:fillRef>
+          <a:effectRef idx="0">
+            <a:schemeClr val="accent1"/>
+          </a:effectRef>
+          <a:fontRef idx="minor">
+            <a:schemeClr val="lt1"/>
+          </a:fontRef>
+        </p:style>
+        <p:txBody>
+          <a:bodyPr rtlCol="0" anchor="ctr"/>
+          <a:lstStyle/>
+          <a:p>
+            <a:pPr algn="ctr"/>
+            <a:r>
+              <a:rPr lang="en-US" dirty="0"/>
+              <a:t>QL </a:t>
+            </a:r>
+            <a:r>
+              <a:rPr lang="en-US" dirty="0" err="1"/>
+              <a:t>loại</a:t>
+            </a:r>
+            <a:r>
+              <a:rPr lang="en-US" dirty="0"/>
+              <a:t> </a:t>
+            </a:r>
+            <a:r>
+              <a:rPr lang="en-US" dirty="0" err="1"/>
+              <a:t>sản</a:t>
+            </a:r>
+            <a:r>
+              <a:rPr lang="en-US" dirty="0"/>
+              <a:t> </a:t>
+            </a:r>
+            <a:r>
+              <a:rPr lang="en-US" dirty="0" err="1"/>
+              <a:t>phẩm</a:t>
+            </a:r>
+            <a:endParaRPr lang="en-US" dirty="0"/>
+          </a:p>
+        </p:txBody>
+      </p:sp>
+      <p:sp>
+        <p:nvSpPr>
+          <p:cNvPr id="12" name="Flowchart: Connector 11">
+            <a:extLst>
+              <a:ext uri="{FF2B5EF4-FFF2-40B4-BE49-F238E27FC236}">
+                <a16:creationId xmlns:a16="http://schemas.microsoft.com/office/drawing/2014/main" id="{638F0BC0-E9E7-42BC-B7F3-B361DA3E519F}"/>
+              </a:ext>
+            </a:extLst>
+          </p:cNvPr>
+          <p:cNvSpPr/>
+          <p:nvPr/>
+        </p:nvSpPr>
+        <p:spPr>
+          <a:xfrm>
+            <a:off x="1571706" y="3639405"/>
+            <a:ext cx="1824433" cy="1846995"/>
+          </a:xfrm>
+          <a:prstGeom prst="flowChartConnector">
+            <a:avLst/>
+          </a:prstGeom>
+          <a:solidFill>
+            <a:schemeClr val="accent6">
+              <a:lumMod val="40000"/>
+              <a:lumOff val="60000"/>
+            </a:schemeClr>
+          </a:solidFill>
+        </p:spPr>
+        <p:style>
+          <a:lnRef idx="2">
+            <a:schemeClr val="accent1">
+              <a:shade val="50000"/>
+            </a:schemeClr>
+          </a:lnRef>
+          <a:fillRef idx="1">
+            <a:schemeClr val="accent1"/>
+          </a:fillRef>
+          <a:effectRef idx="0">
+            <a:schemeClr val="accent1"/>
+          </a:effectRef>
+          <a:fontRef idx="minor">
+            <a:schemeClr val="lt1"/>
+          </a:fontRef>
+        </p:style>
+        <p:txBody>
+          <a:bodyPr rtlCol="0" anchor="ctr"/>
+          <a:lstStyle/>
+          <a:p>
+            <a:pPr algn="ctr"/>
+            <a:r>
+              <a:rPr lang="en-US" dirty="0"/>
+              <a:t>QL </a:t>
+            </a:r>
+            <a:r>
+              <a:rPr lang="en-US" dirty="0" err="1"/>
+              <a:t>sản</a:t>
+            </a:r>
+            <a:r>
+              <a:rPr lang="en-US" dirty="0"/>
+              <a:t> </a:t>
+            </a:r>
+            <a:r>
+              <a:rPr lang="en-US" dirty="0" err="1"/>
+              <a:t>phẩm</a:t>
+            </a:r>
+            <a:r>
+              <a:rPr lang="en-US" dirty="0"/>
+              <a:t>, </a:t>
+            </a:r>
+            <a:r>
+              <a:rPr lang="en-US" dirty="0" err="1"/>
+              <a:t>màu</a:t>
+            </a:r>
+            <a:r>
+              <a:rPr lang="en-US" dirty="0"/>
+              <a:t> &amp; size</a:t>
+            </a:r>
+          </a:p>
+        </p:txBody>
+      </p:sp>
+      <p:sp>
+        <p:nvSpPr>
+          <p:cNvPr id="13" name="Flowchart: Connector 12">
+            <a:extLst>
+              <a:ext uri="{FF2B5EF4-FFF2-40B4-BE49-F238E27FC236}">
+                <a16:creationId xmlns:a16="http://schemas.microsoft.com/office/drawing/2014/main" id="{2BAE711E-57F4-4BA8-8D9A-0E56E2EE881B}"/>
+              </a:ext>
+            </a:extLst>
+          </p:cNvPr>
+          <p:cNvSpPr/>
+          <p:nvPr/>
+        </p:nvSpPr>
+        <p:spPr>
+          <a:xfrm>
+            <a:off x="3782255" y="2303713"/>
+            <a:ext cx="1741759" cy="1741759"/>
+          </a:xfrm>
+          <a:prstGeom prst="flowChartConnector">
+            <a:avLst/>
+          </a:prstGeom>
+          <a:solidFill>
+            <a:schemeClr val="tx2">
+              <a:lumMod val="40000"/>
+              <a:lumOff val="60000"/>
+            </a:schemeClr>
+          </a:solidFill>
+        </p:spPr>
+        <p:style>
+          <a:lnRef idx="2">
+            <a:schemeClr val="accent1">
+              <a:shade val="50000"/>
+            </a:schemeClr>
+          </a:lnRef>
+          <a:fillRef idx="1">
+            <a:schemeClr val="accent1"/>
+          </a:fillRef>
+          <a:effectRef idx="0">
+            <a:schemeClr val="accent1"/>
+          </a:effectRef>
+          <a:fontRef idx="minor">
+            <a:schemeClr val="lt1"/>
+          </a:fontRef>
+        </p:style>
+        <p:txBody>
+          <a:bodyPr rtlCol="0" anchor="ctr"/>
+          <a:lstStyle/>
+          <a:p>
+            <a:pPr algn="ctr"/>
+            <a:r>
+              <a:rPr lang="en-US" dirty="0"/>
+              <a:t>QL đ</a:t>
+            </a:r>
+            <a:r>
+              <a:rPr lang="vi-VN" dirty="0"/>
+              <a:t>ơ</a:t>
+            </a:r>
+            <a:r>
+              <a:rPr lang="en-US" dirty="0"/>
+              <a:t>n </a:t>
+            </a:r>
+            <a:r>
+              <a:rPr lang="en-US" dirty="0" err="1"/>
+              <a:t>hàng</a:t>
+            </a:r>
+            <a:endParaRPr lang="en-US" dirty="0"/>
+          </a:p>
+        </p:txBody>
+      </p:sp>
+      <p:sp>
+        <p:nvSpPr>
+          <p:cNvPr id="16" name="Flowchart: Connector 15">
+            <a:extLst>
+              <a:ext uri="{FF2B5EF4-FFF2-40B4-BE49-F238E27FC236}">
+                <a16:creationId xmlns:a16="http://schemas.microsoft.com/office/drawing/2014/main" id="{830E42D3-F015-4BE9-9431-7FD623CC5E9D}"/>
+              </a:ext>
+            </a:extLst>
+          </p:cNvPr>
+          <p:cNvSpPr/>
+          <p:nvPr/>
+        </p:nvSpPr>
+        <p:spPr>
+          <a:xfrm>
+            <a:off x="1697637" y="659211"/>
+            <a:ext cx="2109451" cy="2272302"/>
+          </a:xfrm>
+          <a:prstGeom prst="flowChartConnector">
+            <a:avLst/>
+          </a:prstGeom>
+        </p:spPr>
+        <p:style>
+          <a:lnRef idx="2">
+            <a:schemeClr val="accent5">
+              <a:shade val="50000"/>
+            </a:schemeClr>
+          </a:lnRef>
+          <a:fillRef idx="1">
+            <a:schemeClr val="accent5"/>
+          </a:fillRef>
+          <a:effectRef idx="0">
+            <a:schemeClr val="accent5"/>
+          </a:effectRef>
+          <a:fontRef idx="minor">
+            <a:schemeClr val="lt1"/>
+          </a:fontRef>
+        </p:style>
+        <p:txBody>
+          <a:bodyPr rtlCol="0" anchor="ctr"/>
+          <a:lstStyle/>
+          <a:p>
+            <a:pPr algn="ctr"/>
+            <a:r>
+              <a:rPr lang="en-US" dirty="0" err="1"/>
+              <a:t>Thống</a:t>
+            </a:r>
+            <a:r>
+              <a:rPr lang="en-US" dirty="0"/>
+              <a:t> </a:t>
+            </a:r>
+            <a:r>
+              <a:rPr lang="en-US" dirty="0" err="1"/>
+              <a:t>kê</a:t>
+            </a:r>
+            <a:r>
+              <a:rPr lang="en-US" dirty="0"/>
+              <a:t> </a:t>
+            </a:r>
+            <a:r>
+              <a:rPr lang="en-US" dirty="0" err="1"/>
+              <a:t>doanh</a:t>
+            </a:r>
+            <a:r>
+              <a:rPr lang="en-US" dirty="0"/>
+              <a:t> </a:t>
+            </a:r>
+            <a:r>
+              <a:rPr lang="en-US" dirty="0" err="1"/>
+              <a:t>thu</a:t>
+            </a:r>
+            <a:endParaRPr lang="en-US" dirty="0"/>
+          </a:p>
+        </p:txBody>
+      </p:sp>
+      <p:sp>
+        <p:nvSpPr>
+          <p:cNvPr id="17" name="Flowchart: Connector 16">
+            <a:extLst>
+              <a:ext uri="{FF2B5EF4-FFF2-40B4-BE49-F238E27FC236}">
+                <a16:creationId xmlns:a16="http://schemas.microsoft.com/office/drawing/2014/main" id="{A501B7C5-FD47-438E-B441-21E5D1EFBFDD}"/>
+              </a:ext>
+            </a:extLst>
+          </p:cNvPr>
+          <p:cNvSpPr/>
+          <p:nvPr/>
+        </p:nvSpPr>
+        <p:spPr>
+          <a:xfrm>
+            <a:off x="4616206" y="-297753"/>
+            <a:ext cx="2591922" cy="2591922"/>
+          </a:xfrm>
+          <a:prstGeom prst="flowChartConnector">
+            <a:avLst/>
+          </a:prstGeom>
+          <a:solidFill>
+            <a:schemeClr val="accent2">
+              <a:lumMod val="60000"/>
+              <a:lumOff val="40000"/>
+            </a:schemeClr>
+          </a:solidFill>
+        </p:spPr>
+        <p:style>
+          <a:lnRef idx="2">
+            <a:schemeClr val="accent1">
+              <a:shade val="50000"/>
+            </a:schemeClr>
+          </a:lnRef>
+          <a:fillRef idx="1">
+            <a:schemeClr val="accent1"/>
+          </a:fillRef>
+          <a:effectRef idx="0">
+            <a:schemeClr val="accent1"/>
+          </a:effectRef>
+          <a:fontRef idx="minor">
+            <a:schemeClr val="lt1"/>
+          </a:fontRef>
+        </p:style>
+        <p:txBody>
+          <a:bodyPr rtlCol="0" anchor="ctr"/>
+          <a:lstStyle/>
+          <a:p>
+            <a:pPr algn="ctr"/>
+            <a:r>
+              <a:rPr lang="en-US" dirty="0" err="1"/>
+              <a:t>Thống</a:t>
+            </a:r>
+            <a:r>
+              <a:rPr lang="en-US" dirty="0"/>
+              <a:t> </a:t>
+            </a:r>
+            <a:r>
+              <a:rPr lang="en-US" dirty="0" err="1"/>
+              <a:t>kê</a:t>
+            </a:r>
+            <a:r>
+              <a:rPr lang="en-US" dirty="0"/>
+              <a:t> </a:t>
+            </a:r>
+            <a:r>
+              <a:rPr lang="en-US" dirty="0" err="1"/>
+              <a:t>tồn</a:t>
+            </a:r>
+            <a:r>
+              <a:rPr lang="en-US" dirty="0"/>
+              <a:t> </a:t>
+            </a:r>
+            <a:r>
+              <a:rPr lang="en-US" dirty="0" err="1"/>
+              <a:t>kho</a:t>
+            </a:r>
+            <a:endParaRPr lang="en-US" dirty="0"/>
+          </a:p>
+        </p:txBody>
+      </p:sp>
+      <p:sp>
+        <p:nvSpPr>
+          <p:cNvPr id="20" name="Flowchart: Connector 19">
+            <a:extLst>
+              <a:ext uri="{FF2B5EF4-FFF2-40B4-BE49-F238E27FC236}">
+                <a16:creationId xmlns:a16="http://schemas.microsoft.com/office/drawing/2014/main" id="{2958F9C2-E4B8-44F0-A739-131C76597CB4}"/>
+              </a:ext>
+            </a:extLst>
+          </p:cNvPr>
+          <p:cNvSpPr/>
+          <p:nvPr/>
+        </p:nvSpPr>
+        <p:spPr>
+          <a:xfrm>
+            <a:off x="7844088" y="4746043"/>
+            <a:ext cx="1558487" cy="1558487"/>
+          </a:xfrm>
+          <a:prstGeom prst="flowChartConnector">
+            <a:avLst/>
+          </a:prstGeom>
+          <a:solidFill>
+            <a:schemeClr val="accent6">
+              <a:lumMod val="75000"/>
+            </a:schemeClr>
+          </a:solidFill>
+        </p:spPr>
+        <p:style>
+          <a:lnRef idx="2">
+            <a:schemeClr val="accent1">
+              <a:shade val="50000"/>
+            </a:schemeClr>
+          </a:lnRef>
+          <a:fillRef idx="1">
+            <a:schemeClr val="accent1"/>
+          </a:fillRef>
+          <a:effectRef idx="0">
+            <a:schemeClr val="accent1"/>
+          </a:effectRef>
+          <a:fontRef idx="minor">
+            <a:schemeClr val="lt1"/>
+          </a:fontRef>
+        </p:style>
+        <p:txBody>
+          <a:bodyPr rtlCol="0" anchor="ctr"/>
+          <a:lstStyle/>
+          <a:p>
+            <a:pPr algn="ctr"/>
+            <a:r>
+              <a:rPr lang="en-US" dirty="0" err="1"/>
+              <a:t>Quản</a:t>
+            </a:r>
+            <a:r>
+              <a:rPr lang="en-US" dirty="0"/>
+              <a:t> </a:t>
+            </a:r>
+            <a:r>
+              <a:rPr lang="en-US" dirty="0" err="1"/>
+              <a:t>lý</a:t>
+            </a:r>
+            <a:r>
+              <a:rPr lang="en-US" dirty="0"/>
+              <a:t> </a:t>
+            </a:r>
+            <a:r>
+              <a:rPr lang="en-US" dirty="0" err="1"/>
+              <a:t>nhân</a:t>
+            </a:r>
+            <a:r>
+              <a:rPr lang="en-US" dirty="0"/>
+              <a:t> </a:t>
+            </a:r>
+            <a:r>
+              <a:rPr lang="en-US" dirty="0" err="1"/>
+              <a:t>viên</a:t>
+            </a:r>
+            <a:endParaRPr lang="en-US" dirty="0"/>
+          </a:p>
+        </p:txBody>
+      </p:sp>
+      <p:sp>
+        <p:nvSpPr>
+          <p:cNvPr id="21" name="Flowchart: Connector 20">
+            <a:extLst>
+              <a:ext uri="{FF2B5EF4-FFF2-40B4-BE49-F238E27FC236}">
+                <a16:creationId xmlns:a16="http://schemas.microsoft.com/office/drawing/2014/main" id="{CBE815D8-F93A-42FF-B287-780EB5E0285F}"/>
+              </a:ext>
+            </a:extLst>
+          </p:cNvPr>
+          <p:cNvSpPr/>
+          <p:nvPr/>
+        </p:nvSpPr>
+        <p:spPr>
+          <a:xfrm>
+            <a:off x="7513232" y="882075"/>
+            <a:ext cx="1969510" cy="1969510"/>
+          </a:xfrm>
+          <a:prstGeom prst="flowChartConnector">
+            <a:avLst/>
+          </a:prstGeom>
+          <a:solidFill>
+            <a:schemeClr val="tx2">
+              <a:lumMod val="60000"/>
+              <a:lumOff val="40000"/>
+            </a:schemeClr>
+          </a:solidFill>
+        </p:spPr>
+        <p:style>
+          <a:lnRef idx="2">
+            <a:schemeClr val="accent1">
+              <a:shade val="50000"/>
+            </a:schemeClr>
+          </a:lnRef>
+          <a:fillRef idx="1">
+            <a:schemeClr val="accent1"/>
+          </a:fillRef>
+          <a:effectRef idx="0">
+            <a:schemeClr val="accent1"/>
+          </a:effectRef>
+          <a:fontRef idx="minor">
+            <a:schemeClr val="lt1"/>
+          </a:fontRef>
+        </p:style>
+        <p:txBody>
+          <a:bodyPr rtlCol="0" anchor="ctr"/>
+          <a:lstStyle/>
+          <a:p>
+            <a:pPr algn="ctr"/>
+            <a:r>
+              <a:rPr lang="en-US" dirty="0" err="1"/>
+              <a:t>Thống</a:t>
+            </a:r>
+            <a:r>
+              <a:rPr lang="en-US" dirty="0"/>
+              <a:t> </a:t>
+            </a:r>
+            <a:r>
+              <a:rPr lang="en-US" dirty="0" err="1"/>
+              <a:t>kê</a:t>
+            </a:r>
+            <a:r>
+              <a:rPr lang="en-US" dirty="0"/>
+              <a:t> </a:t>
+            </a:r>
+            <a:r>
+              <a:rPr lang="en-US" dirty="0" err="1"/>
+              <a:t>sản</a:t>
+            </a:r>
+            <a:r>
+              <a:rPr lang="en-US" dirty="0"/>
+              <a:t> </a:t>
+            </a:r>
+            <a:r>
+              <a:rPr lang="en-US" dirty="0" err="1"/>
+              <a:t>phẩm</a:t>
+            </a:r>
+            <a:endParaRPr lang="en-US" dirty="0"/>
+          </a:p>
+        </p:txBody>
+      </p:sp>
+      <p:sp>
+        <p:nvSpPr>
+          <p:cNvPr id="22" name="TextBox 21">
+            <a:extLst>
+              <a:ext uri="{FF2B5EF4-FFF2-40B4-BE49-F238E27FC236}">
+                <a16:creationId xmlns:a16="http://schemas.microsoft.com/office/drawing/2014/main" id="{CF6B6A04-C702-4FB2-B48A-1382FBDF241A}"/>
+              </a:ext>
+            </a:extLst>
+          </p:cNvPr>
+          <p:cNvSpPr txBox="1"/>
+          <p:nvPr/>
+        </p:nvSpPr>
+        <p:spPr>
+          <a:xfrm>
+            <a:off x="748686" y="848586"/>
+            <a:ext cx="3204529" cy="461665"/>
+          </a:xfrm>
+          <a:prstGeom prst="rect">
+            <a:avLst/>
+          </a:prstGeom>
+          <a:noFill/>
+        </p:spPr>
+        <p:txBody>
+          <a:bodyPr wrap="square" rtlCol="0">
+            <a:spAutoFit/>
+          </a:bodyPr>
+          <a:lstStyle/>
+          <a:p>
+            <a:pPr marL="342900" indent="-342900">
+              <a:buFont typeface="Wingdings" panose="05000000000000000000" pitchFamily="2" charset="2"/>
+              <a:buChar char="v"/>
+            </a:pPr>
+            <a:r>
+              <a:rPr lang="en-US" sz="2400" dirty="0" err="1">
+                <a:latin typeface="Times New Roman" panose="02020603050405020304" pitchFamily="18" charset="0"/>
+                <a:ea typeface="Roboto" panose="02000000000000000000" pitchFamily="2" charset="0"/>
+                <a:cs typeface="Times New Roman" panose="02020603050405020304" pitchFamily="18" charset="0"/>
+              </a:rPr>
+              <a:t>Nhân</a:t>
+            </a:r>
+            <a:r>
+              <a:rPr lang="en-US" sz="2400" dirty="0">
+                <a:latin typeface="Times New Roman" panose="02020603050405020304" pitchFamily="18" charset="0"/>
+                <a:ea typeface="Roboto" panose="02000000000000000000" pitchFamily="2" charset="0"/>
+                <a:cs typeface="Times New Roman" panose="02020603050405020304" pitchFamily="18" charset="0"/>
+              </a:rPr>
+              <a:t> </a:t>
+            </a:r>
+            <a:r>
+              <a:rPr lang="en-US" sz="2400" dirty="0" err="1">
+                <a:solidFill>
+                  <a:schemeClr val="bg1"/>
+                </a:solidFill>
+                <a:latin typeface="Times New Roman" panose="02020603050405020304" pitchFamily="18" charset="0"/>
+                <a:ea typeface="Roboto" panose="02000000000000000000" pitchFamily="2" charset="0"/>
+                <a:cs typeface="Times New Roman" panose="02020603050405020304" pitchFamily="18" charset="0"/>
+              </a:rPr>
+              <a:t>viên</a:t>
+            </a:r>
+            <a:endParaRPr lang="en-US" sz="2400" dirty="0">
+              <a:solidFill>
+                <a:schemeClr val="bg1"/>
+              </a:solidFill>
+            </a:endParaRPr>
+          </a:p>
+        </p:txBody>
+      </p:sp>
+      <p:sp>
+        <p:nvSpPr>
+          <p:cNvPr id="24" name="Title 1">
+            <a:extLst>
+              <a:ext uri="{FF2B5EF4-FFF2-40B4-BE49-F238E27FC236}">
+                <a16:creationId xmlns:a16="http://schemas.microsoft.com/office/drawing/2014/main" id="{BAA441B4-2F6E-478D-B480-DD9AA7C30D40}"/>
               </a:ext>
             </a:extLst>
           </p:cNvPr>
@@ -6709,7 +7545,7 @@
         </p:nvSpPr>
         <p:spPr>
           <a:xfrm>
-            <a:off x="0" y="381000"/>
+            <a:off x="-76200" y="372649"/>
             <a:ext cx="8915400" cy="552615"/>
           </a:xfrm>
           <a:prstGeom prst="rect">
@@ -6753,47 +7589,27 @@
                 <a:latin typeface="Times New Roman" panose="02020603050405020304" pitchFamily="18" charset="0"/>
                 <a:cs typeface="Times New Roman" panose="02020603050405020304" pitchFamily="18" charset="0"/>
               </a:rPr>
-              <a:t>IV. DEMO</a:t>
-            </a:r>
-          </a:p>
-        </p:txBody>
-      </p:sp>
-      <p:sp>
-        <p:nvSpPr>
-          <p:cNvPr id="2" name="Slide Number Placeholder 1">
-            <a:extLst>
-              <a:ext uri="{FF2B5EF4-FFF2-40B4-BE49-F238E27FC236}">
-                <a16:creationId xmlns:a16="http://schemas.microsoft.com/office/drawing/2014/main" id="{056A7CEE-23C8-405B-8D7B-F5D3CF5561EB}"/>
-              </a:ext>
-            </a:extLst>
-          </p:cNvPr>
-          <p:cNvSpPr>
-            <a:spLocks noGrp="1"/>
-          </p:cNvSpPr>
-          <p:nvPr>
-            <p:ph type="sldNum" sz="quarter" idx="12"/>
-          </p:nvPr>
-        </p:nvSpPr>
-        <p:spPr/>
-        <p:txBody>
-          <a:bodyPr/>
-          <a:lstStyle/>
-          <a:p>
-            <a:fld id="{B6F15528-21DE-4FAA-801E-634DDDAF4B2B}" type="slidenum">
-              <a:rPr lang="en-US" smtClean="0"/>
-              <a:pPr/>
-              <a:t>13</a:t>
-            </a:fld>
-            <a:endParaRPr lang="en-US"/>
-          </a:p>
-        </p:txBody>
-      </p:sp>
-      <p:sp>
-        <p:nvSpPr>
-          <p:cNvPr id="3" name="Rectangle 2">
-            <a:extLst>
-              <a:ext uri="{FF2B5EF4-FFF2-40B4-BE49-F238E27FC236}">
-                <a16:creationId xmlns:a16="http://schemas.microsoft.com/office/drawing/2014/main" id="{2889A1C1-D5DF-4FA0-804F-924EAA913173}"/>
+              <a:t>IV. DE</a:t>
+            </a:r>
+            <a:r>
+              <a:rPr lang="en-US" sz="3200" b="1" dirty="0">
+                <a:solidFill>
+                  <a:schemeClr val="bg1"/>
+                </a:solidFill>
+                <a:latin typeface="Times New Roman" panose="02020603050405020304" pitchFamily="18" charset="0"/>
+                <a:cs typeface="Times New Roman" panose="02020603050405020304" pitchFamily="18" charset="0"/>
+              </a:rPr>
+              <a:t>MO</a:t>
+            </a:r>
+          </a:p>
+        </p:txBody>
+      </p:sp>
+      <p:sp>
+        <p:nvSpPr>
+          <p:cNvPr id="43" name="Flowchart: Connector 42">
+            <a:extLst>
+              <a:ext uri="{FF2B5EF4-FFF2-40B4-BE49-F238E27FC236}">
+                <a16:creationId xmlns:a16="http://schemas.microsoft.com/office/drawing/2014/main" id="{2E39BE65-C1BE-4111-BB62-9739A2CFD5CC}"/>
               </a:ext>
             </a:extLst>
           </p:cNvPr>
@@ -6802,1899 +7618,1032 @@
         </p:nvSpPr>
         <p:spPr>
           <a:xfrm>
-            <a:off x="762000" y="1019096"/>
-            <a:ext cx="8001000" cy="5457904"/>
+            <a:off x="6223643" y="4104328"/>
+            <a:ext cx="1420958" cy="1420958"/>
+          </a:xfrm>
+          <a:prstGeom prst="flowChartConnector">
+            <a:avLst/>
+          </a:prstGeom>
+          <a:solidFill>
+            <a:schemeClr val="accent6">
+              <a:lumMod val="40000"/>
+              <a:lumOff val="60000"/>
+            </a:schemeClr>
+          </a:solidFill>
+        </p:spPr>
+        <p:style>
+          <a:lnRef idx="2">
+            <a:schemeClr val="accent1">
+              <a:shade val="50000"/>
+            </a:schemeClr>
+          </a:lnRef>
+          <a:fillRef idx="1">
+            <a:schemeClr val="accent1"/>
+          </a:fillRef>
+          <a:effectRef idx="0">
+            <a:schemeClr val="accent1"/>
+          </a:effectRef>
+          <a:fontRef idx="minor">
+            <a:schemeClr val="lt1"/>
+          </a:fontRef>
+        </p:style>
+        <p:txBody>
+          <a:bodyPr rtlCol="0" anchor="ctr"/>
+          <a:lstStyle/>
+          <a:p>
+            <a:pPr algn="ctr"/>
+            <a:r>
+              <a:rPr lang="en-US" dirty="0"/>
+              <a:t>QL </a:t>
+            </a:r>
+            <a:r>
+              <a:rPr lang="en-US" dirty="0" err="1"/>
+              <a:t>Khuyến</a:t>
+            </a:r>
+            <a:r>
+              <a:rPr lang="en-US" dirty="0"/>
+              <a:t> </a:t>
+            </a:r>
+            <a:r>
+              <a:rPr lang="en-US" dirty="0" err="1"/>
+              <a:t>mãi</a:t>
+            </a:r>
+            <a:endParaRPr lang="en-US" dirty="0"/>
+          </a:p>
+        </p:txBody>
+      </p:sp>
+      <p:pic>
+        <p:nvPicPr>
+          <p:cNvPr id="1026" name="Picture 2" descr="Admin Icon | Free Large Boss Iconset | Aha-Soft">
+            <a:extLst>
+              <a:ext uri="{FF2B5EF4-FFF2-40B4-BE49-F238E27FC236}">
+                <a16:creationId xmlns:a16="http://schemas.microsoft.com/office/drawing/2014/main" id="{05326B61-49EC-4BCE-91BC-CCC949A66BF5}"/>
+              </a:ext>
+            </a:extLst>
+          </p:cNvPr>
+          <p:cNvPicPr>
+            <a:picLocks noChangeAspect="1" noChangeArrowheads="1"/>
+          </p:cNvPicPr>
+          <p:nvPr/>
+        </p:nvPicPr>
+        <p:blipFill>
+          <a:blip r:embed="rId3">
+            <a:extLst>
+              <a:ext uri="{28A0092B-C50C-407E-A947-70E740481C1C}">
+                <a14:useLocalDpi xmlns:a14="http://schemas.microsoft.com/office/drawing/2010/main" val="0"/>
+              </a:ext>
+            </a:extLst>
+          </a:blip>
+          <a:srcRect/>
+          <a:stretch>
+            <a:fillRect/>
+          </a:stretch>
+        </p:blipFill>
+        <p:spPr bwMode="auto">
+          <a:xfrm>
+            <a:off x="3396139" y="3901190"/>
+            <a:ext cx="2893381" cy="2893381"/>
+          </a:xfrm>
+          <a:prstGeom prst="rect">
+            <a:avLst/>
+          </a:prstGeom>
+          <a:noFill/>
+          <a:extLst>
+            <a:ext uri="{909E8E84-426E-40DD-AFC4-6F175D3DCCD1}">
+              <a14:hiddenFill xmlns:a14="http://schemas.microsoft.com/office/drawing/2010/main">
+                <a:solidFill>
+                  <a:srgbClr val="FFFFFF"/>
+                </a:solidFill>
+              </a14:hiddenFill>
+            </a:ext>
+          </a:extLst>
+        </p:spPr>
+      </p:pic>
+    </p:spTree>
+    <p:extLst>
+      <p:ext uri="{BB962C8B-B14F-4D97-AF65-F5344CB8AC3E}">
+        <p14:creationId xmlns:p14="http://schemas.microsoft.com/office/powerpoint/2010/main" val="1988411545"/>
+      </p:ext>
+    </p:extLst>
+  </p:cSld>
+  <p:clrMapOvr>
+    <a:masterClrMapping/>
+  </p:clrMapOvr>
+</p:sld>
+</file>
+
+<file path=ppt/slides/slide14.xml><?xml version="1.0" encoding="utf-8"?>
+<p:sld xmlns:a="http://schemas.openxmlformats.org/drawingml/2006/main" xmlns:r="http://schemas.openxmlformats.org/officeDocument/2006/relationships" xmlns:p="http://schemas.openxmlformats.org/presentationml/2006/main">
+  <p:cSld>
+    <p:spTree>
+      <p:nvGrpSpPr>
+        <p:cNvPr id="1" name=""/>
+        <p:cNvGrpSpPr/>
+        <p:nvPr/>
+      </p:nvGrpSpPr>
+      <p:grpSpPr>
+        <a:xfrm>
+          <a:off x="0" y="0"/>
+          <a:ext cx="0" cy="0"/>
+          <a:chOff x="0" y="0"/>
+          <a:chExt cx="0" cy="0"/>
+        </a:xfrm>
+      </p:grpSpPr>
+      <p:sp>
+        <p:nvSpPr>
+          <p:cNvPr id="7" name="Title 1">
+            <a:extLst>
+              <a:ext uri="{FF2B5EF4-FFF2-40B4-BE49-F238E27FC236}">
+                <a16:creationId xmlns:a16="http://schemas.microsoft.com/office/drawing/2014/main" id="{CB3235A3-3155-43F6-A0B6-9EC6F66536FA}"/>
+              </a:ext>
+            </a:extLst>
+          </p:cNvPr>
+          <p:cNvSpPr txBox="1">
+            <a:spLocks/>
+          </p:cNvSpPr>
+          <p:nvPr/>
+        </p:nvSpPr>
+        <p:spPr>
+          <a:xfrm>
+            <a:off x="0" y="381000"/>
+            <a:ext cx="8915400" cy="552615"/>
           </a:xfrm>
           <a:prstGeom prst="rect">
             <a:avLst/>
           </a:prstGeom>
         </p:spPr>
         <p:txBody>
-          <a:bodyPr wrap="square">
-            <a:spAutoFit/>
+          <a:bodyPr vert="horz" lIns="91440" tIns="45720" rIns="91440" bIns="45720" rtlCol="0" anchor="ctr">
+            <a:normAutofit/>
           </a:bodyPr>
-          <a:lstStyle/>
-          <a:p>
-            <a:pPr marL="228600" marR="0" indent="131445">
+          <a:lstStyle>
+            <a:lvl1pPr algn="l" defTabSz="685800" rtl="0" eaLnBrk="1" latinLnBrk="0" hangingPunct="1">
               <a:lnSpc>
-                <a:spcPct val="130000"/>
+                <a:spcPct val="90000"/>
               </a:lnSpc>
+              <a:spcBef>
+                <a:spcPct val="0"/>
+              </a:spcBef>
+              <a:buNone/>
+              <a:defRPr sz="3300" kern="1200">
+                <a:solidFill>
+                  <a:schemeClr val="tx1"/>
+                </a:solidFill>
+                <a:latin typeface="+mj-lt"/>
+                <a:ea typeface="+mj-ea"/>
+                <a:cs typeface="+mj-cs"/>
+              </a:defRPr>
+            </a:lvl1pPr>
+          </a:lstStyle>
+          <a:p>
+            <a:pPr algn="ctr">
               <a:spcBef>
                 <a:spcPts val="0"/>
               </a:spcBef>
-              <a:spcAft>
-                <a:spcPts val="0"/>
-              </a:spcAft>
             </a:pPr>
             <a:r>
-              <a:rPr lang="en-US" b="1" dirty="0" err="1">
+              <a:rPr lang="en-US" sz="3200" b="1" dirty="0">
                 <a:solidFill>
-                  <a:srgbClr val="000000"/>
+                  <a:schemeClr val="accent1"/>
                 </a:solidFill>
                 <a:latin typeface="Times New Roman" panose="02020603050405020304" pitchFamily="18" charset="0"/>
-                <a:ea typeface="MS Mincho" panose="02020609040205080304" pitchFamily="49" charset="-128"/>
+                <a:cs typeface="Times New Roman" panose="02020603050405020304" pitchFamily="18" charset="0"/>
+              </a:rPr>
+              <a:t>IV. DEMO</a:t>
+            </a:r>
+          </a:p>
+        </p:txBody>
+      </p:sp>
+      <p:sp>
+        <p:nvSpPr>
+          <p:cNvPr id="2" name="Slide Number Placeholder 1">
+            <a:extLst>
+              <a:ext uri="{FF2B5EF4-FFF2-40B4-BE49-F238E27FC236}">
+                <a16:creationId xmlns:a16="http://schemas.microsoft.com/office/drawing/2014/main" id="{056A7CEE-23C8-405B-8D7B-F5D3CF5561EB}"/>
+              </a:ext>
+            </a:extLst>
+          </p:cNvPr>
+          <p:cNvSpPr>
+            <a:spLocks noGrp="1"/>
+          </p:cNvSpPr>
+          <p:nvPr>
+            <p:ph type="sldNum" sz="quarter" idx="12"/>
+          </p:nvPr>
+        </p:nvSpPr>
+        <p:spPr/>
+        <p:txBody>
+          <a:bodyPr/>
+          <a:lstStyle/>
+          <a:p>
+            <a:fld id="{B6F15528-21DE-4FAA-801E-634DDDAF4B2B}" type="slidenum">
+              <a:rPr lang="en-US" smtClean="0"/>
+              <a:pPr/>
+              <a:t>14</a:t>
+            </a:fld>
+            <a:endParaRPr lang="en-US"/>
+          </a:p>
+        </p:txBody>
+      </p:sp>
+      <p:pic>
+        <p:nvPicPr>
+          <p:cNvPr id="2050" name="Picture 2" descr="Android App Development Company - Csoft Technology">
+            <a:extLst>
+              <a:ext uri="{FF2B5EF4-FFF2-40B4-BE49-F238E27FC236}">
+                <a16:creationId xmlns:a16="http://schemas.microsoft.com/office/drawing/2014/main" id="{208DE294-8C8A-4D89-869D-3A64B591A3A7}"/>
+              </a:ext>
+            </a:extLst>
+          </p:cNvPr>
+          <p:cNvPicPr>
+            <a:picLocks noChangeAspect="1" noChangeArrowheads="1"/>
+          </p:cNvPicPr>
+          <p:nvPr/>
+        </p:nvPicPr>
+        <p:blipFill>
+          <a:blip r:embed="rId3">
+            <a:extLst>
+              <a:ext uri="{28A0092B-C50C-407E-A947-70E740481C1C}">
+                <a14:useLocalDpi xmlns:a14="http://schemas.microsoft.com/office/drawing/2010/main" val="0"/>
+              </a:ext>
+            </a:extLst>
+          </a:blip>
+          <a:srcRect/>
+          <a:stretch>
+            <a:fillRect/>
+          </a:stretch>
+        </p:blipFill>
+        <p:spPr bwMode="auto">
+          <a:xfrm>
+            <a:off x="6609815" y="3484563"/>
+            <a:ext cx="2527005" cy="2871788"/>
+          </a:xfrm>
+          <a:prstGeom prst="rect">
+            <a:avLst/>
+          </a:prstGeom>
+          <a:noFill/>
+          <a:extLst>
+            <a:ext uri="{909E8E84-426E-40DD-AFC4-6F175D3DCCD1}">
+              <a14:hiddenFill xmlns:a14="http://schemas.microsoft.com/office/drawing/2010/main">
+                <a:solidFill>
+                  <a:srgbClr val="FFFFFF"/>
+                </a:solidFill>
+              </a14:hiddenFill>
+            </a:ext>
+          </a:extLst>
+        </p:spPr>
+      </p:pic>
+      <p:sp>
+        <p:nvSpPr>
+          <p:cNvPr id="6" name="TextBox 5">
+            <a:extLst>
+              <a:ext uri="{FF2B5EF4-FFF2-40B4-BE49-F238E27FC236}">
+                <a16:creationId xmlns:a16="http://schemas.microsoft.com/office/drawing/2014/main" id="{63813C95-D622-41A2-9C59-1173FFC0C266}"/>
+              </a:ext>
+            </a:extLst>
+          </p:cNvPr>
+          <p:cNvSpPr txBox="1"/>
+          <p:nvPr/>
+        </p:nvSpPr>
+        <p:spPr>
+          <a:xfrm>
+            <a:off x="748686" y="848586"/>
+            <a:ext cx="3204529" cy="461665"/>
+          </a:xfrm>
+          <a:prstGeom prst="rect">
+            <a:avLst/>
+          </a:prstGeom>
+          <a:noFill/>
+        </p:spPr>
+        <p:txBody>
+          <a:bodyPr wrap="square" rtlCol="0">
+            <a:spAutoFit/>
+          </a:bodyPr>
+          <a:lstStyle/>
+          <a:p>
+            <a:pPr marL="342900" indent="-342900">
+              <a:buFont typeface="Wingdings" panose="05000000000000000000" pitchFamily="2" charset="2"/>
+              <a:buChar char="v"/>
+            </a:pPr>
+            <a:r>
+              <a:rPr lang="en-US" sz="2400" dirty="0" err="1">
+                <a:latin typeface="Times New Roman" panose="02020603050405020304" pitchFamily="18" charset="0"/>
+                <a:ea typeface="Roboto" panose="02000000000000000000" pitchFamily="2" charset="0"/>
+                <a:cs typeface="Times New Roman" panose="02020603050405020304" pitchFamily="18" charset="0"/>
               </a:rPr>
               <a:t>Khách</a:t>
             </a:r>
             <a:r>
-              <a:rPr lang="en-US" b="1" dirty="0">
+              <a:rPr lang="en-US" sz="2400" dirty="0">
+                <a:latin typeface="Times New Roman" panose="02020603050405020304" pitchFamily="18" charset="0"/>
+                <a:ea typeface="Roboto" panose="02000000000000000000" pitchFamily="2" charset="0"/>
+                <a:cs typeface="Times New Roman" panose="02020603050405020304" pitchFamily="18" charset="0"/>
+              </a:rPr>
+              <a:t> </a:t>
+            </a:r>
+            <a:r>
+              <a:rPr lang="en-US" sz="2400" dirty="0" err="1">
+                <a:latin typeface="Times New Roman" panose="02020603050405020304" pitchFamily="18" charset="0"/>
+                <a:ea typeface="Roboto" panose="02000000000000000000" pitchFamily="2" charset="0"/>
+                <a:cs typeface="Times New Roman" panose="02020603050405020304" pitchFamily="18" charset="0"/>
+              </a:rPr>
+              <a:t>hàng</a:t>
+            </a:r>
+            <a:endParaRPr lang="en-US" sz="2400" dirty="0"/>
+          </a:p>
+        </p:txBody>
+      </p:sp>
+      <p:sp>
+        <p:nvSpPr>
+          <p:cNvPr id="5" name="Hexagon 4">
+            <a:extLst>
+              <a:ext uri="{FF2B5EF4-FFF2-40B4-BE49-F238E27FC236}">
+                <a16:creationId xmlns:a16="http://schemas.microsoft.com/office/drawing/2014/main" id="{99DAD1A9-92B7-4709-8C35-6219B1782C87}"/>
+              </a:ext>
+            </a:extLst>
+          </p:cNvPr>
+          <p:cNvSpPr/>
+          <p:nvPr/>
+        </p:nvSpPr>
+        <p:spPr>
+          <a:xfrm>
+            <a:off x="1878381" y="3518710"/>
+            <a:ext cx="2617419" cy="2120090"/>
+          </a:xfrm>
+          <a:prstGeom prst="hexagon">
+            <a:avLst/>
+          </a:prstGeom>
+          <a:solidFill>
+            <a:schemeClr val="accent1">
+              <a:lumMod val="75000"/>
+            </a:schemeClr>
+          </a:solidFill>
+        </p:spPr>
+        <p:style>
+          <a:lnRef idx="2">
+            <a:schemeClr val="accent1">
+              <a:shade val="50000"/>
+            </a:schemeClr>
+          </a:lnRef>
+          <a:fillRef idx="1">
+            <a:schemeClr val="accent1"/>
+          </a:fillRef>
+          <a:effectRef idx="0">
+            <a:schemeClr val="accent1"/>
+          </a:effectRef>
+          <a:fontRef idx="minor">
+            <a:schemeClr val="lt1"/>
+          </a:fontRef>
+        </p:style>
+        <p:txBody>
+          <a:bodyPr rtlCol="0" anchor="ctr"/>
+          <a:lstStyle/>
+          <a:p>
+            <a:pPr algn="ctr"/>
+            <a:r>
+              <a:rPr lang="en-US" sz="2400" dirty="0" err="1"/>
+              <a:t>Giỏ</a:t>
+            </a:r>
+            <a:r>
+              <a:rPr lang="en-US" sz="2400" dirty="0"/>
+              <a:t> </a:t>
+            </a:r>
+            <a:r>
+              <a:rPr lang="en-US" sz="2400" dirty="0" err="1"/>
+              <a:t>hàng</a:t>
+            </a:r>
+            <a:endParaRPr lang="en-US" sz="2400" dirty="0"/>
+          </a:p>
+        </p:txBody>
+      </p:sp>
+      <p:sp>
+        <p:nvSpPr>
+          <p:cNvPr id="15" name="Hexagon 14">
+            <a:extLst>
+              <a:ext uri="{FF2B5EF4-FFF2-40B4-BE49-F238E27FC236}">
+                <a16:creationId xmlns:a16="http://schemas.microsoft.com/office/drawing/2014/main" id="{9BA321C6-C11D-4A6D-AAEB-CBDF47E22B15}"/>
+              </a:ext>
+            </a:extLst>
+          </p:cNvPr>
+          <p:cNvSpPr/>
+          <p:nvPr/>
+        </p:nvSpPr>
+        <p:spPr>
+          <a:xfrm>
+            <a:off x="4060025" y="2363560"/>
+            <a:ext cx="2617419" cy="2120090"/>
+          </a:xfrm>
+          <a:prstGeom prst="hexagon">
+            <a:avLst/>
+          </a:prstGeom>
+          <a:solidFill>
+            <a:schemeClr val="accent1">
+              <a:lumMod val="50000"/>
+            </a:schemeClr>
+          </a:solidFill>
+        </p:spPr>
+        <p:style>
+          <a:lnRef idx="2">
+            <a:schemeClr val="accent1">
+              <a:shade val="50000"/>
+            </a:schemeClr>
+          </a:lnRef>
+          <a:fillRef idx="1">
+            <a:schemeClr val="accent1"/>
+          </a:fillRef>
+          <a:effectRef idx="0">
+            <a:schemeClr val="accent1"/>
+          </a:effectRef>
+          <a:fontRef idx="minor">
+            <a:schemeClr val="lt1"/>
+          </a:fontRef>
+        </p:style>
+        <p:txBody>
+          <a:bodyPr rtlCol="0" anchor="ctr"/>
+          <a:lstStyle/>
+          <a:p>
+            <a:pPr algn="ctr"/>
+            <a:r>
+              <a:rPr lang="en-US" sz="2400" dirty="0" err="1"/>
+              <a:t>Đăt</a:t>
+            </a:r>
+            <a:r>
+              <a:rPr lang="en-US" sz="2400" dirty="0"/>
+              <a:t> </a:t>
+            </a:r>
+            <a:r>
+              <a:rPr lang="en-US" sz="2400" dirty="0" err="1"/>
+              <a:t>hàng</a:t>
+            </a:r>
+            <a:endParaRPr lang="en-US" sz="2400" dirty="0"/>
+          </a:p>
+        </p:txBody>
+      </p:sp>
+      <p:sp>
+        <p:nvSpPr>
+          <p:cNvPr id="17" name="Hexagon 16">
+            <a:extLst>
+              <a:ext uri="{FF2B5EF4-FFF2-40B4-BE49-F238E27FC236}">
+                <a16:creationId xmlns:a16="http://schemas.microsoft.com/office/drawing/2014/main" id="{C7A9B005-9E9F-4F9E-855D-5129290DC8B3}"/>
+              </a:ext>
+            </a:extLst>
+          </p:cNvPr>
+          <p:cNvSpPr/>
+          <p:nvPr/>
+        </p:nvSpPr>
+        <p:spPr>
+          <a:xfrm>
+            <a:off x="-269413" y="2335882"/>
+            <a:ext cx="2617419" cy="2120090"/>
+          </a:xfrm>
+          <a:prstGeom prst="hexagon">
+            <a:avLst/>
+          </a:prstGeom>
+          <a:solidFill>
+            <a:schemeClr val="accent5">
+              <a:lumMod val="75000"/>
+            </a:schemeClr>
+          </a:solidFill>
+        </p:spPr>
+        <p:style>
+          <a:lnRef idx="3">
+            <a:schemeClr val="lt1"/>
+          </a:lnRef>
+          <a:fillRef idx="1">
+            <a:schemeClr val="accent5"/>
+          </a:fillRef>
+          <a:effectRef idx="1">
+            <a:schemeClr val="accent5"/>
+          </a:effectRef>
+          <a:fontRef idx="minor">
+            <a:schemeClr val="lt1"/>
+          </a:fontRef>
+        </p:style>
+        <p:txBody>
+          <a:bodyPr rtlCol="0" anchor="ctr"/>
+          <a:lstStyle/>
+          <a:p>
+            <a:pPr algn="ctr"/>
+            <a:r>
+              <a:rPr lang="en-US" sz="2400" dirty="0"/>
+              <a:t>Shop info, </a:t>
+            </a:r>
+            <a:r>
+              <a:rPr lang="en-US" sz="2400" dirty="0" err="1"/>
+              <a:t>sổ</a:t>
+            </a:r>
+            <a:r>
+              <a:rPr lang="en-US" sz="2400" dirty="0"/>
+              <a:t> </a:t>
+            </a:r>
+            <a:r>
+              <a:rPr lang="en-US" sz="2400" dirty="0" err="1"/>
+              <a:t>địa</a:t>
+            </a:r>
+            <a:r>
+              <a:rPr lang="en-US" sz="2400" dirty="0"/>
+              <a:t> </a:t>
+            </a:r>
+            <a:r>
+              <a:rPr lang="en-US" sz="2400" dirty="0" err="1"/>
+              <a:t>chỉ</a:t>
+            </a:r>
+            <a:r>
+              <a:rPr lang="en-US" sz="2400" dirty="0"/>
+              <a:t>, </a:t>
+            </a:r>
+            <a:r>
+              <a:rPr lang="en-US" sz="2400" dirty="0" err="1"/>
+              <a:t>liên</a:t>
+            </a:r>
+            <a:r>
+              <a:rPr lang="en-US" sz="2400" dirty="0"/>
+              <a:t> </a:t>
+            </a:r>
+            <a:r>
+              <a:rPr lang="en-US" sz="2400" dirty="0" err="1"/>
+              <a:t>lạc</a:t>
+            </a:r>
+            <a:endParaRPr lang="en-US" sz="2400" dirty="0"/>
+          </a:p>
+        </p:txBody>
+      </p:sp>
+      <p:sp>
+        <p:nvSpPr>
+          <p:cNvPr id="18" name="Hexagon 17">
+            <a:extLst>
+              <a:ext uri="{FF2B5EF4-FFF2-40B4-BE49-F238E27FC236}">
+                <a16:creationId xmlns:a16="http://schemas.microsoft.com/office/drawing/2014/main" id="{AC802956-A8BC-4E8D-9417-36597AC4CBD8}"/>
+              </a:ext>
+            </a:extLst>
+          </p:cNvPr>
+          <p:cNvSpPr/>
+          <p:nvPr/>
+        </p:nvSpPr>
+        <p:spPr>
+          <a:xfrm>
+            <a:off x="1895627" y="1263900"/>
+            <a:ext cx="2533346" cy="2051991"/>
+          </a:xfrm>
+          <a:prstGeom prst="hexagon">
+            <a:avLst/>
+          </a:prstGeom>
+          <a:solidFill>
+            <a:schemeClr val="accent2">
+              <a:lumMod val="75000"/>
+            </a:schemeClr>
+          </a:solidFill>
+        </p:spPr>
+        <p:style>
+          <a:lnRef idx="0">
+            <a:schemeClr val="accent5"/>
+          </a:lnRef>
+          <a:fillRef idx="3">
+            <a:schemeClr val="accent5"/>
+          </a:fillRef>
+          <a:effectRef idx="3">
+            <a:schemeClr val="accent5"/>
+          </a:effectRef>
+          <a:fontRef idx="minor">
+            <a:schemeClr val="lt1"/>
+          </a:fontRef>
+        </p:style>
+        <p:txBody>
+          <a:bodyPr rtlCol="0" anchor="ctr"/>
+          <a:lstStyle/>
+          <a:p>
+            <a:pPr algn="ctr"/>
+            <a:r>
+              <a:rPr lang="en-US" sz="2400" dirty="0"/>
+              <a:t>Theo </a:t>
+            </a:r>
+            <a:r>
+              <a:rPr lang="en-US" sz="2400" dirty="0" err="1"/>
+              <a:t>dõi</a:t>
+            </a:r>
+            <a:r>
+              <a:rPr lang="en-US" sz="2400" dirty="0"/>
+              <a:t> ĐH</a:t>
+            </a:r>
+          </a:p>
+        </p:txBody>
+      </p:sp>
+      <p:sp>
+        <p:nvSpPr>
+          <p:cNvPr id="22" name="Hexagon 21">
+            <a:extLst>
+              <a:ext uri="{FF2B5EF4-FFF2-40B4-BE49-F238E27FC236}">
+                <a16:creationId xmlns:a16="http://schemas.microsoft.com/office/drawing/2014/main" id="{BE716036-3216-41CC-8F58-5C205FAFD8E5}"/>
+              </a:ext>
+            </a:extLst>
+          </p:cNvPr>
+          <p:cNvSpPr/>
+          <p:nvPr/>
+        </p:nvSpPr>
+        <p:spPr>
+          <a:xfrm>
+            <a:off x="-291607" y="4568223"/>
+            <a:ext cx="2617419" cy="2120090"/>
+          </a:xfrm>
+          <a:prstGeom prst="hexagon">
+            <a:avLst/>
+          </a:prstGeom>
+          <a:solidFill>
+            <a:schemeClr val="accent2">
+              <a:lumMod val="75000"/>
+            </a:schemeClr>
+          </a:solidFill>
+        </p:spPr>
+        <p:style>
+          <a:lnRef idx="2">
+            <a:schemeClr val="accent2">
+              <a:shade val="50000"/>
+            </a:schemeClr>
+          </a:lnRef>
+          <a:fillRef idx="1">
+            <a:schemeClr val="accent2"/>
+          </a:fillRef>
+          <a:effectRef idx="0">
+            <a:schemeClr val="accent2"/>
+          </a:effectRef>
+          <a:fontRef idx="minor">
+            <a:schemeClr val="lt1"/>
+          </a:fontRef>
+        </p:style>
+        <p:txBody>
+          <a:bodyPr rtlCol="0" anchor="ctr"/>
+          <a:lstStyle/>
+          <a:p>
+            <a:pPr algn="ctr"/>
+            <a:r>
+              <a:rPr lang="en-US" sz="2400" dirty="0" err="1"/>
+              <a:t>Xem</a:t>
+            </a:r>
+            <a:r>
+              <a:rPr lang="en-US" sz="2400" dirty="0"/>
+              <a:t>, </a:t>
+            </a:r>
+            <a:r>
+              <a:rPr lang="en-US" sz="2400" dirty="0" err="1"/>
+              <a:t>tìm</a:t>
+            </a:r>
+            <a:r>
+              <a:rPr lang="en-US" sz="2400" dirty="0"/>
+              <a:t> </a:t>
+            </a:r>
+            <a:r>
+              <a:rPr lang="en-US" sz="2400" dirty="0" err="1"/>
+              <a:t>kiếm</a:t>
+            </a:r>
+            <a:r>
+              <a:rPr lang="en-US" sz="2400" dirty="0"/>
+              <a:t> SP</a:t>
+            </a:r>
+          </a:p>
+        </p:txBody>
+      </p:sp>
+      <p:sp>
+        <p:nvSpPr>
+          <p:cNvPr id="16" name="Flowchart: Manual Operation 15">
+            <a:extLst>
+              <a:ext uri="{FF2B5EF4-FFF2-40B4-BE49-F238E27FC236}">
+                <a16:creationId xmlns:a16="http://schemas.microsoft.com/office/drawing/2014/main" id="{50D6FEA4-484E-4EC2-B91F-F25CE03EAFA0}"/>
+              </a:ext>
+            </a:extLst>
+          </p:cNvPr>
+          <p:cNvSpPr/>
+          <p:nvPr/>
+        </p:nvSpPr>
+        <p:spPr>
+          <a:xfrm>
+            <a:off x="4018759" y="1255515"/>
+            <a:ext cx="2667000" cy="1025996"/>
+          </a:xfrm>
+          <a:prstGeom prst="flowChartManualOperation">
+            <a:avLst/>
+          </a:prstGeom>
+        </p:spPr>
+        <p:style>
+          <a:lnRef idx="3">
+            <a:schemeClr val="lt1"/>
+          </a:lnRef>
+          <a:fillRef idx="1">
+            <a:schemeClr val="accent5"/>
+          </a:fillRef>
+          <a:effectRef idx="1">
+            <a:schemeClr val="accent5"/>
+          </a:effectRef>
+          <a:fontRef idx="minor">
+            <a:schemeClr val="lt1"/>
+          </a:fontRef>
+        </p:style>
+        <p:txBody>
+          <a:bodyPr rtlCol="0" anchor="ctr"/>
+          <a:lstStyle/>
+          <a:p>
+            <a:pPr algn="ctr"/>
+            <a:r>
+              <a:rPr lang="en-US" dirty="0" err="1"/>
+              <a:t>Đăng</a:t>
+            </a:r>
+            <a:r>
+              <a:rPr lang="en-US" dirty="0"/>
+              <a:t> </a:t>
+            </a:r>
+            <a:r>
+              <a:rPr lang="en-US" dirty="0" err="1"/>
+              <a:t>nhập</a:t>
+            </a:r>
+            <a:r>
+              <a:rPr lang="en-US" dirty="0"/>
+              <a:t>/ </a:t>
+            </a:r>
+            <a:r>
+              <a:rPr lang="en-US" dirty="0" err="1"/>
+              <a:t>ĐKí</a:t>
+            </a:r>
+            <a:endParaRPr lang="en-US" dirty="0"/>
+          </a:p>
+        </p:txBody>
+      </p:sp>
+      <p:sp>
+        <p:nvSpPr>
+          <p:cNvPr id="27" name="Flowchart: Manual Operation 26">
+            <a:extLst>
+              <a:ext uri="{FF2B5EF4-FFF2-40B4-BE49-F238E27FC236}">
+                <a16:creationId xmlns:a16="http://schemas.microsoft.com/office/drawing/2014/main" id="{BA0733A8-F2D4-4195-AA3A-DE1CFBBC2D90}"/>
+              </a:ext>
+            </a:extLst>
+          </p:cNvPr>
+          <p:cNvSpPr/>
+          <p:nvPr/>
+        </p:nvSpPr>
+        <p:spPr>
+          <a:xfrm rot="10800000">
+            <a:off x="1828800" y="5708304"/>
+            <a:ext cx="2667000" cy="1025996"/>
+          </a:xfrm>
+          <a:prstGeom prst="flowChartManualOperation">
+            <a:avLst/>
+          </a:prstGeom>
+        </p:spPr>
+        <p:style>
+          <a:lnRef idx="3">
+            <a:schemeClr val="lt1"/>
+          </a:lnRef>
+          <a:fillRef idx="1">
+            <a:schemeClr val="accent5"/>
+          </a:fillRef>
+          <a:effectRef idx="1">
+            <a:schemeClr val="accent5"/>
+          </a:effectRef>
+          <a:fontRef idx="minor">
+            <a:schemeClr val="lt1"/>
+          </a:fontRef>
+        </p:style>
+        <p:txBody>
+          <a:bodyPr rtlCol="0" anchor="ctr"/>
+          <a:lstStyle/>
+          <a:p>
+            <a:pPr algn="ctr"/>
+            <a:endParaRPr lang="en-US" dirty="0"/>
+          </a:p>
+        </p:txBody>
+      </p:sp>
+      <p:sp>
+        <p:nvSpPr>
+          <p:cNvPr id="28" name="Hexagon 27">
+            <a:extLst>
+              <a:ext uri="{FF2B5EF4-FFF2-40B4-BE49-F238E27FC236}">
+                <a16:creationId xmlns:a16="http://schemas.microsoft.com/office/drawing/2014/main" id="{66ED1B90-2643-425A-BC30-1CBB306347F7}"/>
+              </a:ext>
+            </a:extLst>
+          </p:cNvPr>
+          <p:cNvSpPr/>
+          <p:nvPr/>
+        </p:nvSpPr>
+        <p:spPr>
+          <a:xfrm>
+            <a:off x="6269944" y="1225527"/>
+            <a:ext cx="2617419" cy="2120090"/>
+          </a:xfrm>
+          <a:prstGeom prst="hexagon">
+            <a:avLst/>
+          </a:prstGeom>
+          <a:solidFill>
+            <a:schemeClr val="accent2">
+              <a:lumMod val="75000"/>
+            </a:schemeClr>
+          </a:solidFill>
+        </p:spPr>
+        <p:style>
+          <a:lnRef idx="2">
+            <a:schemeClr val="accent1">
+              <a:shade val="50000"/>
+            </a:schemeClr>
+          </a:lnRef>
+          <a:fillRef idx="1">
+            <a:schemeClr val="accent1"/>
+          </a:fillRef>
+          <a:effectRef idx="0">
+            <a:schemeClr val="accent1"/>
+          </a:effectRef>
+          <a:fontRef idx="minor">
+            <a:schemeClr val="lt1"/>
+          </a:fontRef>
+        </p:style>
+        <p:txBody>
+          <a:bodyPr rtlCol="0" anchor="ctr"/>
+          <a:lstStyle/>
+          <a:p>
+            <a:pPr algn="ctr"/>
+            <a:r>
+              <a:rPr lang="en-US" sz="2400" dirty="0"/>
+              <a:t>Thanh </a:t>
+            </a:r>
+            <a:r>
+              <a:rPr lang="en-US" sz="2400" dirty="0" err="1"/>
+              <a:t>toán</a:t>
+            </a:r>
+            <a:r>
+              <a:rPr lang="en-US" sz="2400" dirty="0"/>
+              <a:t> </a:t>
+            </a:r>
+            <a:r>
+              <a:rPr lang="en-US" sz="2400" dirty="0" err="1"/>
+              <a:t>onl</a:t>
+            </a:r>
+            <a:endParaRPr lang="en-US" sz="2400" dirty="0"/>
+          </a:p>
+        </p:txBody>
+      </p:sp>
+      <p:sp>
+        <p:nvSpPr>
+          <p:cNvPr id="31" name="Hexagon 30">
+            <a:extLst>
+              <a:ext uri="{FF2B5EF4-FFF2-40B4-BE49-F238E27FC236}">
+                <a16:creationId xmlns:a16="http://schemas.microsoft.com/office/drawing/2014/main" id="{8EA79A22-694B-42D3-9523-8D0C240C344A}"/>
+              </a:ext>
+            </a:extLst>
+          </p:cNvPr>
+          <p:cNvSpPr/>
+          <p:nvPr/>
+        </p:nvSpPr>
+        <p:spPr>
+          <a:xfrm>
+            <a:off x="4094590" y="4622596"/>
+            <a:ext cx="2617419" cy="2120090"/>
+          </a:xfrm>
+          <a:prstGeom prst="hexagon">
+            <a:avLst/>
+          </a:prstGeom>
+        </p:spPr>
+        <p:style>
+          <a:lnRef idx="3">
+            <a:schemeClr val="lt1"/>
+          </a:lnRef>
+          <a:fillRef idx="1">
+            <a:schemeClr val="accent5"/>
+          </a:fillRef>
+          <a:effectRef idx="1">
+            <a:schemeClr val="accent5"/>
+          </a:effectRef>
+          <a:fontRef idx="minor">
+            <a:schemeClr val="lt1"/>
+          </a:fontRef>
+        </p:style>
+        <p:txBody>
+          <a:bodyPr rtlCol="0" anchor="ctr"/>
+          <a:lstStyle/>
+          <a:p>
+            <a:pPr algn="ctr"/>
+            <a:r>
+              <a:rPr lang="en-US" sz="2400" dirty="0" err="1"/>
+              <a:t>Hỏi</a:t>
+            </a:r>
+            <a:r>
+              <a:rPr lang="en-US" sz="2400" dirty="0"/>
+              <a:t> </a:t>
+            </a:r>
+            <a:r>
+              <a:rPr lang="en-US" sz="2400" dirty="0" err="1"/>
+              <a:t>đáp</a:t>
+            </a:r>
+            <a:r>
+              <a:rPr lang="en-US" sz="2400" dirty="0"/>
+              <a:t>/ </a:t>
+            </a:r>
+            <a:r>
+              <a:rPr lang="en-US" sz="2400" dirty="0" err="1"/>
+              <a:t>đánh</a:t>
+            </a:r>
+            <a:r>
+              <a:rPr lang="en-US" sz="2400" dirty="0"/>
+              <a:t> </a:t>
+            </a:r>
+            <a:r>
+              <a:rPr lang="en-US" sz="2400" dirty="0" err="1"/>
+              <a:t>giá</a:t>
+            </a:r>
+            <a:endParaRPr lang="en-US" sz="2400" dirty="0"/>
+          </a:p>
+        </p:txBody>
+      </p:sp>
+      <p:sp>
+        <p:nvSpPr>
+          <p:cNvPr id="26" name="TextBox 25">
+            <a:extLst>
+              <a:ext uri="{FF2B5EF4-FFF2-40B4-BE49-F238E27FC236}">
+                <a16:creationId xmlns:a16="http://schemas.microsoft.com/office/drawing/2014/main" id="{A3941265-8223-4A00-8318-DF7763CBC4E0}"/>
+              </a:ext>
+            </a:extLst>
+          </p:cNvPr>
+          <p:cNvSpPr txBox="1"/>
+          <p:nvPr/>
+        </p:nvSpPr>
+        <p:spPr>
+          <a:xfrm>
+            <a:off x="2404600" y="5805803"/>
+            <a:ext cx="1658695" cy="830997"/>
+          </a:xfrm>
+          <a:prstGeom prst="rect">
+            <a:avLst/>
+          </a:prstGeom>
+          <a:noFill/>
+        </p:spPr>
+        <p:txBody>
+          <a:bodyPr wrap="square" rtlCol="0">
+            <a:spAutoFit/>
+          </a:bodyPr>
+          <a:lstStyle/>
+          <a:p>
+            <a:pPr algn="ctr"/>
+            <a:r>
+              <a:rPr lang="en-US" sz="2400" dirty="0" err="1">
                 <a:solidFill>
-                  <a:srgbClr val="000000"/>
+                  <a:schemeClr val="bg1"/>
                 </a:solidFill>
-                <a:latin typeface="Times New Roman" panose="02020603050405020304" pitchFamily="18" charset="0"/>
-                <a:ea typeface="MS Mincho" panose="02020609040205080304" pitchFamily="49" charset="-128"/>
+              </a:rPr>
+              <a:t>Đăng</a:t>
+            </a:r>
+            <a:r>
+              <a:rPr lang="en-US" sz="2400" dirty="0">
+                <a:solidFill>
+                  <a:schemeClr val="bg1"/>
+                </a:solidFill>
               </a:rPr>
               <a:t> </a:t>
             </a:r>
             <a:r>
-              <a:rPr lang="en-US" b="1" dirty="0" err="1">
+              <a:rPr lang="en-US" sz="2400" dirty="0" err="1">
                 <a:solidFill>
-                  <a:srgbClr val="000000"/>
+                  <a:schemeClr val="bg1"/>
                 </a:solidFill>
-                <a:latin typeface="Times New Roman" panose="02020603050405020304" pitchFamily="18" charset="0"/>
-                <a:ea typeface="MS Mincho" panose="02020609040205080304" pitchFamily="49" charset="-128"/>
-              </a:rPr>
-              <a:t>hàng</a:t>
-            </a:r>
-            <a:r>
-              <a:rPr lang="en-US" b="1" dirty="0">
+              </a:rPr>
+              <a:t>nhập</a:t>
+            </a:r>
+            <a:endParaRPr lang="en-US" sz="2400" dirty="0">
+              <a:solidFill>
+                <a:schemeClr val="bg1"/>
+              </a:solidFill>
+            </a:endParaRPr>
+          </a:p>
+          <a:p>
+            <a:pPr algn="ctr"/>
+            <a:r>
+              <a:rPr lang="en-US" sz="2400" dirty="0">
                 <a:solidFill>
-                  <a:srgbClr val="000000"/>
+                  <a:schemeClr val="bg1"/>
                 </a:solidFill>
-                <a:latin typeface="Times New Roman" panose="02020603050405020304" pitchFamily="18" charset="0"/>
-                <a:ea typeface="MS Mincho" panose="02020609040205080304" pitchFamily="49" charset="-128"/>
-              </a:rPr>
-              <a:t>:</a:t>
-            </a:r>
-            <a:br>
-              <a:rPr lang="en-US" dirty="0">
+              </a:rPr>
+              <a:t> </a:t>
+            </a:r>
+            <a:r>
+              <a:rPr lang="en-US" sz="2400" dirty="0" err="1">
                 <a:solidFill>
-                  <a:srgbClr val="000000"/>
+                  <a:schemeClr val="bg1"/>
                 </a:solidFill>
-                <a:latin typeface="Times New Roman" panose="02020603050405020304" pitchFamily="18" charset="0"/>
-                <a:ea typeface="MS Mincho" panose="02020609040205080304" pitchFamily="49" charset="-128"/>
-              </a:rPr>
-            </a:br>
-            <a:r>
-              <a:rPr lang="en-US" dirty="0">
+              </a:rPr>
+              <a:t>đăng</a:t>
+            </a:r>
+            <a:r>
+              <a:rPr lang="en-US" sz="2400" dirty="0">
                 <a:solidFill>
-                  <a:srgbClr val="000000"/>
+                  <a:schemeClr val="bg1"/>
                 </a:solidFill>
-                <a:latin typeface="Times New Roman" panose="02020603050405020304" pitchFamily="18" charset="0"/>
-                <a:ea typeface="MS Mincho" panose="02020609040205080304" pitchFamily="49" charset="-128"/>
-              </a:rPr>
-              <a:t>  - </a:t>
-            </a:r>
-            <a:r>
-              <a:rPr lang="en-US" dirty="0" err="1">
+              </a:rPr>
+              <a:t> </a:t>
+            </a:r>
+            <a:r>
+              <a:rPr lang="en-US" sz="2400" dirty="0" err="1">
                 <a:solidFill>
-                  <a:srgbClr val="000000"/>
+                  <a:schemeClr val="bg1"/>
                 </a:solidFill>
-                <a:latin typeface="Times New Roman" panose="02020603050405020304" pitchFamily="18" charset="0"/>
-                <a:ea typeface="MS Mincho" panose="02020609040205080304" pitchFamily="49" charset="-128"/>
-              </a:rPr>
-              <a:t>Đăng</a:t>
-            </a:r>
-            <a:r>
-              <a:rPr lang="en-US" dirty="0">
-                <a:solidFill>
-                  <a:srgbClr val="000000"/>
-                </a:solidFill>
-                <a:latin typeface="Times New Roman" panose="02020603050405020304" pitchFamily="18" charset="0"/>
-                <a:ea typeface="MS Mincho" panose="02020609040205080304" pitchFamily="49" charset="-128"/>
-              </a:rPr>
-              <a:t> </a:t>
-            </a:r>
-            <a:r>
-              <a:rPr lang="en-US" dirty="0" err="1">
-                <a:solidFill>
-                  <a:srgbClr val="000000"/>
-                </a:solidFill>
-                <a:latin typeface="Times New Roman" panose="02020603050405020304" pitchFamily="18" charset="0"/>
-                <a:ea typeface="MS Mincho" panose="02020609040205080304" pitchFamily="49" charset="-128"/>
-              </a:rPr>
-              <a:t>nhập</a:t>
-            </a:r>
-            <a:r>
-              <a:rPr lang="en-US" dirty="0">
-                <a:solidFill>
-                  <a:srgbClr val="000000"/>
-                </a:solidFill>
-                <a:latin typeface="Times New Roman" panose="02020603050405020304" pitchFamily="18" charset="0"/>
-                <a:ea typeface="MS Mincho" panose="02020609040205080304" pitchFamily="49" charset="-128"/>
-              </a:rPr>
-              <a:t>, </a:t>
-            </a:r>
-            <a:r>
-              <a:rPr lang="en-US" dirty="0" err="1">
-                <a:solidFill>
-                  <a:srgbClr val="000000"/>
-                </a:solidFill>
-                <a:latin typeface="Times New Roman" panose="02020603050405020304" pitchFamily="18" charset="0"/>
-                <a:ea typeface="MS Mincho" panose="02020609040205080304" pitchFamily="49" charset="-128"/>
-              </a:rPr>
-              <a:t>đăng</a:t>
-            </a:r>
-            <a:r>
-              <a:rPr lang="en-US" dirty="0">
-                <a:solidFill>
-                  <a:srgbClr val="000000"/>
-                </a:solidFill>
-                <a:latin typeface="Times New Roman" panose="02020603050405020304" pitchFamily="18" charset="0"/>
-                <a:ea typeface="MS Mincho" panose="02020609040205080304" pitchFamily="49" charset="-128"/>
-              </a:rPr>
-              <a:t> </a:t>
-            </a:r>
-            <a:r>
-              <a:rPr lang="en-US" dirty="0" err="1">
-                <a:solidFill>
-                  <a:srgbClr val="000000"/>
-                </a:solidFill>
-                <a:latin typeface="Times New Roman" panose="02020603050405020304" pitchFamily="18" charset="0"/>
-                <a:ea typeface="MS Mincho" panose="02020609040205080304" pitchFamily="49" charset="-128"/>
-              </a:rPr>
-              <a:t>ký</a:t>
-            </a:r>
-            <a:r>
-              <a:rPr lang="en-US" dirty="0">
-                <a:solidFill>
-                  <a:srgbClr val="000000"/>
-                </a:solidFill>
-                <a:latin typeface="Times New Roman" panose="02020603050405020304" pitchFamily="18" charset="0"/>
-                <a:ea typeface="MS Mincho" panose="02020609040205080304" pitchFamily="49" charset="-128"/>
-              </a:rPr>
-              <a:t>, </a:t>
-            </a:r>
-            <a:r>
-              <a:rPr lang="en-US" dirty="0" err="1">
-                <a:solidFill>
-                  <a:srgbClr val="000000"/>
-                </a:solidFill>
-                <a:latin typeface="Times New Roman" panose="02020603050405020304" pitchFamily="18" charset="0"/>
-                <a:ea typeface="MS Mincho" panose="02020609040205080304" pitchFamily="49" charset="-128"/>
-              </a:rPr>
-              <a:t>cập</a:t>
-            </a:r>
-            <a:r>
-              <a:rPr lang="en-US" dirty="0">
-                <a:solidFill>
-                  <a:srgbClr val="000000"/>
-                </a:solidFill>
-                <a:latin typeface="Times New Roman" panose="02020603050405020304" pitchFamily="18" charset="0"/>
-                <a:ea typeface="MS Mincho" panose="02020609040205080304" pitchFamily="49" charset="-128"/>
-              </a:rPr>
-              <a:t> </a:t>
-            </a:r>
-            <a:r>
-              <a:rPr lang="en-US" dirty="0" err="1">
-                <a:solidFill>
-                  <a:srgbClr val="000000"/>
-                </a:solidFill>
-                <a:latin typeface="Times New Roman" panose="02020603050405020304" pitchFamily="18" charset="0"/>
-                <a:ea typeface="MS Mincho" panose="02020609040205080304" pitchFamily="49" charset="-128"/>
-              </a:rPr>
-              <a:t>nhập</a:t>
-            </a:r>
-            <a:r>
-              <a:rPr lang="en-US" dirty="0">
-                <a:solidFill>
-                  <a:srgbClr val="000000"/>
-                </a:solidFill>
-                <a:latin typeface="Times New Roman" panose="02020603050405020304" pitchFamily="18" charset="0"/>
-                <a:ea typeface="MS Mincho" panose="02020609040205080304" pitchFamily="49" charset="-128"/>
-              </a:rPr>
-              <a:t> </a:t>
-            </a:r>
-            <a:r>
-              <a:rPr lang="en-US" dirty="0" err="1">
-                <a:solidFill>
-                  <a:srgbClr val="000000"/>
-                </a:solidFill>
-                <a:latin typeface="Times New Roman" panose="02020603050405020304" pitchFamily="18" charset="0"/>
-                <a:ea typeface="MS Mincho" panose="02020609040205080304" pitchFamily="49" charset="-128"/>
-              </a:rPr>
-              <a:t>thông</a:t>
-            </a:r>
-            <a:r>
-              <a:rPr lang="en-US" dirty="0">
-                <a:solidFill>
-                  <a:srgbClr val="000000"/>
-                </a:solidFill>
-                <a:latin typeface="Times New Roman" panose="02020603050405020304" pitchFamily="18" charset="0"/>
-                <a:ea typeface="MS Mincho" panose="02020609040205080304" pitchFamily="49" charset="-128"/>
-              </a:rPr>
-              <a:t> tin </a:t>
-            </a:r>
-            <a:r>
-              <a:rPr lang="en-US" dirty="0" err="1">
-                <a:solidFill>
-                  <a:srgbClr val="000000"/>
-                </a:solidFill>
-                <a:latin typeface="Times New Roman" panose="02020603050405020304" pitchFamily="18" charset="0"/>
-                <a:ea typeface="MS Mincho" panose="02020609040205080304" pitchFamily="49" charset="-128"/>
-              </a:rPr>
-              <a:t>tài</a:t>
-            </a:r>
-            <a:r>
-              <a:rPr lang="en-US" dirty="0">
-                <a:solidFill>
-                  <a:srgbClr val="000000"/>
-                </a:solidFill>
-                <a:latin typeface="Times New Roman" panose="02020603050405020304" pitchFamily="18" charset="0"/>
-                <a:ea typeface="MS Mincho" panose="02020609040205080304" pitchFamily="49" charset="-128"/>
-              </a:rPr>
-              <a:t> </a:t>
-            </a:r>
-            <a:r>
-              <a:rPr lang="en-US" dirty="0" err="1">
-                <a:solidFill>
-                  <a:srgbClr val="000000"/>
-                </a:solidFill>
-                <a:latin typeface="Times New Roman" panose="02020603050405020304" pitchFamily="18" charset="0"/>
-                <a:ea typeface="MS Mincho" panose="02020609040205080304" pitchFamily="49" charset="-128"/>
-              </a:rPr>
-              <a:t>khoản</a:t>
-            </a:r>
-            <a:endParaRPr lang="en-US" dirty="0">
-              <a:latin typeface="Times New Roman" panose="02020603050405020304" pitchFamily="18" charset="0"/>
-              <a:ea typeface="MS Mincho" panose="02020609040205080304" pitchFamily="49" charset="-128"/>
-            </a:endParaRPr>
-          </a:p>
-          <a:p>
-            <a:pPr marL="228600" marR="0" indent="131445">
-              <a:lnSpc>
-                <a:spcPct val="130000"/>
-              </a:lnSpc>
-              <a:spcBef>
-                <a:spcPts val="0"/>
-              </a:spcBef>
-              <a:spcAft>
-                <a:spcPts val="0"/>
-              </a:spcAft>
-            </a:pPr>
-            <a:r>
-              <a:rPr lang="en-US" dirty="0">
-                <a:solidFill>
-                  <a:srgbClr val="000000"/>
-                </a:solidFill>
-                <a:latin typeface="Times New Roman" panose="02020603050405020304" pitchFamily="18" charset="0"/>
-                <a:ea typeface="MS Mincho" panose="02020609040205080304" pitchFamily="49" charset="-128"/>
-              </a:rPr>
-              <a:t>- </a:t>
-            </a:r>
-            <a:r>
-              <a:rPr lang="en-US" dirty="0" err="1">
-                <a:solidFill>
-                  <a:srgbClr val="000000"/>
-                </a:solidFill>
-                <a:latin typeface="Times New Roman" panose="02020603050405020304" pitchFamily="18" charset="0"/>
-                <a:ea typeface="MS Mincho" panose="02020609040205080304" pitchFamily="49" charset="-128"/>
-              </a:rPr>
-              <a:t>Xem</a:t>
-            </a:r>
-            <a:r>
-              <a:rPr lang="en-US" dirty="0">
-                <a:solidFill>
-                  <a:srgbClr val="000000"/>
-                </a:solidFill>
-                <a:latin typeface="Times New Roman" panose="02020603050405020304" pitchFamily="18" charset="0"/>
-                <a:ea typeface="MS Mincho" panose="02020609040205080304" pitchFamily="49" charset="-128"/>
-              </a:rPr>
-              <a:t> </a:t>
-            </a:r>
-            <a:r>
-              <a:rPr lang="en-US" dirty="0" err="1">
-                <a:solidFill>
-                  <a:srgbClr val="000000"/>
-                </a:solidFill>
-                <a:latin typeface="Times New Roman" panose="02020603050405020304" pitchFamily="18" charset="0"/>
-                <a:ea typeface="MS Mincho" panose="02020609040205080304" pitchFamily="49" charset="-128"/>
-              </a:rPr>
-              <a:t>thông</a:t>
-            </a:r>
-            <a:r>
-              <a:rPr lang="en-US" dirty="0">
-                <a:solidFill>
-                  <a:srgbClr val="000000"/>
-                </a:solidFill>
-                <a:latin typeface="Times New Roman" panose="02020603050405020304" pitchFamily="18" charset="0"/>
-                <a:ea typeface="MS Mincho" panose="02020609040205080304" pitchFamily="49" charset="-128"/>
-              </a:rPr>
-              <a:t> tin chi </a:t>
-            </a:r>
-            <a:r>
-              <a:rPr lang="en-US" dirty="0" err="1">
-                <a:solidFill>
-                  <a:srgbClr val="000000"/>
-                </a:solidFill>
-                <a:latin typeface="Times New Roman" panose="02020603050405020304" pitchFamily="18" charset="0"/>
-                <a:ea typeface="MS Mincho" panose="02020609040205080304" pitchFamily="49" charset="-128"/>
-              </a:rPr>
-              <a:t>tiết</a:t>
-            </a:r>
-            <a:r>
-              <a:rPr lang="en-US" dirty="0">
-                <a:solidFill>
-                  <a:srgbClr val="000000"/>
-                </a:solidFill>
-                <a:latin typeface="Times New Roman" panose="02020603050405020304" pitchFamily="18" charset="0"/>
-                <a:ea typeface="MS Mincho" panose="02020609040205080304" pitchFamily="49" charset="-128"/>
-              </a:rPr>
-              <a:t> </a:t>
-            </a:r>
-            <a:r>
-              <a:rPr lang="en-US" dirty="0" err="1">
-                <a:solidFill>
-                  <a:srgbClr val="000000"/>
-                </a:solidFill>
-                <a:latin typeface="Times New Roman" panose="02020603050405020304" pitchFamily="18" charset="0"/>
-                <a:ea typeface="MS Mincho" panose="02020609040205080304" pitchFamily="49" charset="-128"/>
-              </a:rPr>
-              <a:t>sản</a:t>
-            </a:r>
-            <a:r>
-              <a:rPr lang="en-US" dirty="0">
-                <a:solidFill>
-                  <a:srgbClr val="000000"/>
-                </a:solidFill>
-                <a:latin typeface="Times New Roman" panose="02020603050405020304" pitchFamily="18" charset="0"/>
-                <a:ea typeface="MS Mincho" panose="02020609040205080304" pitchFamily="49" charset="-128"/>
-              </a:rPr>
-              <a:t> </a:t>
-            </a:r>
-            <a:r>
-              <a:rPr lang="en-US" dirty="0" err="1">
-                <a:solidFill>
-                  <a:srgbClr val="000000"/>
-                </a:solidFill>
-                <a:latin typeface="Times New Roman" panose="02020603050405020304" pitchFamily="18" charset="0"/>
-                <a:ea typeface="MS Mincho" panose="02020609040205080304" pitchFamily="49" charset="-128"/>
-              </a:rPr>
-              <a:t>phẩm</a:t>
-            </a:r>
-            <a:endParaRPr lang="en-US" dirty="0">
-              <a:latin typeface="Times New Roman" panose="02020603050405020304" pitchFamily="18" charset="0"/>
-              <a:ea typeface="MS Mincho" panose="02020609040205080304" pitchFamily="49" charset="-128"/>
-            </a:endParaRPr>
-          </a:p>
-          <a:p>
-            <a:pPr marL="228600" marR="0" indent="131445">
-              <a:lnSpc>
-                <a:spcPct val="130000"/>
-              </a:lnSpc>
-              <a:spcBef>
-                <a:spcPts val="0"/>
-              </a:spcBef>
-              <a:spcAft>
-                <a:spcPts val="0"/>
-              </a:spcAft>
-            </a:pPr>
-            <a:r>
-              <a:rPr lang="en-US" dirty="0">
-                <a:solidFill>
-                  <a:srgbClr val="000000"/>
-                </a:solidFill>
-                <a:latin typeface="Times New Roman" panose="02020603050405020304" pitchFamily="18" charset="0"/>
-                <a:ea typeface="MS Mincho" panose="02020609040205080304" pitchFamily="49" charset="-128"/>
-              </a:rPr>
-              <a:t>- </a:t>
-            </a:r>
-            <a:r>
-              <a:rPr lang="en-US" dirty="0" err="1">
-                <a:solidFill>
-                  <a:srgbClr val="000000"/>
-                </a:solidFill>
-                <a:latin typeface="Times New Roman" panose="02020603050405020304" pitchFamily="18" charset="0"/>
-                <a:ea typeface="MS Mincho" panose="02020609040205080304" pitchFamily="49" charset="-128"/>
-              </a:rPr>
-              <a:t>Tìm</a:t>
-            </a:r>
-            <a:r>
-              <a:rPr lang="en-US" dirty="0">
-                <a:solidFill>
-                  <a:srgbClr val="000000"/>
-                </a:solidFill>
-                <a:latin typeface="Times New Roman" panose="02020603050405020304" pitchFamily="18" charset="0"/>
-                <a:ea typeface="MS Mincho" panose="02020609040205080304" pitchFamily="49" charset="-128"/>
-              </a:rPr>
-              <a:t> </a:t>
-            </a:r>
-            <a:r>
-              <a:rPr lang="en-US" dirty="0" err="1">
-                <a:solidFill>
-                  <a:srgbClr val="000000"/>
-                </a:solidFill>
-                <a:latin typeface="Times New Roman" panose="02020603050405020304" pitchFamily="18" charset="0"/>
-                <a:ea typeface="MS Mincho" panose="02020609040205080304" pitchFamily="49" charset="-128"/>
-              </a:rPr>
-              <a:t>kiếm</a:t>
-            </a:r>
-            <a:r>
-              <a:rPr lang="en-US" dirty="0">
-                <a:solidFill>
-                  <a:srgbClr val="000000"/>
-                </a:solidFill>
-                <a:latin typeface="Times New Roman" panose="02020603050405020304" pitchFamily="18" charset="0"/>
-                <a:ea typeface="MS Mincho" panose="02020609040205080304" pitchFamily="49" charset="-128"/>
-              </a:rPr>
-              <a:t>, filter </a:t>
-            </a:r>
-            <a:r>
-              <a:rPr lang="en-US" dirty="0" err="1">
-                <a:solidFill>
-                  <a:srgbClr val="000000"/>
-                </a:solidFill>
-                <a:latin typeface="Times New Roman" panose="02020603050405020304" pitchFamily="18" charset="0"/>
-                <a:ea typeface="MS Mincho" panose="02020609040205080304" pitchFamily="49" charset="-128"/>
-              </a:rPr>
-              <a:t>sản</a:t>
-            </a:r>
-            <a:r>
-              <a:rPr lang="en-US" dirty="0">
-                <a:solidFill>
-                  <a:srgbClr val="000000"/>
-                </a:solidFill>
-                <a:latin typeface="Times New Roman" panose="02020603050405020304" pitchFamily="18" charset="0"/>
-                <a:ea typeface="MS Mincho" panose="02020609040205080304" pitchFamily="49" charset="-128"/>
-              </a:rPr>
-              <a:t> </a:t>
-            </a:r>
-            <a:r>
-              <a:rPr lang="en-US" dirty="0" err="1">
-                <a:solidFill>
-                  <a:srgbClr val="000000"/>
-                </a:solidFill>
-                <a:latin typeface="Times New Roman" panose="02020603050405020304" pitchFamily="18" charset="0"/>
-                <a:ea typeface="MS Mincho" panose="02020609040205080304" pitchFamily="49" charset="-128"/>
-              </a:rPr>
-              <a:t>phẩm</a:t>
-            </a:r>
-            <a:endParaRPr lang="en-US" dirty="0">
-              <a:latin typeface="Times New Roman" panose="02020603050405020304" pitchFamily="18" charset="0"/>
-              <a:ea typeface="MS Mincho" panose="02020609040205080304" pitchFamily="49" charset="-128"/>
-            </a:endParaRPr>
-          </a:p>
-          <a:p>
-            <a:pPr marL="228600" marR="0" indent="131445">
-              <a:lnSpc>
-                <a:spcPct val="130000"/>
-              </a:lnSpc>
-              <a:spcBef>
-                <a:spcPts val="0"/>
-              </a:spcBef>
-              <a:spcAft>
-                <a:spcPts val="0"/>
-              </a:spcAft>
-            </a:pPr>
-            <a:r>
-              <a:rPr lang="en-US" dirty="0">
-                <a:solidFill>
-                  <a:srgbClr val="000000"/>
-                </a:solidFill>
-                <a:latin typeface="Times New Roman" panose="02020603050405020304" pitchFamily="18" charset="0"/>
-                <a:ea typeface="MS Mincho" panose="02020609040205080304" pitchFamily="49" charset="-128"/>
-              </a:rPr>
-              <a:t>- </a:t>
-            </a:r>
-            <a:r>
-              <a:rPr lang="en-US" dirty="0" err="1">
-                <a:solidFill>
-                  <a:srgbClr val="000000"/>
-                </a:solidFill>
-                <a:latin typeface="Times New Roman" panose="02020603050405020304" pitchFamily="18" charset="0"/>
-                <a:ea typeface="MS Mincho" panose="02020609040205080304" pitchFamily="49" charset="-128"/>
-              </a:rPr>
-              <a:t>Thêm</a:t>
-            </a:r>
-            <a:r>
-              <a:rPr lang="en-US" dirty="0">
-                <a:solidFill>
-                  <a:srgbClr val="000000"/>
-                </a:solidFill>
-                <a:latin typeface="Times New Roman" panose="02020603050405020304" pitchFamily="18" charset="0"/>
-                <a:ea typeface="MS Mincho" panose="02020609040205080304" pitchFamily="49" charset="-128"/>
-              </a:rPr>
-              <a:t> </a:t>
-            </a:r>
-            <a:r>
-              <a:rPr lang="en-US" dirty="0" err="1">
-                <a:solidFill>
-                  <a:srgbClr val="000000"/>
-                </a:solidFill>
-                <a:latin typeface="Times New Roman" panose="02020603050405020304" pitchFamily="18" charset="0"/>
-                <a:ea typeface="MS Mincho" panose="02020609040205080304" pitchFamily="49" charset="-128"/>
-              </a:rPr>
-              <a:t>sửa</a:t>
-            </a:r>
-            <a:r>
-              <a:rPr lang="en-US" dirty="0">
-                <a:solidFill>
-                  <a:srgbClr val="000000"/>
-                </a:solidFill>
-                <a:latin typeface="Times New Roman" panose="02020603050405020304" pitchFamily="18" charset="0"/>
-                <a:ea typeface="MS Mincho" panose="02020609040205080304" pitchFamily="49" charset="-128"/>
-              </a:rPr>
-              <a:t> </a:t>
-            </a:r>
-            <a:r>
-              <a:rPr lang="en-US" dirty="0" err="1">
-                <a:solidFill>
-                  <a:srgbClr val="000000"/>
-                </a:solidFill>
-                <a:latin typeface="Times New Roman" panose="02020603050405020304" pitchFamily="18" charset="0"/>
-                <a:ea typeface="MS Mincho" panose="02020609040205080304" pitchFamily="49" charset="-128"/>
-              </a:rPr>
-              <a:t>xóa</a:t>
-            </a:r>
-            <a:r>
-              <a:rPr lang="en-US" dirty="0">
-                <a:solidFill>
-                  <a:srgbClr val="000000"/>
-                </a:solidFill>
-                <a:latin typeface="Times New Roman" panose="02020603050405020304" pitchFamily="18" charset="0"/>
-                <a:ea typeface="MS Mincho" panose="02020609040205080304" pitchFamily="49" charset="-128"/>
-              </a:rPr>
-              <a:t> </a:t>
-            </a:r>
-            <a:r>
-              <a:rPr lang="en-US" dirty="0" err="1">
-                <a:solidFill>
-                  <a:srgbClr val="000000"/>
-                </a:solidFill>
-                <a:latin typeface="Times New Roman" panose="02020603050405020304" pitchFamily="18" charset="0"/>
-                <a:ea typeface="MS Mincho" panose="02020609040205080304" pitchFamily="49" charset="-128"/>
-              </a:rPr>
-              <a:t>sản</a:t>
-            </a:r>
-            <a:r>
-              <a:rPr lang="en-US" dirty="0">
-                <a:solidFill>
-                  <a:srgbClr val="000000"/>
-                </a:solidFill>
-                <a:latin typeface="Times New Roman" panose="02020603050405020304" pitchFamily="18" charset="0"/>
-                <a:ea typeface="MS Mincho" panose="02020609040205080304" pitchFamily="49" charset="-128"/>
-              </a:rPr>
-              <a:t> </a:t>
-            </a:r>
-            <a:r>
-              <a:rPr lang="en-US" dirty="0" err="1">
-                <a:solidFill>
-                  <a:srgbClr val="000000"/>
-                </a:solidFill>
-                <a:latin typeface="Times New Roman" panose="02020603050405020304" pitchFamily="18" charset="0"/>
-                <a:ea typeface="MS Mincho" panose="02020609040205080304" pitchFamily="49" charset="-128"/>
-              </a:rPr>
-              <a:t>phẩm</a:t>
-            </a:r>
-            <a:r>
-              <a:rPr lang="en-US" dirty="0">
-                <a:solidFill>
-                  <a:srgbClr val="000000"/>
-                </a:solidFill>
-                <a:latin typeface="Times New Roman" panose="02020603050405020304" pitchFamily="18" charset="0"/>
-                <a:ea typeface="MS Mincho" panose="02020609040205080304" pitchFamily="49" charset="-128"/>
-              </a:rPr>
-              <a:t> </a:t>
-            </a:r>
-            <a:r>
-              <a:rPr lang="en-US" dirty="0" err="1">
-                <a:solidFill>
-                  <a:srgbClr val="000000"/>
-                </a:solidFill>
-                <a:latin typeface="Times New Roman" panose="02020603050405020304" pitchFamily="18" charset="0"/>
-                <a:ea typeface="MS Mincho" panose="02020609040205080304" pitchFamily="49" charset="-128"/>
-              </a:rPr>
-              <a:t>trong</a:t>
-            </a:r>
-            <a:r>
-              <a:rPr lang="en-US" dirty="0">
-                <a:solidFill>
-                  <a:srgbClr val="000000"/>
-                </a:solidFill>
-                <a:latin typeface="Times New Roman" panose="02020603050405020304" pitchFamily="18" charset="0"/>
-                <a:ea typeface="MS Mincho" panose="02020609040205080304" pitchFamily="49" charset="-128"/>
-              </a:rPr>
-              <a:t> </a:t>
-            </a:r>
-            <a:r>
-              <a:rPr lang="en-US" dirty="0" err="1">
-                <a:solidFill>
-                  <a:srgbClr val="000000"/>
-                </a:solidFill>
-                <a:latin typeface="Times New Roman" panose="02020603050405020304" pitchFamily="18" charset="0"/>
-                <a:ea typeface="MS Mincho" panose="02020609040205080304" pitchFamily="49" charset="-128"/>
-              </a:rPr>
-              <a:t>giỏ</a:t>
-            </a:r>
-            <a:r>
-              <a:rPr lang="en-US" dirty="0">
-                <a:solidFill>
-                  <a:srgbClr val="000000"/>
-                </a:solidFill>
-                <a:latin typeface="Times New Roman" panose="02020603050405020304" pitchFamily="18" charset="0"/>
-                <a:ea typeface="MS Mincho" panose="02020609040205080304" pitchFamily="49" charset="-128"/>
-              </a:rPr>
-              <a:t> </a:t>
-            </a:r>
-            <a:r>
-              <a:rPr lang="en-US" dirty="0" err="1">
-                <a:solidFill>
-                  <a:srgbClr val="000000"/>
-                </a:solidFill>
-                <a:latin typeface="Times New Roman" panose="02020603050405020304" pitchFamily="18" charset="0"/>
-                <a:ea typeface="MS Mincho" panose="02020609040205080304" pitchFamily="49" charset="-128"/>
-              </a:rPr>
-              <a:t>hàng</a:t>
-            </a:r>
-            <a:endParaRPr lang="en-US" dirty="0">
-              <a:latin typeface="Times New Roman" panose="02020603050405020304" pitchFamily="18" charset="0"/>
-              <a:ea typeface="MS Mincho" panose="02020609040205080304" pitchFamily="49" charset="-128"/>
-            </a:endParaRPr>
-          </a:p>
-          <a:p>
-            <a:pPr marL="228600" marR="0" indent="131445">
-              <a:lnSpc>
-                <a:spcPct val="130000"/>
-              </a:lnSpc>
-              <a:spcBef>
-                <a:spcPts val="0"/>
-              </a:spcBef>
-              <a:spcAft>
-                <a:spcPts val="0"/>
-              </a:spcAft>
-            </a:pPr>
-            <a:r>
-              <a:rPr lang="en-US" dirty="0">
-                <a:solidFill>
-                  <a:srgbClr val="000000"/>
-                </a:solidFill>
-                <a:latin typeface="Times New Roman" panose="02020603050405020304" pitchFamily="18" charset="0"/>
-                <a:ea typeface="MS Mincho" panose="02020609040205080304" pitchFamily="49" charset="-128"/>
-              </a:rPr>
-              <a:t>- </a:t>
-            </a:r>
-            <a:r>
-              <a:rPr lang="en-US" dirty="0" err="1">
-                <a:solidFill>
-                  <a:srgbClr val="000000"/>
-                </a:solidFill>
-                <a:latin typeface="Times New Roman" panose="02020603050405020304" pitchFamily="18" charset="0"/>
-                <a:ea typeface="MS Mincho" panose="02020609040205080304" pitchFamily="49" charset="-128"/>
-              </a:rPr>
-              <a:t>Đặt</a:t>
-            </a:r>
-            <a:r>
-              <a:rPr lang="en-US" dirty="0">
-                <a:solidFill>
-                  <a:srgbClr val="000000"/>
-                </a:solidFill>
-                <a:latin typeface="Times New Roman" panose="02020603050405020304" pitchFamily="18" charset="0"/>
-                <a:ea typeface="MS Mincho" panose="02020609040205080304" pitchFamily="49" charset="-128"/>
-              </a:rPr>
-              <a:t> </a:t>
-            </a:r>
-            <a:r>
-              <a:rPr lang="en-US" dirty="0" err="1">
-                <a:solidFill>
-                  <a:srgbClr val="000000"/>
-                </a:solidFill>
-                <a:latin typeface="Times New Roman" panose="02020603050405020304" pitchFamily="18" charset="0"/>
-                <a:ea typeface="MS Mincho" panose="02020609040205080304" pitchFamily="49" charset="-128"/>
-              </a:rPr>
-              <a:t>hàng</a:t>
-            </a:r>
-            <a:endParaRPr lang="en-US" dirty="0">
-              <a:latin typeface="Times New Roman" panose="02020603050405020304" pitchFamily="18" charset="0"/>
-              <a:ea typeface="MS Mincho" panose="02020609040205080304" pitchFamily="49" charset="-128"/>
-            </a:endParaRPr>
-          </a:p>
-          <a:p>
-            <a:pPr marL="228600" marR="0" indent="131445">
-              <a:lnSpc>
-                <a:spcPct val="130000"/>
-              </a:lnSpc>
-              <a:spcBef>
-                <a:spcPts val="0"/>
-              </a:spcBef>
-              <a:spcAft>
-                <a:spcPts val="0"/>
-              </a:spcAft>
-            </a:pPr>
-            <a:r>
-              <a:rPr lang="en-US" dirty="0">
-                <a:solidFill>
-                  <a:srgbClr val="000000"/>
-                </a:solidFill>
-                <a:latin typeface="Times New Roman" panose="02020603050405020304" pitchFamily="18" charset="0"/>
-                <a:ea typeface="MS Mincho" panose="02020609040205080304" pitchFamily="49" charset="-128"/>
-              </a:rPr>
-              <a:t>-  </a:t>
-            </a:r>
-            <a:r>
-              <a:rPr lang="en-US" dirty="0" err="1">
-                <a:solidFill>
-                  <a:srgbClr val="000000"/>
-                </a:solidFill>
-                <a:latin typeface="Times New Roman" panose="02020603050405020304" pitchFamily="18" charset="0"/>
-                <a:ea typeface="MS Mincho" panose="02020609040205080304" pitchFamily="49" charset="-128"/>
-              </a:rPr>
-              <a:t>Xem</a:t>
-            </a:r>
-            <a:r>
-              <a:rPr lang="en-US" dirty="0">
-                <a:solidFill>
-                  <a:srgbClr val="000000"/>
-                </a:solidFill>
-                <a:latin typeface="Times New Roman" panose="02020603050405020304" pitchFamily="18" charset="0"/>
-                <a:ea typeface="MS Mincho" panose="02020609040205080304" pitchFamily="49" charset="-128"/>
-              </a:rPr>
-              <a:t> </a:t>
-            </a:r>
-            <a:r>
-              <a:rPr lang="en-US" dirty="0" err="1">
-                <a:solidFill>
-                  <a:srgbClr val="000000"/>
-                </a:solidFill>
-                <a:latin typeface="Times New Roman" panose="02020603050405020304" pitchFamily="18" charset="0"/>
-                <a:ea typeface="MS Mincho" panose="02020609040205080304" pitchFamily="49" charset="-128"/>
-              </a:rPr>
-              <a:t>lịch</a:t>
-            </a:r>
-            <a:r>
-              <a:rPr lang="en-US" dirty="0">
-                <a:solidFill>
-                  <a:srgbClr val="000000"/>
-                </a:solidFill>
-                <a:latin typeface="Times New Roman" panose="02020603050405020304" pitchFamily="18" charset="0"/>
-                <a:ea typeface="MS Mincho" panose="02020609040205080304" pitchFamily="49" charset="-128"/>
-              </a:rPr>
-              <a:t> </a:t>
-            </a:r>
-            <a:r>
-              <a:rPr lang="en-US" dirty="0" err="1">
-                <a:solidFill>
-                  <a:srgbClr val="000000"/>
-                </a:solidFill>
-                <a:latin typeface="Times New Roman" panose="02020603050405020304" pitchFamily="18" charset="0"/>
-                <a:ea typeface="MS Mincho" panose="02020609040205080304" pitchFamily="49" charset="-128"/>
-              </a:rPr>
-              <a:t>sử</a:t>
-            </a:r>
-            <a:r>
-              <a:rPr lang="en-US" dirty="0">
-                <a:solidFill>
-                  <a:srgbClr val="000000"/>
-                </a:solidFill>
-                <a:latin typeface="Times New Roman" panose="02020603050405020304" pitchFamily="18" charset="0"/>
-                <a:ea typeface="MS Mincho" panose="02020609040205080304" pitchFamily="49" charset="-128"/>
-              </a:rPr>
-              <a:t> </a:t>
-            </a:r>
-            <a:r>
-              <a:rPr lang="en-US" dirty="0" err="1">
-                <a:solidFill>
-                  <a:srgbClr val="000000"/>
-                </a:solidFill>
-                <a:latin typeface="Times New Roman" panose="02020603050405020304" pitchFamily="18" charset="0"/>
-                <a:ea typeface="MS Mincho" panose="02020609040205080304" pitchFamily="49" charset="-128"/>
-              </a:rPr>
-              <a:t>đơn</a:t>
-            </a:r>
-            <a:r>
-              <a:rPr lang="en-US" dirty="0">
-                <a:solidFill>
-                  <a:srgbClr val="000000"/>
-                </a:solidFill>
-                <a:latin typeface="Times New Roman" panose="02020603050405020304" pitchFamily="18" charset="0"/>
-                <a:ea typeface="MS Mincho" panose="02020609040205080304" pitchFamily="49" charset="-128"/>
-              </a:rPr>
-              <a:t> </a:t>
-            </a:r>
-            <a:r>
-              <a:rPr lang="en-US" dirty="0" err="1">
-                <a:solidFill>
-                  <a:srgbClr val="000000"/>
-                </a:solidFill>
-                <a:latin typeface="Times New Roman" panose="02020603050405020304" pitchFamily="18" charset="0"/>
-                <a:ea typeface="MS Mincho" panose="02020609040205080304" pitchFamily="49" charset="-128"/>
-              </a:rPr>
-              <a:t>hàng</a:t>
-            </a:r>
-            <a:r>
-              <a:rPr lang="en-US" dirty="0">
-                <a:solidFill>
-                  <a:srgbClr val="000000"/>
-                </a:solidFill>
-                <a:latin typeface="Times New Roman" panose="02020603050405020304" pitchFamily="18" charset="0"/>
-                <a:ea typeface="MS Mincho" panose="02020609040205080304" pitchFamily="49" charset="-128"/>
-              </a:rPr>
-              <a:t>, chi </a:t>
-            </a:r>
-            <a:r>
-              <a:rPr lang="en-US" dirty="0" err="1">
-                <a:solidFill>
-                  <a:srgbClr val="000000"/>
-                </a:solidFill>
-                <a:latin typeface="Times New Roman" panose="02020603050405020304" pitchFamily="18" charset="0"/>
-                <a:ea typeface="MS Mincho" panose="02020609040205080304" pitchFamily="49" charset="-128"/>
-              </a:rPr>
-              <a:t>tiết</a:t>
-            </a:r>
-            <a:r>
-              <a:rPr lang="en-US" dirty="0">
-                <a:solidFill>
-                  <a:srgbClr val="000000"/>
-                </a:solidFill>
-                <a:latin typeface="Times New Roman" panose="02020603050405020304" pitchFamily="18" charset="0"/>
-                <a:ea typeface="MS Mincho" panose="02020609040205080304" pitchFamily="49" charset="-128"/>
-              </a:rPr>
-              <a:t> </a:t>
-            </a:r>
-            <a:r>
-              <a:rPr lang="en-US" dirty="0" err="1">
-                <a:solidFill>
-                  <a:srgbClr val="000000"/>
-                </a:solidFill>
-                <a:latin typeface="Times New Roman" panose="02020603050405020304" pitchFamily="18" charset="0"/>
-                <a:ea typeface="MS Mincho" panose="02020609040205080304" pitchFamily="49" charset="-128"/>
-              </a:rPr>
-              <a:t>thông</a:t>
-            </a:r>
-            <a:r>
-              <a:rPr lang="en-US" dirty="0">
-                <a:solidFill>
-                  <a:srgbClr val="000000"/>
-                </a:solidFill>
-                <a:latin typeface="Times New Roman" panose="02020603050405020304" pitchFamily="18" charset="0"/>
-                <a:ea typeface="MS Mincho" panose="02020609040205080304" pitchFamily="49" charset="-128"/>
-              </a:rPr>
-              <a:t> tin </a:t>
-            </a:r>
-            <a:r>
-              <a:rPr lang="en-US" dirty="0" err="1">
-                <a:solidFill>
-                  <a:srgbClr val="000000"/>
-                </a:solidFill>
-                <a:latin typeface="Times New Roman" panose="02020603050405020304" pitchFamily="18" charset="0"/>
-                <a:ea typeface="MS Mincho" panose="02020609040205080304" pitchFamily="49" charset="-128"/>
-              </a:rPr>
-              <a:t>đơn</a:t>
-            </a:r>
-            <a:r>
-              <a:rPr lang="en-US" dirty="0">
-                <a:solidFill>
-                  <a:srgbClr val="000000"/>
-                </a:solidFill>
-                <a:latin typeface="Times New Roman" panose="02020603050405020304" pitchFamily="18" charset="0"/>
-                <a:ea typeface="MS Mincho" panose="02020609040205080304" pitchFamily="49" charset="-128"/>
-              </a:rPr>
-              <a:t> </a:t>
-            </a:r>
-            <a:r>
-              <a:rPr lang="en-US" dirty="0" err="1">
-                <a:solidFill>
-                  <a:srgbClr val="000000"/>
-                </a:solidFill>
-                <a:latin typeface="Times New Roman" panose="02020603050405020304" pitchFamily="18" charset="0"/>
-                <a:ea typeface="MS Mincho" panose="02020609040205080304" pitchFamily="49" charset="-128"/>
-              </a:rPr>
-              <a:t>hàng</a:t>
-            </a:r>
-            <a:r>
-              <a:rPr lang="en-US" dirty="0">
-                <a:solidFill>
-                  <a:srgbClr val="000000"/>
-                </a:solidFill>
-                <a:latin typeface="Times New Roman" panose="02020603050405020304" pitchFamily="18" charset="0"/>
-                <a:ea typeface="MS Mincho" panose="02020609040205080304" pitchFamily="49" charset="-128"/>
-              </a:rPr>
-              <a:t>, </a:t>
-            </a:r>
-            <a:r>
-              <a:rPr lang="en-US" dirty="0" err="1">
-                <a:solidFill>
-                  <a:srgbClr val="000000"/>
-                </a:solidFill>
-                <a:latin typeface="Times New Roman" panose="02020603050405020304" pitchFamily="18" charset="0"/>
-                <a:ea typeface="MS Mincho" panose="02020609040205080304" pitchFamily="49" charset="-128"/>
-              </a:rPr>
-              <a:t>trạng</a:t>
-            </a:r>
-            <a:r>
-              <a:rPr lang="en-US" dirty="0">
-                <a:solidFill>
-                  <a:srgbClr val="000000"/>
-                </a:solidFill>
-                <a:latin typeface="Times New Roman" panose="02020603050405020304" pitchFamily="18" charset="0"/>
-                <a:ea typeface="MS Mincho" panose="02020609040205080304" pitchFamily="49" charset="-128"/>
-              </a:rPr>
-              <a:t> </a:t>
-            </a:r>
-            <a:r>
-              <a:rPr lang="en-US" dirty="0" err="1">
-                <a:solidFill>
-                  <a:srgbClr val="000000"/>
-                </a:solidFill>
-                <a:latin typeface="Times New Roman" panose="02020603050405020304" pitchFamily="18" charset="0"/>
-                <a:ea typeface="MS Mincho" panose="02020609040205080304" pitchFamily="49" charset="-128"/>
-              </a:rPr>
-              <a:t>thái</a:t>
-            </a:r>
-            <a:endParaRPr lang="en-US" dirty="0">
-              <a:latin typeface="Times New Roman" panose="02020603050405020304" pitchFamily="18" charset="0"/>
-              <a:ea typeface="MS Mincho" panose="02020609040205080304" pitchFamily="49" charset="-128"/>
-            </a:endParaRPr>
-          </a:p>
-          <a:p>
-            <a:pPr marL="228600" marR="0" indent="131445">
-              <a:lnSpc>
-                <a:spcPct val="130000"/>
-              </a:lnSpc>
-              <a:spcBef>
-                <a:spcPts val="0"/>
-              </a:spcBef>
-              <a:spcAft>
-                <a:spcPts val="0"/>
-              </a:spcAft>
-            </a:pPr>
-            <a:r>
-              <a:rPr lang="en-US" b="1" dirty="0">
-                <a:solidFill>
-                  <a:srgbClr val="000000"/>
-                </a:solidFill>
-                <a:latin typeface="Times New Roman" panose="02020603050405020304" pitchFamily="18" charset="0"/>
-                <a:ea typeface="MS Mincho" panose="02020609040205080304" pitchFamily="49" charset="-128"/>
-              </a:rPr>
-              <a:t>Admin: </a:t>
-            </a:r>
-          </a:p>
-          <a:p>
-            <a:pPr marL="228600" marR="0" indent="131445">
-              <a:lnSpc>
-                <a:spcPct val="130000"/>
-              </a:lnSpc>
-              <a:spcBef>
-                <a:spcPts val="0"/>
-              </a:spcBef>
-              <a:spcAft>
-                <a:spcPts val="0"/>
-              </a:spcAft>
-            </a:pPr>
-            <a:r>
-              <a:rPr lang="en-US" dirty="0">
-                <a:solidFill>
-                  <a:srgbClr val="000000"/>
-                </a:solidFill>
-                <a:latin typeface="Times New Roman" panose="02020603050405020304" pitchFamily="18" charset="0"/>
-                <a:ea typeface="MS Mincho" panose="02020609040205080304" pitchFamily="49" charset="-128"/>
-              </a:rPr>
-              <a:t>-   </a:t>
-            </a:r>
-            <a:r>
-              <a:rPr lang="en-US" dirty="0" err="1">
-                <a:solidFill>
-                  <a:srgbClr val="000000"/>
-                </a:solidFill>
-                <a:latin typeface="Times New Roman" panose="02020603050405020304" pitchFamily="18" charset="0"/>
-                <a:ea typeface="MS Mincho" panose="02020609040205080304" pitchFamily="49" charset="-128"/>
-              </a:rPr>
-              <a:t>Đăng</a:t>
-            </a:r>
-            <a:r>
-              <a:rPr lang="en-US" dirty="0">
-                <a:solidFill>
-                  <a:srgbClr val="000000"/>
-                </a:solidFill>
-                <a:latin typeface="Times New Roman" panose="02020603050405020304" pitchFamily="18" charset="0"/>
-                <a:ea typeface="MS Mincho" panose="02020609040205080304" pitchFamily="49" charset="-128"/>
-              </a:rPr>
-              <a:t> </a:t>
-            </a:r>
-            <a:r>
-              <a:rPr lang="en-US" dirty="0" err="1">
-                <a:solidFill>
-                  <a:srgbClr val="000000"/>
-                </a:solidFill>
-                <a:latin typeface="Times New Roman" panose="02020603050405020304" pitchFamily="18" charset="0"/>
-                <a:ea typeface="MS Mincho" panose="02020609040205080304" pitchFamily="49" charset="-128"/>
-              </a:rPr>
-              <a:t>nhập</a:t>
-            </a:r>
-            <a:r>
-              <a:rPr lang="en-US" dirty="0">
-                <a:solidFill>
-                  <a:srgbClr val="000000"/>
-                </a:solidFill>
-                <a:latin typeface="Times New Roman" panose="02020603050405020304" pitchFamily="18" charset="0"/>
-                <a:ea typeface="MS Mincho" panose="02020609040205080304" pitchFamily="49" charset="-128"/>
-              </a:rPr>
-              <a:t>, </a:t>
-            </a:r>
-            <a:r>
-              <a:rPr lang="en-US" dirty="0" err="1">
-                <a:solidFill>
-                  <a:srgbClr val="000000"/>
-                </a:solidFill>
-                <a:latin typeface="Times New Roman" panose="02020603050405020304" pitchFamily="18" charset="0"/>
-                <a:ea typeface="MS Mincho" panose="02020609040205080304" pitchFamily="49" charset="-128"/>
-              </a:rPr>
-              <a:t>tạo</a:t>
-            </a:r>
-            <a:r>
-              <a:rPr lang="en-US" dirty="0">
-                <a:solidFill>
-                  <a:srgbClr val="000000"/>
-                </a:solidFill>
-                <a:latin typeface="Times New Roman" panose="02020603050405020304" pitchFamily="18" charset="0"/>
-                <a:ea typeface="MS Mincho" panose="02020609040205080304" pitchFamily="49" charset="-128"/>
-              </a:rPr>
-              <a:t> </a:t>
-            </a:r>
-            <a:r>
-              <a:rPr lang="en-US" dirty="0" err="1">
-                <a:solidFill>
-                  <a:srgbClr val="000000"/>
-                </a:solidFill>
-                <a:latin typeface="Times New Roman" panose="02020603050405020304" pitchFamily="18" charset="0"/>
-                <a:ea typeface="MS Mincho" panose="02020609040205080304" pitchFamily="49" charset="-128"/>
-              </a:rPr>
-              <a:t>tài</a:t>
-            </a:r>
-            <a:r>
-              <a:rPr lang="en-US" dirty="0">
-                <a:solidFill>
-                  <a:srgbClr val="000000"/>
-                </a:solidFill>
-                <a:latin typeface="Times New Roman" panose="02020603050405020304" pitchFamily="18" charset="0"/>
-                <a:ea typeface="MS Mincho" panose="02020609040205080304" pitchFamily="49" charset="-128"/>
-              </a:rPr>
-              <a:t> </a:t>
-            </a:r>
-            <a:r>
-              <a:rPr lang="en-US" dirty="0" err="1">
-                <a:solidFill>
-                  <a:srgbClr val="000000"/>
-                </a:solidFill>
-                <a:latin typeface="Times New Roman" panose="02020603050405020304" pitchFamily="18" charset="0"/>
-                <a:ea typeface="MS Mincho" panose="02020609040205080304" pitchFamily="49" charset="-128"/>
-              </a:rPr>
-              <a:t>khoản</a:t>
-            </a:r>
-            <a:r>
-              <a:rPr lang="en-US" dirty="0">
-                <a:solidFill>
-                  <a:srgbClr val="000000"/>
-                </a:solidFill>
-                <a:latin typeface="Times New Roman" panose="02020603050405020304" pitchFamily="18" charset="0"/>
-                <a:ea typeface="MS Mincho" panose="02020609040205080304" pitchFamily="49" charset="-128"/>
-              </a:rPr>
-              <a:t> </a:t>
-            </a:r>
-            <a:r>
-              <a:rPr lang="en-US" dirty="0" err="1">
-                <a:solidFill>
-                  <a:srgbClr val="000000"/>
-                </a:solidFill>
-                <a:latin typeface="Times New Roman" panose="02020603050405020304" pitchFamily="18" charset="0"/>
-                <a:ea typeface="MS Mincho" panose="02020609040205080304" pitchFamily="49" charset="-128"/>
-              </a:rPr>
-              <a:t>cho</a:t>
-            </a:r>
-            <a:r>
-              <a:rPr lang="en-US" dirty="0">
-                <a:solidFill>
-                  <a:srgbClr val="000000"/>
-                </a:solidFill>
-                <a:latin typeface="Times New Roman" panose="02020603050405020304" pitchFamily="18" charset="0"/>
-                <a:ea typeface="MS Mincho" panose="02020609040205080304" pitchFamily="49" charset="-128"/>
-              </a:rPr>
-              <a:t> </a:t>
-            </a:r>
-            <a:r>
-              <a:rPr lang="en-US" dirty="0" err="1">
-                <a:solidFill>
-                  <a:srgbClr val="000000"/>
-                </a:solidFill>
-                <a:latin typeface="Times New Roman" panose="02020603050405020304" pitchFamily="18" charset="0"/>
-                <a:ea typeface="MS Mincho" panose="02020609040205080304" pitchFamily="49" charset="-128"/>
-              </a:rPr>
-              <a:t>nhân</a:t>
-            </a:r>
-            <a:r>
-              <a:rPr lang="en-US" dirty="0">
-                <a:solidFill>
-                  <a:srgbClr val="000000"/>
-                </a:solidFill>
-                <a:latin typeface="Times New Roman" panose="02020603050405020304" pitchFamily="18" charset="0"/>
-                <a:ea typeface="MS Mincho" panose="02020609040205080304" pitchFamily="49" charset="-128"/>
-              </a:rPr>
-              <a:t> </a:t>
-            </a:r>
-            <a:r>
-              <a:rPr lang="en-US" dirty="0" err="1">
-                <a:solidFill>
-                  <a:srgbClr val="000000"/>
-                </a:solidFill>
-                <a:latin typeface="Times New Roman" panose="02020603050405020304" pitchFamily="18" charset="0"/>
-                <a:ea typeface="MS Mincho" panose="02020609040205080304" pitchFamily="49" charset="-128"/>
-              </a:rPr>
-              <a:t>viên</a:t>
-            </a:r>
-            <a:endParaRPr lang="en-US" dirty="0">
-              <a:latin typeface="Times New Roman" panose="02020603050405020304" pitchFamily="18" charset="0"/>
-              <a:ea typeface="MS Mincho" panose="02020609040205080304" pitchFamily="49" charset="-128"/>
-            </a:endParaRPr>
-          </a:p>
-          <a:p>
-            <a:pPr marL="228600" marR="0" indent="131445">
-              <a:lnSpc>
-                <a:spcPct val="130000"/>
-              </a:lnSpc>
-              <a:spcBef>
-                <a:spcPts val="0"/>
-              </a:spcBef>
-              <a:spcAft>
-                <a:spcPts val="0"/>
-              </a:spcAft>
-            </a:pPr>
-            <a:r>
-              <a:rPr lang="en-US" dirty="0">
-                <a:solidFill>
-                  <a:srgbClr val="000000"/>
-                </a:solidFill>
-                <a:latin typeface="Times New Roman" panose="02020603050405020304" pitchFamily="18" charset="0"/>
-                <a:ea typeface="MS Mincho" panose="02020609040205080304" pitchFamily="49" charset="-128"/>
-              </a:rPr>
-              <a:t>-  </a:t>
-            </a:r>
-            <a:r>
-              <a:rPr lang="en-US" dirty="0" err="1">
-                <a:solidFill>
-                  <a:srgbClr val="000000"/>
-                </a:solidFill>
-                <a:latin typeface="Times New Roman" panose="02020603050405020304" pitchFamily="18" charset="0"/>
-                <a:ea typeface="MS Mincho" panose="02020609040205080304" pitchFamily="49" charset="-128"/>
-              </a:rPr>
-              <a:t>Quản</a:t>
-            </a:r>
-            <a:r>
-              <a:rPr lang="en-US" dirty="0">
-                <a:solidFill>
-                  <a:srgbClr val="000000"/>
-                </a:solidFill>
-                <a:latin typeface="Times New Roman" panose="02020603050405020304" pitchFamily="18" charset="0"/>
-                <a:ea typeface="MS Mincho" panose="02020609040205080304" pitchFamily="49" charset="-128"/>
-              </a:rPr>
-              <a:t> </a:t>
-            </a:r>
-            <a:r>
-              <a:rPr lang="en-US" dirty="0" err="1">
-                <a:solidFill>
-                  <a:srgbClr val="000000"/>
-                </a:solidFill>
-                <a:latin typeface="Times New Roman" panose="02020603050405020304" pitchFamily="18" charset="0"/>
-                <a:ea typeface="MS Mincho" panose="02020609040205080304" pitchFamily="49" charset="-128"/>
-              </a:rPr>
-              <a:t>lý</a:t>
-            </a:r>
-            <a:r>
-              <a:rPr lang="en-US" dirty="0">
-                <a:solidFill>
-                  <a:srgbClr val="000000"/>
-                </a:solidFill>
-                <a:latin typeface="Times New Roman" panose="02020603050405020304" pitchFamily="18" charset="0"/>
-                <a:ea typeface="MS Mincho" panose="02020609040205080304" pitchFamily="49" charset="-128"/>
-              </a:rPr>
-              <a:t> </a:t>
-            </a:r>
-            <a:r>
-              <a:rPr lang="en-US" dirty="0" err="1">
-                <a:solidFill>
-                  <a:srgbClr val="000000"/>
-                </a:solidFill>
-                <a:latin typeface="Times New Roman" panose="02020603050405020304" pitchFamily="18" charset="0"/>
-                <a:ea typeface="MS Mincho" panose="02020609040205080304" pitchFamily="49" charset="-128"/>
-              </a:rPr>
-              <a:t>người</a:t>
-            </a:r>
-            <a:r>
-              <a:rPr lang="en-US" dirty="0">
-                <a:solidFill>
-                  <a:srgbClr val="000000"/>
-                </a:solidFill>
-                <a:latin typeface="Times New Roman" panose="02020603050405020304" pitchFamily="18" charset="0"/>
-                <a:ea typeface="MS Mincho" panose="02020609040205080304" pitchFamily="49" charset="-128"/>
-              </a:rPr>
-              <a:t> </a:t>
-            </a:r>
-            <a:r>
-              <a:rPr lang="en-US" dirty="0" err="1">
-                <a:solidFill>
-                  <a:srgbClr val="000000"/>
-                </a:solidFill>
-                <a:latin typeface="Times New Roman" panose="02020603050405020304" pitchFamily="18" charset="0"/>
-                <a:ea typeface="MS Mincho" panose="02020609040205080304" pitchFamily="49" charset="-128"/>
-              </a:rPr>
-              <a:t>dùng</a:t>
-            </a:r>
-            <a:endParaRPr lang="en-US" dirty="0">
-              <a:latin typeface="Times New Roman" panose="02020603050405020304" pitchFamily="18" charset="0"/>
-              <a:ea typeface="MS Mincho" panose="02020609040205080304" pitchFamily="49" charset="-128"/>
-            </a:endParaRPr>
-          </a:p>
-          <a:p>
-            <a:pPr marL="228600" marR="0" indent="131445">
-              <a:lnSpc>
-                <a:spcPct val="130000"/>
-              </a:lnSpc>
-              <a:spcBef>
-                <a:spcPts val="0"/>
-              </a:spcBef>
-              <a:spcAft>
-                <a:spcPts val="0"/>
-              </a:spcAft>
-            </a:pPr>
-            <a:r>
-              <a:rPr lang="en-US" dirty="0">
-                <a:solidFill>
-                  <a:srgbClr val="000000"/>
-                </a:solidFill>
-                <a:latin typeface="Times New Roman" panose="02020603050405020304" pitchFamily="18" charset="0"/>
-                <a:ea typeface="MS Mincho" panose="02020609040205080304" pitchFamily="49" charset="-128"/>
-              </a:rPr>
-              <a:t>-  </a:t>
-            </a:r>
-            <a:r>
-              <a:rPr lang="en-US" dirty="0" err="1">
-                <a:solidFill>
-                  <a:srgbClr val="000000"/>
-                </a:solidFill>
-                <a:latin typeface="Times New Roman" panose="02020603050405020304" pitchFamily="18" charset="0"/>
-                <a:ea typeface="MS Mincho" panose="02020609040205080304" pitchFamily="49" charset="-128"/>
-              </a:rPr>
-              <a:t>Quản</a:t>
-            </a:r>
-            <a:r>
-              <a:rPr lang="en-US" dirty="0">
-                <a:solidFill>
-                  <a:srgbClr val="000000"/>
-                </a:solidFill>
-                <a:latin typeface="Times New Roman" panose="02020603050405020304" pitchFamily="18" charset="0"/>
-                <a:ea typeface="MS Mincho" panose="02020609040205080304" pitchFamily="49" charset="-128"/>
-              </a:rPr>
-              <a:t> </a:t>
-            </a:r>
-            <a:r>
-              <a:rPr lang="en-US" dirty="0" err="1">
-                <a:solidFill>
-                  <a:srgbClr val="000000"/>
-                </a:solidFill>
-                <a:latin typeface="Times New Roman" panose="02020603050405020304" pitchFamily="18" charset="0"/>
-                <a:ea typeface="MS Mincho" panose="02020609040205080304" pitchFamily="49" charset="-128"/>
-              </a:rPr>
-              <a:t>lý</a:t>
-            </a:r>
-            <a:r>
-              <a:rPr lang="en-US" dirty="0">
-                <a:solidFill>
-                  <a:srgbClr val="000000"/>
-                </a:solidFill>
-                <a:latin typeface="Times New Roman" panose="02020603050405020304" pitchFamily="18" charset="0"/>
-                <a:ea typeface="MS Mincho" panose="02020609040205080304" pitchFamily="49" charset="-128"/>
-              </a:rPr>
-              <a:t> </a:t>
-            </a:r>
-            <a:r>
-              <a:rPr lang="en-US" dirty="0" err="1">
-                <a:solidFill>
-                  <a:srgbClr val="000000"/>
-                </a:solidFill>
-                <a:latin typeface="Times New Roman" panose="02020603050405020304" pitchFamily="18" charset="0"/>
-                <a:ea typeface="MS Mincho" panose="02020609040205080304" pitchFamily="49" charset="-128"/>
-              </a:rPr>
-              <a:t>quần</a:t>
-            </a:r>
-            <a:r>
-              <a:rPr lang="en-US" dirty="0">
-                <a:solidFill>
-                  <a:srgbClr val="000000"/>
-                </a:solidFill>
-                <a:latin typeface="Times New Roman" panose="02020603050405020304" pitchFamily="18" charset="0"/>
-                <a:ea typeface="MS Mincho" panose="02020609040205080304" pitchFamily="49" charset="-128"/>
-              </a:rPr>
-              <a:t> </a:t>
-            </a:r>
-            <a:r>
-              <a:rPr lang="en-US" dirty="0" err="1">
-                <a:solidFill>
-                  <a:srgbClr val="000000"/>
-                </a:solidFill>
-                <a:latin typeface="Times New Roman" panose="02020603050405020304" pitchFamily="18" charset="0"/>
-                <a:ea typeface="MS Mincho" panose="02020609040205080304" pitchFamily="49" charset="-128"/>
-              </a:rPr>
-              <a:t>áo</a:t>
-            </a:r>
-            <a:endParaRPr lang="en-US" dirty="0">
-              <a:latin typeface="Times New Roman" panose="02020603050405020304" pitchFamily="18" charset="0"/>
-              <a:ea typeface="MS Mincho" panose="02020609040205080304" pitchFamily="49" charset="-128"/>
-            </a:endParaRPr>
-          </a:p>
-          <a:p>
-            <a:pPr marL="228600" marR="0" indent="131445">
-              <a:lnSpc>
-                <a:spcPct val="130000"/>
-              </a:lnSpc>
-              <a:spcBef>
-                <a:spcPts val="0"/>
-              </a:spcBef>
-              <a:spcAft>
-                <a:spcPts val="0"/>
-              </a:spcAft>
-            </a:pPr>
-            <a:r>
-              <a:rPr lang="en-US" dirty="0">
-                <a:solidFill>
-                  <a:srgbClr val="000000"/>
-                </a:solidFill>
-                <a:latin typeface="Times New Roman" panose="02020603050405020304" pitchFamily="18" charset="0"/>
-                <a:ea typeface="MS Mincho" panose="02020609040205080304" pitchFamily="49" charset="-128"/>
-              </a:rPr>
-              <a:t>-  </a:t>
-            </a:r>
-            <a:r>
-              <a:rPr lang="en-US" dirty="0" err="1">
-                <a:solidFill>
-                  <a:srgbClr val="000000"/>
-                </a:solidFill>
-                <a:latin typeface="Times New Roman" panose="02020603050405020304" pitchFamily="18" charset="0"/>
-                <a:ea typeface="MS Mincho" panose="02020609040205080304" pitchFamily="49" charset="-128"/>
-              </a:rPr>
-              <a:t>Quản</a:t>
-            </a:r>
-            <a:r>
-              <a:rPr lang="en-US" dirty="0">
-                <a:solidFill>
-                  <a:srgbClr val="000000"/>
-                </a:solidFill>
-                <a:latin typeface="Times New Roman" panose="02020603050405020304" pitchFamily="18" charset="0"/>
-                <a:ea typeface="MS Mincho" panose="02020609040205080304" pitchFamily="49" charset="-128"/>
-              </a:rPr>
-              <a:t> </a:t>
-            </a:r>
-            <a:r>
-              <a:rPr lang="en-US" dirty="0" err="1">
-                <a:solidFill>
-                  <a:srgbClr val="000000"/>
-                </a:solidFill>
-                <a:latin typeface="Times New Roman" panose="02020603050405020304" pitchFamily="18" charset="0"/>
-                <a:ea typeface="MS Mincho" panose="02020609040205080304" pitchFamily="49" charset="-128"/>
-              </a:rPr>
-              <a:t>lý</a:t>
-            </a:r>
-            <a:r>
-              <a:rPr lang="en-US" dirty="0">
-                <a:solidFill>
-                  <a:srgbClr val="000000"/>
-                </a:solidFill>
-                <a:latin typeface="Times New Roman" panose="02020603050405020304" pitchFamily="18" charset="0"/>
-                <a:ea typeface="MS Mincho" panose="02020609040205080304" pitchFamily="49" charset="-128"/>
-              </a:rPr>
-              <a:t> </a:t>
-            </a:r>
-            <a:r>
-              <a:rPr lang="en-US" dirty="0" err="1">
-                <a:solidFill>
-                  <a:srgbClr val="000000"/>
-                </a:solidFill>
-                <a:latin typeface="Times New Roman" panose="02020603050405020304" pitchFamily="18" charset="0"/>
-                <a:ea typeface="MS Mincho" panose="02020609040205080304" pitchFamily="49" charset="-128"/>
-              </a:rPr>
-              <a:t>loại</a:t>
-            </a:r>
-            <a:r>
-              <a:rPr lang="en-US" dirty="0">
-                <a:solidFill>
-                  <a:srgbClr val="000000"/>
-                </a:solidFill>
-                <a:latin typeface="Times New Roman" panose="02020603050405020304" pitchFamily="18" charset="0"/>
-                <a:ea typeface="MS Mincho" panose="02020609040205080304" pitchFamily="49" charset="-128"/>
-              </a:rPr>
-              <a:t> </a:t>
-            </a:r>
-            <a:r>
-              <a:rPr lang="en-US" dirty="0" err="1">
-                <a:solidFill>
-                  <a:srgbClr val="000000"/>
-                </a:solidFill>
-                <a:latin typeface="Times New Roman" panose="02020603050405020304" pitchFamily="18" charset="0"/>
-                <a:ea typeface="MS Mincho" panose="02020609040205080304" pitchFamily="49" charset="-128"/>
-              </a:rPr>
-              <a:t>quần</a:t>
-            </a:r>
-            <a:r>
-              <a:rPr lang="en-US" dirty="0">
-                <a:solidFill>
-                  <a:srgbClr val="000000"/>
-                </a:solidFill>
-                <a:latin typeface="Times New Roman" panose="02020603050405020304" pitchFamily="18" charset="0"/>
-                <a:ea typeface="MS Mincho" panose="02020609040205080304" pitchFamily="49" charset="-128"/>
-              </a:rPr>
-              <a:t> </a:t>
-            </a:r>
-            <a:r>
-              <a:rPr lang="en-US" dirty="0" err="1">
-                <a:solidFill>
-                  <a:srgbClr val="000000"/>
-                </a:solidFill>
-                <a:latin typeface="Times New Roman" panose="02020603050405020304" pitchFamily="18" charset="0"/>
-                <a:ea typeface="MS Mincho" panose="02020609040205080304" pitchFamily="49" charset="-128"/>
-              </a:rPr>
-              <a:t>áo</a:t>
-            </a:r>
-            <a:endParaRPr lang="en-US" dirty="0">
-              <a:latin typeface="Times New Roman" panose="02020603050405020304" pitchFamily="18" charset="0"/>
-              <a:ea typeface="MS Mincho" panose="02020609040205080304" pitchFamily="49" charset="-128"/>
-            </a:endParaRPr>
-          </a:p>
-          <a:p>
-            <a:pPr marL="228600" marR="0" indent="131445">
-              <a:lnSpc>
-                <a:spcPct val="130000"/>
-              </a:lnSpc>
-              <a:spcBef>
-                <a:spcPts val="0"/>
-              </a:spcBef>
-              <a:spcAft>
-                <a:spcPts val="0"/>
-              </a:spcAft>
-            </a:pPr>
-            <a:r>
-              <a:rPr lang="en-US" dirty="0">
-                <a:solidFill>
-                  <a:srgbClr val="000000"/>
-                </a:solidFill>
-                <a:latin typeface="Times New Roman" panose="02020603050405020304" pitchFamily="18" charset="0"/>
-                <a:ea typeface="MS Mincho" panose="02020609040205080304" pitchFamily="49" charset="-128"/>
-              </a:rPr>
-              <a:t>-  </a:t>
-            </a:r>
-            <a:r>
-              <a:rPr lang="en-US" dirty="0" err="1">
-                <a:solidFill>
-                  <a:srgbClr val="000000"/>
-                </a:solidFill>
-                <a:latin typeface="Times New Roman" panose="02020603050405020304" pitchFamily="18" charset="0"/>
-                <a:ea typeface="MS Mincho" panose="02020609040205080304" pitchFamily="49" charset="-128"/>
-              </a:rPr>
-              <a:t>Quản</a:t>
-            </a:r>
-            <a:r>
-              <a:rPr lang="en-US" dirty="0">
-                <a:solidFill>
-                  <a:srgbClr val="000000"/>
-                </a:solidFill>
-                <a:latin typeface="Times New Roman" panose="02020603050405020304" pitchFamily="18" charset="0"/>
-                <a:ea typeface="MS Mincho" panose="02020609040205080304" pitchFamily="49" charset="-128"/>
-              </a:rPr>
-              <a:t> </a:t>
-            </a:r>
-            <a:r>
-              <a:rPr lang="en-US" dirty="0" err="1">
-                <a:solidFill>
-                  <a:srgbClr val="000000"/>
-                </a:solidFill>
-                <a:latin typeface="Times New Roman" panose="02020603050405020304" pitchFamily="18" charset="0"/>
-                <a:ea typeface="MS Mincho" panose="02020609040205080304" pitchFamily="49" charset="-128"/>
-              </a:rPr>
-              <a:t>lý</a:t>
-            </a:r>
-            <a:r>
-              <a:rPr lang="en-US" dirty="0">
-                <a:solidFill>
-                  <a:srgbClr val="000000"/>
-                </a:solidFill>
-                <a:latin typeface="Times New Roman" panose="02020603050405020304" pitchFamily="18" charset="0"/>
-                <a:ea typeface="MS Mincho" panose="02020609040205080304" pitchFamily="49" charset="-128"/>
-              </a:rPr>
-              <a:t> </a:t>
-            </a:r>
-            <a:r>
-              <a:rPr lang="en-US" dirty="0" err="1">
-                <a:solidFill>
-                  <a:srgbClr val="000000"/>
-                </a:solidFill>
-                <a:latin typeface="Times New Roman" panose="02020603050405020304" pitchFamily="18" charset="0"/>
-                <a:ea typeface="MS Mincho" panose="02020609040205080304" pitchFamily="49" charset="-128"/>
-              </a:rPr>
-              <a:t>đơn</a:t>
-            </a:r>
-            <a:r>
-              <a:rPr lang="en-US" dirty="0">
-                <a:solidFill>
-                  <a:srgbClr val="000000"/>
-                </a:solidFill>
-                <a:latin typeface="Times New Roman" panose="02020603050405020304" pitchFamily="18" charset="0"/>
-                <a:ea typeface="MS Mincho" panose="02020609040205080304" pitchFamily="49" charset="-128"/>
-              </a:rPr>
-              <a:t> </a:t>
-            </a:r>
-            <a:r>
-              <a:rPr lang="en-US" dirty="0" err="1">
-                <a:solidFill>
-                  <a:srgbClr val="000000"/>
-                </a:solidFill>
-                <a:latin typeface="Times New Roman" panose="02020603050405020304" pitchFamily="18" charset="0"/>
-                <a:ea typeface="MS Mincho" panose="02020609040205080304" pitchFamily="49" charset="-128"/>
-              </a:rPr>
-              <a:t>hàng</a:t>
-            </a:r>
-            <a:r>
-              <a:rPr lang="en-US" dirty="0">
-                <a:solidFill>
-                  <a:srgbClr val="000000"/>
-                </a:solidFill>
-                <a:latin typeface="Times New Roman" panose="02020603050405020304" pitchFamily="18" charset="0"/>
-                <a:ea typeface="MS Mincho" panose="02020609040205080304" pitchFamily="49" charset="-128"/>
-              </a:rPr>
-              <a:t>, </a:t>
-            </a:r>
-            <a:r>
-              <a:rPr lang="en-US" dirty="0" err="1">
-                <a:solidFill>
-                  <a:srgbClr val="000000"/>
-                </a:solidFill>
-                <a:latin typeface="Times New Roman" panose="02020603050405020304" pitchFamily="18" charset="0"/>
-                <a:ea typeface="MS Mincho" panose="02020609040205080304" pitchFamily="49" charset="-128"/>
-              </a:rPr>
-              <a:t>xử</a:t>
-            </a:r>
-            <a:r>
-              <a:rPr lang="en-US" dirty="0">
-                <a:solidFill>
-                  <a:srgbClr val="000000"/>
-                </a:solidFill>
-                <a:latin typeface="Times New Roman" panose="02020603050405020304" pitchFamily="18" charset="0"/>
-                <a:ea typeface="MS Mincho" panose="02020609040205080304" pitchFamily="49" charset="-128"/>
-              </a:rPr>
-              <a:t> </a:t>
-            </a:r>
-            <a:r>
-              <a:rPr lang="en-US" dirty="0" err="1">
-                <a:solidFill>
-                  <a:srgbClr val="000000"/>
-                </a:solidFill>
-                <a:latin typeface="Times New Roman" panose="02020603050405020304" pitchFamily="18" charset="0"/>
-                <a:ea typeface="MS Mincho" panose="02020609040205080304" pitchFamily="49" charset="-128"/>
-              </a:rPr>
-              <a:t>lý</a:t>
-            </a:r>
-            <a:r>
-              <a:rPr lang="en-US" dirty="0">
-                <a:solidFill>
-                  <a:srgbClr val="000000"/>
-                </a:solidFill>
-                <a:latin typeface="Times New Roman" panose="02020603050405020304" pitchFamily="18" charset="0"/>
-                <a:ea typeface="MS Mincho" panose="02020609040205080304" pitchFamily="49" charset="-128"/>
-              </a:rPr>
-              <a:t> </a:t>
-            </a:r>
-            <a:r>
-              <a:rPr lang="en-US" dirty="0" err="1">
-                <a:solidFill>
-                  <a:srgbClr val="000000"/>
-                </a:solidFill>
-                <a:latin typeface="Times New Roman" panose="02020603050405020304" pitchFamily="18" charset="0"/>
-                <a:ea typeface="MS Mincho" panose="02020609040205080304" pitchFamily="49" charset="-128"/>
-              </a:rPr>
-              <a:t>trạng</a:t>
-            </a:r>
-            <a:r>
-              <a:rPr lang="en-US" dirty="0">
-                <a:solidFill>
-                  <a:srgbClr val="000000"/>
-                </a:solidFill>
-                <a:latin typeface="Times New Roman" panose="02020603050405020304" pitchFamily="18" charset="0"/>
-                <a:ea typeface="MS Mincho" panose="02020609040205080304" pitchFamily="49" charset="-128"/>
-              </a:rPr>
-              <a:t> </a:t>
-            </a:r>
-            <a:r>
-              <a:rPr lang="en-US" dirty="0" err="1">
-                <a:solidFill>
-                  <a:srgbClr val="000000"/>
-                </a:solidFill>
-                <a:latin typeface="Times New Roman" panose="02020603050405020304" pitchFamily="18" charset="0"/>
-                <a:ea typeface="MS Mincho" panose="02020609040205080304" pitchFamily="49" charset="-128"/>
-              </a:rPr>
-              <a:t>thái</a:t>
-            </a:r>
-            <a:r>
-              <a:rPr lang="en-US" dirty="0">
-                <a:solidFill>
-                  <a:srgbClr val="000000"/>
-                </a:solidFill>
-                <a:latin typeface="Times New Roman" panose="02020603050405020304" pitchFamily="18" charset="0"/>
-                <a:ea typeface="MS Mincho" panose="02020609040205080304" pitchFamily="49" charset="-128"/>
-              </a:rPr>
-              <a:t> </a:t>
-            </a:r>
-            <a:r>
-              <a:rPr lang="en-US" dirty="0" err="1">
-                <a:solidFill>
-                  <a:srgbClr val="000000"/>
-                </a:solidFill>
-                <a:latin typeface="Times New Roman" panose="02020603050405020304" pitchFamily="18" charset="0"/>
-                <a:ea typeface="MS Mincho" panose="02020609040205080304" pitchFamily="49" charset="-128"/>
-              </a:rPr>
-              <a:t>đơn</a:t>
-            </a:r>
-            <a:r>
-              <a:rPr lang="en-US" dirty="0">
-                <a:solidFill>
-                  <a:srgbClr val="000000"/>
-                </a:solidFill>
-                <a:latin typeface="Times New Roman" panose="02020603050405020304" pitchFamily="18" charset="0"/>
-                <a:ea typeface="MS Mincho" panose="02020609040205080304" pitchFamily="49" charset="-128"/>
-              </a:rPr>
-              <a:t> </a:t>
-            </a:r>
-            <a:r>
-              <a:rPr lang="en-US" dirty="0" err="1">
-                <a:solidFill>
-                  <a:srgbClr val="000000"/>
-                </a:solidFill>
-                <a:latin typeface="Times New Roman" panose="02020603050405020304" pitchFamily="18" charset="0"/>
-                <a:ea typeface="MS Mincho" panose="02020609040205080304" pitchFamily="49" charset="-128"/>
-              </a:rPr>
-              <a:t>hàng</a:t>
-            </a:r>
-            <a:endParaRPr lang="en-US" dirty="0">
-              <a:latin typeface="Times New Roman" panose="02020603050405020304" pitchFamily="18" charset="0"/>
-              <a:ea typeface="MS Mincho" panose="02020609040205080304" pitchFamily="49" charset="-128"/>
-            </a:endParaRPr>
-          </a:p>
-          <a:p>
-            <a:pPr marL="228600" marR="0" indent="131445">
-              <a:lnSpc>
-                <a:spcPct val="130000"/>
-              </a:lnSpc>
-              <a:spcBef>
-                <a:spcPts val="0"/>
-              </a:spcBef>
-              <a:spcAft>
-                <a:spcPts val="0"/>
-              </a:spcAft>
-            </a:pPr>
-            <a:r>
-              <a:rPr lang="en-US" dirty="0">
-                <a:solidFill>
-                  <a:srgbClr val="000000"/>
-                </a:solidFill>
-                <a:latin typeface="Times New Roman" panose="02020603050405020304" pitchFamily="18" charset="0"/>
-                <a:ea typeface="MS Mincho" panose="02020609040205080304" pitchFamily="49" charset="-128"/>
-              </a:rPr>
-              <a:t>- </a:t>
-            </a:r>
-            <a:r>
-              <a:rPr lang="en-US" dirty="0" err="1">
-                <a:solidFill>
-                  <a:srgbClr val="000000"/>
-                </a:solidFill>
-                <a:latin typeface="Times New Roman" panose="02020603050405020304" pitchFamily="18" charset="0"/>
-                <a:ea typeface="MS Mincho" panose="02020609040205080304" pitchFamily="49" charset="-128"/>
-              </a:rPr>
-              <a:t>Thống</a:t>
-            </a:r>
-            <a:r>
-              <a:rPr lang="en-US" dirty="0">
-                <a:solidFill>
-                  <a:srgbClr val="000000"/>
-                </a:solidFill>
-                <a:latin typeface="Times New Roman" panose="02020603050405020304" pitchFamily="18" charset="0"/>
-                <a:ea typeface="MS Mincho" panose="02020609040205080304" pitchFamily="49" charset="-128"/>
-              </a:rPr>
-              <a:t> </a:t>
-            </a:r>
-            <a:r>
-              <a:rPr lang="en-US" dirty="0" err="1">
-                <a:solidFill>
-                  <a:srgbClr val="000000"/>
-                </a:solidFill>
-                <a:latin typeface="Times New Roman" panose="02020603050405020304" pitchFamily="18" charset="0"/>
-                <a:ea typeface="MS Mincho" panose="02020609040205080304" pitchFamily="49" charset="-128"/>
-              </a:rPr>
-              <a:t>kê</a:t>
-            </a:r>
-            <a:r>
-              <a:rPr lang="en-US" dirty="0">
-                <a:solidFill>
-                  <a:srgbClr val="000000"/>
-                </a:solidFill>
-                <a:latin typeface="Times New Roman" panose="02020603050405020304" pitchFamily="18" charset="0"/>
-                <a:ea typeface="MS Mincho" panose="02020609040205080304" pitchFamily="49" charset="-128"/>
-              </a:rPr>
-              <a:t> </a:t>
-            </a:r>
-            <a:r>
-              <a:rPr lang="en-US" dirty="0" err="1">
-                <a:solidFill>
-                  <a:srgbClr val="000000"/>
-                </a:solidFill>
-                <a:latin typeface="Times New Roman" panose="02020603050405020304" pitchFamily="18" charset="0"/>
-                <a:ea typeface="MS Mincho" panose="02020609040205080304" pitchFamily="49" charset="-128"/>
-              </a:rPr>
-              <a:t>các</a:t>
-            </a:r>
-            <a:r>
-              <a:rPr lang="en-US" dirty="0">
-                <a:solidFill>
-                  <a:srgbClr val="000000"/>
-                </a:solidFill>
-                <a:latin typeface="Times New Roman" panose="02020603050405020304" pitchFamily="18" charset="0"/>
-                <a:ea typeface="MS Mincho" panose="02020609040205080304" pitchFamily="49" charset="-128"/>
-              </a:rPr>
-              <a:t> </a:t>
-            </a:r>
-            <a:r>
-              <a:rPr lang="en-US" dirty="0" err="1">
-                <a:solidFill>
-                  <a:srgbClr val="000000"/>
-                </a:solidFill>
-                <a:latin typeface="Times New Roman" panose="02020603050405020304" pitchFamily="18" charset="0"/>
-                <a:ea typeface="MS Mincho" panose="02020609040205080304" pitchFamily="49" charset="-128"/>
-              </a:rPr>
-              <a:t>mặt</a:t>
-            </a:r>
-            <a:r>
-              <a:rPr lang="en-US" dirty="0">
-                <a:solidFill>
-                  <a:srgbClr val="000000"/>
-                </a:solidFill>
-                <a:latin typeface="Times New Roman" panose="02020603050405020304" pitchFamily="18" charset="0"/>
-                <a:ea typeface="MS Mincho" panose="02020609040205080304" pitchFamily="49" charset="-128"/>
-              </a:rPr>
-              <a:t> </a:t>
-            </a:r>
-            <a:r>
-              <a:rPr lang="en-US" dirty="0" err="1">
-                <a:solidFill>
-                  <a:srgbClr val="000000"/>
-                </a:solidFill>
-                <a:latin typeface="Times New Roman" panose="02020603050405020304" pitchFamily="18" charset="0"/>
-                <a:ea typeface="MS Mincho" panose="02020609040205080304" pitchFamily="49" charset="-128"/>
-              </a:rPr>
-              <a:t>hàng</a:t>
-            </a:r>
-            <a:r>
-              <a:rPr lang="en-US" dirty="0">
-                <a:solidFill>
-                  <a:srgbClr val="000000"/>
-                </a:solidFill>
-                <a:latin typeface="Times New Roman" panose="02020603050405020304" pitchFamily="18" charset="0"/>
-                <a:ea typeface="MS Mincho" panose="02020609040205080304" pitchFamily="49" charset="-128"/>
-              </a:rPr>
-              <a:t> </a:t>
-            </a:r>
-            <a:r>
-              <a:rPr lang="en-US" dirty="0" err="1">
-                <a:solidFill>
-                  <a:srgbClr val="000000"/>
-                </a:solidFill>
-                <a:latin typeface="Times New Roman" panose="02020603050405020304" pitchFamily="18" charset="0"/>
-                <a:ea typeface="MS Mincho" panose="02020609040205080304" pitchFamily="49" charset="-128"/>
-              </a:rPr>
-              <a:t>bán</a:t>
-            </a:r>
-            <a:r>
-              <a:rPr lang="en-US" dirty="0">
-                <a:solidFill>
-                  <a:srgbClr val="000000"/>
-                </a:solidFill>
-                <a:latin typeface="Times New Roman" panose="02020603050405020304" pitchFamily="18" charset="0"/>
-                <a:ea typeface="MS Mincho" panose="02020609040205080304" pitchFamily="49" charset="-128"/>
-              </a:rPr>
-              <a:t> </a:t>
-            </a:r>
-            <a:r>
-              <a:rPr lang="en-US" dirty="0" err="1">
-                <a:solidFill>
-                  <a:srgbClr val="000000"/>
-                </a:solidFill>
-                <a:latin typeface="Times New Roman" panose="02020603050405020304" pitchFamily="18" charset="0"/>
-                <a:ea typeface="MS Mincho" panose="02020609040205080304" pitchFamily="49" charset="-128"/>
-              </a:rPr>
-              <a:t>chạy</a:t>
-            </a:r>
-            <a:endParaRPr lang="en-US" dirty="0">
-              <a:latin typeface="Times New Roman" panose="02020603050405020304" pitchFamily="18" charset="0"/>
-              <a:ea typeface="MS Mincho" panose="02020609040205080304" pitchFamily="49" charset="-128"/>
-            </a:endParaRPr>
-          </a:p>
-          <a:p>
-            <a:pPr marL="228600" marR="0" indent="131445">
-              <a:lnSpc>
-                <a:spcPct val="130000"/>
-              </a:lnSpc>
-              <a:spcBef>
-                <a:spcPts val="0"/>
-              </a:spcBef>
-              <a:spcAft>
-                <a:spcPts val="0"/>
-              </a:spcAft>
-            </a:pPr>
-            <a:r>
-              <a:rPr lang="en-US" dirty="0">
-                <a:solidFill>
-                  <a:srgbClr val="000000"/>
-                </a:solidFill>
-                <a:latin typeface="Times New Roman" panose="02020603050405020304" pitchFamily="18" charset="0"/>
-                <a:ea typeface="MS Mincho" panose="02020609040205080304" pitchFamily="49" charset="-128"/>
-              </a:rPr>
-              <a:t>- In </a:t>
-            </a:r>
-            <a:r>
-              <a:rPr lang="en-US" dirty="0" err="1">
-                <a:solidFill>
-                  <a:srgbClr val="000000"/>
-                </a:solidFill>
-                <a:latin typeface="Times New Roman" panose="02020603050405020304" pitchFamily="18" charset="0"/>
-                <a:ea typeface="MS Mincho" panose="02020609040205080304" pitchFamily="49" charset="-128"/>
-              </a:rPr>
-              <a:t>hóa</a:t>
-            </a:r>
-            <a:r>
-              <a:rPr lang="en-US" dirty="0">
-                <a:solidFill>
-                  <a:srgbClr val="000000"/>
-                </a:solidFill>
-                <a:latin typeface="Times New Roman" panose="02020603050405020304" pitchFamily="18" charset="0"/>
-                <a:ea typeface="MS Mincho" panose="02020609040205080304" pitchFamily="49" charset="-128"/>
-              </a:rPr>
-              <a:t> </a:t>
-            </a:r>
-            <a:r>
-              <a:rPr lang="en-US" dirty="0" err="1">
-                <a:solidFill>
-                  <a:srgbClr val="000000"/>
-                </a:solidFill>
-                <a:latin typeface="Times New Roman" panose="02020603050405020304" pitchFamily="18" charset="0"/>
-                <a:ea typeface="MS Mincho" panose="02020609040205080304" pitchFamily="49" charset="-128"/>
-              </a:rPr>
-              <a:t>đơn</a:t>
-            </a:r>
-            <a:r>
-              <a:rPr lang="en-US" dirty="0">
-                <a:solidFill>
-                  <a:srgbClr val="000000"/>
-                </a:solidFill>
-                <a:latin typeface="Times New Roman" panose="02020603050405020304" pitchFamily="18" charset="0"/>
-                <a:ea typeface="MS Mincho" panose="02020609040205080304" pitchFamily="49" charset="-128"/>
-              </a:rPr>
-              <a:t> </a:t>
-            </a:r>
-            <a:endParaRPr lang="en-US" dirty="0">
-              <a:latin typeface="Times New Roman" panose="02020603050405020304" pitchFamily="18" charset="0"/>
-              <a:ea typeface="MS Mincho" panose="02020609040205080304" pitchFamily="49" charset="-128"/>
+              </a:rPr>
+              <a:t>kí</a:t>
+            </a:r>
+            <a:endParaRPr lang="en-US" sz="2400" dirty="0">
+              <a:solidFill>
+                <a:schemeClr val="bg1"/>
+              </a:solidFill>
             </a:endParaRPr>
           </a:p>
         </p:txBody>
@@ -8712,7 +8661,7 @@
 </p:sld>
 </file>
 
-<file path=ppt/slides/slide14.xml><?xml version="1.0" encoding="utf-8"?>
+<file path=ppt/slides/slide15.xml><?xml version="1.0" encoding="utf-8"?>
 <p:sld xmlns:a="http://schemas.openxmlformats.org/drawingml/2006/main" xmlns:r="http://schemas.openxmlformats.org/officeDocument/2006/relationships" xmlns:p="http://schemas.openxmlformats.org/presentationml/2006/main">
   <p:cSld>
     <p:bg>
@@ -9393,7 +9342,7 @@
             <a:fld id="{B6F15528-21DE-4FAA-801E-634DDDAF4B2B}" type="slidenum">
               <a:rPr lang="en-US" smtClean="0"/>
               <a:pPr/>
-              <a:t>14</a:t>
+              <a:t>15</a:t>
             </a:fld>
             <a:endParaRPr lang="en-US"/>
           </a:p>
@@ -9412,7 +9361,7 @@
 </p:sld>
 </file>
 
-<file path=ppt/slides/slide15.xml><?xml version="1.0" encoding="utf-8"?>
+<file path=ppt/slides/slide16.xml><?xml version="1.0" encoding="utf-8"?>
 <p:sld xmlns:a="http://schemas.openxmlformats.org/drawingml/2006/main" xmlns:r="http://schemas.openxmlformats.org/officeDocument/2006/relationships" xmlns:p="http://schemas.openxmlformats.org/presentationml/2006/main">
   <p:cSld>
     <p:spTree>
@@ -10305,7 +10254,7 @@
             <a:fld id="{B6F15528-21DE-4FAA-801E-634DDDAF4B2B}" type="slidenum">
               <a:rPr lang="en-US" smtClean="0"/>
               <a:pPr/>
-              <a:t>15</a:t>
+              <a:t>16</a:t>
             </a:fld>
             <a:endParaRPr lang="en-US"/>
           </a:p>
@@ -10371,7 +10320,7 @@
 </p:sld>
 </file>
 
-<file path=ppt/slides/slide16.xml><?xml version="1.0" encoding="utf-8"?>
+<file path=ppt/slides/slide17.xml><?xml version="1.0" encoding="utf-8"?>
 <p:sld xmlns:a="http://schemas.openxmlformats.org/drawingml/2006/main" xmlns:r="http://schemas.openxmlformats.org/officeDocument/2006/relationships" xmlns:p="http://schemas.openxmlformats.org/presentationml/2006/main">
   <p:cSld>
     <p:spTree>
@@ -10412,7 +10361,7 @@
             <a:fld id="{B6F15528-21DE-4FAA-801E-634DDDAF4B2B}" type="slidenum">
               <a:rPr lang="en-US" smtClean="0"/>
               <a:pPr/>
-              <a:t>16</a:t>
+              <a:t>17</a:t>
             </a:fld>
             <a:endParaRPr lang="en-US"/>
           </a:p>
@@ -10521,7 +10470,7 @@
 </p:sld>
 </file>
 
-<file path=ppt/slides/slide17.xml><?xml version="1.0" encoding="utf-8"?>
+<file path=ppt/slides/slide18.xml><?xml version="1.0" encoding="utf-8"?>
 <p:sld xmlns:a="http://schemas.openxmlformats.org/drawingml/2006/main" xmlns:r="http://schemas.openxmlformats.org/officeDocument/2006/relationships" xmlns:p="http://schemas.openxmlformats.org/presentationml/2006/main">
   <p:cSld>
     <p:spTree>
@@ -11265,1218 +11214,410 @@
           </a:p>
         </p:txBody>
       </p:sp>
-      <p:sp>
-        <p:nvSpPr>
-          <p:cNvPr id="15" name="Content Placeholder 3">
-            <a:extLst>
-              <a:ext uri="{FF2B5EF4-FFF2-40B4-BE49-F238E27FC236}">
-                <a16:creationId xmlns:a16="http://schemas.microsoft.com/office/drawing/2014/main" id="{6DEC0975-2F63-4387-ACE9-CB9D12D970A4}"/>
-              </a:ext>
-            </a:extLst>
-          </p:cNvPr>
-          <p:cNvSpPr txBox="1">
-            <a:spLocks/>
-          </p:cNvSpPr>
+      <p:pic>
+        <p:nvPicPr>
+          <p:cNvPr id="3074" name="Picture 2" descr="8 Memory Techniques For A Better Study Session | GradePower Learning">
+            <a:extLst>
+              <a:ext uri="{FF2B5EF4-FFF2-40B4-BE49-F238E27FC236}">
+                <a16:creationId xmlns:a16="http://schemas.microsoft.com/office/drawing/2014/main" id="{032D41D0-52B2-416B-B01C-065C36FF15F9}"/>
+              </a:ext>
+            </a:extLst>
+          </p:cNvPr>
+          <p:cNvPicPr>
+            <a:picLocks noChangeAspect="1" noChangeArrowheads="1"/>
+          </p:cNvPicPr>
+          <p:nvPr/>
+        </p:nvPicPr>
+        <p:blipFill>
+          <a:blip r:embed="rId3">
+            <a:extLst>
+              <a:ext uri="{28A0092B-C50C-407E-A947-70E740481C1C}">
+                <a14:useLocalDpi xmlns:a14="http://schemas.microsoft.com/office/drawing/2010/main" val="0"/>
+              </a:ext>
+            </a:extLst>
+          </a:blip>
+          <a:srcRect/>
+          <a:stretch>
+            <a:fillRect/>
+          </a:stretch>
+        </p:blipFill>
+        <p:spPr bwMode="auto">
+          <a:xfrm>
+            <a:off x="533400" y="2057400"/>
+            <a:ext cx="2085865" cy="2085865"/>
+          </a:xfrm>
+          <a:prstGeom prst="rect">
+            <a:avLst/>
+          </a:prstGeom>
+          <a:noFill/>
+          <a:extLst>
+            <a:ext uri="{909E8E84-426E-40DD-AFC4-6F175D3DCCD1}">
+              <a14:hiddenFill xmlns:a14="http://schemas.microsoft.com/office/drawing/2010/main">
+                <a:solidFill>
+                  <a:srgbClr val="FFFFFF"/>
+                </a:solidFill>
+              </a14:hiddenFill>
+            </a:ext>
+          </a:extLst>
+        </p:spPr>
+      </p:pic>
+      <p:sp>
+        <p:nvSpPr>
+          <p:cNvPr id="4" name="TextBox 3">
+            <a:extLst>
+              <a:ext uri="{FF2B5EF4-FFF2-40B4-BE49-F238E27FC236}">
+                <a16:creationId xmlns:a16="http://schemas.microsoft.com/office/drawing/2014/main" id="{2E6F1EFD-00D8-4D8C-966C-41F8238ABD03}"/>
+              </a:ext>
+            </a:extLst>
+          </p:cNvPr>
+          <p:cNvSpPr txBox="1"/>
           <p:nvPr/>
         </p:nvSpPr>
         <p:spPr>
           <a:xfrm>
-            <a:off x="762000" y="1447800"/>
-            <a:ext cx="7315200" cy="4800600"/>
+            <a:off x="533400" y="4579054"/>
+            <a:ext cx="2025683" cy="369332"/>
+          </a:xfrm>
+          <a:prstGeom prst="rect">
+            <a:avLst/>
+          </a:prstGeom>
+          <a:noFill/>
+        </p:spPr>
+        <p:txBody>
+          <a:bodyPr wrap="none" rtlCol="0">
+            <a:spAutoFit/>
+          </a:bodyPr>
+          <a:lstStyle/>
+          <a:p>
+            <a:r>
+              <a:rPr lang="en-US" dirty="0" err="1">
+                <a:latin typeface="Times New Roman" panose="02020603050405020304" pitchFamily="18" charset="0"/>
+                <a:cs typeface="Times New Roman" panose="02020603050405020304" pitchFamily="18" charset="0"/>
+              </a:rPr>
+              <a:t>Tìm</a:t>
+            </a:r>
+            <a:r>
+              <a:rPr lang="en-US" dirty="0">
+                <a:latin typeface="Times New Roman" panose="02020603050405020304" pitchFamily="18" charset="0"/>
+                <a:cs typeface="Times New Roman" panose="02020603050405020304" pitchFamily="18" charset="0"/>
+              </a:rPr>
+              <a:t> </a:t>
+            </a:r>
+            <a:r>
+              <a:rPr lang="en-US" dirty="0" err="1">
+                <a:latin typeface="Times New Roman" panose="02020603050405020304" pitchFamily="18" charset="0"/>
+                <a:cs typeface="Times New Roman" panose="02020603050405020304" pitchFamily="18" charset="0"/>
+              </a:rPr>
+              <a:t>hiểu</a:t>
+            </a:r>
+            <a:r>
+              <a:rPr lang="en-US" dirty="0">
+                <a:latin typeface="Times New Roman" panose="02020603050405020304" pitchFamily="18" charset="0"/>
+                <a:cs typeface="Times New Roman" panose="02020603050405020304" pitchFamily="18" charset="0"/>
+              </a:rPr>
+              <a:t> </a:t>
+            </a:r>
+            <a:r>
+              <a:rPr lang="en-US" dirty="0" err="1">
+                <a:latin typeface="Times New Roman" panose="02020603050405020304" pitchFamily="18" charset="0"/>
+                <a:cs typeface="Times New Roman" panose="02020603050405020304" pitchFamily="18" charset="0"/>
+              </a:rPr>
+              <a:t>công</a:t>
+            </a:r>
+            <a:r>
+              <a:rPr lang="en-US" dirty="0">
+                <a:latin typeface="Times New Roman" panose="02020603050405020304" pitchFamily="18" charset="0"/>
+                <a:cs typeface="Times New Roman" panose="02020603050405020304" pitchFamily="18" charset="0"/>
+              </a:rPr>
+              <a:t> </a:t>
+            </a:r>
+            <a:r>
+              <a:rPr lang="en-US" dirty="0" err="1">
+                <a:latin typeface="Times New Roman" panose="02020603050405020304" pitchFamily="18" charset="0"/>
+                <a:cs typeface="Times New Roman" panose="02020603050405020304" pitchFamily="18" charset="0"/>
+              </a:rPr>
+              <a:t>nghệ</a:t>
+            </a:r>
+            <a:endParaRPr lang="en-US" dirty="0">
+              <a:latin typeface="Times New Roman" panose="02020603050405020304" pitchFamily="18" charset="0"/>
+              <a:cs typeface="Times New Roman" panose="02020603050405020304" pitchFamily="18" charset="0"/>
+            </a:endParaRPr>
+          </a:p>
+        </p:txBody>
+      </p:sp>
+      <p:pic>
+        <p:nvPicPr>
+          <p:cNvPr id="9" name="Picture 8" descr="A picture containing clock, meter&#10;&#10;Description automatically generated">
+            <a:extLst>
+              <a:ext uri="{FF2B5EF4-FFF2-40B4-BE49-F238E27FC236}">
+                <a16:creationId xmlns:a16="http://schemas.microsoft.com/office/drawing/2014/main" id="{78B4DEBD-6378-4E94-A234-1627548F1780}"/>
+              </a:ext>
+            </a:extLst>
+          </p:cNvPr>
+          <p:cNvPicPr>
+            <a:picLocks noChangeAspect="1"/>
+          </p:cNvPicPr>
+          <p:nvPr/>
+        </p:nvPicPr>
+        <p:blipFill>
+          <a:blip r:embed="rId4" cstate="print">
+            <a:extLst>
+              <a:ext uri="{28A0092B-C50C-407E-A947-70E740481C1C}">
+                <a14:useLocalDpi xmlns:a14="http://schemas.microsoft.com/office/drawing/2010/main" val="0"/>
+              </a:ext>
+            </a:extLst>
+          </a:blip>
+          <a:stretch>
+            <a:fillRect/>
+          </a:stretch>
+        </p:blipFill>
+        <p:spPr>
+          <a:xfrm>
+            <a:off x="2962276" y="1897537"/>
+            <a:ext cx="2996531" cy="2369350"/>
           </a:xfrm>
           <a:prstGeom prst="rect">
             <a:avLst/>
           </a:prstGeom>
         </p:spPr>
-        <p:txBody>
-          <a:bodyPr vert="horz" lIns="91440" tIns="45720" rIns="91440" bIns="45720" rtlCol="0">
-            <a:noAutofit/>
+      </p:pic>
+      <p:pic>
+        <p:nvPicPr>
+          <p:cNvPr id="3078" name="Picture 6" descr="Flat App Icon - GPN DATA blog">
+            <a:extLst>
+              <a:ext uri="{FF2B5EF4-FFF2-40B4-BE49-F238E27FC236}">
+                <a16:creationId xmlns:a16="http://schemas.microsoft.com/office/drawing/2014/main" id="{1BD5CBC2-5D57-4E28-9869-36F8A9D72C7E}"/>
+              </a:ext>
+            </a:extLst>
+          </p:cNvPr>
+          <p:cNvPicPr>
+            <a:picLocks noChangeAspect="1" noChangeArrowheads="1"/>
+          </p:cNvPicPr>
+          <p:nvPr/>
+        </p:nvPicPr>
+        <p:blipFill>
+          <a:blip r:embed="rId5" cstate="print">
+            <a:extLst>
+              <a:ext uri="{28A0092B-C50C-407E-A947-70E740481C1C}">
+                <a14:useLocalDpi xmlns:a14="http://schemas.microsoft.com/office/drawing/2010/main" val="0"/>
+              </a:ext>
+            </a:extLst>
+          </a:blip>
+          <a:srcRect/>
+          <a:stretch>
+            <a:fillRect/>
+          </a:stretch>
+        </p:blipFill>
+        <p:spPr bwMode="auto">
+          <a:xfrm>
+            <a:off x="6181725" y="1767075"/>
+            <a:ext cx="2609850" cy="2609850"/>
+          </a:xfrm>
+          <a:prstGeom prst="rect">
+            <a:avLst/>
+          </a:prstGeom>
+          <a:noFill/>
+          <a:extLst>
+            <a:ext uri="{909E8E84-426E-40DD-AFC4-6F175D3DCCD1}">
+              <a14:hiddenFill xmlns:a14="http://schemas.microsoft.com/office/drawing/2010/main">
+                <a:solidFill>
+                  <a:srgbClr val="FFFFFF"/>
+                </a:solidFill>
+              </a14:hiddenFill>
+            </a:ext>
+          </a:extLst>
+        </p:spPr>
+      </p:pic>
+      <p:sp>
+        <p:nvSpPr>
+          <p:cNvPr id="11" name="TextBox 10">
+            <a:extLst>
+              <a:ext uri="{FF2B5EF4-FFF2-40B4-BE49-F238E27FC236}">
+                <a16:creationId xmlns:a16="http://schemas.microsoft.com/office/drawing/2014/main" id="{E92272D8-3FDD-4201-8F87-CEBC3D272211}"/>
+              </a:ext>
+            </a:extLst>
+          </p:cNvPr>
+          <p:cNvSpPr txBox="1"/>
+          <p:nvPr/>
+        </p:nvSpPr>
+        <p:spPr>
+          <a:xfrm>
+            <a:off x="3618853" y="4579054"/>
+            <a:ext cx="1906291" cy="369332"/>
+          </a:xfrm>
+          <a:prstGeom prst="rect">
+            <a:avLst/>
+          </a:prstGeom>
+          <a:noFill/>
+        </p:spPr>
+        <p:txBody>
+          <a:bodyPr wrap="none" rtlCol="0">
+            <a:spAutoFit/>
           </a:bodyPr>
-          <a:lstStyle>
-            <a:lvl1pPr marL="171450" indent="-171450" algn="l" defTabSz="685800" rtl="0" eaLnBrk="1" latinLnBrk="0" hangingPunct="1">
-              <a:lnSpc>
-                <a:spcPct val="90000"/>
-              </a:lnSpc>
-              <a:spcBef>
-                <a:spcPts val="750"/>
-              </a:spcBef>
-              <a:buFont typeface="Arial" panose="020B0604020202020204" pitchFamily="34" charset="0"/>
-              <a:buChar char="•"/>
-              <a:defRPr sz="2100" kern="1200">
-                <a:solidFill>
-                  <a:schemeClr val="tx1"/>
-                </a:solidFill>
-                <a:latin typeface="+mn-lt"/>
-                <a:ea typeface="+mn-ea"/>
-                <a:cs typeface="+mn-cs"/>
-              </a:defRPr>
-            </a:lvl1pPr>
-            <a:lvl2pPr marL="514350" indent="-171450" algn="l" defTabSz="685800" rtl="0" eaLnBrk="1" latinLnBrk="0" hangingPunct="1">
-              <a:lnSpc>
-                <a:spcPct val="90000"/>
-              </a:lnSpc>
-              <a:spcBef>
-                <a:spcPts val="375"/>
-              </a:spcBef>
-              <a:buFont typeface="Arial" panose="020B0604020202020204" pitchFamily="34" charset="0"/>
-              <a:buChar char="•"/>
-              <a:defRPr sz="1800" kern="1200">
-                <a:solidFill>
-                  <a:schemeClr val="tx1"/>
-                </a:solidFill>
-                <a:latin typeface="+mn-lt"/>
-                <a:ea typeface="+mn-ea"/>
-                <a:cs typeface="+mn-cs"/>
-              </a:defRPr>
-            </a:lvl2pPr>
-            <a:lvl3pPr marL="857250" indent="-171450" algn="l" defTabSz="685800" rtl="0" eaLnBrk="1" latinLnBrk="0" hangingPunct="1">
-              <a:lnSpc>
-                <a:spcPct val="90000"/>
-              </a:lnSpc>
-              <a:spcBef>
-                <a:spcPts val="375"/>
-              </a:spcBef>
-              <a:buFont typeface="Arial" panose="020B0604020202020204" pitchFamily="34" charset="0"/>
-              <a:buChar char="•"/>
-              <a:defRPr sz="1500" kern="1200">
-                <a:solidFill>
-                  <a:schemeClr val="tx1"/>
-                </a:solidFill>
-                <a:latin typeface="+mn-lt"/>
-                <a:ea typeface="+mn-ea"/>
-                <a:cs typeface="+mn-cs"/>
-              </a:defRPr>
-            </a:lvl3pPr>
-            <a:lvl4pPr marL="1200150" indent="-171450" algn="l" defTabSz="685800" rtl="0" eaLnBrk="1" latinLnBrk="0" hangingPunct="1">
-              <a:lnSpc>
-                <a:spcPct val="90000"/>
-              </a:lnSpc>
-              <a:spcBef>
-                <a:spcPts val="375"/>
-              </a:spcBef>
-              <a:buFont typeface="Arial" panose="020B0604020202020204" pitchFamily="34" charset="0"/>
-              <a:buChar char="•"/>
-              <a:defRPr sz="1350" kern="1200">
-                <a:solidFill>
-                  <a:schemeClr val="tx1"/>
-                </a:solidFill>
-                <a:latin typeface="+mn-lt"/>
-                <a:ea typeface="+mn-ea"/>
-                <a:cs typeface="+mn-cs"/>
-              </a:defRPr>
-            </a:lvl4pPr>
-            <a:lvl5pPr marL="1543050" indent="-171450" algn="l" defTabSz="685800" rtl="0" eaLnBrk="1" latinLnBrk="0" hangingPunct="1">
-              <a:lnSpc>
-                <a:spcPct val="90000"/>
-              </a:lnSpc>
-              <a:spcBef>
-                <a:spcPts val="375"/>
-              </a:spcBef>
-              <a:buFont typeface="Arial" panose="020B0604020202020204" pitchFamily="34" charset="0"/>
-              <a:buChar char="•"/>
-              <a:defRPr sz="1350" kern="1200">
-                <a:solidFill>
-                  <a:schemeClr val="tx1"/>
-                </a:solidFill>
-                <a:latin typeface="+mn-lt"/>
-                <a:ea typeface="+mn-ea"/>
-                <a:cs typeface="+mn-cs"/>
-              </a:defRPr>
-            </a:lvl5pPr>
-            <a:lvl6pPr marL="1885950" indent="-171450" algn="l" defTabSz="685800" rtl="0" eaLnBrk="1" latinLnBrk="0" hangingPunct="1">
-              <a:lnSpc>
-                <a:spcPct val="90000"/>
-              </a:lnSpc>
-              <a:spcBef>
-                <a:spcPts val="375"/>
-              </a:spcBef>
-              <a:buFont typeface="Arial" panose="020B0604020202020204" pitchFamily="34" charset="0"/>
-              <a:buChar char="•"/>
-              <a:defRPr sz="1350" kern="1200">
-                <a:solidFill>
-                  <a:schemeClr val="tx1"/>
-                </a:solidFill>
-                <a:latin typeface="+mn-lt"/>
-                <a:ea typeface="+mn-ea"/>
-                <a:cs typeface="+mn-cs"/>
-              </a:defRPr>
-            </a:lvl6pPr>
-            <a:lvl7pPr marL="2228850" indent="-171450" algn="l" defTabSz="685800" rtl="0" eaLnBrk="1" latinLnBrk="0" hangingPunct="1">
-              <a:lnSpc>
-                <a:spcPct val="90000"/>
-              </a:lnSpc>
-              <a:spcBef>
-                <a:spcPts val="375"/>
-              </a:spcBef>
-              <a:buFont typeface="Arial" panose="020B0604020202020204" pitchFamily="34" charset="0"/>
-              <a:buChar char="•"/>
-              <a:defRPr sz="1350" kern="1200">
-                <a:solidFill>
-                  <a:schemeClr val="tx1"/>
-                </a:solidFill>
-                <a:latin typeface="+mn-lt"/>
-                <a:ea typeface="+mn-ea"/>
-                <a:cs typeface="+mn-cs"/>
-              </a:defRPr>
-            </a:lvl7pPr>
-            <a:lvl8pPr marL="2571750" indent="-171450" algn="l" defTabSz="685800" rtl="0" eaLnBrk="1" latinLnBrk="0" hangingPunct="1">
-              <a:lnSpc>
-                <a:spcPct val="90000"/>
-              </a:lnSpc>
-              <a:spcBef>
-                <a:spcPts val="375"/>
-              </a:spcBef>
-              <a:buFont typeface="Arial" panose="020B0604020202020204" pitchFamily="34" charset="0"/>
-              <a:buChar char="•"/>
-              <a:defRPr sz="1350" kern="1200">
-                <a:solidFill>
-                  <a:schemeClr val="tx1"/>
-                </a:solidFill>
-                <a:latin typeface="+mn-lt"/>
-                <a:ea typeface="+mn-ea"/>
-                <a:cs typeface="+mn-cs"/>
-              </a:defRPr>
-            </a:lvl8pPr>
-            <a:lvl9pPr marL="2914650" indent="-171450" algn="l" defTabSz="685800" rtl="0" eaLnBrk="1" latinLnBrk="0" hangingPunct="1">
-              <a:lnSpc>
-                <a:spcPct val="90000"/>
-              </a:lnSpc>
-              <a:spcBef>
-                <a:spcPts val="375"/>
-              </a:spcBef>
-              <a:buFont typeface="Arial" panose="020B0604020202020204" pitchFamily="34" charset="0"/>
-              <a:buChar char="•"/>
-              <a:defRPr sz="1350" kern="1200">
-                <a:solidFill>
-                  <a:schemeClr val="tx1"/>
-                </a:solidFill>
-                <a:latin typeface="+mn-lt"/>
-                <a:ea typeface="+mn-ea"/>
-                <a:cs typeface="+mn-cs"/>
-              </a:defRPr>
-            </a:lvl9pPr>
-          </a:lstStyle>
-          <a:p>
-            <a:pPr algn="just">
-              <a:lnSpc>
-                <a:spcPct val="150000"/>
-              </a:lnSpc>
-              <a:buFont typeface="Wingdings" panose="05000000000000000000" pitchFamily="2" charset="2"/>
-              <a:buChar char="Ø"/>
-            </a:pPr>
-            <a:r>
-              <a:rPr lang="en-US" sz="2400" dirty="0">
+          <a:lstStyle/>
+          <a:p>
+            <a:r>
+              <a:rPr lang="en-US" dirty="0" err="1">
+                <a:latin typeface="Times New Roman" panose="02020603050405020304" pitchFamily="18" charset="0"/>
+                <a:cs typeface="Times New Roman" panose="02020603050405020304" pitchFamily="18" charset="0"/>
+              </a:rPr>
+              <a:t>Áp</a:t>
+            </a:r>
+            <a:r>
+              <a:rPr lang="en-US" dirty="0">
                 <a:latin typeface="Times New Roman" panose="02020603050405020304" pitchFamily="18" charset="0"/>
                 <a:cs typeface="Times New Roman" panose="02020603050405020304" pitchFamily="18" charset="0"/>
               </a:rPr>
               <a:t> </a:t>
             </a:r>
             <a:r>
-              <a:rPr lang="en-US" sz="2400" dirty="0" err="1">
-                <a:latin typeface="Times New Roman" panose="02020603050405020304" pitchFamily="18" charset="0"/>
-                <a:cs typeface="Times New Roman" panose="02020603050405020304" pitchFamily="18" charset="0"/>
-              </a:rPr>
-              <a:t>Tìm</a:t>
-            </a:r>
-            <a:r>
-              <a:rPr lang="en-US" sz="2400" dirty="0">
+              <a:rPr lang="en-US" dirty="0" err="1">
+                <a:latin typeface="Times New Roman" panose="02020603050405020304" pitchFamily="18" charset="0"/>
+                <a:cs typeface="Times New Roman" panose="02020603050405020304" pitchFamily="18" charset="0"/>
+              </a:rPr>
+              <a:t>dụng</a:t>
+            </a:r>
+            <a:r>
+              <a:rPr lang="en-US" dirty="0">
                 <a:latin typeface="Times New Roman" panose="02020603050405020304" pitchFamily="18" charset="0"/>
                 <a:cs typeface="Times New Roman" panose="02020603050405020304" pitchFamily="18" charset="0"/>
               </a:rPr>
               <a:t> </a:t>
             </a:r>
             <a:r>
-              <a:rPr lang="en-US" sz="2400" dirty="0" err="1">
-                <a:latin typeface="Times New Roman" panose="02020603050405020304" pitchFamily="18" charset="0"/>
-                <a:cs typeface="Times New Roman" panose="02020603050405020304" pitchFamily="18" charset="0"/>
-              </a:rPr>
-              <a:t>hiểu</a:t>
-            </a:r>
-            <a:r>
-              <a:rPr lang="en-US" sz="2400" dirty="0">
+              <a:rPr lang="en-US" dirty="0" err="1">
+                <a:latin typeface="Times New Roman" panose="02020603050405020304" pitchFamily="18" charset="0"/>
+                <a:cs typeface="Times New Roman" panose="02020603050405020304" pitchFamily="18" charset="0"/>
+              </a:rPr>
+              <a:t>kiến</a:t>
+            </a:r>
+            <a:r>
+              <a:rPr lang="en-US" dirty="0">
                 <a:latin typeface="Times New Roman" panose="02020603050405020304" pitchFamily="18" charset="0"/>
                 <a:cs typeface="Times New Roman" panose="02020603050405020304" pitchFamily="18" charset="0"/>
               </a:rPr>
               <a:t> </a:t>
             </a:r>
             <a:r>
-              <a:rPr lang="en-US" sz="2400" dirty="0" err="1">
-                <a:latin typeface="Times New Roman" panose="02020603050405020304" pitchFamily="18" charset="0"/>
-                <a:cs typeface="Times New Roman" panose="02020603050405020304" pitchFamily="18" charset="0"/>
-              </a:rPr>
-              <a:t>các</a:t>
-            </a:r>
-            <a:r>
-              <a:rPr lang="en-US" sz="2400" dirty="0">
-                <a:latin typeface="Times New Roman" panose="02020603050405020304" pitchFamily="18" charset="0"/>
-                <a:cs typeface="Times New Roman" panose="02020603050405020304" pitchFamily="18" charset="0"/>
-              </a:rPr>
-              <a:t> </a:t>
-            </a:r>
-            <a:r>
-              <a:rPr lang="en-US" sz="2400" dirty="0" err="1">
-                <a:latin typeface="Times New Roman" panose="02020603050405020304" pitchFamily="18" charset="0"/>
-                <a:cs typeface="Times New Roman" panose="02020603050405020304" pitchFamily="18" charset="0"/>
-              </a:rPr>
-              <a:t>thành</a:t>
-            </a:r>
-            <a:r>
-              <a:rPr lang="en-US" sz="2400" dirty="0">
-                <a:latin typeface="Times New Roman" panose="02020603050405020304" pitchFamily="18" charset="0"/>
-                <a:cs typeface="Times New Roman" panose="02020603050405020304" pitchFamily="18" charset="0"/>
-              </a:rPr>
-              <a:t> </a:t>
-            </a:r>
-            <a:r>
-              <a:rPr lang="en-US" sz="2400" dirty="0" err="1">
-                <a:latin typeface="Times New Roman" panose="02020603050405020304" pitchFamily="18" charset="0"/>
-                <a:cs typeface="Times New Roman" panose="02020603050405020304" pitchFamily="18" charset="0"/>
-              </a:rPr>
-              <a:t>phần</a:t>
-            </a:r>
-            <a:r>
-              <a:rPr lang="en-US" sz="2400" dirty="0">
-                <a:latin typeface="Times New Roman" panose="02020603050405020304" pitchFamily="18" charset="0"/>
-                <a:cs typeface="Times New Roman" panose="02020603050405020304" pitchFamily="18" charset="0"/>
-              </a:rPr>
-              <a:t> </a:t>
-            </a:r>
-            <a:r>
-              <a:rPr lang="en-US" sz="2400" dirty="0" err="1">
-                <a:latin typeface="Times New Roman" panose="02020603050405020304" pitchFamily="18" charset="0"/>
-                <a:cs typeface="Times New Roman" panose="02020603050405020304" pitchFamily="18" charset="0"/>
-              </a:rPr>
-              <a:t>và</a:t>
-            </a:r>
-            <a:r>
-              <a:rPr lang="en-US" sz="2400" dirty="0">
-                <a:latin typeface="Times New Roman" panose="02020603050405020304" pitchFamily="18" charset="0"/>
-                <a:cs typeface="Times New Roman" panose="02020603050405020304" pitchFamily="18" charset="0"/>
-              </a:rPr>
-              <a:t> </a:t>
-            </a:r>
-            <a:r>
-              <a:rPr lang="en-US" sz="2400" dirty="0" err="1">
-                <a:latin typeface="Times New Roman" panose="02020603050405020304" pitchFamily="18" charset="0"/>
-                <a:cs typeface="Times New Roman" panose="02020603050405020304" pitchFamily="18" charset="0"/>
-              </a:rPr>
-              <a:t>quá</a:t>
-            </a:r>
-            <a:r>
-              <a:rPr lang="en-US" sz="2400" dirty="0">
-                <a:latin typeface="Times New Roman" panose="02020603050405020304" pitchFamily="18" charset="0"/>
-                <a:cs typeface="Times New Roman" panose="02020603050405020304" pitchFamily="18" charset="0"/>
-              </a:rPr>
-              <a:t> </a:t>
-            </a:r>
-            <a:r>
-              <a:rPr lang="en-US" sz="2400" dirty="0" err="1">
-                <a:latin typeface="Times New Roman" panose="02020603050405020304" pitchFamily="18" charset="0"/>
-                <a:cs typeface="Times New Roman" panose="02020603050405020304" pitchFamily="18" charset="0"/>
-              </a:rPr>
-              <a:t>trình</a:t>
-            </a:r>
-            <a:r>
-              <a:rPr lang="en-US" sz="2400" dirty="0">
-                <a:latin typeface="Times New Roman" panose="02020603050405020304" pitchFamily="18" charset="0"/>
-                <a:cs typeface="Times New Roman" panose="02020603050405020304" pitchFamily="18" charset="0"/>
-              </a:rPr>
-              <a:t> </a:t>
-            </a:r>
-            <a:r>
-              <a:rPr lang="en-US" sz="2400" dirty="0" err="1">
-                <a:latin typeface="Times New Roman" panose="02020603050405020304" pitchFamily="18" charset="0"/>
-                <a:cs typeface="Times New Roman" panose="02020603050405020304" pitchFamily="18" charset="0"/>
-              </a:rPr>
-              <a:t>xây</a:t>
-            </a:r>
-            <a:r>
-              <a:rPr lang="en-US" sz="2400" dirty="0">
-                <a:latin typeface="Times New Roman" panose="02020603050405020304" pitchFamily="18" charset="0"/>
-                <a:cs typeface="Times New Roman" panose="02020603050405020304" pitchFamily="18" charset="0"/>
-              </a:rPr>
-              <a:t> </a:t>
-            </a:r>
-            <a:r>
-              <a:rPr lang="en-US" sz="2400" dirty="0" err="1">
-                <a:latin typeface="Times New Roman" panose="02020603050405020304" pitchFamily="18" charset="0"/>
-                <a:cs typeface="Times New Roman" panose="02020603050405020304" pitchFamily="18" charset="0"/>
-              </a:rPr>
-              <a:t>dựng</a:t>
-            </a:r>
-            <a:r>
-              <a:rPr lang="en-US" sz="2400" dirty="0">
-                <a:latin typeface="Times New Roman" panose="02020603050405020304" pitchFamily="18" charset="0"/>
-                <a:cs typeface="Times New Roman" panose="02020603050405020304" pitchFamily="18" charset="0"/>
-              </a:rPr>
-              <a:t> </a:t>
-            </a:r>
-            <a:r>
-              <a:rPr lang="en-US" sz="2400" dirty="0" err="1">
-                <a:latin typeface="Times New Roman" panose="02020603050405020304" pitchFamily="18" charset="0"/>
-                <a:cs typeface="Times New Roman" panose="02020603050405020304" pitchFamily="18" charset="0"/>
-              </a:rPr>
-              <a:t>một</a:t>
-            </a:r>
-            <a:r>
-              <a:rPr lang="en-US" sz="2400" dirty="0">
-                <a:latin typeface="Times New Roman" panose="02020603050405020304" pitchFamily="18" charset="0"/>
-                <a:cs typeface="Times New Roman" panose="02020603050405020304" pitchFamily="18" charset="0"/>
-              </a:rPr>
-              <a:t> </a:t>
-            </a:r>
-            <a:r>
-              <a:rPr lang="en-US" sz="2400" dirty="0" err="1">
-                <a:latin typeface="Times New Roman" panose="02020603050405020304" pitchFamily="18" charset="0"/>
-                <a:cs typeface="Times New Roman" panose="02020603050405020304" pitchFamily="18" charset="0"/>
-              </a:rPr>
-              <a:t>ứng</a:t>
-            </a:r>
-            <a:r>
-              <a:rPr lang="en-US" sz="2400" dirty="0">
-                <a:latin typeface="Times New Roman" panose="02020603050405020304" pitchFamily="18" charset="0"/>
-                <a:cs typeface="Times New Roman" panose="02020603050405020304" pitchFamily="18" charset="0"/>
-              </a:rPr>
-              <a:t> </a:t>
-            </a:r>
-            <a:r>
-              <a:rPr lang="en-US" sz="2400" dirty="0" err="1">
-                <a:latin typeface="Times New Roman" panose="02020603050405020304" pitchFamily="18" charset="0"/>
-                <a:cs typeface="Times New Roman" panose="02020603050405020304" pitchFamily="18" charset="0"/>
-              </a:rPr>
-              <a:t>dụng</a:t>
-            </a:r>
-            <a:r>
-              <a:rPr lang="en-US" sz="2400" dirty="0">
-                <a:latin typeface="Times New Roman" panose="02020603050405020304" pitchFamily="18" charset="0"/>
-                <a:cs typeface="Times New Roman" panose="02020603050405020304" pitchFamily="18" charset="0"/>
-              </a:rPr>
-              <a:t> </a:t>
-            </a:r>
-            <a:r>
-              <a:rPr lang="en-US" sz="2400" dirty="0" err="1">
-                <a:latin typeface="Times New Roman" panose="02020603050405020304" pitchFamily="18" charset="0"/>
-                <a:cs typeface="Times New Roman" panose="02020603050405020304" pitchFamily="18" charset="0"/>
-              </a:rPr>
-              <a:t>trên</a:t>
-            </a:r>
-            <a:r>
-              <a:rPr lang="en-US" sz="2400" dirty="0">
-                <a:latin typeface="Times New Roman" panose="02020603050405020304" pitchFamily="18" charset="0"/>
-                <a:cs typeface="Times New Roman" panose="02020603050405020304" pitchFamily="18" charset="0"/>
-              </a:rPr>
-              <a:t> </a:t>
-            </a:r>
-            <a:r>
-              <a:rPr lang="en-US" sz="2400" dirty="0" err="1">
-                <a:latin typeface="Times New Roman" panose="02020603050405020304" pitchFamily="18" charset="0"/>
-                <a:cs typeface="Times New Roman" panose="02020603050405020304" pitchFamily="18" charset="0"/>
-              </a:rPr>
-              <a:t>nền</a:t>
-            </a:r>
-            <a:r>
-              <a:rPr lang="en-US" sz="2400" dirty="0">
-                <a:latin typeface="Times New Roman" panose="02020603050405020304" pitchFamily="18" charset="0"/>
-                <a:cs typeface="Times New Roman" panose="02020603050405020304" pitchFamily="18" charset="0"/>
-              </a:rPr>
-              <a:t> </a:t>
-            </a:r>
-            <a:r>
-              <a:rPr lang="en-US" sz="2400" dirty="0" err="1">
-                <a:latin typeface="Times New Roman" panose="02020603050405020304" pitchFamily="18" charset="0"/>
-                <a:cs typeface="Times New Roman" panose="02020603050405020304" pitchFamily="18" charset="0"/>
-              </a:rPr>
-              <a:t>tảng</a:t>
-            </a:r>
-            <a:r>
-              <a:rPr lang="en-US" sz="2400" dirty="0">
-                <a:latin typeface="Times New Roman" panose="02020603050405020304" pitchFamily="18" charset="0"/>
-                <a:cs typeface="Times New Roman" panose="02020603050405020304" pitchFamily="18" charset="0"/>
-              </a:rPr>
-              <a:t> Android, </a:t>
-            </a:r>
-            <a:r>
-              <a:rPr lang="en-US" sz="2400" dirty="0" err="1">
-                <a:latin typeface="Times New Roman" panose="02020603050405020304" pitchFamily="18" charset="0"/>
-                <a:cs typeface="Times New Roman" panose="02020603050405020304" pitchFamily="18" charset="0"/>
-              </a:rPr>
-              <a:t>học</a:t>
-            </a:r>
-            <a:r>
-              <a:rPr lang="en-US" sz="2400" dirty="0">
-                <a:latin typeface="Times New Roman" panose="02020603050405020304" pitchFamily="18" charset="0"/>
-                <a:cs typeface="Times New Roman" panose="02020603050405020304" pitchFamily="18" charset="0"/>
-              </a:rPr>
-              <a:t> </a:t>
-            </a:r>
-            <a:r>
-              <a:rPr lang="en-US" sz="2400" dirty="0" err="1">
-                <a:latin typeface="Times New Roman" panose="02020603050405020304" pitchFamily="18" charset="0"/>
-                <a:cs typeface="Times New Roman" panose="02020603050405020304" pitchFamily="18" charset="0"/>
-              </a:rPr>
-              <a:t>thêm</a:t>
-            </a:r>
-            <a:r>
-              <a:rPr lang="en-US" sz="2400" dirty="0">
-                <a:latin typeface="Times New Roman" panose="02020603050405020304" pitchFamily="18" charset="0"/>
-                <a:cs typeface="Times New Roman" panose="02020603050405020304" pitchFamily="18" charset="0"/>
-              </a:rPr>
-              <a:t> </a:t>
-            </a:r>
-            <a:r>
-              <a:rPr lang="en-US" sz="2400" dirty="0" err="1">
-                <a:latin typeface="Times New Roman" panose="02020603050405020304" pitchFamily="18" charset="0"/>
-                <a:cs typeface="Times New Roman" panose="02020603050405020304" pitchFamily="18" charset="0"/>
-              </a:rPr>
-              <a:t>các</a:t>
-            </a:r>
-            <a:r>
-              <a:rPr lang="en-US" sz="2400" dirty="0">
-                <a:latin typeface="Times New Roman" panose="02020603050405020304" pitchFamily="18" charset="0"/>
-                <a:cs typeface="Times New Roman" panose="02020603050405020304" pitchFamily="18" charset="0"/>
-              </a:rPr>
-              <a:t> </a:t>
-            </a:r>
-            <a:r>
-              <a:rPr lang="en-US" sz="2400" dirty="0" err="1">
-                <a:latin typeface="Times New Roman" panose="02020603050405020304" pitchFamily="18" charset="0"/>
-                <a:cs typeface="Times New Roman" panose="02020603050405020304" pitchFamily="18" charset="0"/>
-              </a:rPr>
-              <a:t>công</a:t>
-            </a:r>
-            <a:r>
-              <a:rPr lang="en-US" sz="2400" dirty="0">
-                <a:latin typeface="Times New Roman" panose="02020603050405020304" pitchFamily="18" charset="0"/>
-                <a:cs typeface="Times New Roman" panose="02020603050405020304" pitchFamily="18" charset="0"/>
-              </a:rPr>
-              <a:t> </a:t>
-            </a:r>
-            <a:r>
-              <a:rPr lang="en-US" sz="2400" dirty="0" err="1">
-                <a:latin typeface="Times New Roman" panose="02020603050405020304" pitchFamily="18" charset="0"/>
-                <a:cs typeface="Times New Roman" panose="02020603050405020304" pitchFamily="18" charset="0"/>
-              </a:rPr>
-              <a:t>nghệ</a:t>
-            </a:r>
-            <a:r>
-              <a:rPr lang="en-US" sz="2400" dirty="0">
-                <a:latin typeface="Times New Roman" panose="02020603050405020304" pitchFamily="18" charset="0"/>
-                <a:cs typeface="Times New Roman" panose="02020603050405020304" pitchFamily="18" charset="0"/>
-              </a:rPr>
-              <a:t> </a:t>
-            </a:r>
-            <a:r>
-              <a:rPr lang="en-US" sz="2400" dirty="0" err="1">
-                <a:latin typeface="Times New Roman" panose="02020603050405020304" pitchFamily="18" charset="0"/>
-                <a:cs typeface="Times New Roman" panose="02020603050405020304" pitchFamily="18" charset="0"/>
-              </a:rPr>
-              <a:t>mới</a:t>
-            </a:r>
-            <a:endParaRPr lang="en-US" sz="2400" dirty="0">
+              <a:rPr lang="en-US" dirty="0" err="1">
+                <a:latin typeface="Times New Roman" panose="02020603050405020304" pitchFamily="18" charset="0"/>
+                <a:cs typeface="Times New Roman" panose="02020603050405020304" pitchFamily="18" charset="0"/>
+              </a:rPr>
+              <a:t>thức</a:t>
+            </a:r>
+            <a:endParaRPr lang="en-US" dirty="0">
               <a:latin typeface="Times New Roman" panose="02020603050405020304" pitchFamily="18" charset="0"/>
               <a:cs typeface="Times New Roman" panose="02020603050405020304" pitchFamily="18" charset="0"/>
             </a:endParaRPr>
           </a:p>
-          <a:p>
-            <a:pPr algn="just">
-              <a:lnSpc>
-                <a:spcPct val="150000"/>
-              </a:lnSpc>
-              <a:buFont typeface="Wingdings" panose="05000000000000000000" pitchFamily="2" charset="2"/>
-              <a:buChar char="Ø"/>
-            </a:pPr>
-            <a:r>
-              <a:rPr lang="en-US" sz="2400" dirty="0" err="1">
+        </p:txBody>
+      </p:sp>
+      <p:sp>
+        <p:nvSpPr>
+          <p:cNvPr id="12" name="TextBox 11">
+            <a:extLst>
+              <a:ext uri="{FF2B5EF4-FFF2-40B4-BE49-F238E27FC236}">
+                <a16:creationId xmlns:a16="http://schemas.microsoft.com/office/drawing/2014/main" id="{12DA1E7E-66FA-47ED-9F37-9F298CE07CB9}"/>
+              </a:ext>
+            </a:extLst>
+          </p:cNvPr>
+          <p:cNvSpPr txBox="1"/>
+          <p:nvPr/>
+        </p:nvSpPr>
+        <p:spPr>
+          <a:xfrm>
+            <a:off x="6220021" y="4579054"/>
+            <a:ext cx="2775119" cy="369332"/>
+          </a:xfrm>
+          <a:prstGeom prst="rect">
+            <a:avLst/>
+          </a:prstGeom>
+          <a:noFill/>
+        </p:spPr>
+        <p:txBody>
+          <a:bodyPr wrap="none" rtlCol="0">
+            <a:spAutoFit/>
+          </a:bodyPr>
+          <a:lstStyle/>
+          <a:p>
+            <a:r>
+              <a:rPr lang="en-US" dirty="0" err="1">
                 <a:latin typeface="Times New Roman" panose="02020603050405020304" pitchFamily="18" charset="0"/>
                 <a:cs typeface="Times New Roman" panose="02020603050405020304" pitchFamily="18" charset="0"/>
               </a:rPr>
               <a:t>Xây</a:t>
             </a:r>
             <a:r>
-              <a:rPr lang="en-US" sz="2400" dirty="0">
+              <a:rPr lang="en-US" dirty="0">
                 <a:latin typeface="Times New Roman" panose="02020603050405020304" pitchFamily="18" charset="0"/>
                 <a:cs typeface="Times New Roman" panose="02020603050405020304" pitchFamily="18" charset="0"/>
               </a:rPr>
               <a:t> </a:t>
             </a:r>
             <a:r>
-              <a:rPr lang="en-US" sz="2400" dirty="0" err="1">
+              <a:rPr lang="en-US" dirty="0" err="1">
                 <a:latin typeface="Times New Roman" panose="02020603050405020304" pitchFamily="18" charset="0"/>
                 <a:cs typeface="Times New Roman" panose="02020603050405020304" pitchFamily="18" charset="0"/>
               </a:rPr>
               <a:t>dựng</a:t>
             </a:r>
             <a:r>
-              <a:rPr lang="en-US" sz="2400" dirty="0">
+              <a:rPr lang="en-US" dirty="0">
                 <a:latin typeface="Times New Roman" panose="02020603050405020304" pitchFamily="18" charset="0"/>
                 <a:cs typeface="Times New Roman" panose="02020603050405020304" pitchFamily="18" charset="0"/>
               </a:rPr>
               <a:t> </a:t>
             </a:r>
             <a:r>
-              <a:rPr lang="en-US" sz="2400" dirty="0" err="1">
+              <a:rPr lang="en-US" dirty="0" err="1">
                 <a:latin typeface="Times New Roman" panose="02020603050405020304" pitchFamily="18" charset="0"/>
                 <a:cs typeface="Times New Roman" panose="02020603050405020304" pitchFamily="18" charset="0"/>
               </a:rPr>
               <a:t>ứng</a:t>
             </a:r>
             <a:r>
-              <a:rPr lang="en-US" sz="2400" dirty="0">
+              <a:rPr lang="en-US" dirty="0">
                 <a:latin typeface="Times New Roman" panose="02020603050405020304" pitchFamily="18" charset="0"/>
                 <a:cs typeface="Times New Roman" panose="02020603050405020304" pitchFamily="18" charset="0"/>
               </a:rPr>
               <a:t> </a:t>
             </a:r>
             <a:r>
-              <a:rPr lang="en-US" sz="2400" dirty="0" err="1">
+              <a:rPr lang="en-US" dirty="0" err="1">
                 <a:latin typeface="Times New Roman" panose="02020603050405020304" pitchFamily="18" charset="0"/>
                 <a:cs typeface="Times New Roman" panose="02020603050405020304" pitchFamily="18" charset="0"/>
               </a:rPr>
               <a:t>dụng</a:t>
             </a:r>
             <a:r>
-              <a:rPr lang="en-US" sz="2400" dirty="0">
+              <a:rPr lang="en-US" dirty="0">
                 <a:latin typeface="Times New Roman" panose="02020603050405020304" pitchFamily="18" charset="0"/>
                 <a:cs typeface="Times New Roman" panose="02020603050405020304" pitchFamily="18" charset="0"/>
               </a:rPr>
               <a:t> </a:t>
             </a:r>
             <a:r>
-              <a:rPr lang="en-US" sz="2400" dirty="0" err="1">
-                <a:latin typeface="Times New Roman" panose="02020603050405020304" pitchFamily="18" charset="0"/>
-                <a:cs typeface="Times New Roman" panose="02020603050405020304" pitchFamily="18" charset="0"/>
-              </a:rPr>
-              <a:t>đẹp</a:t>
-            </a:r>
-            <a:r>
-              <a:rPr lang="en-US" sz="2400" dirty="0">
+              <a:rPr lang="en-US" dirty="0" err="1">
+                <a:latin typeface="Times New Roman" panose="02020603050405020304" pitchFamily="18" charset="0"/>
+                <a:cs typeface="Times New Roman" panose="02020603050405020304" pitchFamily="18" charset="0"/>
+              </a:rPr>
+              <a:t>tiện</a:t>
+            </a:r>
+            <a:r>
+              <a:rPr lang="en-US" dirty="0">
                 <a:latin typeface="Times New Roman" panose="02020603050405020304" pitchFamily="18" charset="0"/>
                 <a:cs typeface="Times New Roman" panose="02020603050405020304" pitchFamily="18" charset="0"/>
               </a:rPr>
               <a:t> </a:t>
             </a:r>
             <a:r>
-              <a:rPr lang="en-US" sz="2400" dirty="0" err="1">
-                <a:latin typeface="Times New Roman" panose="02020603050405020304" pitchFamily="18" charset="0"/>
-                <a:cs typeface="Times New Roman" panose="02020603050405020304" pitchFamily="18" charset="0"/>
-              </a:rPr>
-              <a:t>mắt</a:t>
-            </a:r>
-            <a:r>
-              <a:rPr lang="en-US" sz="2400" dirty="0">
-                <a:latin typeface="Times New Roman" panose="02020603050405020304" pitchFamily="18" charset="0"/>
-                <a:cs typeface="Times New Roman" panose="02020603050405020304" pitchFamily="18" charset="0"/>
-              </a:rPr>
-              <a:t>, </a:t>
-            </a:r>
-            <a:r>
-              <a:rPr lang="en-US" sz="2400" dirty="0" err="1">
-                <a:latin typeface="Times New Roman" panose="02020603050405020304" pitchFamily="18" charset="0"/>
-                <a:cs typeface="Times New Roman" panose="02020603050405020304" pitchFamily="18" charset="0"/>
-              </a:rPr>
-              <a:t>dễ</a:t>
-            </a:r>
-            <a:r>
-              <a:rPr lang="en-US" sz="2400" dirty="0">
-                <a:latin typeface="Times New Roman" panose="02020603050405020304" pitchFamily="18" charset="0"/>
-                <a:cs typeface="Times New Roman" panose="02020603050405020304" pitchFamily="18" charset="0"/>
-              </a:rPr>
-              <a:t> </a:t>
-            </a:r>
-            <a:r>
-              <a:rPr lang="en-US" sz="2400" dirty="0" err="1">
-                <a:latin typeface="Times New Roman" panose="02020603050405020304" pitchFamily="18" charset="0"/>
-                <a:cs typeface="Times New Roman" panose="02020603050405020304" pitchFamily="18" charset="0"/>
-              </a:rPr>
-              <a:t>dàng</a:t>
-            </a:r>
-            <a:r>
-              <a:rPr lang="en-US" sz="2400" dirty="0">
-                <a:latin typeface="Times New Roman" panose="02020603050405020304" pitchFamily="18" charset="0"/>
-                <a:cs typeface="Times New Roman" panose="02020603050405020304" pitchFamily="18" charset="0"/>
-              </a:rPr>
-              <a:t> </a:t>
-            </a:r>
-            <a:r>
-              <a:rPr lang="en-US" sz="2400" dirty="0" err="1">
-                <a:latin typeface="Times New Roman" panose="02020603050405020304" pitchFamily="18" charset="0"/>
-                <a:cs typeface="Times New Roman" panose="02020603050405020304" pitchFamily="18" charset="0"/>
-              </a:rPr>
-              <a:t>sử</a:t>
-            </a:r>
-            <a:r>
-              <a:rPr lang="en-US" sz="2400" dirty="0">
-                <a:latin typeface="Times New Roman" panose="02020603050405020304" pitchFamily="18" charset="0"/>
-                <a:cs typeface="Times New Roman" panose="02020603050405020304" pitchFamily="18" charset="0"/>
-              </a:rPr>
-              <a:t> </a:t>
-            </a:r>
-            <a:r>
-              <a:rPr lang="en-US" sz="2400" dirty="0" err="1">
-                <a:latin typeface="Times New Roman" panose="02020603050405020304" pitchFamily="18" charset="0"/>
-                <a:cs typeface="Times New Roman" panose="02020603050405020304" pitchFamily="18" charset="0"/>
-              </a:rPr>
-              <a:t>dụng</a:t>
-            </a:r>
-            <a:endParaRPr lang="en-US" sz="2400" dirty="0">
-              <a:latin typeface="Times New Roman" panose="02020603050405020304" pitchFamily="18" charset="0"/>
-              <a:cs typeface="Times New Roman" panose="02020603050405020304" pitchFamily="18" charset="0"/>
-            </a:endParaRPr>
-          </a:p>
-          <a:p>
-            <a:pPr algn="just">
-              <a:lnSpc>
-                <a:spcPct val="150000"/>
-              </a:lnSpc>
-              <a:buFont typeface="Wingdings" panose="05000000000000000000" pitchFamily="2" charset="2"/>
-              <a:buChar char="Ø"/>
-            </a:pPr>
-            <a:r>
-              <a:rPr lang="en-US" sz="2400" dirty="0" err="1">
-                <a:latin typeface="Times New Roman" panose="02020603050405020304" pitchFamily="18" charset="0"/>
-                <a:cs typeface="Times New Roman" panose="02020603050405020304" pitchFamily="18" charset="0"/>
-              </a:rPr>
-              <a:t>Phát</a:t>
-            </a:r>
-            <a:r>
-              <a:rPr lang="en-US" sz="2400" dirty="0">
-                <a:latin typeface="Times New Roman" panose="02020603050405020304" pitchFamily="18" charset="0"/>
-                <a:cs typeface="Times New Roman" panose="02020603050405020304" pitchFamily="18" charset="0"/>
-              </a:rPr>
-              <a:t> </a:t>
-            </a:r>
-            <a:r>
-              <a:rPr lang="en-US" sz="2400" dirty="0" err="1">
-                <a:latin typeface="Times New Roman" panose="02020603050405020304" pitchFamily="18" charset="0"/>
-                <a:cs typeface="Times New Roman" panose="02020603050405020304" pitchFamily="18" charset="0"/>
-              </a:rPr>
-              <a:t>triển</a:t>
-            </a:r>
-            <a:r>
-              <a:rPr lang="en-US" sz="2400" dirty="0">
-                <a:latin typeface="Times New Roman" panose="02020603050405020304" pitchFamily="18" charset="0"/>
-                <a:cs typeface="Times New Roman" panose="02020603050405020304" pitchFamily="18" charset="0"/>
-              </a:rPr>
-              <a:t> </a:t>
-            </a:r>
-            <a:r>
-              <a:rPr lang="en-US" sz="2400" dirty="0" err="1">
-                <a:latin typeface="Times New Roman" panose="02020603050405020304" pitchFamily="18" charset="0"/>
-                <a:cs typeface="Times New Roman" panose="02020603050405020304" pitchFamily="18" charset="0"/>
-              </a:rPr>
-              <a:t>ứng</a:t>
-            </a:r>
-            <a:r>
-              <a:rPr lang="en-US" sz="2400" dirty="0">
-                <a:latin typeface="Times New Roman" panose="02020603050405020304" pitchFamily="18" charset="0"/>
-                <a:cs typeface="Times New Roman" panose="02020603050405020304" pitchFamily="18" charset="0"/>
-              </a:rPr>
-              <a:t> </a:t>
-            </a:r>
-            <a:r>
-              <a:rPr lang="en-US" sz="2400" dirty="0" err="1">
-                <a:latin typeface="Times New Roman" panose="02020603050405020304" pitchFamily="18" charset="0"/>
-                <a:cs typeface="Times New Roman" panose="02020603050405020304" pitchFamily="18" charset="0"/>
-              </a:rPr>
-              <a:t>dụng</a:t>
-            </a:r>
-            <a:r>
-              <a:rPr lang="en-US" sz="2400" dirty="0">
-                <a:latin typeface="Times New Roman" panose="02020603050405020304" pitchFamily="18" charset="0"/>
-                <a:cs typeface="Times New Roman" panose="02020603050405020304" pitchFamily="18" charset="0"/>
-              </a:rPr>
-              <a:t> </a:t>
-            </a:r>
-            <a:r>
-              <a:rPr lang="en-US" sz="2400" dirty="0" err="1">
-                <a:latin typeface="Times New Roman" panose="02020603050405020304" pitchFamily="18" charset="0"/>
-                <a:cs typeface="Times New Roman" panose="02020603050405020304" pitchFamily="18" charset="0"/>
-              </a:rPr>
-              <a:t>có</a:t>
-            </a:r>
-            <a:r>
-              <a:rPr lang="en-US" sz="2400" dirty="0">
-                <a:latin typeface="Times New Roman" panose="02020603050405020304" pitchFamily="18" charset="0"/>
-                <a:cs typeface="Times New Roman" panose="02020603050405020304" pitchFamily="18" charset="0"/>
-              </a:rPr>
-              <a:t> </a:t>
-            </a:r>
-            <a:r>
-              <a:rPr lang="en-US" sz="2400" dirty="0" err="1">
-                <a:latin typeface="Times New Roman" panose="02020603050405020304" pitchFamily="18" charset="0"/>
-                <a:cs typeface="Times New Roman" panose="02020603050405020304" pitchFamily="18" charset="0"/>
-              </a:rPr>
-              <a:t>tính</a:t>
-            </a:r>
-            <a:r>
-              <a:rPr lang="en-US" sz="2400" dirty="0">
-                <a:latin typeface="Times New Roman" panose="02020603050405020304" pitchFamily="18" charset="0"/>
-                <a:cs typeface="Times New Roman" panose="02020603050405020304" pitchFamily="18" charset="0"/>
-              </a:rPr>
-              <a:t> </a:t>
-            </a:r>
-            <a:r>
-              <a:rPr lang="en-US" sz="2400" dirty="0" err="1">
-                <a:latin typeface="Times New Roman" panose="02020603050405020304" pitchFamily="18" charset="0"/>
-                <a:cs typeface="Times New Roman" panose="02020603050405020304" pitchFamily="18" charset="0"/>
-              </a:rPr>
-              <a:t>thực</a:t>
-            </a:r>
-            <a:r>
-              <a:rPr lang="en-US" sz="2400" dirty="0">
-                <a:latin typeface="Times New Roman" panose="02020603050405020304" pitchFamily="18" charset="0"/>
-                <a:cs typeface="Times New Roman" panose="02020603050405020304" pitchFamily="18" charset="0"/>
-              </a:rPr>
-              <a:t> </a:t>
-            </a:r>
-            <a:r>
-              <a:rPr lang="en-US" sz="2400" dirty="0" err="1">
-                <a:latin typeface="Times New Roman" panose="02020603050405020304" pitchFamily="18" charset="0"/>
-                <a:cs typeface="Times New Roman" panose="02020603050405020304" pitchFamily="18" charset="0"/>
-              </a:rPr>
-              <a:t>tiễn</a:t>
-            </a:r>
-            <a:r>
-              <a:rPr lang="en-US" sz="2400" dirty="0">
-                <a:latin typeface="Times New Roman" panose="02020603050405020304" pitchFamily="18" charset="0"/>
-                <a:cs typeface="Times New Roman" panose="02020603050405020304" pitchFamily="18" charset="0"/>
-              </a:rPr>
-              <a:t> </a:t>
-            </a:r>
-            <a:r>
-              <a:rPr lang="en-US" sz="2400" dirty="0" err="1">
-                <a:latin typeface="Times New Roman" panose="02020603050405020304" pitchFamily="18" charset="0"/>
-                <a:cs typeface="Times New Roman" panose="02020603050405020304" pitchFamily="18" charset="0"/>
-              </a:rPr>
-              <a:t>cao</a:t>
-            </a:r>
-            <a:r>
-              <a:rPr lang="en-US" sz="2400" dirty="0">
-                <a:latin typeface="Times New Roman" panose="02020603050405020304" pitchFamily="18" charset="0"/>
-                <a:cs typeface="Times New Roman" panose="02020603050405020304" pitchFamily="18" charset="0"/>
-              </a:rPr>
-              <a:t>, </a:t>
-            </a:r>
-            <a:r>
-              <a:rPr lang="en-US" sz="2400" dirty="0" err="1">
-                <a:latin typeface="Times New Roman" panose="02020603050405020304" pitchFamily="18" charset="0"/>
-                <a:cs typeface="Times New Roman" panose="02020603050405020304" pitchFamily="18" charset="0"/>
-              </a:rPr>
-              <a:t>có</a:t>
-            </a:r>
-            <a:r>
-              <a:rPr lang="en-US" sz="2400" dirty="0">
-                <a:latin typeface="Times New Roman" panose="02020603050405020304" pitchFamily="18" charset="0"/>
-                <a:cs typeface="Times New Roman" panose="02020603050405020304" pitchFamily="18" charset="0"/>
-              </a:rPr>
-              <a:t> </a:t>
-            </a:r>
-            <a:r>
-              <a:rPr lang="en-US" sz="2400" dirty="0" err="1">
-                <a:latin typeface="Times New Roman" panose="02020603050405020304" pitchFamily="18" charset="0"/>
-                <a:cs typeface="Times New Roman" panose="02020603050405020304" pitchFamily="18" charset="0"/>
-              </a:rPr>
-              <a:t>khả</a:t>
-            </a:r>
-            <a:r>
-              <a:rPr lang="en-US" sz="2400" dirty="0">
-                <a:latin typeface="Times New Roman" panose="02020603050405020304" pitchFamily="18" charset="0"/>
-                <a:cs typeface="Times New Roman" panose="02020603050405020304" pitchFamily="18" charset="0"/>
-              </a:rPr>
-              <a:t> </a:t>
-            </a:r>
-            <a:r>
-              <a:rPr lang="en-US" sz="2400" dirty="0" err="1">
-                <a:latin typeface="Times New Roman" panose="02020603050405020304" pitchFamily="18" charset="0"/>
-                <a:cs typeface="Times New Roman" panose="02020603050405020304" pitchFamily="18" charset="0"/>
-              </a:rPr>
-              <a:t>năng</a:t>
-            </a:r>
-            <a:r>
-              <a:rPr lang="en-US" sz="2400" dirty="0">
-                <a:latin typeface="Times New Roman" panose="02020603050405020304" pitchFamily="18" charset="0"/>
-                <a:cs typeface="Times New Roman" panose="02020603050405020304" pitchFamily="18" charset="0"/>
-              </a:rPr>
-              <a:t> </a:t>
-            </a:r>
-            <a:r>
-              <a:rPr lang="en-US" sz="2400" dirty="0" err="1">
-                <a:latin typeface="Times New Roman" panose="02020603050405020304" pitchFamily="18" charset="0"/>
-                <a:cs typeface="Times New Roman" panose="02020603050405020304" pitchFamily="18" charset="0"/>
-              </a:rPr>
-              <a:t>áp</a:t>
-            </a:r>
-            <a:r>
-              <a:rPr lang="en-US" sz="2400" dirty="0">
-                <a:latin typeface="Times New Roman" panose="02020603050405020304" pitchFamily="18" charset="0"/>
-                <a:cs typeface="Times New Roman" panose="02020603050405020304" pitchFamily="18" charset="0"/>
-              </a:rPr>
-              <a:t> </a:t>
-            </a:r>
-            <a:r>
-              <a:rPr lang="en-US" sz="2400" dirty="0" err="1">
-                <a:latin typeface="Times New Roman" panose="02020603050405020304" pitchFamily="18" charset="0"/>
-                <a:cs typeface="Times New Roman" panose="02020603050405020304" pitchFamily="18" charset="0"/>
-              </a:rPr>
-              <a:t>dụng</a:t>
-            </a:r>
-            <a:r>
-              <a:rPr lang="en-US" sz="2400" dirty="0">
-                <a:latin typeface="Times New Roman" panose="02020603050405020304" pitchFamily="18" charset="0"/>
-                <a:cs typeface="Times New Roman" panose="02020603050405020304" pitchFamily="18" charset="0"/>
-              </a:rPr>
-              <a:t> </a:t>
-            </a:r>
-            <a:r>
-              <a:rPr lang="en-US" sz="2400" dirty="0" err="1">
-                <a:latin typeface="Times New Roman" panose="02020603050405020304" pitchFamily="18" charset="0"/>
-                <a:cs typeface="Times New Roman" panose="02020603050405020304" pitchFamily="18" charset="0"/>
-              </a:rPr>
-              <a:t>vào</a:t>
-            </a:r>
-            <a:r>
-              <a:rPr lang="en-US" sz="2400" dirty="0">
-                <a:latin typeface="Times New Roman" panose="02020603050405020304" pitchFamily="18" charset="0"/>
-                <a:cs typeface="Times New Roman" panose="02020603050405020304" pitchFamily="18" charset="0"/>
-              </a:rPr>
-              <a:t> </a:t>
-            </a:r>
-            <a:r>
-              <a:rPr lang="en-US" sz="2400" dirty="0" err="1">
-                <a:latin typeface="Times New Roman" panose="02020603050405020304" pitchFamily="18" charset="0"/>
-                <a:cs typeface="Times New Roman" panose="02020603050405020304" pitchFamily="18" charset="0"/>
-              </a:rPr>
-              <a:t>thực</a:t>
-            </a:r>
-            <a:r>
-              <a:rPr lang="en-US" sz="2400" dirty="0">
-                <a:latin typeface="Times New Roman" panose="02020603050405020304" pitchFamily="18" charset="0"/>
-                <a:cs typeface="Times New Roman" panose="02020603050405020304" pitchFamily="18" charset="0"/>
-              </a:rPr>
-              <a:t> </a:t>
-            </a:r>
-            <a:r>
-              <a:rPr lang="en-US" sz="2400" dirty="0" err="1">
-                <a:latin typeface="Times New Roman" panose="02020603050405020304" pitchFamily="18" charset="0"/>
-                <a:cs typeface="Times New Roman" panose="02020603050405020304" pitchFamily="18" charset="0"/>
-              </a:rPr>
-              <a:t>tế</a:t>
-            </a:r>
-            <a:endParaRPr lang="en-US" sz="2400" dirty="0">
-              <a:latin typeface="Times New Roman" panose="02020603050405020304" pitchFamily="18" charset="0"/>
-              <a:cs typeface="Times New Roman" panose="02020603050405020304" pitchFamily="18" charset="0"/>
-            </a:endParaRPr>
-          </a:p>
-          <a:p>
-            <a:pPr algn="just">
-              <a:lnSpc>
-                <a:spcPct val="150000"/>
-              </a:lnSpc>
-              <a:buFont typeface="Wingdings" panose="05000000000000000000" pitchFamily="2" charset="2"/>
-              <a:buChar char="Ø"/>
-            </a:pPr>
-            <a:r>
-              <a:rPr lang="en-US" sz="2400" dirty="0" err="1">
-                <a:latin typeface="Times New Roman" panose="02020603050405020304" pitchFamily="18" charset="0"/>
-                <a:cs typeface="Times New Roman" panose="02020603050405020304" pitchFamily="18" charset="0"/>
-              </a:rPr>
-              <a:t>Cung</a:t>
-            </a:r>
-            <a:r>
-              <a:rPr lang="en-US" sz="2400" dirty="0">
-                <a:latin typeface="Times New Roman" panose="02020603050405020304" pitchFamily="18" charset="0"/>
-                <a:cs typeface="Times New Roman" panose="02020603050405020304" pitchFamily="18" charset="0"/>
-              </a:rPr>
-              <a:t> </a:t>
-            </a:r>
-            <a:r>
-              <a:rPr lang="en-US" sz="2400" dirty="0" err="1">
-                <a:latin typeface="Times New Roman" panose="02020603050405020304" pitchFamily="18" charset="0"/>
-                <a:cs typeface="Times New Roman" panose="02020603050405020304" pitchFamily="18" charset="0"/>
-              </a:rPr>
-              <a:t>cấp</a:t>
-            </a:r>
-            <a:r>
-              <a:rPr lang="en-US" sz="2400" dirty="0">
-                <a:latin typeface="Times New Roman" panose="02020603050405020304" pitchFamily="18" charset="0"/>
-                <a:cs typeface="Times New Roman" panose="02020603050405020304" pitchFamily="18" charset="0"/>
-              </a:rPr>
-              <a:t> </a:t>
-            </a:r>
-            <a:r>
-              <a:rPr lang="en-US" sz="2400" dirty="0" err="1">
-                <a:latin typeface="Times New Roman" panose="02020603050405020304" pitchFamily="18" charset="0"/>
-                <a:cs typeface="Times New Roman" panose="02020603050405020304" pitchFamily="18" charset="0"/>
-              </a:rPr>
-              <a:t>cho</a:t>
-            </a:r>
-            <a:r>
-              <a:rPr lang="en-US" sz="2400" dirty="0">
-                <a:latin typeface="Times New Roman" panose="02020603050405020304" pitchFamily="18" charset="0"/>
-                <a:cs typeface="Times New Roman" panose="02020603050405020304" pitchFamily="18" charset="0"/>
-              </a:rPr>
-              <a:t> </a:t>
-            </a:r>
-            <a:r>
-              <a:rPr lang="en-US" sz="2400" dirty="0" err="1">
-                <a:latin typeface="Times New Roman" panose="02020603050405020304" pitchFamily="18" charset="0"/>
-                <a:cs typeface="Times New Roman" panose="02020603050405020304" pitchFamily="18" charset="0"/>
-              </a:rPr>
-              <a:t>khách</a:t>
-            </a:r>
-            <a:r>
-              <a:rPr lang="en-US" sz="2400" dirty="0">
-                <a:latin typeface="Times New Roman" panose="02020603050405020304" pitchFamily="18" charset="0"/>
-                <a:cs typeface="Times New Roman" panose="02020603050405020304" pitchFamily="18" charset="0"/>
-              </a:rPr>
-              <a:t> </a:t>
-            </a:r>
-            <a:r>
-              <a:rPr lang="en-US" sz="2400" dirty="0" err="1">
-                <a:latin typeface="Times New Roman" panose="02020603050405020304" pitchFamily="18" charset="0"/>
-                <a:cs typeface="Times New Roman" panose="02020603050405020304" pitchFamily="18" charset="0"/>
-              </a:rPr>
-              <a:t>hàng</a:t>
-            </a:r>
-            <a:r>
-              <a:rPr lang="en-US" sz="2400" dirty="0">
-                <a:latin typeface="Times New Roman" panose="02020603050405020304" pitchFamily="18" charset="0"/>
-                <a:cs typeface="Times New Roman" panose="02020603050405020304" pitchFamily="18" charset="0"/>
-              </a:rPr>
-              <a:t> </a:t>
-            </a:r>
-            <a:r>
-              <a:rPr lang="en-US" sz="2400" dirty="0" err="1">
-                <a:latin typeface="Times New Roman" panose="02020603050405020304" pitchFamily="18" charset="0"/>
-                <a:cs typeface="Times New Roman" panose="02020603050405020304" pitchFamily="18" charset="0"/>
-              </a:rPr>
-              <a:t>một</a:t>
-            </a:r>
-            <a:r>
-              <a:rPr lang="en-US" sz="2400" dirty="0">
-                <a:latin typeface="Times New Roman" panose="02020603050405020304" pitchFamily="18" charset="0"/>
-                <a:cs typeface="Times New Roman" panose="02020603050405020304" pitchFamily="18" charset="0"/>
-              </a:rPr>
-              <a:t> </a:t>
-            </a:r>
-            <a:r>
-              <a:rPr lang="en-US" sz="2400" dirty="0" err="1">
-                <a:latin typeface="Times New Roman" panose="02020603050405020304" pitchFamily="18" charset="0"/>
-                <a:cs typeface="Times New Roman" panose="02020603050405020304" pitchFamily="18" charset="0"/>
-              </a:rPr>
-              <a:t>ứng</a:t>
-            </a:r>
-            <a:r>
-              <a:rPr lang="en-US" sz="2400" dirty="0">
-                <a:latin typeface="Times New Roman" panose="02020603050405020304" pitchFamily="18" charset="0"/>
-                <a:cs typeface="Times New Roman" panose="02020603050405020304" pitchFamily="18" charset="0"/>
-              </a:rPr>
-              <a:t> </a:t>
-            </a:r>
-            <a:r>
-              <a:rPr lang="en-US" sz="2400" dirty="0" err="1">
-                <a:latin typeface="Times New Roman" panose="02020603050405020304" pitchFamily="18" charset="0"/>
-                <a:cs typeface="Times New Roman" panose="02020603050405020304" pitchFamily="18" charset="0"/>
-              </a:rPr>
-              <a:t>dụng</a:t>
-            </a:r>
-            <a:r>
-              <a:rPr lang="en-US" sz="2400" dirty="0">
-                <a:latin typeface="Times New Roman" panose="02020603050405020304" pitchFamily="18" charset="0"/>
-                <a:cs typeface="Times New Roman" panose="02020603050405020304" pitchFamily="18" charset="0"/>
-              </a:rPr>
-              <a:t> </a:t>
-            </a:r>
-            <a:r>
-              <a:rPr lang="en-US" sz="2400" dirty="0" err="1">
-                <a:latin typeface="Times New Roman" panose="02020603050405020304" pitchFamily="18" charset="0"/>
-                <a:cs typeface="Times New Roman" panose="02020603050405020304" pitchFamily="18" charset="0"/>
-              </a:rPr>
-              <a:t>mua</a:t>
-            </a:r>
-            <a:r>
-              <a:rPr lang="en-US" sz="2400" dirty="0">
-                <a:latin typeface="Times New Roman" panose="02020603050405020304" pitchFamily="18" charset="0"/>
-                <a:cs typeface="Times New Roman" panose="02020603050405020304" pitchFamily="18" charset="0"/>
-              </a:rPr>
-              <a:t> </a:t>
-            </a:r>
-            <a:r>
-              <a:rPr lang="en-US" sz="2400" dirty="0" err="1">
-                <a:latin typeface="Times New Roman" panose="02020603050405020304" pitchFamily="18" charset="0"/>
-                <a:cs typeface="Times New Roman" panose="02020603050405020304" pitchFamily="18" charset="0"/>
-              </a:rPr>
-              <a:t>sắm</a:t>
-            </a:r>
-            <a:r>
-              <a:rPr lang="en-US" sz="2400" dirty="0">
-                <a:latin typeface="Times New Roman" panose="02020603050405020304" pitchFamily="18" charset="0"/>
-                <a:cs typeface="Times New Roman" panose="02020603050405020304" pitchFamily="18" charset="0"/>
-              </a:rPr>
-              <a:t> </a:t>
-            </a:r>
-            <a:r>
-              <a:rPr lang="en-US" sz="2400" dirty="0" err="1">
-                <a:latin typeface="Times New Roman" panose="02020603050405020304" pitchFamily="18" charset="0"/>
-                <a:cs typeface="Times New Roman" panose="02020603050405020304" pitchFamily="18" charset="0"/>
-              </a:rPr>
-              <a:t>thời</a:t>
-            </a:r>
-            <a:r>
-              <a:rPr lang="en-US" sz="2400" dirty="0">
-                <a:latin typeface="Times New Roman" panose="02020603050405020304" pitchFamily="18" charset="0"/>
-                <a:cs typeface="Times New Roman" panose="02020603050405020304" pitchFamily="18" charset="0"/>
-              </a:rPr>
-              <a:t> </a:t>
-            </a:r>
-            <a:r>
-              <a:rPr lang="en-US" sz="2400" dirty="0" err="1">
-                <a:latin typeface="Times New Roman" panose="02020603050405020304" pitchFamily="18" charset="0"/>
-                <a:cs typeface="Times New Roman" panose="02020603050405020304" pitchFamily="18" charset="0"/>
-              </a:rPr>
-              <a:t>trang</a:t>
-            </a:r>
-            <a:r>
-              <a:rPr lang="en-US" sz="2400" dirty="0">
-                <a:latin typeface="Times New Roman" panose="02020603050405020304" pitchFamily="18" charset="0"/>
-                <a:cs typeface="Times New Roman" panose="02020603050405020304" pitchFamily="18" charset="0"/>
-              </a:rPr>
-              <a:t> </a:t>
-            </a:r>
-            <a:r>
-              <a:rPr lang="en-US" sz="2400" dirty="0" err="1">
-                <a:latin typeface="Times New Roman" panose="02020603050405020304" pitchFamily="18" charset="0"/>
-                <a:cs typeface="Times New Roman" panose="02020603050405020304" pitchFamily="18" charset="0"/>
-              </a:rPr>
-              <a:t>trực</a:t>
-            </a:r>
-            <a:r>
-              <a:rPr lang="en-US" sz="2400" dirty="0">
-                <a:latin typeface="Times New Roman" panose="02020603050405020304" pitchFamily="18" charset="0"/>
-                <a:cs typeface="Times New Roman" panose="02020603050405020304" pitchFamily="18" charset="0"/>
-              </a:rPr>
-              <a:t> </a:t>
-            </a:r>
-            <a:r>
-              <a:rPr lang="en-US" sz="2400" dirty="0" err="1">
-                <a:latin typeface="Times New Roman" panose="02020603050405020304" pitchFamily="18" charset="0"/>
-                <a:cs typeface="Times New Roman" panose="02020603050405020304" pitchFamily="18" charset="0"/>
-              </a:rPr>
-              <a:t>tuyến</a:t>
-            </a:r>
-            <a:r>
-              <a:rPr lang="en-US" sz="2400" dirty="0">
-                <a:latin typeface="Times New Roman" panose="02020603050405020304" pitchFamily="18" charset="0"/>
-                <a:cs typeface="Times New Roman" panose="02020603050405020304" pitchFamily="18" charset="0"/>
-              </a:rPr>
-              <a:t> </a:t>
-            </a:r>
-            <a:r>
-              <a:rPr lang="en-US" sz="2400" dirty="0" err="1">
-                <a:latin typeface="Times New Roman" panose="02020603050405020304" pitchFamily="18" charset="0"/>
-                <a:cs typeface="Times New Roman" panose="02020603050405020304" pitchFamily="18" charset="0"/>
-              </a:rPr>
-              <a:t>và</a:t>
-            </a:r>
-            <a:r>
-              <a:rPr lang="en-US" sz="2400" dirty="0">
-                <a:latin typeface="Times New Roman" panose="02020603050405020304" pitchFamily="18" charset="0"/>
-                <a:cs typeface="Times New Roman" panose="02020603050405020304" pitchFamily="18" charset="0"/>
-              </a:rPr>
-              <a:t> </a:t>
-            </a:r>
-            <a:r>
-              <a:rPr lang="en-US" sz="2400" dirty="0" err="1">
-                <a:latin typeface="Times New Roman" panose="02020603050405020304" pitchFamily="18" charset="0"/>
-                <a:cs typeface="Times New Roman" panose="02020603050405020304" pitchFamily="18" charset="0"/>
-              </a:rPr>
-              <a:t>ứng</a:t>
-            </a:r>
-            <a:r>
-              <a:rPr lang="en-US" sz="2400" dirty="0">
-                <a:latin typeface="Times New Roman" panose="02020603050405020304" pitchFamily="18" charset="0"/>
-                <a:cs typeface="Times New Roman" panose="02020603050405020304" pitchFamily="18" charset="0"/>
-              </a:rPr>
-              <a:t> </a:t>
-            </a:r>
-            <a:r>
-              <a:rPr lang="en-US" sz="2400" dirty="0" err="1">
-                <a:latin typeface="Times New Roman" panose="02020603050405020304" pitchFamily="18" charset="0"/>
-                <a:cs typeface="Times New Roman" panose="02020603050405020304" pitchFamily="18" charset="0"/>
-              </a:rPr>
-              <a:t>dụng</a:t>
-            </a:r>
-            <a:r>
-              <a:rPr lang="en-US" sz="2400" dirty="0">
-                <a:latin typeface="Times New Roman" panose="02020603050405020304" pitchFamily="18" charset="0"/>
-                <a:cs typeface="Times New Roman" panose="02020603050405020304" pitchFamily="18" charset="0"/>
-              </a:rPr>
-              <a:t> </a:t>
-            </a:r>
-            <a:r>
-              <a:rPr lang="en-US" sz="2400" dirty="0" err="1">
-                <a:latin typeface="Times New Roman" panose="02020603050405020304" pitchFamily="18" charset="0"/>
-                <a:cs typeface="Times New Roman" panose="02020603050405020304" pitchFamily="18" charset="0"/>
-              </a:rPr>
-              <a:t>cho</a:t>
-            </a:r>
-            <a:r>
-              <a:rPr lang="en-US" sz="2400" dirty="0">
-                <a:latin typeface="Times New Roman" panose="02020603050405020304" pitchFamily="18" charset="0"/>
-                <a:cs typeface="Times New Roman" panose="02020603050405020304" pitchFamily="18" charset="0"/>
-              </a:rPr>
-              <a:t> shop </a:t>
-            </a:r>
-            <a:r>
-              <a:rPr lang="en-US" sz="2400" dirty="0" err="1">
-                <a:latin typeface="Times New Roman" panose="02020603050405020304" pitchFamily="18" charset="0"/>
-                <a:cs typeface="Times New Roman" panose="02020603050405020304" pitchFamily="18" charset="0"/>
-              </a:rPr>
-              <a:t>dễ</a:t>
-            </a:r>
-            <a:r>
-              <a:rPr lang="en-US" sz="2400" dirty="0">
-                <a:latin typeface="Times New Roman" panose="02020603050405020304" pitchFamily="18" charset="0"/>
-                <a:cs typeface="Times New Roman" panose="02020603050405020304" pitchFamily="18" charset="0"/>
-              </a:rPr>
-              <a:t> </a:t>
-            </a:r>
-            <a:r>
-              <a:rPr lang="en-US" sz="2400" dirty="0" err="1">
-                <a:latin typeface="Times New Roman" panose="02020603050405020304" pitchFamily="18" charset="0"/>
-                <a:cs typeface="Times New Roman" panose="02020603050405020304" pitchFamily="18" charset="0"/>
-              </a:rPr>
-              <a:t>dàng</a:t>
-            </a:r>
-            <a:r>
-              <a:rPr lang="en-US" sz="2400" dirty="0">
-                <a:latin typeface="Times New Roman" panose="02020603050405020304" pitchFamily="18" charset="0"/>
-                <a:cs typeface="Times New Roman" panose="02020603050405020304" pitchFamily="18" charset="0"/>
-              </a:rPr>
-              <a:t> </a:t>
-            </a:r>
-            <a:r>
-              <a:rPr lang="en-US" sz="2400" dirty="0" err="1">
-                <a:latin typeface="Times New Roman" panose="02020603050405020304" pitchFamily="18" charset="0"/>
-                <a:cs typeface="Times New Roman" panose="02020603050405020304" pitchFamily="18" charset="0"/>
-              </a:rPr>
-              <a:t>quản</a:t>
-            </a:r>
-            <a:r>
-              <a:rPr lang="en-US" sz="2400" dirty="0">
-                <a:latin typeface="Times New Roman" panose="02020603050405020304" pitchFamily="18" charset="0"/>
-                <a:cs typeface="Times New Roman" panose="02020603050405020304" pitchFamily="18" charset="0"/>
-              </a:rPr>
-              <a:t> </a:t>
-            </a:r>
-            <a:r>
-              <a:rPr lang="en-US" sz="2400" dirty="0" err="1">
-                <a:latin typeface="Times New Roman" panose="02020603050405020304" pitchFamily="18" charset="0"/>
-                <a:cs typeface="Times New Roman" panose="02020603050405020304" pitchFamily="18" charset="0"/>
-              </a:rPr>
-              <a:t>lý</a:t>
-            </a:r>
-            <a:endParaRPr lang="en-US" sz="2400" dirty="0">
+              <a:rPr lang="en-US" dirty="0" err="1">
+                <a:latin typeface="Times New Roman" panose="02020603050405020304" pitchFamily="18" charset="0"/>
+                <a:cs typeface="Times New Roman" panose="02020603050405020304" pitchFamily="18" charset="0"/>
+              </a:rPr>
+              <a:t>ích</a:t>
+            </a:r>
+            <a:endParaRPr lang="en-US" dirty="0">
               <a:latin typeface="Times New Roman" panose="02020603050405020304" pitchFamily="18" charset="0"/>
               <a:cs typeface="Times New Roman" panose="02020603050405020304" pitchFamily="18" charset="0"/>
             </a:endParaRPr>
@@ -12758,7 +11899,7 @@
                 <a:latin typeface="Times New Roman" panose="02020603050405020304" pitchFamily="18" charset="0"/>
                 <a:cs typeface="Times New Roman" panose="02020603050405020304" pitchFamily="18" charset="0"/>
               </a:rPr>
-              <a:t> MVC, MVVM, coroutine</a:t>
+              <a:t> MVC, MVVM</a:t>
             </a:r>
           </a:p>
           <a:p>
@@ -12822,6 +11963,194 @@
           </a:p>
         </p:txBody>
       </p:sp>
+      <p:pic>
+        <p:nvPicPr>
+          <p:cNvPr id="4098" name="Picture 2" descr="Android Developers Blog: Android Studio 3.6">
+            <a:extLst>
+              <a:ext uri="{FF2B5EF4-FFF2-40B4-BE49-F238E27FC236}">
+                <a16:creationId xmlns:a16="http://schemas.microsoft.com/office/drawing/2014/main" id="{75C0A6B1-F311-4D56-9634-43A3639CE85F}"/>
+              </a:ext>
+            </a:extLst>
+          </p:cNvPr>
+          <p:cNvPicPr>
+            <a:picLocks noChangeAspect="1" noChangeArrowheads="1"/>
+          </p:cNvPicPr>
+          <p:nvPr/>
+        </p:nvPicPr>
+        <p:blipFill>
+          <a:blip r:embed="rId3" cstate="print">
+            <a:extLst>
+              <a:ext uri="{28A0092B-C50C-407E-A947-70E740481C1C}">
+                <a14:useLocalDpi xmlns:a14="http://schemas.microsoft.com/office/drawing/2010/main" val="0"/>
+              </a:ext>
+            </a:extLst>
+          </a:blip>
+          <a:srcRect/>
+          <a:stretch>
+            <a:fillRect/>
+          </a:stretch>
+        </p:blipFill>
+        <p:spPr bwMode="auto">
+          <a:xfrm>
+            <a:off x="3990104" y="1474209"/>
+            <a:ext cx="528778" cy="527747"/>
+          </a:xfrm>
+          <a:prstGeom prst="rect">
+            <a:avLst/>
+          </a:prstGeom>
+          <a:noFill/>
+          <a:extLst>
+            <a:ext uri="{909E8E84-426E-40DD-AFC4-6F175D3DCCD1}">
+              <a14:hiddenFill xmlns:a14="http://schemas.microsoft.com/office/drawing/2010/main">
+                <a:solidFill>
+                  <a:srgbClr val="FFFFFF"/>
+                </a:solidFill>
+              </a14:hiddenFill>
+            </a:ext>
+          </a:extLst>
+        </p:spPr>
+      </p:pic>
+      <p:pic>
+        <p:nvPicPr>
+          <p:cNvPr id="4100" name="Picture 4" descr="Sql Logo Icon of Flat style - Available in SVG, PNG, EPS, AI &amp; Icon fonts">
+            <a:extLst>
+              <a:ext uri="{FF2B5EF4-FFF2-40B4-BE49-F238E27FC236}">
+                <a16:creationId xmlns:a16="http://schemas.microsoft.com/office/drawing/2014/main" id="{90B95F7B-2487-4C3E-8E0E-5A73E593EF8D}"/>
+              </a:ext>
+            </a:extLst>
+          </p:cNvPr>
+          <p:cNvPicPr>
+            <a:picLocks noChangeAspect="1" noChangeArrowheads="1"/>
+          </p:cNvPicPr>
+          <p:nvPr/>
+        </p:nvPicPr>
+        <p:blipFill>
+          <a:blip r:embed="rId4" cstate="print">
+            <a:extLst>
+              <a:ext uri="{28A0092B-C50C-407E-A947-70E740481C1C}">
+                <a14:useLocalDpi xmlns:a14="http://schemas.microsoft.com/office/drawing/2010/main" val="0"/>
+              </a:ext>
+            </a:extLst>
+          </a:blip>
+          <a:srcRect/>
+          <a:stretch>
+            <a:fillRect/>
+          </a:stretch>
+        </p:blipFill>
+        <p:spPr bwMode="auto">
+          <a:xfrm>
+            <a:off x="4007086" y="2124826"/>
+            <a:ext cx="528778" cy="528778"/>
+          </a:xfrm>
+          <a:prstGeom prst="rect">
+            <a:avLst/>
+          </a:prstGeom>
+          <a:noFill/>
+          <a:extLst>
+            <a:ext uri="{909E8E84-426E-40DD-AFC4-6F175D3DCCD1}">
+              <a14:hiddenFill xmlns:a14="http://schemas.microsoft.com/office/drawing/2010/main">
+                <a:solidFill>
+                  <a:srgbClr val="FFFFFF"/>
+                </a:solidFill>
+              </a14:hiddenFill>
+            </a:ext>
+          </a:extLst>
+        </p:spPr>
+      </p:pic>
+      <p:pic>
+        <p:nvPicPr>
+          <p:cNvPr id="4102" name="Picture 6" descr="File:Visual Studio Icon 2019.svg - Wikimedia Commons">
+            <a:extLst>
+              <a:ext uri="{FF2B5EF4-FFF2-40B4-BE49-F238E27FC236}">
+                <a16:creationId xmlns:a16="http://schemas.microsoft.com/office/drawing/2014/main" id="{FF19EC33-1FBD-4362-A1C9-1D49569B581C}"/>
+              </a:ext>
+            </a:extLst>
+          </p:cNvPr>
+          <p:cNvPicPr>
+            <a:picLocks noChangeAspect="1" noChangeArrowheads="1"/>
+          </p:cNvPicPr>
+          <p:nvPr/>
+        </p:nvPicPr>
+        <p:blipFill>
+          <a:blip r:embed="rId5" cstate="print">
+            <a:extLst>
+              <a:ext uri="{28A0092B-C50C-407E-A947-70E740481C1C}">
+                <a14:useLocalDpi xmlns:a14="http://schemas.microsoft.com/office/drawing/2010/main" val="0"/>
+              </a:ext>
+            </a:extLst>
+          </a:blip>
+          <a:srcRect/>
+          <a:stretch>
+            <a:fillRect/>
+          </a:stretch>
+        </p:blipFill>
+        <p:spPr bwMode="auto">
+          <a:xfrm>
+            <a:off x="3990104" y="2882397"/>
+            <a:ext cx="528778" cy="528778"/>
+          </a:xfrm>
+          <a:prstGeom prst="rect">
+            <a:avLst/>
+          </a:prstGeom>
+          <a:noFill/>
+          <a:extLst>
+            <a:ext uri="{909E8E84-426E-40DD-AFC4-6F175D3DCCD1}">
+              <a14:hiddenFill xmlns:a14="http://schemas.microsoft.com/office/drawing/2010/main">
+                <a:solidFill>
+                  <a:srgbClr val="FFFFFF"/>
+                </a:solidFill>
+              </a14:hiddenFill>
+            </a:ext>
+          </a:extLst>
+        </p:spPr>
+      </p:pic>
+      <p:pic>
+        <p:nvPicPr>
+          <p:cNvPr id="4104" name="Picture 8" descr="Postman Announces Launch of its API Network — the Most Useful &amp; Authentic  Directory of Public APIs">
+            <a:extLst>
+              <a:ext uri="{FF2B5EF4-FFF2-40B4-BE49-F238E27FC236}">
+                <a16:creationId xmlns:a16="http://schemas.microsoft.com/office/drawing/2014/main" id="{9B6CC738-0333-48B9-929A-D7E6C113F9E4}"/>
+              </a:ext>
+            </a:extLst>
+          </p:cNvPr>
+          <p:cNvPicPr>
+            <a:picLocks noChangeAspect="1" noChangeArrowheads="1"/>
+          </p:cNvPicPr>
+          <p:nvPr/>
+        </p:nvPicPr>
+        <p:blipFill>
+          <a:blip r:embed="rId6" cstate="print">
+            <a:extLst>
+              <a:ext uri="{28A0092B-C50C-407E-A947-70E740481C1C}">
+                <a14:useLocalDpi xmlns:a14="http://schemas.microsoft.com/office/drawing/2010/main" val="0"/>
+              </a:ext>
+            </a:extLst>
+          </a:blip>
+          <a:srcRect/>
+          <a:stretch>
+            <a:fillRect/>
+          </a:stretch>
+        </p:blipFill>
+        <p:spPr bwMode="auto">
+          <a:xfrm>
+            <a:off x="3878759" y="3511874"/>
+            <a:ext cx="751468" cy="751468"/>
+          </a:xfrm>
+          <a:prstGeom prst="rect">
+            <a:avLst/>
+          </a:prstGeom>
+          <a:noFill/>
+          <a:extLst>
+            <a:ext uri="{909E8E84-426E-40DD-AFC4-6F175D3DCCD1}">
+              <a14:hiddenFill xmlns:a14="http://schemas.microsoft.com/office/drawing/2010/main">
+                <a:solidFill>
+                  <a:srgbClr val="FFFFFF"/>
+                </a:solidFill>
+              </a14:hiddenFill>
+            </a:ext>
+          </a:extLst>
+        </p:spPr>
+      </p:pic>
     </p:spTree>
     <p:extLst>
       <p:ext uri="{BB962C8B-B14F-4D97-AF65-F5344CB8AC3E}">
@@ -12854,160 +12183,26 @@
       </p:grpSpPr>
       <p:sp>
         <p:nvSpPr>
-          <p:cNvPr id="13" name="TextBox 12">
-            <a:extLst>
-              <a:ext uri="{FF2B5EF4-FFF2-40B4-BE49-F238E27FC236}">
-                <a16:creationId xmlns:a16="http://schemas.microsoft.com/office/drawing/2014/main" id="{19DC4F66-C4A3-41EA-8A8D-E15145026D08}"/>
-              </a:ext>
-            </a:extLst>
-          </p:cNvPr>
-          <p:cNvSpPr txBox="1"/>
-          <p:nvPr/>
+          <p:cNvPr id="2" name="Title 1"/>
+          <p:cNvSpPr>
+            <a:spLocks noGrp="1"/>
+          </p:cNvSpPr>
+          <p:nvPr>
+            <p:ph type="title"/>
+          </p:nvPr>
         </p:nvSpPr>
         <p:spPr>
           <a:xfrm>
-            <a:off x="519430" y="1040548"/>
-            <a:ext cx="4804729" cy="461665"/>
+            <a:off x="289560" y="457200"/>
+            <a:ext cx="8839200" cy="768450"/>
           </a:xfrm>
-          <a:prstGeom prst="rect">
-            <a:avLst/>
-          </a:prstGeom>
-          <a:noFill/>
         </p:spPr>
         <p:txBody>
-          <a:bodyPr wrap="square" rtlCol="0">
-            <a:spAutoFit/>
-          </a:bodyPr>
-          <a:lstStyle/>
-          <a:p>
-            <a:pPr marL="342900" indent="-342900">
-              <a:buFont typeface="Wingdings" panose="05000000000000000000" pitchFamily="2" charset="2"/>
-              <a:buChar char="v"/>
-            </a:pPr>
-            <a:r>
-              <a:rPr lang="en-US" sz="2400" dirty="0" err="1">
-                <a:latin typeface="Times New Roman" panose="02020603050405020304" pitchFamily="18" charset="0"/>
-                <a:ea typeface="Roboto" panose="02000000000000000000" pitchFamily="2" charset="0"/>
-                <a:cs typeface="Times New Roman" panose="02020603050405020304" pitchFamily="18" charset="0"/>
-              </a:rPr>
-              <a:t>Chức</a:t>
-            </a:r>
-            <a:r>
-              <a:rPr lang="en-US" sz="2400" dirty="0">
-                <a:latin typeface="Times New Roman" panose="02020603050405020304" pitchFamily="18" charset="0"/>
-                <a:ea typeface="Roboto" panose="02000000000000000000" pitchFamily="2" charset="0"/>
-                <a:cs typeface="Times New Roman" panose="02020603050405020304" pitchFamily="18" charset="0"/>
-              </a:rPr>
-              <a:t> </a:t>
-            </a:r>
-            <a:r>
-              <a:rPr lang="en-US" sz="2400" dirty="0" err="1">
-                <a:latin typeface="Times New Roman" panose="02020603050405020304" pitchFamily="18" charset="0"/>
-                <a:ea typeface="Roboto" panose="02000000000000000000" pitchFamily="2" charset="0"/>
-                <a:cs typeface="Times New Roman" panose="02020603050405020304" pitchFamily="18" charset="0"/>
-              </a:rPr>
-              <a:t>năng</a:t>
-            </a:r>
-            <a:r>
-              <a:rPr lang="en-US" sz="2400" dirty="0">
-                <a:latin typeface="Times New Roman" panose="02020603050405020304" pitchFamily="18" charset="0"/>
-                <a:ea typeface="Roboto" panose="02000000000000000000" pitchFamily="2" charset="0"/>
-                <a:cs typeface="Times New Roman" panose="02020603050405020304" pitchFamily="18" charset="0"/>
-              </a:rPr>
-              <a:t> </a:t>
-            </a:r>
-            <a:r>
-              <a:rPr lang="en-US" sz="2400" dirty="0" err="1">
-                <a:latin typeface="Times New Roman" panose="02020603050405020304" pitchFamily="18" charset="0"/>
-                <a:ea typeface="Roboto" panose="02000000000000000000" pitchFamily="2" charset="0"/>
-                <a:cs typeface="Times New Roman" panose="02020603050405020304" pitchFamily="18" charset="0"/>
-              </a:rPr>
-              <a:t>của</a:t>
-            </a:r>
-            <a:r>
-              <a:rPr lang="en-US" sz="2400" dirty="0">
-                <a:latin typeface="Times New Roman" panose="02020603050405020304" pitchFamily="18" charset="0"/>
-                <a:ea typeface="Roboto" panose="02000000000000000000" pitchFamily="2" charset="0"/>
-                <a:cs typeface="Times New Roman" panose="02020603050405020304" pitchFamily="18" charset="0"/>
-              </a:rPr>
-              <a:t> </a:t>
-            </a:r>
-            <a:r>
-              <a:rPr lang="en-US" sz="2400" dirty="0" err="1">
-                <a:latin typeface="Times New Roman" panose="02020603050405020304" pitchFamily="18" charset="0"/>
-                <a:ea typeface="Roboto" panose="02000000000000000000" pitchFamily="2" charset="0"/>
-                <a:cs typeface="Times New Roman" panose="02020603050405020304" pitchFamily="18" charset="0"/>
-              </a:rPr>
-              <a:t>khách</a:t>
-            </a:r>
-            <a:r>
-              <a:rPr lang="en-US" sz="2400" dirty="0">
-                <a:latin typeface="Times New Roman" panose="02020603050405020304" pitchFamily="18" charset="0"/>
-                <a:ea typeface="Roboto" panose="02000000000000000000" pitchFamily="2" charset="0"/>
-                <a:cs typeface="Times New Roman" panose="02020603050405020304" pitchFamily="18" charset="0"/>
-              </a:rPr>
-              <a:t> </a:t>
-            </a:r>
-            <a:r>
-              <a:rPr lang="en-US" sz="2400" dirty="0" err="1">
-                <a:latin typeface="Times New Roman" panose="02020603050405020304" pitchFamily="18" charset="0"/>
-                <a:ea typeface="Roboto" panose="02000000000000000000" pitchFamily="2" charset="0"/>
-                <a:cs typeface="Times New Roman" panose="02020603050405020304" pitchFamily="18" charset="0"/>
-              </a:rPr>
-              <a:t>hàng</a:t>
-            </a:r>
-            <a:endParaRPr lang="en-US" sz="2400" dirty="0"/>
-          </a:p>
-        </p:txBody>
-      </p:sp>
-      <p:sp>
-        <p:nvSpPr>
-          <p:cNvPr id="26" name="Title 1">
-            <a:extLst>
-              <a:ext uri="{FF2B5EF4-FFF2-40B4-BE49-F238E27FC236}">
-                <a16:creationId xmlns:a16="http://schemas.microsoft.com/office/drawing/2014/main" id="{B9A36588-B7A6-45F2-AF03-244BAA5D3272}"/>
-              </a:ext>
-            </a:extLst>
-          </p:cNvPr>
-          <p:cNvSpPr txBox="1">
-            <a:spLocks/>
-          </p:cNvSpPr>
-          <p:nvPr/>
-        </p:nvSpPr>
-        <p:spPr>
-          <a:xfrm>
-            <a:off x="554990" y="505858"/>
-            <a:ext cx="8534400" cy="560914"/>
-          </a:xfrm>
-          <a:prstGeom prst="rect">
-            <a:avLst/>
-          </a:prstGeom>
-        </p:spPr>
-        <p:txBody>
-          <a:bodyPr vert="horz" lIns="91440" tIns="45720" rIns="91440" bIns="45720" rtlCol="0" anchor="ctr">
+          <a:bodyPr>
             <a:normAutofit/>
           </a:bodyPr>
-          <a:lstStyle>
-            <a:lvl1pPr algn="l" defTabSz="685800" rtl="0" eaLnBrk="1" latinLnBrk="0" hangingPunct="1">
-              <a:lnSpc>
-                <a:spcPct val="90000"/>
-              </a:lnSpc>
-              <a:spcBef>
-                <a:spcPct val="0"/>
-              </a:spcBef>
-              <a:buNone/>
-              <a:defRPr sz="3300" kern="1200">
-                <a:solidFill>
-                  <a:schemeClr val="tx1"/>
-                </a:solidFill>
-                <a:latin typeface="+mj-lt"/>
-                <a:ea typeface="+mj-ea"/>
-                <a:cs typeface="+mj-cs"/>
-              </a:defRPr>
-            </a:lvl1pPr>
-          </a:lstStyle>
-          <a:p>
-            <a:pPr algn="ctr"/>
+          <a:lstStyle/>
+          <a:p>
             <a:r>
               <a:rPr lang="en-US" sz="3200" b="1" dirty="0">
                 <a:solidFill>
@@ -13016,17 +12211,17 @@
                 <a:latin typeface="Times New Roman" panose="02020603050405020304" pitchFamily="18" charset="0"/>
                 <a:cs typeface="Times New Roman" panose="02020603050405020304" pitchFamily="18" charset="0"/>
               </a:rPr>
-              <a:t>III. PHÂN TÍCH &amp; THIẾT KẾ HỆ THỐNG</a:t>
-            </a:r>
-          </a:p>
-        </p:txBody>
-      </p:sp>
-      <p:sp>
-        <p:nvSpPr>
-          <p:cNvPr id="2" name="Slide Number Placeholder 1">
-            <a:extLst>
-              <a:ext uri="{FF2B5EF4-FFF2-40B4-BE49-F238E27FC236}">
-                <a16:creationId xmlns:a16="http://schemas.microsoft.com/office/drawing/2014/main" id="{66F8802A-71EC-4300-AB3B-ECEBC1BAA84F}"/>
+              <a:t>II. CÁC CÔNG CỤ &amp; CÔNG NGHỆ SỬ DỤNG</a:t>
+            </a:r>
+          </a:p>
+        </p:txBody>
+      </p:sp>
+      <p:sp>
+        <p:nvSpPr>
+          <p:cNvPr id="3" name="Slide Number Placeholder 2">
+            <a:extLst>
+              <a:ext uri="{FF2B5EF4-FFF2-40B4-BE49-F238E27FC236}">
+                <a16:creationId xmlns:a16="http://schemas.microsoft.com/office/drawing/2014/main" id="{EED14BFD-F7B8-4722-B7E0-1E6890A6EB31}"/>
               </a:ext>
             </a:extLst>
           </p:cNvPr>
@@ -13053,10 +12248,10 @@
       </p:sp>
       <p:pic>
         <p:nvPicPr>
-          <p:cNvPr id="1026" name="Picture 2" descr="Game Icon 512*512 transprent Png Free Download - Blue, Computer Icon,  Thumb. - CleanPNG / KissPNG">
-            <a:extLst>
-              <a:ext uri="{FF2B5EF4-FFF2-40B4-BE49-F238E27FC236}">
-                <a16:creationId xmlns:a16="http://schemas.microsoft.com/office/drawing/2014/main" id="{5B8E7CC4-F32A-4B6C-B725-009989450537}"/>
+          <p:cNvPr id="1026" name="Picture 2" descr="Android App Development Company, Android Mobile App Development Services |  MintTM">
+            <a:extLst>
+              <a:ext uri="{FF2B5EF4-FFF2-40B4-BE49-F238E27FC236}">
+                <a16:creationId xmlns:a16="http://schemas.microsoft.com/office/drawing/2014/main" id="{BC4BF73F-DA30-48E6-9D4B-851852021201}"/>
               </a:ext>
             </a:extLst>
           </p:cNvPr>
@@ -13080,8 +12275,8 @@
         </p:blipFill>
         <p:spPr bwMode="auto">
           <a:xfrm>
-            <a:off x="3048000" y="2946632"/>
-            <a:ext cx="2595562" cy="2595562"/>
+            <a:off x="685800" y="1140461"/>
+            <a:ext cx="3886200" cy="2388870"/>
           </a:xfrm>
           <a:prstGeom prst="rect">
             <a:avLst/>
@@ -13098,191 +12293,131 @@
           </a:extLst>
         </p:spPr>
       </p:pic>
-      <p:sp>
-        <p:nvSpPr>
-          <p:cNvPr id="6" name="Oval 5">
-            <a:extLst>
-              <a:ext uri="{FF2B5EF4-FFF2-40B4-BE49-F238E27FC236}">
-                <a16:creationId xmlns:a16="http://schemas.microsoft.com/office/drawing/2014/main" id="{993A807A-525D-42CF-8F81-5E1C149F0041}"/>
-              </a:ext>
-            </a:extLst>
-          </p:cNvPr>
-          <p:cNvSpPr/>
+      <p:pic>
+        <p:nvPicPr>
+          <p:cNvPr id="1028" name="Picture 4" descr="C# WinForm Tutorials - DEV">
+            <a:extLst>
+              <a:ext uri="{FF2B5EF4-FFF2-40B4-BE49-F238E27FC236}">
+                <a16:creationId xmlns:a16="http://schemas.microsoft.com/office/drawing/2014/main" id="{B3567ED9-7CA1-4A18-900C-62DA4B390E46}"/>
+              </a:ext>
+            </a:extLst>
+          </p:cNvPr>
+          <p:cNvPicPr>
+            <a:picLocks noChangeAspect="1" noChangeArrowheads="1"/>
+          </p:cNvPicPr>
           <p:nvPr/>
-        </p:nvSpPr>
-        <p:spPr>
+        </p:nvPicPr>
+        <p:blipFill>
+          <a:blip r:embed="rId4" cstate="print">
+            <a:extLst>
+              <a:ext uri="{28A0092B-C50C-407E-A947-70E740481C1C}">
+                <a14:useLocalDpi xmlns:a14="http://schemas.microsoft.com/office/drawing/2010/main" val="0"/>
+              </a:ext>
+            </a:extLst>
+          </a:blip>
+          <a:srcRect/>
+          <a:stretch>
+            <a:fillRect/>
+          </a:stretch>
+        </p:blipFill>
+        <p:spPr bwMode="auto">
           <a:xfrm>
-            <a:off x="4295553" y="1447800"/>
-            <a:ext cx="1348009" cy="762000"/>
+            <a:off x="977409" y="4274008"/>
+            <a:ext cx="3081867" cy="1733550"/>
           </a:xfrm>
-          <a:prstGeom prst="ellipse">
+          <a:prstGeom prst="rect">
             <a:avLst/>
           </a:prstGeom>
           <a:noFill/>
-          <a:ln w="9525" cap="flat" cmpd="sng" algn="ctr">
-            <a:solidFill>
-              <a:schemeClr val="accent2"/>
-            </a:solidFill>
-            <a:prstDash val="solid"/>
-            <a:round/>
-            <a:headEnd type="none" w="med" len="med"/>
-            <a:tailEnd type="none" w="med" len="med"/>
-          </a:ln>
+          <a:extLst>
+            <a:ext uri="{909E8E84-426E-40DD-AFC4-6F175D3DCCD1}">
+              <a14:hiddenFill xmlns:a14="http://schemas.microsoft.com/office/drawing/2010/main">
+                <a:solidFill>
+                  <a:srgbClr val="FFFFFF"/>
+                </a:solidFill>
+              </a14:hiddenFill>
+            </a:ext>
+          </a:extLst>
         </p:spPr>
-        <p:style>
-          <a:lnRef idx="0">
-            <a:scrgbClr r="0" g="0" b="0"/>
-          </a:lnRef>
-          <a:fillRef idx="0">
-            <a:scrgbClr r="0" g="0" b="0"/>
-          </a:fillRef>
-          <a:effectRef idx="0">
-            <a:scrgbClr r="0" g="0" b="0"/>
-          </a:effectRef>
-          <a:fontRef idx="minor">
-            <a:schemeClr val="accent2"/>
-          </a:fontRef>
-        </p:style>
-        <p:txBody>
-          <a:bodyPr rtlCol="0" anchor="ctr"/>
-          <a:lstStyle/>
-          <a:p>
-            <a:pPr algn="ctr"/>
-            <a:r>
-              <a:rPr lang="en-US" dirty="0" err="1"/>
-              <a:t>Đăng</a:t>
-            </a:r>
-            <a:r>
-              <a:rPr lang="en-US" dirty="0"/>
-              <a:t> </a:t>
-            </a:r>
-            <a:r>
-              <a:rPr lang="en-US" dirty="0" err="1"/>
-              <a:t>ký</a:t>
-            </a:r>
-            <a:endParaRPr lang="en-US" dirty="0"/>
-          </a:p>
-        </p:txBody>
-      </p:sp>
-      <p:sp>
-        <p:nvSpPr>
-          <p:cNvPr id="11" name="Oval 10">
-            <a:extLst>
-              <a:ext uri="{FF2B5EF4-FFF2-40B4-BE49-F238E27FC236}">
-                <a16:creationId xmlns:a16="http://schemas.microsoft.com/office/drawing/2014/main" id="{48926154-4D4C-4842-B777-B8D1F0D462ED}"/>
-              </a:ext>
-            </a:extLst>
-          </p:cNvPr>
-          <p:cNvSpPr/>
+      </p:pic>
+      <p:pic>
+        <p:nvPicPr>
+          <p:cNvPr id="1030" name="Picture 6" descr="Simplify the interconnection between ⚡energy systems, ⚙️machines and  👨‍🔧people. The power of WEB APIs and MQTT. - Electrex - the energy saving  technology">
+            <a:extLst>
+              <a:ext uri="{FF2B5EF4-FFF2-40B4-BE49-F238E27FC236}">
+                <a16:creationId xmlns:a16="http://schemas.microsoft.com/office/drawing/2014/main" id="{BDECA7D5-C605-4DAE-B714-C3C534007F22}"/>
+              </a:ext>
+            </a:extLst>
+          </p:cNvPr>
+          <p:cNvPicPr>
+            <a:picLocks noChangeAspect="1" noChangeArrowheads="1"/>
+          </p:cNvPicPr>
           <p:nvPr/>
-        </p:nvSpPr>
-        <p:spPr>
+        </p:nvPicPr>
+        <p:blipFill>
+          <a:blip r:embed="rId5">
+            <a:extLst>
+              <a:ext uri="{28A0092B-C50C-407E-A947-70E740481C1C}">
+                <a14:useLocalDpi xmlns:a14="http://schemas.microsoft.com/office/drawing/2010/main" val="0"/>
+              </a:ext>
+            </a:extLst>
+          </a:blip>
+          <a:srcRect/>
+          <a:stretch>
+            <a:fillRect/>
+          </a:stretch>
+        </p:blipFill>
+        <p:spPr bwMode="auto">
           <a:xfrm>
-            <a:off x="5867400" y="2184632"/>
-            <a:ext cx="1348009" cy="762000"/>
+            <a:off x="5595619" y="609600"/>
+            <a:ext cx="2919731" cy="2919731"/>
           </a:xfrm>
-          <a:prstGeom prst="ellipse">
+          <a:prstGeom prst="rect">
             <a:avLst/>
           </a:prstGeom>
           <a:noFill/>
-          <a:ln w="9525" cap="flat" cmpd="sng" algn="ctr">
-            <a:solidFill>
-              <a:schemeClr val="accent2"/>
-            </a:solidFill>
-            <a:prstDash val="solid"/>
-            <a:round/>
-            <a:headEnd type="none" w="med" len="med"/>
-            <a:tailEnd type="none" w="med" len="med"/>
-          </a:ln>
+          <a:extLst>
+            <a:ext uri="{909E8E84-426E-40DD-AFC4-6F175D3DCCD1}">
+              <a14:hiddenFill xmlns:a14="http://schemas.microsoft.com/office/drawing/2010/main">
+                <a:solidFill>
+                  <a:srgbClr val="FFFFFF"/>
+                </a:solidFill>
+              </a14:hiddenFill>
+            </a:ext>
+          </a:extLst>
         </p:spPr>
-        <p:style>
-          <a:lnRef idx="0">
-            <a:scrgbClr r="0" g="0" b="0"/>
-          </a:lnRef>
-          <a:fillRef idx="0">
-            <a:scrgbClr r="0" g="0" b="0"/>
-          </a:fillRef>
-          <a:effectRef idx="0">
-            <a:scrgbClr r="0" g="0" b="0"/>
-          </a:effectRef>
-          <a:fontRef idx="minor">
-            <a:schemeClr val="accent2"/>
-          </a:fontRef>
-        </p:style>
-        <p:txBody>
-          <a:bodyPr rtlCol="0" anchor="ctr"/>
-          <a:lstStyle/>
-          <a:p>
-            <a:pPr algn="ctr"/>
-            <a:r>
-              <a:rPr lang="en-US" dirty="0" err="1"/>
-              <a:t>Đăng</a:t>
-            </a:r>
-            <a:r>
-              <a:rPr lang="en-US" dirty="0"/>
-              <a:t> </a:t>
-            </a:r>
-            <a:r>
-              <a:rPr lang="en-US" dirty="0" err="1"/>
-              <a:t>nhập</a:t>
-            </a:r>
-            <a:endParaRPr lang="en-US" dirty="0"/>
-          </a:p>
-        </p:txBody>
-      </p:sp>
-      <p:sp>
-        <p:nvSpPr>
-          <p:cNvPr id="12" name="Oval 11">
-            <a:extLst>
-              <a:ext uri="{FF2B5EF4-FFF2-40B4-BE49-F238E27FC236}">
-                <a16:creationId xmlns:a16="http://schemas.microsoft.com/office/drawing/2014/main" id="{8FEFB349-D743-41E6-B77F-27355C81A2B4}"/>
-              </a:ext>
-            </a:extLst>
-          </p:cNvPr>
-          <p:cNvSpPr/>
+      </p:pic>
+      <p:sp>
+        <p:nvSpPr>
+          <p:cNvPr id="4" name="TextBox 3">
+            <a:extLst>
+              <a:ext uri="{FF2B5EF4-FFF2-40B4-BE49-F238E27FC236}">
+                <a16:creationId xmlns:a16="http://schemas.microsoft.com/office/drawing/2014/main" id="{D30B7745-9284-4148-81B4-45222269E321}"/>
+              </a:ext>
+            </a:extLst>
+          </p:cNvPr>
+          <p:cNvSpPr txBox="1"/>
           <p:nvPr/>
         </p:nvSpPr>
         <p:spPr>
           <a:xfrm>
-            <a:off x="6731742" y="3216261"/>
-            <a:ext cx="2057401" cy="990600"/>
+            <a:off x="1379903" y="6222010"/>
+            <a:ext cx="2385781" cy="369332"/>
           </a:xfrm>
-          <a:prstGeom prst="ellipse">
+          <a:prstGeom prst="rect">
             <a:avLst/>
           </a:prstGeom>
           <a:noFill/>
-          <a:ln w="9525" cap="flat" cmpd="sng" algn="ctr">
-            <a:solidFill>
-              <a:schemeClr val="accent2"/>
-            </a:solidFill>
-            <a:prstDash val="solid"/>
-            <a:round/>
-            <a:headEnd type="none" w="med" len="med"/>
-            <a:tailEnd type="none" w="med" len="med"/>
-          </a:ln>
         </p:spPr>
-        <p:style>
-          <a:lnRef idx="0">
-            <a:scrgbClr r="0" g="0" b="0"/>
-          </a:lnRef>
-          <a:fillRef idx="0">
-            <a:scrgbClr r="0" g="0" b="0"/>
-          </a:fillRef>
-          <a:effectRef idx="0">
-            <a:scrgbClr r="0" g="0" b="0"/>
-          </a:effectRef>
-          <a:fontRef idx="minor">
-            <a:schemeClr val="accent2"/>
-          </a:fontRef>
-        </p:style>
-        <p:txBody>
-          <a:bodyPr rtlCol="0" anchor="ctr"/>
-          <a:lstStyle/>
-          <a:p>
-            <a:pPr algn="ctr"/>
-            <a:r>
-              <a:rPr lang="en-US" dirty="0" err="1"/>
-              <a:t>Xem</a:t>
+        <p:txBody>
+          <a:bodyPr wrap="none" rtlCol="0">
+            <a:spAutoFit/>
+          </a:bodyPr>
+          <a:lstStyle/>
+          <a:p>
+            <a:r>
+              <a:rPr lang="en-US" b="1" dirty="0" err="1"/>
+              <a:t>Winform</a:t>
             </a:r>
             <a:r>
               <a:rPr lang="en-US" dirty="0"/>
@@ -13290,15 +12425,7 @@
             </a:r>
             <a:r>
               <a:rPr lang="en-US" dirty="0" err="1"/>
-              <a:t>thông</a:t>
-            </a:r>
-            <a:r>
-              <a:rPr lang="en-US" dirty="0"/>
-              <a:t> tin </a:t>
-            </a:r>
-            <a:r>
-              <a:rPr lang="en-US" dirty="0" err="1"/>
-              <a:t>sản</a:t>
+              <a:t>cho</a:t>
             </a:r>
             <a:r>
               <a:rPr lang="en-US" dirty="0"/>
@@ -13306,7 +12433,15 @@
             </a:r>
             <a:r>
               <a:rPr lang="en-US" dirty="0" err="1"/>
-              <a:t>phẩm</a:t>
+              <a:t>nhân</a:t>
+            </a:r>
+            <a:r>
+              <a:rPr lang="en-US" dirty="0"/>
+              <a:t> </a:t>
+            </a:r>
+            <a:r>
+              <a:rPr lang="en-US" dirty="0" err="1"/>
+              <a:t>viên</a:t>
             </a:r>
             <a:endParaRPr lang="en-US" dirty="0"/>
           </a:p>
@@ -13314,57 +12449,35 @@
       </p:sp>
       <p:sp>
         <p:nvSpPr>
-          <p:cNvPr id="14" name="Oval 13">
-            <a:extLst>
-              <a:ext uri="{FF2B5EF4-FFF2-40B4-BE49-F238E27FC236}">
-                <a16:creationId xmlns:a16="http://schemas.microsoft.com/office/drawing/2014/main" id="{3438505F-2B14-46BE-85AB-447FA045C540}"/>
-              </a:ext>
-            </a:extLst>
-          </p:cNvPr>
-          <p:cNvSpPr/>
+          <p:cNvPr id="9" name="TextBox 8">
+            <a:extLst>
+              <a:ext uri="{FF2B5EF4-FFF2-40B4-BE49-F238E27FC236}">
+                <a16:creationId xmlns:a16="http://schemas.microsoft.com/office/drawing/2014/main" id="{7DB5AD82-5F81-42A6-B473-8FFBA892C243}"/>
+              </a:ext>
+            </a:extLst>
+          </p:cNvPr>
+          <p:cNvSpPr txBox="1"/>
           <p:nvPr/>
         </p:nvSpPr>
         <p:spPr>
           <a:xfrm>
-            <a:off x="6705600" y="4664850"/>
-            <a:ext cx="1348009" cy="762000"/>
+            <a:off x="1384616" y="3434876"/>
+            <a:ext cx="2454005" cy="369332"/>
           </a:xfrm>
-          <a:prstGeom prst="ellipse">
+          <a:prstGeom prst="rect">
             <a:avLst/>
           </a:prstGeom>
           <a:noFill/>
-          <a:ln w="9525" cap="flat" cmpd="sng" algn="ctr">
-            <a:solidFill>
-              <a:schemeClr val="accent2"/>
-            </a:solidFill>
-            <a:prstDash val="solid"/>
-            <a:round/>
-            <a:headEnd type="none" w="med" len="med"/>
-            <a:tailEnd type="none" w="med" len="med"/>
-          </a:ln>
         </p:spPr>
-        <p:style>
-          <a:lnRef idx="0">
-            <a:scrgbClr r="0" g="0" b="0"/>
-          </a:lnRef>
-          <a:fillRef idx="0">
-            <a:scrgbClr r="0" g="0" b="0"/>
-          </a:fillRef>
-          <a:effectRef idx="0">
-            <a:scrgbClr r="0" g="0" b="0"/>
-          </a:effectRef>
-          <a:fontRef idx="minor">
-            <a:schemeClr val="accent2"/>
-          </a:fontRef>
-        </p:style>
-        <p:txBody>
-          <a:bodyPr rtlCol="0" anchor="ctr"/>
-          <a:lstStyle/>
-          <a:p>
-            <a:pPr algn="ctr"/>
-            <a:r>
-              <a:rPr lang="en-US" dirty="0" err="1"/>
-              <a:t>Đặt</a:t>
+        <p:txBody>
+          <a:bodyPr wrap="none" rtlCol="0">
+            <a:spAutoFit/>
+          </a:bodyPr>
+          <a:lstStyle/>
+          <a:p>
+            <a:r>
+              <a:rPr lang="en-US" b="1" dirty="0"/>
+              <a:t>Android</a:t>
             </a:r>
             <a:r>
               <a:rPr lang="en-US" dirty="0"/>
@@ -13372,890 +12485,309 @@
             </a:r>
             <a:r>
               <a:rPr lang="en-US" dirty="0" err="1"/>
+              <a:t>cho</a:t>
+            </a:r>
+            <a:r>
+              <a:rPr lang="en-US" dirty="0"/>
+              <a:t> </a:t>
+            </a:r>
+            <a:r>
+              <a:rPr lang="en-US" dirty="0" err="1"/>
+              <a:t>khách</a:t>
+            </a:r>
+            <a:r>
+              <a:rPr lang="en-US" dirty="0"/>
+              <a:t> </a:t>
+            </a:r>
+            <a:r>
+              <a:rPr lang="en-US" dirty="0" err="1"/>
               <a:t>hàng</a:t>
             </a:r>
             <a:endParaRPr lang="en-US" dirty="0"/>
           </a:p>
         </p:txBody>
       </p:sp>
-      <p:sp>
-        <p:nvSpPr>
-          <p:cNvPr id="15" name="Oval 14">
-            <a:extLst>
-              <a:ext uri="{FF2B5EF4-FFF2-40B4-BE49-F238E27FC236}">
-                <a16:creationId xmlns:a16="http://schemas.microsoft.com/office/drawing/2014/main" id="{617747D3-8F87-4AA8-A1EA-876D7E6850F9}"/>
-              </a:ext>
-            </a:extLst>
-          </p:cNvPr>
-          <p:cNvSpPr/>
+      <p:pic>
+        <p:nvPicPr>
+          <p:cNvPr id="1032" name="Picture 8" descr="Cloud and SQL Database Integration - UniSecure Datacenters Blog">
+            <a:extLst>
+              <a:ext uri="{FF2B5EF4-FFF2-40B4-BE49-F238E27FC236}">
+                <a16:creationId xmlns:a16="http://schemas.microsoft.com/office/drawing/2014/main" id="{E74CE06F-C7FC-473C-8E4E-F995211E1603}"/>
+              </a:ext>
+            </a:extLst>
+          </p:cNvPr>
+          <p:cNvPicPr>
+            <a:picLocks noChangeAspect="1" noChangeArrowheads="1"/>
+          </p:cNvPicPr>
           <p:nvPr/>
-        </p:nvSpPr>
-        <p:spPr>
+        </p:nvPicPr>
+        <p:blipFill>
+          <a:blip r:embed="rId6">
+            <a:extLst>
+              <a:ext uri="{28A0092B-C50C-407E-A947-70E740481C1C}">
+                <a14:useLocalDpi xmlns:a14="http://schemas.microsoft.com/office/drawing/2010/main" val="0"/>
+              </a:ext>
+            </a:extLst>
+          </a:blip>
+          <a:srcRect/>
+          <a:stretch>
+            <a:fillRect/>
+          </a:stretch>
+        </p:blipFill>
+        <p:spPr bwMode="auto">
           <a:xfrm>
-            <a:off x="2189103" y="1782970"/>
-            <a:ext cx="1348009" cy="762000"/>
+            <a:off x="6043931" y="3643109"/>
+            <a:ext cx="2667000" cy="2667000"/>
           </a:xfrm>
-          <a:prstGeom prst="ellipse">
+          <a:prstGeom prst="rect">
             <a:avLst/>
           </a:prstGeom>
           <a:noFill/>
-          <a:ln w="9525" cap="flat" cmpd="sng" algn="ctr">
-            <a:solidFill>
-              <a:schemeClr val="accent2"/>
-            </a:solidFill>
-            <a:prstDash val="solid"/>
-            <a:round/>
-            <a:headEnd type="none" w="med" len="med"/>
-            <a:tailEnd type="none" w="med" len="med"/>
-          </a:ln>
+          <a:extLst>
+            <a:ext uri="{909E8E84-426E-40DD-AFC4-6F175D3DCCD1}">
+              <a14:hiddenFill xmlns:a14="http://schemas.microsoft.com/office/drawing/2010/main">
+                <a:solidFill>
+                  <a:srgbClr val="FFFFFF"/>
+                </a:solidFill>
+              </a14:hiddenFill>
+            </a:ext>
+          </a:extLst>
+        </p:spPr>
+      </p:pic>
+      <p:sp>
+        <p:nvSpPr>
+          <p:cNvPr id="5" name="Arrow: Up-Down 4">
+            <a:extLst>
+              <a:ext uri="{FF2B5EF4-FFF2-40B4-BE49-F238E27FC236}">
+                <a16:creationId xmlns:a16="http://schemas.microsoft.com/office/drawing/2014/main" id="{2F020513-085A-4605-B196-542D222110C3}"/>
+              </a:ext>
+            </a:extLst>
+          </p:cNvPr>
+          <p:cNvSpPr/>
+          <p:nvPr/>
+        </p:nvSpPr>
+        <p:spPr>
+          <a:xfrm>
+            <a:off x="6765916" y="2895599"/>
+            <a:ext cx="259716" cy="633731"/>
+          </a:xfrm>
+          <a:prstGeom prst="upDownArrow">
+            <a:avLst/>
+          </a:prstGeom>
         </p:spPr>
         <p:style>
-          <a:lnRef idx="0">
-            <a:scrgbClr r="0" g="0" b="0"/>
+          <a:lnRef idx="2">
+            <a:schemeClr val="accent1">
+              <a:shade val="50000"/>
+            </a:schemeClr>
           </a:lnRef>
-          <a:fillRef idx="0">
-            <a:scrgbClr r="0" g="0" b="0"/>
-          </a:fillRef>
-          <a:effectRef idx="0">
-            <a:scrgbClr r="0" g="0" b="0"/>
-          </a:effectRef>
-          <a:fontRef idx="minor">
-            <a:schemeClr val="accent2"/>
-          </a:fontRef>
-        </p:style>
-        <p:txBody>
-          <a:bodyPr rtlCol="0" anchor="ctr"/>
-          <a:lstStyle/>
-          <a:p>
-            <a:pPr algn="ctr"/>
-            <a:r>
-              <a:rPr lang="en-US" dirty="0" err="1"/>
-              <a:t>Xem</a:t>
-            </a:r>
-            <a:r>
-              <a:rPr lang="en-US" dirty="0"/>
-              <a:t> </a:t>
-            </a:r>
-            <a:r>
-              <a:rPr lang="en-US" dirty="0" err="1"/>
-              <a:t>giỏ</a:t>
-            </a:r>
-            <a:r>
-              <a:rPr lang="en-US" dirty="0"/>
-              <a:t> </a:t>
-            </a:r>
-            <a:r>
-              <a:rPr lang="en-US" dirty="0" err="1"/>
-              <a:t>hàng</a:t>
-            </a:r>
-            <a:endParaRPr lang="en-US" dirty="0"/>
-          </a:p>
-        </p:txBody>
-      </p:sp>
-      <p:sp>
-        <p:nvSpPr>
-          <p:cNvPr id="16" name="Oval 15">
-            <a:extLst>
-              <a:ext uri="{FF2B5EF4-FFF2-40B4-BE49-F238E27FC236}">
-                <a16:creationId xmlns:a16="http://schemas.microsoft.com/office/drawing/2014/main" id="{9F4374E9-4386-48FC-B527-99AAE60C2EE9}"/>
-              </a:ext>
-            </a:extLst>
-          </p:cNvPr>
-          <p:cNvSpPr/>
-          <p:nvPr/>
-        </p:nvSpPr>
-        <p:spPr>
-          <a:xfrm>
-            <a:off x="722474" y="5521902"/>
-            <a:ext cx="1348009" cy="762000"/>
-          </a:xfrm>
-          <a:prstGeom prst="ellipse">
-            <a:avLst/>
-          </a:prstGeom>
-          <a:noFill/>
-          <a:ln w="9525" cap="flat" cmpd="sng" algn="ctr">
-            <a:solidFill>
-              <a:schemeClr val="accent2"/>
-            </a:solidFill>
-            <a:prstDash val="solid"/>
-            <a:round/>
-            <a:headEnd type="none" w="med" len="med"/>
-            <a:tailEnd type="none" w="med" len="med"/>
-          </a:ln>
-        </p:spPr>
-        <p:style>
-          <a:lnRef idx="0">
-            <a:scrgbClr r="0" g="0" b="0"/>
-          </a:lnRef>
-          <a:fillRef idx="0">
-            <a:scrgbClr r="0" g="0" b="0"/>
-          </a:fillRef>
-          <a:effectRef idx="0">
-            <a:scrgbClr r="0" g="0" b="0"/>
-          </a:effectRef>
-          <a:fontRef idx="minor">
-            <a:schemeClr val="accent2"/>
-          </a:fontRef>
-        </p:style>
-        <p:txBody>
-          <a:bodyPr rtlCol="0" anchor="ctr"/>
-          <a:lstStyle/>
-          <a:p>
-            <a:pPr algn="ctr"/>
-            <a:r>
-              <a:rPr lang="en-US" dirty="0" err="1"/>
-              <a:t>Bình</a:t>
-            </a:r>
-            <a:r>
-              <a:rPr lang="en-US" dirty="0"/>
-              <a:t> </a:t>
-            </a:r>
-            <a:r>
-              <a:rPr lang="en-US" dirty="0" err="1"/>
-              <a:t>luận</a:t>
-            </a:r>
-            <a:endParaRPr lang="en-US" dirty="0"/>
-          </a:p>
-        </p:txBody>
-      </p:sp>
-      <p:sp>
-        <p:nvSpPr>
-          <p:cNvPr id="17" name="Oval 16">
-            <a:extLst>
-              <a:ext uri="{FF2B5EF4-FFF2-40B4-BE49-F238E27FC236}">
-                <a16:creationId xmlns:a16="http://schemas.microsoft.com/office/drawing/2014/main" id="{AFDABD74-A397-470A-AD91-40C2541EB65A}"/>
-              </a:ext>
-            </a:extLst>
-          </p:cNvPr>
-          <p:cNvSpPr/>
-          <p:nvPr/>
-        </p:nvSpPr>
-        <p:spPr>
-          <a:xfrm>
-            <a:off x="317046" y="4032984"/>
-            <a:ext cx="1940966" cy="870026"/>
-          </a:xfrm>
-          <a:prstGeom prst="ellipse">
-            <a:avLst/>
-          </a:prstGeom>
-          <a:noFill/>
-          <a:ln w="9525" cap="flat" cmpd="sng" algn="ctr">
-            <a:solidFill>
-              <a:schemeClr val="accent2"/>
-            </a:solidFill>
-            <a:prstDash val="solid"/>
-            <a:round/>
-            <a:headEnd type="none" w="med" len="med"/>
-            <a:tailEnd type="none" w="med" len="med"/>
-          </a:ln>
-        </p:spPr>
-        <p:style>
-          <a:lnRef idx="0">
-            <a:scrgbClr r="0" g="0" b="0"/>
-          </a:lnRef>
-          <a:fillRef idx="0">
-            <a:scrgbClr r="0" g="0" b="0"/>
-          </a:fillRef>
-          <a:effectRef idx="0">
-            <a:scrgbClr r="0" g="0" b="0"/>
-          </a:effectRef>
-          <a:fontRef idx="minor">
-            <a:schemeClr val="accent2"/>
-          </a:fontRef>
-        </p:style>
-        <p:txBody>
-          <a:bodyPr rtlCol="0" anchor="ctr"/>
-          <a:lstStyle/>
-          <a:p>
-            <a:pPr algn="ctr"/>
-            <a:r>
-              <a:rPr lang="en-US" dirty="0" err="1"/>
-              <a:t>Xem</a:t>
-            </a:r>
-            <a:r>
-              <a:rPr lang="en-US" dirty="0"/>
-              <a:t> </a:t>
-            </a:r>
-            <a:r>
-              <a:rPr lang="en-US" dirty="0" err="1"/>
-              <a:t>sản</a:t>
-            </a:r>
-            <a:r>
-              <a:rPr lang="en-US" dirty="0"/>
-              <a:t> </a:t>
-            </a:r>
-            <a:r>
-              <a:rPr lang="en-US" dirty="0" err="1"/>
-              <a:t>phẩm</a:t>
-            </a:r>
-            <a:r>
-              <a:rPr lang="en-US" dirty="0"/>
-              <a:t> </a:t>
-            </a:r>
-            <a:r>
-              <a:rPr lang="en-US" dirty="0" err="1"/>
-              <a:t>yêu</a:t>
-            </a:r>
-            <a:r>
-              <a:rPr lang="en-US" dirty="0"/>
-              <a:t> </a:t>
-            </a:r>
-            <a:r>
-              <a:rPr lang="en-US" dirty="0" err="1"/>
-              <a:t>thích</a:t>
-            </a:r>
-            <a:endParaRPr lang="en-US" dirty="0"/>
-          </a:p>
-        </p:txBody>
-      </p:sp>
-      <p:sp>
-        <p:nvSpPr>
-          <p:cNvPr id="18" name="Oval 17">
-            <a:extLst>
-              <a:ext uri="{FF2B5EF4-FFF2-40B4-BE49-F238E27FC236}">
-                <a16:creationId xmlns:a16="http://schemas.microsoft.com/office/drawing/2014/main" id="{CBEC55D1-C841-4AEF-BC88-6B6D421A5BA1}"/>
-              </a:ext>
-            </a:extLst>
-          </p:cNvPr>
-          <p:cNvSpPr/>
-          <p:nvPr/>
-        </p:nvSpPr>
-        <p:spPr>
-          <a:xfrm>
-            <a:off x="939855" y="2836875"/>
-            <a:ext cx="1348009" cy="762000"/>
-          </a:xfrm>
-          <a:prstGeom prst="ellipse">
-            <a:avLst/>
-          </a:prstGeom>
-          <a:noFill/>
-          <a:ln w="9525" cap="flat" cmpd="sng" algn="ctr">
-            <a:solidFill>
-              <a:schemeClr val="accent2"/>
-            </a:solidFill>
-            <a:prstDash val="solid"/>
-            <a:round/>
-            <a:headEnd type="none" w="med" len="med"/>
-            <a:tailEnd type="none" w="med" len="med"/>
-          </a:ln>
-        </p:spPr>
-        <p:style>
-          <a:lnRef idx="0">
-            <a:scrgbClr r="0" g="0" b="0"/>
-          </a:lnRef>
-          <a:fillRef idx="0">
-            <a:scrgbClr r="0" g="0" b="0"/>
-          </a:fillRef>
-          <a:effectRef idx="0">
-            <a:scrgbClr r="0" g="0" b="0"/>
-          </a:effectRef>
-          <a:fontRef idx="minor">
-            <a:schemeClr val="accent2"/>
-          </a:fontRef>
-        </p:style>
-        <p:txBody>
-          <a:bodyPr rtlCol="0" anchor="ctr"/>
-          <a:lstStyle/>
-          <a:p>
-            <a:pPr algn="ctr"/>
-            <a:r>
-              <a:rPr lang="en-US" dirty="0"/>
-              <a:t>Thanh </a:t>
-            </a:r>
-            <a:r>
-              <a:rPr lang="en-US" dirty="0" err="1"/>
-              <a:t>toán</a:t>
-            </a:r>
-            <a:endParaRPr lang="en-US" dirty="0"/>
-          </a:p>
-        </p:txBody>
-      </p:sp>
-      <p:sp>
-        <p:nvSpPr>
-          <p:cNvPr id="19" name="Oval 18">
-            <a:extLst>
-              <a:ext uri="{FF2B5EF4-FFF2-40B4-BE49-F238E27FC236}">
-                <a16:creationId xmlns:a16="http://schemas.microsoft.com/office/drawing/2014/main" id="{F52257AC-7B60-40B1-BF96-AD60AA792271}"/>
-              </a:ext>
-            </a:extLst>
-          </p:cNvPr>
-          <p:cNvSpPr/>
-          <p:nvPr/>
-        </p:nvSpPr>
-        <p:spPr>
-          <a:xfrm>
-            <a:off x="2686051" y="5840385"/>
-            <a:ext cx="2057400" cy="762000"/>
-          </a:xfrm>
-          <a:prstGeom prst="ellipse">
-            <a:avLst/>
-          </a:prstGeom>
-          <a:noFill/>
-          <a:ln w="9525" cap="flat" cmpd="sng" algn="ctr">
-            <a:solidFill>
-              <a:schemeClr val="accent2"/>
-            </a:solidFill>
-            <a:prstDash val="solid"/>
-            <a:round/>
-            <a:headEnd type="none" w="med" len="med"/>
-            <a:tailEnd type="none" w="med" len="med"/>
-          </a:ln>
-        </p:spPr>
-        <p:style>
-          <a:lnRef idx="0">
-            <a:scrgbClr r="0" g="0" b="0"/>
-          </a:lnRef>
-          <a:fillRef idx="0">
-            <a:scrgbClr r="0" g="0" b="0"/>
-          </a:fillRef>
-          <a:effectRef idx="0">
-            <a:scrgbClr r="0" g="0" b="0"/>
-          </a:effectRef>
-          <a:fontRef idx="minor">
-            <a:schemeClr val="accent2"/>
-          </a:fontRef>
-        </p:style>
-        <p:txBody>
-          <a:bodyPr rtlCol="0" anchor="ctr"/>
-          <a:lstStyle/>
-          <a:p>
-            <a:pPr algn="ctr"/>
-            <a:r>
-              <a:rPr lang="en-US" dirty="0" err="1"/>
-              <a:t>Viết</a:t>
-            </a:r>
-            <a:r>
-              <a:rPr lang="en-US" dirty="0"/>
-              <a:t> </a:t>
-            </a:r>
-            <a:r>
-              <a:rPr lang="en-US" dirty="0" err="1"/>
-              <a:t>đánh</a:t>
-            </a:r>
-            <a:r>
-              <a:rPr lang="en-US" dirty="0"/>
-              <a:t> </a:t>
-            </a:r>
-            <a:r>
-              <a:rPr lang="en-US" dirty="0" err="1"/>
-              <a:t>giá</a:t>
-            </a:r>
-            <a:r>
-              <a:rPr lang="en-US" dirty="0"/>
-              <a:t> </a:t>
-            </a:r>
-            <a:r>
-              <a:rPr lang="en-US" dirty="0" err="1"/>
-              <a:t>sp</a:t>
-            </a:r>
-            <a:endParaRPr lang="en-US" dirty="0"/>
-          </a:p>
-        </p:txBody>
-      </p:sp>
-      <p:sp>
-        <p:nvSpPr>
-          <p:cNvPr id="20" name="Oval 19">
-            <a:extLst>
-              <a:ext uri="{FF2B5EF4-FFF2-40B4-BE49-F238E27FC236}">
-                <a16:creationId xmlns:a16="http://schemas.microsoft.com/office/drawing/2014/main" id="{C7158DBF-E8E3-4B80-9D30-1BC19B1F857F}"/>
-              </a:ext>
-            </a:extLst>
-          </p:cNvPr>
-          <p:cNvSpPr/>
-          <p:nvPr/>
-        </p:nvSpPr>
-        <p:spPr>
-          <a:xfrm>
-            <a:off x="5433962" y="5859716"/>
-            <a:ext cx="2595561" cy="762000"/>
-          </a:xfrm>
-          <a:prstGeom prst="ellipse">
-            <a:avLst/>
-          </a:prstGeom>
-          <a:noFill/>
-          <a:ln w="9525" cap="flat" cmpd="sng" algn="ctr">
-            <a:solidFill>
-              <a:schemeClr val="accent2"/>
-            </a:solidFill>
-            <a:prstDash val="solid"/>
-            <a:round/>
-            <a:headEnd type="none" w="med" len="med"/>
-            <a:tailEnd type="none" w="med" len="med"/>
-          </a:ln>
-        </p:spPr>
-        <p:style>
-          <a:lnRef idx="0">
-            <a:scrgbClr r="0" g="0" b="0"/>
-          </a:lnRef>
-          <a:fillRef idx="0">
-            <a:scrgbClr r="0" g="0" b="0"/>
-          </a:fillRef>
-          <a:effectRef idx="0">
-            <a:scrgbClr r="0" g="0" b="0"/>
-          </a:effectRef>
-          <a:fontRef idx="minor">
-            <a:schemeClr val="accent2"/>
-          </a:fontRef>
-        </p:style>
-        <p:txBody>
-          <a:bodyPr rtlCol="0" anchor="ctr"/>
-          <a:lstStyle/>
-          <a:p>
-            <a:pPr algn="ctr"/>
-            <a:r>
-              <a:rPr lang="en-US" dirty="0" err="1"/>
-              <a:t>Tìm</a:t>
-            </a:r>
-            <a:r>
-              <a:rPr lang="en-US" dirty="0"/>
-              <a:t> </a:t>
-            </a:r>
-            <a:r>
-              <a:rPr lang="en-US" dirty="0" err="1"/>
-              <a:t>kiếm</a:t>
-            </a:r>
-            <a:r>
-              <a:rPr lang="en-US" dirty="0"/>
-              <a:t>, filter </a:t>
-            </a:r>
-            <a:r>
-              <a:rPr lang="en-US" dirty="0" err="1"/>
-              <a:t>sản</a:t>
-            </a:r>
-            <a:r>
-              <a:rPr lang="en-US" dirty="0"/>
-              <a:t> </a:t>
-            </a:r>
-            <a:r>
-              <a:rPr lang="en-US" dirty="0" err="1"/>
-              <a:t>phẩm</a:t>
-            </a:r>
-            <a:endParaRPr lang="en-US" dirty="0"/>
-          </a:p>
-        </p:txBody>
-      </p:sp>
-      <p:cxnSp>
-        <p:nvCxnSpPr>
-          <p:cNvPr id="9" name="Straight Arrow Connector 8">
-            <a:extLst>
-              <a:ext uri="{FF2B5EF4-FFF2-40B4-BE49-F238E27FC236}">
-                <a16:creationId xmlns:a16="http://schemas.microsoft.com/office/drawing/2014/main" id="{F27B2BDB-C98E-40DB-9A63-DB2AA497478E}"/>
-              </a:ext>
-            </a:extLst>
-          </p:cNvPr>
-          <p:cNvCxnSpPr>
-            <a:cxnSpLocks/>
-            <a:stCxn id="1026" idx="0"/>
-            <a:endCxn id="15" idx="6"/>
-          </p:cNvCxnSpPr>
-          <p:nvPr/>
-        </p:nvCxnSpPr>
-        <p:spPr>
-          <a:xfrm flipH="1" flipV="1">
-            <a:off x="3537112" y="2163970"/>
-            <a:ext cx="808669" cy="782662"/>
-          </a:xfrm>
-          <a:prstGeom prst="straightConnector1">
-            <a:avLst/>
-          </a:prstGeom>
-          <a:ln>
-            <a:tailEnd type="triangle"/>
-          </a:ln>
-        </p:spPr>
-        <p:style>
-          <a:lnRef idx="1">
-            <a:schemeClr val="accent1"/>
-          </a:lnRef>
-          <a:fillRef idx="0">
+          <a:fillRef idx="1">
             <a:schemeClr val="accent1"/>
           </a:fillRef>
           <a:effectRef idx="0">
             <a:schemeClr val="accent1"/>
           </a:effectRef>
           <a:fontRef idx="minor">
-            <a:schemeClr val="tx1"/>
+            <a:schemeClr val="lt1"/>
           </a:fontRef>
         </p:style>
-      </p:cxnSp>
-      <p:cxnSp>
-        <p:nvCxnSpPr>
-          <p:cNvPr id="23" name="Straight Arrow Connector 22">
-            <a:extLst>
-              <a:ext uri="{FF2B5EF4-FFF2-40B4-BE49-F238E27FC236}">
-                <a16:creationId xmlns:a16="http://schemas.microsoft.com/office/drawing/2014/main" id="{8CE50BC6-15EC-4181-BF32-5B133D20B87D}"/>
-              </a:ext>
-            </a:extLst>
-          </p:cNvPr>
-          <p:cNvCxnSpPr>
-            <a:cxnSpLocks/>
-            <a:endCxn id="6" idx="4"/>
-          </p:cNvCxnSpPr>
+        <p:txBody>
+          <a:bodyPr rtlCol="0" anchor="ctr"/>
+          <a:lstStyle/>
+          <a:p>
+            <a:pPr algn="ctr"/>
+            <a:endParaRPr lang="en-US"/>
+          </a:p>
+        </p:txBody>
+      </p:sp>
+      <p:sp>
+        <p:nvSpPr>
+          <p:cNvPr id="10" name="Arrow: Left 9">
+            <a:extLst>
+              <a:ext uri="{FF2B5EF4-FFF2-40B4-BE49-F238E27FC236}">
+                <a16:creationId xmlns:a16="http://schemas.microsoft.com/office/drawing/2014/main" id="{A7E27BA5-45F4-4BDC-AF1A-2A8C70E3C5FF}"/>
+              </a:ext>
+            </a:extLst>
+          </p:cNvPr>
+          <p:cNvSpPr/>
           <p:nvPr/>
-        </p:nvCxnSpPr>
+        </p:nvSpPr>
         <p:spPr>
-          <a:xfrm flipV="1">
-            <a:off x="4822190" y="2209800"/>
-            <a:ext cx="147368" cy="842782"/>
+          <a:xfrm>
+            <a:off x="4191000" y="1981200"/>
+            <a:ext cx="1600200" cy="304800"/>
           </a:xfrm>
-          <a:prstGeom prst="straightConnector1">
+          <a:prstGeom prst="leftArrow">
             <a:avLst/>
           </a:prstGeom>
-          <a:ln>
-            <a:tailEnd type="triangle"/>
-          </a:ln>
         </p:spPr>
         <p:style>
-          <a:lnRef idx="1">
-            <a:schemeClr val="accent1"/>
+          <a:lnRef idx="2">
+            <a:schemeClr val="accent1">
+              <a:shade val="50000"/>
+            </a:schemeClr>
           </a:lnRef>
-          <a:fillRef idx="0">
+          <a:fillRef idx="1">
             <a:schemeClr val="accent1"/>
           </a:fillRef>
           <a:effectRef idx="0">
             <a:schemeClr val="accent1"/>
           </a:effectRef>
           <a:fontRef idx="minor">
-            <a:schemeClr val="tx1"/>
+            <a:schemeClr val="lt1"/>
           </a:fontRef>
         </p:style>
-      </p:cxnSp>
-      <p:cxnSp>
-        <p:nvCxnSpPr>
-          <p:cNvPr id="27" name="Straight Arrow Connector 26">
-            <a:extLst>
-              <a:ext uri="{FF2B5EF4-FFF2-40B4-BE49-F238E27FC236}">
-                <a16:creationId xmlns:a16="http://schemas.microsoft.com/office/drawing/2014/main" id="{20FD3233-A3B1-4F02-BDA4-D3A2D944F6A4}"/>
-              </a:ext>
-            </a:extLst>
-          </p:cNvPr>
-          <p:cNvCxnSpPr>
-            <a:cxnSpLocks/>
-            <a:endCxn id="18" idx="6"/>
-          </p:cNvCxnSpPr>
+        <p:txBody>
+          <a:bodyPr rtlCol="0" anchor="ctr"/>
+          <a:lstStyle/>
+          <a:p>
+            <a:pPr algn="ctr"/>
+            <a:endParaRPr lang="en-US"/>
+          </a:p>
+        </p:txBody>
+      </p:sp>
+      <p:sp>
+        <p:nvSpPr>
+          <p:cNvPr id="16" name="Arrow: Left 15">
+            <a:extLst>
+              <a:ext uri="{FF2B5EF4-FFF2-40B4-BE49-F238E27FC236}">
+                <a16:creationId xmlns:a16="http://schemas.microsoft.com/office/drawing/2014/main" id="{DFD1AA5F-A064-4E2C-B03B-E12F1F81FFD8}"/>
+              </a:ext>
+            </a:extLst>
+          </p:cNvPr>
+          <p:cNvSpPr/>
           <p:nvPr/>
-        </p:nvCxnSpPr>
+        </p:nvSpPr>
         <p:spPr>
-          <a:xfrm flipH="1" flipV="1">
-            <a:off x="2287864" y="3217875"/>
-            <a:ext cx="912536" cy="326587"/>
+          <a:xfrm rot="10800000">
+            <a:off x="4194142" y="2366319"/>
+            <a:ext cx="1600200" cy="304800"/>
           </a:xfrm>
-          <a:prstGeom prst="straightConnector1">
+          <a:prstGeom prst="leftArrow">
             <a:avLst/>
           </a:prstGeom>
-          <a:ln>
-            <a:tailEnd type="triangle"/>
-          </a:ln>
         </p:spPr>
         <p:style>
-          <a:lnRef idx="1">
-            <a:schemeClr val="accent1"/>
+          <a:lnRef idx="2">
+            <a:schemeClr val="accent1">
+              <a:shade val="50000"/>
+            </a:schemeClr>
           </a:lnRef>
-          <a:fillRef idx="0">
+          <a:fillRef idx="1">
             <a:schemeClr val="accent1"/>
           </a:fillRef>
           <a:effectRef idx="0">
             <a:schemeClr val="accent1"/>
           </a:effectRef>
           <a:fontRef idx="minor">
-            <a:schemeClr val="tx1"/>
+            <a:schemeClr val="lt1"/>
           </a:fontRef>
         </p:style>
-      </p:cxnSp>
-      <p:cxnSp>
-        <p:nvCxnSpPr>
-          <p:cNvPr id="30" name="Straight Arrow Connector 29">
-            <a:extLst>
-              <a:ext uri="{FF2B5EF4-FFF2-40B4-BE49-F238E27FC236}">
-                <a16:creationId xmlns:a16="http://schemas.microsoft.com/office/drawing/2014/main" id="{D0D3FAA3-3CB6-427A-A2E0-F3E1C5AED80C}"/>
-              </a:ext>
-            </a:extLst>
-          </p:cNvPr>
-          <p:cNvCxnSpPr>
-            <a:cxnSpLocks/>
-            <a:stCxn id="1026" idx="1"/>
-            <a:endCxn id="17" idx="6"/>
-          </p:cNvCxnSpPr>
+        <p:txBody>
+          <a:bodyPr rtlCol="0" anchor="ctr"/>
+          <a:lstStyle/>
+          <a:p>
+            <a:pPr algn="ctr"/>
+            <a:endParaRPr lang="en-US"/>
+          </a:p>
+        </p:txBody>
+      </p:sp>
+      <p:sp>
+        <p:nvSpPr>
+          <p:cNvPr id="17" name="Arrow: Left 16">
+            <a:extLst>
+              <a:ext uri="{FF2B5EF4-FFF2-40B4-BE49-F238E27FC236}">
+                <a16:creationId xmlns:a16="http://schemas.microsoft.com/office/drawing/2014/main" id="{7C2B8731-E441-46AD-8AE0-170BFDFF0577}"/>
+              </a:ext>
+            </a:extLst>
+          </p:cNvPr>
+          <p:cNvSpPr/>
           <p:nvPr/>
-        </p:nvCxnSpPr>
+        </p:nvSpPr>
         <p:spPr>
-          <a:xfrm flipH="1">
-            <a:off x="2258012" y="4244413"/>
-            <a:ext cx="789988" cy="223584"/>
+          <a:xfrm>
+            <a:off x="4249932" y="4673142"/>
+            <a:ext cx="1600200" cy="304800"/>
           </a:xfrm>
-          <a:prstGeom prst="straightConnector1">
+          <a:prstGeom prst="leftArrow">
             <a:avLst/>
           </a:prstGeom>
-          <a:ln>
-            <a:tailEnd type="triangle"/>
-          </a:ln>
         </p:spPr>
         <p:style>
-          <a:lnRef idx="1">
-            <a:schemeClr val="accent1"/>
+          <a:lnRef idx="2">
+            <a:schemeClr val="accent1">
+              <a:shade val="50000"/>
+            </a:schemeClr>
           </a:lnRef>
-          <a:fillRef idx="0">
+          <a:fillRef idx="1">
             <a:schemeClr val="accent1"/>
           </a:fillRef>
           <a:effectRef idx="0">
             <a:schemeClr val="accent1"/>
           </a:effectRef>
           <a:fontRef idx="minor">
-            <a:schemeClr val="tx1"/>
+            <a:schemeClr val="lt1"/>
           </a:fontRef>
         </p:style>
-      </p:cxnSp>
-      <p:cxnSp>
-        <p:nvCxnSpPr>
-          <p:cNvPr id="35" name="Straight Arrow Connector 34">
-            <a:extLst>
-              <a:ext uri="{FF2B5EF4-FFF2-40B4-BE49-F238E27FC236}">
-                <a16:creationId xmlns:a16="http://schemas.microsoft.com/office/drawing/2014/main" id="{B5B309E5-0675-4633-B1E1-ED7701139F22}"/>
-              </a:ext>
-            </a:extLst>
-          </p:cNvPr>
-          <p:cNvCxnSpPr>
-            <a:cxnSpLocks/>
-          </p:cNvCxnSpPr>
+        <p:txBody>
+          <a:bodyPr rtlCol="0" anchor="ctr"/>
+          <a:lstStyle/>
+          <a:p>
+            <a:pPr algn="ctr"/>
+            <a:endParaRPr lang="en-US"/>
+          </a:p>
+        </p:txBody>
+      </p:sp>
+      <p:sp>
+        <p:nvSpPr>
+          <p:cNvPr id="18" name="Arrow: Left 17">
+            <a:extLst>
+              <a:ext uri="{FF2B5EF4-FFF2-40B4-BE49-F238E27FC236}">
+                <a16:creationId xmlns:a16="http://schemas.microsoft.com/office/drawing/2014/main" id="{63FCB241-06AB-482D-AE84-B71F47A731DE}"/>
+              </a:ext>
+            </a:extLst>
+          </p:cNvPr>
+          <p:cNvSpPr/>
           <p:nvPr/>
-        </p:nvCxnSpPr>
+        </p:nvSpPr>
         <p:spPr>
-          <a:xfrm flipH="1">
-            <a:off x="2069895" y="5008724"/>
-            <a:ext cx="1282905" cy="692272"/>
+          <a:xfrm rot="10800000">
+            <a:off x="4253074" y="5058261"/>
+            <a:ext cx="1600200" cy="304800"/>
           </a:xfrm>
-          <a:prstGeom prst="straightConnector1">
+          <a:prstGeom prst="leftArrow">
             <a:avLst/>
           </a:prstGeom>
-          <a:ln>
-            <a:tailEnd type="triangle"/>
-          </a:ln>
         </p:spPr>
         <p:style>
-          <a:lnRef idx="1">
-            <a:schemeClr val="accent1"/>
+          <a:lnRef idx="2">
+            <a:schemeClr val="accent1">
+              <a:shade val="50000"/>
+            </a:schemeClr>
           </a:lnRef>
-          <a:fillRef idx="0">
+          <a:fillRef idx="1">
             <a:schemeClr val="accent1"/>
           </a:fillRef>
           <a:effectRef idx="0">
             <a:schemeClr val="accent1"/>
           </a:effectRef>
           <a:fontRef idx="minor">
-            <a:schemeClr val="tx1"/>
+            <a:schemeClr val="lt1"/>
           </a:fontRef>
         </p:style>
-      </p:cxnSp>
-      <p:cxnSp>
-        <p:nvCxnSpPr>
-          <p:cNvPr id="37" name="Straight Arrow Connector 36">
-            <a:extLst>
-              <a:ext uri="{FF2B5EF4-FFF2-40B4-BE49-F238E27FC236}">
-                <a16:creationId xmlns:a16="http://schemas.microsoft.com/office/drawing/2014/main" id="{20210B1A-3230-4796-9427-A820EFADAA1A}"/>
-              </a:ext>
-            </a:extLst>
-          </p:cNvPr>
-          <p:cNvCxnSpPr>
-            <a:cxnSpLocks/>
-            <a:endCxn id="19" idx="0"/>
-          </p:cNvCxnSpPr>
-          <p:nvPr/>
-        </p:nvCxnSpPr>
-        <p:spPr>
-          <a:xfrm flipH="1">
-            <a:off x="3714751" y="5471390"/>
-            <a:ext cx="226695" cy="368995"/>
-          </a:xfrm>
-          <a:prstGeom prst="straightConnector1">
-            <a:avLst/>
-          </a:prstGeom>
-          <a:ln>
-            <a:tailEnd type="triangle"/>
-          </a:ln>
-        </p:spPr>
-        <p:style>
-          <a:lnRef idx="1">
-            <a:schemeClr val="accent1"/>
-          </a:lnRef>
-          <a:fillRef idx="0">
-            <a:schemeClr val="accent1"/>
-          </a:fillRef>
-          <a:effectRef idx="0">
-            <a:schemeClr val="accent1"/>
-          </a:effectRef>
-          <a:fontRef idx="minor">
-            <a:schemeClr val="tx1"/>
-          </a:fontRef>
-        </p:style>
-      </p:cxnSp>
-      <p:cxnSp>
-        <p:nvCxnSpPr>
-          <p:cNvPr id="42" name="Straight Arrow Connector 41">
-            <a:extLst>
-              <a:ext uri="{FF2B5EF4-FFF2-40B4-BE49-F238E27FC236}">
-                <a16:creationId xmlns:a16="http://schemas.microsoft.com/office/drawing/2014/main" id="{F27865F0-4FED-45A5-9CB2-54BAA8E0FE9C}"/>
-              </a:ext>
-            </a:extLst>
-          </p:cNvPr>
-          <p:cNvCxnSpPr>
-            <a:cxnSpLocks/>
-          </p:cNvCxnSpPr>
-          <p:nvPr/>
-        </p:nvCxnSpPr>
-        <p:spPr>
-          <a:xfrm>
-            <a:off x="4948136" y="5426850"/>
-            <a:ext cx="919264" cy="476052"/>
-          </a:xfrm>
-          <a:prstGeom prst="straightConnector1">
-            <a:avLst/>
-          </a:prstGeom>
-          <a:ln>
-            <a:tailEnd type="triangle"/>
-          </a:ln>
-        </p:spPr>
-        <p:style>
-          <a:lnRef idx="1">
-            <a:schemeClr val="accent1"/>
-          </a:lnRef>
-          <a:fillRef idx="0">
-            <a:schemeClr val="accent1"/>
-          </a:fillRef>
-          <a:effectRef idx="0">
-            <a:schemeClr val="accent1"/>
-          </a:effectRef>
-          <a:fontRef idx="minor">
-            <a:schemeClr val="tx1"/>
-          </a:fontRef>
-        </p:style>
-      </p:cxnSp>
-      <p:cxnSp>
-        <p:nvCxnSpPr>
-          <p:cNvPr id="45" name="Straight Arrow Connector 44">
-            <a:extLst>
-              <a:ext uri="{FF2B5EF4-FFF2-40B4-BE49-F238E27FC236}">
-                <a16:creationId xmlns:a16="http://schemas.microsoft.com/office/drawing/2014/main" id="{AA7DB2E1-2BFB-4CBD-BD29-E9C2F32DB928}"/>
-              </a:ext>
-            </a:extLst>
-          </p:cNvPr>
-          <p:cNvCxnSpPr>
-            <a:cxnSpLocks/>
-          </p:cNvCxnSpPr>
-          <p:nvPr/>
-        </p:nvCxnSpPr>
-        <p:spPr>
-          <a:xfrm>
-            <a:off x="5650682" y="4584068"/>
-            <a:ext cx="1113220" cy="318942"/>
-          </a:xfrm>
-          <a:prstGeom prst="straightConnector1">
-            <a:avLst/>
-          </a:prstGeom>
-          <a:ln>
-            <a:tailEnd type="triangle"/>
-          </a:ln>
-        </p:spPr>
-        <p:style>
-          <a:lnRef idx="1">
-            <a:schemeClr val="accent1"/>
-          </a:lnRef>
-          <a:fillRef idx="0">
-            <a:schemeClr val="accent1"/>
-          </a:fillRef>
-          <a:effectRef idx="0">
-            <a:schemeClr val="accent1"/>
-          </a:effectRef>
-          <a:fontRef idx="minor">
-            <a:schemeClr val="tx1"/>
-          </a:fontRef>
-        </p:style>
-      </p:cxnSp>
-      <p:cxnSp>
-        <p:nvCxnSpPr>
-          <p:cNvPr id="48" name="Straight Arrow Connector 47">
-            <a:extLst>
-              <a:ext uri="{FF2B5EF4-FFF2-40B4-BE49-F238E27FC236}">
-                <a16:creationId xmlns:a16="http://schemas.microsoft.com/office/drawing/2014/main" id="{454A8B47-C82B-4B5D-AB8B-232F57DBFD1D}"/>
-              </a:ext>
-            </a:extLst>
-          </p:cNvPr>
-          <p:cNvCxnSpPr>
-            <a:cxnSpLocks/>
-            <a:endCxn id="12" idx="2"/>
-          </p:cNvCxnSpPr>
-          <p:nvPr/>
-        </p:nvCxnSpPr>
-        <p:spPr>
-          <a:xfrm flipV="1">
-            <a:off x="5650682" y="3711561"/>
-            <a:ext cx="1081060" cy="248286"/>
-          </a:xfrm>
-          <a:prstGeom prst="straightConnector1">
-            <a:avLst/>
-          </a:prstGeom>
-          <a:ln>
-            <a:tailEnd type="triangle"/>
-          </a:ln>
-        </p:spPr>
-        <p:style>
-          <a:lnRef idx="1">
-            <a:schemeClr val="accent1"/>
-          </a:lnRef>
-          <a:fillRef idx="0">
-            <a:schemeClr val="accent1"/>
-          </a:fillRef>
-          <a:effectRef idx="0">
-            <a:schemeClr val="accent1"/>
-          </a:effectRef>
-          <a:fontRef idx="minor">
-            <a:schemeClr val="tx1"/>
-          </a:fontRef>
-        </p:style>
-      </p:cxnSp>
-      <p:cxnSp>
-        <p:nvCxnSpPr>
-          <p:cNvPr id="51" name="Straight Arrow Connector 50">
-            <a:extLst>
-              <a:ext uri="{FF2B5EF4-FFF2-40B4-BE49-F238E27FC236}">
-                <a16:creationId xmlns:a16="http://schemas.microsoft.com/office/drawing/2014/main" id="{F79C4B32-CDB9-4F8B-A26A-30E7EE2AFAA9}"/>
-              </a:ext>
-            </a:extLst>
-          </p:cNvPr>
-          <p:cNvCxnSpPr>
-            <a:cxnSpLocks/>
-          </p:cNvCxnSpPr>
-          <p:nvPr/>
-        </p:nvCxnSpPr>
-        <p:spPr>
-          <a:xfrm flipV="1">
-            <a:off x="5324159" y="2884755"/>
-            <a:ext cx="619443" cy="494743"/>
-          </a:xfrm>
-          <a:prstGeom prst="straightConnector1">
-            <a:avLst/>
-          </a:prstGeom>
-          <a:ln>
-            <a:tailEnd type="triangle"/>
-          </a:ln>
-        </p:spPr>
-        <p:style>
-          <a:lnRef idx="1">
-            <a:schemeClr val="accent1"/>
-          </a:lnRef>
-          <a:fillRef idx="0">
-            <a:schemeClr val="accent1"/>
-          </a:fillRef>
-          <a:effectRef idx="0">
-            <a:schemeClr val="accent1"/>
-          </a:effectRef>
-          <a:fontRef idx="minor">
-            <a:schemeClr val="tx1"/>
-          </a:fontRef>
-        </p:style>
-      </p:cxnSp>
+        <p:txBody>
+          <a:bodyPr rtlCol="0" anchor="ctr"/>
+          <a:lstStyle/>
+          <a:p>
+            <a:pPr algn="ctr"/>
+            <a:endParaRPr lang="en-US"/>
+          </a:p>
+        </p:txBody>
+      </p:sp>
     </p:spTree>
     <p:extLst>
       <p:ext uri="{BB962C8B-B14F-4D97-AF65-F5344CB8AC3E}">
-        <p14:creationId xmlns:p14="http://schemas.microsoft.com/office/powerpoint/2010/main" val="712783792"/>
+        <p14:creationId xmlns:p14="http://schemas.microsoft.com/office/powerpoint/2010/main" val="2513931969"/>
       </p:ext>
     </p:extLst>
   </p:cSld>
@@ -14326,10 +12858,70 @@
       </p:sp>
       <p:sp>
         <p:nvSpPr>
-          <p:cNvPr id="17" name="TextBox 16">
-            <a:extLst>
-              <a:ext uri="{FF2B5EF4-FFF2-40B4-BE49-F238E27FC236}">
-                <a16:creationId xmlns:a16="http://schemas.microsoft.com/office/drawing/2014/main" id="{AB17F5CC-E546-42E3-BC77-8F7A1ECD5DCB}"/>
+          <p:cNvPr id="2" name="Slide Number Placeholder 1">
+            <a:extLst>
+              <a:ext uri="{FF2B5EF4-FFF2-40B4-BE49-F238E27FC236}">
+                <a16:creationId xmlns:a16="http://schemas.microsoft.com/office/drawing/2014/main" id="{3C801871-3AAF-4D92-8AAD-71FA7EC92E68}"/>
+              </a:ext>
+            </a:extLst>
+          </p:cNvPr>
+          <p:cNvSpPr>
+            <a:spLocks noGrp="1"/>
+          </p:cNvSpPr>
+          <p:nvPr>
+            <p:ph type="sldNum" sz="quarter" idx="12"/>
+          </p:nvPr>
+        </p:nvSpPr>
+        <p:spPr/>
+        <p:txBody>
+          <a:bodyPr/>
+          <a:lstStyle/>
+          <a:p>
+            <a:fld id="{B6F15528-21DE-4FAA-801E-634DDDAF4B2B}" type="slidenum">
+              <a:rPr lang="en-US" smtClean="0"/>
+              <a:pPr/>
+              <a:t>6</a:t>
+            </a:fld>
+            <a:endParaRPr lang="en-US"/>
+          </a:p>
+        </p:txBody>
+      </p:sp>
+      <p:pic>
+        <p:nvPicPr>
+          <p:cNvPr id="5" name="Picture 4">
+            <a:extLst>
+              <a:ext uri="{FF2B5EF4-FFF2-40B4-BE49-F238E27FC236}">
+                <a16:creationId xmlns:a16="http://schemas.microsoft.com/office/drawing/2014/main" id="{E278DD97-4FCE-461E-A3CB-2DE32B2015D9}"/>
+              </a:ext>
+            </a:extLst>
+          </p:cNvPr>
+          <p:cNvPicPr>
+            <a:picLocks noChangeAspect="1"/>
+          </p:cNvPicPr>
+          <p:nvPr/>
+        </p:nvPicPr>
+        <p:blipFill>
+          <a:blip r:embed="rId3"/>
+          <a:stretch>
+            <a:fillRect/>
+          </a:stretch>
+        </p:blipFill>
+        <p:spPr>
+          <a:xfrm>
+            <a:off x="990600" y="1434160"/>
+            <a:ext cx="7596825" cy="5423840"/>
+          </a:xfrm>
+          <a:prstGeom prst="rect">
+            <a:avLst/>
+          </a:prstGeom>
+        </p:spPr>
+      </p:pic>
+      <p:sp>
+        <p:nvSpPr>
+          <p:cNvPr id="9" name="TextBox 8">
+            <a:extLst>
+              <a:ext uri="{FF2B5EF4-FFF2-40B4-BE49-F238E27FC236}">
+                <a16:creationId xmlns:a16="http://schemas.microsoft.com/office/drawing/2014/main" id="{BAAFAE85-3659-44C1-A206-1BFD0AF776BF}"/>
               </a:ext>
             </a:extLst>
           </p:cNvPr>
@@ -14402,7 +12994,7 @@
                 <a:ea typeface="Roboto" panose="02000000000000000000" pitchFamily="2" charset="0"/>
                 <a:cs typeface="Times New Roman" panose="02020603050405020304" pitchFamily="18" charset="0"/>
               </a:rPr>
-              <a:t> Use case </a:t>
+              <a:t> </a:t>
             </a:r>
             <a:r>
               <a:rPr lang="en-US" sz="2400" dirty="0" err="1">
@@ -14410,7 +13002,7 @@
                 <a:ea typeface="Roboto" panose="02000000000000000000" pitchFamily="2" charset="0"/>
                 <a:cs typeface="Times New Roman" panose="02020603050405020304" pitchFamily="18" charset="0"/>
               </a:rPr>
-              <a:t>khách</a:t>
+              <a:t>chức</a:t>
             </a:r>
             <a:r>
               <a:rPr lang="en-US" sz="2400" dirty="0">
@@ -14426,78 +13018,12 @@
                 <a:ea typeface="Roboto" panose="02000000000000000000" pitchFamily="2" charset="0"/>
                 <a:cs typeface="Times New Roman" panose="02020603050405020304" pitchFamily="18" charset="0"/>
               </a:rPr>
-              <a:t>hàng</a:t>
+              <a:t>năng</a:t>
             </a:r>
             <a:endParaRPr lang="en-US" sz="2400" dirty="0"/>
           </a:p>
         </p:txBody>
       </p:sp>
-      <p:sp>
-        <p:nvSpPr>
-          <p:cNvPr id="2" name="Slide Number Placeholder 1">
-            <a:extLst>
-              <a:ext uri="{FF2B5EF4-FFF2-40B4-BE49-F238E27FC236}">
-                <a16:creationId xmlns:a16="http://schemas.microsoft.com/office/drawing/2014/main" id="{3C801871-3AAF-4D92-8AAD-71FA7EC92E68}"/>
-              </a:ext>
-            </a:extLst>
-          </p:cNvPr>
-          <p:cNvSpPr>
-            <a:spLocks noGrp="1"/>
-          </p:cNvSpPr>
-          <p:nvPr>
-            <p:ph type="sldNum" sz="quarter" idx="12"/>
-          </p:nvPr>
-        </p:nvSpPr>
-        <p:spPr/>
-        <p:txBody>
-          <a:bodyPr/>
-          <a:lstStyle/>
-          <a:p>
-            <a:fld id="{B6F15528-21DE-4FAA-801E-634DDDAF4B2B}" type="slidenum">
-              <a:rPr lang="en-US" smtClean="0"/>
-              <a:pPr/>
-              <a:t>6</a:t>
-            </a:fld>
-            <a:endParaRPr lang="en-US"/>
-          </a:p>
-        </p:txBody>
-      </p:sp>
-      <p:pic>
-        <p:nvPicPr>
-          <p:cNvPr id="4" name="Picture 3">
-            <a:extLst>
-              <a:ext uri="{FF2B5EF4-FFF2-40B4-BE49-F238E27FC236}">
-                <a16:creationId xmlns:a16="http://schemas.microsoft.com/office/drawing/2014/main" id="{CF220B9D-AE4C-4F33-87D5-C65569C4B6AE}"/>
-              </a:ext>
-            </a:extLst>
-          </p:cNvPr>
-          <p:cNvPicPr>
-            <a:picLocks noChangeAspect="1"/>
-          </p:cNvPicPr>
-          <p:nvPr/>
-        </p:nvPicPr>
-        <p:blipFill>
-          <a:blip r:embed="rId3" cstate="print">
-            <a:extLst>
-              <a:ext uri="{28A0092B-C50C-407E-A947-70E740481C1C}">
-                <a14:useLocalDpi xmlns:a14="http://schemas.microsoft.com/office/drawing/2010/main" val="0"/>
-              </a:ext>
-            </a:extLst>
-          </a:blip>
-          <a:stretch>
-            <a:fillRect/>
-          </a:stretch>
-        </p:blipFill>
-        <p:spPr>
-          <a:xfrm>
-            <a:off x="914400" y="1363822"/>
-            <a:ext cx="7239000" cy="5411999"/>
-          </a:xfrm>
-          <a:prstGeom prst="rect">
-            <a:avLst/>
-          </a:prstGeom>
-        </p:spPr>
-      </p:pic>
     </p:spTree>
     <p:extLst>
       <p:ext uri="{BB962C8B-B14F-4D97-AF65-F5344CB8AC3E}">
@@ -14530,10 +13056,52 @@
       </p:grpSpPr>
       <p:sp>
         <p:nvSpPr>
-          <p:cNvPr id="13" name="TextBox 12">
-            <a:extLst>
-              <a:ext uri="{FF2B5EF4-FFF2-40B4-BE49-F238E27FC236}">
-                <a16:creationId xmlns:a16="http://schemas.microsoft.com/office/drawing/2014/main" id="{19DC4F66-C4A3-41EA-8A8D-E15145026D08}"/>
+          <p:cNvPr id="16" name="Title 1">
+            <a:extLst>
+              <a:ext uri="{FF2B5EF4-FFF2-40B4-BE49-F238E27FC236}">
+                <a16:creationId xmlns:a16="http://schemas.microsoft.com/office/drawing/2014/main" id="{150FA013-CCB5-4801-B277-DEDC8C4420A2}"/>
+              </a:ext>
+            </a:extLst>
+          </p:cNvPr>
+          <p:cNvSpPr>
+            <a:spLocks noGrp="1"/>
+          </p:cNvSpPr>
+          <p:nvPr>
+            <p:ph type="title"/>
+          </p:nvPr>
+        </p:nvSpPr>
+        <p:spPr>
+          <a:xfrm>
+            <a:off x="304800" y="533400"/>
+            <a:ext cx="8534400" cy="549602"/>
+          </a:xfrm>
+        </p:spPr>
+        <p:txBody>
+          <a:bodyPr>
+            <a:normAutofit/>
+          </a:bodyPr>
+          <a:lstStyle/>
+          <a:p>
+            <a:pPr algn="ctr"/>
+            <a:r>
+              <a:rPr lang="en-US" sz="3200" b="1" dirty="0">
+                <a:solidFill>
+                  <a:schemeClr val="accent1"/>
+                </a:solidFill>
+                <a:latin typeface="Times New Roman" panose="02020603050405020304" pitchFamily="18" charset="0"/>
+                <a:cs typeface="Times New Roman" panose="02020603050405020304" pitchFamily="18" charset="0"/>
+              </a:rPr>
+              <a:t>III. PHÂN TÍCH &amp; THIẾT KẾ HỆ THỐNG</a:t>
+            </a:r>
+          </a:p>
+        </p:txBody>
+      </p:sp>
+      <p:sp>
+        <p:nvSpPr>
+          <p:cNvPr id="17" name="TextBox 16">
+            <a:extLst>
+              <a:ext uri="{FF2B5EF4-FFF2-40B4-BE49-F238E27FC236}">
+                <a16:creationId xmlns:a16="http://schemas.microsoft.com/office/drawing/2014/main" id="{AB17F5CC-E546-42E3-BC77-8F7A1ECD5DCB}"/>
               </a:ext>
             </a:extLst>
           </p:cNvPr>
@@ -14542,7 +13110,7 @@
         </p:nvSpPr>
         <p:spPr>
           <a:xfrm>
-            <a:off x="519430" y="1040548"/>
+            <a:off x="556575" y="1025339"/>
             <a:ext cx="4804729" cy="461665"/>
           </a:xfrm>
           <a:prstGeom prst="rect">
@@ -14561,12 +13129,28 @@
               <a:buChar char="v"/>
             </a:pPr>
             <a:r>
+              <a:rPr lang="en-US" sz="2400" dirty="0">
+                <a:latin typeface="Times New Roman" panose="02020603050405020304" pitchFamily="18" charset="0"/>
+                <a:ea typeface="Roboto" panose="02000000000000000000" pitchFamily="2" charset="0"/>
+                <a:cs typeface="Times New Roman" panose="02020603050405020304" pitchFamily="18" charset="0"/>
+              </a:rPr>
+              <a:t>L</a:t>
+            </a:r>
+            <a:r>
+              <a:rPr lang="vi-VN" sz="2400" dirty="0">
+                <a:latin typeface="Times New Roman" panose="02020603050405020304" pitchFamily="18" charset="0"/>
+                <a:ea typeface="Roboto" panose="02000000000000000000" pitchFamily="2" charset="0"/>
+                <a:cs typeface="Times New Roman" panose="02020603050405020304" pitchFamily="18" charset="0"/>
+              </a:rPr>
+              <a:t>ư</a:t>
+            </a:r>
+            <a:r>
               <a:rPr lang="en-US" sz="2400" dirty="0" err="1">
                 <a:latin typeface="Times New Roman" panose="02020603050405020304" pitchFamily="18" charset="0"/>
                 <a:ea typeface="Roboto" panose="02000000000000000000" pitchFamily="2" charset="0"/>
                 <a:cs typeface="Times New Roman" panose="02020603050405020304" pitchFamily="18" charset="0"/>
               </a:rPr>
-              <a:t>Chức</a:t>
+              <a:t>ợc</a:t>
             </a:r>
             <a:r>
               <a:rPr lang="en-US" sz="2400" dirty="0">
@@ -14582,7 +13166,7 @@
                 <a:ea typeface="Roboto" panose="02000000000000000000" pitchFamily="2" charset="0"/>
                 <a:cs typeface="Times New Roman" panose="02020603050405020304" pitchFamily="18" charset="0"/>
               </a:rPr>
-              <a:t>năng</a:t>
+              <a:t>đồ</a:t>
             </a:r>
             <a:r>
               <a:rPr lang="en-US" sz="2400" dirty="0">
@@ -14590,6 +13174,22 @@
                 <a:ea typeface="Roboto" panose="02000000000000000000" pitchFamily="2" charset="0"/>
                 <a:cs typeface="Times New Roman" panose="02020603050405020304" pitchFamily="18" charset="0"/>
               </a:rPr>
+              <a:t> Use case </a:t>
+            </a:r>
+            <a:r>
+              <a:rPr lang="en-US" sz="2400" dirty="0" err="1">
+                <a:latin typeface="Times New Roman" panose="02020603050405020304" pitchFamily="18" charset="0"/>
+                <a:ea typeface="Roboto" panose="02000000000000000000" pitchFamily="2" charset="0"/>
+                <a:cs typeface="Times New Roman" panose="02020603050405020304" pitchFamily="18" charset="0"/>
+              </a:rPr>
+              <a:t>khách</a:t>
+            </a:r>
+            <a:r>
+              <a:rPr lang="en-US" sz="2400" dirty="0">
+                <a:latin typeface="Times New Roman" panose="02020603050405020304" pitchFamily="18" charset="0"/>
+                <a:ea typeface="Roboto" panose="02000000000000000000" pitchFamily="2" charset="0"/>
+                <a:cs typeface="Times New Roman" panose="02020603050405020304" pitchFamily="18" charset="0"/>
+              </a:rPr>
               <a:t> </a:t>
             </a:r>
             <a:r>
@@ -14598,39 +13198,7 @@
                 <a:ea typeface="Roboto" panose="02000000000000000000" pitchFamily="2" charset="0"/>
                 <a:cs typeface="Times New Roman" panose="02020603050405020304" pitchFamily="18" charset="0"/>
               </a:rPr>
-              <a:t>của</a:t>
-            </a:r>
-            <a:r>
-              <a:rPr lang="en-US" sz="2400" dirty="0">
-                <a:latin typeface="Times New Roman" panose="02020603050405020304" pitchFamily="18" charset="0"/>
-                <a:ea typeface="Roboto" panose="02000000000000000000" pitchFamily="2" charset="0"/>
-                <a:cs typeface="Times New Roman" panose="02020603050405020304" pitchFamily="18" charset="0"/>
-              </a:rPr>
-              <a:t> </a:t>
-            </a:r>
-            <a:r>
-              <a:rPr lang="en-US" sz="2400" dirty="0" err="1">
-                <a:latin typeface="Times New Roman" panose="02020603050405020304" pitchFamily="18" charset="0"/>
-                <a:ea typeface="Roboto" panose="02000000000000000000" pitchFamily="2" charset="0"/>
-                <a:cs typeface="Times New Roman" panose="02020603050405020304" pitchFamily="18" charset="0"/>
-              </a:rPr>
-              <a:t>nhân</a:t>
-            </a:r>
-            <a:r>
-              <a:rPr lang="en-US" sz="2400" dirty="0">
-                <a:latin typeface="Times New Roman" panose="02020603050405020304" pitchFamily="18" charset="0"/>
-                <a:ea typeface="Roboto" panose="02000000000000000000" pitchFamily="2" charset="0"/>
-                <a:cs typeface="Times New Roman" panose="02020603050405020304" pitchFamily="18" charset="0"/>
-              </a:rPr>
-              <a:t> </a:t>
-            </a:r>
-            <a:r>
-              <a:rPr lang="en-US" sz="2400" dirty="0" err="1">
-                <a:latin typeface="Times New Roman" panose="02020603050405020304" pitchFamily="18" charset="0"/>
-                <a:ea typeface="Roboto" panose="02000000000000000000" pitchFamily="2" charset="0"/>
-                <a:cs typeface="Times New Roman" panose="02020603050405020304" pitchFamily="18" charset="0"/>
-              </a:rPr>
-              <a:t>viên</a:t>
+              <a:t>hàng</a:t>
             </a:r>
             <a:endParaRPr lang="en-US" sz="2400" dirty="0"/>
           </a:p>
@@ -14638,71 +13206,10 @@
       </p:sp>
       <p:sp>
         <p:nvSpPr>
-          <p:cNvPr id="26" name="Title 1">
-            <a:extLst>
-              <a:ext uri="{FF2B5EF4-FFF2-40B4-BE49-F238E27FC236}">
-                <a16:creationId xmlns:a16="http://schemas.microsoft.com/office/drawing/2014/main" id="{B9A36588-B7A6-45F2-AF03-244BAA5D3272}"/>
-              </a:ext>
-            </a:extLst>
-          </p:cNvPr>
-          <p:cNvSpPr txBox="1">
-            <a:spLocks/>
-          </p:cNvSpPr>
-          <p:nvPr/>
-        </p:nvSpPr>
-        <p:spPr>
-          <a:xfrm>
-            <a:off x="554990" y="505858"/>
-            <a:ext cx="8534400" cy="560914"/>
-          </a:xfrm>
-          <a:prstGeom prst="rect">
-            <a:avLst/>
-          </a:prstGeom>
-        </p:spPr>
-        <p:txBody>
-          <a:bodyPr vert="horz" lIns="91440" tIns="45720" rIns="91440" bIns="45720" rtlCol="0" anchor="ctr">
-            <a:normAutofit/>
-          </a:bodyPr>
-          <a:lstStyle>
-            <a:lvl1pPr algn="l" defTabSz="685800" rtl="0" eaLnBrk="1" latinLnBrk="0" hangingPunct="1">
-              <a:lnSpc>
-                <a:spcPct val="90000"/>
-              </a:lnSpc>
-              <a:spcBef>
-                <a:spcPct val="0"/>
-              </a:spcBef>
-              <a:buNone/>
-              <a:defRPr sz="3300" kern="1200">
-                <a:solidFill>
-                  <a:schemeClr val="tx1"/>
-                </a:solidFill>
-                <a:latin typeface="+mj-lt"/>
-                <a:ea typeface="+mj-ea"/>
-                <a:cs typeface="+mj-cs"/>
-              </a:defRPr>
-            </a:lvl1pPr>
-          </a:lstStyle>
-          <a:p>
-            <a:pPr algn="ctr"/>
-            <a:r>
-              <a:rPr lang="en-US" sz="3200" b="1" dirty="0">
-                <a:solidFill>
-                  <a:schemeClr val="accent1"/>
-                </a:solidFill>
-                <a:latin typeface="Times New Roman" panose="02020603050405020304" pitchFamily="18" charset="0"/>
-                <a:cs typeface="Times New Roman" panose="02020603050405020304" pitchFamily="18" charset="0"/>
-              </a:rPr>
-              <a:t>III. PHÂN TÍCH &amp; THIẾT KẾ HỆ THỐNG</a:t>
-            </a:r>
-          </a:p>
-        </p:txBody>
-      </p:sp>
-      <p:sp>
-        <p:nvSpPr>
           <p:cNvPr id="2" name="Slide Number Placeholder 1">
             <a:extLst>
               <a:ext uri="{FF2B5EF4-FFF2-40B4-BE49-F238E27FC236}">
-                <a16:creationId xmlns:a16="http://schemas.microsoft.com/office/drawing/2014/main" id="{66F8802A-71EC-4300-AB3B-ECEBC1BAA84F}"/>
+                <a16:creationId xmlns:a16="http://schemas.microsoft.com/office/drawing/2014/main" id="{3C801871-3AAF-4D92-8AAD-71FA7EC92E68}"/>
               </a:ext>
             </a:extLst>
           </p:cNvPr>
@@ -14729,658 +13236,44 @@
       </p:sp>
       <p:pic>
         <p:nvPicPr>
-          <p:cNvPr id="2050" name="Picture 2" descr="Đăng nhập | Chiếu trúc Bình Dương">
-            <a:extLst>
-              <a:ext uri="{FF2B5EF4-FFF2-40B4-BE49-F238E27FC236}">
-                <a16:creationId xmlns:a16="http://schemas.microsoft.com/office/drawing/2014/main" id="{E98846A6-71D1-40FA-97EA-6E90D2F76BB6}"/>
+          <p:cNvPr id="4" name="Picture 3">
+            <a:extLst>
+              <a:ext uri="{FF2B5EF4-FFF2-40B4-BE49-F238E27FC236}">
+                <a16:creationId xmlns:a16="http://schemas.microsoft.com/office/drawing/2014/main" id="{CF220B9D-AE4C-4F33-87D5-C65569C4B6AE}"/>
               </a:ext>
             </a:extLst>
           </p:cNvPr>
           <p:cNvPicPr>
-            <a:picLocks noChangeAspect="1" noChangeArrowheads="1"/>
+            <a:picLocks noChangeAspect="1"/>
           </p:cNvPicPr>
           <p:nvPr/>
         </p:nvPicPr>
         <p:blipFill>
-          <a:blip r:embed="rId3">
+          <a:blip r:embed="rId3" cstate="print">
             <a:extLst>
               <a:ext uri="{28A0092B-C50C-407E-A947-70E740481C1C}">
                 <a14:useLocalDpi xmlns:a14="http://schemas.microsoft.com/office/drawing/2010/main" val="0"/>
               </a:ext>
             </a:extLst>
           </a:blip>
-          <a:srcRect/>
           <a:stretch>
             <a:fillRect/>
           </a:stretch>
         </p:blipFill>
-        <p:spPr bwMode="auto">
+        <p:spPr>
           <a:xfrm>
-            <a:off x="3276600" y="3048000"/>
-            <a:ext cx="2133600" cy="2143125"/>
+            <a:off x="914400" y="1363822"/>
+            <a:ext cx="7239000" cy="5411999"/>
           </a:xfrm>
           <a:prstGeom prst="rect">
             <a:avLst/>
           </a:prstGeom>
-          <a:noFill/>
-          <a:extLst>
-            <a:ext uri="{909E8E84-426E-40DD-AFC4-6F175D3DCCD1}">
-              <a14:hiddenFill xmlns:a14="http://schemas.microsoft.com/office/drawing/2010/main">
-                <a:solidFill>
-                  <a:srgbClr val="FFFFFF"/>
-                </a:solidFill>
-              </a14:hiddenFill>
-            </a:ext>
-          </a:extLst>
         </p:spPr>
       </p:pic>
-      <p:sp>
-        <p:nvSpPr>
-          <p:cNvPr id="5" name="Rectangle: Rounded Corners 4">
-            <a:extLst>
-              <a:ext uri="{FF2B5EF4-FFF2-40B4-BE49-F238E27FC236}">
-                <a16:creationId xmlns:a16="http://schemas.microsoft.com/office/drawing/2014/main" id="{6C96D335-04A6-48B4-AB07-10A7DF85C49B}"/>
-              </a:ext>
-            </a:extLst>
-          </p:cNvPr>
-          <p:cNvSpPr/>
-          <p:nvPr/>
-        </p:nvSpPr>
-        <p:spPr>
-          <a:xfrm>
-            <a:off x="6088673" y="2158289"/>
-            <a:ext cx="2616992" cy="914400"/>
-          </a:xfrm>
-          <a:prstGeom prst="roundRect">
-            <a:avLst/>
-          </a:prstGeom>
-          <a:solidFill>
-            <a:schemeClr val="accent2">
-              <a:alpha val="50000"/>
-            </a:schemeClr>
-          </a:solidFill>
-          <a:ln>
-            <a:noFill/>
-          </a:ln>
-        </p:spPr>
-        <p:style>
-          <a:lnRef idx="0">
-            <a:scrgbClr r="0" g="0" b="0"/>
-          </a:lnRef>
-          <a:fillRef idx="0">
-            <a:scrgbClr r="0" g="0" b="0"/>
-          </a:fillRef>
-          <a:effectRef idx="0">
-            <a:scrgbClr r="0" g="0" b="0"/>
-          </a:effectRef>
-          <a:fontRef idx="minor">
-            <a:schemeClr val="lt1"/>
-          </a:fontRef>
-        </p:style>
-        <p:txBody>
-          <a:bodyPr rtlCol="0" anchor="ctr"/>
-          <a:lstStyle/>
-          <a:p>
-            <a:pPr algn="ctr"/>
-            <a:r>
-              <a:rPr lang="en-US" dirty="0" err="1"/>
-              <a:t>Quản</a:t>
-            </a:r>
-            <a:r>
-              <a:rPr lang="en-US" dirty="0"/>
-              <a:t> </a:t>
-            </a:r>
-            <a:r>
-              <a:rPr lang="en-US" dirty="0" err="1"/>
-              <a:t>lý</a:t>
-            </a:r>
-            <a:r>
-              <a:rPr lang="en-US" dirty="0"/>
-              <a:t> </a:t>
-            </a:r>
-            <a:r>
-              <a:rPr lang="en-US" dirty="0" err="1"/>
-              <a:t>nhà</a:t>
-            </a:r>
-            <a:r>
-              <a:rPr lang="en-US" dirty="0"/>
-              <a:t> </a:t>
-            </a:r>
-            <a:r>
-              <a:rPr lang="en-US" dirty="0" err="1"/>
-              <a:t>cung</a:t>
-            </a:r>
-            <a:r>
-              <a:rPr lang="en-US" dirty="0"/>
-              <a:t> </a:t>
-            </a:r>
-            <a:r>
-              <a:rPr lang="en-US" dirty="0" err="1"/>
-              <a:t>cấp</a:t>
-            </a:r>
-            <a:r>
-              <a:rPr lang="en-US" dirty="0"/>
-              <a:t> </a:t>
-            </a:r>
-            <a:r>
-              <a:rPr lang="en-US" dirty="0" err="1"/>
-              <a:t>sp</a:t>
-            </a:r>
-            <a:endParaRPr lang="en-US" dirty="0"/>
-          </a:p>
-        </p:txBody>
-      </p:sp>
-      <p:sp>
-        <p:nvSpPr>
-          <p:cNvPr id="31" name="Rectangle: Rounded Corners 30">
-            <a:extLst>
-              <a:ext uri="{FF2B5EF4-FFF2-40B4-BE49-F238E27FC236}">
-                <a16:creationId xmlns:a16="http://schemas.microsoft.com/office/drawing/2014/main" id="{559B0FFD-0DED-4D45-8327-1FD8C8E1D798}"/>
-              </a:ext>
-            </a:extLst>
-          </p:cNvPr>
-          <p:cNvSpPr/>
-          <p:nvPr/>
-        </p:nvSpPr>
-        <p:spPr>
-          <a:xfrm>
-            <a:off x="484504" y="2608999"/>
-            <a:ext cx="2276159" cy="914400"/>
-          </a:xfrm>
-          <a:prstGeom prst="roundRect">
-            <a:avLst/>
-          </a:prstGeom>
-          <a:solidFill>
-            <a:schemeClr val="accent2">
-              <a:alpha val="50000"/>
-            </a:schemeClr>
-          </a:solidFill>
-          <a:ln>
-            <a:noFill/>
-          </a:ln>
-        </p:spPr>
-        <p:style>
-          <a:lnRef idx="0">
-            <a:scrgbClr r="0" g="0" b="0"/>
-          </a:lnRef>
-          <a:fillRef idx="0">
-            <a:scrgbClr r="0" g="0" b="0"/>
-          </a:fillRef>
-          <a:effectRef idx="0">
-            <a:scrgbClr r="0" g="0" b="0"/>
-          </a:effectRef>
-          <a:fontRef idx="minor">
-            <a:schemeClr val="lt1"/>
-          </a:fontRef>
-        </p:style>
-        <p:txBody>
-          <a:bodyPr rtlCol="0" anchor="ctr"/>
-          <a:lstStyle/>
-          <a:p>
-            <a:pPr algn="ctr"/>
-            <a:r>
-              <a:rPr lang="en-US" dirty="0" err="1"/>
-              <a:t>Quản</a:t>
-            </a:r>
-            <a:r>
-              <a:rPr lang="en-US" dirty="0"/>
-              <a:t> </a:t>
-            </a:r>
-            <a:r>
-              <a:rPr lang="en-US" dirty="0" err="1"/>
-              <a:t>lý</a:t>
-            </a:r>
-            <a:r>
-              <a:rPr lang="en-US" dirty="0"/>
-              <a:t> </a:t>
-            </a:r>
-            <a:r>
-              <a:rPr lang="en-US" dirty="0" err="1"/>
-              <a:t>sản</a:t>
-            </a:r>
-            <a:r>
-              <a:rPr lang="en-US" dirty="0"/>
-              <a:t> </a:t>
-            </a:r>
-            <a:r>
-              <a:rPr lang="en-US" dirty="0" err="1"/>
-              <a:t>phẩm</a:t>
-            </a:r>
-            <a:r>
-              <a:rPr lang="en-US" dirty="0"/>
-              <a:t>, </a:t>
-            </a:r>
-            <a:r>
-              <a:rPr lang="en-US" dirty="0" err="1"/>
-              <a:t>màu</a:t>
-            </a:r>
-            <a:r>
-              <a:rPr lang="en-US" dirty="0"/>
-              <a:t> </a:t>
-            </a:r>
-            <a:r>
-              <a:rPr lang="en-US" dirty="0" err="1"/>
-              <a:t>sắc</a:t>
-            </a:r>
-            <a:r>
-              <a:rPr lang="en-US" dirty="0"/>
-              <a:t>, size</a:t>
-            </a:r>
-          </a:p>
-        </p:txBody>
-      </p:sp>
-      <p:sp>
-        <p:nvSpPr>
-          <p:cNvPr id="32" name="Rectangle: Rounded Corners 31">
-            <a:extLst>
-              <a:ext uri="{FF2B5EF4-FFF2-40B4-BE49-F238E27FC236}">
-                <a16:creationId xmlns:a16="http://schemas.microsoft.com/office/drawing/2014/main" id="{2C3BC474-6EF7-4477-B6EB-6B285251D063}"/>
-              </a:ext>
-            </a:extLst>
-          </p:cNvPr>
-          <p:cNvSpPr/>
-          <p:nvPr/>
-        </p:nvSpPr>
-        <p:spPr>
-          <a:xfrm>
-            <a:off x="304800" y="4276725"/>
-            <a:ext cx="2276159" cy="914400"/>
-          </a:xfrm>
-          <a:prstGeom prst="roundRect">
-            <a:avLst/>
-          </a:prstGeom>
-          <a:solidFill>
-            <a:schemeClr val="accent2">
-              <a:alpha val="50000"/>
-            </a:schemeClr>
-          </a:solidFill>
-          <a:ln>
-            <a:noFill/>
-          </a:ln>
-        </p:spPr>
-        <p:style>
-          <a:lnRef idx="0">
-            <a:scrgbClr r="0" g="0" b="0"/>
-          </a:lnRef>
-          <a:fillRef idx="0">
-            <a:scrgbClr r="0" g="0" b="0"/>
-          </a:fillRef>
-          <a:effectRef idx="0">
-            <a:scrgbClr r="0" g="0" b="0"/>
-          </a:effectRef>
-          <a:fontRef idx="minor">
-            <a:schemeClr val="lt1"/>
-          </a:fontRef>
-        </p:style>
-        <p:txBody>
-          <a:bodyPr rtlCol="0" anchor="ctr"/>
-          <a:lstStyle/>
-          <a:p>
-            <a:pPr algn="ctr"/>
-            <a:r>
-              <a:rPr lang="en-US" dirty="0" err="1"/>
-              <a:t>Quản</a:t>
-            </a:r>
-            <a:r>
-              <a:rPr lang="en-US" dirty="0"/>
-              <a:t> </a:t>
-            </a:r>
-            <a:r>
-              <a:rPr lang="en-US" dirty="0" err="1"/>
-              <a:t>lý</a:t>
-            </a:r>
-            <a:r>
-              <a:rPr lang="en-US" dirty="0"/>
-              <a:t> </a:t>
-            </a:r>
-            <a:r>
-              <a:rPr lang="en-US" dirty="0" err="1"/>
-              <a:t>khuyến</a:t>
-            </a:r>
-            <a:r>
-              <a:rPr lang="en-US" dirty="0"/>
-              <a:t> </a:t>
-            </a:r>
-            <a:r>
-              <a:rPr lang="en-US" dirty="0" err="1"/>
-              <a:t>mãi</a:t>
-            </a:r>
-            <a:endParaRPr lang="en-US" dirty="0"/>
-          </a:p>
-        </p:txBody>
-      </p:sp>
-      <p:sp>
-        <p:nvSpPr>
-          <p:cNvPr id="33" name="Rectangle: Rounded Corners 32">
-            <a:extLst>
-              <a:ext uri="{FF2B5EF4-FFF2-40B4-BE49-F238E27FC236}">
-                <a16:creationId xmlns:a16="http://schemas.microsoft.com/office/drawing/2014/main" id="{8F40AE62-4A27-47AA-A74E-B695DC16E747}"/>
-              </a:ext>
-            </a:extLst>
-          </p:cNvPr>
-          <p:cNvSpPr/>
-          <p:nvPr/>
-        </p:nvSpPr>
-        <p:spPr>
-          <a:xfrm>
-            <a:off x="2295840" y="5624513"/>
-            <a:ext cx="2276159" cy="914400"/>
-          </a:xfrm>
-          <a:prstGeom prst="roundRect">
-            <a:avLst/>
-          </a:prstGeom>
-          <a:solidFill>
-            <a:schemeClr val="accent2">
-              <a:alpha val="50000"/>
-            </a:schemeClr>
-          </a:solidFill>
-          <a:ln>
-            <a:noFill/>
-          </a:ln>
-        </p:spPr>
-        <p:style>
-          <a:lnRef idx="0">
-            <a:scrgbClr r="0" g="0" b="0"/>
-          </a:lnRef>
-          <a:fillRef idx="0">
-            <a:scrgbClr r="0" g="0" b="0"/>
-          </a:fillRef>
-          <a:effectRef idx="0">
-            <a:scrgbClr r="0" g="0" b="0"/>
-          </a:effectRef>
-          <a:fontRef idx="minor">
-            <a:schemeClr val="lt1"/>
-          </a:fontRef>
-        </p:style>
-        <p:txBody>
-          <a:bodyPr rtlCol="0" anchor="ctr"/>
-          <a:lstStyle/>
-          <a:p>
-            <a:pPr algn="ctr"/>
-            <a:r>
-              <a:rPr lang="en-US" dirty="0" err="1"/>
-              <a:t>Quản</a:t>
-            </a:r>
-            <a:r>
-              <a:rPr lang="en-US" dirty="0"/>
-              <a:t> </a:t>
-            </a:r>
-            <a:r>
-              <a:rPr lang="en-US" dirty="0" err="1"/>
-              <a:t>lý</a:t>
-            </a:r>
-            <a:r>
-              <a:rPr lang="en-US" dirty="0"/>
-              <a:t> </a:t>
-            </a:r>
-            <a:r>
-              <a:rPr lang="en-US" dirty="0" err="1"/>
-              <a:t>nhập</a:t>
-            </a:r>
-            <a:r>
-              <a:rPr lang="en-US" dirty="0"/>
-              <a:t> </a:t>
-            </a:r>
-            <a:r>
-              <a:rPr lang="en-US" dirty="0" err="1"/>
-              <a:t>hàng</a:t>
-            </a:r>
-            <a:endParaRPr lang="en-US" dirty="0"/>
-          </a:p>
-        </p:txBody>
-      </p:sp>
-      <p:sp>
-        <p:nvSpPr>
-          <p:cNvPr id="34" name="Rectangle: Rounded Corners 33">
-            <a:extLst>
-              <a:ext uri="{FF2B5EF4-FFF2-40B4-BE49-F238E27FC236}">
-                <a16:creationId xmlns:a16="http://schemas.microsoft.com/office/drawing/2014/main" id="{B1B59F89-73CF-4346-AD53-962D9375810E}"/>
-              </a:ext>
-            </a:extLst>
-          </p:cNvPr>
-          <p:cNvSpPr/>
-          <p:nvPr/>
-        </p:nvSpPr>
-        <p:spPr>
-          <a:xfrm>
-            <a:off x="2859257" y="1655077"/>
-            <a:ext cx="2509679" cy="914400"/>
-          </a:xfrm>
-          <a:prstGeom prst="roundRect">
-            <a:avLst/>
-          </a:prstGeom>
-          <a:solidFill>
-            <a:schemeClr val="accent2">
-              <a:alpha val="50000"/>
-            </a:schemeClr>
-          </a:solidFill>
-          <a:ln>
-            <a:noFill/>
-          </a:ln>
-        </p:spPr>
-        <p:style>
-          <a:lnRef idx="0">
-            <a:scrgbClr r="0" g="0" b="0"/>
-          </a:lnRef>
-          <a:fillRef idx="0">
-            <a:scrgbClr r="0" g="0" b="0"/>
-          </a:fillRef>
-          <a:effectRef idx="0">
-            <a:scrgbClr r="0" g="0" b="0"/>
-          </a:effectRef>
-          <a:fontRef idx="minor">
-            <a:schemeClr val="lt1"/>
-          </a:fontRef>
-        </p:style>
-        <p:txBody>
-          <a:bodyPr rtlCol="0" anchor="ctr"/>
-          <a:lstStyle/>
-          <a:p>
-            <a:pPr algn="ctr"/>
-            <a:r>
-              <a:rPr lang="en-US" dirty="0" err="1"/>
-              <a:t>Quản</a:t>
-            </a:r>
-            <a:r>
-              <a:rPr lang="en-US" dirty="0"/>
-              <a:t> </a:t>
-            </a:r>
-            <a:r>
-              <a:rPr lang="en-US" dirty="0" err="1"/>
-              <a:t>lý</a:t>
-            </a:r>
-            <a:r>
-              <a:rPr lang="en-US" dirty="0"/>
-              <a:t> </a:t>
-            </a:r>
-            <a:r>
-              <a:rPr lang="en-US" dirty="0" err="1"/>
-              <a:t>loại</a:t>
-            </a:r>
-            <a:r>
-              <a:rPr lang="en-US" dirty="0"/>
-              <a:t> </a:t>
-            </a:r>
-            <a:r>
-              <a:rPr lang="en-US" dirty="0" err="1"/>
-              <a:t>sản</a:t>
-            </a:r>
-            <a:r>
-              <a:rPr lang="en-US" dirty="0"/>
-              <a:t> </a:t>
-            </a:r>
-            <a:r>
-              <a:rPr lang="en-US" dirty="0" err="1"/>
-              <a:t>phẩm</a:t>
-            </a:r>
-            <a:endParaRPr lang="en-US" dirty="0"/>
-          </a:p>
-        </p:txBody>
-      </p:sp>
-      <p:sp>
-        <p:nvSpPr>
-          <p:cNvPr id="36" name="Rectangle: Rounded Corners 35">
-            <a:extLst>
-              <a:ext uri="{FF2B5EF4-FFF2-40B4-BE49-F238E27FC236}">
-                <a16:creationId xmlns:a16="http://schemas.microsoft.com/office/drawing/2014/main" id="{BD20FE7D-6BD6-4B16-8326-DF4B20ED2E43}"/>
-              </a:ext>
-            </a:extLst>
-          </p:cNvPr>
-          <p:cNvSpPr/>
-          <p:nvPr/>
-        </p:nvSpPr>
-        <p:spPr>
-          <a:xfrm>
-            <a:off x="6457950" y="3662362"/>
-            <a:ext cx="2214721" cy="914400"/>
-          </a:xfrm>
-          <a:prstGeom prst="roundRect">
-            <a:avLst/>
-          </a:prstGeom>
-          <a:solidFill>
-            <a:schemeClr val="accent2">
-              <a:alpha val="50000"/>
-            </a:schemeClr>
-          </a:solidFill>
-          <a:ln>
-            <a:noFill/>
-          </a:ln>
-        </p:spPr>
-        <p:style>
-          <a:lnRef idx="0">
-            <a:scrgbClr r="0" g="0" b="0"/>
-          </a:lnRef>
-          <a:fillRef idx="0">
-            <a:scrgbClr r="0" g="0" b="0"/>
-          </a:fillRef>
-          <a:effectRef idx="0">
-            <a:scrgbClr r="0" g="0" b="0"/>
-          </a:effectRef>
-          <a:fontRef idx="minor">
-            <a:schemeClr val="lt1"/>
-          </a:fontRef>
-        </p:style>
-        <p:txBody>
-          <a:bodyPr rtlCol="0" anchor="ctr"/>
-          <a:lstStyle/>
-          <a:p>
-            <a:pPr algn="ctr"/>
-            <a:r>
-              <a:rPr lang="en-US" dirty="0" err="1"/>
-              <a:t>Quản</a:t>
-            </a:r>
-            <a:r>
-              <a:rPr lang="en-US" dirty="0"/>
-              <a:t> </a:t>
-            </a:r>
-            <a:r>
-              <a:rPr lang="en-US" dirty="0" err="1"/>
-              <a:t>lý</a:t>
-            </a:r>
-            <a:r>
-              <a:rPr lang="en-US" dirty="0"/>
-              <a:t> </a:t>
-            </a:r>
-            <a:r>
-              <a:rPr lang="en-US" dirty="0" err="1"/>
-              <a:t>nhân</a:t>
-            </a:r>
-            <a:r>
-              <a:rPr lang="en-US" dirty="0"/>
-              <a:t> </a:t>
-            </a:r>
-            <a:r>
-              <a:rPr lang="en-US" dirty="0" err="1"/>
-              <a:t>viên</a:t>
-            </a:r>
-            <a:endParaRPr lang="en-US" dirty="0"/>
-          </a:p>
-        </p:txBody>
-      </p:sp>
-      <p:sp>
-        <p:nvSpPr>
-          <p:cNvPr id="38" name="Rectangle: Rounded Corners 37">
-            <a:extLst>
-              <a:ext uri="{FF2B5EF4-FFF2-40B4-BE49-F238E27FC236}">
-                <a16:creationId xmlns:a16="http://schemas.microsoft.com/office/drawing/2014/main" id="{D66EB0AA-17ED-4990-82BE-D9EE4B08D337}"/>
-              </a:ext>
-            </a:extLst>
-          </p:cNvPr>
-          <p:cNvSpPr/>
-          <p:nvPr/>
-        </p:nvSpPr>
-        <p:spPr>
-          <a:xfrm>
-            <a:off x="5486400" y="5437742"/>
-            <a:ext cx="2214721" cy="914400"/>
-          </a:xfrm>
-          <a:prstGeom prst="roundRect">
-            <a:avLst/>
-          </a:prstGeom>
-          <a:solidFill>
-            <a:schemeClr val="accent2">
-              <a:alpha val="50000"/>
-            </a:schemeClr>
-          </a:solidFill>
-          <a:ln>
-            <a:noFill/>
-          </a:ln>
-        </p:spPr>
-        <p:style>
-          <a:lnRef idx="0">
-            <a:scrgbClr r="0" g="0" b="0"/>
-          </a:lnRef>
-          <a:fillRef idx="0">
-            <a:scrgbClr r="0" g="0" b="0"/>
-          </a:fillRef>
-          <a:effectRef idx="0">
-            <a:scrgbClr r="0" g="0" b="0"/>
-          </a:effectRef>
-          <a:fontRef idx="minor">
-            <a:schemeClr val="lt1"/>
-          </a:fontRef>
-        </p:style>
-        <p:txBody>
-          <a:bodyPr rtlCol="0" anchor="ctr"/>
-          <a:lstStyle/>
-          <a:p>
-            <a:pPr algn="ctr"/>
-            <a:r>
-              <a:rPr lang="en-US" dirty="0" err="1"/>
-              <a:t>Quản</a:t>
-            </a:r>
-            <a:r>
-              <a:rPr lang="en-US" dirty="0"/>
-              <a:t> </a:t>
-            </a:r>
-            <a:r>
-              <a:rPr lang="en-US" dirty="0" err="1"/>
-              <a:t>lý</a:t>
-            </a:r>
-            <a:r>
-              <a:rPr lang="en-US" dirty="0"/>
-              <a:t> đ</a:t>
-            </a:r>
-            <a:r>
-              <a:rPr lang="vi-VN" dirty="0"/>
-              <a:t>ơ</a:t>
-            </a:r>
-            <a:r>
-              <a:rPr lang="en-US" dirty="0"/>
-              <a:t>n </a:t>
-            </a:r>
-            <a:r>
-              <a:rPr lang="en-US" dirty="0" err="1"/>
-              <a:t>hàng</a:t>
-            </a:r>
-            <a:endParaRPr lang="en-US" dirty="0"/>
-          </a:p>
-        </p:txBody>
-      </p:sp>
     </p:spTree>
     <p:extLst>
       <p:ext uri="{BB962C8B-B14F-4D97-AF65-F5344CB8AC3E}">
-        <p14:creationId xmlns:p14="http://schemas.microsoft.com/office/powerpoint/2010/main" val="3741222515"/>
+        <p14:creationId xmlns:p14="http://schemas.microsoft.com/office/powerpoint/2010/main" val="3954612321"/>
       </p:ext>
     </p:extLst>
   </p:cSld>
